--- a/source/Chapitre 9 - Les listes.pptx
+++ b/source/Chapitre 9 - Les listes.pptx
@@ -5,7 +5,7 @@
     <p:sldMasterId id="2147483804" r:id="rId1"/>
   </p:sldMasterIdLst>
   <p:notesMasterIdLst>
-    <p:notesMasterId r:id="rId25"/>
+    <p:notesMasterId r:id="rId26"/>
   </p:notesMasterIdLst>
   <p:sldIdLst>
     <p:sldId id="257" r:id="rId2"/>
@@ -28,9 +28,10 @@
     <p:sldId id="307" r:id="rId19"/>
     <p:sldId id="309" r:id="rId20"/>
     <p:sldId id="308" r:id="rId21"/>
-    <p:sldId id="310" r:id="rId22"/>
-    <p:sldId id="311" r:id="rId23"/>
-    <p:sldId id="284" r:id="rId24"/>
+    <p:sldId id="312" r:id="rId22"/>
+    <p:sldId id="310" r:id="rId23"/>
+    <p:sldId id="311" r:id="rId24"/>
+    <p:sldId id="284" r:id="rId25"/>
   </p:sldIdLst>
   <p:sldSz cx="12192000" cy="6858000"/>
   <p:notesSz cx="6858000" cy="9144000"/>
@@ -140,7 +141,7 @@
 <file path=ppt/revisionInfo.xml><?xml version="1.0" encoding="utf-8"?>
 <p1510:revInfo xmlns:a="http://schemas.openxmlformats.org/drawingml/2006/main" xmlns:r="http://schemas.openxmlformats.org/officeDocument/2006/relationships" xmlns:p1510="http://schemas.microsoft.com/office/powerpoint/2015/10/main">
   <p1510:revLst>
-    <p1510:client id="{FA439B40-CE70-4594-AB51-0583BED6F80E}" v="38" dt="2024-03-17T13:49:36.113"/>
+    <p1510:client id="{FA439B40-CE70-4594-AB51-0583BED6F80E}" v="648" dt="2024-03-22T14:01:14.440"/>
   </p1510:revLst>
 </p1510:revInfo>
 </file>
@@ -150,7 +151,7 @@
   <pc:docChgLst>
     <pc:chgData name="Ismaël Tuo" userId="fca7baf0e513a1e6" providerId="LiveId" clId="{FA439B40-CE70-4594-AB51-0583BED6F80E}"/>
     <pc:docChg chg="undo custSel addSld delSld modSld sldOrd">
-      <pc:chgData name="Ismaël Tuo" userId="fca7baf0e513a1e6" providerId="LiveId" clId="{FA439B40-CE70-4594-AB51-0583BED6F80E}" dt="2024-03-17T14:09:31.320" v="5510" actId="20577"/>
+      <pc:chgData name="Ismaël Tuo" userId="fca7baf0e513a1e6" providerId="LiveId" clId="{FA439B40-CE70-4594-AB51-0583BED6F80E}" dt="2024-03-22T14:05:43.503" v="8258" actId="1076"/>
       <pc:docMkLst>
         <pc:docMk/>
       </pc:docMkLst>
@@ -865,8 +866,8 @@
           <pc:sldMk cId="904226985" sldId="308"/>
         </pc:sldMkLst>
       </pc:sldChg>
-      <pc:sldChg chg="modSp add mod ord">
-        <pc:chgData name="Ismaël Tuo" userId="fca7baf0e513a1e6" providerId="LiveId" clId="{FA439B40-CE70-4594-AB51-0583BED6F80E}" dt="2024-03-17T14:08:56.931" v="5478"/>
+      <pc:sldChg chg="addSp modSp add mod ord">
+        <pc:chgData name="Ismaël Tuo" userId="fca7baf0e513a1e6" providerId="LiveId" clId="{FA439B40-CE70-4594-AB51-0583BED6F80E}" dt="2024-03-22T14:01:14.439" v="8255" actId="20577"/>
         <pc:sldMkLst>
           <pc:docMk/>
           <pc:sldMk cId="3697549747" sldId="308"/>
@@ -880,11 +881,27 @@
           </ac:spMkLst>
         </pc:spChg>
         <pc:spChg chg="mod">
-          <ac:chgData name="Ismaël Tuo" userId="fca7baf0e513a1e6" providerId="LiveId" clId="{FA439B40-CE70-4594-AB51-0583BED6F80E}" dt="2024-03-17T14:07:13.932" v="5460" actId="20577"/>
+          <ac:chgData name="Ismaël Tuo" userId="fca7baf0e513a1e6" providerId="LiveId" clId="{FA439B40-CE70-4594-AB51-0583BED6F80E}" dt="2024-03-22T13:29:18.721" v="5710" actId="20577"/>
           <ac:spMkLst>
             <pc:docMk/>
             <pc:sldMk cId="3697549747" sldId="308"/>
             <ac:spMk id="7" creationId="{990321CC-02EF-ED64-0AA9-789ED60F60B1}"/>
+          </ac:spMkLst>
+        </pc:spChg>
+        <pc:spChg chg="add mod">
+          <ac:chgData name="Ismaël Tuo" userId="fca7baf0e513a1e6" providerId="LiveId" clId="{FA439B40-CE70-4594-AB51-0583BED6F80E}" dt="2024-03-22T14:01:14.439" v="8255" actId="20577"/>
+          <ac:spMkLst>
+            <pc:docMk/>
+            <pc:sldMk cId="3697549747" sldId="308"/>
+            <ac:spMk id="8" creationId="{BEECF3A8-73CE-9EC0-B923-08D73787138E}"/>
+          </ac:spMkLst>
+        </pc:spChg>
+        <pc:spChg chg="add mod">
+          <ac:chgData name="Ismaël Tuo" userId="fca7baf0e513a1e6" providerId="LiveId" clId="{FA439B40-CE70-4594-AB51-0583BED6F80E}" dt="2024-03-22T13:41:54.576" v="7187" actId="1076"/>
+          <ac:spMkLst>
+            <pc:docMk/>
+            <pc:sldMk cId="3697549747" sldId="308"/>
+            <ac:spMk id="9" creationId="{855DD3C9-6D26-77D0-6ED2-7C5E00EB6800}"/>
           </ac:spMkLst>
         </pc:spChg>
       </pc:sldChg>
@@ -948,6 +965,85 @@
           </ac:spMkLst>
         </pc:spChg>
       </pc:sldChg>
+      <pc:sldChg chg="addSp delSp modSp add mod">
+        <pc:chgData name="Ismaël Tuo" userId="fca7baf0e513a1e6" providerId="LiveId" clId="{FA439B40-CE70-4594-AB51-0583BED6F80E}" dt="2024-03-22T14:05:43.503" v="8258" actId="1076"/>
+        <pc:sldMkLst>
+          <pc:docMk/>
+          <pc:sldMk cId="1993176343" sldId="312"/>
+        </pc:sldMkLst>
+        <pc:spChg chg="del">
+          <ac:chgData name="Ismaël Tuo" userId="fca7baf0e513a1e6" providerId="LiveId" clId="{FA439B40-CE70-4594-AB51-0583BED6F80E}" dt="2024-03-22T13:42:52.887" v="7189" actId="478"/>
+          <ac:spMkLst>
+            <pc:docMk/>
+            <pc:sldMk cId="1993176343" sldId="312"/>
+            <ac:spMk id="2" creationId="{598CC1F4-92B5-97D6-5630-8A3701211AA4}"/>
+          </ac:spMkLst>
+        </pc:spChg>
+        <pc:spChg chg="mod">
+          <ac:chgData name="Ismaël Tuo" userId="fca7baf0e513a1e6" providerId="LiveId" clId="{FA439B40-CE70-4594-AB51-0583BED6F80E}" dt="2024-03-22T13:55:07.073" v="8242" actId="1076"/>
+          <ac:spMkLst>
+            <pc:docMk/>
+            <pc:sldMk cId="1993176343" sldId="312"/>
+            <ac:spMk id="7" creationId="{990321CC-02EF-ED64-0AA9-789ED60F60B1}"/>
+          </ac:spMkLst>
+        </pc:spChg>
+        <pc:spChg chg="mod">
+          <ac:chgData name="Ismaël Tuo" userId="fca7baf0e513a1e6" providerId="LiveId" clId="{FA439B40-CE70-4594-AB51-0583BED6F80E}" dt="2024-03-22T14:05:34.803" v="8256" actId="1076"/>
+          <ac:spMkLst>
+            <pc:docMk/>
+            <pc:sldMk cId="1993176343" sldId="312"/>
+            <ac:spMk id="8" creationId="{BEECF3A8-73CE-9EC0-B923-08D73787138E}"/>
+          </ac:spMkLst>
+        </pc:spChg>
+        <pc:spChg chg="del">
+          <ac:chgData name="Ismaël Tuo" userId="fca7baf0e513a1e6" providerId="LiveId" clId="{FA439B40-CE70-4594-AB51-0583BED6F80E}" dt="2024-03-22T13:44:15.097" v="7470" actId="478"/>
+          <ac:spMkLst>
+            <pc:docMk/>
+            <pc:sldMk cId="1993176343" sldId="312"/>
+            <ac:spMk id="9" creationId="{855DD3C9-6D26-77D0-6ED2-7C5E00EB6800}"/>
+          </ac:spMkLst>
+        </pc:spChg>
+        <pc:spChg chg="add mod">
+          <ac:chgData name="Ismaël Tuo" userId="fca7baf0e513a1e6" providerId="LiveId" clId="{FA439B40-CE70-4594-AB51-0583BED6F80E}" dt="2024-03-22T14:05:43.503" v="8258" actId="1076"/>
+          <ac:spMkLst>
+            <pc:docMk/>
+            <pc:sldMk cId="1993176343" sldId="312"/>
+            <ac:spMk id="10" creationId="{24D98DAF-178C-EE92-6768-D47D152A08B6}"/>
+          </ac:spMkLst>
+        </pc:spChg>
+        <pc:spChg chg="add mod">
+          <ac:chgData name="Ismaël Tuo" userId="fca7baf0e513a1e6" providerId="LiveId" clId="{FA439B40-CE70-4594-AB51-0583BED6F80E}" dt="2024-03-22T13:51:37.820" v="8067"/>
+          <ac:spMkLst>
+            <pc:docMk/>
+            <pc:sldMk cId="1993176343" sldId="312"/>
+            <ac:spMk id="11" creationId="{F746C6FC-0DAA-D0CB-B420-4ECE34891936}"/>
+          </ac:spMkLst>
+        </pc:spChg>
+        <pc:spChg chg="add mod">
+          <ac:chgData name="Ismaël Tuo" userId="fca7baf0e513a1e6" providerId="LiveId" clId="{FA439B40-CE70-4594-AB51-0583BED6F80E}" dt="2024-03-22T13:55:00.533" v="8239" actId="1076"/>
+          <ac:spMkLst>
+            <pc:docMk/>
+            <pc:sldMk cId="1993176343" sldId="312"/>
+            <ac:spMk id="12" creationId="{19CB152B-9880-A07F-BB5E-1B89D0E262F0}"/>
+          </ac:spMkLst>
+        </pc:spChg>
+        <pc:picChg chg="add mod">
+          <ac:chgData name="Ismaël Tuo" userId="fca7baf0e513a1e6" providerId="LiveId" clId="{FA439B40-CE70-4594-AB51-0583BED6F80E}" dt="2024-03-22T13:54:52.441" v="8237" actId="1076"/>
+          <ac:picMkLst>
+            <pc:docMk/>
+            <pc:sldMk cId="1993176343" sldId="312"/>
+            <ac:picMk id="14" creationId="{BED949AF-1F38-1FCE-BFDB-F258BCE9ADBC}"/>
+          </ac:picMkLst>
+        </pc:picChg>
+        <pc:picChg chg="add mod">
+          <ac:chgData name="Ismaël Tuo" userId="fca7baf0e513a1e6" providerId="LiveId" clId="{FA439B40-CE70-4594-AB51-0583BED6F80E}" dt="2024-03-22T13:54:57.712" v="8238" actId="1076"/>
+          <ac:picMkLst>
+            <pc:docMk/>
+            <pc:sldMk cId="1993176343" sldId="312"/>
+            <ac:picMk id="16" creationId="{512CC83F-89E7-E85A-C945-D7CA300770B6}"/>
+          </ac:picMkLst>
+        </pc:picChg>
+      </pc:sldChg>
     </pc:docChg>
   </pc:docChgLst>
 </pc:chgInfo>
@@ -1035,7 +1131,7 @@
           <a:p>
             <a:fld id="{5D1B8971-FAD5-A544-A565-5C81831E2E08}" type="datetimeFigureOut">
               <a:rPr lang="fr-FR" smtClean="0"/>
-              <a:t>17/03/2024</a:t>
+              <a:t>22/03/2024</a:t>
             </a:fld>
             <a:endParaRPr lang="fr-FR"/>
           </a:p>
@@ -1465,7 +1561,7 @@
           <a:p>
             <a:fld id="{446AF453-C717-E044-9B61-C449088DBB9F}" type="datetime1">
               <a:rPr lang="fr-FR" smtClean="0"/>
-              <a:t>17/03/2024</a:t>
+              <a:t>22/03/2024</a:t>
             </a:fld>
             <a:endParaRPr lang="fr-FR"/>
           </a:p>
@@ -1639,7 +1735,7 @@
           <a:p>
             <a:fld id="{0AD74B8B-4B66-A54B-A7E1-EB9F6C09CE67}" type="datetime1">
               <a:rPr lang="fr-FR" smtClean="0"/>
-              <a:t>17/03/2024</a:t>
+              <a:t>22/03/2024</a:t>
             </a:fld>
             <a:endParaRPr lang="fr-FR"/>
           </a:p>
@@ -1823,7 +1919,7 @@
           <a:p>
             <a:fld id="{9584F9F2-42A0-CD42-8013-986AEAF97421}" type="datetime1">
               <a:rPr lang="fr-FR" smtClean="0"/>
-              <a:t>17/03/2024</a:t>
+              <a:t>22/03/2024</a:t>
             </a:fld>
             <a:endParaRPr lang="fr-FR"/>
           </a:p>
@@ -1997,7 +2093,7 @@
           <a:p>
             <a:fld id="{DAB9BD9F-3179-BB4C-96AB-C40862581685}" type="datetime1">
               <a:rPr lang="fr-FR" smtClean="0"/>
-              <a:t>17/03/2024</a:t>
+              <a:t>22/03/2024</a:t>
             </a:fld>
             <a:endParaRPr lang="fr-FR"/>
           </a:p>
@@ -2269,7 +2365,7 @@
           <a:p>
             <a:fld id="{A664DE96-64FF-BC43-8A9C-18ED43A528D6}" type="datetime1">
               <a:rPr lang="fr-FR" smtClean="0"/>
-              <a:t>17/03/2024</a:t>
+              <a:t>22/03/2024</a:t>
             </a:fld>
             <a:endParaRPr lang="fr-FR"/>
           </a:p>
@@ -2505,7 +2601,7 @@
           <a:p>
             <a:fld id="{2C8FE800-9F9B-1C4F-A1CD-9EF46842C4CA}" type="datetime1">
               <a:rPr lang="fr-FR" smtClean="0"/>
-              <a:t>17/03/2024</a:t>
+              <a:t>22/03/2024</a:t>
             </a:fld>
             <a:endParaRPr lang="fr-FR"/>
           </a:p>
@@ -2868,7 +2964,7 @@
           <a:p>
             <a:fld id="{0F7DED4E-8CB4-EF40-A349-EFC02EC7784E}" type="datetime1">
               <a:rPr lang="fr-FR" smtClean="0"/>
-              <a:t>17/03/2024</a:t>
+              <a:t>22/03/2024</a:t>
             </a:fld>
             <a:endParaRPr lang="fr-FR"/>
           </a:p>
@@ -3013,7 +3109,7 @@
           <a:p>
             <a:fld id="{5BB88D77-E8A2-E24F-81D2-817E60779F3E}" type="datetime1">
               <a:rPr lang="fr-FR" smtClean="0"/>
-              <a:t>17/03/2024</a:t>
+              <a:t>22/03/2024</a:t>
             </a:fld>
             <a:endParaRPr lang="fr-FR"/>
           </a:p>
@@ -3112,7 +3208,7 @@
           <a:p>
             <a:fld id="{817F964E-5B57-884A-A1B8-925BFA5276AF}" type="datetime1">
               <a:rPr lang="fr-FR" smtClean="0"/>
-              <a:t>17/03/2024</a:t>
+              <a:t>22/03/2024</a:t>
             </a:fld>
             <a:endParaRPr lang="fr-FR"/>
           </a:p>
@@ -3473,7 +3569,7 @@
           <a:p>
             <a:fld id="{D5636CD0-A2E6-1543-A0E5-C829C16FEE55}" type="datetime1">
               <a:rPr lang="fr-FR" smtClean="0"/>
-              <a:t>17/03/2024</a:t>
+              <a:t>22/03/2024</a:t>
             </a:fld>
             <a:endParaRPr lang="fr-FR"/>
           </a:p>
@@ -3834,7 +3930,7 @@
           <a:p>
             <a:fld id="{CEE5CE4A-5B1A-1846-BA66-722BDB7A9525}" type="datetime1">
               <a:rPr lang="fr-FR" smtClean="0"/>
-              <a:t>17/03/2024</a:t>
+              <a:t>22/03/2024</a:t>
             </a:fld>
             <a:endParaRPr lang="fr-FR"/>
           </a:p>
@@ -4081,7 +4177,7 @@
           <a:p>
             <a:fld id="{55A13D9C-CA6E-9C45-8634-4423EBFFD553}" type="datetime1">
               <a:rPr lang="fr-FR" smtClean="0"/>
-              <a:t>17/03/2024</a:t>
+              <a:t>22/03/2024</a:t>
             </a:fld>
             <a:endParaRPr lang="fr-FR"/>
           </a:p>
@@ -8284,8 +8380,8 @@
         </p:nvSpPr>
         <p:spPr>
           <a:xfrm>
-            <a:off x="397564" y="1090885"/>
-            <a:ext cx="11088982" cy="400110"/>
+            <a:off x="397564" y="1141856"/>
+            <a:ext cx="11088982" cy="707886"/>
           </a:xfrm>
           <a:prstGeom prst="rect">
             <a:avLst/>
@@ -8310,11 +8406,350 @@
                 <a:latin typeface="Times New Roman" panose="02020603050405020304" pitchFamily="18" charset="0"/>
                 <a:cs typeface="Times New Roman" panose="02020603050405020304" pitchFamily="18" charset="0"/>
               </a:rPr>
-              <a:t>Chiffre césar</a:t>
-            </a:r>
-          </a:p>
-        </p:txBody>
-      </p:sp>
+              <a:t>Le chiffre de César (ou chiffrement par décalage) est un algorithme de chiffrement très simple que Jules César utilisait pour chiffrer certains messages qu’il envoyait.</a:t>
+            </a:r>
+          </a:p>
+        </p:txBody>
+      </p:sp>
+      <mc:AlternateContent xmlns:mc="http://schemas.openxmlformats.org/markup-compatibility/2006">
+        <mc:Choice xmlns:a14="http://schemas.microsoft.com/office/drawing/2010/main" Requires="a14">
+          <p:sp>
+            <p:nvSpPr>
+              <p:cNvPr id="8" name="ZoneTexte 7">
+                <a:extLst>
+                  <a:ext uri="{FF2B5EF4-FFF2-40B4-BE49-F238E27FC236}">
+                    <a16:creationId xmlns:a16="http://schemas.microsoft.com/office/drawing/2014/main" id="{BEECF3A8-73CE-9EC0-B923-08D73787138E}"/>
+                  </a:ext>
+                </a:extLst>
+              </p:cNvPr>
+              <p:cNvSpPr txBox="1"/>
+              <p:nvPr/>
+            </p:nvSpPr>
+            <p:spPr>
+              <a:xfrm>
+                <a:off x="397564" y="1976103"/>
+                <a:ext cx="11088982" cy="3170099"/>
+              </a:xfrm>
+              <a:prstGeom prst="rect">
+                <a:avLst/>
+              </a:prstGeom>
+              <a:noFill/>
+            </p:spPr>
+            <p:txBody>
+              <a:bodyPr wrap="square" rtlCol="0">
+                <a:spAutoFit/>
+              </a:bodyPr>
+              <a:lstStyle>
+                <a:defPPr>
+                  <a:defRPr lang="en-US"/>
+                </a:defPPr>
+                <a:lvl1pPr>
+                  <a:defRPr sz="2000"/>
+                </a:lvl1pPr>
+              </a:lstStyle>
+              <a:p>
+                <a:r>
+                  <a:rPr lang="fr-FR" dirty="0">
+                    <a:latin typeface="Times New Roman" panose="02020603050405020304" pitchFamily="18" charset="0"/>
+                    <a:cs typeface="Times New Roman" panose="02020603050405020304" pitchFamily="18" charset="0"/>
+                  </a:rPr>
+                  <a:t>Le principe du chiffrement est le suivant:</a:t>
+                </a:r>
+              </a:p>
+              <a:p>
+                <a:r>
+                  <a:rPr lang="fr-FR" dirty="0">
+                    <a:latin typeface="Times New Roman" panose="02020603050405020304" pitchFamily="18" charset="0"/>
+                    <a:cs typeface="Times New Roman" panose="02020603050405020304" pitchFamily="18" charset="0"/>
+                  </a:rPr>
+                  <a:t>Pour un message à chiffrer, on remplace chaque lettre par une lettre différente, située </a:t>
+                </a:r>
+                <a14:m>
+                  <m:oMath xmlns:m="http://schemas.openxmlformats.org/officeDocument/2006/math">
+                    <m:r>
+                      <a:rPr lang="fr-FR" b="0" i="1" smtClean="0">
+                        <a:latin typeface="Cambria Math" panose="02040503050406030204" pitchFamily="18" charset="0"/>
+                        <a:cs typeface="Times New Roman" panose="02020603050405020304" pitchFamily="18" charset="0"/>
+                      </a:rPr>
+                      <m:t>𝑥</m:t>
+                    </m:r>
+                  </m:oMath>
+                </a14:m>
+                <a:r>
+                  <a:rPr lang="fr-FR" dirty="0">
+                    <a:latin typeface="Times New Roman" panose="02020603050405020304" pitchFamily="18" charset="0"/>
+                    <a:cs typeface="Times New Roman" panose="02020603050405020304" pitchFamily="18" charset="0"/>
+                  </a:rPr>
+                  <a:t> lettres après dans l’alphabet où </a:t>
+                </a:r>
+                <a14:m>
+                  <m:oMath xmlns:m="http://schemas.openxmlformats.org/officeDocument/2006/math">
+                    <m:r>
+                      <a:rPr lang="fr-FR" b="0" i="1" smtClean="0">
+                        <a:latin typeface="Cambria Math" panose="02040503050406030204" pitchFamily="18" charset="0"/>
+                        <a:cs typeface="Times New Roman" panose="02020603050405020304" pitchFamily="18" charset="0"/>
+                      </a:rPr>
+                      <m:t>𝑥</m:t>
+                    </m:r>
+                  </m:oMath>
+                </a14:m>
+                <a:r>
+                  <a:rPr lang="fr-FR" dirty="0">
+                    <a:latin typeface="Times New Roman" panose="02020603050405020304" pitchFamily="18" charset="0"/>
+                    <a:cs typeface="Times New Roman" panose="02020603050405020304" pitchFamily="18" charset="0"/>
+                  </a:rPr>
+                  <a:t> est la valeur de la clé de chiffrement.</a:t>
+                </a:r>
+              </a:p>
+              <a:p>
+                <a:r>
+                  <a:rPr lang="fr-FR" dirty="0">
+                    <a:latin typeface="Times New Roman" panose="02020603050405020304" pitchFamily="18" charset="0"/>
+                    <a:cs typeface="Times New Roman" panose="02020603050405020304" pitchFamily="18" charset="0"/>
+                  </a:rPr>
+                  <a:t>Si l’on considère que chaque lettre de l’alphabet est numérotée de 0 à 25 (A=0, B=1,…,Z=25), cela revient à additionner la valeur de la lettre du texte en clair avec la valeur de la clé pour trouver la valeur de la lettre qui va remplacer la lettre non chiffrée.</a:t>
+                </a:r>
+              </a:p>
+              <a:p>
+                <a:r>
+                  <a:rPr lang="fr-FR" dirty="0">
+                    <a:latin typeface="Times New Roman" panose="02020603050405020304" pitchFamily="18" charset="0"/>
+                    <a:cs typeface="Times New Roman" panose="02020603050405020304" pitchFamily="18" charset="0"/>
+                  </a:rPr>
+                  <a:t>Par exemple pour chiffrer la chaine </a:t>
+                </a:r>
+                <a14:m>
+                  <m:oMath xmlns:m="http://schemas.openxmlformats.org/officeDocument/2006/math">
+                    <m:r>
+                      <a:rPr lang="fr-FR" b="0" i="1" smtClean="0">
+                        <a:latin typeface="Cambria Math" panose="02040503050406030204" pitchFamily="18" charset="0"/>
+                        <a:cs typeface="Times New Roman" panose="02020603050405020304" pitchFamily="18" charset="0"/>
+                      </a:rPr>
+                      <m:t>𝑍𝐸𝑇𝐴</m:t>
+                    </m:r>
+                  </m:oMath>
+                </a14:m>
+                <a:r>
+                  <a:rPr lang="fr-FR" dirty="0">
+                    <a:latin typeface="Times New Roman" panose="02020603050405020304" pitchFamily="18" charset="0"/>
+                    <a:cs typeface="Times New Roman" panose="02020603050405020304" pitchFamily="18" charset="0"/>
+                  </a:rPr>
+                  <a:t> avec une clé de chiffrement 1 on aura comme mot chiffré: </a:t>
+                </a:r>
+                <a14:m>
+                  <m:oMath xmlns:m="http://schemas.openxmlformats.org/officeDocument/2006/math">
+                    <m:r>
+                      <a:rPr lang="fr-FR" b="0" i="1" smtClean="0">
+                        <a:latin typeface="Cambria Math" panose="02040503050406030204" pitchFamily="18" charset="0"/>
+                        <a:cs typeface="Times New Roman" panose="02020603050405020304" pitchFamily="18" charset="0"/>
+                      </a:rPr>
+                      <m:t>𝐴𝐹𝑈𝐵</m:t>
+                    </m:r>
+                  </m:oMath>
+                </a14:m>
+                <a:r>
+                  <a:rPr lang="fr-FR" dirty="0">
+                    <a:latin typeface="Times New Roman" panose="02020603050405020304" pitchFamily="18" charset="0"/>
+                    <a:cs typeface="Times New Roman" panose="02020603050405020304" pitchFamily="18" charset="0"/>
+                  </a:rPr>
+                  <a:t> car la lettre 1 pas après Z est A et on recommence au début quand on arrive à la fin du tableau. On obtient le mot chiffré de </a:t>
+                </a:r>
+                <a14:m>
+                  <m:oMath xmlns:m="http://schemas.openxmlformats.org/officeDocument/2006/math">
+                    <m:r>
+                      <a:rPr lang="fr-FR" b="0" i="1" smtClean="0">
+                        <a:latin typeface="Cambria Math" panose="02040503050406030204" pitchFamily="18" charset="0"/>
+                        <a:cs typeface="Times New Roman" panose="02020603050405020304" pitchFamily="18" charset="0"/>
+                      </a:rPr>
+                      <m:t>𝑍𝐸𝑇𝐴</m:t>
+                    </m:r>
+                  </m:oMath>
+                </a14:m>
+                <a:r>
+                  <a:rPr lang="fr-FR" dirty="0">
+                    <a:latin typeface="Times New Roman" panose="02020603050405020304" pitchFamily="18" charset="0"/>
+                    <a:cs typeface="Times New Roman" panose="02020603050405020304" pitchFamily="18" charset="0"/>
+                  </a:rPr>
+                  <a:t> en remplaçant chaque lettre par la lettre qui la suit puisque le nombre de décalage est 1. </a:t>
+                </a:r>
+              </a:p>
+            </p:txBody>
+          </p:sp>
+        </mc:Choice>
+        <mc:Fallback>
+          <p:sp>
+            <p:nvSpPr>
+              <p:cNvPr id="8" name="ZoneTexte 7">
+                <a:extLst>
+                  <a:ext uri="{FF2B5EF4-FFF2-40B4-BE49-F238E27FC236}">
+                    <a16:creationId xmlns:a16="http://schemas.microsoft.com/office/drawing/2014/main" id="{BEECF3A8-73CE-9EC0-B923-08D73787138E}"/>
+                  </a:ext>
+                </a:extLst>
+              </p:cNvPr>
+              <p:cNvSpPr txBox="1">
+                <a:spLocks noRot="1" noChangeAspect="1" noMove="1" noResize="1" noEditPoints="1" noAdjustHandles="1" noChangeArrowheads="1" noChangeShapeType="1" noTextEdit="1"/>
+              </p:cNvSpPr>
+              <p:nvPr/>
+            </p:nvSpPr>
+            <p:spPr>
+              <a:xfrm>
+                <a:off x="397564" y="1976103"/>
+                <a:ext cx="11088982" cy="3170099"/>
+              </a:xfrm>
+              <a:prstGeom prst="rect">
+                <a:avLst/>
+              </a:prstGeom>
+              <a:blipFill>
+                <a:blip r:embed="rId2"/>
+                <a:stretch>
+                  <a:fillRect l="-550" t="-962" r="-880" b="-2500"/>
+                </a:stretch>
+              </a:blipFill>
+            </p:spPr>
+            <p:txBody>
+              <a:bodyPr/>
+              <a:lstStyle/>
+              <a:p>
+                <a:r>
+                  <a:rPr lang="fr-FR">
+                    <a:noFill/>
+                  </a:rPr>
+                  <a:t> </a:t>
+                </a:r>
+              </a:p>
+            </p:txBody>
+          </p:sp>
+        </mc:Fallback>
+      </mc:AlternateContent>
+      <mc:AlternateContent xmlns:mc="http://schemas.openxmlformats.org/markup-compatibility/2006">
+        <mc:Choice xmlns:a14="http://schemas.microsoft.com/office/drawing/2010/main" Requires="a14">
+          <p:sp>
+            <p:nvSpPr>
+              <p:cNvPr id="9" name="ZoneTexte 8">
+                <a:extLst>
+                  <a:ext uri="{FF2B5EF4-FFF2-40B4-BE49-F238E27FC236}">
+                    <a16:creationId xmlns:a16="http://schemas.microsoft.com/office/drawing/2014/main" id="{855DD3C9-6D26-77D0-6ED2-7C5E00EB6800}"/>
+                  </a:ext>
+                </a:extLst>
+              </p:cNvPr>
+              <p:cNvSpPr txBox="1"/>
+              <p:nvPr/>
+            </p:nvSpPr>
+            <p:spPr>
+              <a:xfrm>
+                <a:off x="397564" y="5220545"/>
+                <a:ext cx="11088982" cy="1015663"/>
+              </a:xfrm>
+              <a:prstGeom prst="rect">
+                <a:avLst/>
+              </a:prstGeom>
+              <a:noFill/>
+            </p:spPr>
+            <p:txBody>
+              <a:bodyPr wrap="square" rtlCol="0">
+                <a:spAutoFit/>
+              </a:bodyPr>
+              <a:lstStyle>
+                <a:defPPr>
+                  <a:defRPr lang="en-US"/>
+                </a:defPPr>
+                <a:lvl1pPr>
+                  <a:defRPr sz="2000"/>
+                </a:lvl1pPr>
+              </a:lstStyle>
+              <a:p>
+                <a:r>
+                  <a:rPr lang="fr-FR" dirty="0">
+                    <a:latin typeface="Times New Roman" panose="02020603050405020304" pitchFamily="18" charset="0"/>
+                    <a:cs typeface="Times New Roman" panose="02020603050405020304" pitchFamily="18" charset="0"/>
+                  </a:rPr>
+                  <a:t>Dans le cas du déchiffrement on fait des sauts en arrière contrairement au chiffrement qui fait des sauts en avant. Une lettre chiffrée par une clé </a:t>
+                </a:r>
+                <a14:m>
+                  <m:oMath xmlns:m="http://schemas.openxmlformats.org/officeDocument/2006/math">
+                    <m:r>
+                      <a:rPr lang="fr-FR" b="0" i="1" smtClean="0">
+                        <a:latin typeface="Cambria Math" panose="02040503050406030204" pitchFamily="18" charset="0"/>
+                        <a:cs typeface="Times New Roman" panose="02020603050405020304" pitchFamily="18" charset="0"/>
+                      </a:rPr>
+                      <m:t>𝑥</m:t>
+                    </m:r>
+                  </m:oMath>
+                </a14:m>
+                <a:r>
+                  <a:rPr lang="fr-FR" dirty="0">
+                    <a:latin typeface="Times New Roman" panose="02020603050405020304" pitchFamily="18" charset="0"/>
+                    <a:cs typeface="Times New Roman" panose="02020603050405020304" pitchFamily="18" charset="0"/>
+                  </a:rPr>
+                  <a:t> est déchiffrée par la lettre se trouvant à </a:t>
+                </a:r>
+                <a14:m>
+                  <m:oMath xmlns:m="http://schemas.openxmlformats.org/officeDocument/2006/math">
+                    <m:r>
+                      <a:rPr lang="fr-FR" b="0" i="1" smtClean="0">
+                        <a:latin typeface="Cambria Math" panose="02040503050406030204" pitchFamily="18" charset="0"/>
+                        <a:cs typeface="Times New Roman" panose="02020603050405020304" pitchFamily="18" charset="0"/>
+                      </a:rPr>
+                      <m:t>𝑥</m:t>
+                    </m:r>
+                  </m:oMath>
+                </a14:m>
+                <a:r>
+                  <a:rPr lang="fr-FR" dirty="0">
+                    <a:latin typeface="Times New Roman" panose="02020603050405020304" pitchFamily="18" charset="0"/>
+                    <a:cs typeface="Times New Roman" panose="02020603050405020304" pitchFamily="18" charset="0"/>
+                  </a:rPr>
+                  <a:t> caractères avant la lettre dans l’alphabet.</a:t>
+                </a:r>
+              </a:p>
+            </p:txBody>
+          </p:sp>
+        </mc:Choice>
+        <mc:Fallback>
+          <p:sp>
+            <p:nvSpPr>
+              <p:cNvPr id="9" name="ZoneTexte 8">
+                <a:extLst>
+                  <a:ext uri="{FF2B5EF4-FFF2-40B4-BE49-F238E27FC236}">
+                    <a16:creationId xmlns:a16="http://schemas.microsoft.com/office/drawing/2014/main" id="{855DD3C9-6D26-77D0-6ED2-7C5E00EB6800}"/>
+                  </a:ext>
+                </a:extLst>
+              </p:cNvPr>
+              <p:cNvSpPr txBox="1">
+                <a:spLocks noRot="1" noChangeAspect="1" noMove="1" noResize="1" noEditPoints="1" noAdjustHandles="1" noChangeArrowheads="1" noChangeShapeType="1" noTextEdit="1"/>
+              </p:cNvSpPr>
+              <p:nvPr/>
+            </p:nvSpPr>
+            <p:spPr>
+              <a:xfrm>
+                <a:off x="397564" y="5220545"/>
+                <a:ext cx="11088982" cy="1015663"/>
+              </a:xfrm>
+              <a:prstGeom prst="rect">
+                <a:avLst/>
+              </a:prstGeom>
+              <a:blipFill>
+                <a:blip r:embed="rId3"/>
+                <a:stretch>
+                  <a:fillRect l="-550" t="-2994" b="-9581"/>
+                </a:stretch>
+              </a:blipFill>
+            </p:spPr>
+            <p:txBody>
+              <a:bodyPr/>
+              <a:lstStyle/>
+              <a:p>
+                <a:r>
+                  <a:rPr lang="fr-FR">
+                    <a:noFill/>
+                  </a:rPr>
+                  <a:t> </a:t>
+                </a:r>
+              </a:p>
+            </p:txBody>
+          </p:sp>
+        </mc:Fallback>
+      </mc:AlternateContent>
     </p:spTree>
     <p:extLst>
       <p:ext uri="{BB962C8B-B14F-4D97-AF65-F5344CB8AC3E}">
@@ -8482,10 +8917,10 @@
       </p:cxnSp>
       <p:sp>
         <p:nvSpPr>
-          <p:cNvPr id="2" name="ZoneTexte 1">
-            <a:extLst>
-              <a:ext uri="{FF2B5EF4-FFF2-40B4-BE49-F238E27FC236}">
-                <a16:creationId xmlns:a16="http://schemas.microsoft.com/office/drawing/2014/main" id="{598CC1F4-92B5-97D6-5630-8A3701211AA4}"/>
+          <p:cNvPr id="7" name="ZoneTexte 6">
+            <a:extLst>
+              <a:ext uri="{FF2B5EF4-FFF2-40B4-BE49-F238E27FC236}">
+                <a16:creationId xmlns:a16="http://schemas.microsoft.com/office/drawing/2014/main" id="{990321CC-02EF-ED64-0AA9-789ED60F60B1}"/>
               </a:ext>
             </a:extLst>
           </p:cNvPr>
@@ -8494,46 +8929,8 @@
         </p:nvSpPr>
         <p:spPr>
           <a:xfrm>
-            <a:off x="397564" y="711780"/>
-            <a:ext cx="11569148" cy="400110"/>
-          </a:xfrm>
-          <a:prstGeom prst="rect">
-            <a:avLst/>
-          </a:prstGeom>
-          <a:noFill/>
-        </p:spPr>
-        <p:txBody>
-          <a:bodyPr wrap="square" rtlCol="0">
-            <a:spAutoFit/>
-          </a:bodyPr>
-          <a:lstStyle/>
-          <a:p>
-            <a:r>
-              <a:rPr lang="fr-FR" sz="2000" b="1" u="sng" dirty="0">
-                <a:latin typeface="Times New Roman" panose="02020603050405020304" pitchFamily="18" charset="0"/>
-                <a:cs typeface="Times New Roman" panose="02020603050405020304" pitchFamily="18" charset="0"/>
-              </a:rPr>
-              <a:t>Mini-Projet 4</a:t>
-            </a:r>
-          </a:p>
-        </p:txBody>
-      </p:sp>
-      <p:sp>
-        <p:nvSpPr>
-          <p:cNvPr id="7" name="ZoneTexte 6">
-            <a:extLst>
-              <a:ext uri="{FF2B5EF4-FFF2-40B4-BE49-F238E27FC236}">
-                <a16:creationId xmlns:a16="http://schemas.microsoft.com/office/drawing/2014/main" id="{990321CC-02EF-ED64-0AA9-789ED60F60B1}"/>
-              </a:ext>
-            </a:extLst>
-          </p:cNvPr>
-          <p:cNvSpPr txBox="1"/>
-          <p:nvPr/>
-        </p:nvSpPr>
-        <p:spPr>
-          <a:xfrm>
-            <a:off x="397564" y="1090885"/>
-            <a:ext cx="11088982" cy="400110"/>
+            <a:off x="397564" y="840602"/>
+            <a:ext cx="11088982" cy="1323439"/>
           </a:xfrm>
           <a:prstGeom prst="rect">
             <a:avLst/>
@@ -8558,26 +8955,228 @@
                 <a:latin typeface="Times New Roman" panose="02020603050405020304" pitchFamily="18" charset="0"/>
                 <a:cs typeface="Times New Roman" panose="02020603050405020304" pitchFamily="18" charset="0"/>
               </a:rPr>
-              <a:t>Chiffre </a:t>
-            </a:r>
-            <a:r>
-              <a:rPr lang="fr-FR" dirty="0" err="1">
+              <a:t>L’objectif est d’utiliser les connaissances apprises sur les listes pour écrire un programme Python qui permettra de déchiffrer/chiffrer un message fourni par un utilisateur avec une clé donnée.</a:t>
+            </a:r>
+          </a:p>
+          <a:p>
+            <a:r>
+              <a:rPr lang="fr-FR" dirty="0">
                 <a:latin typeface="Times New Roman" panose="02020603050405020304" pitchFamily="18" charset="0"/>
                 <a:cs typeface="Times New Roman" panose="02020603050405020304" pitchFamily="18" charset="0"/>
               </a:rPr>
-              <a:t>vigénère</a:t>
-            </a:r>
-            <a:endParaRPr lang="fr-FR" dirty="0">
-              <a:latin typeface="Times New Roman" panose="02020603050405020304" pitchFamily="18" charset="0"/>
-              <a:cs typeface="Times New Roman" panose="02020603050405020304" pitchFamily="18" charset="0"/>
-            </a:endParaRPr>
-          </a:p>
-        </p:txBody>
-      </p:sp>
+              <a:t>Le programme doit pouvoir chiffrer et déchiffrer des messages contenant des lettres majuscules et minuscules ainsi que des nombres.</a:t>
+            </a:r>
+          </a:p>
+        </p:txBody>
+      </p:sp>
+      <p:sp>
+        <p:nvSpPr>
+          <p:cNvPr id="8" name="ZoneTexte 7">
+            <a:extLst>
+              <a:ext uri="{FF2B5EF4-FFF2-40B4-BE49-F238E27FC236}">
+                <a16:creationId xmlns:a16="http://schemas.microsoft.com/office/drawing/2014/main" id="{BEECF3A8-73CE-9EC0-B923-08D73787138E}"/>
+              </a:ext>
+            </a:extLst>
+          </p:cNvPr>
+          <p:cNvSpPr txBox="1"/>
+          <p:nvPr/>
+        </p:nvSpPr>
+        <p:spPr>
+          <a:xfrm>
+            <a:off x="397564" y="3139670"/>
+            <a:ext cx="11088982" cy="400110"/>
+          </a:xfrm>
+          <a:prstGeom prst="rect">
+            <a:avLst/>
+          </a:prstGeom>
+          <a:noFill/>
+        </p:spPr>
+        <p:txBody>
+          <a:bodyPr wrap="square" rtlCol="0">
+            <a:spAutoFit/>
+          </a:bodyPr>
+          <a:lstStyle>
+            <a:defPPr>
+              <a:defRPr lang="en-US"/>
+            </a:defPPr>
+            <a:lvl1pPr>
+              <a:defRPr sz="2000"/>
+            </a:lvl1pPr>
+          </a:lstStyle>
+          <a:p>
+            <a:r>
+              <a:rPr lang="fr-FR" dirty="0">
+                <a:latin typeface="Times New Roman" panose="02020603050405020304" pitchFamily="18" charset="0"/>
+                <a:cs typeface="Times New Roman" panose="02020603050405020304" pitchFamily="18" charset="0"/>
+              </a:rPr>
+              <a:t>Ecrire le ficher Algorithme et ensuite le programme en Python.</a:t>
+            </a:r>
+          </a:p>
+        </p:txBody>
+      </p:sp>
+      <p:sp>
+        <p:nvSpPr>
+          <p:cNvPr id="10" name="ZoneTexte 9">
+            <a:extLst>
+              <a:ext uri="{FF2B5EF4-FFF2-40B4-BE49-F238E27FC236}">
+                <a16:creationId xmlns:a16="http://schemas.microsoft.com/office/drawing/2014/main" id="{24D98DAF-178C-EE92-6768-D47D152A08B6}"/>
+              </a:ext>
+            </a:extLst>
+          </p:cNvPr>
+          <p:cNvSpPr txBox="1"/>
+          <p:nvPr/>
+        </p:nvSpPr>
+        <p:spPr>
+          <a:xfrm>
+            <a:off x="419649" y="2097515"/>
+            <a:ext cx="11088982" cy="1015663"/>
+          </a:xfrm>
+          <a:prstGeom prst="rect">
+            <a:avLst/>
+          </a:prstGeom>
+          <a:noFill/>
+        </p:spPr>
+        <p:txBody>
+          <a:bodyPr wrap="square" rtlCol="0">
+            <a:spAutoFit/>
+          </a:bodyPr>
+          <a:lstStyle>
+            <a:defPPr>
+              <a:defRPr lang="en-US"/>
+            </a:defPPr>
+            <a:lvl1pPr>
+              <a:defRPr sz="2000"/>
+            </a:lvl1pPr>
+          </a:lstStyle>
+          <a:p>
+            <a:r>
+              <a:rPr lang="fr-FR" dirty="0">
+                <a:latin typeface="Times New Roman" panose="02020603050405020304" pitchFamily="18" charset="0"/>
+                <a:cs typeface="Times New Roman" panose="02020603050405020304" pitchFamily="18" charset="0"/>
+              </a:rPr>
+              <a:t>Lorsque le programme démarre, l’utilisateur doit choisir quel type d’opération il veut réaliser (chiffrement ou déchiffrement). Ensuite il doit saisir le texte qu’il veut chiffrer et la clé.</a:t>
+            </a:r>
+          </a:p>
+          <a:p>
+            <a:r>
+              <a:rPr lang="fr-FR" dirty="0">
+                <a:latin typeface="Times New Roman" panose="02020603050405020304" pitchFamily="18" charset="0"/>
+                <a:cs typeface="Times New Roman" panose="02020603050405020304" pitchFamily="18" charset="0"/>
+              </a:rPr>
+              <a:t>Le programme doit afficher le résultat de l’opération.</a:t>
+            </a:r>
+          </a:p>
+        </p:txBody>
+      </p:sp>
+      <p:sp>
+        <p:nvSpPr>
+          <p:cNvPr id="12" name="ZoneTexte 11">
+            <a:extLst>
+              <a:ext uri="{FF2B5EF4-FFF2-40B4-BE49-F238E27FC236}">
+                <a16:creationId xmlns:a16="http://schemas.microsoft.com/office/drawing/2014/main" id="{19CB152B-9880-A07F-BB5E-1B89D0E262F0}"/>
+              </a:ext>
+            </a:extLst>
+          </p:cNvPr>
+          <p:cNvSpPr txBox="1"/>
+          <p:nvPr/>
+        </p:nvSpPr>
+        <p:spPr>
+          <a:xfrm>
+            <a:off x="397564" y="3522138"/>
+            <a:ext cx="11088982" cy="400110"/>
+          </a:xfrm>
+          <a:prstGeom prst="rect">
+            <a:avLst/>
+          </a:prstGeom>
+          <a:noFill/>
+        </p:spPr>
+        <p:txBody>
+          <a:bodyPr wrap="square" rtlCol="0">
+            <a:spAutoFit/>
+          </a:bodyPr>
+          <a:lstStyle>
+            <a:defPPr>
+              <a:defRPr lang="en-US"/>
+            </a:defPPr>
+            <a:lvl1pPr>
+              <a:defRPr sz="2000"/>
+            </a:lvl1pPr>
+          </a:lstStyle>
+          <a:p>
+            <a:r>
+              <a:rPr lang="fr-FR" dirty="0">
+                <a:latin typeface="Times New Roman" panose="02020603050405020304" pitchFamily="18" charset="0"/>
+                <a:cs typeface="Times New Roman" panose="02020603050405020304" pitchFamily="18" charset="0"/>
+              </a:rPr>
+              <a:t>Ci-dessous un exemple d’exécution (votre version peut être différente):</a:t>
+            </a:r>
+          </a:p>
+        </p:txBody>
+      </p:sp>
+      <p:pic>
+        <p:nvPicPr>
+          <p:cNvPr id="14" name="Image 13">
+            <a:extLst>
+              <a:ext uri="{FF2B5EF4-FFF2-40B4-BE49-F238E27FC236}">
+                <a16:creationId xmlns:a16="http://schemas.microsoft.com/office/drawing/2014/main" id="{BED949AF-1F38-1FCE-BFDB-F258BCE9ADBC}"/>
+              </a:ext>
+            </a:extLst>
+          </p:cNvPr>
+          <p:cNvPicPr>
+            <a:picLocks noChangeAspect="1"/>
+          </p:cNvPicPr>
+          <p:nvPr/>
+        </p:nvPicPr>
+        <p:blipFill>
+          <a:blip r:embed="rId2"/>
+          <a:stretch>
+            <a:fillRect/>
+          </a:stretch>
+        </p:blipFill>
+        <p:spPr>
+          <a:xfrm>
+            <a:off x="727269" y="4065417"/>
+            <a:ext cx="3899052" cy="2170791"/>
+          </a:xfrm>
+          <a:prstGeom prst="rect">
+            <a:avLst/>
+          </a:prstGeom>
+        </p:spPr>
+      </p:pic>
+      <p:pic>
+        <p:nvPicPr>
+          <p:cNvPr id="16" name="Image 15">
+            <a:extLst>
+              <a:ext uri="{FF2B5EF4-FFF2-40B4-BE49-F238E27FC236}">
+                <a16:creationId xmlns:a16="http://schemas.microsoft.com/office/drawing/2014/main" id="{512CC83F-89E7-E85A-C945-D7CA300770B6}"/>
+              </a:ext>
+            </a:extLst>
+          </p:cNvPr>
+          <p:cNvPicPr>
+            <a:picLocks noChangeAspect="1"/>
+          </p:cNvPicPr>
+          <p:nvPr/>
+        </p:nvPicPr>
+        <p:blipFill>
+          <a:blip r:embed="rId3"/>
+          <a:stretch>
+            <a:fillRect/>
+          </a:stretch>
+        </p:blipFill>
+        <p:spPr>
+          <a:xfrm>
+            <a:off x="5494276" y="4078522"/>
+            <a:ext cx="3635880" cy="2157686"/>
+          </a:xfrm>
+          <a:prstGeom prst="rect">
+            <a:avLst/>
+          </a:prstGeom>
+        </p:spPr>
+      </p:pic>
     </p:spTree>
     <p:extLst>
       <p:ext uri="{BB962C8B-B14F-4D97-AF65-F5344CB8AC3E}">
-        <p14:creationId xmlns:p14="http://schemas.microsoft.com/office/powerpoint/2010/main" val="2204220729"/>
+        <p14:creationId xmlns:p14="http://schemas.microsoft.com/office/powerpoint/2010/main" val="1993176343"/>
       </p:ext>
     </p:extLst>
   </p:cSld>
@@ -8772,6 +9371,265 @@
                 <a:latin typeface="Times New Roman" panose="02020603050405020304" pitchFamily="18" charset="0"/>
                 <a:cs typeface="Times New Roman" panose="02020603050405020304" pitchFamily="18" charset="0"/>
               </a:rPr>
+              <a:t>Mini-Projet 4</a:t>
+            </a:r>
+          </a:p>
+        </p:txBody>
+      </p:sp>
+      <p:sp>
+        <p:nvSpPr>
+          <p:cNvPr id="7" name="ZoneTexte 6">
+            <a:extLst>
+              <a:ext uri="{FF2B5EF4-FFF2-40B4-BE49-F238E27FC236}">
+                <a16:creationId xmlns:a16="http://schemas.microsoft.com/office/drawing/2014/main" id="{990321CC-02EF-ED64-0AA9-789ED60F60B1}"/>
+              </a:ext>
+            </a:extLst>
+          </p:cNvPr>
+          <p:cNvSpPr txBox="1"/>
+          <p:nvPr/>
+        </p:nvSpPr>
+        <p:spPr>
+          <a:xfrm>
+            <a:off x="397564" y="1090885"/>
+            <a:ext cx="11088982" cy="400110"/>
+          </a:xfrm>
+          <a:prstGeom prst="rect">
+            <a:avLst/>
+          </a:prstGeom>
+          <a:noFill/>
+        </p:spPr>
+        <p:txBody>
+          <a:bodyPr wrap="square" rtlCol="0">
+            <a:spAutoFit/>
+          </a:bodyPr>
+          <a:lstStyle>
+            <a:defPPr>
+              <a:defRPr lang="en-US"/>
+            </a:defPPr>
+            <a:lvl1pPr>
+              <a:defRPr sz="2000"/>
+            </a:lvl1pPr>
+          </a:lstStyle>
+          <a:p>
+            <a:r>
+              <a:rPr lang="fr-FR" dirty="0">
+                <a:latin typeface="Times New Roman" panose="02020603050405020304" pitchFamily="18" charset="0"/>
+                <a:cs typeface="Times New Roman" panose="02020603050405020304" pitchFamily="18" charset="0"/>
+              </a:rPr>
+              <a:t>Chiffre </a:t>
+            </a:r>
+            <a:r>
+              <a:rPr lang="fr-FR" dirty="0" err="1">
+                <a:latin typeface="Times New Roman" panose="02020603050405020304" pitchFamily="18" charset="0"/>
+                <a:cs typeface="Times New Roman" panose="02020603050405020304" pitchFamily="18" charset="0"/>
+              </a:rPr>
+              <a:t>vigénère</a:t>
+            </a:r>
+            <a:endParaRPr lang="fr-FR" dirty="0">
+              <a:latin typeface="Times New Roman" panose="02020603050405020304" pitchFamily="18" charset="0"/>
+              <a:cs typeface="Times New Roman" panose="02020603050405020304" pitchFamily="18" charset="0"/>
+            </a:endParaRPr>
+          </a:p>
+        </p:txBody>
+      </p:sp>
+    </p:spTree>
+    <p:extLst>
+      <p:ext uri="{BB962C8B-B14F-4D97-AF65-F5344CB8AC3E}">
+        <p14:creationId xmlns:p14="http://schemas.microsoft.com/office/powerpoint/2010/main" val="2204220729"/>
+      </p:ext>
+    </p:extLst>
+  </p:cSld>
+  <p:clrMapOvr>
+    <a:masterClrMapping/>
+  </p:clrMapOvr>
+</p:sld>
+</file>
+
+<file path=ppt/slides/slide23.xml><?xml version="1.0" encoding="utf-8"?>
+<p:sld xmlns:a="http://schemas.openxmlformats.org/drawingml/2006/main" xmlns:r="http://schemas.openxmlformats.org/officeDocument/2006/relationships" xmlns:p="http://schemas.openxmlformats.org/presentationml/2006/main">
+  <p:cSld>
+    <p:spTree>
+      <p:nvGrpSpPr>
+        <p:cNvPr id="1" name=""/>
+        <p:cNvGrpSpPr/>
+        <p:nvPr/>
+      </p:nvGrpSpPr>
+      <p:grpSpPr>
+        <a:xfrm>
+          <a:off x="0" y="0"/>
+          <a:ext cx="0" cy="0"/>
+          <a:chOff x="0" y="0"/>
+          <a:chExt cx="0" cy="0"/>
+        </a:xfrm>
+      </p:grpSpPr>
+      <p:sp>
+        <p:nvSpPr>
+          <p:cNvPr id="4" name="Espace réservé du pied de page 3">
+            <a:extLst>
+              <a:ext uri="{FF2B5EF4-FFF2-40B4-BE49-F238E27FC236}">
+                <a16:creationId xmlns:a16="http://schemas.microsoft.com/office/drawing/2014/main" id="{8FEEC940-4BFF-956C-713A-1CE73C436B6F}"/>
+              </a:ext>
+            </a:extLst>
+          </p:cNvPr>
+          <p:cNvSpPr>
+            <a:spLocks noGrp="1"/>
+          </p:cNvSpPr>
+          <p:nvPr>
+            <p:ph type="ftr" sz="quarter" idx="11"/>
+          </p:nvPr>
+        </p:nvSpPr>
+        <p:spPr/>
+        <p:txBody>
+          <a:bodyPr/>
+          <a:lstStyle/>
+          <a:p>
+            <a:r>
+              <a:rPr lang="fr-FR"/>
+              <a:t>Cours: Python | Auteur: TUO N. Ismaël Maurice 
+</a:t>
+            </a:r>
+          </a:p>
+        </p:txBody>
+      </p:sp>
+      <p:sp>
+        <p:nvSpPr>
+          <p:cNvPr id="5" name="Espace réservé du numéro de diapositive 4">
+            <a:extLst>
+              <a:ext uri="{FF2B5EF4-FFF2-40B4-BE49-F238E27FC236}">
+                <a16:creationId xmlns:a16="http://schemas.microsoft.com/office/drawing/2014/main" id="{CE50FB16-F89F-D7CA-C6AA-CFC075094990}"/>
+              </a:ext>
+            </a:extLst>
+          </p:cNvPr>
+          <p:cNvSpPr>
+            <a:spLocks noGrp="1"/>
+          </p:cNvSpPr>
+          <p:nvPr>
+            <p:ph type="sldNum" sz="quarter" idx="12"/>
+          </p:nvPr>
+        </p:nvSpPr>
+        <p:spPr/>
+        <p:txBody>
+          <a:bodyPr/>
+          <a:lstStyle/>
+          <a:p>
+            <a:fld id="{B8C3BB88-DD29-4D42-B62E-D7D541DB4348}" type="slidenum">
+              <a:rPr lang="fr-FR" smtClean="0"/>
+              <a:t>23</a:t>
+            </a:fld>
+            <a:endParaRPr lang="fr-FR"/>
+          </a:p>
+        </p:txBody>
+      </p:sp>
+      <p:sp>
+        <p:nvSpPr>
+          <p:cNvPr id="6" name="ZoneTexte 5">
+            <a:extLst>
+              <a:ext uri="{FF2B5EF4-FFF2-40B4-BE49-F238E27FC236}">
+                <a16:creationId xmlns:a16="http://schemas.microsoft.com/office/drawing/2014/main" id="{84F10693-2FE8-EFC8-8DB6-84BFD181D260}"/>
+              </a:ext>
+            </a:extLst>
+          </p:cNvPr>
+          <p:cNvSpPr txBox="1"/>
+          <p:nvPr/>
+        </p:nvSpPr>
+        <p:spPr>
+          <a:xfrm>
+            <a:off x="397564" y="218526"/>
+            <a:ext cx="5795005" cy="461665"/>
+          </a:xfrm>
+          <a:prstGeom prst="rect">
+            <a:avLst/>
+          </a:prstGeom>
+          <a:noFill/>
+        </p:spPr>
+        <p:txBody>
+          <a:bodyPr wrap="square" rtlCol="0">
+            <a:spAutoFit/>
+          </a:bodyPr>
+          <a:lstStyle/>
+          <a:p>
+            <a:r>
+              <a:rPr lang="fr-FR" sz="2400" b="1" dirty="0">
+                <a:latin typeface="Times New Roman" panose="02020603050405020304" pitchFamily="18" charset="0"/>
+                <a:cs typeface="Times New Roman" panose="02020603050405020304" pitchFamily="18" charset="0"/>
+              </a:rPr>
+              <a:t>Exercices</a:t>
+            </a:r>
+          </a:p>
+        </p:txBody>
+      </p:sp>
+      <p:cxnSp>
+        <p:nvCxnSpPr>
+          <p:cNvPr id="3" name="Connecteur droit 2">
+            <a:extLst>
+              <a:ext uri="{FF2B5EF4-FFF2-40B4-BE49-F238E27FC236}">
+                <a16:creationId xmlns:a16="http://schemas.microsoft.com/office/drawing/2014/main" id="{6AC8021D-4898-08B9-18A0-60AC71EF613E}"/>
+              </a:ext>
+            </a:extLst>
+          </p:cNvPr>
+          <p:cNvCxnSpPr>
+            <a:cxnSpLocks/>
+          </p:cNvCxnSpPr>
+          <p:nvPr/>
+        </p:nvCxnSpPr>
+        <p:spPr>
+          <a:xfrm>
+            <a:off x="500932" y="680191"/>
+            <a:ext cx="11178450" cy="0"/>
+          </a:xfrm>
+          <a:prstGeom prst="line">
+            <a:avLst/>
+          </a:prstGeom>
+          <a:ln/>
+        </p:spPr>
+        <p:style>
+          <a:lnRef idx="3">
+            <a:schemeClr val="accent3"/>
+          </a:lnRef>
+          <a:fillRef idx="0">
+            <a:schemeClr val="accent3"/>
+          </a:fillRef>
+          <a:effectRef idx="2">
+            <a:schemeClr val="accent3"/>
+          </a:effectRef>
+          <a:fontRef idx="minor">
+            <a:schemeClr val="tx1"/>
+          </a:fontRef>
+        </p:style>
+      </p:cxnSp>
+      <p:sp>
+        <p:nvSpPr>
+          <p:cNvPr id="2" name="ZoneTexte 1">
+            <a:extLst>
+              <a:ext uri="{FF2B5EF4-FFF2-40B4-BE49-F238E27FC236}">
+                <a16:creationId xmlns:a16="http://schemas.microsoft.com/office/drawing/2014/main" id="{598CC1F4-92B5-97D6-5630-8A3701211AA4}"/>
+              </a:ext>
+            </a:extLst>
+          </p:cNvPr>
+          <p:cNvSpPr txBox="1"/>
+          <p:nvPr/>
+        </p:nvSpPr>
+        <p:spPr>
+          <a:xfrm>
+            <a:off x="397564" y="711780"/>
+            <a:ext cx="11569148" cy="400110"/>
+          </a:xfrm>
+          <a:prstGeom prst="rect">
+            <a:avLst/>
+          </a:prstGeom>
+          <a:noFill/>
+        </p:spPr>
+        <p:txBody>
+          <a:bodyPr wrap="square" rtlCol="0">
+            <a:spAutoFit/>
+          </a:bodyPr>
+          <a:lstStyle/>
+          <a:p>
+            <a:r>
+              <a:rPr lang="fr-FR" sz="2000" b="1" u="sng" dirty="0">
+                <a:latin typeface="Times New Roman" panose="02020603050405020304" pitchFamily="18" charset="0"/>
+                <a:cs typeface="Times New Roman" panose="02020603050405020304" pitchFamily="18" charset="0"/>
+              </a:rPr>
               <a:t>Mini-Projet 5</a:t>
             </a:r>
           </a:p>
@@ -8849,7 +9707,7 @@
 </p:sld>
 </file>
 
-<file path=ppt/slides/slide23.xml><?xml version="1.0" encoding="utf-8"?>
+<file path=ppt/slides/slide24.xml><?xml version="1.0" encoding="utf-8"?>
 <p:sld xmlns:a="http://schemas.openxmlformats.org/drawingml/2006/main" xmlns:r="http://schemas.openxmlformats.org/officeDocument/2006/relationships" xmlns:p="http://schemas.openxmlformats.org/presentationml/2006/main">
   <p:cSld>
     <p:spTree>

--- a/source/Chapitre 9 - Les listes.pptx
+++ b/source/Chapitre 9 - Les listes.pptx
@@ -141,7 +141,7 @@
 <file path=ppt/revisionInfo.xml><?xml version="1.0" encoding="utf-8"?>
 <p1510:revInfo xmlns:a="http://schemas.openxmlformats.org/drawingml/2006/main" xmlns:r="http://schemas.openxmlformats.org/officeDocument/2006/relationships" xmlns:p1510="http://schemas.microsoft.com/office/powerpoint/2015/10/main">
   <p1510:revLst>
-    <p1510:client id="{FA439B40-CE70-4594-AB51-0583BED6F80E}" v="648" dt="2024-03-22T14:01:14.440"/>
+    <p1510:client id="{FA439B40-CE70-4594-AB51-0583BED6F80E}" v="745" dt="2024-05-22T16:21:33.058"/>
   </p1510:revLst>
 </p1510:revInfo>
 </file>
@@ -151,7 +151,7 @@
   <pc:docChgLst>
     <pc:chgData name="Ismaël Tuo" userId="fca7baf0e513a1e6" providerId="LiveId" clId="{FA439B40-CE70-4594-AB51-0583BED6F80E}"/>
     <pc:docChg chg="undo custSel addSld delSld modSld sldOrd">
-      <pc:chgData name="Ismaël Tuo" userId="fca7baf0e513a1e6" providerId="LiveId" clId="{FA439B40-CE70-4594-AB51-0583BED6F80E}" dt="2024-03-22T14:05:43.503" v="8258" actId="1076"/>
+      <pc:chgData name="Ismaël Tuo" userId="fca7baf0e513a1e6" providerId="LiveId" clId="{FA439B40-CE70-4594-AB51-0583BED6F80E}" dt="2024-05-22T16:31:35.019" v="8471" actId="20577"/>
       <pc:docMkLst>
         <pc:docMk/>
       </pc:docMkLst>
@@ -298,7 +298,7 @@
         </pc:sldMkLst>
       </pc:sldChg>
       <pc:sldChg chg="addSp delSp modSp mod">
-        <pc:chgData name="Ismaël Tuo" userId="fca7baf0e513a1e6" providerId="LiveId" clId="{FA439B40-CE70-4594-AB51-0583BED6F80E}" dt="2024-03-17T13:42:01.338" v="1966" actId="20577"/>
+        <pc:chgData name="Ismaël Tuo" userId="fca7baf0e513a1e6" providerId="LiveId" clId="{FA439B40-CE70-4594-AB51-0583BED6F80E}" dt="2024-05-22T16:23:07.215" v="8379" actId="20577"/>
         <pc:sldMkLst>
           <pc:docMk/>
           <pc:sldMk cId="1332028687" sldId="293"/>
@@ -360,7 +360,7 @@
           </ac:spMkLst>
         </pc:spChg>
         <pc:spChg chg="add mod">
-          <ac:chgData name="Ismaël Tuo" userId="fca7baf0e513a1e6" providerId="LiveId" clId="{FA439B40-CE70-4594-AB51-0583BED6F80E}" dt="2024-03-17T13:42:01.338" v="1966" actId="20577"/>
+          <ac:chgData name="Ismaël Tuo" userId="fca7baf0e513a1e6" providerId="LiveId" clId="{FA439B40-CE70-4594-AB51-0583BED6F80E}" dt="2024-05-22T16:23:07.215" v="8379" actId="20577"/>
           <ac:spMkLst>
             <pc:docMk/>
             <pc:sldMk cId="1332028687" sldId="293"/>
@@ -704,7 +704,7 @@
         </pc:sldMkLst>
       </pc:sldChg>
       <pc:sldChg chg="addSp delSp modSp add mod">
-        <pc:chgData name="Ismaël Tuo" userId="fca7baf0e513a1e6" providerId="LiveId" clId="{FA439B40-CE70-4594-AB51-0583BED6F80E}" dt="2024-03-17T13:50:22.804" v="2806" actId="20577"/>
+        <pc:chgData name="Ismaël Tuo" userId="fca7baf0e513a1e6" providerId="LiveId" clId="{FA439B40-CE70-4594-AB51-0583BED6F80E}" dt="2024-05-22T16:24:39.370" v="8443" actId="20577"/>
         <pc:sldMkLst>
           <pc:docMk/>
           <pc:sldMk cId="2803374722" sldId="306"/>
@@ -718,7 +718,7 @@
           </ac:spMkLst>
         </pc:spChg>
         <pc:spChg chg="mod">
-          <ac:chgData name="Ismaël Tuo" userId="fca7baf0e513a1e6" providerId="LiveId" clId="{FA439B40-CE70-4594-AB51-0583BED6F80E}" dt="2024-03-17T13:44:53.176" v="2465" actId="20577"/>
+          <ac:chgData name="Ismaël Tuo" userId="fca7baf0e513a1e6" providerId="LiveId" clId="{FA439B40-CE70-4594-AB51-0583BED6F80E}" dt="2024-05-22T16:24:39.370" v="8443" actId="20577"/>
           <ac:spMkLst>
             <pc:docMk/>
             <pc:sldMk cId="2803374722" sldId="306"/>
@@ -805,7 +805,7 @@
         </pc:sldMkLst>
       </pc:sldChg>
       <pc:sldChg chg="delSp modSp add mod ord">
-        <pc:chgData name="Ismaël Tuo" userId="fca7baf0e513a1e6" providerId="LiveId" clId="{FA439B40-CE70-4594-AB51-0583BED6F80E}" dt="2024-03-17T14:08:45.336" v="5476"/>
+        <pc:chgData name="Ismaël Tuo" userId="fca7baf0e513a1e6" providerId="LiveId" clId="{FA439B40-CE70-4594-AB51-0583BED6F80E}" dt="2024-05-22T16:26:33.429" v="8460" actId="33524"/>
         <pc:sldMkLst>
           <pc:docMk/>
           <pc:sldMk cId="2796775175" sldId="307"/>
@@ -819,7 +819,7 @@
           </ac:spMkLst>
         </pc:spChg>
         <pc:spChg chg="mod">
-          <ac:chgData name="Ismaël Tuo" userId="fca7baf0e513a1e6" providerId="LiveId" clId="{FA439B40-CE70-4594-AB51-0583BED6F80E}" dt="2024-03-17T13:57:35.773" v="3903" actId="20577"/>
+          <ac:chgData name="Ismaël Tuo" userId="fca7baf0e513a1e6" providerId="LiveId" clId="{FA439B40-CE70-4594-AB51-0583BED6F80E}" dt="2024-05-22T16:26:33.429" v="8460" actId="33524"/>
           <ac:spMkLst>
             <pc:docMk/>
             <pc:sldMk cId="2796775175" sldId="307"/>
@@ -867,7 +867,7 @@
         </pc:sldMkLst>
       </pc:sldChg>
       <pc:sldChg chg="addSp modSp add mod ord">
-        <pc:chgData name="Ismaël Tuo" userId="fca7baf0e513a1e6" providerId="LiveId" clId="{FA439B40-CE70-4594-AB51-0583BED6F80E}" dt="2024-03-22T14:01:14.439" v="8255" actId="20577"/>
+        <pc:chgData name="Ismaël Tuo" userId="fca7baf0e513a1e6" providerId="LiveId" clId="{FA439B40-CE70-4594-AB51-0583BED6F80E}" dt="2024-05-22T16:21:33.057" v="8375" actId="113"/>
         <pc:sldMkLst>
           <pc:docMk/>
           <pc:sldMk cId="3697549747" sldId="308"/>
@@ -897,7 +897,7 @@
           </ac:spMkLst>
         </pc:spChg>
         <pc:spChg chg="add mod">
-          <ac:chgData name="Ismaël Tuo" userId="fca7baf0e513a1e6" providerId="LiveId" clId="{FA439B40-CE70-4594-AB51-0583BED6F80E}" dt="2024-03-22T13:41:54.576" v="7187" actId="1076"/>
+          <ac:chgData name="Ismaël Tuo" userId="fca7baf0e513a1e6" providerId="LiveId" clId="{FA439B40-CE70-4594-AB51-0583BED6F80E}" dt="2024-05-22T16:21:33.057" v="8375" actId="113"/>
           <ac:spMkLst>
             <pc:docMk/>
             <pc:sldMk cId="3697549747" sldId="308"/>
@@ -905,12 +905,20 @@
           </ac:spMkLst>
         </pc:spChg>
       </pc:sldChg>
-      <pc:sldChg chg="add ord">
-        <pc:chgData name="Ismaël Tuo" userId="fca7baf0e513a1e6" providerId="LiveId" clId="{FA439B40-CE70-4594-AB51-0583BED6F80E}" dt="2024-03-17T14:09:02.132" v="5480"/>
+      <pc:sldChg chg="modSp add mod ord">
+        <pc:chgData name="Ismaël Tuo" userId="fca7baf0e513a1e6" providerId="LiveId" clId="{FA439B40-CE70-4594-AB51-0583BED6F80E}" dt="2024-05-22T16:28:10.953" v="8470" actId="20577"/>
         <pc:sldMkLst>
           <pc:docMk/>
           <pc:sldMk cId="2280855446" sldId="309"/>
         </pc:sldMkLst>
+        <pc:spChg chg="mod">
+          <ac:chgData name="Ismaël Tuo" userId="fca7baf0e513a1e6" providerId="LiveId" clId="{FA439B40-CE70-4594-AB51-0583BED6F80E}" dt="2024-05-22T16:28:10.953" v="8470" actId="20577"/>
+          <ac:spMkLst>
+            <pc:docMk/>
+            <pc:sldMk cId="2280855446" sldId="309"/>
+            <ac:spMk id="7" creationId="{990321CC-02EF-ED64-0AA9-789ED60F60B1}"/>
+          </ac:spMkLst>
+        </pc:spChg>
       </pc:sldChg>
       <pc:sldChg chg="del">
         <pc:chgData name="Ismaël Tuo" userId="fca7baf0e513a1e6" providerId="LiveId" clId="{FA439B40-CE70-4594-AB51-0583BED6F80E}" dt="2024-03-17T12:53:09.129" v="34" actId="2696"/>
@@ -966,7 +974,7 @@
         </pc:spChg>
       </pc:sldChg>
       <pc:sldChg chg="addSp delSp modSp add mod">
-        <pc:chgData name="Ismaël Tuo" userId="fca7baf0e513a1e6" providerId="LiveId" clId="{FA439B40-CE70-4594-AB51-0583BED6F80E}" dt="2024-03-22T14:05:43.503" v="8258" actId="1076"/>
+        <pc:chgData name="Ismaël Tuo" userId="fca7baf0e513a1e6" providerId="LiveId" clId="{FA439B40-CE70-4594-AB51-0583BED6F80E}" dt="2024-05-22T16:31:35.019" v="8471" actId="20577"/>
         <pc:sldMkLst>
           <pc:docMk/>
           <pc:sldMk cId="1993176343" sldId="312"/>
@@ -979,6 +987,14 @@
             <ac:spMk id="2" creationId="{598CC1F4-92B5-97D6-5630-8A3701211AA4}"/>
           </ac:spMkLst>
         </pc:spChg>
+        <pc:spChg chg="add del mod">
+          <ac:chgData name="Ismaël Tuo" userId="fca7baf0e513a1e6" providerId="LiveId" clId="{FA439B40-CE70-4594-AB51-0583BED6F80E}" dt="2024-05-14T12:15:07.724" v="8279"/>
+          <ac:spMkLst>
+            <pc:docMk/>
+            <pc:sldMk cId="1993176343" sldId="312"/>
+            <ac:spMk id="2" creationId="{EF634B8F-027C-3770-854F-02742D128F53}"/>
+          </ac:spMkLst>
+        </pc:spChg>
         <pc:spChg chg="mod">
           <ac:chgData name="Ismaël Tuo" userId="fca7baf0e513a1e6" providerId="LiveId" clId="{FA439B40-CE70-4594-AB51-0583BED6F80E}" dt="2024-03-22T13:55:07.073" v="8242" actId="1076"/>
           <ac:spMkLst>
@@ -988,7 +1004,7 @@
           </ac:spMkLst>
         </pc:spChg>
         <pc:spChg chg="mod">
-          <ac:chgData name="Ismaël Tuo" userId="fca7baf0e513a1e6" providerId="LiveId" clId="{FA439B40-CE70-4594-AB51-0583BED6F80E}" dt="2024-03-22T14:05:34.803" v="8256" actId="1076"/>
+          <ac:chgData name="Ismaël Tuo" userId="fca7baf0e513a1e6" providerId="LiveId" clId="{FA439B40-CE70-4594-AB51-0583BED6F80E}" dt="2024-05-22T16:31:35.019" v="8471" actId="20577"/>
           <ac:spMkLst>
             <pc:docMk/>
             <pc:sldMk cId="1993176343" sldId="312"/>
@@ -1020,7 +1036,7 @@
           </ac:spMkLst>
         </pc:spChg>
         <pc:spChg chg="add mod">
-          <ac:chgData name="Ismaël Tuo" userId="fca7baf0e513a1e6" providerId="LiveId" clId="{FA439B40-CE70-4594-AB51-0583BED6F80E}" dt="2024-03-22T13:55:00.533" v="8239" actId="1076"/>
+          <ac:chgData name="Ismaël Tuo" userId="fca7baf0e513a1e6" providerId="LiveId" clId="{FA439B40-CE70-4594-AB51-0583BED6F80E}" dt="2024-05-14T12:13:35.764" v="8261" actId="1076"/>
           <ac:spMkLst>
             <pc:docMk/>
             <pc:sldMk cId="1993176343" sldId="312"/>
@@ -1036,7 +1052,7 @@
           </ac:picMkLst>
         </pc:picChg>
         <pc:picChg chg="add mod">
-          <ac:chgData name="Ismaël Tuo" userId="fca7baf0e513a1e6" providerId="LiveId" clId="{FA439B40-CE70-4594-AB51-0583BED6F80E}" dt="2024-03-22T13:54:57.712" v="8238" actId="1076"/>
+          <ac:chgData name="Ismaël Tuo" userId="fca7baf0e513a1e6" providerId="LiveId" clId="{FA439B40-CE70-4594-AB51-0583BED6F80E}" dt="2024-05-14T12:13:32.150" v="8259" actId="1076"/>
           <ac:picMkLst>
             <pc:docMk/>
             <pc:sldMk cId="1993176343" sldId="312"/>
@@ -1131,7 +1147,7 @@
           <a:p>
             <a:fld id="{5D1B8971-FAD5-A544-A565-5C81831E2E08}" type="datetimeFigureOut">
               <a:rPr lang="fr-FR" smtClean="0"/>
-              <a:t>22/03/2024</a:t>
+              <a:t>22/05/2024</a:t>
             </a:fld>
             <a:endParaRPr lang="fr-FR"/>
           </a:p>
@@ -1561,7 +1577,7 @@
           <a:p>
             <a:fld id="{446AF453-C717-E044-9B61-C449088DBB9F}" type="datetime1">
               <a:rPr lang="fr-FR" smtClean="0"/>
-              <a:t>22/03/2024</a:t>
+              <a:t>22/05/2024</a:t>
             </a:fld>
             <a:endParaRPr lang="fr-FR"/>
           </a:p>
@@ -1735,7 +1751,7 @@
           <a:p>
             <a:fld id="{0AD74B8B-4B66-A54B-A7E1-EB9F6C09CE67}" type="datetime1">
               <a:rPr lang="fr-FR" smtClean="0"/>
-              <a:t>22/03/2024</a:t>
+              <a:t>22/05/2024</a:t>
             </a:fld>
             <a:endParaRPr lang="fr-FR"/>
           </a:p>
@@ -1919,7 +1935,7 @@
           <a:p>
             <a:fld id="{9584F9F2-42A0-CD42-8013-986AEAF97421}" type="datetime1">
               <a:rPr lang="fr-FR" smtClean="0"/>
-              <a:t>22/03/2024</a:t>
+              <a:t>22/05/2024</a:t>
             </a:fld>
             <a:endParaRPr lang="fr-FR"/>
           </a:p>
@@ -2093,7 +2109,7 @@
           <a:p>
             <a:fld id="{DAB9BD9F-3179-BB4C-96AB-C40862581685}" type="datetime1">
               <a:rPr lang="fr-FR" smtClean="0"/>
-              <a:t>22/03/2024</a:t>
+              <a:t>22/05/2024</a:t>
             </a:fld>
             <a:endParaRPr lang="fr-FR"/>
           </a:p>
@@ -2365,7 +2381,7 @@
           <a:p>
             <a:fld id="{A664DE96-64FF-BC43-8A9C-18ED43A528D6}" type="datetime1">
               <a:rPr lang="fr-FR" smtClean="0"/>
-              <a:t>22/03/2024</a:t>
+              <a:t>22/05/2024</a:t>
             </a:fld>
             <a:endParaRPr lang="fr-FR"/>
           </a:p>
@@ -2601,7 +2617,7 @@
           <a:p>
             <a:fld id="{2C8FE800-9F9B-1C4F-A1CD-9EF46842C4CA}" type="datetime1">
               <a:rPr lang="fr-FR" smtClean="0"/>
-              <a:t>22/03/2024</a:t>
+              <a:t>22/05/2024</a:t>
             </a:fld>
             <a:endParaRPr lang="fr-FR"/>
           </a:p>
@@ -2964,7 +2980,7 @@
           <a:p>
             <a:fld id="{0F7DED4E-8CB4-EF40-A349-EFC02EC7784E}" type="datetime1">
               <a:rPr lang="fr-FR" smtClean="0"/>
-              <a:t>22/03/2024</a:t>
+              <a:t>22/05/2024</a:t>
             </a:fld>
             <a:endParaRPr lang="fr-FR"/>
           </a:p>
@@ -3109,7 +3125,7 @@
           <a:p>
             <a:fld id="{5BB88D77-E8A2-E24F-81D2-817E60779F3E}" type="datetime1">
               <a:rPr lang="fr-FR" smtClean="0"/>
-              <a:t>22/03/2024</a:t>
+              <a:t>22/05/2024</a:t>
             </a:fld>
             <a:endParaRPr lang="fr-FR"/>
           </a:p>
@@ -3208,7 +3224,7 @@
           <a:p>
             <a:fld id="{817F964E-5B57-884A-A1B8-925BFA5276AF}" type="datetime1">
               <a:rPr lang="fr-FR" smtClean="0"/>
-              <a:t>22/03/2024</a:t>
+              <a:t>22/05/2024</a:t>
             </a:fld>
             <a:endParaRPr lang="fr-FR"/>
           </a:p>
@@ -3569,7 +3585,7 @@
           <a:p>
             <a:fld id="{D5636CD0-A2E6-1543-A0E5-C829C16FEE55}" type="datetime1">
               <a:rPr lang="fr-FR" smtClean="0"/>
-              <a:t>22/03/2024</a:t>
+              <a:t>22/05/2024</a:t>
             </a:fld>
             <a:endParaRPr lang="fr-FR"/>
           </a:p>
@@ -3930,7 +3946,7 @@
           <a:p>
             <a:fld id="{CEE5CE4A-5B1A-1846-BA66-722BDB7A9525}" type="datetime1">
               <a:rPr lang="fr-FR" smtClean="0"/>
-              <a:t>22/03/2024</a:t>
+              <a:t>22/05/2024</a:t>
             </a:fld>
             <a:endParaRPr lang="fr-FR"/>
           </a:p>
@@ -4177,7 +4193,7 @@
           <a:p>
             <a:fld id="{55A13D9C-CA6E-9C45-8634-4423EBFFD553}" type="datetime1">
               <a:rPr lang="fr-FR" smtClean="0"/>
-              <a:t>22/03/2024</a:t>
+              <a:t>22/05/2024</a:t>
             </a:fld>
             <a:endParaRPr lang="fr-FR"/>
           </a:p>
@@ -6719,7 +6735,7 @@
                 <a:latin typeface="Times New Roman" panose="02020603050405020304" pitchFamily="18" charset="0"/>
                 <a:cs typeface="Times New Roman" panose="02020603050405020304" pitchFamily="18" charset="0"/>
               </a:rPr>
-              <a:t>Ecrire un script demande à l’utilisateur de saisir un nom et le stocke dans une liste, le programme doit toujours demander un nom à l’utilisateur jusqu’à ce que l’utilisateur entre un caractère vide.</a:t>
+              <a:t>Ecrire un script qui demande à l’utilisateur de saisir un nom et le stocke dans une liste, le programme doit toujours demander un nom à l’utilisateur jusqu’à ce que l’utilisateur entre un caractère vide.</a:t>
             </a:r>
           </a:p>
           <a:p>
@@ -7019,7 +7035,7 @@
                 <a:latin typeface="Times New Roman" panose="02020603050405020304" pitchFamily="18" charset="0"/>
                 <a:cs typeface="Times New Roman" panose="02020603050405020304" pitchFamily="18" charset="0"/>
               </a:rPr>
-              <a:t>Ensuite afficher la liste des nombres en ordre croissant ou décroissant, afficher le nombre max et le nombre min.</a:t>
+              <a:t>Ensuite afficher la liste des nombres en ordre croissant ou décroissant, afficher le plus grande de ces nombres et le plus petit de ces nombres.</a:t>
             </a:r>
           </a:p>
         </p:txBody>
@@ -7579,7 +7595,7 @@
                 <a:latin typeface="Times New Roman" panose="02020603050405020304" pitchFamily="18" charset="0"/>
                 <a:cs typeface="Times New Roman" panose="02020603050405020304" pitchFamily="18" charset="0"/>
               </a:rPr>
-              <a:t>Le test est réussi si le score en pourcentage atteint 50%.</a:t>
+              <a:t>Le test est réussi si le score en pourcentage est supérieur à 50%.</a:t>
             </a:r>
           </a:p>
         </p:txBody>
@@ -7895,7 +7911,7 @@
                 <a:latin typeface="Times New Roman" panose="02020603050405020304" pitchFamily="18" charset="0"/>
                 <a:cs typeface="Times New Roman" panose="02020603050405020304" pitchFamily="18" charset="0"/>
               </a:rPr>
-              <a:t>L’affichage doit permettre d’afficher toutes les personnes enregistrées.</a:t>
+              <a:t>L’action affichage doit permettre d’afficher toutes les personnes enregistrées.</a:t>
             </a:r>
           </a:p>
           <a:p>
@@ -8411,8 +8427,8 @@
           </a:p>
         </p:txBody>
       </p:sp>
-      <mc:AlternateContent xmlns:mc="http://schemas.openxmlformats.org/markup-compatibility/2006">
-        <mc:Choice xmlns:a14="http://schemas.microsoft.com/office/drawing/2010/main" Requires="a14">
+      <mc:AlternateContent xmlns:mc="http://schemas.openxmlformats.org/markup-compatibility/2006" xmlns:a14="http://schemas.microsoft.com/office/drawing/2010/main">
+        <mc:Choice Requires="a14">
           <p:sp>
             <p:nvSpPr>
               <p:cNvPr id="8" name="ZoneTexte 7">
@@ -8576,7 +8592,7 @@
             </p:txBody>
           </p:sp>
         </mc:Choice>
-        <mc:Fallback>
+        <mc:Fallback xmlns="">
           <p:sp>
             <p:nvSpPr>
               <p:cNvPr id="8" name="ZoneTexte 7">
@@ -8699,7 +8715,14 @@
                     <a:latin typeface="Times New Roman" panose="02020603050405020304" pitchFamily="18" charset="0"/>
                     <a:cs typeface="Times New Roman" panose="02020603050405020304" pitchFamily="18" charset="0"/>
                   </a:rPr>
-                  <a:t> caractères avant la lettre dans l’alphabet.</a:t>
+                  <a:t> caractères avant la lettre dans l’alphabet. </a:t>
+                </a:r>
+                <a:r>
+                  <a:rPr lang="fr-FR" b="1" dirty="0">
+                    <a:latin typeface="Times New Roman" panose="02020603050405020304" pitchFamily="18" charset="0"/>
+                    <a:cs typeface="Times New Roman" panose="02020603050405020304" pitchFamily="18" charset="0"/>
+                  </a:rPr>
+                  <a:t>Le chiffre de César est aujourd’hui abandonné car non sécurisé.</a:t>
                 </a:r>
               </a:p>
             </p:txBody>
@@ -9009,7 +9032,21 @@
                 <a:latin typeface="Times New Roman" panose="02020603050405020304" pitchFamily="18" charset="0"/>
                 <a:cs typeface="Times New Roman" panose="02020603050405020304" pitchFamily="18" charset="0"/>
               </a:rPr>
-              <a:t>Ecrire le ficher Algorithme et ensuite le programme en Python.</a:t>
+              <a:t>Ecrire </a:t>
+            </a:r>
+            <a:r>
+              <a:rPr lang="fr-FR">
+                <a:latin typeface="Times New Roman" panose="02020603050405020304" pitchFamily="18" charset="0"/>
+                <a:cs typeface="Times New Roman" panose="02020603050405020304" pitchFamily="18" charset="0"/>
+              </a:rPr>
+              <a:t>le fichier </a:t>
+            </a:r>
+            <a:r>
+              <a:rPr lang="fr-FR" dirty="0">
+                <a:latin typeface="Times New Roman" panose="02020603050405020304" pitchFamily="18" charset="0"/>
+                <a:cs typeface="Times New Roman" panose="02020603050405020304" pitchFamily="18" charset="0"/>
+              </a:rPr>
+              <a:t>Algorithme et ensuite le programme en Python.</a:t>
             </a:r>
           </a:p>
         </p:txBody>
@@ -9082,7 +9119,7 @@
         </p:nvSpPr>
         <p:spPr>
           <a:xfrm>
-            <a:off x="397564" y="3522138"/>
+            <a:off x="419649" y="3560027"/>
             <a:ext cx="11088982" cy="400110"/>
           </a:xfrm>
           <a:prstGeom prst="rect">
@@ -9165,7 +9202,7 @@
         </p:blipFill>
         <p:spPr>
           <a:xfrm>
-            <a:off x="5494276" y="4078522"/>
+            <a:off x="5195512" y="4071969"/>
             <a:ext cx="3635880" cy="2157686"/>
           </a:xfrm>
           <a:prstGeom prst="rect">

--- a/source/Chapitre 9 - Les listes.pptx
+++ b/source/Chapitre 9 - Les listes.pptx
@@ -5,33 +5,35 @@
     <p:sldMasterId id="2147483804" r:id="rId1"/>
   </p:sldMasterIdLst>
   <p:notesMasterIdLst>
-    <p:notesMasterId r:id="rId26"/>
+    <p:notesMasterId r:id="rId28"/>
   </p:notesMasterIdLst>
   <p:sldIdLst>
     <p:sldId id="257" r:id="rId2"/>
     <p:sldId id="285" r:id="rId3"/>
     <p:sldId id="286" r:id="rId4"/>
-    <p:sldId id="294" r:id="rId5"/>
-    <p:sldId id="296" r:id="rId6"/>
-    <p:sldId id="297" r:id="rId7"/>
-    <p:sldId id="295" r:id="rId8"/>
-    <p:sldId id="298" r:id="rId9"/>
-    <p:sldId id="299" r:id="rId10"/>
-    <p:sldId id="300" r:id="rId11"/>
-    <p:sldId id="302" r:id="rId12"/>
-    <p:sldId id="303" r:id="rId13"/>
-    <p:sldId id="304" r:id="rId14"/>
-    <p:sldId id="301" r:id="rId15"/>
-    <p:sldId id="305" r:id="rId16"/>
-    <p:sldId id="293" r:id="rId17"/>
-    <p:sldId id="306" r:id="rId18"/>
-    <p:sldId id="307" r:id="rId19"/>
-    <p:sldId id="309" r:id="rId20"/>
-    <p:sldId id="308" r:id="rId21"/>
-    <p:sldId id="312" r:id="rId22"/>
-    <p:sldId id="310" r:id="rId23"/>
-    <p:sldId id="311" r:id="rId24"/>
-    <p:sldId id="284" r:id="rId25"/>
+    <p:sldId id="313" r:id="rId5"/>
+    <p:sldId id="294" r:id="rId6"/>
+    <p:sldId id="296" r:id="rId7"/>
+    <p:sldId id="314" r:id="rId8"/>
+    <p:sldId id="297" r:id="rId9"/>
+    <p:sldId id="295" r:id="rId10"/>
+    <p:sldId id="298" r:id="rId11"/>
+    <p:sldId id="299" r:id="rId12"/>
+    <p:sldId id="300" r:id="rId13"/>
+    <p:sldId id="302" r:id="rId14"/>
+    <p:sldId id="303" r:id="rId15"/>
+    <p:sldId id="304" r:id="rId16"/>
+    <p:sldId id="301" r:id="rId17"/>
+    <p:sldId id="305" r:id="rId18"/>
+    <p:sldId id="293" r:id="rId19"/>
+    <p:sldId id="306" r:id="rId20"/>
+    <p:sldId id="307" r:id="rId21"/>
+    <p:sldId id="309" r:id="rId22"/>
+    <p:sldId id="308" r:id="rId23"/>
+    <p:sldId id="312" r:id="rId24"/>
+    <p:sldId id="310" r:id="rId25"/>
+    <p:sldId id="311" r:id="rId26"/>
+    <p:sldId id="284" r:id="rId27"/>
   </p:sldIdLst>
   <p:sldSz cx="12192000" cy="6858000"/>
   <p:notesSz cx="6858000" cy="9144000"/>
@@ -141,7 +143,7 @@
 <file path=ppt/revisionInfo.xml><?xml version="1.0" encoding="utf-8"?>
 <p1510:revInfo xmlns:a="http://schemas.openxmlformats.org/drawingml/2006/main" xmlns:r="http://schemas.openxmlformats.org/officeDocument/2006/relationships" xmlns:p1510="http://schemas.microsoft.com/office/powerpoint/2015/10/main">
   <p1510:revLst>
-    <p1510:client id="{FA439B40-CE70-4594-AB51-0583BED6F80E}" v="745" dt="2024-05-22T16:21:33.058"/>
+    <p1510:client id="{FA439B40-CE70-4594-AB51-0583BED6F80E}" v="768" dt="2024-05-22T17:49:08.048"/>
   </p1510:revLst>
 </p1510:revInfo>
 </file>
@@ -151,7 +153,7 @@
   <pc:docChgLst>
     <pc:chgData name="Ismaël Tuo" userId="fca7baf0e513a1e6" providerId="LiveId" clId="{FA439B40-CE70-4594-AB51-0583BED6F80E}"/>
     <pc:docChg chg="undo custSel addSld delSld modSld sldOrd">
-      <pc:chgData name="Ismaël Tuo" userId="fca7baf0e513a1e6" providerId="LiveId" clId="{FA439B40-CE70-4594-AB51-0583BED6F80E}" dt="2024-05-22T16:31:35.019" v="8471" actId="20577"/>
+      <pc:chgData name="Ismaël Tuo" userId="fca7baf0e513a1e6" providerId="LiveId" clId="{FA439B40-CE70-4594-AB51-0583BED6F80E}" dt="2024-05-22T17:53:09.672" v="12559" actId="20577"/>
       <pc:docMkLst>
         <pc:docMk/>
       </pc:docMkLst>
@@ -186,13 +188,13 @@
         </pc:spChg>
       </pc:sldChg>
       <pc:sldChg chg="modSp mod">
-        <pc:chgData name="Ismaël Tuo" userId="fca7baf0e513a1e6" providerId="LiveId" clId="{FA439B40-CE70-4594-AB51-0583BED6F80E}" dt="2024-03-17T12:53:49.329" v="48" actId="20577"/>
+        <pc:chgData name="Ismaël Tuo" userId="fca7baf0e513a1e6" providerId="LiveId" clId="{FA439B40-CE70-4594-AB51-0583BED6F80E}" dt="2024-05-22T17:27:57.417" v="11265" actId="113"/>
         <pc:sldMkLst>
           <pc:docMk/>
           <pc:sldMk cId="1268069196" sldId="285"/>
         </pc:sldMkLst>
         <pc:spChg chg="mod">
-          <ac:chgData name="Ismaël Tuo" userId="fca7baf0e513a1e6" providerId="LiveId" clId="{FA439B40-CE70-4594-AB51-0583BED6F80E}" dt="2024-03-17T12:53:49.329" v="48" actId="20577"/>
+          <ac:chgData name="Ismaël Tuo" userId="fca7baf0e513a1e6" providerId="LiveId" clId="{FA439B40-CE70-4594-AB51-0583BED6F80E}" dt="2024-05-22T17:27:57.417" v="11265" actId="113"/>
           <ac:spMkLst>
             <pc:docMk/>
             <pc:sldMk cId="1268069196" sldId="285"/>
@@ -200,12 +202,20 @@
           </ac:spMkLst>
         </pc:spChg>
       </pc:sldChg>
-      <pc:sldChg chg="delSp modSp mod">
-        <pc:chgData name="Ismaël Tuo" userId="fca7baf0e513a1e6" providerId="LiveId" clId="{FA439B40-CE70-4594-AB51-0583BED6F80E}" dt="2024-03-17T13:17:46.786" v="1170" actId="20577"/>
+      <pc:sldChg chg="addSp delSp modSp mod">
+        <pc:chgData name="Ismaël Tuo" userId="fca7baf0e513a1e6" providerId="LiveId" clId="{FA439B40-CE70-4594-AB51-0583BED6F80E}" dt="2024-05-22T17:53:09.672" v="12559" actId="20577"/>
         <pc:sldMkLst>
           <pc:docMk/>
           <pc:sldMk cId="2639441608" sldId="286"/>
         </pc:sldMkLst>
+        <pc:spChg chg="add mod">
+          <ac:chgData name="Ismaël Tuo" userId="fca7baf0e513a1e6" providerId="LiveId" clId="{FA439B40-CE70-4594-AB51-0583BED6F80E}" dt="2024-05-22T16:54:04.780" v="10137" actId="14100"/>
+          <ac:spMkLst>
+            <pc:docMk/>
+            <pc:sldMk cId="2639441608" sldId="286"/>
+            <ac:spMk id="2" creationId="{798A378F-2AFC-D890-9CB4-B1B817762955}"/>
+          </ac:spMkLst>
+        </pc:spChg>
         <pc:spChg chg="del">
           <ac:chgData name="Ismaël Tuo" userId="fca7baf0e513a1e6" providerId="LiveId" clId="{FA439B40-CE70-4594-AB51-0583BED6F80E}" dt="2024-03-17T12:54:17.252" v="53" actId="478"/>
           <ac:spMkLst>
@@ -215,7 +225,7 @@
           </ac:spMkLst>
         </pc:spChg>
         <pc:spChg chg="mod">
-          <ac:chgData name="Ismaël Tuo" userId="fca7baf0e513a1e6" providerId="LiveId" clId="{FA439B40-CE70-4594-AB51-0583BED6F80E}" dt="2024-03-17T13:17:46.786" v="1170" actId="20577"/>
+          <ac:chgData name="Ismaël Tuo" userId="fca7baf0e513a1e6" providerId="LiveId" clId="{FA439B40-CE70-4594-AB51-0583BED6F80E}" dt="2024-05-22T17:52:04.285" v="12501" actId="20577"/>
           <ac:spMkLst>
             <pc:docMk/>
             <pc:sldMk cId="2639441608" sldId="286"/>
@@ -230,12 +240,36 @@
             <ac:spMk id="8" creationId="{1EB37036-6733-1136-E39A-CB37C740C4A1}"/>
           </ac:spMkLst>
         </pc:spChg>
+        <pc:spChg chg="add mod">
+          <ac:chgData name="Ismaël Tuo" userId="fca7baf0e513a1e6" providerId="LiveId" clId="{FA439B40-CE70-4594-AB51-0583BED6F80E}" dt="2024-05-22T16:40:19.585" v="8869" actId="164"/>
+          <ac:spMkLst>
+            <pc:docMk/>
+            <pc:sldMk cId="2639441608" sldId="286"/>
+            <ac:spMk id="8" creationId="{CE25D0B8-0202-5696-1711-6B98D4E6B672}"/>
+          </ac:spMkLst>
+        </pc:spChg>
+        <pc:spChg chg="add mod">
+          <ac:chgData name="Ismaël Tuo" userId="fca7baf0e513a1e6" providerId="LiveId" clId="{FA439B40-CE70-4594-AB51-0583BED6F80E}" dt="2024-05-22T16:40:19.585" v="8869" actId="164"/>
+          <ac:spMkLst>
+            <pc:docMk/>
+            <pc:sldMk cId="2639441608" sldId="286"/>
+            <ac:spMk id="9" creationId="{0E353BB5-2D27-D239-3E22-1071743DF363}"/>
+          </ac:spMkLst>
+        </pc:spChg>
         <pc:spChg chg="del">
           <ac:chgData name="Ismaël Tuo" userId="fca7baf0e513a1e6" providerId="LiveId" clId="{FA439B40-CE70-4594-AB51-0583BED6F80E}" dt="2024-03-17T12:54:13.796" v="51" actId="478"/>
           <ac:spMkLst>
             <pc:docMk/>
             <pc:sldMk cId="2639441608" sldId="286"/>
             <ac:spMk id="9" creationId="{0FFE95E2-C869-C89B-98AE-66B06101F89F}"/>
+          </ac:spMkLst>
+        </pc:spChg>
+        <pc:spChg chg="add del mod">
+          <ac:chgData name="Ismaël Tuo" userId="fca7baf0e513a1e6" providerId="LiveId" clId="{FA439B40-CE70-4594-AB51-0583BED6F80E}" dt="2024-05-22T16:39:02.183" v="8837" actId="478"/>
+          <ac:spMkLst>
+            <pc:docMk/>
+            <pc:sldMk cId="2639441608" sldId="286"/>
+            <ac:spMk id="10" creationId="{0BCB36E7-117A-2311-8B31-2D2340459F9C}"/>
           </ac:spMkLst>
         </pc:spChg>
         <pc:spChg chg="del">
@@ -246,6 +280,134 @@
             <ac:spMk id="10" creationId="{332E14C6-85E2-C1BF-E3D9-5709040AC36A}"/>
           </ac:spMkLst>
         </pc:spChg>
+        <pc:spChg chg="add mod">
+          <ac:chgData name="Ismaël Tuo" userId="fca7baf0e513a1e6" providerId="LiveId" clId="{FA439B40-CE70-4594-AB51-0583BED6F80E}" dt="2024-05-22T16:40:19.585" v="8869" actId="164"/>
+          <ac:spMkLst>
+            <pc:docMk/>
+            <pc:sldMk cId="2639441608" sldId="286"/>
+            <ac:spMk id="11" creationId="{EA511F7F-F06D-DC10-2D74-D2BEA762BC97}"/>
+          </ac:spMkLst>
+        </pc:spChg>
+        <pc:spChg chg="add mod">
+          <ac:chgData name="Ismaël Tuo" userId="fca7baf0e513a1e6" providerId="LiveId" clId="{FA439B40-CE70-4594-AB51-0583BED6F80E}" dt="2024-05-22T16:40:19.585" v="8869" actId="164"/>
+          <ac:spMkLst>
+            <pc:docMk/>
+            <pc:sldMk cId="2639441608" sldId="286"/>
+            <ac:spMk id="12" creationId="{B8936F6D-D5F6-317F-1419-7E444EFA783D}"/>
+          </ac:spMkLst>
+        </pc:spChg>
+        <pc:spChg chg="add mod">
+          <ac:chgData name="Ismaël Tuo" userId="fca7baf0e513a1e6" providerId="LiveId" clId="{FA439B40-CE70-4594-AB51-0583BED6F80E}" dt="2024-05-22T16:40:19.585" v="8869" actId="164"/>
+          <ac:spMkLst>
+            <pc:docMk/>
+            <pc:sldMk cId="2639441608" sldId="286"/>
+            <ac:spMk id="13" creationId="{361D30DB-F907-5E6C-6B2D-A7EAC40BB301}"/>
+          </ac:spMkLst>
+        </pc:spChg>
+        <pc:spChg chg="add mod">
+          <ac:chgData name="Ismaël Tuo" userId="fca7baf0e513a1e6" providerId="LiveId" clId="{FA439B40-CE70-4594-AB51-0583BED6F80E}" dt="2024-05-22T16:40:29.464" v="8871" actId="1076"/>
+          <ac:spMkLst>
+            <pc:docMk/>
+            <pc:sldMk cId="2639441608" sldId="286"/>
+            <ac:spMk id="14" creationId="{9DAFCE1A-72B4-20EE-C7EA-E4C61F6854D6}"/>
+          </ac:spMkLst>
+        </pc:spChg>
+        <pc:spChg chg="mod">
+          <ac:chgData name="Ismaël Tuo" userId="fca7baf0e513a1e6" providerId="LiveId" clId="{FA439B40-CE70-4594-AB51-0583BED6F80E}" dt="2024-05-22T16:41:43.542" v="8926" actId="13822"/>
+          <ac:spMkLst>
+            <pc:docMk/>
+            <pc:sldMk cId="2639441608" sldId="286"/>
+            <ac:spMk id="17" creationId="{20A12B3C-AD88-1B73-08D7-E97841A6A308}"/>
+          </ac:spMkLst>
+        </pc:spChg>
+        <pc:spChg chg="mod">
+          <ac:chgData name="Ismaël Tuo" userId="fca7baf0e513a1e6" providerId="LiveId" clId="{FA439B40-CE70-4594-AB51-0583BED6F80E}" dt="2024-05-22T16:41:34.070" v="8925" actId="20577"/>
+          <ac:spMkLst>
+            <pc:docMk/>
+            <pc:sldMk cId="2639441608" sldId="286"/>
+            <ac:spMk id="18" creationId="{5F7B9808-C3B0-8E70-C19D-22F61A5EE2E3}"/>
+          </ac:spMkLst>
+        </pc:spChg>
+        <pc:spChg chg="del mod">
+          <ac:chgData name="Ismaël Tuo" userId="fca7baf0e513a1e6" providerId="LiveId" clId="{FA439B40-CE70-4594-AB51-0583BED6F80E}" dt="2024-05-22T16:41:19.153" v="8913" actId="478"/>
+          <ac:spMkLst>
+            <pc:docMk/>
+            <pc:sldMk cId="2639441608" sldId="286"/>
+            <ac:spMk id="19" creationId="{FF264140-BC59-DCCA-D340-ED73A5F80C7C}"/>
+          </ac:spMkLst>
+        </pc:spChg>
+        <pc:spChg chg="del mod">
+          <ac:chgData name="Ismaël Tuo" userId="fca7baf0e513a1e6" providerId="LiveId" clId="{FA439B40-CE70-4594-AB51-0583BED6F80E}" dt="2024-05-22T16:41:22.885" v="8915" actId="478"/>
+          <ac:spMkLst>
+            <pc:docMk/>
+            <pc:sldMk cId="2639441608" sldId="286"/>
+            <ac:spMk id="20" creationId="{FF09152F-7F72-A275-C332-4D9C06C5FC06}"/>
+          </ac:spMkLst>
+        </pc:spChg>
+        <pc:spChg chg="del mod">
+          <ac:chgData name="Ismaël Tuo" userId="fca7baf0e513a1e6" providerId="LiveId" clId="{FA439B40-CE70-4594-AB51-0583BED6F80E}" dt="2024-05-22T16:41:24.375" v="8916" actId="478"/>
+          <ac:spMkLst>
+            <pc:docMk/>
+            <pc:sldMk cId="2639441608" sldId="286"/>
+            <ac:spMk id="21" creationId="{B3E8FC84-2BD3-6820-54EC-12C465E32EA6}"/>
+          </ac:spMkLst>
+        </pc:spChg>
+        <pc:spChg chg="mod">
+          <ac:chgData name="Ismaël Tuo" userId="fca7baf0e513a1e6" providerId="LiveId" clId="{FA439B40-CE70-4594-AB51-0583BED6F80E}" dt="2024-05-22T16:41:08.637" v="8894" actId="14100"/>
+          <ac:spMkLst>
+            <pc:docMk/>
+            <pc:sldMk cId="2639441608" sldId="286"/>
+            <ac:spMk id="22" creationId="{3A1E4D11-FE01-B69E-A83E-D3E374B481CD}"/>
+          </ac:spMkLst>
+        </pc:spChg>
+        <pc:spChg chg="add mod">
+          <ac:chgData name="Ismaël Tuo" userId="fca7baf0e513a1e6" providerId="LiveId" clId="{FA439B40-CE70-4594-AB51-0583BED6F80E}" dt="2024-05-22T17:53:09.672" v="12559" actId="20577"/>
+          <ac:spMkLst>
+            <pc:docMk/>
+            <pc:sldMk cId="2639441608" sldId="286"/>
+            <ac:spMk id="23" creationId="{F771A133-1C06-235A-72D2-CB21B7F85229}"/>
+          </ac:spMkLst>
+        </pc:spChg>
+        <pc:spChg chg="add mod">
+          <ac:chgData name="Ismaël Tuo" userId="fca7baf0e513a1e6" providerId="LiveId" clId="{FA439B40-CE70-4594-AB51-0583BED6F80E}" dt="2024-05-22T16:53:14.205" v="10133" actId="1076"/>
+          <ac:spMkLst>
+            <pc:docMk/>
+            <pc:sldMk cId="2639441608" sldId="286"/>
+            <ac:spMk id="24" creationId="{E759DFBC-9ECD-7D63-BA3D-EA03F448C092}"/>
+          </ac:spMkLst>
+        </pc:spChg>
+        <pc:spChg chg="add del mod">
+          <ac:chgData name="Ismaël Tuo" userId="fca7baf0e513a1e6" providerId="LiveId" clId="{FA439B40-CE70-4594-AB51-0583BED6F80E}" dt="2024-05-22T16:49:41.949" v="9694" actId="478"/>
+          <ac:spMkLst>
+            <pc:docMk/>
+            <pc:sldMk cId="2639441608" sldId="286"/>
+            <ac:spMk id="25" creationId="{EDFFA91C-0CB8-E574-03CD-BAB147DE0D1C}"/>
+          </ac:spMkLst>
+        </pc:spChg>
+        <pc:spChg chg="add mod">
+          <ac:chgData name="Ismaël Tuo" userId="fca7baf0e513a1e6" providerId="LiveId" clId="{FA439B40-CE70-4594-AB51-0583BED6F80E}" dt="2024-05-22T16:53:35.032" v="10136" actId="14100"/>
+          <ac:spMkLst>
+            <pc:docMk/>
+            <pc:sldMk cId="2639441608" sldId="286"/>
+            <ac:spMk id="26" creationId="{F8B9ED05-B423-D2AC-C9F5-2A0D6F808F5E}"/>
+          </ac:spMkLst>
+        </pc:spChg>
+        <pc:grpChg chg="add mod">
+          <ac:chgData name="Ismaël Tuo" userId="fca7baf0e513a1e6" providerId="LiveId" clId="{FA439B40-CE70-4594-AB51-0583BED6F80E}" dt="2024-05-22T16:53:04.740" v="10130" actId="1076"/>
+          <ac:grpSpMkLst>
+            <pc:docMk/>
+            <pc:sldMk cId="2639441608" sldId="286"/>
+            <ac:grpSpMk id="15" creationId="{D3E1CC7B-1965-884C-52E8-C7B951998046}"/>
+          </ac:grpSpMkLst>
+        </pc:grpChg>
+        <pc:grpChg chg="add mod">
+          <ac:chgData name="Ismaël Tuo" userId="fca7baf0e513a1e6" providerId="LiveId" clId="{FA439B40-CE70-4594-AB51-0583BED6F80E}" dt="2024-05-22T16:53:07.148" v="10131" actId="1076"/>
+          <ac:grpSpMkLst>
+            <pc:docMk/>
+            <pc:sldMk cId="2639441608" sldId="286"/>
+            <ac:grpSpMk id="16" creationId="{89CA17B5-C22C-9772-0619-1B6175B07804}"/>
+          </ac:grpSpMkLst>
+        </pc:grpChg>
         <pc:picChg chg="del">
           <ac:chgData name="Ismaël Tuo" userId="fca7baf0e513a1e6" providerId="LiveId" clId="{FA439B40-CE70-4594-AB51-0583BED6F80E}" dt="2024-03-17T12:54:09.820" v="49" actId="478"/>
           <ac:picMkLst>
@@ -375,8 +537,8 @@
           <pc:sldMk cId="2976560216" sldId="294"/>
         </pc:sldMkLst>
       </pc:sldChg>
-      <pc:sldChg chg="modSp add mod">
-        <pc:chgData name="Ismaël Tuo" userId="fca7baf0e513a1e6" providerId="LiveId" clId="{FA439B40-CE70-4594-AB51-0583BED6F80E}" dt="2024-03-17T12:55:12.941" v="80" actId="20577"/>
+      <pc:sldChg chg="addSp delSp modSp add mod ord">
+        <pc:chgData name="Ismaël Tuo" userId="fca7baf0e513a1e6" providerId="LiveId" clId="{FA439B40-CE70-4594-AB51-0583BED6F80E}" dt="2024-05-22T17:26:08.522" v="11260" actId="20577"/>
         <pc:sldMkLst>
           <pc:docMk/>
           <pc:sldMk cId="3982892092" sldId="294"/>
@@ -389,6 +551,86 @@
             <ac:spMk id="6" creationId="{84F10693-2FE8-EFC8-8DB6-84BFD181D260}"/>
           </ac:spMkLst>
         </pc:spChg>
+        <pc:spChg chg="mod">
+          <ac:chgData name="Ismaël Tuo" userId="fca7baf0e513a1e6" providerId="LiveId" clId="{FA439B40-CE70-4594-AB51-0583BED6F80E}" dt="2024-05-22T17:19:53.421" v="11137" actId="14100"/>
+          <ac:spMkLst>
+            <pc:docMk/>
+            <pc:sldMk cId="3982892092" sldId="294"/>
+            <ac:spMk id="7" creationId="{B31AF22B-77AC-398F-8B32-17C6B4914236}"/>
+          </ac:spMkLst>
+        </pc:spChg>
+        <pc:spChg chg="add del mod">
+          <ac:chgData name="Ismaël Tuo" userId="fca7baf0e513a1e6" providerId="LiveId" clId="{FA439B40-CE70-4594-AB51-0583BED6F80E}" dt="2024-05-22T17:15:20.433" v="10674" actId="478"/>
+          <ac:spMkLst>
+            <pc:docMk/>
+            <pc:sldMk cId="3982892092" sldId="294"/>
+            <ac:spMk id="14" creationId="{F5038AD0-7CA4-20D8-B9B2-A6718E3A7DCE}"/>
+          </ac:spMkLst>
+        </pc:spChg>
+        <pc:spChg chg="add del mod">
+          <ac:chgData name="Ismaël Tuo" userId="fca7baf0e513a1e6" providerId="LiveId" clId="{FA439B40-CE70-4594-AB51-0583BED6F80E}" dt="2024-05-22T17:15:24.427" v="10677" actId="478"/>
+          <ac:spMkLst>
+            <pc:docMk/>
+            <pc:sldMk cId="3982892092" sldId="294"/>
+            <ac:spMk id="15" creationId="{6CEE211F-E2A5-3B18-FBB5-1132DF86792B}"/>
+          </ac:spMkLst>
+        </pc:spChg>
+        <pc:spChg chg="add mod">
+          <ac:chgData name="Ismaël Tuo" userId="fca7baf0e513a1e6" providerId="LiveId" clId="{FA439B40-CE70-4594-AB51-0583BED6F80E}" dt="2024-05-22T17:24:16.986" v="11147" actId="1076"/>
+          <ac:spMkLst>
+            <pc:docMk/>
+            <pc:sldMk cId="3982892092" sldId="294"/>
+            <ac:spMk id="18" creationId="{CF7B339B-6218-0773-D83E-7FD62394C249}"/>
+          </ac:spMkLst>
+        </pc:spChg>
+        <pc:spChg chg="add mod">
+          <ac:chgData name="Ismaël Tuo" userId="fca7baf0e513a1e6" providerId="LiveId" clId="{FA439B40-CE70-4594-AB51-0583BED6F80E}" dt="2024-05-22T17:26:08.522" v="11260" actId="20577"/>
+          <ac:spMkLst>
+            <pc:docMk/>
+            <pc:sldMk cId="3982892092" sldId="294"/>
+            <ac:spMk id="21" creationId="{4D2EF078-2371-91C4-43BE-504150DE42FD}"/>
+          </ac:spMkLst>
+        </pc:spChg>
+        <pc:picChg chg="add del mod">
+          <ac:chgData name="Ismaël Tuo" userId="fca7baf0e513a1e6" providerId="LiveId" clId="{FA439B40-CE70-4594-AB51-0583BED6F80E}" dt="2024-05-22T17:15:19.393" v="10673" actId="478"/>
+          <ac:picMkLst>
+            <pc:docMk/>
+            <pc:sldMk cId="3982892092" sldId="294"/>
+            <ac:picMk id="8" creationId="{57E4506D-3D38-B10A-AEB9-8013E2A86149}"/>
+          </ac:picMkLst>
+        </pc:picChg>
+        <pc:picChg chg="add del mod">
+          <ac:chgData name="Ismaël Tuo" userId="fca7baf0e513a1e6" providerId="LiveId" clId="{FA439B40-CE70-4594-AB51-0583BED6F80E}" dt="2024-05-22T17:15:21.003" v="10675" actId="478"/>
+          <ac:picMkLst>
+            <pc:docMk/>
+            <pc:sldMk cId="3982892092" sldId="294"/>
+            <ac:picMk id="10" creationId="{E2C10DC8-F74C-F587-F6C5-59C5819881DD}"/>
+          </ac:picMkLst>
+        </pc:picChg>
+        <pc:picChg chg="add del mod">
+          <ac:chgData name="Ismaël Tuo" userId="fca7baf0e513a1e6" providerId="LiveId" clId="{FA439B40-CE70-4594-AB51-0583BED6F80E}" dt="2024-05-22T17:15:22.463" v="10676" actId="478"/>
+          <ac:picMkLst>
+            <pc:docMk/>
+            <pc:sldMk cId="3982892092" sldId="294"/>
+            <ac:picMk id="17" creationId="{20B0DB46-AEED-4947-5D24-7F0CBBFB6CC1}"/>
+          </ac:picMkLst>
+        </pc:picChg>
+        <pc:picChg chg="add mod">
+          <ac:chgData name="Ismaël Tuo" userId="fca7baf0e513a1e6" providerId="LiveId" clId="{FA439B40-CE70-4594-AB51-0583BED6F80E}" dt="2024-05-22T17:24:19.903" v="11148" actId="1076"/>
+          <ac:picMkLst>
+            <pc:docMk/>
+            <pc:sldMk cId="3982892092" sldId="294"/>
+            <ac:picMk id="20" creationId="{21D40EE3-FD53-9D02-C204-48C1EA520574}"/>
+          </ac:picMkLst>
+        </pc:picChg>
+        <pc:cxnChg chg="add del mod">
+          <ac:chgData name="Ismaël Tuo" userId="fca7baf0e513a1e6" providerId="LiveId" clId="{FA439B40-CE70-4594-AB51-0583BED6F80E}" dt="2024-05-22T17:10:46.048" v="10353" actId="478"/>
+          <ac:cxnSpMkLst>
+            <pc:docMk/>
+            <pc:sldMk cId="3982892092" sldId="294"/>
+            <ac:cxnSpMk id="12" creationId="{D5CC7646-0CDE-B47C-1677-5EC9B93650C9}"/>
+          </ac:cxnSpMkLst>
+        </pc:cxnChg>
       </pc:sldChg>
       <pc:sldChg chg="modSp add mod ord">
         <pc:chgData name="Ismaël Tuo" userId="fca7baf0e513a1e6" providerId="LiveId" clId="{FA439B40-CE70-4594-AB51-0583BED6F80E}" dt="2024-03-17T13:02:04.957" v="366" actId="20577"/>
@@ -420,8 +662,8 @@
           <pc:sldMk cId="3570689638" sldId="295"/>
         </pc:sldMkLst>
       </pc:sldChg>
-      <pc:sldChg chg="modSp add mod">
-        <pc:chgData name="Ismaël Tuo" userId="fca7baf0e513a1e6" providerId="LiveId" clId="{FA439B40-CE70-4594-AB51-0583BED6F80E}" dt="2024-03-17T12:58:51.485" v="287" actId="20577"/>
+      <pc:sldChg chg="addSp modSp add mod">
+        <pc:chgData name="Ismaël Tuo" userId="fca7baf0e513a1e6" providerId="LiveId" clId="{FA439B40-CE70-4594-AB51-0583BED6F80E}" dt="2024-05-22T17:39:41.576" v="11901" actId="1076"/>
         <pc:sldMkLst>
           <pc:docMk/>
           <pc:sldMk cId="2158608105" sldId="296"/>
@@ -435,13 +677,45 @@
           </ac:spMkLst>
         </pc:spChg>
         <pc:spChg chg="mod">
-          <ac:chgData name="Ismaël Tuo" userId="fca7baf0e513a1e6" providerId="LiveId" clId="{FA439B40-CE70-4594-AB51-0583BED6F80E}" dt="2024-03-17T12:58:05.471" v="226" actId="20577"/>
+          <ac:chgData name="Ismaël Tuo" userId="fca7baf0e513a1e6" providerId="LiveId" clId="{FA439B40-CE70-4594-AB51-0583BED6F80E}" dt="2024-05-22T17:31:47.887" v="11718" actId="33524"/>
           <ac:spMkLst>
             <pc:docMk/>
             <pc:sldMk cId="2158608105" sldId="296"/>
             <ac:spMk id="7" creationId="{B31AF22B-77AC-398F-8B32-17C6B4914236}"/>
           </ac:spMkLst>
         </pc:spChg>
+        <pc:spChg chg="add mod">
+          <ac:chgData name="Ismaël Tuo" userId="fca7baf0e513a1e6" providerId="LiveId" clId="{FA439B40-CE70-4594-AB51-0583BED6F80E}" dt="2024-05-22T17:37:51.248" v="11895" actId="1076"/>
+          <ac:spMkLst>
+            <pc:docMk/>
+            <pc:sldMk cId="2158608105" sldId="296"/>
+            <ac:spMk id="11" creationId="{7F6059A5-E9C9-7E04-3BAA-0ADEF57B1468}"/>
+          </ac:spMkLst>
+        </pc:spChg>
+        <pc:picChg chg="add mod">
+          <ac:chgData name="Ismaël Tuo" userId="fca7baf0e513a1e6" providerId="LiveId" clId="{FA439B40-CE70-4594-AB51-0583BED6F80E}" dt="2024-05-22T17:37:45.668" v="11893" actId="1076"/>
+          <ac:picMkLst>
+            <pc:docMk/>
+            <pc:sldMk cId="2158608105" sldId="296"/>
+            <ac:picMk id="8" creationId="{AE918B32-4BCF-B0BA-09B9-AE6FEA448C0D}"/>
+          </ac:picMkLst>
+        </pc:picChg>
+        <pc:picChg chg="add mod">
+          <ac:chgData name="Ismaël Tuo" userId="fca7baf0e513a1e6" providerId="LiveId" clId="{FA439B40-CE70-4594-AB51-0583BED6F80E}" dt="2024-05-22T17:37:47.446" v="11894" actId="1076"/>
+          <ac:picMkLst>
+            <pc:docMk/>
+            <pc:sldMk cId="2158608105" sldId="296"/>
+            <ac:picMk id="10" creationId="{704CCBC2-B285-2A73-A725-3456882490EB}"/>
+          </ac:picMkLst>
+        </pc:picChg>
+        <pc:picChg chg="add mod">
+          <ac:chgData name="Ismaël Tuo" userId="fca7baf0e513a1e6" providerId="LiveId" clId="{FA439B40-CE70-4594-AB51-0583BED6F80E}" dt="2024-05-22T17:39:41.576" v="11901" actId="1076"/>
+          <ac:picMkLst>
+            <pc:docMk/>
+            <pc:sldMk cId="2158608105" sldId="296"/>
+            <ac:picMk id="13" creationId="{69DFD89B-0A7E-0E00-BAC3-F58583D1F94B}"/>
+          </ac:picMkLst>
+        </pc:picChg>
       </pc:sldChg>
       <pc:sldChg chg="del">
         <pc:chgData name="Ismaël Tuo" userId="fca7baf0e513a1e6" providerId="LiveId" clId="{FA439B40-CE70-4594-AB51-0583BED6F80E}" dt="2024-03-17T12:53:38.478" v="45" actId="47"/>
@@ -1060,6 +1334,115 @@
           </ac:picMkLst>
         </pc:picChg>
       </pc:sldChg>
+      <pc:sldChg chg="add">
+        <pc:chgData name="Ismaël Tuo" userId="fca7baf0e513a1e6" providerId="LiveId" clId="{FA439B40-CE70-4594-AB51-0583BED6F80E}" dt="2024-05-22T17:15:05.693" v="10672" actId="2890"/>
+        <pc:sldMkLst>
+          <pc:docMk/>
+          <pc:sldMk cId="1044631931" sldId="313"/>
+        </pc:sldMkLst>
+      </pc:sldChg>
+      <pc:sldChg chg="add del">
+        <pc:chgData name="Ismaël Tuo" userId="fca7baf0e513a1e6" providerId="LiveId" clId="{FA439B40-CE70-4594-AB51-0583BED6F80E}" dt="2024-05-22T17:02:51.540" v="10138" actId="2696"/>
+        <pc:sldMkLst>
+          <pc:docMk/>
+          <pc:sldMk cId="2168285796" sldId="313"/>
+        </pc:sldMkLst>
+      </pc:sldChg>
+      <pc:sldChg chg="addSp delSp modSp add mod">
+        <pc:chgData name="Ismaël Tuo" userId="fca7baf0e513a1e6" providerId="LiveId" clId="{FA439B40-CE70-4594-AB51-0583BED6F80E}" dt="2024-05-22T17:51:30.636" v="12497" actId="1076"/>
+        <pc:sldMkLst>
+          <pc:docMk/>
+          <pc:sldMk cId="2384567302" sldId="314"/>
+        </pc:sldMkLst>
+        <pc:spChg chg="add mod">
+          <ac:chgData name="Ismaël Tuo" userId="fca7baf0e513a1e6" providerId="LiveId" clId="{FA439B40-CE70-4594-AB51-0583BED6F80E}" dt="2024-05-22T17:50:03.975" v="12492" actId="20577"/>
+          <ac:spMkLst>
+            <pc:docMk/>
+            <pc:sldMk cId="2384567302" sldId="314"/>
+            <ac:spMk id="2" creationId="{9D49DB88-46E9-F872-4F76-BF51883715DD}"/>
+          </ac:spMkLst>
+        </pc:spChg>
+        <pc:spChg chg="mod">
+          <ac:chgData name="Ismaël Tuo" userId="fca7baf0e513a1e6" providerId="LiveId" clId="{FA439B40-CE70-4594-AB51-0583BED6F80E}" dt="2024-05-22T17:41:33.404" v="12088" actId="20577"/>
+          <ac:spMkLst>
+            <pc:docMk/>
+            <pc:sldMk cId="2384567302" sldId="314"/>
+            <ac:spMk id="7" creationId="{B31AF22B-77AC-398F-8B32-17C6B4914236}"/>
+          </ac:spMkLst>
+        </pc:spChg>
+        <pc:spChg chg="del">
+          <ac:chgData name="Ismaël Tuo" userId="fca7baf0e513a1e6" providerId="LiveId" clId="{FA439B40-CE70-4594-AB51-0583BED6F80E}" dt="2024-05-22T17:40:32.796" v="11905" actId="478"/>
+          <ac:spMkLst>
+            <pc:docMk/>
+            <pc:sldMk cId="2384567302" sldId="314"/>
+            <ac:spMk id="11" creationId="{7F6059A5-E9C9-7E04-3BAA-0ADEF57B1468}"/>
+          </ac:spMkLst>
+        </pc:spChg>
+        <pc:spChg chg="add mod">
+          <ac:chgData name="Ismaël Tuo" userId="fca7baf0e513a1e6" providerId="LiveId" clId="{FA439B40-CE70-4594-AB51-0583BED6F80E}" dt="2024-05-22T17:47:01.706" v="12291" actId="1076"/>
+          <ac:spMkLst>
+            <pc:docMk/>
+            <pc:sldMk cId="2384567302" sldId="314"/>
+            <ac:spMk id="14" creationId="{5EC14445-091B-C74A-BC79-312EC11E4D8D}"/>
+          </ac:spMkLst>
+        </pc:spChg>
+        <pc:spChg chg="add mod">
+          <ac:chgData name="Ismaël Tuo" userId="fca7baf0e513a1e6" providerId="LiveId" clId="{FA439B40-CE70-4594-AB51-0583BED6F80E}" dt="2024-05-22T17:51:30.636" v="12497" actId="1076"/>
+          <ac:spMkLst>
+            <pc:docMk/>
+            <pc:sldMk cId="2384567302" sldId="314"/>
+            <ac:spMk id="17" creationId="{8309470E-954D-47AE-A4C2-6B0CAFE27050}"/>
+          </ac:spMkLst>
+        </pc:spChg>
+        <pc:picChg chg="del">
+          <ac:chgData name="Ismaël Tuo" userId="fca7baf0e513a1e6" providerId="LiveId" clId="{FA439B40-CE70-4594-AB51-0583BED6F80E}" dt="2024-05-22T17:40:29.473" v="11903" actId="478"/>
+          <ac:picMkLst>
+            <pc:docMk/>
+            <pc:sldMk cId="2384567302" sldId="314"/>
+            <ac:picMk id="8" creationId="{AE918B32-4BCF-B0BA-09B9-AE6FEA448C0D}"/>
+          </ac:picMkLst>
+        </pc:picChg>
+        <pc:picChg chg="del">
+          <ac:chgData name="Ismaël Tuo" userId="fca7baf0e513a1e6" providerId="LiveId" clId="{FA439B40-CE70-4594-AB51-0583BED6F80E}" dt="2024-05-22T17:40:31.182" v="11904" actId="478"/>
+          <ac:picMkLst>
+            <pc:docMk/>
+            <pc:sldMk cId="2384567302" sldId="314"/>
+            <ac:picMk id="10" creationId="{704CCBC2-B285-2A73-A725-3456882490EB}"/>
+          </ac:picMkLst>
+        </pc:picChg>
+        <pc:picChg chg="add mod">
+          <ac:chgData name="Ismaël Tuo" userId="fca7baf0e513a1e6" providerId="LiveId" clId="{FA439B40-CE70-4594-AB51-0583BED6F80E}" dt="2024-05-22T17:48:52.831" v="12297" actId="1076"/>
+          <ac:picMkLst>
+            <pc:docMk/>
+            <pc:sldMk cId="2384567302" sldId="314"/>
+            <ac:picMk id="12" creationId="{675E1319-262B-BE84-4C1D-5F6C6889FB2A}"/>
+          </ac:picMkLst>
+        </pc:picChg>
+        <pc:picChg chg="del">
+          <ac:chgData name="Ismaël Tuo" userId="fca7baf0e513a1e6" providerId="LiveId" clId="{FA439B40-CE70-4594-AB51-0583BED6F80E}" dt="2024-05-22T17:40:33.363" v="11906" actId="478"/>
+          <ac:picMkLst>
+            <pc:docMk/>
+            <pc:sldMk cId="2384567302" sldId="314"/>
+            <ac:picMk id="13" creationId="{69DFD89B-0A7E-0E00-BAC3-F58583D1F94B}"/>
+          </ac:picMkLst>
+        </pc:picChg>
+        <pc:picChg chg="add mod">
+          <ac:chgData name="Ismaël Tuo" userId="fca7baf0e513a1e6" providerId="LiveId" clId="{FA439B40-CE70-4594-AB51-0583BED6F80E}" dt="2024-05-22T17:49:05.771" v="12301" actId="14100"/>
+          <ac:picMkLst>
+            <pc:docMk/>
+            <pc:sldMk cId="2384567302" sldId="314"/>
+            <ac:picMk id="16" creationId="{A7DD7EF1-2159-33A6-5E11-251A45A697E2}"/>
+          </ac:picMkLst>
+        </pc:picChg>
+        <pc:picChg chg="add mod">
+          <ac:chgData name="Ismaël Tuo" userId="fca7baf0e513a1e6" providerId="LiveId" clId="{FA439B40-CE70-4594-AB51-0583BED6F80E}" dt="2024-05-22T17:51:26.924" v="12496" actId="1076"/>
+          <ac:picMkLst>
+            <pc:docMk/>
+            <pc:sldMk cId="2384567302" sldId="314"/>
+            <ac:picMk id="19" creationId="{B0B1DA3B-4204-7FE9-566F-A6173CA3034D}"/>
+          </ac:picMkLst>
+        </pc:picChg>
+      </pc:sldChg>
     </pc:docChg>
   </pc:docChgLst>
 </pc:chgInfo>
@@ -5109,7 +5492,14 @@
                 <a:latin typeface="Times New Roman" panose="02020603050405020304" pitchFamily="18" charset="0"/>
                 <a:cs typeface="Times New Roman" panose="02020603050405020304" pitchFamily="18" charset="0"/>
               </a:rPr>
-              <a:t>Des listes aux chaînes</a:t>
+              <a:t>La fonction </a:t>
+            </a:r>
+            <a:r>
+              <a:rPr lang="fr-FR" sz="2400" b="1" i="1" dirty="0" err="1">
+                <a:latin typeface="Times New Roman" panose="02020603050405020304" pitchFamily="18" charset="0"/>
+                <a:cs typeface="Times New Roman" panose="02020603050405020304" pitchFamily="18" charset="0"/>
+              </a:rPr>
+              <a:t>enumerate</a:t>
             </a:r>
             <a:endParaRPr lang="fr-FR" sz="2400" b="1" i="1" dirty="0">
               <a:latin typeface="Times New Roman" panose="02020603050405020304" pitchFamily="18" charset="0"/>
@@ -5190,7 +5580,7 @@
                 <a:latin typeface="Times New Roman" panose="02020603050405020304" pitchFamily="18" charset="0"/>
                 <a:cs typeface="Times New Roman" panose="02020603050405020304" pitchFamily="18" charset="0"/>
               </a:rPr>
-              <a:t>Page 92</a:t>
+              <a:t>Page 88</a:t>
             </a:r>
           </a:p>
         </p:txBody>
@@ -5198,7 +5588,7 @@
     </p:spTree>
     <p:extLst>
       <p:ext uri="{BB962C8B-B14F-4D97-AF65-F5344CB8AC3E}">
-        <p14:creationId xmlns:p14="http://schemas.microsoft.com/office/powerpoint/2010/main" val="814239834"/>
+        <p14:creationId xmlns:p14="http://schemas.microsoft.com/office/powerpoint/2010/main" val="3210814892"/>
       </p:ext>
     </p:extLst>
   </p:cSld>
@@ -5316,7 +5706,7 @@
                 <a:latin typeface="Times New Roman" panose="02020603050405020304" pitchFamily="18" charset="0"/>
                 <a:cs typeface="Times New Roman" panose="02020603050405020304" pitchFamily="18" charset="0"/>
               </a:rPr>
-              <a:t>Parcours de liste efficace</a:t>
+              <a:t>De chaînes aux listes</a:t>
             </a:r>
             <a:endParaRPr lang="fr-FR" sz="2400" b="1" i="1" dirty="0">
               <a:latin typeface="Times New Roman" panose="02020603050405020304" pitchFamily="18" charset="0"/>
@@ -5397,7 +5787,7 @@
                 <a:latin typeface="Times New Roman" panose="02020603050405020304" pitchFamily="18" charset="0"/>
                 <a:cs typeface="Times New Roman" panose="02020603050405020304" pitchFamily="18" charset="0"/>
               </a:rPr>
-              <a:t>Page 97</a:t>
+              <a:t>Page 92</a:t>
             </a:r>
           </a:p>
         </p:txBody>
@@ -5405,7 +5795,7 @@
     </p:spTree>
     <p:extLst>
       <p:ext uri="{BB962C8B-B14F-4D97-AF65-F5344CB8AC3E}">
-        <p14:creationId xmlns:p14="http://schemas.microsoft.com/office/powerpoint/2010/main" val="2865238125"/>
+        <p14:creationId xmlns:p14="http://schemas.microsoft.com/office/powerpoint/2010/main" val="3194045807"/>
       </p:ext>
     </p:extLst>
   </p:cSld>
@@ -5523,7 +5913,7 @@
                 <a:latin typeface="Times New Roman" panose="02020603050405020304" pitchFamily="18" charset="0"/>
                 <a:cs typeface="Times New Roman" panose="02020603050405020304" pitchFamily="18" charset="0"/>
               </a:rPr>
-              <a:t>Parcours avec filtrage avec condition</a:t>
+              <a:t>Des listes aux chaînes</a:t>
             </a:r>
             <a:endParaRPr lang="fr-FR" sz="2400" b="1" i="1" dirty="0">
               <a:latin typeface="Times New Roman" panose="02020603050405020304" pitchFamily="18" charset="0"/>
@@ -5604,7 +5994,7 @@
                 <a:latin typeface="Times New Roman" panose="02020603050405020304" pitchFamily="18" charset="0"/>
                 <a:cs typeface="Times New Roman" panose="02020603050405020304" pitchFamily="18" charset="0"/>
               </a:rPr>
-              <a:t>Page 97</a:t>
+              <a:t>Page 92</a:t>
             </a:r>
           </a:p>
         </p:txBody>
@@ -5612,7 +6002,7 @@
     </p:spTree>
     <p:extLst>
       <p:ext uri="{BB962C8B-B14F-4D97-AF65-F5344CB8AC3E}">
-        <p14:creationId xmlns:p14="http://schemas.microsoft.com/office/powerpoint/2010/main" val="715928702"/>
+        <p14:creationId xmlns:p14="http://schemas.microsoft.com/office/powerpoint/2010/main" val="814239834"/>
       </p:ext>
     </p:extLst>
   </p:cSld>
@@ -5730,7 +6120,7 @@
                 <a:latin typeface="Times New Roman" panose="02020603050405020304" pitchFamily="18" charset="0"/>
                 <a:cs typeface="Times New Roman" panose="02020603050405020304" pitchFamily="18" charset="0"/>
               </a:rPr>
-              <a:t>Méthodes usuelles de liste</a:t>
+              <a:t>Parcours de liste efficace</a:t>
             </a:r>
             <a:endParaRPr lang="fr-FR" sz="2400" b="1" i="1" dirty="0">
               <a:latin typeface="Times New Roman" panose="02020603050405020304" pitchFamily="18" charset="0"/>
@@ -5793,7 +6183,7 @@
         <p:spPr>
           <a:xfrm>
             <a:off x="500932" y="941801"/>
-            <a:ext cx="11441731" cy="707886"/>
+            <a:ext cx="11441731" cy="400110"/>
           </a:xfrm>
           <a:prstGeom prst="rect">
             <a:avLst/>
@@ -5811,84 +6201,15 @@
                 <a:latin typeface="Times New Roman" panose="02020603050405020304" pitchFamily="18" charset="0"/>
                 <a:cs typeface="Times New Roman" panose="02020603050405020304" pitchFamily="18" charset="0"/>
               </a:rPr>
-              <a:t>ajouter lien vers documentation python</a:t>
-            </a:r>
-          </a:p>
-          <a:p>
-            <a:r>
-              <a:rPr lang="fr-FR" sz="2000" dirty="0" err="1">
-                <a:latin typeface="Times New Roman" panose="02020603050405020304" pitchFamily="18" charset="0"/>
-                <a:cs typeface="Times New Roman" panose="02020603050405020304" pitchFamily="18" charset="0"/>
-              </a:rPr>
-              <a:t>Elt</a:t>
-            </a:r>
-            <a:r>
-              <a:rPr lang="fr-FR" sz="2000" dirty="0">
-                <a:latin typeface="Times New Roman" panose="02020603050405020304" pitchFamily="18" charset="0"/>
-                <a:cs typeface="Times New Roman" panose="02020603050405020304" pitchFamily="18" charset="0"/>
-              </a:rPr>
-              <a:t> in Liste, </a:t>
-            </a:r>
-            <a:r>
-              <a:rPr lang="fr-FR" sz="2000" dirty="0" err="1">
-                <a:latin typeface="Times New Roman" panose="02020603050405020304" pitchFamily="18" charset="0"/>
-                <a:cs typeface="Times New Roman" panose="02020603050405020304" pitchFamily="18" charset="0"/>
-              </a:rPr>
-              <a:t>Contains</a:t>
-            </a:r>
-            <a:r>
-              <a:rPr lang="fr-FR" sz="2000" dirty="0">
-                <a:latin typeface="Times New Roman" panose="02020603050405020304" pitchFamily="18" charset="0"/>
-                <a:cs typeface="Times New Roman" panose="02020603050405020304" pitchFamily="18" charset="0"/>
-              </a:rPr>
-              <a:t>, </a:t>
-            </a:r>
-            <a:r>
-              <a:rPr lang="fr-FR" sz="2000" dirty="0" err="1">
-                <a:latin typeface="Times New Roman" panose="02020603050405020304" pitchFamily="18" charset="0"/>
-                <a:cs typeface="Times New Roman" panose="02020603050405020304" pitchFamily="18" charset="0"/>
-              </a:rPr>
-              <a:t>clear</a:t>
-            </a:r>
-            <a:r>
-              <a:rPr lang="fr-FR" sz="2000" dirty="0">
-                <a:latin typeface="Times New Roman" panose="02020603050405020304" pitchFamily="18" charset="0"/>
-                <a:cs typeface="Times New Roman" panose="02020603050405020304" pitchFamily="18" charset="0"/>
-              </a:rPr>
-              <a:t>, count, </a:t>
-            </a:r>
-            <a:r>
-              <a:rPr lang="fr-FR" sz="2000" dirty="0" err="1">
-                <a:latin typeface="Times New Roman" panose="02020603050405020304" pitchFamily="18" charset="0"/>
-                <a:cs typeface="Times New Roman" panose="02020603050405020304" pitchFamily="18" charset="0"/>
-              </a:rPr>
-              <a:t>extend</a:t>
-            </a:r>
-            <a:r>
-              <a:rPr lang="fr-FR" sz="2000" dirty="0">
-                <a:latin typeface="Times New Roman" panose="02020603050405020304" pitchFamily="18" charset="0"/>
-                <a:cs typeface="Times New Roman" panose="02020603050405020304" pitchFamily="18" charset="0"/>
-              </a:rPr>
-              <a:t>, pop, reverse, sort, </a:t>
-            </a:r>
-            <a:r>
-              <a:rPr lang="fr-FR" sz="2000" dirty="0" err="1">
-                <a:latin typeface="Times New Roman" panose="02020603050405020304" pitchFamily="18" charset="0"/>
-                <a:cs typeface="Times New Roman" panose="02020603050405020304" pitchFamily="18" charset="0"/>
-              </a:rPr>
-              <a:t>sorted</a:t>
-            </a:r>
-            <a:endParaRPr lang="fr-FR" sz="2000" dirty="0">
-              <a:latin typeface="Times New Roman" panose="02020603050405020304" pitchFamily="18" charset="0"/>
-              <a:cs typeface="Times New Roman" panose="02020603050405020304" pitchFamily="18" charset="0"/>
-            </a:endParaRPr>
+              <a:t>Page 97</a:t>
+            </a:r>
           </a:p>
         </p:txBody>
       </p:sp>
     </p:spTree>
     <p:extLst>
       <p:ext uri="{BB962C8B-B14F-4D97-AF65-F5344CB8AC3E}">
-        <p14:creationId xmlns:p14="http://schemas.microsoft.com/office/powerpoint/2010/main" val="3279480716"/>
+        <p14:creationId xmlns:p14="http://schemas.microsoft.com/office/powerpoint/2010/main" val="2865238125"/>
       </p:ext>
     </p:extLst>
   </p:cSld>
@@ -6006,7 +6327,7 @@
                 <a:latin typeface="Times New Roman" panose="02020603050405020304" pitchFamily="18" charset="0"/>
                 <a:cs typeface="Times New Roman" panose="02020603050405020304" pitchFamily="18" charset="0"/>
               </a:rPr>
-              <a:t>Fonctions à plusieurs paramètres</a:t>
+              <a:t>Parcours avec filtrage avec condition</a:t>
             </a:r>
             <a:endParaRPr lang="fr-FR" sz="2400" b="1" i="1" dirty="0">
               <a:latin typeface="Times New Roman" panose="02020603050405020304" pitchFamily="18" charset="0"/>
@@ -6087,7 +6408,7 @@
                 <a:latin typeface="Times New Roman" panose="02020603050405020304" pitchFamily="18" charset="0"/>
                 <a:cs typeface="Times New Roman" panose="02020603050405020304" pitchFamily="18" charset="0"/>
               </a:rPr>
-              <a:t>Voir si nécessaire d’ajouter </a:t>
+              <a:t>Page 97</a:t>
             </a:r>
           </a:p>
         </p:txBody>
@@ -6095,7 +6416,7 @@
     </p:spTree>
     <p:extLst>
       <p:ext uri="{BB962C8B-B14F-4D97-AF65-F5344CB8AC3E}">
-        <p14:creationId xmlns:p14="http://schemas.microsoft.com/office/powerpoint/2010/main" val="2591302804"/>
+        <p14:creationId xmlns:p14="http://schemas.microsoft.com/office/powerpoint/2010/main" val="715928702"/>
       </p:ext>
     </p:extLst>
   </p:cSld>
@@ -6213,7 +6534,7 @@
                 <a:latin typeface="Times New Roman" panose="02020603050405020304" pitchFamily="18" charset="0"/>
                 <a:cs typeface="Times New Roman" panose="02020603050405020304" pitchFamily="18" charset="0"/>
               </a:rPr>
-              <a:t>La fonction id avec les listes</a:t>
+              <a:t>Méthodes usuelles de liste</a:t>
             </a:r>
             <a:endParaRPr lang="fr-FR" sz="2400" b="1" i="1" dirty="0">
               <a:latin typeface="Times New Roman" panose="02020603050405020304" pitchFamily="18" charset="0"/>
@@ -6276,7 +6597,7 @@
         <p:spPr>
           <a:xfrm>
             <a:off x="500932" y="941801"/>
-            <a:ext cx="11441731" cy="400110"/>
+            <a:ext cx="11441731" cy="707886"/>
           </a:xfrm>
           <a:prstGeom prst="rect">
             <a:avLst/>
@@ -6294,15 +6615,84 @@
                 <a:latin typeface="Times New Roman" panose="02020603050405020304" pitchFamily="18" charset="0"/>
                 <a:cs typeface="Times New Roman" panose="02020603050405020304" pitchFamily="18" charset="0"/>
               </a:rPr>
-              <a:t>Voir si nécessaire d’ajouter </a:t>
-            </a:r>
+              <a:t>ajouter lien vers documentation python</a:t>
+            </a:r>
+          </a:p>
+          <a:p>
+            <a:r>
+              <a:rPr lang="fr-FR" sz="2000" dirty="0" err="1">
+                <a:latin typeface="Times New Roman" panose="02020603050405020304" pitchFamily="18" charset="0"/>
+                <a:cs typeface="Times New Roman" panose="02020603050405020304" pitchFamily="18" charset="0"/>
+              </a:rPr>
+              <a:t>Elt</a:t>
+            </a:r>
+            <a:r>
+              <a:rPr lang="fr-FR" sz="2000" dirty="0">
+                <a:latin typeface="Times New Roman" panose="02020603050405020304" pitchFamily="18" charset="0"/>
+                <a:cs typeface="Times New Roman" panose="02020603050405020304" pitchFamily="18" charset="0"/>
+              </a:rPr>
+              <a:t> in Liste, </a:t>
+            </a:r>
+            <a:r>
+              <a:rPr lang="fr-FR" sz="2000" dirty="0" err="1">
+                <a:latin typeface="Times New Roman" panose="02020603050405020304" pitchFamily="18" charset="0"/>
+                <a:cs typeface="Times New Roman" panose="02020603050405020304" pitchFamily="18" charset="0"/>
+              </a:rPr>
+              <a:t>Contains</a:t>
+            </a:r>
+            <a:r>
+              <a:rPr lang="fr-FR" sz="2000" dirty="0">
+                <a:latin typeface="Times New Roman" panose="02020603050405020304" pitchFamily="18" charset="0"/>
+                <a:cs typeface="Times New Roman" panose="02020603050405020304" pitchFamily="18" charset="0"/>
+              </a:rPr>
+              <a:t>, </a:t>
+            </a:r>
+            <a:r>
+              <a:rPr lang="fr-FR" sz="2000" dirty="0" err="1">
+                <a:latin typeface="Times New Roman" panose="02020603050405020304" pitchFamily="18" charset="0"/>
+                <a:cs typeface="Times New Roman" panose="02020603050405020304" pitchFamily="18" charset="0"/>
+              </a:rPr>
+              <a:t>clear</a:t>
+            </a:r>
+            <a:r>
+              <a:rPr lang="fr-FR" sz="2000" dirty="0">
+                <a:latin typeface="Times New Roman" panose="02020603050405020304" pitchFamily="18" charset="0"/>
+                <a:cs typeface="Times New Roman" panose="02020603050405020304" pitchFamily="18" charset="0"/>
+              </a:rPr>
+              <a:t>, count, </a:t>
+            </a:r>
+            <a:r>
+              <a:rPr lang="fr-FR" sz="2000" dirty="0" err="1">
+                <a:latin typeface="Times New Roman" panose="02020603050405020304" pitchFamily="18" charset="0"/>
+                <a:cs typeface="Times New Roman" panose="02020603050405020304" pitchFamily="18" charset="0"/>
+              </a:rPr>
+              <a:t>extend</a:t>
+            </a:r>
+            <a:r>
+              <a:rPr lang="fr-FR" sz="2000" dirty="0">
+                <a:latin typeface="Times New Roman" panose="02020603050405020304" pitchFamily="18" charset="0"/>
+                <a:cs typeface="Times New Roman" panose="02020603050405020304" pitchFamily="18" charset="0"/>
+              </a:rPr>
+              <a:t>, pop, reverse, sort, </a:t>
+            </a:r>
+            <a:r>
+              <a:rPr lang="fr-FR" sz="2000" dirty="0" err="1">
+                <a:latin typeface="Times New Roman" panose="02020603050405020304" pitchFamily="18" charset="0"/>
+                <a:cs typeface="Times New Roman" panose="02020603050405020304" pitchFamily="18" charset="0"/>
+              </a:rPr>
+              <a:t>sorted</a:t>
+            </a:r>
+            <a:endParaRPr lang="fr-FR" sz="2000" dirty="0">
+              <a:latin typeface="Times New Roman" panose="02020603050405020304" pitchFamily="18" charset="0"/>
+              <a:cs typeface="Times New Roman" panose="02020603050405020304" pitchFamily="18" charset="0"/>
+            </a:endParaRPr>
           </a:p>
         </p:txBody>
       </p:sp>
     </p:spTree>
     <p:extLst>
       <p:ext uri="{BB962C8B-B14F-4D97-AF65-F5344CB8AC3E}">
-        <p14:creationId xmlns:p14="http://schemas.microsoft.com/office/powerpoint/2010/main" val="926986085"/>
+        <p14:creationId xmlns:p14="http://schemas.microsoft.com/office/powerpoint/2010/main" val="3279480716"/>
       </p:ext>
     </p:extLst>
   </p:cSld>
@@ -6401,8 +6791,8 @@
         </p:nvSpPr>
         <p:spPr>
           <a:xfrm>
-            <a:off x="397564" y="218526"/>
-            <a:ext cx="5795005" cy="461665"/>
+            <a:off x="397565" y="218526"/>
+            <a:ext cx="5577722" cy="461665"/>
           </a:xfrm>
           <a:prstGeom prst="rect">
             <a:avLst/>
@@ -6420,8 +6810,12 @@
                 <a:latin typeface="Times New Roman" panose="02020603050405020304" pitchFamily="18" charset="0"/>
                 <a:cs typeface="Times New Roman" panose="02020603050405020304" pitchFamily="18" charset="0"/>
               </a:rPr>
-              <a:t>Exercices</a:t>
-            </a:r>
+              <a:t>Fonctions à plusieurs paramètres</a:t>
+            </a:r>
+            <a:endParaRPr lang="fr-FR" sz="2400" b="1" i="1" dirty="0">
+              <a:latin typeface="Times New Roman" panose="02020603050405020304" pitchFamily="18" charset="0"/>
+              <a:cs typeface="Times New Roman" panose="02020603050405020304" pitchFamily="18" charset="0"/>
+            </a:endParaRPr>
           </a:p>
         </p:txBody>
       </p:sp>
@@ -6466,10 +6860,10 @@
       </p:cxnSp>
       <p:sp>
         <p:nvSpPr>
-          <p:cNvPr id="2" name="ZoneTexte 1">
-            <a:extLst>
-              <a:ext uri="{FF2B5EF4-FFF2-40B4-BE49-F238E27FC236}">
-                <a16:creationId xmlns:a16="http://schemas.microsoft.com/office/drawing/2014/main" id="{598CC1F4-92B5-97D6-5630-8A3701211AA4}"/>
+          <p:cNvPr id="7" name="ZoneTexte 6">
+            <a:extLst>
+              <a:ext uri="{FF2B5EF4-FFF2-40B4-BE49-F238E27FC236}">
+                <a16:creationId xmlns:a16="http://schemas.microsoft.com/office/drawing/2014/main" id="{B31AF22B-77AC-398F-8B32-17C6B4914236}"/>
               </a:ext>
             </a:extLst>
           </p:cNvPr>
@@ -6478,8 +6872,8 @@
         </p:nvSpPr>
         <p:spPr>
           <a:xfrm>
-            <a:off x="397564" y="711780"/>
-            <a:ext cx="11569148" cy="400110"/>
+            <a:off x="500932" y="941801"/>
+            <a:ext cx="11441731" cy="400110"/>
           </a:xfrm>
           <a:prstGeom prst="rect">
             <a:avLst/>
@@ -6493,283 +6887,11 @@
           <a:lstStyle/>
           <a:p>
             <a:r>
-              <a:rPr lang="fr-FR" sz="2000" b="1" u="sng" dirty="0">
-                <a:latin typeface="Times New Roman" panose="02020603050405020304" pitchFamily="18" charset="0"/>
-                <a:cs typeface="Times New Roman" panose="02020603050405020304" pitchFamily="18" charset="0"/>
-              </a:rPr>
-              <a:t>Exercice 1</a:t>
-            </a:r>
-          </a:p>
-        </p:txBody>
-      </p:sp>
-      <p:sp>
-        <p:nvSpPr>
-          <p:cNvPr id="7" name="ZoneTexte 6">
-            <a:extLst>
-              <a:ext uri="{FF2B5EF4-FFF2-40B4-BE49-F238E27FC236}">
-                <a16:creationId xmlns:a16="http://schemas.microsoft.com/office/drawing/2014/main" id="{990321CC-02EF-ED64-0AA9-789ED60F60B1}"/>
-              </a:ext>
-            </a:extLst>
-          </p:cNvPr>
-          <p:cNvSpPr txBox="1"/>
-          <p:nvPr/>
-        </p:nvSpPr>
-        <p:spPr>
-          <a:xfrm>
-            <a:off x="397564" y="1090885"/>
-            <a:ext cx="11088982" cy="1631216"/>
-          </a:xfrm>
-          <a:prstGeom prst="rect">
-            <a:avLst/>
-          </a:prstGeom>
-          <a:noFill/>
-        </p:spPr>
-        <p:txBody>
-          <a:bodyPr wrap="square" rtlCol="0">
-            <a:spAutoFit/>
-          </a:bodyPr>
-          <a:lstStyle>
-            <a:defPPr>
-              <a:defRPr lang="en-US"/>
-            </a:defPPr>
-            <a:lvl1pPr>
-              <a:defRPr sz="2000"/>
-            </a:lvl1pPr>
-          </a:lstStyle>
-          <a:p>
-            <a:r>
-              <a:rPr lang="fr-FR" dirty="0">
-                <a:latin typeface="Times New Roman" panose="02020603050405020304" pitchFamily="18" charset="0"/>
-                <a:cs typeface="Times New Roman" panose="02020603050405020304" pitchFamily="18" charset="0"/>
-              </a:rPr>
-              <a:t>Ecrire un programme Python qui demande un nombre à virgule à l’utilisateur. L’utilisateur peut choisir de saisir un nombre en format français par exemple 3,12 ou format anglais 3.12. </a:t>
-            </a:r>
-          </a:p>
-          <a:p>
-            <a:r>
-              <a:rPr lang="fr-FR" dirty="0">
-                <a:latin typeface="Times New Roman" panose="02020603050405020304" pitchFamily="18" charset="0"/>
-                <a:cs typeface="Times New Roman" panose="02020603050405020304" pitchFamily="18" charset="0"/>
-              </a:rPr>
-              <a:t>Le programme doit renvoyer le nombre saisit par l’utilisateur avec 5 chiffres après la virgule.</a:t>
-            </a:r>
-          </a:p>
-          <a:p>
-            <a:r>
-              <a:rPr lang="fr-FR" dirty="0">
-                <a:latin typeface="Times New Roman" panose="02020603050405020304" pitchFamily="18" charset="0"/>
-                <a:cs typeface="Times New Roman" panose="02020603050405020304" pitchFamily="18" charset="0"/>
-              </a:rPr>
-              <a:t>Par exemple si l’utilisateur entre 3,99999999999 le programme doit renvoyer 3,99999. </a:t>
-            </a:r>
-          </a:p>
-          <a:p>
-            <a:r>
-              <a:rPr lang="fr-FR" dirty="0">
-                <a:latin typeface="Times New Roman" panose="02020603050405020304" pitchFamily="18" charset="0"/>
-                <a:cs typeface="Times New Roman" panose="02020603050405020304" pitchFamily="18" charset="0"/>
-              </a:rPr>
-              <a:t>Si l’utilisateur entre 3,99 le programme doit renvoyer 3,99000.</a:t>
-            </a:r>
-          </a:p>
-        </p:txBody>
-      </p:sp>
-      <p:sp>
-        <p:nvSpPr>
-          <p:cNvPr id="8" name="ZoneTexte 7">
-            <a:extLst>
-              <a:ext uri="{FF2B5EF4-FFF2-40B4-BE49-F238E27FC236}">
-                <a16:creationId xmlns:a16="http://schemas.microsoft.com/office/drawing/2014/main" id="{B79BE658-5103-63F8-7F2F-02F2834F1CE9}"/>
-              </a:ext>
-            </a:extLst>
-          </p:cNvPr>
-          <p:cNvSpPr txBox="1"/>
-          <p:nvPr/>
-        </p:nvSpPr>
-        <p:spPr>
-          <a:xfrm>
-            <a:off x="397564" y="2722101"/>
-            <a:ext cx="11569148" cy="400110"/>
-          </a:xfrm>
-          <a:prstGeom prst="rect">
-            <a:avLst/>
-          </a:prstGeom>
-          <a:noFill/>
-        </p:spPr>
-        <p:txBody>
-          <a:bodyPr wrap="square" rtlCol="0">
-            <a:spAutoFit/>
-          </a:bodyPr>
-          <a:lstStyle/>
-          <a:p>
-            <a:r>
-              <a:rPr lang="fr-FR" sz="2000" b="1" u="sng" dirty="0">
-                <a:latin typeface="Times New Roman" panose="02020603050405020304" pitchFamily="18" charset="0"/>
-                <a:cs typeface="Times New Roman" panose="02020603050405020304" pitchFamily="18" charset="0"/>
-              </a:rPr>
-              <a:t>Exercice 2</a:t>
-            </a:r>
-          </a:p>
-        </p:txBody>
-      </p:sp>
-      <p:sp>
-        <p:nvSpPr>
-          <p:cNvPr id="9" name="ZoneTexte 8">
-            <a:extLst>
-              <a:ext uri="{FF2B5EF4-FFF2-40B4-BE49-F238E27FC236}">
-                <a16:creationId xmlns:a16="http://schemas.microsoft.com/office/drawing/2014/main" id="{C1A1C679-64A5-1DDA-8AC1-E6755E1CCE83}"/>
-              </a:ext>
-            </a:extLst>
-          </p:cNvPr>
-          <p:cNvSpPr txBox="1"/>
-          <p:nvPr/>
-        </p:nvSpPr>
-        <p:spPr>
-          <a:xfrm>
-            <a:off x="397564" y="3101206"/>
-            <a:ext cx="11088982" cy="400110"/>
-          </a:xfrm>
-          <a:prstGeom prst="rect">
-            <a:avLst/>
-          </a:prstGeom>
-          <a:noFill/>
-        </p:spPr>
-        <p:txBody>
-          <a:bodyPr wrap="square" rtlCol="0">
-            <a:spAutoFit/>
-          </a:bodyPr>
-          <a:lstStyle>
-            <a:defPPr>
-              <a:defRPr lang="en-US"/>
-            </a:defPPr>
-            <a:lvl1pPr>
-              <a:defRPr sz="2000"/>
-            </a:lvl1pPr>
-          </a:lstStyle>
-          <a:p>
-            <a:r>
-              <a:rPr lang="fr-FR" dirty="0">
-                <a:latin typeface="Times New Roman" panose="02020603050405020304" pitchFamily="18" charset="0"/>
-                <a:cs typeface="Times New Roman" panose="02020603050405020304" pitchFamily="18" charset="0"/>
-              </a:rPr>
-              <a:t>Ecrire un script qui génère la liste des carrés et des cubes des nombres de 20 à 40.</a:t>
-            </a:r>
-          </a:p>
-        </p:txBody>
-      </p:sp>
-      <p:sp>
-        <p:nvSpPr>
-          <p:cNvPr id="10" name="ZoneTexte 9">
-            <a:extLst>
-              <a:ext uri="{FF2B5EF4-FFF2-40B4-BE49-F238E27FC236}">
-                <a16:creationId xmlns:a16="http://schemas.microsoft.com/office/drawing/2014/main" id="{99A2B5AC-A81B-C989-D0C2-FC1C7462D8DB}"/>
-              </a:ext>
-            </a:extLst>
-          </p:cNvPr>
-          <p:cNvSpPr txBox="1"/>
-          <p:nvPr/>
-        </p:nvSpPr>
-        <p:spPr>
-          <a:xfrm>
-            <a:off x="397564" y="3501316"/>
-            <a:ext cx="11569148" cy="400110"/>
-          </a:xfrm>
-          <a:prstGeom prst="rect">
-            <a:avLst/>
-          </a:prstGeom>
-          <a:noFill/>
-        </p:spPr>
-        <p:txBody>
-          <a:bodyPr wrap="square" rtlCol="0">
-            <a:spAutoFit/>
-          </a:bodyPr>
-          <a:lstStyle/>
-          <a:p>
-            <a:r>
-              <a:rPr lang="fr-FR" sz="2000" b="1" u="sng" dirty="0">
-                <a:latin typeface="Times New Roman" panose="02020603050405020304" pitchFamily="18" charset="0"/>
-                <a:cs typeface="Times New Roman" panose="02020603050405020304" pitchFamily="18" charset="0"/>
-              </a:rPr>
-              <a:t>Exercice 3</a:t>
-            </a:r>
-          </a:p>
-        </p:txBody>
-      </p:sp>
-      <p:sp>
-        <p:nvSpPr>
-          <p:cNvPr id="11" name="ZoneTexte 10">
-            <a:extLst>
-              <a:ext uri="{FF2B5EF4-FFF2-40B4-BE49-F238E27FC236}">
-                <a16:creationId xmlns:a16="http://schemas.microsoft.com/office/drawing/2014/main" id="{696C8475-7C20-6089-288B-7BFD03851401}"/>
-              </a:ext>
-            </a:extLst>
-          </p:cNvPr>
-          <p:cNvSpPr txBox="1"/>
-          <p:nvPr/>
-        </p:nvSpPr>
-        <p:spPr>
-          <a:xfrm>
-            <a:off x="397564" y="3880421"/>
-            <a:ext cx="11088982" cy="1938992"/>
-          </a:xfrm>
-          <a:prstGeom prst="rect">
-            <a:avLst/>
-          </a:prstGeom>
-          <a:noFill/>
-        </p:spPr>
-        <p:txBody>
-          <a:bodyPr wrap="square" rtlCol="0">
-            <a:spAutoFit/>
-          </a:bodyPr>
-          <a:lstStyle>
-            <a:defPPr>
-              <a:defRPr lang="en-US"/>
-            </a:defPPr>
-            <a:lvl1pPr>
-              <a:defRPr sz="2000"/>
-            </a:lvl1pPr>
-          </a:lstStyle>
-          <a:p>
-            <a:r>
-              <a:rPr lang="fr-FR" dirty="0">
-                <a:latin typeface="Times New Roman" panose="02020603050405020304" pitchFamily="18" charset="0"/>
-                <a:cs typeface="Times New Roman" panose="02020603050405020304" pitchFamily="18" charset="0"/>
-              </a:rPr>
-              <a:t>Ecrire un script qui demande à l’utilisateur de saisir un nom et le stocke dans une liste, le programme doit toujours demander un nom à l’utilisateur jusqu’à ce que l’utilisateur entre un caractère vide.</a:t>
-            </a:r>
-          </a:p>
-          <a:p>
-            <a:r>
-              <a:rPr lang="fr-FR" dirty="0">
-                <a:latin typeface="Times New Roman" panose="02020603050405020304" pitchFamily="18" charset="0"/>
-                <a:cs typeface="Times New Roman" panose="02020603050405020304" pitchFamily="18" charset="0"/>
-              </a:rPr>
-              <a:t>Ensuite le programme doit afficher la liste des noms entrés par l’utilisateur ainsi que le nombre de caractères que contient chaque nom. Par exemple:</a:t>
-            </a:r>
-          </a:p>
-          <a:p>
-            <a:r>
-              <a:rPr lang="fr-FR" dirty="0">
-                <a:latin typeface="Times New Roman" panose="02020603050405020304" pitchFamily="18" charset="0"/>
-                <a:cs typeface="Times New Roman" panose="02020603050405020304" pitchFamily="18" charset="0"/>
-              </a:rPr>
-              <a:t>John: 4 caractères</a:t>
-            </a:r>
-          </a:p>
-          <a:p>
-            <a:r>
-              <a:rPr lang="fr-FR" dirty="0" err="1">
-                <a:latin typeface="Times New Roman" panose="02020603050405020304" pitchFamily="18" charset="0"/>
-                <a:cs typeface="Times New Roman" panose="02020603050405020304" pitchFamily="18" charset="0"/>
-              </a:rPr>
-              <a:t>Doé</a:t>
-            </a:r>
-            <a:r>
-              <a:rPr lang="fr-FR" dirty="0">
-                <a:latin typeface="Times New Roman" panose="02020603050405020304" pitchFamily="18" charset="0"/>
-                <a:cs typeface="Times New Roman" panose="02020603050405020304" pitchFamily="18" charset="0"/>
-              </a:rPr>
-              <a:t>: 3 caractères</a:t>
+              <a:rPr lang="fr-FR" sz="2000" dirty="0">
+                <a:latin typeface="Times New Roman" panose="02020603050405020304" pitchFamily="18" charset="0"/>
+                <a:cs typeface="Times New Roman" panose="02020603050405020304" pitchFamily="18" charset="0"/>
+              </a:rPr>
+              <a:t>Voir si nécessaire d’ajouter </a:t>
             </a:r>
           </a:p>
         </p:txBody>
@@ -6777,7 +6899,7 @@
     </p:spTree>
     <p:extLst>
       <p:ext uri="{BB962C8B-B14F-4D97-AF65-F5344CB8AC3E}">
-        <p14:creationId xmlns:p14="http://schemas.microsoft.com/office/powerpoint/2010/main" val="1332028687"/>
+        <p14:creationId xmlns:p14="http://schemas.microsoft.com/office/powerpoint/2010/main" val="2591302804"/>
       </p:ext>
     </p:extLst>
   </p:cSld>
@@ -6876,8 +6998,8 @@
         </p:nvSpPr>
         <p:spPr>
           <a:xfrm>
-            <a:off x="397564" y="218526"/>
-            <a:ext cx="5795005" cy="461665"/>
+            <a:off x="397565" y="218526"/>
+            <a:ext cx="5577722" cy="461665"/>
           </a:xfrm>
           <a:prstGeom prst="rect">
             <a:avLst/>
@@ -6895,8 +7017,12 @@
                 <a:latin typeface="Times New Roman" panose="02020603050405020304" pitchFamily="18" charset="0"/>
                 <a:cs typeface="Times New Roman" panose="02020603050405020304" pitchFamily="18" charset="0"/>
               </a:rPr>
-              <a:t>Exercices</a:t>
-            </a:r>
+              <a:t>La fonction id avec les listes</a:t>
+            </a:r>
+            <a:endParaRPr lang="fr-FR" sz="2400" b="1" i="1" dirty="0">
+              <a:latin typeface="Times New Roman" panose="02020603050405020304" pitchFamily="18" charset="0"/>
+              <a:cs typeface="Times New Roman" panose="02020603050405020304" pitchFamily="18" charset="0"/>
+            </a:endParaRPr>
           </a:p>
         </p:txBody>
       </p:sp>
@@ -6941,10 +7067,10 @@
       </p:cxnSp>
       <p:sp>
         <p:nvSpPr>
-          <p:cNvPr id="2" name="ZoneTexte 1">
-            <a:extLst>
-              <a:ext uri="{FF2B5EF4-FFF2-40B4-BE49-F238E27FC236}">
-                <a16:creationId xmlns:a16="http://schemas.microsoft.com/office/drawing/2014/main" id="{598CC1F4-92B5-97D6-5630-8A3701211AA4}"/>
+          <p:cNvPr id="7" name="ZoneTexte 6">
+            <a:extLst>
+              <a:ext uri="{FF2B5EF4-FFF2-40B4-BE49-F238E27FC236}">
+                <a16:creationId xmlns:a16="http://schemas.microsoft.com/office/drawing/2014/main" id="{B31AF22B-77AC-398F-8B32-17C6B4914236}"/>
               </a:ext>
             </a:extLst>
           </p:cNvPr>
@@ -6953,8 +7079,8 @@
         </p:nvSpPr>
         <p:spPr>
           <a:xfrm>
-            <a:off x="397564" y="711780"/>
-            <a:ext cx="11569148" cy="400110"/>
+            <a:off x="500932" y="941801"/>
+            <a:ext cx="11441731" cy="400110"/>
           </a:xfrm>
           <a:prstGeom prst="rect">
             <a:avLst/>
@@ -6968,240 +7094,11 @@
           <a:lstStyle/>
           <a:p>
             <a:r>
-              <a:rPr lang="fr-FR" sz="2000" b="1" u="sng" dirty="0">
-                <a:latin typeface="Times New Roman" panose="02020603050405020304" pitchFamily="18" charset="0"/>
-                <a:cs typeface="Times New Roman" panose="02020603050405020304" pitchFamily="18" charset="0"/>
-              </a:rPr>
-              <a:t>Exercice 4</a:t>
-            </a:r>
-          </a:p>
-        </p:txBody>
-      </p:sp>
-      <p:sp>
-        <p:nvSpPr>
-          <p:cNvPr id="7" name="ZoneTexte 6">
-            <a:extLst>
-              <a:ext uri="{FF2B5EF4-FFF2-40B4-BE49-F238E27FC236}">
-                <a16:creationId xmlns:a16="http://schemas.microsoft.com/office/drawing/2014/main" id="{990321CC-02EF-ED64-0AA9-789ED60F60B1}"/>
-              </a:ext>
-            </a:extLst>
-          </p:cNvPr>
-          <p:cNvSpPr txBox="1"/>
-          <p:nvPr/>
-        </p:nvSpPr>
-        <p:spPr>
-          <a:xfrm>
-            <a:off x="397564" y="1090885"/>
-            <a:ext cx="11088982" cy="1631216"/>
-          </a:xfrm>
-          <a:prstGeom prst="rect">
-            <a:avLst/>
-          </a:prstGeom>
-          <a:noFill/>
-        </p:spPr>
-        <p:txBody>
-          <a:bodyPr wrap="square" rtlCol="0">
-            <a:spAutoFit/>
-          </a:bodyPr>
-          <a:lstStyle>
-            <a:defPPr>
-              <a:defRPr lang="en-US"/>
-            </a:defPPr>
-            <a:lvl1pPr>
-              <a:defRPr sz="2000"/>
-            </a:lvl1pPr>
-          </a:lstStyle>
-          <a:p>
-            <a:r>
-              <a:rPr lang="fr-FR" dirty="0">
-                <a:latin typeface="Times New Roman" panose="02020603050405020304" pitchFamily="18" charset="0"/>
-                <a:cs typeface="Times New Roman" panose="02020603050405020304" pitchFamily="18" charset="0"/>
-              </a:rPr>
-              <a:t>Ecrire un programme qui va demander à l’utilisateur un nombre. Ensuite le programme lui demande s’il veut entrer un autre nombre ou non, continuer à demander un nombre tant que l’utilisateur dit Oui.</a:t>
-            </a:r>
-          </a:p>
-          <a:p>
-            <a:r>
-              <a:rPr lang="fr-FR" dirty="0">
-                <a:latin typeface="Times New Roman" panose="02020603050405020304" pitchFamily="18" charset="0"/>
-                <a:cs typeface="Times New Roman" panose="02020603050405020304" pitchFamily="18" charset="0"/>
-              </a:rPr>
-              <a:t>A la fin de la saisie, demander à l’utilisateur dans quel ordre il veut l’affichage (croissant ou décroissant).</a:t>
-            </a:r>
-          </a:p>
-          <a:p>
-            <a:r>
-              <a:rPr lang="fr-FR" dirty="0">
-                <a:latin typeface="Times New Roman" panose="02020603050405020304" pitchFamily="18" charset="0"/>
-                <a:cs typeface="Times New Roman" panose="02020603050405020304" pitchFamily="18" charset="0"/>
-              </a:rPr>
-              <a:t>Ensuite afficher la liste des nombres en ordre croissant ou décroissant, afficher le plus grande de ces nombres et le plus petit de ces nombres.</a:t>
-            </a:r>
-          </a:p>
-        </p:txBody>
-      </p:sp>
-      <p:sp>
-        <p:nvSpPr>
-          <p:cNvPr id="12" name="ZoneTexte 11">
-            <a:extLst>
-              <a:ext uri="{FF2B5EF4-FFF2-40B4-BE49-F238E27FC236}">
-                <a16:creationId xmlns:a16="http://schemas.microsoft.com/office/drawing/2014/main" id="{34F25E83-FDDF-4B15-C1E1-C17D374665E8}"/>
-              </a:ext>
-            </a:extLst>
-          </p:cNvPr>
-          <p:cNvSpPr txBox="1"/>
-          <p:nvPr/>
-        </p:nvSpPr>
-        <p:spPr>
-          <a:xfrm>
-            <a:off x="323627" y="2722101"/>
-            <a:ext cx="11569148" cy="400110"/>
-          </a:xfrm>
-          <a:prstGeom prst="rect">
-            <a:avLst/>
-          </a:prstGeom>
-          <a:noFill/>
-        </p:spPr>
-        <p:txBody>
-          <a:bodyPr wrap="square" rtlCol="0">
-            <a:spAutoFit/>
-          </a:bodyPr>
-          <a:lstStyle/>
-          <a:p>
-            <a:r>
-              <a:rPr lang="fr-FR" sz="2000" b="1" u="sng" dirty="0">
-                <a:latin typeface="Times New Roman" panose="02020603050405020304" pitchFamily="18" charset="0"/>
-                <a:cs typeface="Times New Roman" panose="02020603050405020304" pitchFamily="18" charset="0"/>
-              </a:rPr>
-              <a:t>Exercice 5</a:t>
-            </a:r>
-          </a:p>
-        </p:txBody>
-      </p:sp>
-      <p:sp>
-        <p:nvSpPr>
-          <p:cNvPr id="13" name="ZoneTexte 12">
-            <a:extLst>
-              <a:ext uri="{FF2B5EF4-FFF2-40B4-BE49-F238E27FC236}">
-                <a16:creationId xmlns:a16="http://schemas.microsoft.com/office/drawing/2014/main" id="{DACD804D-C242-FFDB-28BA-1674EB3C8D24}"/>
-              </a:ext>
-            </a:extLst>
-          </p:cNvPr>
-          <p:cNvSpPr txBox="1"/>
-          <p:nvPr/>
-        </p:nvSpPr>
-        <p:spPr>
-          <a:xfrm>
-            <a:off x="323627" y="3101206"/>
-            <a:ext cx="11088982" cy="707886"/>
-          </a:xfrm>
-          <a:prstGeom prst="rect">
-            <a:avLst/>
-          </a:prstGeom>
-          <a:noFill/>
-        </p:spPr>
-        <p:txBody>
-          <a:bodyPr wrap="square" rtlCol="0">
-            <a:spAutoFit/>
-          </a:bodyPr>
-          <a:lstStyle>
-            <a:defPPr>
-              <a:defRPr lang="en-US"/>
-            </a:defPPr>
-            <a:lvl1pPr>
-              <a:defRPr sz="2000"/>
-            </a:lvl1pPr>
-          </a:lstStyle>
-          <a:p>
-            <a:r>
-              <a:rPr lang="fr-FR" dirty="0">
-                <a:latin typeface="Times New Roman" panose="02020603050405020304" pitchFamily="18" charset="0"/>
-                <a:cs typeface="Times New Roman" panose="02020603050405020304" pitchFamily="18" charset="0"/>
-              </a:rPr>
-              <a:t>Ecrire un programme qui demande à l’utilisateur de saisir une phrase quelconque. Ensuite le programme doit afficher le ou les mots le(s) plus long(s).</a:t>
-            </a:r>
-          </a:p>
-        </p:txBody>
-      </p:sp>
-      <p:sp>
-        <p:nvSpPr>
-          <p:cNvPr id="14" name="ZoneTexte 13">
-            <a:extLst>
-              <a:ext uri="{FF2B5EF4-FFF2-40B4-BE49-F238E27FC236}">
-                <a16:creationId xmlns:a16="http://schemas.microsoft.com/office/drawing/2014/main" id="{961394F3-9E35-8B0F-A290-0018DC87F773}"/>
-              </a:ext>
-            </a:extLst>
-          </p:cNvPr>
-          <p:cNvSpPr txBox="1"/>
-          <p:nvPr/>
-        </p:nvSpPr>
-        <p:spPr>
-          <a:xfrm>
-            <a:off x="299225" y="3953207"/>
-            <a:ext cx="11569148" cy="400110"/>
-          </a:xfrm>
-          <a:prstGeom prst="rect">
-            <a:avLst/>
-          </a:prstGeom>
-          <a:noFill/>
-        </p:spPr>
-        <p:txBody>
-          <a:bodyPr wrap="square" rtlCol="0">
-            <a:spAutoFit/>
-          </a:bodyPr>
-          <a:lstStyle/>
-          <a:p>
-            <a:r>
-              <a:rPr lang="fr-FR" sz="2000" b="1" u="sng" dirty="0">
-                <a:latin typeface="Times New Roman" panose="02020603050405020304" pitchFamily="18" charset="0"/>
-                <a:cs typeface="Times New Roman" panose="02020603050405020304" pitchFamily="18" charset="0"/>
-              </a:rPr>
-              <a:t>Exercice 6</a:t>
-            </a:r>
-          </a:p>
-        </p:txBody>
-      </p:sp>
-      <p:sp>
-        <p:nvSpPr>
-          <p:cNvPr id="15" name="ZoneTexte 14">
-            <a:extLst>
-              <a:ext uri="{FF2B5EF4-FFF2-40B4-BE49-F238E27FC236}">
-                <a16:creationId xmlns:a16="http://schemas.microsoft.com/office/drawing/2014/main" id="{E5677843-794E-E633-4B0B-99D5DF93786B}"/>
-              </a:ext>
-            </a:extLst>
-          </p:cNvPr>
-          <p:cNvSpPr txBox="1"/>
-          <p:nvPr/>
-        </p:nvSpPr>
-        <p:spPr>
-          <a:xfrm>
-            <a:off x="299225" y="4332312"/>
-            <a:ext cx="11088982" cy="707886"/>
-          </a:xfrm>
-          <a:prstGeom prst="rect">
-            <a:avLst/>
-          </a:prstGeom>
-          <a:noFill/>
-        </p:spPr>
-        <p:txBody>
-          <a:bodyPr wrap="square" rtlCol="0">
-            <a:spAutoFit/>
-          </a:bodyPr>
-          <a:lstStyle>
-            <a:defPPr>
-              <a:defRPr lang="en-US"/>
-            </a:defPPr>
-            <a:lvl1pPr>
-              <a:defRPr sz="2000"/>
-            </a:lvl1pPr>
-          </a:lstStyle>
-          <a:p>
-            <a:r>
-              <a:rPr lang="fr-FR" dirty="0">
-                <a:latin typeface="Times New Roman" panose="02020603050405020304" pitchFamily="18" charset="0"/>
-                <a:cs typeface="Times New Roman" panose="02020603050405020304" pitchFamily="18" charset="0"/>
-              </a:rPr>
-              <a:t>Ecrire un programme qui demande à l’utilisateur de saisir un mot. Ensuite le programme doit afficher la liste des consonnes et des voyelles du mot entré par l’utilisateur.</a:t>
+              <a:rPr lang="fr-FR" sz="2000" dirty="0">
+                <a:latin typeface="Times New Roman" panose="02020603050405020304" pitchFamily="18" charset="0"/>
+                <a:cs typeface="Times New Roman" panose="02020603050405020304" pitchFamily="18" charset="0"/>
+              </a:rPr>
+              <a:t>Voir si nécessaire d’ajouter </a:t>
             </a:r>
           </a:p>
         </p:txBody>
@@ -7209,7 +7106,7 @@
     </p:spTree>
     <p:extLst>
       <p:ext uri="{BB962C8B-B14F-4D97-AF65-F5344CB8AC3E}">
-        <p14:creationId xmlns:p14="http://schemas.microsoft.com/office/powerpoint/2010/main" val="2803374722"/>
+        <p14:creationId xmlns:p14="http://schemas.microsoft.com/office/powerpoint/2010/main" val="926986085"/>
       </p:ext>
     </p:extLst>
   </p:cSld>
@@ -7404,7 +7301,7 @@
                 <a:latin typeface="Times New Roman" panose="02020603050405020304" pitchFamily="18" charset="0"/>
                 <a:cs typeface="Times New Roman" panose="02020603050405020304" pitchFamily="18" charset="0"/>
               </a:rPr>
-              <a:t>Mini-Projet 1</a:t>
+              <a:t>Exercice 1</a:t>
             </a:r>
           </a:p>
         </p:txBody>
@@ -7424,7 +7321,7 @@
         <p:spPr>
           <a:xfrm>
             <a:off x="397564" y="1090885"/>
-            <a:ext cx="11088982" cy="4708981"/>
+            <a:ext cx="11088982" cy="1631216"/>
           </a:xfrm>
           <a:prstGeom prst="rect">
             <a:avLst/>
@@ -7449,7 +7346,7 @@
                 <a:latin typeface="Times New Roman" panose="02020603050405020304" pitchFamily="18" charset="0"/>
                 <a:cs typeface="Times New Roman" panose="02020603050405020304" pitchFamily="18" charset="0"/>
               </a:rPr>
-              <a:t>Ecrire un programme de Quiz de table de multiplication.</a:t>
+              <a:t>Ecrire un programme Python qui demande un nombre à virgule à l’utilisateur. L’utilisateur peut choisir de saisir un nombre en format français par exemple 3,12 ou format anglais 3.12. </a:t>
             </a:r>
           </a:p>
           <a:p>
@@ -7458,55 +7355,191 @@
                 <a:latin typeface="Times New Roman" panose="02020603050405020304" pitchFamily="18" charset="0"/>
                 <a:cs typeface="Times New Roman" panose="02020603050405020304" pitchFamily="18" charset="0"/>
               </a:rPr>
-              <a:t>Le programme doit demander à l’utilisateur de choisir un mode entre:</a:t>
-            </a:r>
-          </a:p>
-          <a:p>
-            <a:pPr marL="342900" indent="-342900">
-              <a:buFont typeface="Arial" panose="020B0604020202020204" pitchFamily="34" charset="0"/>
-              <a:buChar char="•"/>
-            </a:pPr>
+              <a:t>Le programme doit renvoyer le nombre saisit par l’utilisateur avec 5 chiffres après la virgule.</a:t>
+            </a:r>
+          </a:p>
+          <a:p>
             <a:r>
               <a:rPr lang="fr-FR" dirty="0">
                 <a:latin typeface="Times New Roman" panose="02020603050405020304" pitchFamily="18" charset="0"/>
                 <a:cs typeface="Times New Roman" panose="02020603050405020304" pitchFamily="18" charset="0"/>
               </a:rPr>
-              <a:t>Facile (table de 0 à 10) 10 questions</a:t>
-            </a:r>
-          </a:p>
-          <a:p>
-            <a:pPr marL="342900" indent="-342900">
-              <a:buFont typeface="Arial" panose="020B0604020202020204" pitchFamily="34" charset="0"/>
-              <a:buChar char="•"/>
-            </a:pPr>
+              <a:t>Par exemple si l’utilisateur entre 3,99999999999 le programme doit renvoyer 3,99999. </a:t>
+            </a:r>
+          </a:p>
+          <a:p>
             <a:r>
               <a:rPr lang="fr-FR" dirty="0">
                 <a:latin typeface="Times New Roman" panose="02020603050405020304" pitchFamily="18" charset="0"/>
                 <a:cs typeface="Times New Roman" panose="02020603050405020304" pitchFamily="18" charset="0"/>
               </a:rPr>
-              <a:t>Moyen (table de 0 à 20) 20 questions</a:t>
-            </a:r>
-          </a:p>
-          <a:p>
-            <a:pPr marL="342900" indent="-342900">
-              <a:buFont typeface="Arial" panose="020B0604020202020204" pitchFamily="34" charset="0"/>
-              <a:buChar char="•"/>
-            </a:pPr>
+              <a:t>Si l’utilisateur entre 3,99 le programme doit renvoyer 3,99000.</a:t>
+            </a:r>
+          </a:p>
+        </p:txBody>
+      </p:sp>
+      <p:sp>
+        <p:nvSpPr>
+          <p:cNvPr id="8" name="ZoneTexte 7">
+            <a:extLst>
+              <a:ext uri="{FF2B5EF4-FFF2-40B4-BE49-F238E27FC236}">
+                <a16:creationId xmlns:a16="http://schemas.microsoft.com/office/drawing/2014/main" id="{B79BE658-5103-63F8-7F2F-02F2834F1CE9}"/>
+              </a:ext>
+            </a:extLst>
+          </p:cNvPr>
+          <p:cNvSpPr txBox="1"/>
+          <p:nvPr/>
+        </p:nvSpPr>
+        <p:spPr>
+          <a:xfrm>
+            <a:off x="397564" y="2722101"/>
+            <a:ext cx="11569148" cy="400110"/>
+          </a:xfrm>
+          <a:prstGeom prst="rect">
+            <a:avLst/>
+          </a:prstGeom>
+          <a:noFill/>
+        </p:spPr>
+        <p:txBody>
+          <a:bodyPr wrap="square" rtlCol="0">
+            <a:spAutoFit/>
+          </a:bodyPr>
+          <a:lstStyle/>
+          <a:p>
+            <a:r>
+              <a:rPr lang="fr-FR" sz="2000" b="1" u="sng" dirty="0">
+                <a:latin typeface="Times New Roman" panose="02020603050405020304" pitchFamily="18" charset="0"/>
+                <a:cs typeface="Times New Roman" panose="02020603050405020304" pitchFamily="18" charset="0"/>
+              </a:rPr>
+              <a:t>Exercice 2</a:t>
+            </a:r>
+          </a:p>
+        </p:txBody>
+      </p:sp>
+      <p:sp>
+        <p:nvSpPr>
+          <p:cNvPr id="9" name="ZoneTexte 8">
+            <a:extLst>
+              <a:ext uri="{FF2B5EF4-FFF2-40B4-BE49-F238E27FC236}">
+                <a16:creationId xmlns:a16="http://schemas.microsoft.com/office/drawing/2014/main" id="{C1A1C679-64A5-1DDA-8AC1-E6755E1CCE83}"/>
+              </a:ext>
+            </a:extLst>
+          </p:cNvPr>
+          <p:cNvSpPr txBox="1"/>
+          <p:nvPr/>
+        </p:nvSpPr>
+        <p:spPr>
+          <a:xfrm>
+            <a:off x="397564" y="3101206"/>
+            <a:ext cx="11088982" cy="400110"/>
+          </a:xfrm>
+          <a:prstGeom prst="rect">
+            <a:avLst/>
+          </a:prstGeom>
+          <a:noFill/>
+        </p:spPr>
+        <p:txBody>
+          <a:bodyPr wrap="square" rtlCol="0">
+            <a:spAutoFit/>
+          </a:bodyPr>
+          <a:lstStyle>
+            <a:defPPr>
+              <a:defRPr lang="en-US"/>
+            </a:defPPr>
+            <a:lvl1pPr>
+              <a:defRPr sz="2000"/>
+            </a:lvl1pPr>
+          </a:lstStyle>
+          <a:p>
             <a:r>
               <a:rPr lang="fr-FR" dirty="0">
                 <a:latin typeface="Times New Roman" panose="02020603050405020304" pitchFamily="18" charset="0"/>
                 <a:cs typeface="Times New Roman" panose="02020603050405020304" pitchFamily="18" charset="0"/>
               </a:rPr>
-              <a:t>Difficile (table de 0 à 50) 30 questions</a:t>
-            </a:r>
-          </a:p>
+              <a:t>Ecrire un script qui génère la liste des carrés et des cubes des nombres de 20 à 40.</a:t>
+            </a:r>
+          </a:p>
+        </p:txBody>
+      </p:sp>
+      <p:sp>
+        <p:nvSpPr>
+          <p:cNvPr id="10" name="ZoneTexte 9">
+            <a:extLst>
+              <a:ext uri="{FF2B5EF4-FFF2-40B4-BE49-F238E27FC236}">
+                <a16:creationId xmlns:a16="http://schemas.microsoft.com/office/drawing/2014/main" id="{99A2B5AC-A81B-C989-D0C2-FC1C7462D8DB}"/>
+              </a:ext>
+            </a:extLst>
+          </p:cNvPr>
+          <p:cNvSpPr txBox="1"/>
+          <p:nvPr/>
+        </p:nvSpPr>
+        <p:spPr>
+          <a:xfrm>
+            <a:off x="397564" y="3501316"/>
+            <a:ext cx="11569148" cy="400110"/>
+          </a:xfrm>
+          <a:prstGeom prst="rect">
+            <a:avLst/>
+          </a:prstGeom>
+          <a:noFill/>
+        </p:spPr>
+        <p:txBody>
+          <a:bodyPr wrap="square" rtlCol="0">
+            <a:spAutoFit/>
+          </a:bodyPr>
+          <a:lstStyle/>
+          <a:p>
+            <a:r>
+              <a:rPr lang="fr-FR" sz="2000" b="1" u="sng" dirty="0">
+                <a:latin typeface="Times New Roman" panose="02020603050405020304" pitchFamily="18" charset="0"/>
+                <a:cs typeface="Times New Roman" panose="02020603050405020304" pitchFamily="18" charset="0"/>
+              </a:rPr>
+              <a:t>Exercice 3</a:t>
+            </a:r>
+          </a:p>
+        </p:txBody>
+      </p:sp>
+      <p:sp>
+        <p:nvSpPr>
+          <p:cNvPr id="11" name="ZoneTexte 10">
+            <a:extLst>
+              <a:ext uri="{FF2B5EF4-FFF2-40B4-BE49-F238E27FC236}">
+                <a16:creationId xmlns:a16="http://schemas.microsoft.com/office/drawing/2014/main" id="{696C8475-7C20-6089-288B-7BFD03851401}"/>
+              </a:ext>
+            </a:extLst>
+          </p:cNvPr>
+          <p:cNvSpPr txBox="1"/>
+          <p:nvPr/>
+        </p:nvSpPr>
+        <p:spPr>
+          <a:xfrm>
+            <a:off x="397564" y="3880421"/>
+            <a:ext cx="11088982" cy="1938992"/>
+          </a:xfrm>
+          <a:prstGeom prst="rect">
+            <a:avLst/>
+          </a:prstGeom>
+          <a:noFill/>
+        </p:spPr>
+        <p:txBody>
+          <a:bodyPr wrap="square" rtlCol="0">
+            <a:spAutoFit/>
+          </a:bodyPr>
+          <a:lstStyle>
+            <a:defPPr>
+              <a:defRPr lang="en-US"/>
+            </a:defPPr>
+            <a:lvl1pPr>
+              <a:defRPr sz="2000"/>
+            </a:lvl1pPr>
+          </a:lstStyle>
           <a:p>
             <a:r>
               <a:rPr lang="fr-FR" dirty="0">
                 <a:latin typeface="Times New Roman" panose="02020603050405020304" pitchFamily="18" charset="0"/>
                 <a:cs typeface="Times New Roman" panose="02020603050405020304" pitchFamily="18" charset="0"/>
               </a:rPr>
-              <a:t>Ensuite en fonction du mode le programme doit poser des questions sur le résultat de la table de multiplication entre deux nombres tirés au hasard.</a:t>
+              <a:t>Ecrire un script qui demande à l’utilisateur de saisir un nom et le stocke dans une liste, le programme doit toujours demander un nom à l’utilisateur jusqu’à ce que l’utilisateur entre un caractère vide.</a:t>
             </a:r>
           </a:p>
           <a:p>
@@ -7515,87 +7548,32 @@
                 <a:latin typeface="Times New Roman" panose="02020603050405020304" pitchFamily="18" charset="0"/>
                 <a:cs typeface="Times New Roman" panose="02020603050405020304" pitchFamily="18" charset="0"/>
               </a:rPr>
-              <a:t>Le nombre de question dépendra du mode choisit:</a:t>
-            </a:r>
-          </a:p>
-          <a:p>
-            <a:pPr marL="342900" indent="-342900">
-              <a:buFont typeface="Arial" panose="020B0604020202020204" pitchFamily="34" charset="0"/>
-              <a:buChar char="•"/>
-            </a:pPr>
+              <a:t>Ensuite le programme doit afficher la liste des noms entrés par l’utilisateur ainsi que le nombre de caractères que contient chaque nom. Par exemple:</a:t>
+            </a:r>
+          </a:p>
+          <a:p>
             <a:r>
               <a:rPr lang="fr-FR" dirty="0">
                 <a:latin typeface="Times New Roman" panose="02020603050405020304" pitchFamily="18" charset="0"/>
                 <a:cs typeface="Times New Roman" panose="02020603050405020304" pitchFamily="18" charset="0"/>
               </a:rPr>
-              <a:t>Facile 10 questions</a:t>
-            </a:r>
-          </a:p>
-          <a:p>
-            <a:pPr marL="342900" indent="-342900">
-              <a:buFont typeface="Arial" panose="020B0604020202020204" pitchFamily="34" charset="0"/>
-              <a:buChar char="•"/>
-            </a:pPr>
+              <a:t>John: 4 caractères</a:t>
+            </a:r>
+          </a:p>
+          <a:p>
+            <a:r>
+              <a:rPr lang="fr-FR" dirty="0" err="1">
+                <a:latin typeface="Times New Roman" panose="02020603050405020304" pitchFamily="18" charset="0"/>
+                <a:cs typeface="Times New Roman" panose="02020603050405020304" pitchFamily="18" charset="0"/>
+              </a:rPr>
+              <a:t>Doé</a:t>
+            </a:r>
             <a:r>
               <a:rPr lang="fr-FR" dirty="0">
                 <a:latin typeface="Times New Roman" panose="02020603050405020304" pitchFamily="18" charset="0"/>
                 <a:cs typeface="Times New Roman" panose="02020603050405020304" pitchFamily="18" charset="0"/>
               </a:rPr>
-              <a:t>Moyen 20 questions</a:t>
-            </a:r>
-          </a:p>
-          <a:p>
-            <a:pPr marL="342900" indent="-342900">
-              <a:buFont typeface="Arial" panose="020B0604020202020204" pitchFamily="34" charset="0"/>
-              <a:buChar char="•"/>
-            </a:pPr>
-            <a:r>
-              <a:rPr lang="fr-FR" dirty="0">
-                <a:latin typeface="Times New Roman" panose="02020603050405020304" pitchFamily="18" charset="0"/>
-                <a:cs typeface="Times New Roman" panose="02020603050405020304" pitchFamily="18" charset="0"/>
-              </a:rPr>
-              <a:t>Difficile 30 questions</a:t>
-            </a:r>
-          </a:p>
-          <a:p>
-            <a:r>
-              <a:rPr lang="fr-FR" dirty="0">
-                <a:latin typeface="Times New Roman" panose="02020603050405020304" pitchFamily="18" charset="0"/>
-                <a:cs typeface="Times New Roman" panose="02020603050405020304" pitchFamily="18" charset="0"/>
-              </a:rPr>
-              <a:t>A la fin de la série, le programme doit afficher la liste des erreurs commises par l’utilisateur ainsi que son score et son pourcentage de réussite (</a:t>
-            </a:r>
-            <a:r>
-              <a:rPr lang="fr-FR" dirty="0" err="1">
-                <a:latin typeface="Times New Roman" panose="02020603050405020304" pitchFamily="18" charset="0"/>
-                <a:cs typeface="Times New Roman" panose="02020603050405020304" pitchFamily="18" charset="0"/>
-              </a:rPr>
-              <a:t>success</a:t>
-            </a:r>
-            <a:r>
-              <a:rPr lang="fr-FR" dirty="0">
-                <a:latin typeface="Times New Roman" panose="02020603050405020304" pitchFamily="18" charset="0"/>
-                <a:cs typeface="Times New Roman" panose="02020603050405020304" pitchFamily="18" charset="0"/>
-              </a:rPr>
-              <a:t>*100/total).</a:t>
-            </a:r>
-          </a:p>
-          <a:p>
-            <a:r>
-              <a:rPr lang="fr-FR" dirty="0">
-                <a:latin typeface="Times New Roman" panose="02020603050405020304" pitchFamily="18" charset="0"/>
-                <a:cs typeface="Times New Roman" panose="02020603050405020304" pitchFamily="18" charset="0"/>
-              </a:rPr>
-              <a:t>Tenir compte des cas d’erreur.</a:t>
-            </a:r>
-          </a:p>
-          <a:p>
-            <a:r>
-              <a:rPr lang="fr-FR" dirty="0">
-                <a:latin typeface="Times New Roman" panose="02020603050405020304" pitchFamily="18" charset="0"/>
-                <a:cs typeface="Times New Roman" panose="02020603050405020304" pitchFamily="18" charset="0"/>
-              </a:rPr>
-              <a:t>Le test est réussi si le score en pourcentage est supérieur à 50%.</a:t>
+              <a:t>: 3 caractères</a:t>
             </a:r>
           </a:p>
         </p:txBody>
@@ -7603,7 +7581,7 @@
     </p:spTree>
     <p:extLst>
       <p:ext uri="{BB962C8B-B14F-4D97-AF65-F5344CB8AC3E}">
-        <p14:creationId xmlns:p14="http://schemas.microsoft.com/office/powerpoint/2010/main" val="2796775175"/>
+        <p14:creationId xmlns:p14="http://schemas.microsoft.com/office/powerpoint/2010/main" val="1332028687"/>
       </p:ext>
     </p:extLst>
   </p:cSld>
@@ -7798,7 +7776,7 @@
                 <a:latin typeface="Times New Roman" panose="02020603050405020304" pitchFamily="18" charset="0"/>
                 <a:cs typeface="Times New Roman" panose="02020603050405020304" pitchFamily="18" charset="0"/>
               </a:rPr>
-              <a:t>Mini-Projet 2</a:t>
+              <a:t>Exercice 4</a:t>
             </a:r>
           </a:p>
         </p:txBody>
@@ -7818,7 +7796,7 @@
         <p:spPr>
           <a:xfrm>
             <a:off x="397564" y="1090885"/>
-            <a:ext cx="11088982" cy="4708981"/>
+            <a:ext cx="11088982" cy="1631216"/>
           </a:xfrm>
           <a:prstGeom prst="rect">
             <a:avLst/>
@@ -7843,7 +7821,7 @@
                 <a:latin typeface="Times New Roman" panose="02020603050405020304" pitchFamily="18" charset="0"/>
                 <a:cs typeface="Times New Roman" panose="02020603050405020304" pitchFamily="18" charset="0"/>
               </a:rPr>
-              <a:t>Ecrire un programme qui va permettre d’enregistrer des utilisateurs avec leur nom et prénom. </a:t>
+              <a:t>Ecrire un programme qui va demander à l’utilisateur un nombre. Ensuite le programme lui demande s’il veut entrer un autre nombre ou non, continuer à demander un nombre tant que l’utilisateur dit Oui.</a:t>
             </a:r>
           </a:p>
           <a:p>
@@ -7852,7 +7830,7 @@
                 <a:latin typeface="Times New Roman" panose="02020603050405020304" pitchFamily="18" charset="0"/>
                 <a:cs typeface="Times New Roman" panose="02020603050405020304" pitchFamily="18" charset="0"/>
               </a:rPr>
-              <a:t>Le menu est composé de: ajouter une personne, supprimer une personne, recherche une personne, afficher la liste.</a:t>
+              <a:t>A la fin de la saisie, demander à l’utilisateur dans quel ordre il veut l’affichage (croissant ou décroissant).</a:t>
             </a:r>
           </a:p>
           <a:p>
@@ -7861,89 +7839,173 @@
                 <a:latin typeface="Times New Roman" panose="02020603050405020304" pitchFamily="18" charset="0"/>
                 <a:cs typeface="Times New Roman" panose="02020603050405020304" pitchFamily="18" charset="0"/>
               </a:rPr>
-              <a:t>L’utilisateur doit faire un choix d’action et le programme doit permettre de gérer les personnes sachant qu’on ne peut avoir une personne de même nom et prénom. </a:t>
-            </a:r>
-          </a:p>
+              <a:t>Ensuite afficher la liste des nombres en ordre croissant ou décroissant, afficher le plus grande de ces nombres et le plus petit de ces nombres.</a:t>
+            </a:r>
+          </a:p>
+        </p:txBody>
+      </p:sp>
+      <p:sp>
+        <p:nvSpPr>
+          <p:cNvPr id="12" name="ZoneTexte 11">
+            <a:extLst>
+              <a:ext uri="{FF2B5EF4-FFF2-40B4-BE49-F238E27FC236}">
+                <a16:creationId xmlns:a16="http://schemas.microsoft.com/office/drawing/2014/main" id="{34F25E83-FDDF-4B15-C1E1-C17D374665E8}"/>
+              </a:ext>
+            </a:extLst>
+          </p:cNvPr>
+          <p:cNvSpPr txBox="1"/>
+          <p:nvPr/>
+        </p:nvSpPr>
+        <p:spPr>
+          <a:xfrm>
+            <a:off x="323627" y="2722101"/>
+            <a:ext cx="11569148" cy="400110"/>
+          </a:xfrm>
+          <a:prstGeom prst="rect">
+            <a:avLst/>
+          </a:prstGeom>
+          <a:noFill/>
+        </p:spPr>
+        <p:txBody>
+          <a:bodyPr wrap="square" rtlCol="0">
+            <a:spAutoFit/>
+          </a:bodyPr>
+          <a:lstStyle/>
+          <a:p>
+            <a:r>
+              <a:rPr lang="fr-FR" sz="2000" b="1" u="sng" dirty="0">
+                <a:latin typeface="Times New Roman" panose="02020603050405020304" pitchFamily="18" charset="0"/>
+                <a:cs typeface="Times New Roman" panose="02020603050405020304" pitchFamily="18" charset="0"/>
+              </a:rPr>
+              <a:t>Exercice 5</a:t>
+            </a:r>
+          </a:p>
+        </p:txBody>
+      </p:sp>
+      <p:sp>
+        <p:nvSpPr>
+          <p:cNvPr id="13" name="ZoneTexte 12">
+            <a:extLst>
+              <a:ext uri="{FF2B5EF4-FFF2-40B4-BE49-F238E27FC236}">
+                <a16:creationId xmlns:a16="http://schemas.microsoft.com/office/drawing/2014/main" id="{DACD804D-C242-FFDB-28BA-1674EB3C8D24}"/>
+              </a:ext>
+            </a:extLst>
+          </p:cNvPr>
+          <p:cNvSpPr txBox="1"/>
+          <p:nvPr/>
+        </p:nvSpPr>
+        <p:spPr>
+          <a:xfrm>
+            <a:off x="323627" y="3101206"/>
+            <a:ext cx="11088982" cy="707886"/>
+          </a:xfrm>
+          <a:prstGeom prst="rect">
+            <a:avLst/>
+          </a:prstGeom>
+          <a:noFill/>
+        </p:spPr>
+        <p:txBody>
+          <a:bodyPr wrap="square" rtlCol="0">
+            <a:spAutoFit/>
+          </a:bodyPr>
+          <a:lstStyle>
+            <a:defPPr>
+              <a:defRPr lang="en-US"/>
+            </a:defPPr>
+            <a:lvl1pPr>
+              <a:defRPr sz="2000"/>
+            </a:lvl1pPr>
+          </a:lstStyle>
           <a:p>
             <a:r>
               <a:rPr lang="fr-FR" dirty="0">
                 <a:latin typeface="Times New Roman" panose="02020603050405020304" pitchFamily="18" charset="0"/>
                 <a:cs typeface="Times New Roman" panose="02020603050405020304" pitchFamily="18" charset="0"/>
               </a:rPr>
-              <a:t>Par exemple John DOE ne peut être enregistré deux fois cependant </a:t>
-            </a:r>
-            <a:r>
-              <a:rPr lang="fr-FR" dirty="0" err="1">
-                <a:latin typeface="Times New Roman" panose="02020603050405020304" pitchFamily="18" charset="0"/>
-                <a:cs typeface="Times New Roman" panose="02020603050405020304" pitchFamily="18" charset="0"/>
-              </a:rPr>
-              <a:t>Doé</a:t>
-            </a:r>
+              <a:t>Ecrire un programme qui demande à l’utilisateur de saisir une phrase quelconque. Ensuite le programme doit afficher le ou les mots le(s) plus long(s).</a:t>
+            </a:r>
+          </a:p>
+        </p:txBody>
+      </p:sp>
+      <p:sp>
+        <p:nvSpPr>
+          <p:cNvPr id="14" name="ZoneTexte 13">
+            <a:extLst>
+              <a:ext uri="{FF2B5EF4-FFF2-40B4-BE49-F238E27FC236}">
+                <a16:creationId xmlns:a16="http://schemas.microsoft.com/office/drawing/2014/main" id="{961394F3-9E35-8B0F-A290-0018DC87F773}"/>
+              </a:ext>
+            </a:extLst>
+          </p:cNvPr>
+          <p:cNvSpPr txBox="1"/>
+          <p:nvPr/>
+        </p:nvSpPr>
+        <p:spPr>
+          <a:xfrm>
+            <a:off x="299225" y="3953207"/>
+            <a:ext cx="11569148" cy="400110"/>
+          </a:xfrm>
+          <a:prstGeom prst="rect">
+            <a:avLst/>
+          </a:prstGeom>
+          <a:noFill/>
+        </p:spPr>
+        <p:txBody>
+          <a:bodyPr wrap="square" rtlCol="0">
+            <a:spAutoFit/>
+          </a:bodyPr>
+          <a:lstStyle/>
+          <a:p>
+            <a:r>
+              <a:rPr lang="fr-FR" sz="2000" b="1" u="sng" dirty="0">
+                <a:latin typeface="Times New Roman" panose="02020603050405020304" pitchFamily="18" charset="0"/>
+                <a:cs typeface="Times New Roman" panose="02020603050405020304" pitchFamily="18" charset="0"/>
+              </a:rPr>
+              <a:t>Exercice 6</a:t>
+            </a:r>
+          </a:p>
+        </p:txBody>
+      </p:sp>
+      <p:sp>
+        <p:nvSpPr>
+          <p:cNvPr id="15" name="ZoneTexte 14">
+            <a:extLst>
+              <a:ext uri="{FF2B5EF4-FFF2-40B4-BE49-F238E27FC236}">
+                <a16:creationId xmlns:a16="http://schemas.microsoft.com/office/drawing/2014/main" id="{E5677843-794E-E633-4B0B-99D5DF93786B}"/>
+              </a:ext>
+            </a:extLst>
+          </p:cNvPr>
+          <p:cNvSpPr txBox="1"/>
+          <p:nvPr/>
+        </p:nvSpPr>
+        <p:spPr>
+          <a:xfrm>
+            <a:off x="299225" y="4332312"/>
+            <a:ext cx="11088982" cy="707886"/>
+          </a:xfrm>
+          <a:prstGeom prst="rect">
+            <a:avLst/>
+          </a:prstGeom>
+          <a:noFill/>
+        </p:spPr>
+        <p:txBody>
+          <a:bodyPr wrap="square" rtlCol="0">
+            <a:spAutoFit/>
+          </a:bodyPr>
+          <a:lstStyle>
+            <a:defPPr>
+              <a:defRPr lang="en-US"/>
+            </a:defPPr>
+            <a:lvl1pPr>
+              <a:defRPr sz="2000"/>
+            </a:lvl1pPr>
+          </a:lstStyle>
+          <a:p>
             <a:r>
               <a:rPr lang="fr-FR" dirty="0">
                 <a:latin typeface="Times New Roman" panose="02020603050405020304" pitchFamily="18" charset="0"/>
                 <a:cs typeface="Times New Roman" panose="02020603050405020304" pitchFamily="18" charset="0"/>
               </a:rPr>
-              <a:t> JOHN peut être enregistré même si John DOE y ait car les noms et les prénoms sont différents.</a:t>
-            </a:r>
-          </a:p>
-          <a:p>
-            <a:r>
-              <a:rPr lang="fr-FR" dirty="0">
-                <a:latin typeface="Times New Roman" panose="02020603050405020304" pitchFamily="18" charset="0"/>
-                <a:cs typeface="Times New Roman" panose="02020603050405020304" pitchFamily="18" charset="0"/>
-              </a:rPr>
-              <a:t>Lors de la recherche l’utilisateur fournit un nom et le programme doit afficher la liste des personnes qui ont soit le même nom ou soit le même prénom.</a:t>
-            </a:r>
-          </a:p>
-          <a:p>
-            <a:r>
-              <a:rPr lang="fr-FR" dirty="0">
-                <a:latin typeface="Times New Roman" panose="02020603050405020304" pitchFamily="18" charset="0"/>
-                <a:cs typeface="Times New Roman" panose="02020603050405020304" pitchFamily="18" charset="0"/>
-              </a:rPr>
-              <a:t>Pour supprimer une personne l’utilisateur doit fournir un nom et le programme lui affiche la liste des personnes correspondantes ensuite il doit entrer le numéro de la personne qu’il veut supprimer.</a:t>
-            </a:r>
-          </a:p>
-          <a:p>
-            <a:r>
-              <a:rPr lang="fr-FR" dirty="0">
-                <a:latin typeface="Times New Roman" panose="02020603050405020304" pitchFamily="18" charset="0"/>
-                <a:cs typeface="Times New Roman" panose="02020603050405020304" pitchFamily="18" charset="0"/>
-              </a:rPr>
-              <a:t>L’action affichage doit permettre d’afficher toutes les personnes enregistrées.</a:t>
-            </a:r>
-          </a:p>
-          <a:p>
-            <a:r>
-              <a:rPr lang="fr-FR" dirty="0">
-                <a:latin typeface="Times New Roman" panose="02020603050405020304" pitchFamily="18" charset="0"/>
-                <a:cs typeface="Times New Roman" panose="02020603050405020304" pitchFamily="18" charset="0"/>
-              </a:rPr>
-              <a:t>Une personne à un nom et plusieurs prénoms séparés par des espaces.</a:t>
-            </a:r>
-          </a:p>
-          <a:p>
-            <a:r>
-              <a:rPr lang="fr-FR" dirty="0">
-                <a:latin typeface="Times New Roman" panose="02020603050405020304" pitchFamily="18" charset="0"/>
-                <a:cs typeface="Times New Roman" panose="02020603050405020304" pitchFamily="18" charset="0"/>
-              </a:rPr>
-              <a:t>Lors de l’enregistrement procédé comme suite Prénoms NOM. Si l’utilisateur entre comme nom </a:t>
-            </a:r>
-            <a:r>
-              <a:rPr lang="fr-FR" dirty="0" err="1">
-                <a:latin typeface="Times New Roman" panose="02020603050405020304" pitchFamily="18" charset="0"/>
-                <a:cs typeface="Times New Roman" panose="02020603050405020304" pitchFamily="18" charset="0"/>
-              </a:rPr>
-              <a:t>Doé</a:t>
-            </a:r>
-            <a:r>
-              <a:rPr lang="fr-FR" dirty="0">
-                <a:latin typeface="Times New Roman" panose="02020603050405020304" pitchFamily="18" charset="0"/>
-                <a:cs typeface="Times New Roman" panose="02020603050405020304" pitchFamily="18" charset="0"/>
-              </a:rPr>
-              <a:t> et prénoms Toto John le stockage sera Toto John DOE. </a:t>
+              <a:t>Ecrire un programme qui demande à l’utilisateur de saisir un mot. Ensuite le programme doit afficher la liste des consonnes et des voyelles du mot entré par l’utilisateur.</a:t>
             </a:r>
           </a:p>
         </p:txBody>
@@ -7951,7 +8013,7 @@
     </p:spTree>
     <p:extLst>
       <p:ext uri="{BB962C8B-B14F-4D97-AF65-F5344CB8AC3E}">
-        <p14:creationId xmlns:p14="http://schemas.microsoft.com/office/powerpoint/2010/main" val="2280855446"/>
+        <p14:creationId xmlns:p14="http://schemas.microsoft.com/office/powerpoint/2010/main" val="2803374722"/>
       </p:ext>
     </p:extLst>
   </p:cSld>
@@ -8090,7 +8152,7 @@
         <p:spPr>
           <a:xfrm>
             <a:off x="397565" y="948002"/>
-            <a:ext cx="9192515" cy="830997"/>
+            <a:ext cx="9192515" cy="1569660"/>
           </a:xfrm>
           <a:prstGeom prst="rect">
             <a:avLst/>
@@ -8130,6 +8192,42 @@
                 <a:latin typeface="Times New Roman" panose="02020603050405020304" pitchFamily="18" charset="0"/>
                 <a:cs typeface="Times New Roman" panose="02020603050405020304" pitchFamily="18" charset="0"/>
                 <a:hlinkClick r:id="rId3" action="ppaction://hlinksldjump"/>
+              </a:rPr>
+              <a:t>Création de listes</a:t>
+            </a:r>
+            <a:endParaRPr lang="fr-FR" sz="2400" dirty="0">
+              <a:latin typeface="Times New Roman" panose="02020603050405020304" pitchFamily="18" charset="0"/>
+              <a:cs typeface="Times New Roman" panose="02020603050405020304" pitchFamily="18" charset="0"/>
+            </a:endParaRPr>
+          </a:p>
+          <a:p>
+            <a:pPr marL="342900" indent="-342900">
+              <a:buFont typeface="+mj-lt"/>
+              <a:buAutoNum type="arabicPeriod"/>
+            </a:pPr>
+            <a:r>
+              <a:rPr lang="fr-FR" sz="2400" dirty="0">
+                <a:latin typeface="Times New Roman" panose="02020603050405020304" pitchFamily="18" charset="0"/>
+                <a:cs typeface="Times New Roman" panose="02020603050405020304" pitchFamily="18" charset="0"/>
+                <a:hlinkClick r:id="rId4" action="ppaction://hlinksldjump"/>
+              </a:rPr>
+              <a:t>Insertion d’éléments dans une liste</a:t>
+            </a:r>
+            <a:endParaRPr lang="fr-FR" sz="2400" dirty="0">
+              <a:latin typeface="Times New Roman" panose="02020603050405020304" pitchFamily="18" charset="0"/>
+              <a:cs typeface="Times New Roman" panose="02020603050405020304" pitchFamily="18" charset="0"/>
+            </a:endParaRPr>
+          </a:p>
+          <a:p>
+            <a:pPr marL="342900" indent="-342900">
+              <a:buFont typeface="+mj-lt"/>
+              <a:buAutoNum type="arabicPeriod"/>
+            </a:pPr>
+            <a:r>
+              <a:rPr lang="fr-FR" sz="2400" dirty="0">
+                <a:latin typeface="Times New Roman" panose="02020603050405020304" pitchFamily="18" charset="0"/>
+                <a:cs typeface="Times New Roman" panose="02020603050405020304" pitchFamily="18" charset="0"/>
+                <a:hlinkClick r:id="rId5" action="ppaction://hlinksldjump"/>
               </a:rPr>
               <a:t>Exercices</a:t>
             </a:r>
@@ -8262,6 +8360,748 @@
             <a:fld id="{B8C3BB88-DD29-4D42-B62E-D7D541DB4348}" type="slidenum">
               <a:rPr lang="fr-FR" smtClean="0"/>
               <a:t>20</a:t>
+            </a:fld>
+            <a:endParaRPr lang="fr-FR"/>
+          </a:p>
+        </p:txBody>
+      </p:sp>
+      <p:sp>
+        <p:nvSpPr>
+          <p:cNvPr id="6" name="ZoneTexte 5">
+            <a:extLst>
+              <a:ext uri="{FF2B5EF4-FFF2-40B4-BE49-F238E27FC236}">
+                <a16:creationId xmlns:a16="http://schemas.microsoft.com/office/drawing/2014/main" id="{84F10693-2FE8-EFC8-8DB6-84BFD181D260}"/>
+              </a:ext>
+            </a:extLst>
+          </p:cNvPr>
+          <p:cNvSpPr txBox="1"/>
+          <p:nvPr/>
+        </p:nvSpPr>
+        <p:spPr>
+          <a:xfrm>
+            <a:off x="397564" y="218526"/>
+            <a:ext cx="5795005" cy="461665"/>
+          </a:xfrm>
+          <a:prstGeom prst="rect">
+            <a:avLst/>
+          </a:prstGeom>
+          <a:noFill/>
+        </p:spPr>
+        <p:txBody>
+          <a:bodyPr wrap="square" rtlCol="0">
+            <a:spAutoFit/>
+          </a:bodyPr>
+          <a:lstStyle/>
+          <a:p>
+            <a:r>
+              <a:rPr lang="fr-FR" sz="2400" b="1" dirty="0">
+                <a:latin typeface="Times New Roman" panose="02020603050405020304" pitchFamily="18" charset="0"/>
+                <a:cs typeface="Times New Roman" panose="02020603050405020304" pitchFamily="18" charset="0"/>
+              </a:rPr>
+              <a:t>Exercices</a:t>
+            </a:r>
+          </a:p>
+        </p:txBody>
+      </p:sp>
+      <p:cxnSp>
+        <p:nvCxnSpPr>
+          <p:cNvPr id="3" name="Connecteur droit 2">
+            <a:extLst>
+              <a:ext uri="{FF2B5EF4-FFF2-40B4-BE49-F238E27FC236}">
+                <a16:creationId xmlns:a16="http://schemas.microsoft.com/office/drawing/2014/main" id="{6AC8021D-4898-08B9-18A0-60AC71EF613E}"/>
+              </a:ext>
+            </a:extLst>
+          </p:cNvPr>
+          <p:cNvCxnSpPr>
+            <a:cxnSpLocks/>
+          </p:cNvCxnSpPr>
+          <p:nvPr/>
+        </p:nvCxnSpPr>
+        <p:spPr>
+          <a:xfrm>
+            <a:off x="500932" y="680191"/>
+            <a:ext cx="11178450" cy="0"/>
+          </a:xfrm>
+          <a:prstGeom prst="line">
+            <a:avLst/>
+          </a:prstGeom>
+          <a:ln/>
+        </p:spPr>
+        <p:style>
+          <a:lnRef idx="3">
+            <a:schemeClr val="accent3"/>
+          </a:lnRef>
+          <a:fillRef idx="0">
+            <a:schemeClr val="accent3"/>
+          </a:fillRef>
+          <a:effectRef idx="2">
+            <a:schemeClr val="accent3"/>
+          </a:effectRef>
+          <a:fontRef idx="minor">
+            <a:schemeClr val="tx1"/>
+          </a:fontRef>
+        </p:style>
+      </p:cxnSp>
+      <p:sp>
+        <p:nvSpPr>
+          <p:cNvPr id="2" name="ZoneTexte 1">
+            <a:extLst>
+              <a:ext uri="{FF2B5EF4-FFF2-40B4-BE49-F238E27FC236}">
+                <a16:creationId xmlns:a16="http://schemas.microsoft.com/office/drawing/2014/main" id="{598CC1F4-92B5-97D6-5630-8A3701211AA4}"/>
+              </a:ext>
+            </a:extLst>
+          </p:cNvPr>
+          <p:cNvSpPr txBox="1"/>
+          <p:nvPr/>
+        </p:nvSpPr>
+        <p:spPr>
+          <a:xfrm>
+            <a:off x="397564" y="711780"/>
+            <a:ext cx="11569148" cy="400110"/>
+          </a:xfrm>
+          <a:prstGeom prst="rect">
+            <a:avLst/>
+          </a:prstGeom>
+          <a:noFill/>
+        </p:spPr>
+        <p:txBody>
+          <a:bodyPr wrap="square" rtlCol="0">
+            <a:spAutoFit/>
+          </a:bodyPr>
+          <a:lstStyle/>
+          <a:p>
+            <a:r>
+              <a:rPr lang="fr-FR" sz="2000" b="1" u="sng" dirty="0">
+                <a:latin typeface="Times New Roman" panose="02020603050405020304" pitchFamily="18" charset="0"/>
+                <a:cs typeface="Times New Roman" panose="02020603050405020304" pitchFamily="18" charset="0"/>
+              </a:rPr>
+              <a:t>Mini-Projet 1</a:t>
+            </a:r>
+          </a:p>
+        </p:txBody>
+      </p:sp>
+      <p:sp>
+        <p:nvSpPr>
+          <p:cNvPr id="7" name="ZoneTexte 6">
+            <a:extLst>
+              <a:ext uri="{FF2B5EF4-FFF2-40B4-BE49-F238E27FC236}">
+                <a16:creationId xmlns:a16="http://schemas.microsoft.com/office/drawing/2014/main" id="{990321CC-02EF-ED64-0AA9-789ED60F60B1}"/>
+              </a:ext>
+            </a:extLst>
+          </p:cNvPr>
+          <p:cNvSpPr txBox="1"/>
+          <p:nvPr/>
+        </p:nvSpPr>
+        <p:spPr>
+          <a:xfrm>
+            <a:off x="397564" y="1090885"/>
+            <a:ext cx="11088982" cy="4708981"/>
+          </a:xfrm>
+          <a:prstGeom prst="rect">
+            <a:avLst/>
+          </a:prstGeom>
+          <a:noFill/>
+        </p:spPr>
+        <p:txBody>
+          <a:bodyPr wrap="square" rtlCol="0">
+            <a:spAutoFit/>
+          </a:bodyPr>
+          <a:lstStyle>
+            <a:defPPr>
+              <a:defRPr lang="en-US"/>
+            </a:defPPr>
+            <a:lvl1pPr>
+              <a:defRPr sz="2000"/>
+            </a:lvl1pPr>
+          </a:lstStyle>
+          <a:p>
+            <a:r>
+              <a:rPr lang="fr-FR" dirty="0">
+                <a:latin typeface="Times New Roman" panose="02020603050405020304" pitchFamily="18" charset="0"/>
+                <a:cs typeface="Times New Roman" panose="02020603050405020304" pitchFamily="18" charset="0"/>
+              </a:rPr>
+              <a:t>Ecrire un programme de Quiz de table de multiplication.</a:t>
+            </a:r>
+          </a:p>
+          <a:p>
+            <a:r>
+              <a:rPr lang="fr-FR" dirty="0">
+                <a:latin typeface="Times New Roman" panose="02020603050405020304" pitchFamily="18" charset="0"/>
+                <a:cs typeface="Times New Roman" panose="02020603050405020304" pitchFamily="18" charset="0"/>
+              </a:rPr>
+              <a:t>Le programme doit demander à l’utilisateur de choisir un mode entre:</a:t>
+            </a:r>
+          </a:p>
+          <a:p>
+            <a:pPr marL="342900" indent="-342900">
+              <a:buFont typeface="Arial" panose="020B0604020202020204" pitchFamily="34" charset="0"/>
+              <a:buChar char="•"/>
+            </a:pPr>
+            <a:r>
+              <a:rPr lang="fr-FR" dirty="0">
+                <a:latin typeface="Times New Roman" panose="02020603050405020304" pitchFamily="18" charset="0"/>
+                <a:cs typeface="Times New Roman" panose="02020603050405020304" pitchFamily="18" charset="0"/>
+              </a:rPr>
+              <a:t>Facile (table de 0 à 10) 10 questions</a:t>
+            </a:r>
+          </a:p>
+          <a:p>
+            <a:pPr marL="342900" indent="-342900">
+              <a:buFont typeface="Arial" panose="020B0604020202020204" pitchFamily="34" charset="0"/>
+              <a:buChar char="•"/>
+            </a:pPr>
+            <a:r>
+              <a:rPr lang="fr-FR" dirty="0">
+                <a:latin typeface="Times New Roman" panose="02020603050405020304" pitchFamily="18" charset="0"/>
+                <a:cs typeface="Times New Roman" panose="02020603050405020304" pitchFamily="18" charset="0"/>
+              </a:rPr>
+              <a:t>Moyen (table de 0 à 20) 20 questions</a:t>
+            </a:r>
+          </a:p>
+          <a:p>
+            <a:pPr marL="342900" indent="-342900">
+              <a:buFont typeface="Arial" panose="020B0604020202020204" pitchFamily="34" charset="0"/>
+              <a:buChar char="•"/>
+            </a:pPr>
+            <a:r>
+              <a:rPr lang="fr-FR" dirty="0">
+                <a:latin typeface="Times New Roman" panose="02020603050405020304" pitchFamily="18" charset="0"/>
+                <a:cs typeface="Times New Roman" panose="02020603050405020304" pitchFamily="18" charset="0"/>
+              </a:rPr>
+              <a:t>Difficile (table de 0 à 50) 30 questions</a:t>
+            </a:r>
+          </a:p>
+          <a:p>
+            <a:r>
+              <a:rPr lang="fr-FR" dirty="0">
+                <a:latin typeface="Times New Roman" panose="02020603050405020304" pitchFamily="18" charset="0"/>
+                <a:cs typeface="Times New Roman" panose="02020603050405020304" pitchFamily="18" charset="0"/>
+              </a:rPr>
+              <a:t>Ensuite en fonction du mode le programme doit poser des questions sur le résultat de la table de multiplication entre deux nombres tirés au hasard.</a:t>
+            </a:r>
+          </a:p>
+          <a:p>
+            <a:r>
+              <a:rPr lang="fr-FR" dirty="0">
+                <a:latin typeface="Times New Roman" panose="02020603050405020304" pitchFamily="18" charset="0"/>
+                <a:cs typeface="Times New Roman" panose="02020603050405020304" pitchFamily="18" charset="0"/>
+              </a:rPr>
+              <a:t>Le nombre de question dépendra du mode choisit:</a:t>
+            </a:r>
+          </a:p>
+          <a:p>
+            <a:pPr marL="342900" indent="-342900">
+              <a:buFont typeface="Arial" panose="020B0604020202020204" pitchFamily="34" charset="0"/>
+              <a:buChar char="•"/>
+            </a:pPr>
+            <a:r>
+              <a:rPr lang="fr-FR" dirty="0">
+                <a:latin typeface="Times New Roman" panose="02020603050405020304" pitchFamily="18" charset="0"/>
+                <a:cs typeface="Times New Roman" panose="02020603050405020304" pitchFamily="18" charset="0"/>
+              </a:rPr>
+              <a:t>Facile 10 questions</a:t>
+            </a:r>
+          </a:p>
+          <a:p>
+            <a:pPr marL="342900" indent="-342900">
+              <a:buFont typeface="Arial" panose="020B0604020202020204" pitchFamily="34" charset="0"/>
+              <a:buChar char="•"/>
+            </a:pPr>
+            <a:r>
+              <a:rPr lang="fr-FR" dirty="0">
+                <a:latin typeface="Times New Roman" panose="02020603050405020304" pitchFamily="18" charset="0"/>
+                <a:cs typeface="Times New Roman" panose="02020603050405020304" pitchFamily="18" charset="0"/>
+              </a:rPr>
+              <a:t>Moyen 20 questions</a:t>
+            </a:r>
+          </a:p>
+          <a:p>
+            <a:pPr marL="342900" indent="-342900">
+              <a:buFont typeface="Arial" panose="020B0604020202020204" pitchFamily="34" charset="0"/>
+              <a:buChar char="•"/>
+            </a:pPr>
+            <a:r>
+              <a:rPr lang="fr-FR" dirty="0">
+                <a:latin typeface="Times New Roman" panose="02020603050405020304" pitchFamily="18" charset="0"/>
+                <a:cs typeface="Times New Roman" panose="02020603050405020304" pitchFamily="18" charset="0"/>
+              </a:rPr>
+              <a:t>Difficile 30 questions</a:t>
+            </a:r>
+          </a:p>
+          <a:p>
+            <a:r>
+              <a:rPr lang="fr-FR" dirty="0">
+                <a:latin typeface="Times New Roman" panose="02020603050405020304" pitchFamily="18" charset="0"/>
+                <a:cs typeface="Times New Roman" panose="02020603050405020304" pitchFamily="18" charset="0"/>
+              </a:rPr>
+              <a:t>A la fin de la série, le programme doit afficher la liste des erreurs commises par l’utilisateur ainsi que son score et son pourcentage de réussite (</a:t>
+            </a:r>
+            <a:r>
+              <a:rPr lang="fr-FR" dirty="0" err="1">
+                <a:latin typeface="Times New Roman" panose="02020603050405020304" pitchFamily="18" charset="0"/>
+                <a:cs typeface="Times New Roman" panose="02020603050405020304" pitchFamily="18" charset="0"/>
+              </a:rPr>
+              <a:t>success</a:t>
+            </a:r>
+            <a:r>
+              <a:rPr lang="fr-FR" dirty="0">
+                <a:latin typeface="Times New Roman" panose="02020603050405020304" pitchFamily="18" charset="0"/>
+                <a:cs typeface="Times New Roman" panose="02020603050405020304" pitchFamily="18" charset="0"/>
+              </a:rPr>
+              <a:t>*100/total).</a:t>
+            </a:r>
+          </a:p>
+          <a:p>
+            <a:r>
+              <a:rPr lang="fr-FR" dirty="0">
+                <a:latin typeface="Times New Roman" panose="02020603050405020304" pitchFamily="18" charset="0"/>
+                <a:cs typeface="Times New Roman" panose="02020603050405020304" pitchFamily="18" charset="0"/>
+              </a:rPr>
+              <a:t>Tenir compte des cas d’erreur.</a:t>
+            </a:r>
+          </a:p>
+          <a:p>
+            <a:r>
+              <a:rPr lang="fr-FR" dirty="0">
+                <a:latin typeface="Times New Roman" panose="02020603050405020304" pitchFamily="18" charset="0"/>
+                <a:cs typeface="Times New Roman" panose="02020603050405020304" pitchFamily="18" charset="0"/>
+              </a:rPr>
+              <a:t>Le test est réussi si le score en pourcentage est supérieur à 50%.</a:t>
+            </a:r>
+          </a:p>
+        </p:txBody>
+      </p:sp>
+    </p:spTree>
+    <p:extLst>
+      <p:ext uri="{BB962C8B-B14F-4D97-AF65-F5344CB8AC3E}">
+        <p14:creationId xmlns:p14="http://schemas.microsoft.com/office/powerpoint/2010/main" val="2796775175"/>
+      </p:ext>
+    </p:extLst>
+  </p:cSld>
+  <p:clrMapOvr>
+    <a:masterClrMapping/>
+  </p:clrMapOvr>
+</p:sld>
+</file>
+
+<file path=ppt/slides/slide21.xml><?xml version="1.0" encoding="utf-8"?>
+<p:sld xmlns:a="http://schemas.openxmlformats.org/drawingml/2006/main" xmlns:r="http://schemas.openxmlformats.org/officeDocument/2006/relationships" xmlns:p="http://schemas.openxmlformats.org/presentationml/2006/main">
+  <p:cSld>
+    <p:spTree>
+      <p:nvGrpSpPr>
+        <p:cNvPr id="1" name=""/>
+        <p:cNvGrpSpPr/>
+        <p:nvPr/>
+      </p:nvGrpSpPr>
+      <p:grpSpPr>
+        <a:xfrm>
+          <a:off x="0" y="0"/>
+          <a:ext cx="0" cy="0"/>
+          <a:chOff x="0" y="0"/>
+          <a:chExt cx="0" cy="0"/>
+        </a:xfrm>
+      </p:grpSpPr>
+      <p:sp>
+        <p:nvSpPr>
+          <p:cNvPr id="4" name="Espace réservé du pied de page 3">
+            <a:extLst>
+              <a:ext uri="{FF2B5EF4-FFF2-40B4-BE49-F238E27FC236}">
+                <a16:creationId xmlns:a16="http://schemas.microsoft.com/office/drawing/2014/main" id="{8FEEC940-4BFF-956C-713A-1CE73C436B6F}"/>
+              </a:ext>
+            </a:extLst>
+          </p:cNvPr>
+          <p:cNvSpPr>
+            <a:spLocks noGrp="1"/>
+          </p:cNvSpPr>
+          <p:nvPr>
+            <p:ph type="ftr" sz="quarter" idx="11"/>
+          </p:nvPr>
+        </p:nvSpPr>
+        <p:spPr/>
+        <p:txBody>
+          <a:bodyPr/>
+          <a:lstStyle/>
+          <a:p>
+            <a:r>
+              <a:rPr lang="fr-FR"/>
+              <a:t>Cours: Python | Auteur: TUO N. Ismaël Maurice 
+</a:t>
+            </a:r>
+          </a:p>
+        </p:txBody>
+      </p:sp>
+      <p:sp>
+        <p:nvSpPr>
+          <p:cNvPr id="5" name="Espace réservé du numéro de diapositive 4">
+            <a:extLst>
+              <a:ext uri="{FF2B5EF4-FFF2-40B4-BE49-F238E27FC236}">
+                <a16:creationId xmlns:a16="http://schemas.microsoft.com/office/drawing/2014/main" id="{CE50FB16-F89F-D7CA-C6AA-CFC075094990}"/>
+              </a:ext>
+            </a:extLst>
+          </p:cNvPr>
+          <p:cNvSpPr>
+            <a:spLocks noGrp="1"/>
+          </p:cNvSpPr>
+          <p:nvPr>
+            <p:ph type="sldNum" sz="quarter" idx="12"/>
+          </p:nvPr>
+        </p:nvSpPr>
+        <p:spPr/>
+        <p:txBody>
+          <a:bodyPr/>
+          <a:lstStyle/>
+          <a:p>
+            <a:fld id="{B8C3BB88-DD29-4D42-B62E-D7D541DB4348}" type="slidenum">
+              <a:rPr lang="fr-FR" smtClean="0"/>
+              <a:t>21</a:t>
+            </a:fld>
+            <a:endParaRPr lang="fr-FR"/>
+          </a:p>
+        </p:txBody>
+      </p:sp>
+      <p:sp>
+        <p:nvSpPr>
+          <p:cNvPr id="6" name="ZoneTexte 5">
+            <a:extLst>
+              <a:ext uri="{FF2B5EF4-FFF2-40B4-BE49-F238E27FC236}">
+                <a16:creationId xmlns:a16="http://schemas.microsoft.com/office/drawing/2014/main" id="{84F10693-2FE8-EFC8-8DB6-84BFD181D260}"/>
+              </a:ext>
+            </a:extLst>
+          </p:cNvPr>
+          <p:cNvSpPr txBox="1"/>
+          <p:nvPr/>
+        </p:nvSpPr>
+        <p:spPr>
+          <a:xfrm>
+            <a:off x="397564" y="218526"/>
+            <a:ext cx="5795005" cy="461665"/>
+          </a:xfrm>
+          <a:prstGeom prst="rect">
+            <a:avLst/>
+          </a:prstGeom>
+          <a:noFill/>
+        </p:spPr>
+        <p:txBody>
+          <a:bodyPr wrap="square" rtlCol="0">
+            <a:spAutoFit/>
+          </a:bodyPr>
+          <a:lstStyle/>
+          <a:p>
+            <a:r>
+              <a:rPr lang="fr-FR" sz="2400" b="1" dirty="0">
+                <a:latin typeface="Times New Roman" panose="02020603050405020304" pitchFamily="18" charset="0"/>
+                <a:cs typeface="Times New Roman" panose="02020603050405020304" pitchFamily="18" charset="0"/>
+              </a:rPr>
+              <a:t>Exercices</a:t>
+            </a:r>
+          </a:p>
+        </p:txBody>
+      </p:sp>
+      <p:cxnSp>
+        <p:nvCxnSpPr>
+          <p:cNvPr id="3" name="Connecteur droit 2">
+            <a:extLst>
+              <a:ext uri="{FF2B5EF4-FFF2-40B4-BE49-F238E27FC236}">
+                <a16:creationId xmlns:a16="http://schemas.microsoft.com/office/drawing/2014/main" id="{6AC8021D-4898-08B9-18A0-60AC71EF613E}"/>
+              </a:ext>
+            </a:extLst>
+          </p:cNvPr>
+          <p:cNvCxnSpPr>
+            <a:cxnSpLocks/>
+          </p:cNvCxnSpPr>
+          <p:nvPr/>
+        </p:nvCxnSpPr>
+        <p:spPr>
+          <a:xfrm>
+            <a:off x="500932" y="680191"/>
+            <a:ext cx="11178450" cy="0"/>
+          </a:xfrm>
+          <a:prstGeom prst="line">
+            <a:avLst/>
+          </a:prstGeom>
+          <a:ln/>
+        </p:spPr>
+        <p:style>
+          <a:lnRef idx="3">
+            <a:schemeClr val="accent3"/>
+          </a:lnRef>
+          <a:fillRef idx="0">
+            <a:schemeClr val="accent3"/>
+          </a:fillRef>
+          <a:effectRef idx="2">
+            <a:schemeClr val="accent3"/>
+          </a:effectRef>
+          <a:fontRef idx="minor">
+            <a:schemeClr val="tx1"/>
+          </a:fontRef>
+        </p:style>
+      </p:cxnSp>
+      <p:sp>
+        <p:nvSpPr>
+          <p:cNvPr id="2" name="ZoneTexte 1">
+            <a:extLst>
+              <a:ext uri="{FF2B5EF4-FFF2-40B4-BE49-F238E27FC236}">
+                <a16:creationId xmlns:a16="http://schemas.microsoft.com/office/drawing/2014/main" id="{598CC1F4-92B5-97D6-5630-8A3701211AA4}"/>
+              </a:ext>
+            </a:extLst>
+          </p:cNvPr>
+          <p:cNvSpPr txBox="1"/>
+          <p:nvPr/>
+        </p:nvSpPr>
+        <p:spPr>
+          <a:xfrm>
+            <a:off x="397564" y="711780"/>
+            <a:ext cx="11569148" cy="400110"/>
+          </a:xfrm>
+          <a:prstGeom prst="rect">
+            <a:avLst/>
+          </a:prstGeom>
+          <a:noFill/>
+        </p:spPr>
+        <p:txBody>
+          <a:bodyPr wrap="square" rtlCol="0">
+            <a:spAutoFit/>
+          </a:bodyPr>
+          <a:lstStyle/>
+          <a:p>
+            <a:r>
+              <a:rPr lang="fr-FR" sz="2000" b="1" u="sng" dirty="0">
+                <a:latin typeface="Times New Roman" panose="02020603050405020304" pitchFamily="18" charset="0"/>
+                <a:cs typeface="Times New Roman" panose="02020603050405020304" pitchFamily="18" charset="0"/>
+              </a:rPr>
+              <a:t>Mini-Projet 2</a:t>
+            </a:r>
+          </a:p>
+        </p:txBody>
+      </p:sp>
+      <p:sp>
+        <p:nvSpPr>
+          <p:cNvPr id="7" name="ZoneTexte 6">
+            <a:extLst>
+              <a:ext uri="{FF2B5EF4-FFF2-40B4-BE49-F238E27FC236}">
+                <a16:creationId xmlns:a16="http://schemas.microsoft.com/office/drawing/2014/main" id="{990321CC-02EF-ED64-0AA9-789ED60F60B1}"/>
+              </a:ext>
+            </a:extLst>
+          </p:cNvPr>
+          <p:cNvSpPr txBox="1"/>
+          <p:nvPr/>
+        </p:nvSpPr>
+        <p:spPr>
+          <a:xfrm>
+            <a:off x="397564" y="1090885"/>
+            <a:ext cx="11088982" cy="4708981"/>
+          </a:xfrm>
+          <a:prstGeom prst="rect">
+            <a:avLst/>
+          </a:prstGeom>
+          <a:noFill/>
+        </p:spPr>
+        <p:txBody>
+          <a:bodyPr wrap="square" rtlCol="0">
+            <a:spAutoFit/>
+          </a:bodyPr>
+          <a:lstStyle>
+            <a:defPPr>
+              <a:defRPr lang="en-US"/>
+            </a:defPPr>
+            <a:lvl1pPr>
+              <a:defRPr sz="2000"/>
+            </a:lvl1pPr>
+          </a:lstStyle>
+          <a:p>
+            <a:r>
+              <a:rPr lang="fr-FR" dirty="0">
+                <a:latin typeface="Times New Roman" panose="02020603050405020304" pitchFamily="18" charset="0"/>
+                <a:cs typeface="Times New Roman" panose="02020603050405020304" pitchFamily="18" charset="0"/>
+              </a:rPr>
+              <a:t>Ecrire un programme qui va permettre d’enregistrer des utilisateurs avec leur nom et prénom. </a:t>
+            </a:r>
+          </a:p>
+          <a:p>
+            <a:r>
+              <a:rPr lang="fr-FR" dirty="0">
+                <a:latin typeface="Times New Roman" panose="02020603050405020304" pitchFamily="18" charset="0"/>
+                <a:cs typeface="Times New Roman" panose="02020603050405020304" pitchFamily="18" charset="0"/>
+              </a:rPr>
+              <a:t>Le menu est composé de: ajouter une personne, supprimer une personne, recherche une personne, afficher la liste.</a:t>
+            </a:r>
+          </a:p>
+          <a:p>
+            <a:r>
+              <a:rPr lang="fr-FR" dirty="0">
+                <a:latin typeface="Times New Roman" panose="02020603050405020304" pitchFamily="18" charset="0"/>
+                <a:cs typeface="Times New Roman" panose="02020603050405020304" pitchFamily="18" charset="0"/>
+              </a:rPr>
+              <a:t>L’utilisateur doit faire un choix d’action et le programme doit permettre de gérer les personnes sachant qu’on ne peut avoir une personne de même nom et prénom. </a:t>
+            </a:r>
+          </a:p>
+          <a:p>
+            <a:r>
+              <a:rPr lang="fr-FR" dirty="0">
+                <a:latin typeface="Times New Roman" panose="02020603050405020304" pitchFamily="18" charset="0"/>
+                <a:cs typeface="Times New Roman" panose="02020603050405020304" pitchFamily="18" charset="0"/>
+              </a:rPr>
+              <a:t>Par exemple John DOE ne peut être enregistré deux fois cependant </a:t>
+            </a:r>
+            <a:r>
+              <a:rPr lang="fr-FR" dirty="0" err="1">
+                <a:latin typeface="Times New Roman" panose="02020603050405020304" pitchFamily="18" charset="0"/>
+                <a:cs typeface="Times New Roman" panose="02020603050405020304" pitchFamily="18" charset="0"/>
+              </a:rPr>
+              <a:t>Doé</a:t>
+            </a:r>
+            <a:r>
+              <a:rPr lang="fr-FR" dirty="0">
+                <a:latin typeface="Times New Roman" panose="02020603050405020304" pitchFamily="18" charset="0"/>
+                <a:cs typeface="Times New Roman" panose="02020603050405020304" pitchFamily="18" charset="0"/>
+              </a:rPr>
+              <a:t> JOHN peut être enregistré même si John DOE y ait car les noms et les prénoms sont différents.</a:t>
+            </a:r>
+          </a:p>
+          <a:p>
+            <a:r>
+              <a:rPr lang="fr-FR" dirty="0">
+                <a:latin typeface="Times New Roman" panose="02020603050405020304" pitchFamily="18" charset="0"/>
+                <a:cs typeface="Times New Roman" panose="02020603050405020304" pitchFamily="18" charset="0"/>
+              </a:rPr>
+              <a:t>Lors de la recherche l’utilisateur fournit un nom et le programme doit afficher la liste des personnes qui ont soit le même nom ou soit le même prénom.</a:t>
+            </a:r>
+          </a:p>
+          <a:p>
+            <a:r>
+              <a:rPr lang="fr-FR" dirty="0">
+                <a:latin typeface="Times New Roman" panose="02020603050405020304" pitchFamily="18" charset="0"/>
+                <a:cs typeface="Times New Roman" panose="02020603050405020304" pitchFamily="18" charset="0"/>
+              </a:rPr>
+              <a:t>Pour supprimer une personne l’utilisateur doit fournir un nom et le programme lui affiche la liste des personnes correspondantes ensuite il doit entrer le numéro de la personne qu’il veut supprimer.</a:t>
+            </a:r>
+          </a:p>
+          <a:p>
+            <a:r>
+              <a:rPr lang="fr-FR" dirty="0">
+                <a:latin typeface="Times New Roman" panose="02020603050405020304" pitchFamily="18" charset="0"/>
+                <a:cs typeface="Times New Roman" panose="02020603050405020304" pitchFamily="18" charset="0"/>
+              </a:rPr>
+              <a:t>L’action affichage doit permettre d’afficher toutes les personnes enregistrées.</a:t>
+            </a:r>
+          </a:p>
+          <a:p>
+            <a:r>
+              <a:rPr lang="fr-FR" dirty="0">
+                <a:latin typeface="Times New Roman" panose="02020603050405020304" pitchFamily="18" charset="0"/>
+                <a:cs typeface="Times New Roman" panose="02020603050405020304" pitchFamily="18" charset="0"/>
+              </a:rPr>
+              <a:t>Une personne à un nom et plusieurs prénoms séparés par des espaces.</a:t>
+            </a:r>
+          </a:p>
+          <a:p>
+            <a:r>
+              <a:rPr lang="fr-FR" dirty="0">
+                <a:latin typeface="Times New Roman" panose="02020603050405020304" pitchFamily="18" charset="0"/>
+                <a:cs typeface="Times New Roman" panose="02020603050405020304" pitchFamily="18" charset="0"/>
+              </a:rPr>
+              <a:t>Lors de l’enregistrement procédé comme suite Prénoms NOM. Si l’utilisateur entre comme nom </a:t>
+            </a:r>
+            <a:r>
+              <a:rPr lang="fr-FR" dirty="0" err="1">
+                <a:latin typeface="Times New Roman" panose="02020603050405020304" pitchFamily="18" charset="0"/>
+                <a:cs typeface="Times New Roman" panose="02020603050405020304" pitchFamily="18" charset="0"/>
+              </a:rPr>
+              <a:t>Doé</a:t>
+            </a:r>
+            <a:r>
+              <a:rPr lang="fr-FR" dirty="0">
+                <a:latin typeface="Times New Roman" panose="02020603050405020304" pitchFamily="18" charset="0"/>
+                <a:cs typeface="Times New Roman" panose="02020603050405020304" pitchFamily="18" charset="0"/>
+              </a:rPr>
+              <a:t> et prénoms Toto John le stockage sera Toto John DOE. </a:t>
+            </a:r>
+          </a:p>
+        </p:txBody>
+      </p:sp>
+    </p:spTree>
+    <p:extLst>
+      <p:ext uri="{BB962C8B-B14F-4D97-AF65-F5344CB8AC3E}">
+        <p14:creationId xmlns:p14="http://schemas.microsoft.com/office/powerpoint/2010/main" val="2280855446"/>
+      </p:ext>
+    </p:extLst>
+  </p:cSld>
+  <p:clrMapOvr>
+    <a:masterClrMapping/>
+  </p:clrMapOvr>
+</p:sld>
+</file>
+
+<file path=ppt/slides/slide22.xml><?xml version="1.0" encoding="utf-8"?>
+<p:sld xmlns:a="http://schemas.openxmlformats.org/drawingml/2006/main" xmlns:r="http://schemas.openxmlformats.org/officeDocument/2006/relationships" xmlns:p="http://schemas.openxmlformats.org/presentationml/2006/main">
+  <p:cSld>
+    <p:spTree>
+      <p:nvGrpSpPr>
+        <p:cNvPr id="1" name=""/>
+        <p:cNvGrpSpPr/>
+        <p:nvPr/>
+      </p:nvGrpSpPr>
+      <p:grpSpPr>
+        <a:xfrm>
+          <a:off x="0" y="0"/>
+          <a:ext cx="0" cy="0"/>
+          <a:chOff x="0" y="0"/>
+          <a:chExt cx="0" cy="0"/>
+        </a:xfrm>
+      </p:grpSpPr>
+      <p:sp>
+        <p:nvSpPr>
+          <p:cNvPr id="4" name="Espace réservé du pied de page 3">
+            <a:extLst>
+              <a:ext uri="{FF2B5EF4-FFF2-40B4-BE49-F238E27FC236}">
+                <a16:creationId xmlns:a16="http://schemas.microsoft.com/office/drawing/2014/main" id="{8FEEC940-4BFF-956C-713A-1CE73C436B6F}"/>
+              </a:ext>
+            </a:extLst>
+          </p:cNvPr>
+          <p:cNvSpPr>
+            <a:spLocks noGrp="1"/>
+          </p:cNvSpPr>
+          <p:nvPr>
+            <p:ph type="ftr" sz="quarter" idx="11"/>
+          </p:nvPr>
+        </p:nvSpPr>
+        <p:spPr/>
+        <p:txBody>
+          <a:bodyPr/>
+          <a:lstStyle/>
+          <a:p>
+            <a:r>
+              <a:rPr lang="fr-FR"/>
+              <a:t>Cours: Python | Auteur: TUO N. Ismaël Maurice 
+</a:t>
+            </a:r>
+          </a:p>
+        </p:txBody>
+      </p:sp>
+      <p:sp>
+        <p:nvSpPr>
+          <p:cNvPr id="5" name="Espace réservé du numéro de diapositive 4">
+            <a:extLst>
+              <a:ext uri="{FF2B5EF4-FFF2-40B4-BE49-F238E27FC236}">
+                <a16:creationId xmlns:a16="http://schemas.microsoft.com/office/drawing/2014/main" id="{CE50FB16-F89F-D7CA-C6AA-CFC075094990}"/>
+              </a:ext>
+            </a:extLst>
+          </p:cNvPr>
+          <p:cNvSpPr>
+            <a:spLocks noGrp="1"/>
+          </p:cNvSpPr>
+          <p:nvPr>
+            <p:ph type="sldNum" sz="quarter" idx="12"/>
+          </p:nvPr>
+        </p:nvSpPr>
+        <p:spPr/>
+        <p:txBody>
+          <a:bodyPr/>
+          <a:lstStyle/>
+          <a:p>
+            <a:fld id="{B8C3BB88-DD29-4D42-B62E-D7D541DB4348}" type="slidenum">
+              <a:rPr lang="fr-FR" smtClean="0"/>
+              <a:t>22</a:t>
             </a:fld>
             <a:endParaRPr lang="fr-FR"/>
           </a:p>
@@ -8637,8 +9477,8 @@
           </p:sp>
         </mc:Fallback>
       </mc:AlternateContent>
-      <mc:AlternateContent xmlns:mc="http://schemas.openxmlformats.org/markup-compatibility/2006">
-        <mc:Choice xmlns:a14="http://schemas.microsoft.com/office/drawing/2010/main" Requires="a14">
+      <mc:AlternateContent xmlns:mc="http://schemas.openxmlformats.org/markup-compatibility/2006" xmlns:a14="http://schemas.microsoft.com/office/drawing/2010/main">
+        <mc:Choice Requires="a14">
           <p:sp>
             <p:nvSpPr>
               <p:cNvPr id="9" name="ZoneTexte 8">
@@ -8728,7 +9568,7 @@
             </p:txBody>
           </p:sp>
         </mc:Choice>
-        <mc:Fallback>
+        <mc:Fallback xmlns="">
           <p:sp>
             <p:nvSpPr>
               <p:cNvPr id="9" name="ZoneTexte 8">
@@ -8786,702 +9626,6 @@
 </p:sld>
 </file>
 
-<file path=ppt/slides/slide21.xml><?xml version="1.0" encoding="utf-8"?>
-<p:sld xmlns:a="http://schemas.openxmlformats.org/drawingml/2006/main" xmlns:r="http://schemas.openxmlformats.org/officeDocument/2006/relationships" xmlns:p="http://schemas.openxmlformats.org/presentationml/2006/main">
-  <p:cSld>
-    <p:spTree>
-      <p:nvGrpSpPr>
-        <p:cNvPr id="1" name=""/>
-        <p:cNvGrpSpPr/>
-        <p:nvPr/>
-      </p:nvGrpSpPr>
-      <p:grpSpPr>
-        <a:xfrm>
-          <a:off x="0" y="0"/>
-          <a:ext cx="0" cy="0"/>
-          <a:chOff x="0" y="0"/>
-          <a:chExt cx="0" cy="0"/>
-        </a:xfrm>
-      </p:grpSpPr>
-      <p:sp>
-        <p:nvSpPr>
-          <p:cNvPr id="4" name="Espace réservé du pied de page 3">
-            <a:extLst>
-              <a:ext uri="{FF2B5EF4-FFF2-40B4-BE49-F238E27FC236}">
-                <a16:creationId xmlns:a16="http://schemas.microsoft.com/office/drawing/2014/main" id="{8FEEC940-4BFF-956C-713A-1CE73C436B6F}"/>
-              </a:ext>
-            </a:extLst>
-          </p:cNvPr>
-          <p:cNvSpPr>
-            <a:spLocks noGrp="1"/>
-          </p:cNvSpPr>
-          <p:nvPr>
-            <p:ph type="ftr" sz="quarter" idx="11"/>
-          </p:nvPr>
-        </p:nvSpPr>
-        <p:spPr/>
-        <p:txBody>
-          <a:bodyPr/>
-          <a:lstStyle/>
-          <a:p>
-            <a:r>
-              <a:rPr lang="fr-FR"/>
-              <a:t>Cours: Python | Auteur: TUO N. Ismaël Maurice 
-</a:t>
-            </a:r>
-          </a:p>
-        </p:txBody>
-      </p:sp>
-      <p:sp>
-        <p:nvSpPr>
-          <p:cNvPr id="5" name="Espace réservé du numéro de diapositive 4">
-            <a:extLst>
-              <a:ext uri="{FF2B5EF4-FFF2-40B4-BE49-F238E27FC236}">
-                <a16:creationId xmlns:a16="http://schemas.microsoft.com/office/drawing/2014/main" id="{CE50FB16-F89F-D7CA-C6AA-CFC075094990}"/>
-              </a:ext>
-            </a:extLst>
-          </p:cNvPr>
-          <p:cNvSpPr>
-            <a:spLocks noGrp="1"/>
-          </p:cNvSpPr>
-          <p:nvPr>
-            <p:ph type="sldNum" sz="quarter" idx="12"/>
-          </p:nvPr>
-        </p:nvSpPr>
-        <p:spPr/>
-        <p:txBody>
-          <a:bodyPr/>
-          <a:lstStyle/>
-          <a:p>
-            <a:fld id="{B8C3BB88-DD29-4D42-B62E-D7D541DB4348}" type="slidenum">
-              <a:rPr lang="fr-FR" smtClean="0"/>
-              <a:t>21</a:t>
-            </a:fld>
-            <a:endParaRPr lang="fr-FR"/>
-          </a:p>
-        </p:txBody>
-      </p:sp>
-      <p:sp>
-        <p:nvSpPr>
-          <p:cNvPr id="6" name="ZoneTexte 5">
-            <a:extLst>
-              <a:ext uri="{FF2B5EF4-FFF2-40B4-BE49-F238E27FC236}">
-                <a16:creationId xmlns:a16="http://schemas.microsoft.com/office/drawing/2014/main" id="{84F10693-2FE8-EFC8-8DB6-84BFD181D260}"/>
-              </a:ext>
-            </a:extLst>
-          </p:cNvPr>
-          <p:cNvSpPr txBox="1"/>
-          <p:nvPr/>
-        </p:nvSpPr>
-        <p:spPr>
-          <a:xfrm>
-            <a:off x="397564" y="218526"/>
-            <a:ext cx="5795005" cy="461665"/>
-          </a:xfrm>
-          <a:prstGeom prst="rect">
-            <a:avLst/>
-          </a:prstGeom>
-          <a:noFill/>
-        </p:spPr>
-        <p:txBody>
-          <a:bodyPr wrap="square" rtlCol="0">
-            <a:spAutoFit/>
-          </a:bodyPr>
-          <a:lstStyle/>
-          <a:p>
-            <a:r>
-              <a:rPr lang="fr-FR" sz="2400" b="1" dirty="0">
-                <a:latin typeface="Times New Roman" panose="02020603050405020304" pitchFamily="18" charset="0"/>
-                <a:cs typeface="Times New Roman" panose="02020603050405020304" pitchFamily="18" charset="0"/>
-              </a:rPr>
-              <a:t>Exercices</a:t>
-            </a:r>
-          </a:p>
-        </p:txBody>
-      </p:sp>
-      <p:cxnSp>
-        <p:nvCxnSpPr>
-          <p:cNvPr id="3" name="Connecteur droit 2">
-            <a:extLst>
-              <a:ext uri="{FF2B5EF4-FFF2-40B4-BE49-F238E27FC236}">
-                <a16:creationId xmlns:a16="http://schemas.microsoft.com/office/drawing/2014/main" id="{6AC8021D-4898-08B9-18A0-60AC71EF613E}"/>
-              </a:ext>
-            </a:extLst>
-          </p:cNvPr>
-          <p:cNvCxnSpPr>
-            <a:cxnSpLocks/>
-          </p:cNvCxnSpPr>
-          <p:nvPr/>
-        </p:nvCxnSpPr>
-        <p:spPr>
-          <a:xfrm>
-            <a:off x="500932" y="680191"/>
-            <a:ext cx="11178450" cy="0"/>
-          </a:xfrm>
-          <a:prstGeom prst="line">
-            <a:avLst/>
-          </a:prstGeom>
-          <a:ln/>
-        </p:spPr>
-        <p:style>
-          <a:lnRef idx="3">
-            <a:schemeClr val="accent3"/>
-          </a:lnRef>
-          <a:fillRef idx="0">
-            <a:schemeClr val="accent3"/>
-          </a:fillRef>
-          <a:effectRef idx="2">
-            <a:schemeClr val="accent3"/>
-          </a:effectRef>
-          <a:fontRef idx="minor">
-            <a:schemeClr val="tx1"/>
-          </a:fontRef>
-        </p:style>
-      </p:cxnSp>
-      <p:sp>
-        <p:nvSpPr>
-          <p:cNvPr id="7" name="ZoneTexte 6">
-            <a:extLst>
-              <a:ext uri="{FF2B5EF4-FFF2-40B4-BE49-F238E27FC236}">
-                <a16:creationId xmlns:a16="http://schemas.microsoft.com/office/drawing/2014/main" id="{990321CC-02EF-ED64-0AA9-789ED60F60B1}"/>
-              </a:ext>
-            </a:extLst>
-          </p:cNvPr>
-          <p:cNvSpPr txBox="1"/>
-          <p:nvPr/>
-        </p:nvSpPr>
-        <p:spPr>
-          <a:xfrm>
-            <a:off x="397564" y="840602"/>
-            <a:ext cx="11088982" cy="1323439"/>
-          </a:xfrm>
-          <a:prstGeom prst="rect">
-            <a:avLst/>
-          </a:prstGeom>
-          <a:noFill/>
-        </p:spPr>
-        <p:txBody>
-          <a:bodyPr wrap="square" rtlCol="0">
-            <a:spAutoFit/>
-          </a:bodyPr>
-          <a:lstStyle>
-            <a:defPPr>
-              <a:defRPr lang="en-US"/>
-            </a:defPPr>
-            <a:lvl1pPr>
-              <a:defRPr sz="2000"/>
-            </a:lvl1pPr>
-          </a:lstStyle>
-          <a:p>
-            <a:r>
-              <a:rPr lang="fr-FR" dirty="0">
-                <a:latin typeface="Times New Roman" panose="02020603050405020304" pitchFamily="18" charset="0"/>
-                <a:cs typeface="Times New Roman" panose="02020603050405020304" pitchFamily="18" charset="0"/>
-              </a:rPr>
-              <a:t>L’objectif est d’utiliser les connaissances apprises sur les listes pour écrire un programme Python qui permettra de déchiffrer/chiffrer un message fourni par un utilisateur avec une clé donnée.</a:t>
-            </a:r>
-          </a:p>
-          <a:p>
-            <a:r>
-              <a:rPr lang="fr-FR" dirty="0">
-                <a:latin typeface="Times New Roman" panose="02020603050405020304" pitchFamily="18" charset="0"/>
-                <a:cs typeface="Times New Roman" panose="02020603050405020304" pitchFamily="18" charset="0"/>
-              </a:rPr>
-              <a:t>Le programme doit pouvoir chiffrer et déchiffrer des messages contenant des lettres majuscules et minuscules ainsi que des nombres.</a:t>
-            </a:r>
-          </a:p>
-        </p:txBody>
-      </p:sp>
-      <p:sp>
-        <p:nvSpPr>
-          <p:cNvPr id="8" name="ZoneTexte 7">
-            <a:extLst>
-              <a:ext uri="{FF2B5EF4-FFF2-40B4-BE49-F238E27FC236}">
-                <a16:creationId xmlns:a16="http://schemas.microsoft.com/office/drawing/2014/main" id="{BEECF3A8-73CE-9EC0-B923-08D73787138E}"/>
-              </a:ext>
-            </a:extLst>
-          </p:cNvPr>
-          <p:cNvSpPr txBox="1"/>
-          <p:nvPr/>
-        </p:nvSpPr>
-        <p:spPr>
-          <a:xfrm>
-            <a:off x="397564" y="3139670"/>
-            <a:ext cx="11088982" cy="400110"/>
-          </a:xfrm>
-          <a:prstGeom prst="rect">
-            <a:avLst/>
-          </a:prstGeom>
-          <a:noFill/>
-        </p:spPr>
-        <p:txBody>
-          <a:bodyPr wrap="square" rtlCol="0">
-            <a:spAutoFit/>
-          </a:bodyPr>
-          <a:lstStyle>
-            <a:defPPr>
-              <a:defRPr lang="en-US"/>
-            </a:defPPr>
-            <a:lvl1pPr>
-              <a:defRPr sz="2000"/>
-            </a:lvl1pPr>
-          </a:lstStyle>
-          <a:p>
-            <a:r>
-              <a:rPr lang="fr-FR" dirty="0">
-                <a:latin typeface="Times New Roman" panose="02020603050405020304" pitchFamily="18" charset="0"/>
-                <a:cs typeface="Times New Roman" panose="02020603050405020304" pitchFamily="18" charset="0"/>
-              </a:rPr>
-              <a:t>Ecrire </a:t>
-            </a:r>
-            <a:r>
-              <a:rPr lang="fr-FR">
-                <a:latin typeface="Times New Roman" panose="02020603050405020304" pitchFamily="18" charset="0"/>
-                <a:cs typeface="Times New Roman" panose="02020603050405020304" pitchFamily="18" charset="0"/>
-              </a:rPr>
-              <a:t>le fichier </a:t>
-            </a:r>
-            <a:r>
-              <a:rPr lang="fr-FR" dirty="0">
-                <a:latin typeface="Times New Roman" panose="02020603050405020304" pitchFamily="18" charset="0"/>
-                <a:cs typeface="Times New Roman" panose="02020603050405020304" pitchFamily="18" charset="0"/>
-              </a:rPr>
-              <a:t>Algorithme et ensuite le programme en Python.</a:t>
-            </a:r>
-          </a:p>
-        </p:txBody>
-      </p:sp>
-      <p:sp>
-        <p:nvSpPr>
-          <p:cNvPr id="10" name="ZoneTexte 9">
-            <a:extLst>
-              <a:ext uri="{FF2B5EF4-FFF2-40B4-BE49-F238E27FC236}">
-                <a16:creationId xmlns:a16="http://schemas.microsoft.com/office/drawing/2014/main" id="{24D98DAF-178C-EE92-6768-D47D152A08B6}"/>
-              </a:ext>
-            </a:extLst>
-          </p:cNvPr>
-          <p:cNvSpPr txBox="1"/>
-          <p:nvPr/>
-        </p:nvSpPr>
-        <p:spPr>
-          <a:xfrm>
-            <a:off x="419649" y="2097515"/>
-            <a:ext cx="11088982" cy="1015663"/>
-          </a:xfrm>
-          <a:prstGeom prst="rect">
-            <a:avLst/>
-          </a:prstGeom>
-          <a:noFill/>
-        </p:spPr>
-        <p:txBody>
-          <a:bodyPr wrap="square" rtlCol="0">
-            <a:spAutoFit/>
-          </a:bodyPr>
-          <a:lstStyle>
-            <a:defPPr>
-              <a:defRPr lang="en-US"/>
-            </a:defPPr>
-            <a:lvl1pPr>
-              <a:defRPr sz="2000"/>
-            </a:lvl1pPr>
-          </a:lstStyle>
-          <a:p>
-            <a:r>
-              <a:rPr lang="fr-FR" dirty="0">
-                <a:latin typeface="Times New Roman" panose="02020603050405020304" pitchFamily="18" charset="0"/>
-                <a:cs typeface="Times New Roman" panose="02020603050405020304" pitchFamily="18" charset="0"/>
-              </a:rPr>
-              <a:t>Lorsque le programme démarre, l’utilisateur doit choisir quel type d’opération il veut réaliser (chiffrement ou déchiffrement). Ensuite il doit saisir le texte qu’il veut chiffrer et la clé.</a:t>
-            </a:r>
-          </a:p>
-          <a:p>
-            <a:r>
-              <a:rPr lang="fr-FR" dirty="0">
-                <a:latin typeface="Times New Roman" panose="02020603050405020304" pitchFamily="18" charset="0"/>
-                <a:cs typeface="Times New Roman" panose="02020603050405020304" pitchFamily="18" charset="0"/>
-              </a:rPr>
-              <a:t>Le programme doit afficher le résultat de l’opération.</a:t>
-            </a:r>
-          </a:p>
-        </p:txBody>
-      </p:sp>
-      <p:sp>
-        <p:nvSpPr>
-          <p:cNvPr id="12" name="ZoneTexte 11">
-            <a:extLst>
-              <a:ext uri="{FF2B5EF4-FFF2-40B4-BE49-F238E27FC236}">
-                <a16:creationId xmlns:a16="http://schemas.microsoft.com/office/drawing/2014/main" id="{19CB152B-9880-A07F-BB5E-1B89D0E262F0}"/>
-              </a:ext>
-            </a:extLst>
-          </p:cNvPr>
-          <p:cNvSpPr txBox="1"/>
-          <p:nvPr/>
-        </p:nvSpPr>
-        <p:spPr>
-          <a:xfrm>
-            <a:off x="419649" y="3560027"/>
-            <a:ext cx="11088982" cy="400110"/>
-          </a:xfrm>
-          <a:prstGeom prst="rect">
-            <a:avLst/>
-          </a:prstGeom>
-          <a:noFill/>
-        </p:spPr>
-        <p:txBody>
-          <a:bodyPr wrap="square" rtlCol="0">
-            <a:spAutoFit/>
-          </a:bodyPr>
-          <a:lstStyle>
-            <a:defPPr>
-              <a:defRPr lang="en-US"/>
-            </a:defPPr>
-            <a:lvl1pPr>
-              <a:defRPr sz="2000"/>
-            </a:lvl1pPr>
-          </a:lstStyle>
-          <a:p>
-            <a:r>
-              <a:rPr lang="fr-FR" dirty="0">
-                <a:latin typeface="Times New Roman" panose="02020603050405020304" pitchFamily="18" charset="0"/>
-                <a:cs typeface="Times New Roman" panose="02020603050405020304" pitchFamily="18" charset="0"/>
-              </a:rPr>
-              <a:t>Ci-dessous un exemple d’exécution (votre version peut être différente):</a:t>
-            </a:r>
-          </a:p>
-        </p:txBody>
-      </p:sp>
-      <p:pic>
-        <p:nvPicPr>
-          <p:cNvPr id="14" name="Image 13">
-            <a:extLst>
-              <a:ext uri="{FF2B5EF4-FFF2-40B4-BE49-F238E27FC236}">
-                <a16:creationId xmlns:a16="http://schemas.microsoft.com/office/drawing/2014/main" id="{BED949AF-1F38-1FCE-BFDB-F258BCE9ADBC}"/>
-              </a:ext>
-            </a:extLst>
-          </p:cNvPr>
-          <p:cNvPicPr>
-            <a:picLocks noChangeAspect="1"/>
-          </p:cNvPicPr>
-          <p:nvPr/>
-        </p:nvPicPr>
-        <p:blipFill>
-          <a:blip r:embed="rId2"/>
-          <a:stretch>
-            <a:fillRect/>
-          </a:stretch>
-        </p:blipFill>
-        <p:spPr>
-          <a:xfrm>
-            <a:off x="727269" y="4065417"/>
-            <a:ext cx="3899052" cy="2170791"/>
-          </a:xfrm>
-          <a:prstGeom prst="rect">
-            <a:avLst/>
-          </a:prstGeom>
-        </p:spPr>
-      </p:pic>
-      <p:pic>
-        <p:nvPicPr>
-          <p:cNvPr id="16" name="Image 15">
-            <a:extLst>
-              <a:ext uri="{FF2B5EF4-FFF2-40B4-BE49-F238E27FC236}">
-                <a16:creationId xmlns:a16="http://schemas.microsoft.com/office/drawing/2014/main" id="{512CC83F-89E7-E85A-C945-D7CA300770B6}"/>
-              </a:ext>
-            </a:extLst>
-          </p:cNvPr>
-          <p:cNvPicPr>
-            <a:picLocks noChangeAspect="1"/>
-          </p:cNvPicPr>
-          <p:nvPr/>
-        </p:nvPicPr>
-        <p:blipFill>
-          <a:blip r:embed="rId3"/>
-          <a:stretch>
-            <a:fillRect/>
-          </a:stretch>
-        </p:blipFill>
-        <p:spPr>
-          <a:xfrm>
-            <a:off x="5195512" y="4071969"/>
-            <a:ext cx="3635880" cy="2157686"/>
-          </a:xfrm>
-          <a:prstGeom prst="rect">
-            <a:avLst/>
-          </a:prstGeom>
-        </p:spPr>
-      </p:pic>
-    </p:spTree>
-    <p:extLst>
-      <p:ext uri="{BB962C8B-B14F-4D97-AF65-F5344CB8AC3E}">
-        <p14:creationId xmlns:p14="http://schemas.microsoft.com/office/powerpoint/2010/main" val="1993176343"/>
-      </p:ext>
-    </p:extLst>
-  </p:cSld>
-  <p:clrMapOvr>
-    <a:masterClrMapping/>
-  </p:clrMapOvr>
-</p:sld>
-</file>
-
-<file path=ppt/slides/slide22.xml><?xml version="1.0" encoding="utf-8"?>
-<p:sld xmlns:a="http://schemas.openxmlformats.org/drawingml/2006/main" xmlns:r="http://schemas.openxmlformats.org/officeDocument/2006/relationships" xmlns:p="http://schemas.openxmlformats.org/presentationml/2006/main">
-  <p:cSld>
-    <p:spTree>
-      <p:nvGrpSpPr>
-        <p:cNvPr id="1" name=""/>
-        <p:cNvGrpSpPr/>
-        <p:nvPr/>
-      </p:nvGrpSpPr>
-      <p:grpSpPr>
-        <a:xfrm>
-          <a:off x="0" y="0"/>
-          <a:ext cx="0" cy="0"/>
-          <a:chOff x="0" y="0"/>
-          <a:chExt cx="0" cy="0"/>
-        </a:xfrm>
-      </p:grpSpPr>
-      <p:sp>
-        <p:nvSpPr>
-          <p:cNvPr id="4" name="Espace réservé du pied de page 3">
-            <a:extLst>
-              <a:ext uri="{FF2B5EF4-FFF2-40B4-BE49-F238E27FC236}">
-                <a16:creationId xmlns:a16="http://schemas.microsoft.com/office/drawing/2014/main" id="{8FEEC940-4BFF-956C-713A-1CE73C436B6F}"/>
-              </a:ext>
-            </a:extLst>
-          </p:cNvPr>
-          <p:cNvSpPr>
-            <a:spLocks noGrp="1"/>
-          </p:cNvSpPr>
-          <p:nvPr>
-            <p:ph type="ftr" sz="quarter" idx="11"/>
-          </p:nvPr>
-        </p:nvSpPr>
-        <p:spPr/>
-        <p:txBody>
-          <a:bodyPr/>
-          <a:lstStyle/>
-          <a:p>
-            <a:r>
-              <a:rPr lang="fr-FR"/>
-              <a:t>Cours: Python | Auteur: TUO N. Ismaël Maurice 
-</a:t>
-            </a:r>
-          </a:p>
-        </p:txBody>
-      </p:sp>
-      <p:sp>
-        <p:nvSpPr>
-          <p:cNvPr id="5" name="Espace réservé du numéro de diapositive 4">
-            <a:extLst>
-              <a:ext uri="{FF2B5EF4-FFF2-40B4-BE49-F238E27FC236}">
-                <a16:creationId xmlns:a16="http://schemas.microsoft.com/office/drawing/2014/main" id="{CE50FB16-F89F-D7CA-C6AA-CFC075094990}"/>
-              </a:ext>
-            </a:extLst>
-          </p:cNvPr>
-          <p:cNvSpPr>
-            <a:spLocks noGrp="1"/>
-          </p:cNvSpPr>
-          <p:nvPr>
-            <p:ph type="sldNum" sz="quarter" idx="12"/>
-          </p:nvPr>
-        </p:nvSpPr>
-        <p:spPr/>
-        <p:txBody>
-          <a:bodyPr/>
-          <a:lstStyle/>
-          <a:p>
-            <a:fld id="{B8C3BB88-DD29-4D42-B62E-D7D541DB4348}" type="slidenum">
-              <a:rPr lang="fr-FR" smtClean="0"/>
-              <a:t>22</a:t>
-            </a:fld>
-            <a:endParaRPr lang="fr-FR"/>
-          </a:p>
-        </p:txBody>
-      </p:sp>
-      <p:sp>
-        <p:nvSpPr>
-          <p:cNvPr id="6" name="ZoneTexte 5">
-            <a:extLst>
-              <a:ext uri="{FF2B5EF4-FFF2-40B4-BE49-F238E27FC236}">
-                <a16:creationId xmlns:a16="http://schemas.microsoft.com/office/drawing/2014/main" id="{84F10693-2FE8-EFC8-8DB6-84BFD181D260}"/>
-              </a:ext>
-            </a:extLst>
-          </p:cNvPr>
-          <p:cNvSpPr txBox="1"/>
-          <p:nvPr/>
-        </p:nvSpPr>
-        <p:spPr>
-          <a:xfrm>
-            <a:off x="397564" y="218526"/>
-            <a:ext cx="5795005" cy="461665"/>
-          </a:xfrm>
-          <a:prstGeom prst="rect">
-            <a:avLst/>
-          </a:prstGeom>
-          <a:noFill/>
-        </p:spPr>
-        <p:txBody>
-          <a:bodyPr wrap="square" rtlCol="0">
-            <a:spAutoFit/>
-          </a:bodyPr>
-          <a:lstStyle/>
-          <a:p>
-            <a:r>
-              <a:rPr lang="fr-FR" sz="2400" b="1" dirty="0">
-                <a:latin typeface="Times New Roman" panose="02020603050405020304" pitchFamily="18" charset="0"/>
-                <a:cs typeface="Times New Roman" panose="02020603050405020304" pitchFamily="18" charset="0"/>
-              </a:rPr>
-              <a:t>Exercices</a:t>
-            </a:r>
-          </a:p>
-        </p:txBody>
-      </p:sp>
-      <p:cxnSp>
-        <p:nvCxnSpPr>
-          <p:cNvPr id="3" name="Connecteur droit 2">
-            <a:extLst>
-              <a:ext uri="{FF2B5EF4-FFF2-40B4-BE49-F238E27FC236}">
-                <a16:creationId xmlns:a16="http://schemas.microsoft.com/office/drawing/2014/main" id="{6AC8021D-4898-08B9-18A0-60AC71EF613E}"/>
-              </a:ext>
-            </a:extLst>
-          </p:cNvPr>
-          <p:cNvCxnSpPr>
-            <a:cxnSpLocks/>
-          </p:cNvCxnSpPr>
-          <p:nvPr/>
-        </p:nvCxnSpPr>
-        <p:spPr>
-          <a:xfrm>
-            <a:off x="500932" y="680191"/>
-            <a:ext cx="11178450" cy="0"/>
-          </a:xfrm>
-          <a:prstGeom prst="line">
-            <a:avLst/>
-          </a:prstGeom>
-          <a:ln/>
-        </p:spPr>
-        <p:style>
-          <a:lnRef idx="3">
-            <a:schemeClr val="accent3"/>
-          </a:lnRef>
-          <a:fillRef idx="0">
-            <a:schemeClr val="accent3"/>
-          </a:fillRef>
-          <a:effectRef idx="2">
-            <a:schemeClr val="accent3"/>
-          </a:effectRef>
-          <a:fontRef idx="minor">
-            <a:schemeClr val="tx1"/>
-          </a:fontRef>
-        </p:style>
-      </p:cxnSp>
-      <p:sp>
-        <p:nvSpPr>
-          <p:cNvPr id="2" name="ZoneTexte 1">
-            <a:extLst>
-              <a:ext uri="{FF2B5EF4-FFF2-40B4-BE49-F238E27FC236}">
-                <a16:creationId xmlns:a16="http://schemas.microsoft.com/office/drawing/2014/main" id="{598CC1F4-92B5-97D6-5630-8A3701211AA4}"/>
-              </a:ext>
-            </a:extLst>
-          </p:cNvPr>
-          <p:cNvSpPr txBox="1"/>
-          <p:nvPr/>
-        </p:nvSpPr>
-        <p:spPr>
-          <a:xfrm>
-            <a:off x="397564" y="711780"/>
-            <a:ext cx="11569148" cy="400110"/>
-          </a:xfrm>
-          <a:prstGeom prst="rect">
-            <a:avLst/>
-          </a:prstGeom>
-          <a:noFill/>
-        </p:spPr>
-        <p:txBody>
-          <a:bodyPr wrap="square" rtlCol="0">
-            <a:spAutoFit/>
-          </a:bodyPr>
-          <a:lstStyle/>
-          <a:p>
-            <a:r>
-              <a:rPr lang="fr-FR" sz="2000" b="1" u="sng" dirty="0">
-                <a:latin typeface="Times New Roman" panose="02020603050405020304" pitchFamily="18" charset="0"/>
-                <a:cs typeface="Times New Roman" panose="02020603050405020304" pitchFamily="18" charset="0"/>
-              </a:rPr>
-              <a:t>Mini-Projet 4</a:t>
-            </a:r>
-          </a:p>
-        </p:txBody>
-      </p:sp>
-      <p:sp>
-        <p:nvSpPr>
-          <p:cNvPr id="7" name="ZoneTexte 6">
-            <a:extLst>
-              <a:ext uri="{FF2B5EF4-FFF2-40B4-BE49-F238E27FC236}">
-                <a16:creationId xmlns:a16="http://schemas.microsoft.com/office/drawing/2014/main" id="{990321CC-02EF-ED64-0AA9-789ED60F60B1}"/>
-              </a:ext>
-            </a:extLst>
-          </p:cNvPr>
-          <p:cNvSpPr txBox="1"/>
-          <p:nvPr/>
-        </p:nvSpPr>
-        <p:spPr>
-          <a:xfrm>
-            <a:off x="397564" y="1090885"/>
-            <a:ext cx="11088982" cy="400110"/>
-          </a:xfrm>
-          <a:prstGeom prst="rect">
-            <a:avLst/>
-          </a:prstGeom>
-          <a:noFill/>
-        </p:spPr>
-        <p:txBody>
-          <a:bodyPr wrap="square" rtlCol="0">
-            <a:spAutoFit/>
-          </a:bodyPr>
-          <a:lstStyle>
-            <a:defPPr>
-              <a:defRPr lang="en-US"/>
-            </a:defPPr>
-            <a:lvl1pPr>
-              <a:defRPr sz="2000"/>
-            </a:lvl1pPr>
-          </a:lstStyle>
-          <a:p>
-            <a:r>
-              <a:rPr lang="fr-FR" dirty="0">
-                <a:latin typeface="Times New Roman" panose="02020603050405020304" pitchFamily="18" charset="0"/>
-                <a:cs typeface="Times New Roman" panose="02020603050405020304" pitchFamily="18" charset="0"/>
-              </a:rPr>
-              <a:t>Chiffre </a:t>
-            </a:r>
-            <a:r>
-              <a:rPr lang="fr-FR" dirty="0" err="1">
-                <a:latin typeface="Times New Roman" panose="02020603050405020304" pitchFamily="18" charset="0"/>
-                <a:cs typeface="Times New Roman" panose="02020603050405020304" pitchFamily="18" charset="0"/>
-              </a:rPr>
-              <a:t>vigénère</a:t>
-            </a:r>
-            <a:endParaRPr lang="fr-FR" dirty="0">
-              <a:latin typeface="Times New Roman" panose="02020603050405020304" pitchFamily="18" charset="0"/>
-              <a:cs typeface="Times New Roman" panose="02020603050405020304" pitchFamily="18" charset="0"/>
-            </a:endParaRPr>
-          </a:p>
-        </p:txBody>
-      </p:sp>
-    </p:spTree>
-    <p:extLst>
-      <p:ext uri="{BB962C8B-B14F-4D97-AF65-F5344CB8AC3E}">
-        <p14:creationId xmlns:p14="http://schemas.microsoft.com/office/powerpoint/2010/main" val="2204220729"/>
-      </p:ext>
-    </p:extLst>
-  </p:cSld>
-  <p:clrMapOvr>
-    <a:masterClrMapping/>
-  </p:clrMapOvr>
-</p:sld>
-</file>
-
 <file path=ppt/slides/slide23.xml><?xml version="1.0" encoding="utf-8"?>
 <p:sld xmlns:a="http://schemas.openxmlformats.org/drawingml/2006/main" xmlns:r="http://schemas.openxmlformats.org/officeDocument/2006/relationships" xmlns:p="http://schemas.openxmlformats.org/presentationml/2006/main">
   <p:cSld>
@@ -9636,6 +9780,702 @@
       </p:cxnSp>
       <p:sp>
         <p:nvSpPr>
+          <p:cNvPr id="7" name="ZoneTexte 6">
+            <a:extLst>
+              <a:ext uri="{FF2B5EF4-FFF2-40B4-BE49-F238E27FC236}">
+                <a16:creationId xmlns:a16="http://schemas.microsoft.com/office/drawing/2014/main" id="{990321CC-02EF-ED64-0AA9-789ED60F60B1}"/>
+              </a:ext>
+            </a:extLst>
+          </p:cNvPr>
+          <p:cNvSpPr txBox="1"/>
+          <p:nvPr/>
+        </p:nvSpPr>
+        <p:spPr>
+          <a:xfrm>
+            <a:off x="397564" y="840602"/>
+            <a:ext cx="11088982" cy="1323439"/>
+          </a:xfrm>
+          <a:prstGeom prst="rect">
+            <a:avLst/>
+          </a:prstGeom>
+          <a:noFill/>
+        </p:spPr>
+        <p:txBody>
+          <a:bodyPr wrap="square" rtlCol="0">
+            <a:spAutoFit/>
+          </a:bodyPr>
+          <a:lstStyle>
+            <a:defPPr>
+              <a:defRPr lang="en-US"/>
+            </a:defPPr>
+            <a:lvl1pPr>
+              <a:defRPr sz="2000"/>
+            </a:lvl1pPr>
+          </a:lstStyle>
+          <a:p>
+            <a:r>
+              <a:rPr lang="fr-FR" dirty="0">
+                <a:latin typeface="Times New Roman" panose="02020603050405020304" pitchFamily="18" charset="0"/>
+                <a:cs typeface="Times New Roman" panose="02020603050405020304" pitchFamily="18" charset="0"/>
+              </a:rPr>
+              <a:t>L’objectif est d’utiliser les connaissances apprises sur les listes pour écrire un programme Python qui permettra de déchiffrer/chiffrer un message fourni par un utilisateur avec une clé donnée.</a:t>
+            </a:r>
+          </a:p>
+          <a:p>
+            <a:r>
+              <a:rPr lang="fr-FR" dirty="0">
+                <a:latin typeface="Times New Roman" panose="02020603050405020304" pitchFamily="18" charset="0"/>
+                <a:cs typeface="Times New Roman" panose="02020603050405020304" pitchFamily="18" charset="0"/>
+              </a:rPr>
+              <a:t>Le programme doit pouvoir chiffrer et déchiffrer des messages contenant des lettres majuscules et minuscules ainsi que des nombres.</a:t>
+            </a:r>
+          </a:p>
+        </p:txBody>
+      </p:sp>
+      <p:sp>
+        <p:nvSpPr>
+          <p:cNvPr id="8" name="ZoneTexte 7">
+            <a:extLst>
+              <a:ext uri="{FF2B5EF4-FFF2-40B4-BE49-F238E27FC236}">
+                <a16:creationId xmlns:a16="http://schemas.microsoft.com/office/drawing/2014/main" id="{BEECF3A8-73CE-9EC0-B923-08D73787138E}"/>
+              </a:ext>
+            </a:extLst>
+          </p:cNvPr>
+          <p:cNvSpPr txBox="1"/>
+          <p:nvPr/>
+        </p:nvSpPr>
+        <p:spPr>
+          <a:xfrm>
+            <a:off x="397564" y="3139670"/>
+            <a:ext cx="11088982" cy="400110"/>
+          </a:xfrm>
+          <a:prstGeom prst="rect">
+            <a:avLst/>
+          </a:prstGeom>
+          <a:noFill/>
+        </p:spPr>
+        <p:txBody>
+          <a:bodyPr wrap="square" rtlCol="0">
+            <a:spAutoFit/>
+          </a:bodyPr>
+          <a:lstStyle>
+            <a:defPPr>
+              <a:defRPr lang="en-US"/>
+            </a:defPPr>
+            <a:lvl1pPr>
+              <a:defRPr sz="2000"/>
+            </a:lvl1pPr>
+          </a:lstStyle>
+          <a:p>
+            <a:r>
+              <a:rPr lang="fr-FR" dirty="0">
+                <a:latin typeface="Times New Roman" panose="02020603050405020304" pitchFamily="18" charset="0"/>
+                <a:cs typeface="Times New Roman" panose="02020603050405020304" pitchFamily="18" charset="0"/>
+              </a:rPr>
+              <a:t>Ecrire </a:t>
+            </a:r>
+            <a:r>
+              <a:rPr lang="fr-FR">
+                <a:latin typeface="Times New Roman" panose="02020603050405020304" pitchFamily="18" charset="0"/>
+                <a:cs typeface="Times New Roman" panose="02020603050405020304" pitchFamily="18" charset="0"/>
+              </a:rPr>
+              <a:t>le fichier </a:t>
+            </a:r>
+            <a:r>
+              <a:rPr lang="fr-FR" dirty="0">
+                <a:latin typeface="Times New Roman" panose="02020603050405020304" pitchFamily="18" charset="0"/>
+                <a:cs typeface="Times New Roman" panose="02020603050405020304" pitchFamily="18" charset="0"/>
+              </a:rPr>
+              <a:t>Algorithme et ensuite le programme en Python.</a:t>
+            </a:r>
+          </a:p>
+        </p:txBody>
+      </p:sp>
+      <p:sp>
+        <p:nvSpPr>
+          <p:cNvPr id="10" name="ZoneTexte 9">
+            <a:extLst>
+              <a:ext uri="{FF2B5EF4-FFF2-40B4-BE49-F238E27FC236}">
+                <a16:creationId xmlns:a16="http://schemas.microsoft.com/office/drawing/2014/main" id="{24D98DAF-178C-EE92-6768-D47D152A08B6}"/>
+              </a:ext>
+            </a:extLst>
+          </p:cNvPr>
+          <p:cNvSpPr txBox="1"/>
+          <p:nvPr/>
+        </p:nvSpPr>
+        <p:spPr>
+          <a:xfrm>
+            <a:off x="419649" y="2097515"/>
+            <a:ext cx="11088982" cy="1015663"/>
+          </a:xfrm>
+          <a:prstGeom prst="rect">
+            <a:avLst/>
+          </a:prstGeom>
+          <a:noFill/>
+        </p:spPr>
+        <p:txBody>
+          <a:bodyPr wrap="square" rtlCol="0">
+            <a:spAutoFit/>
+          </a:bodyPr>
+          <a:lstStyle>
+            <a:defPPr>
+              <a:defRPr lang="en-US"/>
+            </a:defPPr>
+            <a:lvl1pPr>
+              <a:defRPr sz="2000"/>
+            </a:lvl1pPr>
+          </a:lstStyle>
+          <a:p>
+            <a:r>
+              <a:rPr lang="fr-FR" dirty="0">
+                <a:latin typeface="Times New Roman" panose="02020603050405020304" pitchFamily="18" charset="0"/>
+                <a:cs typeface="Times New Roman" panose="02020603050405020304" pitchFamily="18" charset="0"/>
+              </a:rPr>
+              <a:t>Lorsque le programme démarre, l’utilisateur doit choisir quel type d’opération il veut réaliser (chiffrement ou déchiffrement). Ensuite il doit saisir le texte qu’il veut chiffrer et la clé.</a:t>
+            </a:r>
+          </a:p>
+          <a:p>
+            <a:r>
+              <a:rPr lang="fr-FR" dirty="0">
+                <a:latin typeface="Times New Roman" panose="02020603050405020304" pitchFamily="18" charset="0"/>
+                <a:cs typeface="Times New Roman" panose="02020603050405020304" pitchFamily="18" charset="0"/>
+              </a:rPr>
+              <a:t>Le programme doit afficher le résultat de l’opération.</a:t>
+            </a:r>
+          </a:p>
+        </p:txBody>
+      </p:sp>
+      <p:sp>
+        <p:nvSpPr>
+          <p:cNvPr id="12" name="ZoneTexte 11">
+            <a:extLst>
+              <a:ext uri="{FF2B5EF4-FFF2-40B4-BE49-F238E27FC236}">
+                <a16:creationId xmlns:a16="http://schemas.microsoft.com/office/drawing/2014/main" id="{19CB152B-9880-A07F-BB5E-1B89D0E262F0}"/>
+              </a:ext>
+            </a:extLst>
+          </p:cNvPr>
+          <p:cNvSpPr txBox="1"/>
+          <p:nvPr/>
+        </p:nvSpPr>
+        <p:spPr>
+          <a:xfrm>
+            <a:off x="419649" y="3560027"/>
+            <a:ext cx="11088982" cy="400110"/>
+          </a:xfrm>
+          <a:prstGeom prst="rect">
+            <a:avLst/>
+          </a:prstGeom>
+          <a:noFill/>
+        </p:spPr>
+        <p:txBody>
+          <a:bodyPr wrap="square" rtlCol="0">
+            <a:spAutoFit/>
+          </a:bodyPr>
+          <a:lstStyle>
+            <a:defPPr>
+              <a:defRPr lang="en-US"/>
+            </a:defPPr>
+            <a:lvl1pPr>
+              <a:defRPr sz="2000"/>
+            </a:lvl1pPr>
+          </a:lstStyle>
+          <a:p>
+            <a:r>
+              <a:rPr lang="fr-FR" dirty="0">
+                <a:latin typeface="Times New Roman" panose="02020603050405020304" pitchFamily="18" charset="0"/>
+                <a:cs typeface="Times New Roman" panose="02020603050405020304" pitchFamily="18" charset="0"/>
+              </a:rPr>
+              <a:t>Ci-dessous un exemple d’exécution (votre version peut être différente):</a:t>
+            </a:r>
+          </a:p>
+        </p:txBody>
+      </p:sp>
+      <p:pic>
+        <p:nvPicPr>
+          <p:cNvPr id="14" name="Image 13">
+            <a:extLst>
+              <a:ext uri="{FF2B5EF4-FFF2-40B4-BE49-F238E27FC236}">
+                <a16:creationId xmlns:a16="http://schemas.microsoft.com/office/drawing/2014/main" id="{BED949AF-1F38-1FCE-BFDB-F258BCE9ADBC}"/>
+              </a:ext>
+            </a:extLst>
+          </p:cNvPr>
+          <p:cNvPicPr>
+            <a:picLocks noChangeAspect="1"/>
+          </p:cNvPicPr>
+          <p:nvPr/>
+        </p:nvPicPr>
+        <p:blipFill>
+          <a:blip r:embed="rId2"/>
+          <a:stretch>
+            <a:fillRect/>
+          </a:stretch>
+        </p:blipFill>
+        <p:spPr>
+          <a:xfrm>
+            <a:off x="727269" y="4065417"/>
+            <a:ext cx="3899052" cy="2170791"/>
+          </a:xfrm>
+          <a:prstGeom prst="rect">
+            <a:avLst/>
+          </a:prstGeom>
+        </p:spPr>
+      </p:pic>
+      <p:pic>
+        <p:nvPicPr>
+          <p:cNvPr id="16" name="Image 15">
+            <a:extLst>
+              <a:ext uri="{FF2B5EF4-FFF2-40B4-BE49-F238E27FC236}">
+                <a16:creationId xmlns:a16="http://schemas.microsoft.com/office/drawing/2014/main" id="{512CC83F-89E7-E85A-C945-D7CA300770B6}"/>
+              </a:ext>
+            </a:extLst>
+          </p:cNvPr>
+          <p:cNvPicPr>
+            <a:picLocks noChangeAspect="1"/>
+          </p:cNvPicPr>
+          <p:nvPr/>
+        </p:nvPicPr>
+        <p:blipFill>
+          <a:blip r:embed="rId3"/>
+          <a:stretch>
+            <a:fillRect/>
+          </a:stretch>
+        </p:blipFill>
+        <p:spPr>
+          <a:xfrm>
+            <a:off x="5195512" y="4071969"/>
+            <a:ext cx="3635880" cy="2157686"/>
+          </a:xfrm>
+          <a:prstGeom prst="rect">
+            <a:avLst/>
+          </a:prstGeom>
+        </p:spPr>
+      </p:pic>
+    </p:spTree>
+    <p:extLst>
+      <p:ext uri="{BB962C8B-B14F-4D97-AF65-F5344CB8AC3E}">
+        <p14:creationId xmlns:p14="http://schemas.microsoft.com/office/powerpoint/2010/main" val="1993176343"/>
+      </p:ext>
+    </p:extLst>
+  </p:cSld>
+  <p:clrMapOvr>
+    <a:masterClrMapping/>
+  </p:clrMapOvr>
+</p:sld>
+</file>
+
+<file path=ppt/slides/slide24.xml><?xml version="1.0" encoding="utf-8"?>
+<p:sld xmlns:a="http://schemas.openxmlformats.org/drawingml/2006/main" xmlns:r="http://schemas.openxmlformats.org/officeDocument/2006/relationships" xmlns:p="http://schemas.openxmlformats.org/presentationml/2006/main">
+  <p:cSld>
+    <p:spTree>
+      <p:nvGrpSpPr>
+        <p:cNvPr id="1" name=""/>
+        <p:cNvGrpSpPr/>
+        <p:nvPr/>
+      </p:nvGrpSpPr>
+      <p:grpSpPr>
+        <a:xfrm>
+          <a:off x="0" y="0"/>
+          <a:ext cx="0" cy="0"/>
+          <a:chOff x="0" y="0"/>
+          <a:chExt cx="0" cy="0"/>
+        </a:xfrm>
+      </p:grpSpPr>
+      <p:sp>
+        <p:nvSpPr>
+          <p:cNvPr id="4" name="Espace réservé du pied de page 3">
+            <a:extLst>
+              <a:ext uri="{FF2B5EF4-FFF2-40B4-BE49-F238E27FC236}">
+                <a16:creationId xmlns:a16="http://schemas.microsoft.com/office/drawing/2014/main" id="{8FEEC940-4BFF-956C-713A-1CE73C436B6F}"/>
+              </a:ext>
+            </a:extLst>
+          </p:cNvPr>
+          <p:cNvSpPr>
+            <a:spLocks noGrp="1"/>
+          </p:cNvSpPr>
+          <p:nvPr>
+            <p:ph type="ftr" sz="quarter" idx="11"/>
+          </p:nvPr>
+        </p:nvSpPr>
+        <p:spPr/>
+        <p:txBody>
+          <a:bodyPr/>
+          <a:lstStyle/>
+          <a:p>
+            <a:r>
+              <a:rPr lang="fr-FR"/>
+              <a:t>Cours: Python | Auteur: TUO N. Ismaël Maurice 
+</a:t>
+            </a:r>
+          </a:p>
+        </p:txBody>
+      </p:sp>
+      <p:sp>
+        <p:nvSpPr>
+          <p:cNvPr id="5" name="Espace réservé du numéro de diapositive 4">
+            <a:extLst>
+              <a:ext uri="{FF2B5EF4-FFF2-40B4-BE49-F238E27FC236}">
+                <a16:creationId xmlns:a16="http://schemas.microsoft.com/office/drawing/2014/main" id="{CE50FB16-F89F-D7CA-C6AA-CFC075094990}"/>
+              </a:ext>
+            </a:extLst>
+          </p:cNvPr>
+          <p:cNvSpPr>
+            <a:spLocks noGrp="1"/>
+          </p:cNvSpPr>
+          <p:nvPr>
+            <p:ph type="sldNum" sz="quarter" idx="12"/>
+          </p:nvPr>
+        </p:nvSpPr>
+        <p:spPr/>
+        <p:txBody>
+          <a:bodyPr/>
+          <a:lstStyle/>
+          <a:p>
+            <a:fld id="{B8C3BB88-DD29-4D42-B62E-D7D541DB4348}" type="slidenum">
+              <a:rPr lang="fr-FR" smtClean="0"/>
+              <a:t>24</a:t>
+            </a:fld>
+            <a:endParaRPr lang="fr-FR"/>
+          </a:p>
+        </p:txBody>
+      </p:sp>
+      <p:sp>
+        <p:nvSpPr>
+          <p:cNvPr id="6" name="ZoneTexte 5">
+            <a:extLst>
+              <a:ext uri="{FF2B5EF4-FFF2-40B4-BE49-F238E27FC236}">
+                <a16:creationId xmlns:a16="http://schemas.microsoft.com/office/drawing/2014/main" id="{84F10693-2FE8-EFC8-8DB6-84BFD181D260}"/>
+              </a:ext>
+            </a:extLst>
+          </p:cNvPr>
+          <p:cNvSpPr txBox="1"/>
+          <p:nvPr/>
+        </p:nvSpPr>
+        <p:spPr>
+          <a:xfrm>
+            <a:off x="397564" y="218526"/>
+            <a:ext cx="5795005" cy="461665"/>
+          </a:xfrm>
+          <a:prstGeom prst="rect">
+            <a:avLst/>
+          </a:prstGeom>
+          <a:noFill/>
+        </p:spPr>
+        <p:txBody>
+          <a:bodyPr wrap="square" rtlCol="0">
+            <a:spAutoFit/>
+          </a:bodyPr>
+          <a:lstStyle/>
+          <a:p>
+            <a:r>
+              <a:rPr lang="fr-FR" sz="2400" b="1" dirty="0">
+                <a:latin typeface="Times New Roman" panose="02020603050405020304" pitchFamily="18" charset="0"/>
+                <a:cs typeface="Times New Roman" panose="02020603050405020304" pitchFamily="18" charset="0"/>
+              </a:rPr>
+              <a:t>Exercices</a:t>
+            </a:r>
+          </a:p>
+        </p:txBody>
+      </p:sp>
+      <p:cxnSp>
+        <p:nvCxnSpPr>
+          <p:cNvPr id="3" name="Connecteur droit 2">
+            <a:extLst>
+              <a:ext uri="{FF2B5EF4-FFF2-40B4-BE49-F238E27FC236}">
+                <a16:creationId xmlns:a16="http://schemas.microsoft.com/office/drawing/2014/main" id="{6AC8021D-4898-08B9-18A0-60AC71EF613E}"/>
+              </a:ext>
+            </a:extLst>
+          </p:cNvPr>
+          <p:cNvCxnSpPr>
+            <a:cxnSpLocks/>
+          </p:cNvCxnSpPr>
+          <p:nvPr/>
+        </p:nvCxnSpPr>
+        <p:spPr>
+          <a:xfrm>
+            <a:off x="500932" y="680191"/>
+            <a:ext cx="11178450" cy="0"/>
+          </a:xfrm>
+          <a:prstGeom prst="line">
+            <a:avLst/>
+          </a:prstGeom>
+          <a:ln/>
+        </p:spPr>
+        <p:style>
+          <a:lnRef idx="3">
+            <a:schemeClr val="accent3"/>
+          </a:lnRef>
+          <a:fillRef idx="0">
+            <a:schemeClr val="accent3"/>
+          </a:fillRef>
+          <a:effectRef idx="2">
+            <a:schemeClr val="accent3"/>
+          </a:effectRef>
+          <a:fontRef idx="minor">
+            <a:schemeClr val="tx1"/>
+          </a:fontRef>
+        </p:style>
+      </p:cxnSp>
+      <p:sp>
+        <p:nvSpPr>
+          <p:cNvPr id="2" name="ZoneTexte 1">
+            <a:extLst>
+              <a:ext uri="{FF2B5EF4-FFF2-40B4-BE49-F238E27FC236}">
+                <a16:creationId xmlns:a16="http://schemas.microsoft.com/office/drawing/2014/main" id="{598CC1F4-92B5-97D6-5630-8A3701211AA4}"/>
+              </a:ext>
+            </a:extLst>
+          </p:cNvPr>
+          <p:cNvSpPr txBox="1"/>
+          <p:nvPr/>
+        </p:nvSpPr>
+        <p:spPr>
+          <a:xfrm>
+            <a:off x="397564" y="711780"/>
+            <a:ext cx="11569148" cy="400110"/>
+          </a:xfrm>
+          <a:prstGeom prst="rect">
+            <a:avLst/>
+          </a:prstGeom>
+          <a:noFill/>
+        </p:spPr>
+        <p:txBody>
+          <a:bodyPr wrap="square" rtlCol="0">
+            <a:spAutoFit/>
+          </a:bodyPr>
+          <a:lstStyle/>
+          <a:p>
+            <a:r>
+              <a:rPr lang="fr-FR" sz="2000" b="1" u="sng" dirty="0">
+                <a:latin typeface="Times New Roman" panose="02020603050405020304" pitchFamily="18" charset="0"/>
+                <a:cs typeface="Times New Roman" panose="02020603050405020304" pitchFamily="18" charset="0"/>
+              </a:rPr>
+              <a:t>Mini-Projet 4</a:t>
+            </a:r>
+          </a:p>
+        </p:txBody>
+      </p:sp>
+      <p:sp>
+        <p:nvSpPr>
+          <p:cNvPr id="7" name="ZoneTexte 6">
+            <a:extLst>
+              <a:ext uri="{FF2B5EF4-FFF2-40B4-BE49-F238E27FC236}">
+                <a16:creationId xmlns:a16="http://schemas.microsoft.com/office/drawing/2014/main" id="{990321CC-02EF-ED64-0AA9-789ED60F60B1}"/>
+              </a:ext>
+            </a:extLst>
+          </p:cNvPr>
+          <p:cNvSpPr txBox="1"/>
+          <p:nvPr/>
+        </p:nvSpPr>
+        <p:spPr>
+          <a:xfrm>
+            <a:off x="397564" y="1090885"/>
+            <a:ext cx="11088982" cy="400110"/>
+          </a:xfrm>
+          <a:prstGeom prst="rect">
+            <a:avLst/>
+          </a:prstGeom>
+          <a:noFill/>
+        </p:spPr>
+        <p:txBody>
+          <a:bodyPr wrap="square" rtlCol="0">
+            <a:spAutoFit/>
+          </a:bodyPr>
+          <a:lstStyle>
+            <a:defPPr>
+              <a:defRPr lang="en-US"/>
+            </a:defPPr>
+            <a:lvl1pPr>
+              <a:defRPr sz="2000"/>
+            </a:lvl1pPr>
+          </a:lstStyle>
+          <a:p>
+            <a:r>
+              <a:rPr lang="fr-FR" dirty="0">
+                <a:latin typeface="Times New Roman" panose="02020603050405020304" pitchFamily="18" charset="0"/>
+                <a:cs typeface="Times New Roman" panose="02020603050405020304" pitchFamily="18" charset="0"/>
+              </a:rPr>
+              <a:t>Chiffre </a:t>
+            </a:r>
+            <a:r>
+              <a:rPr lang="fr-FR" dirty="0" err="1">
+                <a:latin typeface="Times New Roman" panose="02020603050405020304" pitchFamily="18" charset="0"/>
+                <a:cs typeface="Times New Roman" panose="02020603050405020304" pitchFamily="18" charset="0"/>
+              </a:rPr>
+              <a:t>vigénère</a:t>
+            </a:r>
+            <a:endParaRPr lang="fr-FR" dirty="0">
+              <a:latin typeface="Times New Roman" panose="02020603050405020304" pitchFamily="18" charset="0"/>
+              <a:cs typeface="Times New Roman" panose="02020603050405020304" pitchFamily="18" charset="0"/>
+            </a:endParaRPr>
+          </a:p>
+        </p:txBody>
+      </p:sp>
+    </p:spTree>
+    <p:extLst>
+      <p:ext uri="{BB962C8B-B14F-4D97-AF65-F5344CB8AC3E}">
+        <p14:creationId xmlns:p14="http://schemas.microsoft.com/office/powerpoint/2010/main" val="2204220729"/>
+      </p:ext>
+    </p:extLst>
+  </p:cSld>
+  <p:clrMapOvr>
+    <a:masterClrMapping/>
+  </p:clrMapOvr>
+</p:sld>
+</file>
+
+<file path=ppt/slides/slide25.xml><?xml version="1.0" encoding="utf-8"?>
+<p:sld xmlns:a="http://schemas.openxmlformats.org/drawingml/2006/main" xmlns:r="http://schemas.openxmlformats.org/officeDocument/2006/relationships" xmlns:p="http://schemas.openxmlformats.org/presentationml/2006/main">
+  <p:cSld>
+    <p:spTree>
+      <p:nvGrpSpPr>
+        <p:cNvPr id="1" name=""/>
+        <p:cNvGrpSpPr/>
+        <p:nvPr/>
+      </p:nvGrpSpPr>
+      <p:grpSpPr>
+        <a:xfrm>
+          <a:off x="0" y="0"/>
+          <a:ext cx="0" cy="0"/>
+          <a:chOff x="0" y="0"/>
+          <a:chExt cx="0" cy="0"/>
+        </a:xfrm>
+      </p:grpSpPr>
+      <p:sp>
+        <p:nvSpPr>
+          <p:cNvPr id="4" name="Espace réservé du pied de page 3">
+            <a:extLst>
+              <a:ext uri="{FF2B5EF4-FFF2-40B4-BE49-F238E27FC236}">
+                <a16:creationId xmlns:a16="http://schemas.microsoft.com/office/drawing/2014/main" id="{8FEEC940-4BFF-956C-713A-1CE73C436B6F}"/>
+              </a:ext>
+            </a:extLst>
+          </p:cNvPr>
+          <p:cNvSpPr>
+            <a:spLocks noGrp="1"/>
+          </p:cNvSpPr>
+          <p:nvPr>
+            <p:ph type="ftr" sz="quarter" idx="11"/>
+          </p:nvPr>
+        </p:nvSpPr>
+        <p:spPr/>
+        <p:txBody>
+          <a:bodyPr/>
+          <a:lstStyle/>
+          <a:p>
+            <a:r>
+              <a:rPr lang="fr-FR"/>
+              <a:t>Cours: Python | Auteur: TUO N. Ismaël Maurice 
+</a:t>
+            </a:r>
+          </a:p>
+        </p:txBody>
+      </p:sp>
+      <p:sp>
+        <p:nvSpPr>
+          <p:cNvPr id="5" name="Espace réservé du numéro de diapositive 4">
+            <a:extLst>
+              <a:ext uri="{FF2B5EF4-FFF2-40B4-BE49-F238E27FC236}">
+                <a16:creationId xmlns:a16="http://schemas.microsoft.com/office/drawing/2014/main" id="{CE50FB16-F89F-D7CA-C6AA-CFC075094990}"/>
+              </a:ext>
+            </a:extLst>
+          </p:cNvPr>
+          <p:cNvSpPr>
+            <a:spLocks noGrp="1"/>
+          </p:cNvSpPr>
+          <p:nvPr>
+            <p:ph type="sldNum" sz="quarter" idx="12"/>
+          </p:nvPr>
+        </p:nvSpPr>
+        <p:spPr/>
+        <p:txBody>
+          <a:bodyPr/>
+          <a:lstStyle/>
+          <a:p>
+            <a:fld id="{B8C3BB88-DD29-4D42-B62E-D7D541DB4348}" type="slidenum">
+              <a:rPr lang="fr-FR" smtClean="0"/>
+              <a:t>25</a:t>
+            </a:fld>
+            <a:endParaRPr lang="fr-FR"/>
+          </a:p>
+        </p:txBody>
+      </p:sp>
+      <p:sp>
+        <p:nvSpPr>
+          <p:cNvPr id="6" name="ZoneTexte 5">
+            <a:extLst>
+              <a:ext uri="{FF2B5EF4-FFF2-40B4-BE49-F238E27FC236}">
+                <a16:creationId xmlns:a16="http://schemas.microsoft.com/office/drawing/2014/main" id="{84F10693-2FE8-EFC8-8DB6-84BFD181D260}"/>
+              </a:ext>
+            </a:extLst>
+          </p:cNvPr>
+          <p:cNvSpPr txBox="1"/>
+          <p:nvPr/>
+        </p:nvSpPr>
+        <p:spPr>
+          <a:xfrm>
+            <a:off x="397564" y="218526"/>
+            <a:ext cx="5795005" cy="461665"/>
+          </a:xfrm>
+          <a:prstGeom prst="rect">
+            <a:avLst/>
+          </a:prstGeom>
+          <a:noFill/>
+        </p:spPr>
+        <p:txBody>
+          <a:bodyPr wrap="square" rtlCol="0">
+            <a:spAutoFit/>
+          </a:bodyPr>
+          <a:lstStyle/>
+          <a:p>
+            <a:r>
+              <a:rPr lang="fr-FR" sz="2400" b="1" dirty="0">
+                <a:latin typeface="Times New Roman" panose="02020603050405020304" pitchFamily="18" charset="0"/>
+                <a:cs typeface="Times New Roman" panose="02020603050405020304" pitchFamily="18" charset="0"/>
+              </a:rPr>
+              <a:t>Exercices</a:t>
+            </a:r>
+          </a:p>
+        </p:txBody>
+      </p:sp>
+      <p:cxnSp>
+        <p:nvCxnSpPr>
+          <p:cNvPr id="3" name="Connecteur droit 2">
+            <a:extLst>
+              <a:ext uri="{FF2B5EF4-FFF2-40B4-BE49-F238E27FC236}">
+                <a16:creationId xmlns:a16="http://schemas.microsoft.com/office/drawing/2014/main" id="{6AC8021D-4898-08B9-18A0-60AC71EF613E}"/>
+              </a:ext>
+            </a:extLst>
+          </p:cNvPr>
+          <p:cNvCxnSpPr>
+            <a:cxnSpLocks/>
+          </p:cNvCxnSpPr>
+          <p:nvPr/>
+        </p:nvCxnSpPr>
+        <p:spPr>
+          <a:xfrm>
+            <a:off x="500932" y="680191"/>
+            <a:ext cx="11178450" cy="0"/>
+          </a:xfrm>
+          <a:prstGeom prst="line">
+            <a:avLst/>
+          </a:prstGeom>
+          <a:ln/>
+        </p:spPr>
+        <p:style>
+          <a:lnRef idx="3">
+            <a:schemeClr val="accent3"/>
+          </a:lnRef>
+          <a:fillRef idx="0">
+            <a:schemeClr val="accent3"/>
+          </a:fillRef>
+          <a:effectRef idx="2">
+            <a:schemeClr val="accent3"/>
+          </a:effectRef>
+          <a:fontRef idx="minor">
+            <a:schemeClr val="tx1"/>
+          </a:fontRef>
+        </p:style>
+      </p:cxnSp>
+      <p:sp>
+        <p:nvSpPr>
           <p:cNvPr id="2" name="ZoneTexte 1">
             <a:extLst>
               <a:ext uri="{FF2B5EF4-FFF2-40B4-BE49-F238E27FC236}">
@@ -9744,7 +10584,7 @@
 </p:sld>
 </file>
 
-<file path=ppt/slides/slide24.xml><?xml version="1.0" encoding="utf-8"?>
+<file path=ppt/slides/slide26.xml><?xml version="1.0" encoding="utf-8"?>
 <p:sld xmlns:a="http://schemas.openxmlformats.org/drawingml/2006/main" xmlns:r="http://schemas.openxmlformats.org/officeDocument/2006/relationships" xmlns:p="http://schemas.openxmlformats.org/presentationml/2006/main">
   <p:cSld>
     <p:spTree>
@@ -10078,8 +10918,8 @@
         </p:nvSpPr>
         <p:spPr>
           <a:xfrm>
-            <a:off x="500932" y="941801"/>
-            <a:ext cx="11441731" cy="400110"/>
+            <a:off x="473063" y="736306"/>
+            <a:ext cx="11441731" cy="707886"/>
           </a:xfrm>
           <a:prstGeom prst="rect">
             <a:avLst/>
@@ -10097,7 +10937,617 @@
                 <a:latin typeface="Times New Roman" panose="02020603050405020304" pitchFamily="18" charset="0"/>
                 <a:cs typeface="Times New Roman" panose="02020603050405020304" pitchFamily="18" charset="0"/>
               </a:rPr>
-              <a:t>Page 83</a:t>
+              <a:t>Les listes sont des séquences, ce sont des objets spéciaux capable de contenir d’autre type de valeurs de n’importe quel type.</a:t>
+            </a:r>
+          </a:p>
+        </p:txBody>
+      </p:sp>
+      <p:sp>
+        <p:nvSpPr>
+          <p:cNvPr id="2" name="ZoneTexte 1">
+            <a:extLst>
+              <a:ext uri="{FF2B5EF4-FFF2-40B4-BE49-F238E27FC236}">
+                <a16:creationId xmlns:a16="http://schemas.microsoft.com/office/drawing/2014/main" id="{798A378F-2AFC-D890-9CB4-B1B817762955}"/>
+              </a:ext>
+            </a:extLst>
+          </p:cNvPr>
+          <p:cNvSpPr txBox="1"/>
+          <p:nvPr/>
+        </p:nvSpPr>
+        <p:spPr>
+          <a:xfrm>
+            <a:off x="473063" y="1417242"/>
+            <a:ext cx="11441731" cy="707886"/>
+          </a:xfrm>
+          <a:prstGeom prst="rect">
+            <a:avLst/>
+          </a:prstGeom>
+          <a:noFill/>
+        </p:spPr>
+        <p:txBody>
+          <a:bodyPr wrap="square" rtlCol="0">
+            <a:spAutoFit/>
+          </a:bodyPr>
+          <a:lstStyle/>
+          <a:p>
+            <a:r>
+              <a:rPr lang="fr-FR" sz="2000" dirty="0">
+                <a:latin typeface="Times New Roman" panose="02020603050405020304" pitchFamily="18" charset="0"/>
+                <a:cs typeface="Times New Roman" panose="02020603050405020304" pitchFamily="18" charset="0"/>
+              </a:rPr>
+              <a:t>Contrairement aux variables simples qui ne peuvent contenir qu’une seule valeur, les listes peuvent contenir plusieurs valeurs.</a:t>
+            </a:r>
+          </a:p>
+        </p:txBody>
+      </p:sp>
+      <p:grpSp>
+        <p:nvGrpSpPr>
+          <p:cNvPr id="15" name="Groupe 14">
+            <a:extLst>
+              <a:ext uri="{FF2B5EF4-FFF2-40B4-BE49-F238E27FC236}">
+                <a16:creationId xmlns:a16="http://schemas.microsoft.com/office/drawing/2014/main" id="{D3E1CC7B-1965-884C-52E8-C7B951998046}"/>
+              </a:ext>
+            </a:extLst>
+          </p:cNvPr>
+          <p:cNvGrpSpPr/>
+          <p:nvPr/>
+        </p:nvGrpSpPr>
+        <p:grpSpPr>
+          <a:xfrm>
+            <a:off x="459461" y="2184008"/>
+            <a:ext cx="5066142" cy="1077662"/>
+            <a:chOff x="619434" y="2485018"/>
+            <a:chExt cx="5066142" cy="1077662"/>
+          </a:xfrm>
+        </p:grpSpPr>
+        <p:sp>
+          <p:nvSpPr>
+            <p:cNvPr id="8" name="Rectangle 7">
+              <a:extLst>
+                <a:ext uri="{FF2B5EF4-FFF2-40B4-BE49-F238E27FC236}">
+                  <a16:creationId xmlns:a16="http://schemas.microsoft.com/office/drawing/2014/main" id="{CE25D0B8-0202-5696-1711-6B98D4E6B672}"/>
+                </a:ext>
+              </a:extLst>
+            </p:cNvPr>
+            <p:cNvSpPr/>
+            <p:nvPr/>
+          </p:nvSpPr>
+          <p:spPr>
+            <a:xfrm>
+              <a:off x="697116" y="2806575"/>
+              <a:ext cx="4988460" cy="756105"/>
+            </a:xfrm>
+            <a:prstGeom prst="rect">
+              <a:avLst/>
+            </a:prstGeom>
+          </p:spPr>
+          <p:style>
+            <a:lnRef idx="2">
+              <a:schemeClr val="accent1">
+                <a:shade val="15000"/>
+              </a:schemeClr>
+            </a:lnRef>
+            <a:fillRef idx="1">
+              <a:schemeClr val="accent1"/>
+            </a:fillRef>
+            <a:effectRef idx="0">
+              <a:schemeClr val="accent1"/>
+            </a:effectRef>
+            <a:fontRef idx="minor">
+              <a:schemeClr val="lt1"/>
+            </a:fontRef>
+          </p:style>
+          <p:txBody>
+            <a:bodyPr rtlCol="0" anchor="ctr"/>
+            <a:lstStyle/>
+            <a:p>
+              <a:pPr algn="ctr"/>
+              <a:endParaRPr lang="fr-FR" dirty="0"/>
+            </a:p>
+          </p:txBody>
+        </p:sp>
+        <p:sp>
+          <p:nvSpPr>
+            <p:cNvPr id="9" name="ZoneTexte 8">
+              <a:extLst>
+                <a:ext uri="{FF2B5EF4-FFF2-40B4-BE49-F238E27FC236}">
+                  <a16:creationId xmlns:a16="http://schemas.microsoft.com/office/drawing/2014/main" id="{0E353BB5-2D27-D239-3E22-1071743DF363}"/>
+                </a:ext>
+              </a:extLst>
+            </p:cNvPr>
+            <p:cNvSpPr txBox="1"/>
+            <p:nvPr/>
+          </p:nvSpPr>
+          <p:spPr>
+            <a:xfrm>
+              <a:off x="841225" y="3008060"/>
+              <a:ext cx="1081888" cy="369332"/>
+            </a:xfrm>
+            <a:prstGeom prst="rect">
+              <a:avLst/>
+            </a:prstGeom>
+          </p:spPr>
+          <p:style>
+            <a:lnRef idx="2">
+              <a:schemeClr val="dk1"/>
+            </a:lnRef>
+            <a:fillRef idx="1">
+              <a:schemeClr val="lt1"/>
+            </a:fillRef>
+            <a:effectRef idx="0">
+              <a:schemeClr val="dk1"/>
+            </a:effectRef>
+            <a:fontRef idx="minor">
+              <a:schemeClr val="dk1"/>
+            </a:fontRef>
+          </p:style>
+          <p:txBody>
+            <a:bodyPr wrap="square" rtlCol="0">
+              <a:spAutoFit/>
+            </a:bodyPr>
+            <a:lstStyle/>
+            <a:p>
+              <a:r>
+                <a:rPr lang="fr-FR" dirty="0"/>
+                <a:t>Valeur 1</a:t>
+              </a:r>
+            </a:p>
+          </p:txBody>
+        </p:sp>
+        <p:sp>
+          <p:nvSpPr>
+            <p:cNvPr id="11" name="ZoneTexte 10">
+              <a:extLst>
+                <a:ext uri="{FF2B5EF4-FFF2-40B4-BE49-F238E27FC236}">
+                  <a16:creationId xmlns:a16="http://schemas.microsoft.com/office/drawing/2014/main" id="{EA511F7F-F06D-DC10-2D74-D2BEA762BC97}"/>
+                </a:ext>
+              </a:extLst>
+            </p:cNvPr>
+            <p:cNvSpPr txBox="1"/>
+            <p:nvPr/>
+          </p:nvSpPr>
+          <p:spPr>
+            <a:xfrm>
+              <a:off x="2034767" y="2999807"/>
+              <a:ext cx="1081888" cy="369332"/>
+            </a:xfrm>
+            <a:prstGeom prst="rect">
+              <a:avLst/>
+            </a:prstGeom>
+          </p:spPr>
+          <p:style>
+            <a:lnRef idx="2">
+              <a:schemeClr val="dk1"/>
+            </a:lnRef>
+            <a:fillRef idx="1">
+              <a:schemeClr val="lt1"/>
+            </a:fillRef>
+            <a:effectRef idx="0">
+              <a:schemeClr val="dk1"/>
+            </a:effectRef>
+            <a:fontRef idx="minor">
+              <a:schemeClr val="dk1"/>
+            </a:fontRef>
+          </p:style>
+          <p:txBody>
+            <a:bodyPr wrap="square" rtlCol="0">
+              <a:spAutoFit/>
+            </a:bodyPr>
+            <a:lstStyle/>
+            <a:p>
+              <a:r>
+                <a:rPr lang="fr-FR" dirty="0"/>
+                <a:t>Valeur 2</a:t>
+              </a:r>
+            </a:p>
+          </p:txBody>
+        </p:sp>
+        <p:sp>
+          <p:nvSpPr>
+            <p:cNvPr id="12" name="ZoneTexte 11">
+              <a:extLst>
+                <a:ext uri="{FF2B5EF4-FFF2-40B4-BE49-F238E27FC236}">
+                  <a16:creationId xmlns:a16="http://schemas.microsoft.com/office/drawing/2014/main" id="{B8936F6D-D5F6-317F-1419-7E444EFA783D}"/>
+                </a:ext>
+              </a:extLst>
+            </p:cNvPr>
+            <p:cNvSpPr txBox="1"/>
+            <p:nvPr/>
+          </p:nvSpPr>
+          <p:spPr>
+            <a:xfrm>
+              <a:off x="3228309" y="2984387"/>
+              <a:ext cx="1081888" cy="369332"/>
+            </a:xfrm>
+            <a:prstGeom prst="rect">
+              <a:avLst/>
+            </a:prstGeom>
+          </p:spPr>
+          <p:style>
+            <a:lnRef idx="2">
+              <a:schemeClr val="dk1"/>
+            </a:lnRef>
+            <a:fillRef idx="1">
+              <a:schemeClr val="lt1"/>
+            </a:fillRef>
+            <a:effectRef idx="0">
+              <a:schemeClr val="dk1"/>
+            </a:effectRef>
+            <a:fontRef idx="minor">
+              <a:schemeClr val="dk1"/>
+            </a:fontRef>
+          </p:style>
+          <p:txBody>
+            <a:bodyPr wrap="square" rtlCol="0">
+              <a:spAutoFit/>
+            </a:bodyPr>
+            <a:lstStyle/>
+            <a:p>
+              <a:r>
+                <a:rPr lang="fr-FR" dirty="0"/>
+                <a:t>Valeur 3</a:t>
+              </a:r>
+            </a:p>
+          </p:txBody>
+        </p:sp>
+        <p:sp>
+          <p:nvSpPr>
+            <p:cNvPr id="13" name="ZoneTexte 12">
+              <a:extLst>
+                <a:ext uri="{FF2B5EF4-FFF2-40B4-BE49-F238E27FC236}">
+                  <a16:creationId xmlns:a16="http://schemas.microsoft.com/office/drawing/2014/main" id="{361D30DB-F907-5E6C-6B2D-A7EAC40BB301}"/>
+                </a:ext>
+              </a:extLst>
+            </p:cNvPr>
+            <p:cNvSpPr txBox="1"/>
+            <p:nvPr/>
+          </p:nvSpPr>
+          <p:spPr>
+            <a:xfrm>
+              <a:off x="4454306" y="2999807"/>
+              <a:ext cx="1081888" cy="369332"/>
+            </a:xfrm>
+            <a:prstGeom prst="rect">
+              <a:avLst/>
+            </a:prstGeom>
+          </p:spPr>
+          <p:style>
+            <a:lnRef idx="2">
+              <a:schemeClr val="dk1"/>
+            </a:lnRef>
+            <a:fillRef idx="1">
+              <a:schemeClr val="lt1"/>
+            </a:fillRef>
+            <a:effectRef idx="0">
+              <a:schemeClr val="dk1"/>
+            </a:effectRef>
+            <a:fontRef idx="minor">
+              <a:schemeClr val="dk1"/>
+            </a:fontRef>
+          </p:style>
+          <p:txBody>
+            <a:bodyPr wrap="square" rtlCol="0">
+              <a:spAutoFit/>
+            </a:bodyPr>
+            <a:lstStyle/>
+            <a:p>
+              <a:r>
+                <a:rPr lang="fr-FR" dirty="0"/>
+                <a:t>…</a:t>
+              </a:r>
+            </a:p>
+          </p:txBody>
+        </p:sp>
+        <p:sp>
+          <p:nvSpPr>
+            <p:cNvPr id="14" name="ZoneTexte 13">
+              <a:extLst>
+                <a:ext uri="{FF2B5EF4-FFF2-40B4-BE49-F238E27FC236}">
+                  <a16:creationId xmlns:a16="http://schemas.microsoft.com/office/drawing/2014/main" id="{9DAFCE1A-72B4-20EE-C7EA-E4C61F6854D6}"/>
+                </a:ext>
+              </a:extLst>
+            </p:cNvPr>
+            <p:cNvSpPr txBox="1"/>
+            <p:nvPr/>
+          </p:nvSpPr>
+          <p:spPr>
+            <a:xfrm>
+              <a:off x="619434" y="2485018"/>
+              <a:ext cx="1140737" cy="369332"/>
+            </a:xfrm>
+            <a:prstGeom prst="rect">
+              <a:avLst/>
+            </a:prstGeom>
+            <a:noFill/>
+          </p:spPr>
+          <p:txBody>
+            <a:bodyPr wrap="square" rtlCol="0">
+              <a:spAutoFit/>
+            </a:bodyPr>
+            <a:lstStyle/>
+            <a:p>
+              <a:r>
+                <a:rPr lang="fr-FR" b="1" dirty="0"/>
+                <a:t>Liste</a:t>
+              </a:r>
+            </a:p>
+          </p:txBody>
+        </p:sp>
+      </p:grpSp>
+      <p:grpSp>
+        <p:nvGrpSpPr>
+          <p:cNvPr id="16" name="Groupe 15">
+            <a:extLst>
+              <a:ext uri="{FF2B5EF4-FFF2-40B4-BE49-F238E27FC236}">
+                <a16:creationId xmlns:a16="http://schemas.microsoft.com/office/drawing/2014/main" id="{89CA17B5-C22C-9772-0619-1B6175B07804}"/>
+              </a:ext>
+            </a:extLst>
+          </p:cNvPr>
+          <p:cNvGrpSpPr/>
+          <p:nvPr/>
+        </p:nvGrpSpPr>
+        <p:grpSpPr>
+          <a:xfrm>
+            <a:off x="6588715" y="2145548"/>
+            <a:ext cx="5066142" cy="1077662"/>
+            <a:chOff x="619434" y="2485018"/>
+            <a:chExt cx="5066142" cy="1077662"/>
+          </a:xfrm>
+        </p:grpSpPr>
+        <p:sp>
+          <p:nvSpPr>
+            <p:cNvPr id="17" name="Rectangle 16">
+              <a:extLst>
+                <a:ext uri="{FF2B5EF4-FFF2-40B4-BE49-F238E27FC236}">
+                  <a16:creationId xmlns:a16="http://schemas.microsoft.com/office/drawing/2014/main" id="{20A12B3C-AD88-1B73-08D7-E97841A6A308}"/>
+                </a:ext>
+              </a:extLst>
+            </p:cNvPr>
+            <p:cNvSpPr/>
+            <p:nvPr/>
+          </p:nvSpPr>
+          <p:spPr>
+            <a:xfrm>
+              <a:off x="697116" y="2806575"/>
+              <a:ext cx="4988460" cy="756105"/>
+            </a:xfrm>
+            <a:prstGeom prst="rect">
+              <a:avLst/>
+            </a:prstGeom>
+          </p:spPr>
+          <p:style>
+            <a:lnRef idx="2">
+              <a:schemeClr val="accent3">
+                <a:shade val="15000"/>
+              </a:schemeClr>
+            </a:lnRef>
+            <a:fillRef idx="1">
+              <a:schemeClr val="accent3"/>
+            </a:fillRef>
+            <a:effectRef idx="0">
+              <a:schemeClr val="accent3"/>
+            </a:effectRef>
+            <a:fontRef idx="minor">
+              <a:schemeClr val="lt1"/>
+            </a:fontRef>
+          </p:style>
+          <p:txBody>
+            <a:bodyPr rtlCol="0" anchor="ctr"/>
+            <a:lstStyle/>
+            <a:p>
+              <a:pPr algn="ctr"/>
+              <a:endParaRPr lang="fr-FR" dirty="0"/>
+            </a:p>
+          </p:txBody>
+        </p:sp>
+        <p:sp>
+          <p:nvSpPr>
+            <p:cNvPr id="18" name="ZoneTexte 17">
+              <a:extLst>
+                <a:ext uri="{FF2B5EF4-FFF2-40B4-BE49-F238E27FC236}">
+                  <a16:creationId xmlns:a16="http://schemas.microsoft.com/office/drawing/2014/main" id="{5F7B9808-C3B0-8E70-C19D-22F61A5EE2E3}"/>
+                </a:ext>
+              </a:extLst>
+            </p:cNvPr>
+            <p:cNvSpPr txBox="1"/>
+            <p:nvPr/>
+          </p:nvSpPr>
+          <p:spPr>
+            <a:xfrm>
+              <a:off x="1362199" y="2999961"/>
+              <a:ext cx="3658294" cy="369332"/>
+            </a:xfrm>
+            <a:prstGeom prst="rect">
+              <a:avLst/>
+            </a:prstGeom>
+          </p:spPr>
+          <p:style>
+            <a:lnRef idx="2">
+              <a:schemeClr val="dk1"/>
+            </a:lnRef>
+            <a:fillRef idx="1">
+              <a:schemeClr val="lt1"/>
+            </a:fillRef>
+            <a:effectRef idx="0">
+              <a:schemeClr val="dk1"/>
+            </a:effectRef>
+            <a:fontRef idx="minor">
+              <a:schemeClr val="dk1"/>
+            </a:fontRef>
+          </p:style>
+          <p:txBody>
+            <a:bodyPr wrap="square" rtlCol="0">
+              <a:spAutoFit/>
+            </a:bodyPr>
+            <a:lstStyle/>
+            <a:p>
+              <a:r>
+                <a:rPr lang="fr-FR" dirty="0"/>
+                <a:t>Une et une seule valeur</a:t>
+              </a:r>
+            </a:p>
+          </p:txBody>
+        </p:sp>
+        <p:sp>
+          <p:nvSpPr>
+            <p:cNvPr id="22" name="ZoneTexte 21">
+              <a:extLst>
+                <a:ext uri="{FF2B5EF4-FFF2-40B4-BE49-F238E27FC236}">
+                  <a16:creationId xmlns:a16="http://schemas.microsoft.com/office/drawing/2014/main" id="{3A1E4D11-FE01-B69E-A83E-D3E374B481CD}"/>
+                </a:ext>
+              </a:extLst>
+            </p:cNvPr>
+            <p:cNvSpPr txBox="1"/>
+            <p:nvPr/>
+          </p:nvSpPr>
+          <p:spPr>
+            <a:xfrm>
+              <a:off x="619434" y="2485018"/>
+              <a:ext cx="2159926" cy="369332"/>
+            </a:xfrm>
+            <a:prstGeom prst="rect">
+              <a:avLst/>
+            </a:prstGeom>
+            <a:noFill/>
+          </p:spPr>
+          <p:txBody>
+            <a:bodyPr wrap="square" rtlCol="0">
+              <a:spAutoFit/>
+            </a:bodyPr>
+            <a:lstStyle/>
+            <a:p>
+              <a:r>
+                <a:rPr lang="fr-FR" b="1" dirty="0"/>
+                <a:t>Variable simple</a:t>
+              </a:r>
+            </a:p>
+          </p:txBody>
+        </p:sp>
+      </p:grpSp>
+      <p:sp>
+        <p:nvSpPr>
+          <p:cNvPr id="23" name="ZoneTexte 22">
+            <a:extLst>
+              <a:ext uri="{FF2B5EF4-FFF2-40B4-BE49-F238E27FC236}">
+                <a16:creationId xmlns:a16="http://schemas.microsoft.com/office/drawing/2014/main" id="{F771A133-1C06-235A-72D2-CB21B7F85229}"/>
+              </a:ext>
+            </a:extLst>
+          </p:cNvPr>
+          <p:cNvSpPr txBox="1"/>
+          <p:nvPr/>
+        </p:nvSpPr>
+        <p:spPr>
+          <a:xfrm>
+            <a:off x="473063" y="3424042"/>
+            <a:ext cx="11441731" cy="707886"/>
+          </a:xfrm>
+          <a:prstGeom prst="rect">
+            <a:avLst/>
+          </a:prstGeom>
+          <a:noFill/>
+        </p:spPr>
+        <p:txBody>
+          <a:bodyPr wrap="square" rtlCol="0">
+            <a:spAutoFit/>
+          </a:bodyPr>
+          <a:lstStyle/>
+          <a:p>
+            <a:r>
+              <a:rPr lang="fr-FR" sz="2000" dirty="0">
+                <a:latin typeface="Times New Roman" panose="02020603050405020304" pitchFamily="18" charset="0"/>
+                <a:cs typeface="Times New Roman" panose="02020603050405020304" pitchFamily="18" charset="0"/>
+              </a:rPr>
+              <a:t>Une liste est un type de variable qui permet d’associer plusieurs valeurs différentes ayant la même étiquette. Les valeurs 1, 2 et 3 précédentes seront </a:t>
+            </a:r>
+            <a:r>
+              <a:rPr lang="fr-FR" sz="2000" dirty="0" err="1">
+                <a:latin typeface="Times New Roman" panose="02020603050405020304" pitchFamily="18" charset="0"/>
+                <a:cs typeface="Times New Roman" panose="02020603050405020304" pitchFamily="18" charset="0"/>
+              </a:rPr>
+              <a:t>représenteés</a:t>
+            </a:r>
+            <a:r>
+              <a:rPr lang="fr-FR" sz="2000" dirty="0">
+                <a:latin typeface="Times New Roman" panose="02020603050405020304" pitchFamily="18" charset="0"/>
+                <a:cs typeface="Times New Roman" panose="02020603050405020304" pitchFamily="18" charset="0"/>
+              </a:rPr>
+              <a:t> par le même nom de variable.</a:t>
+            </a:r>
+          </a:p>
+        </p:txBody>
+      </p:sp>
+      <p:sp>
+        <p:nvSpPr>
+          <p:cNvPr id="24" name="ZoneTexte 23">
+            <a:extLst>
+              <a:ext uri="{FF2B5EF4-FFF2-40B4-BE49-F238E27FC236}">
+                <a16:creationId xmlns:a16="http://schemas.microsoft.com/office/drawing/2014/main" id="{E759DFBC-9ECD-7D63-BA3D-EA03F448C092}"/>
+              </a:ext>
+            </a:extLst>
+          </p:cNvPr>
+          <p:cNvSpPr txBox="1"/>
+          <p:nvPr/>
+        </p:nvSpPr>
+        <p:spPr>
+          <a:xfrm>
+            <a:off x="459461" y="4211120"/>
+            <a:ext cx="11441731" cy="1015663"/>
+          </a:xfrm>
+          <a:prstGeom prst="rect">
+            <a:avLst/>
+          </a:prstGeom>
+          <a:noFill/>
+        </p:spPr>
+        <p:txBody>
+          <a:bodyPr wrap="square" rtlCol="0">
+            <a:spAutoFit/>
+          </a:bodyPr>
+          <a:lstStyle/>
+          <a:p>
+            <a:r>
+              <a:rPr lang="fr-FR" sz="2000" dirty="0">
+                <a:latin typeface="Times New Roman" panose="02020603050405020304" pitchFamily="18" charset="0"/>
+                <a:cs typeface="Times New Roman" panose="02020603050405020304" pitchFamily="18" charset="0"/>
+              </a:rPr>
+              <a:t>On peut imaginer une liste comme une étagère avec plusieurs tiroirs numéroté, chaque tiroir peut contenir un élément différent le tiroir  peut contenir une brosse et le tiroir 2 un stylo. Ces deux éléments totalement différents sont stockés dans un même élément qui est l’armoire.</a:t>
+            </a:r>
+          </a:p>
+        </p:txBody>
+      </p:sp>
+      <p:sp>
+        <p:nvSpPr>
+          <p:cNvPr id="26" name="ZoneTexte 25">
+            <a:extLst>
+              <a:ext uri="{FF2B5EF4-FFF2-40B4-BE49-F238E27FC236}">
+                <a16:creationId xmlns:a16="http://schemas.microsoft.com/office/drawing/2014/main" id="{F8B9ED05-B423-D2AC-C9F5-2A0D6F808F5E}"/>
+              </a:ext>
+            </a:extLst>
+          </p:cNvPr>
+          <p:cNvSpPr txBox="1"/>
+          <p:nvPr/>
+        </p:nvSpPr>
+        <p:spPr>
+          <a:xfrm>
+            <a:off x="537143" y="5359265"/>
+            <a:ext cx="11377650" cy="707886"/>
+          </a:xfrm>
+          <a:prstGeom prst="rect">
+            <a:avLst/>
+          </a:prstGeom>
+          <a:noFill/>
+        </p:spPr>
+        <p:txBody>
+          <a:bodyPr wrap="square" rtlCol="0">
+            <a:spAutoFit/>
+          </a:bodyPr>
+          <a:lstStyle/>
+          <a:p>
+            <a:r>
+              <a:rPr lang="fr-FR" sz="2000" dirty="0">
+                <a:latin typeface="Times New Roman" panose="02020603050405020304" pitchFamily="18" charset="0"/>
+                <a:cs typeface="Times New Roman" panose="02020603050405020304" pitchFamily="18" charset="0"/>
+              </a:rPr>
+              <a:t>Une liste peut contenir plusieurs nombres entiers ou uniquement des nombres à virgule ou uniquement des chaines de caractères ou un mélange de tout. Une liste peut même contenir une liste.</a:t>
             </a:r>
           </a:p>
         </p:txBody>
@@ -10281,8 +11731,8 @@
         </p:nvSpPr>
         <p:spPr>
           <a:xfrm>
-            <a:off x="500932" y="941801"/>
-            <a:ext cx="11441731" cy="400110"/>
+            <a:off x="500932" y="787913"/>
+            <a:ext cx="11441731" cy="707886"/>
           </a:xfrm>
           <a:prstGeom prst="rect">
             <a:avLst/>
@@ -10300,15 +11750,213 @@
                 <a:latin typeface="Times New Roman" panose="02020603050405020304" pitchFamily="18" charset="0"/>
                 <a:cs typeface="Times New Roman" panose="02020603050405020304" pitchFamily="18" charset="0"/>
               </a:rPr>
-              <a:t>Page 83</a:t>
-            </a:r>
-          </a:p>
-        </p:txBody>
-      </p:sp>
+              <a:t>Python nous offre deux possibilités pour créer une liste soit on utilise le mot clé </a:t>
+            </a:r>
+            <a:r>
+              <a:rPr lang="fr-FR" sz="2000" b="1" dirty="0" err="1">
+                <a:latin typeface="Times New Roman" panose="02020603050405020304" pitchFamily="18" charset="0"/>
+                <a:cs typeface="Times New Roman" panose="02020603050405020304" pitchFamily="18" charset="0"/>
+              </a:rPr>
+              <a:t>list</a:t>
+            </a:r>
+            <a:r>
+              <a:rPr lang="fr-FR" sz="2000" b="1" dirty="0">
+                <a:latin typeface="Times New Roman" panose="02020603050405020304" pitchFamily="18" charset="0"/>
+                <a:cs typeface="Times New Roman" panose="02020603050405020304" pitchFamily="18" charset="0"/>
+              </a:rPr>
+              <a:t> </a:t>
+            </a:r>
+            <a:r>
+              <a:rPr lang="fr-FR" sz="2000" dirty="0">
+                <a:latin typeface="Times New Roman" panose="02020603050405020304" pitchFamily="18" charset="0"/>
+                <a:cs typeface="Times New Roman" panose="02020603050405020304" pitchFamily="18" charset="0"/>
+              </a:rPr>
+              <a:t>ou soit on crée la liste avec un liste vide. </a:t>
+            </a:r>
+          </a:p>
+        </p:txBody>
+      </p:sp>
+      <p:pic>
+        <p:nvPicPr>
+          <p:cNvPr id="8" name="Image 7">
+            <a:extLst>
+              <a:ext uri="{FF2B5EF4-FFF2-40B4-BE49-F238E27FC236}">
+                <a16:creationId xmlns:a16="http://schemas.microsoft.com/office/drawing/2014/main" id="{57E4506D-3D38-B10A-AEB9-8013E2A86149}"/>
+              </a:ext>
+            </a:extLst>
+          </p:cNvPr>
+          <p:cNvPicPr>
+            <a:picLocks noChangeAspect="1"/>
+          </p:cNvPicPr>
+          <p:nvPr/>
+        </p:nvPicPr>
+        <p:blipFill>
+          <a:blip r:embed="rId2"/>
+          <a:stretch>
+            <a:fillRect/>
+          </a:stretch>
+        </p:blipFill>
+        <p:spPr>
+          <a:xfrm>
+            <a:off x="569581" y="1658663"/>
+            <a:ext cx="4364555" cy="1314788"/>
+          </a:xfrm>
+          <a:prstGeom prst="rect">
+            <a:avLst/>
+          </a:prstGeom>
+        </p:spPr>
+      </p:pic>
+      <p:pic>
+        <p:nvPicPr>
+          <p:cNvPr id="10" name="Image 9">
+            <a:extLst>
+              <a:ext uri="{FF2B5EF4-FFF2-40B4-BE49-F238E27FC236}">
+                <a16:creationId xmlns:a16="http://schemas.microsoft.com/office/drawing/2014/main" id="{E2C10DC8-F74C-F587-F6C5-59C5819881DD}"/>
+              </a:ext>
+            </a:extLst>
+          </p:cNvPr>
+          <p:cNvPicPr>
+            <a:picLocks noChangeAspect="1"/>
+          </p:cNvPicPr>
+          <p:nvPr/>
+        </p:nvPicPr>
+        <p:blipFill>
+          <a:blip r:embed="rId3"/>
+          <a:stretch>
+            <a:fillRect/>
+          </a:stretch>
+        </p:blipFill>
+        <p:spPr>
+          <a:xfrm>
+            <a:off x="7158498" y="1649687"/>
+            <a:ext cx="4463921" cy="1317664"/>
+          </a:xfrm>
+          <a:prstGeom prst="rect">
+            <a:avLst/>
+          </a:prstGeom>
+        </p:spPr>
+      </p:pic>
+      <p:sp>
+        <p:nvSpPr>
+          <p:cNvPr id="14" name="Flèche : droite 13">
+            <a:extLst>
+              <a:ext uri="{FF2B5EF4-FFF2-40B4-BE49-F238E27FC236}">
+                <a16:creationId xmlns:a16="http://schemas.microsoft.com/office/drawing/2014/main" id="{F5038AD0-7CA4-20D8-B9B2-A6718E3A7DCE}"/>
+              </a:ext>
+            </a:extLst>
+          </p:cNvPr>
+          <p:cNvSpPr/>
+          <p:nvPr/>
+        </p:nvSpPr>
+        <p:spPr>
+          <a:xfrm>
+            <a:off x="5033503" y="1890544"/>
+            <a:ext cx="1889381" cy="851025"/>
+          </a:xfrm>
+          <a:prstGeom prst="rightArrow">
+            <a:avLst/>
+          </a:prstGeom>
+        </p:spPr>
+        <p:style>
+          <a:lnRef idx="2">
+            <a:schemeClr val="accent1">
+              <a:shade val="15000"/>
+            </a:schemeClr>
+          </a:lnRef>
+          <a:fillRef idx="1">
+            <a:schemeClr val="accent1"/>
+          </a:fillRef>
+          <a:effectRef idx="0">
+            <a:schemeClr val="accent1"/>
+          </a:effectRef>
+          <a:fontRef idx="minor">
+            <a:schemeClr val="lt1"/>
+          </a:fontRef>
+        </p:style>
+        <p:txBody>
+          <a:bodyPr rtlCol="0" anchor="ctr"/>
+          <a:lstStyle/>
+          <a:p>
+            <a:pPr algn="ctr"/>
+            <a:r>
+              <a:rPr lang="fr-FR" dirty="0"/>
+              <a:t>Equivalent à</a:t>
+            </a:r>
+          </a:p>
+        </p:txBody>
+      </p:sp>
+      <p:sp>
+        <p:nvSpPr>
+          <p:cNvPr id="15" name="ZoneTexte 14">
+            <a:extLst>
+              <a:ext uri="{FF2B5EF4-FFF2-40B4-BE49-F238E27FC236}">
+                <a16:creationId xmlns:a16="http://schemas.microsoft.com/office/drawing/2014/main" id="{6CEE211F-E2A5-3B18-FBB5-1132DF86792B}"/>
+              </a:ext>
+            </a:extLst>
+          </p:cNvPr>
+          <p:cNvSpPr txBox="1"/>
+          <p:nvPr/>
+        </p:nvSpPr>
+        <p:spPr>
+          <a:xfrm>
+            <a:off x="500932" y="3075057"/>
+            <a:ext cx="11441731" cy="707886"/>
+          </a:xfrm>
+          <a:prstGeom prst="rect">
+            <a:avLst/>
+          </a:prstGeom>
+          <a:noFill/>
+        </p:spPr>
+        <p:txBody>
+          <a:bodyPr wrap="square" rtlCol="0">
+            <a:spAutoFit/>
+          </a:bodyPr>
+          <a:lstStyle/>
+          <a:p>
+            <a:r>
+              <a:rPr lang="fr-FR" sz="2000" dirty="0">
+                <a:latin typeface="Times New Roman" panose="02020603050405020304" pitchFamily="18" charset="0"/>
+                <a:cs typeface="Times New Roman" panose="02020603050405020304" pitchFamily="18" charset="0"/>
+              </a:rPr>
+              <a:t>Dans les deux exemples précédents, on a créé une liste vide. On peut créer une liste non vide en spécifiant des éléments de départ lors de la création.</a:t>
+            </a:r>
+          </a:p>
+        </p:txBody>
+      </p:sp>
+      <p:pic>
+        <p:nvPicPr>
+          <p:cNvPr id="17" name="Image 16">
+            <a:extLst>
+              <a:ext uri="{FF2B5EF4-FFF2-40B4-BE49-F238E27FC236}">
+                <a16:creationId xmlns:a16="http://schemas.microsoft.com/office/drawing/2014/main" id="{20B0DB46-AEED-4947-5D24-7F0CBBFB6CC1}"/>
+              </a:ext>
+            </a:extLst>
+          </p:cNvPr>
+          <p:cNvPicPr>
+            <a:picLocks noChangeAspect="1"/>
+          </p:cNvPicPr>
+          <p:nvPr/>
+        </p:nvPicPr>
+        <p:blipFill>
+          <a:blip r:embed="rId4"/>
+          <a:stretch>
+            <a:fillRect/>
+          </a:stretch>
+        </p:blipFill>
+        <p:spPr>
+          <a:xfrm>
+            <a:off x="2352717" y="3884549"/>
+            <a:ext cx="7474879" cy="1676176"/>
+          </a:xfrm>
+          <a:prstGeom prst="rect">
+            <a:avLst/>
+          </a:prstGeom>
+        </p:spPr>
+      </p:pic>
     </p:spTree>
     <p:extLst>
       <p:ext uri="{BB962C8B-B14F-4D97-AF65-F5344CB8AC3E}">
-        <p14:creationId xmlns:p14="http://schemas.microsoft.com/office/powerpoint/2010/main" val="3982892092"/>
+        <p14:creationId xmlns:p14="http://schemas.microsoft.com/office/powerpoint/2010/main" val="1044631931"/>
       </p:ext>
     </p:extLst>
   </p:cSld>
@@ -10357,7 +12005,7 @@
           <a:lstStyle/>
           <a:p>
             <a:r>
-              <a:rPr lang="fr-FR"/>
+              <a:rPr lang="fr-FR" dirty="0"/>
               <a:t>Cours: Python | Auteur: TUO N. Ismaël Maurice 
 </a:t>
             </a:r>
@@ -10408,7 +12056,7 @@
         <p:spPr>
           <a:xfrm>
             <a:off x="397565" y="218526"/>
-            <a:ext cx="5414760" cy="461665"/>
+            <a:ext cx="3069204" cy="461665"/>
           </a:xfrm>
           <a:prstGeom prst="rect">
             <a:avLst/>
@@ -10426,7 +12074,7 @@
                 <a:latin typeface="Times New Roman" panose="02020603050405020304" pitchFamily="18" charset="0"/>
                 <a:cs typeface="Times New Roman" panose="02020603050405020304" pitchFamily="18" charset="0"/>
               </a:rPr>
-              <a:t>Insertion d’éléments dans une liste</a:t>
+              <a:t>Création de listes</a:t>
             </a:r>
           </a:p>
         </p:txBody>
@@ -10484,8 +12132,8 @@
         </p:nvSpPr>
         <p:spPr>
           <a:xfrm>
-            <a:off x="500932" y="941801"/>
-            <a:ext cx="11441731" cy="400110"/>
+            <a:off x="500930" y="787913"/>
+            <a:ext cx="11441731" cy="707886"/>
           </a:xfrm>
           <a:prstGeom prst="rect">
             <a:avLst/>
@@ -10503,7 +12151,131 @@
                 <a:latin typeface="Times New Roman" panose="02020603050405020304" pitchFamily="18" charset="0"/>
                 <a:cs typeface="Times New Roman" panose="02020603050405020304" pitchFamily="18" charset="0"/>
               </a:rPr>
-              <a:t>Page 84</a:t>
+              <a:t>Chaque élément d’une liste est identifié par un numéro appelé indice et celui-ci est assigné à chaque élément lors de l’insertion dans la liste. Le premier élément aura pour indice 0, le suivant 1…. </a:t>
+            </a:r>
+          </a:p>
+        </p:txBody>
+      </p:sp>
+      <p:sp>
+        <p:nvSpPr>
+          <p:cNvPr id="18" name="ZoneTexte 17">
+            <a:extLst>
+              <a:ext uri="{FF2B5EF4-FFF2-40B4-BE49-F238E27FC236}">
+                <a16:creationId xmlns:a16="http://schemas.microsoft.com/office/drawing/2014/main" id="{CF7B339B-6218-0773-D83E-7FD62394C249}"/>
+              </a:ext>
+            </a:extLst>
+          </p:cNvPr>
+          <p:cNvSpPr txBox="1"/>
+          <p:nvPr/>
+        </p:nvSpPr>
+        <p:spPr>
+          <a:xfrm>
+            <a:off x="500930" y="1549659"/>
+            <a:ext cx="11441731" cy="400110"/>
+          </a:xfrm>
+          <a:prstGeom prst="rect">
+            <a:avLst/>
+          </a:prstGeom>
+          <a:noFill/>
+        </p:spPr>
+        <p:txBody>
+          <a:bodyPr wrap="square" rtlCol="0">
+            <a:spAutoFit/>
+          </a:bodyPr>
+          <a:lstStyle/>
+          <a:p>
+            <a:r>
+              <a:rPr lang="fr-FR" sz="2000" dirty="0">
+                <a:latin typeface="Times New Roman" panose="02020603050405020304" pitchFamily="18" charset="0"/>
+                <a:cs typeface="Times New Roman" panose="02020603050405020304" pitchFamily="18" charset="0"/>
+              </a:rPr>
+              <a:t>Pour accéder à un élément d’une liste, on utilise le format de code suivant </a:t>
+            </a:r>
+            <a:r>
+              <a:rPr lang="fr-FR" sz="2000" b="1" dirty="0" err="1">
+                <a:latin typeface="Times New Roman" panose="02020603050405020304" pitchFamily="18" charset="0"/>
+                <a:cs typeface="Times New Roman" panose="02020603050405020304" pitchFamily="18" charset="0"/>
+              </a:rPr>
+              <a:t>nom_liste</a:t>
+            </a:r>
+            <a:r>
+              <a:rPr lang="fr-FR" sz="2000" b="1" dirty="0">
+                <a:latin typeface="Times New Roman" panose="02020603050405020304" pitchFamily="18" charset="0"/>
+                <a:cs typeface="Times New Roman" panose="02020603050405020304" pitchFamily="18" charset="0"/>
+              </a:rPr>
+              <a:t>[indice].</a:t>
+            </a:r>
+            <a:endParaRPr lang="fr-FR" sz="2000" dirty="0">
+              <a:latin typeface="Times New Roman" panose="02020603050405020304" pitchFamily="18" charset="0"/>
+              <a:cs typeface="Times New Roman" panose="02020603050405020304" pitchFamily="18" charset="0"/>
+            </a:endParaRPr>
+          </a:p>
+        </p:txBody>
+      </p:sp>
+      <p:pic>
+        <p:nvPicPr>
+          <p:cNvPr id="20" name="Image 19">
+            <a:extLst>
+              <a:ext uri="{FF2B5EF4-FFF2-40B4-BE49-F238E27FC236}">
+                <a16:creationId xmlns:a16="http://schemas.microsoft.com/office/drawing/2014/main" id="{21D40EE3-FD53-9D02-C204-48C1EA520574}"/>
+              </a:ext>
+            </a:extLst>
+          </p:cNvPr>
+          <p:cNvPicPr>
+            <a:picLocks noChangeAspect="1"/>
+          </p:cNvPicPr>
+          <p:nvPr/>
+        </p:nvPicPr>
+        <p:blipFill>
+          <a:blip r:embed="rId2"/>
+          <a:stretch>
+            <a:fillRect/>
+          </a:stretch>
+        </p:blipFill>
+        <p:spPr>
+          <a:xfrm>
+            <a:off x="3596949" y="2003629"/>
+            <a:ext cx="4397262" cy="3617026"/>
+          </a:xfrm>
+          <a:prstGeom prst="rect">
+            <a:avLst/>
+          </a:prstGeom>
+        </p:spPr>
+      </p:pic>
+      <p:sp>
+        <p:nvSpPr>
+          <p:cNvPr id="21" name="ZoneTexte 20">
+            <a:extLst>
+              <a:ext uri="{FF2B5EF4-FFF2-40B4-BE49-F238E27FC236}">
+                <a16:creationId xmlns:a16="http://schemas.microsoft.com/office/drawing/2014/main" id="{4D2EF078-2371-91C4-43BE-504150DE42FD}"/>
+              </a:ext>
+            </a:extLst>
+          </p:cNvPr>
+          <p:cNvSpPr txBox="1"/>
+          <p:nvPr/>
+        </p:nvSpPr>
+        <p:spPr>
+          <a:xfrm>
+            <a:off x="635223" y="5653765"/>
+            <a:ext cx="11441731" cy="400110"/>
+          </a:xfrm>
+          <a:prstGeom prst="rect">
+            <a:avLst/>
+          </a:prstGeom>
+          <a:noFill/>
+        </p:spPr>
+        <p:txBody>
+          <a:bodyPr wrap="square" rtlCol="0">
+            <a:spAutoFit/>
+          </a:bodyPr>
+          <a:lstStyle/>
+          <a:p>
+            <a:r>
+              <a:rPr lang="fr-FR" sz="2000" dirty="0">
+                <a:latin typeface="Times New Roman" panose="02020603050405020304" pitchFamily="18" charset="0"/>
+                <a:cs typeface="Times New Roman" panose="02020603050405020304" pitchFamily="18" charset="0"/>
+              </a:rPr>
+              <a:t>On peut assigner à une autre variable la valeur d’un élément de la liste.</a:t>
             </a:r>
           </a:p>
         </p:txBody>
@@ -10511,7 +12283,7 @@
     </p:spTree>
     <p:extLst>
       <p:ext uri="{BB962C8B-B14F-4D97-AF65-F5344CB8AC3E}">
-        <p14:creationId xmlns:p14="http://schemas.microsoft.com/office/powerpoint/2010/main" val="2158608105"/>
+        <p14:creationId xmlns:p14="http://schemas.microsoft.com/office/powerpoint/2010/main" val="3982892092"/>
       </p:ext>
     </p:extLst>
   </p:cSld>
@@ -10629,7 +12401,7 @@
                 <a:latin typeface="Times New Roman" panose="02020603050405020304" pitchFamily="18" charset="0"/>
                 <a:cs typeface="Times New Roman" panose="02020603050405020304" pitchFamily="18" charset="0"/>
               </a:rPr>
-              <a:t>Suppression d’éléments dans une liste</a:t>
+              <a:t>Insertion d’éléments dans une liste</a:t>
             </a:r>
           </a:p>
         </p:txBody>
@@ -10687,8 +12459,8 @@
         </p:nvSpPr>
         <p:spPr>
           <a:xfrm>
-            <a:off x="500932" y="941801"/>
-            <a:ext cx="11441731" cy="400110"/>
+            <a:off x="500932" y="869373"/>
+            <a:ext cx="11441731" cy="1323439"/>
           </a:xfrm>
           <a:prstGeom prst="rect">
             <a:avLst/>
@@ -10706,15 +12478,187 @@
                 <a:latin typeface="Times New Roman" panose="02020603050405020304" pitchFamily="18" charset="0"/>
                 <a:cs typeface="Times New Roman" panose="02020603050405020304" pitchFamily="18" charset="0"/>
               </a:rPr>
-              <a:t>Page 86</a:t>
-            </a:r>
-          </a:p>
-        </p:txBody>
-      </p:sp>
+              <a:t>Pour insérer un élément dans une liste, Python nous offre plusieurs fonctions dont les principales sont:</a:t>
+            </a:r>
+          </a:p>
+          <a:p>
+            <a:pPr marL="342900" indent="-342900">
+              <a:buFont typeface="Arial" panose="020B0604020202020204" pitchFamily="34" charset="0"/>
+              <a:buChar char="•"/>
+            </a:pPr>
+            <a:r>
+              <a:rPr lang="fr-FR" sz="2000" b="1" dirty="0">
+                <a:latin typeface="Times New Roman" panose="02020603050405020304" pitchFamily="18" charset="0"/>
+                <a:cs typeface="Times New Roman" panose="02020603050405020304" pitchFamily="18" charset="0"/>
+              </a:rPr>
+              <a:t>insert: </a:t>
+            </a:r>
+            <a:r>
+              <a:rPr lang="fr-FR" sz="2000" dirty="0">
+                <a:latin typeface="Times New Roman" panose="02020603050405020304" pitchFamily="18" charset="0"/>
+                <a:cs typeface="Times New Roman" panose="02020603050405020304" pitchFamily="18" charset="0"/>
+              </a:rPr>
+              <a:t>qui permet d’insérer un élément dans un endroit précis dans la liste. Cette technique entraine un décalage des indices des autres éléments.</a:t>
+            </a:r>
+          </a:p>
+          <a:p>
+            <a:pPr marL="342900" indent="-342900">
+              <a:buFont typeface="Arial" panose="020B0604020202020204" pitchFamily="34" charset="0"/>
+              <a:buChar char="•"/>
+            </a:pPr>
+            <a:r>
+              <a:rPr lang="fr-FR" sz="2000" b="1" dirty="0">
+                <a:latin typeface="Times New Roman" panose="02020603050405020304" pitchFamily="18" charset="0"/>
+                <a:cs typeface="Times New Roman" panose="02020603050405020304" pitchFamily="18" charset="0"/>
+              </a:rPr>
+              <a:t>append: </a:t>
+            </a:r>
+            <a:r>
+              <a:rPr lang="fr-FR" sz="2000" dirty="0">
+                <a:latin typeface="Times New Roman" panose="02020603050405020304" pitchFamily="18" charset="0"/>
+                <a:cs typeface="Times New Roman" panose="02020603050405020304" pitchFamily="18" charset="0"/>
+              </a:rPr>
+              <a:t>qui permet d’insérer un élément à la fin de la liste.</a:t>
+            </a:r>
+            <a:endParaRPr lang="fr-FR" sz="2000" b="1" dirty="0">
+              <a:latin typeface="Times New Roman" panose="02020603050405020304" pitchFamily="18" charset="0"/>
+              <a:cs typeface="Times New Roman" panose="02020603050405020304" pitchFamily="18" charset="0"/>
+            </a:endParaRPr>
+          </a:p>
+        </p:txBody>
+      </p:sp>
+      <p:pic>
+        <p:nvPicPr>
+          <p:cNvPr id="8" name="Image 7">
+            <a:extLst>
+              <a:ext uri="{FF2B5EF4-FFF2-40B4-BE49-F238E27FC236}">
+                <a16:creationId xmlns:a16="http://schemas.microsoft.com/office/drawing/2014/main" id="{AE918B32-4BCF-B0BA-09B9-AE6FEA448C0D}"/>
+              </a:ext>
+            </a:extLst>
+          </p:cNvPr>
+          <p:cNvPicPr>
+            <a:picLocks noChangeAspect="1"/>
+          </p:cNvPicPr>
+          <p:nvPr/>
+        </p:nvPicPr>
+        <p:blipFill>
+          <a:blip r:embed="rId2"/>
+          <a:stretch>
+            <a:fillRect/>
+          </a:stretch>
+        </p:blipFill>
+        <p:spPr>
+          <a:xfrm>
+            <a:off x="813649" y="2276020"/>
+            <a:ext cx="4582592" cy="1994655"/>
+          </a:xfrm>
+          <a:prstGeom prst="rect">
+            <a:avLst/>
+          </a:prstGeom>
+        </p:spPr>
+      </p:pic>
+      <p:pic>
+        <p:nvPicPr>
+          <p:cNvPr id="10" name="Image 9">
+            <a:extLst>
+              <a:ext uri="{FF2B5EF4-FFF2-40B4-BE49-F238E27FC236}">
+                <a16:creationId xmlns:a16="http://schemas.microsoft.com/office/drawing/2014/main" id="{704CCBC2-B285-2A73-A725-3456882490EB}"/>
+              </a:ext>
+            </a:extLst>
+          </p:cNvPr>
+          <p:cNvPicPr>
+            <a:picLocks noChangeAspect="1"/>
+          </p:cNvPicPr>
+          <p:nvPr/>
+        </p:nvPicPr>
+        <p:blipFill>
+          <a:blip r:embed="rId3"/>
+          <a:stretch>
+            <a:fillRect/>
+          </a:stretch>
+        </p:blipFill>
+        <p:spPr>
+          <a:xfrm>
+            <a:off x="6446068" y="2276020"/>
+            <a:ext cx="4780641" cy="1926572"/>
+          </a:xfrm>
+          <a:prstGeom prst="rect">
+            <a:avLst/>
+          </a:prstGeom>
+        </p:spPr>
+      </p:pic>
+      <p:sp>
+        <p:nvSpPr>
+          <p:cNvPr id="11" name="ZoneTexte 10">
+            <a:extLst>
+              <a:ext uri="{FF2B5EF4-FFF2-40B4-BE49-F238E27FC236}">
+                <a16:creationId xmlns:a16="http://schemas.microsoft.com/office/drawing/2014/main" id="{7F6059A5-E9C9-7E04-3BAA-0ADEF57B1468}"/>
+              </a:ext>
+            </a:extLst>
+          </p:cNvPr>
+          <p:cNvSpPr txBox="1"/>
+          <p:nvPr/>
+        </p:nvSpPr>
+        <p:spPr>
+          <a:xfrm>
+            <a:off x="555253" y="4369644"/>
+            <a:ext cx="11441731" cy="707886"/>
+          </a:xfrm>
+          <a:prstGeom prst="rect">
+            <a:avLst/>
+          </a:prstGeom>
+          <a:noFill/>
+        </p:spPr>
+        <p:txBody>
+          <a:bodyPr wrap="square" rtlCol="0">
+            <a:spAutoFit/>
+          </a:bodyPr>
+          <a:lstStyle/>
+          <a:p>
+            <a:r>
+              <a:rPr lang="fr-FR" sz="2000" dirty="0">
+                <a:latin typeface="Times New Roman" panose="02020603050405020304" pitchFamily="18" charset="0"/>
+                <a:cs typeface="Times New Roman" panose="02020603050405020304" pitchFamily="18" charset="0"/>
+              </a:rPr>
+              <a:t>On peut remplacer un élément dans une liste en assignant une nouvelle valeur à l’indice de l’élément à changer. </a:t>
+            </a:r>
+          </a:p>
+        </p:txBody>
+      </p:sp>
+      <p:pic>
+        <p:nvPicPr>
+          <p:cNvPr id="13" name="Image 12">
+            <a:extLst>
+              <a:ext uri="{FF2B5EF4-FFF2-40B4-BE49-F238E27FC236}">
+                <a16:creationId xmlns:a16="http://schemas.microsoft.com/office/drawing/2014/main" id="{69DFD89B-0A7E-0E00-BAC3-F58583D1F94B}"/>
+              </a:ext>
+            </a:extLst>
+          </p:cNvPr>
+          <p:cNvPicPr>
+            <a:picLocks noChangeAspect="1"/>
+          </p:cNvPicPr>
+          <p:nvPr/>
+        </p:nvPicPr>
+        <p:blipFill>
+          <a:blip r:embed="rId4"/>
+          <a:stretch>
+            <a:fillRect/>
+          </a:stretch>
+        </p:blipFill>
+        <p:spPr>
+          <a:xfrm>
+            <a:off x="3881575" y="5006022"/>
+            <a:ext cx="3619814" cy="1216121"/>
+          </a:xfrm>
+          <a:prstGeom prst="rect">
+            <a:avLst/>
+          </a:prstGeom>
+        </p:spPr>
+      </p:pic>
     </p:spTree>
     <p:extLst>
       <p:ext uri="{BB962C8B-B14F-4D97-AF65-F5344CB8AC3E}">
-        <p14:creationId xmlns:p14="http://schemas.microsoft.com/office/powerpoint/2010/main" val="3278254478"/>
+        <p14:creationId xmlns:p14="http://schemas.microsoft.com/office/powerpoint/2010/main" val="2158608105"/>
       </p:ext>
     </p:extLst>
   </p:cSld>
@@ -10814,7 +12758,7 @@
         <p:spPr>
           <a:xfrm>
             <a:off x="397565" y="218526"/>
-            <a:ext cx="3069204" cy="461665"/>
+            <a:ext cx="5414760" cy="461665"/>
           </a:xfrm>
           <a:prstGeom prst="rect">
             <a:avLst/>
@@ -10832,7 +12776,7 @@
                 <a:latin typeface="Times New Roman" panose="02020603050405020304" pitchFamily="18" charset="0"/>
                 <a:cs typeface="Times New Roman" panose="02020603050405020304" pitchFamily="18" charset="0"/>
               </a:rPr>
-              <a:t>Lecture de listes</a:t>
+              <a:t>Insertion d’éléments dans une liste</a:t>
             </a:r>
           </a:p>
         </p:txBody>
@@ -10890,8 +12834,8 @@
         </p:nvSpPr>
         <p:spPr>
           <a:xfrm>
-            <a:off x="500932" y="941801"/>
-            <a:ext cx="11441731" cy="400110"/>
+            <a:off x="500932" y="869373"/>
+            <a:ext cx="11441731" cy="707886"/>
           </a:xfrm>
           <a:prstGeom prst="rect">
             <a:avLst/>
@@ -10909,15 +12853,273 @@
                 <a:latin typeface="Times New Roman" panose="02020603050405020304" pitchFamily="18" charset="0"/>
                 <a:cs typeface="Times New Roman" panose="02020603050405020304" pitchFamily="18" charset="0"/>
               </a:rPr>
-              <a:t>Lecture par indice et avec for page 87</a:t>
-            </a:r>
-          </a:p>
-        </p:txBody>
-      </p:sp>
+              <a:t>On peut agrandir une liste en associant les valeurs d’une autre liste. Cette technique s’appelle de la </a:t>
+            </a:r>
+            <a:r>
+              <a:rPr lang="fr-FR" sz="2000" b="1" dirty="0">
+                <a:latin typeface="Times New Roman" panose="02020603050405020304" pitchFamily="18" charset="0"/>
+                <a:cs typeface="Times New Roman" panose="02020603050405020304" pitchFamily="18" charset="0"/>
+              </a:rPr>
+              <a:t>concaténation. </a:t>
+            </a:r>
+            <a:endParaRPr lang="fr-FR" sz="2000" dirty="0">
+              <a:latin typeface="Times New Roman" panose="02020603050405020304" pitchFamily="18" charset="0"/>
+              <a:cs typeface="Times New Roman" panose="02020603050405020304" pitchFamily="18" charset="0"/>
+            </a:endParaRPr>
+          </a:p>
+        </p:txBody>
+      </p:sp>
+      <p:sp>
+        <p:nvSpPr>
+          <p:cNvPr id="2" name="ZoneTexte 1">
+            <a:extLst>
+              <a:ext uri="{FF2B5EF4-FFF2-40B4-BE49-F238E27FC236}">
+                <a16:creationId xmlns:a16="http://schemas.microsoft.com/office/drawing/2014/main" id="{9D49DB88-46E9-F872-4F76-BF51883715DD}"/>
+              </a:ext>
+            </a:extLst>
+          </p:cNvPr>
+          <p:cNvSpPr txBox="1"/>
+          <p:nvPr/>
+        </p:nvSpPr>
+        <p:spPr>
+          <a:xfrm>
+            <a:off x="500932" y="1766440"/>
+            <a:ext cx="11441731" cy="400110"/>
+          </a:xfrm>
+          <a:prstGeom prst="rect">
+            <a:avLst/>
+          </a:prstGeom>
+          <a:noFill/>
+        </p:spPr>
+        <p:txBody>
+          <a:bodyPr wrap="square" rtlCol="0">
+            <a:spAutoFit/>
+          </a:bodyPr>
+          <a:lstStyle/>
+          <a:p>
+            <a:r>
+              <a:rPr lang="fr-FR" sz="2000" dirty="0">
+                <a:latin typeface="Times New Roman" panose="02020603050405020304" pitchFamily="18" charset="0"/>
+                <a:cs typeface="Times New Roman" panose="02020603050405020304" pitchFamily="18" charset="0"/>
+              </a:rPr>
+              <a:t>Pour faire de la concaténation deux listes on peut utiliser la méthode </a:t>
+            </a:r>
+            <a:r>
+              <a:rPr lang="fr-FR" sz="2000" b="1" dirty="0" err="1">
+                <a:latin typeface="Times New Roman" panose="02020603050405020304" pitchFamily="18" charset="0"/>
+                <a:cs typeface="Times New Roman" panose="02020603050405020304" pitchFamily="18" charset="0"/>
+              </a:rPr>
+              <a:t>extend</a:t>
+            </a:r>
+            <a:r>
+              <a:rPr lang="fr-FR" sz="2000" b="1" dirty="0">
+                <a:latin typeface="Times New Roman" panose="02020603050405020304" pitchFamily="18" charset="0"/>
+                <a:cs typeface="Times New Roman" panose="02020603050405020304" pitchFamily="18" charset="0"/>
+              </a:rPr>
+              <a:t> </a:t>
+            </a:r>
+            <a:r>
+              <a:rPr lang="fr-FR" sz="2000" dirty="0">
+                <a:latin typeface="Times New Roman" panose="02020603050405020304" pitchFamily="18" charset="0"/>
+                <a:cs typeface="Times New Roman" panose="02020603050405020304" pitchFamily="18" charset="0"/>
+              </a:rPr>
+              <a:t>de Python ou utiliser </a:t>
+            </a:r>
+            <a:r>
+              <a:rPr lang="fr-FR" sz="2000" b="1" dirty="0">
+                <a:latin typeface="Times New Roman" panose="02020603050405020304" pitchFamily="18" charset="0"/>
+                <a:cs typeface="Times New Roman" panose="02020603050405020304" pitchFamily="18" charset="0"/>
+              </a:rPr>
+              <a:t>+=.</a:t>
+            </a:r>
+          </a:p>
+        </p:txBody>
+      </p:sp>
+      <p:pic>
+        <p:nvPicPr>
+          <p:cNvPr id="12" name="Image 11">
+            <a:extLst>
+              <a:ext uri="{FF2B5EF4-FFF2-40B4-BE49-F238E27FC236}">
+                <a16:creationId xmlns:a16="http://schemas.microsoft.com/office/drawing/2014/main" id="{675E1319-262B-BE84-4C1D-5F6C6889FB2A}"/>
+              </a:ext>
+            </a:extLst>
+          </p:cNvPr>
+          <p:cNvPicPr>
+            <a:picLocks noChangeAspect="1"/>
+          </p:cNvPicPr>
+          <p:nvPr/>
+        </p:nvPicPr>
+        <p:blipFill>
+          <a:blip r:embed="rId2"/>
+          <a:stretch>
+            <a:fillRect/>
+          </a:stretch>
+        </p:blipFill>
+        <p:spPr>
+          <a:xfrm>
+            <a:off x="608680" y="2240817"/>
+            <a:ext cx="4320423" cy="1693605"/>
+          </a:xfrm>
+          <a:prstGeom prst="rect">
+            <a:avLst/>
+          </a:prstGeom>
+        </p:spPr>
+      </p:pic>
+      <p:sp>
+        <p:nvSpPr>
+          <p:cNvPr id="14" name="Flèche : droite 13">
+            <a:extLst>
+              <a:ext uri="{FF2B5EF4-FFF2-40B4-BE49-F238E27FC236}">
+                <a16:creationId xmlns:a16="http://schemas.microsoft.com/office/drawing/2014/main" id="{5EC14445-091B-C74A-BC79-312EC11E4D8D}"/>
+              </a:ext>
+            </a:extLst>
+          </p:cNvPr>
+          <p:cNvSpPr/>
+          <p:nvPr/>
+        </p:nvSpPr>
+        <p:spPr>
+          <a:xfrm>
+            <a:off x="5294656" y="2557601"/>
+            <a:ext cx="1602687" cy="860082"/>
+          </a:xfrm>
+          <a:prstGeom prst="rightArrow">
+            <a:avLst/>
+          </a:prstGeom>
+        </p:spPr>
+        <p:style>
+          <a:lnRef idx="2">
+            <a:schemeClr val="accent1">
+              <a:shade val="15000"/>
+            </a:schemeClr>
+          </a:lnRef>
+          <a:fillRef idx="1">
+            <a:schemeClr val="accent1"/>
+          </a:fillRef>
+          <a:effectRef idx="0">
+            <a:schemeClr val="accent1"/>
+          </a:effectRef>
+          <a:fontRef idx="minor">
+            <a:schemeClr val="lt1"/>
+          </a:fontRef>
+        </p:style>
+        <p:txBody>
+          <a:bodyPr rtlCol="0" anchor="ctr"/>
+          <a:lstStyle/>
+          <a:p>
+            <a:pPr algn="ctr"/>
+            <a:r>
+              <a:rPr lang="fr-FR" dirty="0"/>
+              <a:t>Equivalent à</a:t>
+            </a:r>
+          </a:p>
+        </p:txBody>
+      </p:sp>
+      <p:pic>
+        <p:nvPicPr>
+          <p:cNvPr id="16" name="Image 15">
+            <a:extLst>
+              <a:ext uri="{FF2B5EF4-FFF2-40B4-BE49-F238E27FC236}">
+                <a16:creationId xmlns:a16="http://schemas.microsoft.com/office/drawing/2014/main" id="{A7DD7EF1-2159-33A6-5E11-251A45A697E2}"/>
+              </a:ext>
+            </a:extLst>
+          </p:cNvPr>
+          <p:cNvPicPr>
+            <a:picLocks noChangeAspect="1"/>
+          </p:cNvPicPr>
+          <p:nvPr/>
+        </p:nvPicPr>
+        <p:blipFill>
+          <a:blip r:embed="rId3"/>
+          <a:stretch>
+            <a:fillRect/>
+          </a:stretch>
+        </p:blipFill>
+        <p:spPr>
+          <a:xfrm>
+            <a:off x="7081606" y="2274722"/>
+            <a:ext cx="4861057" cy="1659700"/>
+          </a:xfrm>
+          <a:prstGeom prst="rect">
+            <a:avLst/>
+          </a:prstGeom>
+        </p:spPr>
+      </p:pic>
+      <p:sp>
+        <p:nvSpPr>
+          <p:cNvPr id="17" name="ZoneTexte 16">
+            <a:extLst>
+              <a:ext uri="{FF2B5EF4-FFF2-40B4-BE49-F238E27FC236}">
+                <a16:creationId xmlns:a16="http://schemas.microsoft.com/office/drawing/2014/main" id="{8309470E-954D-47AE-A4C2-6B0CAFE27050}"/>
+              </a:ext>
+            </a:extLst>
+          </p:cNvPr>
+          <p:cNvSpPr txBox="1"/>
+          <p:nvPr/>
+        </p:nvSpPr>
+        <p:spPr>
+          <a:xfrm>
+            <a:off x="608680" y="3978943"/>
+            <a:ext cx="11441731" cy="400110"/>
+          </a:xfrm>
+          <a:prstGeom prst="rect">
+            <a:avLst/>
+          </a:prstGeom>
+          <a:noFill/>
+        </p:spPr>
+        <p:txBody>
+          <a:bodyPr wrap="square" rtlCol="0">
+            <a:spAutoFit/>
+          </a:bodyPr>
+          <a:lstStyle/>
+          <a:p>
+            <a:r>
+              <a:rPr lang="fr-FR" sz="2000" dirty="0">
+                <a:latin typeface="Times New Roman" panose="02020603050405020304" pitchFamily="18" charset="0"/>
+                <a:cs typeface="Times New Roman" panose="02020603050405020304" pitchFamily="18" charset="0"/>
+              </a:rPr>
+              <a:t>Lorsqu’on veut créer une nouvelle liste qui est la concaténation deux listes il faut utiliser l’opérateur +.</a:t>
+            </a:r>
+            <a:endParaRPr lang="fr-FR" sz="2000" b="1" dirty="0">
+              <a:latin typeface="Times New Roman" panose="02020603050405020304" pitchFamily="18" charset="0"/>
+              <a:cs typeface="Times New Roman" panose="02020603050405020304" pitchFamily="18" charset="0"/>
+            </a:endParaRPr>
+          </a:p>
+        </p:txBody>
+      </p:sp>
+      <p:pic>
+        <p:nvPicPr>
+          <p:cNvPr id="19" name="Image 18">
+            <a:extLst>
+              <a:ext uri="{FF2B5EF4-FFF2-40B4-BE49-F238E27FC236}">
+                <a16:creationId xmlns:a16="http://schemas.microsoft.com/office/drawing/2014/main" id="{B0B1DA3B-4204-7FE9-566F-A6173CA3034D}"/>
+              </a:ext>
+            </a:extLst>
+          </p:cNvPr>
+          <p:cNvPicPr>
+            <a:picLocks noChangeAspect="1"/>
+          </p:cNvPicPr>
+          <p:nvPr/>
+        </p:nvPicPr>
+        <p:blipFill>
+          <a:blip r:embed="rId4"/>
+          <a:stretch>
+            <a:fillRect/>
+          </a:stretch>
+        </p:blipFill>
+        <p:spPr>
+          <a:xfrm>
+            <a:off x="3567718" y="4533201"/>
+            <a:ext cx="5044877" cy="1747357"/>
+          </a:xfrm>
+          <a:prstGeom prst="rect">
+            <a:avLst/>
+          </a:prstGeom>
+        </p:spPr>
+      </p:pic>
     </p:spTree>
     <p:extLst>
       <p:ext uri="{BB962C8B-B14F-4D97-AF65-F5344CB8AC3E}">
-        <p14:creationId xmlns:p14="http://schemas.microsoft.com/office/powerpoint/2010/main" val="152848069"/>
+        <p14:creationId xmlns:p14="http://schemas.microsoft.com/office/powerpoint/2010/main" val="2384567302"/>
       </p:ext>
     </p:extLst>
   </p:cSld>
@@ -11017,7 +13219,7 @@
         <p:spPr>
           <a:xfrm>
             <a:off x="397565" y="218526"/>
-            <a:ext cx="5577722" cy="461665"/>
+            <a:ext cx="5414760" cy="461665"/>
           </a:xfrm>
           <a:prstGeom prst="rect">
             <a:avLst/>
@@ -11035,19 +13237,8 @@
                 <a:latin typeface="Times New Roman" panose="02020603050405020304" pitchFamily="18" charset="0"/>
                 <a:cs typeface="Times New Roman" panose="02020603050405020304" pitchFamily="18" charset="0"/>
               </a:rPr>
-              <a:t>La fonction </a:t>
-            </a:r>
-            <a:r>
-              <a:rPr lang="fr-FR" sz="2400" b="1" i="1" dirty="0" err="1">
-                <a:latin typeface="Times New Roman" panose="02020603050405020304" pitchFamily="18" charset="0"/>
-                <a:cs typeface="Times New Roman" panose="02020603050405020304" pitchFamily="18" charset="0"/>
-              </a:rPr>
-              <a:t>enumerate</a:t>
-            </a:r>
-            <a:endParaRPr lang="fr-FR" sz="2400" b="1" i="1" dirty="0">
-              <a:latin typeface="Times New Roman" panose="02020603050405020304" pitchFamily="18" charset="0"/>
-              <a:cs typeface="Times New Roman" panose="02020603050405020304" pitchFamily="18" charset="0"/>
-            </a:endParaRPr>
+              <a:t>Suppression d’éléments dans une liste</a:t>
+            </a:r>
           </a:p>
         </p:txBody>
       </p:sp>
@@ -11123,7 +13314,7 @@
                 <a:latin typeface="Times New Roman" panose="02020603050405020304" pitchFamily="18" charset="0"/>
                 <a:cs typeface="Times New Roman" panose="02020603050405020304" pitchFamily="18" charset="0"/>
               </a:rPr>
-              <a:t>Page 88</a:t>
+              <a:t>Page 86</a:t>
             </a:r>
           </a:p>
         </p:txBody>
@@ -11131,7 +13322,7 @@
     </p:spTree>
     <p:extLst>
       <p:ext uri="{BB962C8B-B14F-4D97-AF65-F5344CB8AC3E}">
-        <p14:creationId xmlns:p14="http://schemas.microsoft.com/office/powerpoint/2010/main" val="3210814892"/>
+        <p14:creationId xmlns:p14="http://schemas.microsoft.com/office/powerpoint/2010/main" val="3278254478"/>
       </p:ext>
     </p:extLst>
   </p:cSld>
@@ -11231,7 +13422,7 @@
         <p:spPr>
           <a:xfrm>
             <a:off x="397565" y="218526"/>
-            <a:ext cx="5577722" cy="461665"/>
+            <a:ext cx="3069204" cy="461665"/>
           </a:xfrm>
           <a:prstGeom prst="rect">
             <a:avLst/>
@@ -11249,12 +13440,8 @@
                 <a:latin typeface="Times New Roman" panose="02020603050405020304" pitchFamily="18" charset="0"/>
                 <a:cs typeface="Times New Roman" panose="02020603050405020304" pitchFamily="18" charset="0"/>
               </a:rPr>
-              <a:t>De chaînes aux listes</a:t>
-            </a:r>
-            <a:endParaRPr lang="fr-FR" sz="2400" b="1" i="1" dirty="0">
-              <a:latin typeface="Times New Roman" panose="02020603050405020304" pitchFamily="18" charset="0"/>
-              <a:cs typeface="Times New Roman" panose="02020603050405020304" pitchFamily="18" charset="0"/>
-            </a:endParaRPr>
+              <a:t>Lecture de listes</a:t>
+            </a:r>
           </a:p>
         </p:txBody>
       </p:sp>
@@ -11330,7 +13517,7 @@
                 <a:latin typeface="Times New Roman" panose="02020603050405020304" pitchFamily="18" charset="0"/>
                 <a:cs typeface="Times New Roman" panose="02020603050405020304" pitchFamily="18" charset="0"/>
               </a:rPr>
-              <a:t>Page 92</a:t>
+              <a:t>Lecture par indice et avec for page 87</a:t>
             </a:r>
           </a:p>
         </p:txBody>
@@ -11338,7 +13525,7 @@
     </p:spTree>
     <p:extLst>
       <p:ext uri="{BB962C8B-B14F-4D97-AF65-F5344CB8AC3E}">
-        <p14:creationId xmlns:p14="http://schemas.microsoft.com/office/powerpoint/2010/main" val="3194045807"/>
+        <p14:creationId xmlns:p14="http://schemas.microsoft.com/office/powerpoint/2010/main" val="152848069"/>
       </p:ext>
     </p:extLst>
   </p:cSld>

--- a/source/Chapitre 9 - Les listes.pptx
+++ b/source/Chapitre 9 - Les listes.pptx
@@ -5,7 +5,7 @@
     <p:sldMasterId id="2147483804" r:id="rId1"/>
   </p:sldMasterIdLst>
   <p:notesMasterIdLst>
-    <p:notesMasterId r:id="rId28"/>
+    <p:notesMasterId r:id="rId31"/>
   </p:notesMasterIdLst>
   <p:sldIdLst>
     <p:sldId id="257" r:id="rId2"/>
@@ -16,24 +16,27 @@
     <p:sldId id="296" r:id="rId7"/>
     <p:sldId id="314" r:id="rId8"/>
     <p:sldId id="297" r:id="rId9"/>
-    <p:sldId id="295" r:id="rId10"/>
-    <p:sldId id="298" r:id="rId11"/>
-    <p:sldId id="299" r:id="rId12"/>
-    <p:sldId id="300" r:id="rId13"/>
-    <p:sldId id="302" r:id="rId14"/>
-    <p:sldId id="303" r:id="rId15"/>
-    <p:sldId id="304" r:id="rId16"/>
-    <p:sldId id="301" r:id="rId17"/>
-    <p:sldId id="305" r:id="rId18"/>
-    <p:sldId id="293" r:id="rId19"/>
-    <p:sldId id="306" r:id="rId20"/>
-    <p:sldId id="307" r:id="rId21"/>
-    <p:sldId id="309" r:id="rId22"/>
-    <p:sldId id="308" r:id="rId23"/>
-    <p:sldId id="312" r:id="rId24"/>
-    <p:sldId id="310" r:id="rId25"/>
-    <p:sldId id="311" r:id="rId26"/>
-    <p:sldId id="284" r:id="rId27"/>
+    <p:sldId id="315" r:id="rId10"/>
+    <p:sldId id="295" r:id="rId11"/>
+    <p:sldId id="317" r:id="rId12"/>
+    <p:sldId id="298" r:id="rId13"/>
+    <p:sldId id="299" r:id="rId14"/>
+    <p:sldId id="302" r:id="rId15"/>
+    <p:sldId id="300" r:id="rId16"/>
+    <p:sldId id="303" r:id="rId17"/>
+    <p:sldId id="304" r:id="rId18"/>
+    <p:sldId id="316" r:id="rId19"/>
+    <p:sldId id="301" r:id="rId20"/>
+    <p:sldId id="305" r:id="rId21"/>
+    <p:sldId id="293" r:id="rId22"/>
+    <p:sldId id="306" r:id="rId23"/>
+    <p:sldId id="307" r:id="rId24"/>
+    <p:sldId id="309" r:id="rId25"/>
+    <p:sldId id="308" r:id="rId26"/>
+    <p:sldId id="312" r:id="rId27"/>
+    <p:sldId id="310" r:id="rId28"/>
+    <p:sldId id="311" r:id="rId29"/>
+    <p:sldId id="284" r:id="rId30"/>
   </p:sldIdLst>
   <p:sldSz cx="12192000" cy="6858000"/>
   <p:notesSz cx="6858000" cy="9144000"/>
@@ -143,7 +146,7 @@
 <file path=ppt/revisionInfo.xml><?xml version="1.0" encoding="utf-8"?>
 <p1510:revInfo xmlns:a="http://schemas.openxmlformats.org/drawingml/2006/main" xmlns:r="http://schemas.openxmlformats.org/officeDocument/2006/relationships" xmlns:p1510="http://schemas.microsoft.com/office/powerpoint/2015/10/main">
   <p1510:revLst>
-    <p1510:client id="{FA439B40-CE70-4594-AB51-0583BED6F80E}" v="768" dt="2024-05-22T17:49:08.048"/>
+    <p1510:client id="{FA439B40-CE70-4594-AB51-0583BED6F80E}" v="2523" dt="2024-06-06T15:00:56.566"/>
   </p1510:revLst>
 </p1510:revInfo>
 </file>
@@ -153,7 +156,7 @@
   <pc:docChgLst>
     <pc:chgData name="Ismaël Tuo" userId="fca7baf0e513a1e6" providerId="LiveId" clId="{FA439B40-CE70-4594-AB51-0583BED6F80E}"/>
     <pc:docChg chg="undo custSel addSld delSld modSld sldOrd">
-      <pc:chgData name="Ismaël Tuo" userId="fca7baf0e513a1e6" providerId="LiveId" clId="{FA439B40-CE70-4594-AB51-0583BED6F80E}" dt="2024-05-22T17:53:09.672" v="12559" actId="20577"/>
+      <pc:chgData name="Ismaël Tuo" userId="fca7baf0e513a1e6" providerId="LiveId" clId="{FA439B40-CE70-4594-AB51-0583BED6F80E}" dt="2024-06-06T15:01:09.291" v="16455" actId="1076"/>
       <pc:docMkLst>
         <pc:docMk/>
       </pc:docMkLst>
@@ -188,13 +191,13 @@
         </pc:spChg>
       </pc:sldChg>
       <pc:sldChg chg="modSp mod">
-        <pc:chgData name="Ismaël Tuo" userId="fca7baf0e513a1e6" providerId="LiveId" clId="{FA439B40-CE70-4594-AB51-0583BED6F80E}" dt="2024-05-22T17:27:57.417" v="11265" actId="113"/>
+        <pc:chgData name="Ismaël Tuo" userId="fca7baf0e513a1e6" providerId="LiveId" clId="{FA439B40-CE70-4594-AB51-0583BED6F80E}" dt="2024-06-06T14:28:04.378" v="14326" actId="108"/>
         <pc:sldMkLst>
           <pc:docMk/>
           <pc:sldMk cId="1268069196" sldId="285"/>
         </pc:sldMkLst>
         <pc:spChg chg="mod">
-          <ac:chgData name="Ismaël Tuo" userId="fca7baf0e513a1e6" providerId="LiveId" clId="{FA439B40-CE70-4594-AB51-0583BED6F80E}" dt="2024-05-22T17:27:57.417" v="11265" actId="113"/>
+          <ac:chgData name="Ismaël Tuo" userId="fca7baf0e513a1e6" providerId="LiveId" clId="{FA439B40-CE70-4594-AB51-0583BED6F80E}" dt="2024-06-06T14:28:04.378" v="14326" actId="108"/>
           <ac:spMkLst>
             <pc:docMk/>
             <pc:sldMk cId="1268069196" sldId="285"/>
@@ -203,7 +206,7 @@
         </pc:spChg>
       </pc:sldChg>
       <pc:sldChg chg="addSp delSp modSp mod">
-        <pc:chgData name="Ismaël Tuo" userId="fca7baf0e513a1e6" providerId="LiveId" clId="{FA439B40-CE70-4594-AB51-0583BED6F80E}" dt="2024-05-22T17:53:09.672" v="12559" actId="20577"/>
+        <pc:chgData name="Ismaël Tuo" userId="fca7baf0e513a1e6" providerId="LiveId" clId="{FA439B40-CE70-4594-AB51-0583BED6F80E}" dt="2024-06-06T13:45:20.176" v="12579" actId="20577"/>
         <pc:sldMkLst>
           <pc:docMk/>
           <pc:sldMk cId="2639441608" sldId="286"/>
@@ -361,7 +364,7 @@
           </ac:spMkLst>
         </pc:spChg>
         <pc:spChg chg="add mod">
-          <ac:chgData name="Ismaël Tuo" userId="fca7baf0e513a1e6" providerId="LiveId" clId="{FA439B40-CE70-4594-AB51-0583BED6F80E}" dt="2024-05-22T17:53:09.672" v="12559" actId="20577"/>
+          <ac:chgData name="Ismaël Tuo" userId="fca7baf0e513a1e6" providerId="LiveId" clId="{FA439B40-CE70-4594-AB51-0583BED6F80E}" dt="2024-06-06T13:44:34.004" v="12563" actId="20577"/>
           <ac:spMkLst>
             <pc:docMk/>
             <pc:sldMk cId="2639441608" sldId="286"/>
@@ -369,7 +372,7 @@
           </ac:spMkLst>
         </pc:spChg>
         <pc:spChg chg="add mod">
-          <ac:chgData name="Ismaël Tuo" userId="fca7baf0e513a1e6" providerId="LiveId" clId="{FA439B40-CE70-4594-AB51-0583BED6F80E}" dt="2024-05-22T16:53:14.205" v="10133" actId="1076"/>
+          <ac:chgData name="Ismaël Tuo" userId="fca7baf0e513a1e6" providerId="LiveId" clId="{FA439B40-CE70-4594-AB51-0583BED6F80E}" dt="2024-06-06T13:45:20.176" v="12579" actId="20577"/>
           <ac:spMkLst>
             <pc:docMk/>
             <pc:sldMk cId="2639441608" sldId="286"/>
@@ -538,7 +541,7 @@
         </pc:sldMkLst>
       </pc:sldChg>
       <pc:sldChg chg="addSp delSp modSp add mod ord">
-        <pc:chgData name="Ismaël Tuo" userId="fca7baf0e513a1e6" providerId="LiveId" clId="{FA439B40-CE70-4594-AB51-0583BED6F80E}" dt="2024-05-22T17:26:08.522" v="11260" actId="20577"/>
+        <pc:chgData name="Ismaël Tuo" userId="fca7baf0e513a1e6" providerId="LiveId" clId="{FA439B40-CE70-4594-AB51-0583BED6F80E}" dt="2024-06-06T13:46:56.063" v="12582" actId="14100"/>
         <pc:sldMkLst>
           <pc:docMk/>
           <pc:sldMk cId="3982892092" sldId="294"/>
@@ -616,7 +619,7 @@
           </ac:picMkLst>
         </pc:picChg>
         <pc:picChg chg="add mod">
-          <ac:chgData name="Ismaël Tuo" userId="fca7baf0e513a1e6" providerId="LiveId" clId="{FA439B40-CE70-4594-AB51-0583BED6F80E}" dt="2024-05-22T17:24:19.903" v="11148" actId="1076"/>
+          <ac:chgData name="Ismaël Tuo" userId="fca7baf0e513a1e6" providerId="LiveId" clId="{FA439B40-CE70-4594-AB51-0583BED6F80E}" dt="2024-06-06T13:46:56.063" v="12582" actId="14100"/>
           <ac:picMkLst>
             <pc:docMk/>
             <pc:sldMk cId="3982892092" sldId="294"/>
@@ -632,14 +635,22 @@
           </ac:cxnSpMkLst>
         </pc:cxnChg>
       </pc:sldChg>
-      <pc:sldChg chg="modSp add mod ord">
-        <pc:chgData name="Ismaël Tuo" userId="fca7baf0e513a1e6" providerId="LiveId" clId="{FA439B40-CE70-4594-AB51-0583BED6F80E}" dt="2024-03-17T13:02:04.957" v="366" actId="20577"/>
+      <pc:sldChg chg="addSp modSp add mod ord">
+        <pc:chgData name="Ismaël Tuo" userId="fca7baf0e513a1e6" providerId="LiveId" clId="{FA439B40-CE70-4594-AB51-0583BED6F80E}" dt="2024-06-06T14:42:21.228" v="15447" actId="20577"/>
         <pc:sldMkLst>
           <pc:docMk/>
           <pc:sldMk cId="152848069" sldId="295"/>
         </pc:sldMkLst>
+        <pc:spChg chg="add mod">
+          <ac:chgData name="Ismaël Tuo" userId="fca7baf0e513a1e6" providerId="LiveId" clId="{FA439B40-CE70-4594-AB51-0583BED6F80E}" dt="2024-06-06T14:41:25.785" v="15435" actId="20577"/>
+          <ac:spMkLst>
+            <pc:docMk/>
+            <pc:sldMk cId="152848069" sldId="295"/>
+            <ac:spMk id="2" creationId="{4144CDDC-1B2C-E89E-6225-FE9353112FC2}"/>
+          </ac:spMkLst>
+        </pc:spChg>
         <pc:spChg chg="mod">
-          <ac:chgData name="Ismaël Tuo" userId="fca7baf0e513a1e6" providerId="LiveId" clId="{FA439B40-CE70-4594-AB51-0583BED6F80E}" dt="2024-03-17T13:01:35.359" v="354" actId="20577"/>
+          <ac:chgData name="Ismaël Tuo" userId="fca7baf0e513a1e6" providerId="LiveId" clId="{FA439B40-CE70-4594-AB51-0583BED6F80E}" dt="2024-06-06T14:27:32.597" v="14319" actId="20577"/>
           <ac:spMkLst>
             <pc:docMk/>
             <pc:sldMk cId="152848069" sldId="295"/>
@@ -647,13 +658,53 @@
           </ac:spMkLst>
         </pc:spChg>
         <pc:spChg chg="mod">
-          <ac:chgData name="Ismaël Tuo" userId="fca7baf0e513a1e6" providerId="LiveId" clId="{FA439B40-CE70-4594-AB51-0583BED6F80E}" dt="2024-03-17T13:02:04.957" v="366" actId="20577"/>
+          <ac:chgData name="Ismaël Tuo" userId="fca7baf0e513a1e6" providerId="LiveId" clId="{FA439B40-CE70-4594-AB51-0583BED6F80E}" dt="2024-06-06T14:32:59.666" v="14890" actId="1076"/>
           <ac:spMkLst>
             <pc:docMk/>
             <pc:sldMk cId="152848069" sldId="295"/>
             <ac:spMk id="7" creationId="{B31AF22B-77AC-398F-8B32-17C6B4914236}"/>
           </ac:spMkLst>
         </pc:spChg>
+        <pc:spChg chg="add mod">
+          <ac:chgData name="Ismaël Tuo" userId="fca7baf0e513a1e6" providerId="LiveId" clId="{FA439B40-CE70-4594-AB51-0583BED6F80E}" dt="2024-06-06T14:38:00.814" v="14906" actId="1076"/>
+          <ac:spMkLst>
+            <pc:docMk/>
+            <pc:sldMk cId="152848069" sldId="295"/>
+            <ac:spMk id="10" creationId="{97479AE7-F9AC-4733-3C43-E3439B7323DF}"/>
+          </ac:spMkLst>
+        </pc:spChg>
+        <pc:spChg chg="add mod">
+          <ac:chgData name="Ismaël Tuo" userId="fca7baf0e513a1e6" providerId="LiveId" clId="{FA439B40-CE70-4594-AB51-0583BED6F80E}" dt="2024-06-06T14:40:58.331" v="15421" actId="1076"/>
+          <ac:spMkLst>
+            <pc:docMk/>
+            <pc:sldMk cId="152848069" sldId="295"/>
+            <ac:spMk id="13" creationId="{53E96248-3DF2-2FE8-1295-30F979312E12}"/>
+          </ac:spMkLst>
+        </pc:spChg>
+        <pc:spChg chg="add mod">
+          <ac:chgData name="Ismaël Tuo" userId="fca7baf0e513a1e6" providerId="LiveId" clId="{FA439B40-CE70-4594-AB51-0583BED6F80E}" dt="2024-06-06T14:42:21.228" v="15447" actId="20577"/>
+          <ac:spMkLst>
+            <pc:docMk/>
+            <pc:sldMk cId="152848069" sldId="295"/>
+            <ac:spMk id="14" creationId="{C559A984-F6DD-C562-FD56-5DFBEE3E9BBF}"/>
+          </ac:spMkLst>
+        </pc:spChg>
+        <pc:picChg chg="add mod">
+          <ac:chgData name="Ismaël Tuo" userId="fca7baf0e513a1e6" providerId="LiveId" clId="{FA439B40-CE70-4594-AB51-0583BED6F80E}" dt="2024-06-06T14:37:21.327" v="14898" actId="1076"/>
+          <ac:picMkLst>
+            <pc:docMk/>
+            <pc:sldMk cId="152848069" sldId="295"/>
+            <ac:picMk id="9" creationId="{D0D22AFC-A0EF-C77F-765C-0CEF9FCC4010}"/>
+          </ac:picMkLst>
+        </pc:picChg>
+        <pc:picChg chg="add mod">
+          <ac:chgData name="Ismaël Tuo" userId="fca7baf0e513a1e6" providerId="LiveId" clId="{FA439B40-CE70-4594-AB51-0583BED6F80E}" dt="2024-06-06T14:37:56.673" v="14905" actId="1076"/>
+          <ac:picMkLst>
+            <pc:docMk/>
+            <pc:sldMk cId="152848069" sldId="295"/>
+            <ac:picMk id="12" creationId="{AEAB14F0-0D3D-CF8A-A508-B8E84058620E}"/>
+          </ac:picMkLst>
+        </pc:picChg>
       </pc:sldChg>
       <pc:sldChg chg="del">
         <pc:chgData name="Ismaël Tuo" userId="fca7baf0e513a1e6" providerId="LiveId" clId="{FA439B40-CE70-4594-AB51-0583BED6F80E}" dt="2024-03-17T12:53:38.478" v="45" actId="47"/>
@@ -663,7 +714,7 @@
         </pc:sldMkLst>
       </pc:sldChg>
       <pc:sldChg chg="addSp modSp add mod">
-        <pc:chgData name="Ismaël Tuo" userId="fca7baf0e513a1e6" providerId="LiveId" clId="{FA439B40-CE70-4594-AB51-0583BED6F80E}" dt="2024-05-22T17:39:41.576" v="11901" actId="1076"/>
+        <pc:chgData name="Ismaël Tuo" userId="fca7baf0e513a1e6" providerId="LiveId" clId="{FA439B40-CE70-4594-AB51-0583BED6F80E}" dt="2024-06-06T13:48:03.479" v="12583" actId="14100"/>
         <pc:sldMkLst>
           <pc:docMk/>
           <pc:sldMk cId="2158608105" sldId="296"/>
@@ -709,7 +760,7 @@
           </ac:picMkLst>
         </pc:picChg>
         <pc:picChg chg="add mod">
-          <ac:chgData name="Ismaël Tuo" userId="fca7baf0e513a1e6" providerId="LiveId" clId="{FA439B40-CE70-4594-AB51-0583BED6F80E}" dt="2024-05-22T17:39:41.576" v="11901" actId="1076"/>
+          <ac:chgData name="Ismaël Tuo" userId="fca7baf0e513a1e6" providerId="LiveId" clId="{FA439B40-CE70-4594-AB51-0583BED6F80E}" dt="2024-06-06T13:48:03.479" v="12583" actId="14100"/>
           <ac:picMkLst>
             <pc:docMk/>
             <pc:sldMk cId="2158608105" sldId="296"/>
@@ -731,12 +782,20 @@
           <pc:sldMk cId="1523225851" sldId="297"/>
         </pc:sldMkLst>
       </pc:sldChg>
-      <pc:sldChg chg="modSp add mod">
-        <pc:chgData name="Ismaël Tuo" userId="fca7baf0e513a1e6" providerId="LiveId" clId="{FA439B40-CE70-4594-AB51-0583BED6F80E}" dt="2024-03-17T13:00:00.548" v="301" actId="20577"/>
+      <pc:sldChg chg="addSp delSp modSp add mod">
+        <pc:chgData name="Ismaël Tuo" userId="fca7baf0e513a1e6" providerId="LiveId" clId="{FA439B40-CE70-4594-AB51-0583BED6F80E}" dt="2024-06-06T14:05:21.141" v="13433" actId="113"/>
         <pc:sldMkLst>
           <pc:docMk/>
           <pc:sldMk cId="3278254478" sldId="297"/>
         </pc:sldMkLst>
+        <pc:spChg chg="add mod">
+          <ac:chgData name="Ismaël Tuo" userId="fca7baf0e513a1e6" providerId="LiveId" clId="{FA439B40-CE70-4594-AB51-0583BED6F80E}" dt="2024-06-06T14:04:24.053" v="13425" actId="1076"/>
+          <ac:spMkLst>
+            <pc:docMk/>
+            <pc:sldMk cId="3278254478" sldId="297"/>
+            <ac:spMk id="2" creationId="{FE81D5E0-2CE9-25B8-A1F0-49FA2542D2A6}"/>
+          </ac:spMkLst>
+        </pc:spChg>
         <pc:spChg chg="mod">
           <ac:chgData name="Ismaël Tuo" userId="fca7baf0e513a1e6" providerId="LiveId" clId="{FA439B40-CE70-4594-AB51-0583BED6F80E}" dt="2024-03-17T12:59:53.795" v="299" actId="20577"/>
           <ac:spMkLst>
@@ -746,13 +805,61 @@
           </ac:spMkLst>
         </pc:spChg>
         <pc:spChg chg="mod">
-          <ac:chgData name="Ismaël Tuo" userId="fca7baf0e513a1e6" providerId="LiveId" clId="{FA439B40-CE70-4594-AB51-0583BED6F80E}" dt="2024-03-17T13:00:00.548" v="301" actId="20577"/>
+          <ac:chgData name="Ismaël Tuo" userId="fca7baf0e513a1e6" providerId="LiveId" clId="{FA439B40-CE70-4594-AB51-0583BED6F80E}" dt="2024-06-06T14:04:20.094" v="13424" actId="1076"/>
           <ac:spMkLst>
             <pc:docMk/>
             <pc:sldMk cId="3278254478" sldId="297"/>
             <ac:spMk id="7" creationId="{B31AF22B-77AC-398F-8B32-17C6B4914236}"/>
           </ac:spMkLst>
         </pc:spChg>
+        <pc:spChg chg="add mod">
+          <ac:chgData name="Ismaël Tuo" userId="fca7baf0e513a1e6" providerId="LiveId" clId="{FA439B40-CE70-4594-AB51-0583BED6F80E}" dt="2024-06-06T14:05:21.141" v="13433" actId="113"/>
+          <ac:spMkLst>
+            <pc:docMk/>
+            <pc:sldMk cId="3278254478" sldId="297"/>
+            <ac:spMk id="8" creationId="{28731657-1982-0564-6148-8700366FB9ED}"/>
+          </ac:spMkLst>
+        </pc:spChg>
+        <pc:spChg chg="add mod">
+          <ac:chgData name="Ismaël Tuo" userId="fca7baf0e513a1e6" providerId="LiveId" clId="{FA439B40-CE70-4594-AB51-0583BED6F80E}" dt="2024-06-06T14:04:29.747" v="13427" actId="1076"/>
+          <ac:spMkLst>
+            <pc:docMk/>
+            <pc:sldMk cId="3278254478" sldId="297"/>
+            <ac:spMk id="13" creationId="{1386D3BD-C3F5-B426-7E8C-622F33DE6D52}"/>
+          </ac:spMkLst>
+        </pc:spChg>
+        <pc:spChg chg="add mod">
+          <ac:chgData name="Ismaël Tuo" userId="fca7baf0e513a1e6" providerId="LiveId" clId="{FA439B40-CE70-4594-AB51-0583BED6F80E}" dt="2024-06-06T14:04:43.900" v="13431"/>
+          <ac:spMkLst>
+            <pc:docMk/>
+            <pc:sldMk cId="3278254478" sldId="297"/>
+            <ac:spMk id="16" creationId="{C9D056B6-D304-8387-B6CE-76BE299A9E20}"/>
+          </ac:spMkLst>
+        </pc:spChg>
+        <pc:picChg chg="add mod">
+          <ac:chgData name="Ismaël Tuo" userId="fca7baf0e513a1e6" providerId="LiveId" clId="{FA439B40-CE70-4594-AB51-0583BED6F80E}" dt="2024-06-06T14:04:31.660" v="13428" actId="1076"/>
+          <ac:picMkLst>
+            <pc:docMk/>
+            <pc:sldMk cId="3278254478" sldId="297"/>
+            <ac:picMk id="10" creationId="{6B70F036-8836-7A94-4CA7-2F46B8742336}"/>
+          </ac:picMkLst>
+        </pc:picChg>
+        <pc:picChg chg="add del">
+          <ac:chgData name="Ismaël Tuo" userId="fca7baf0e513a1e6" providerId="LiveId" clId="{FA439B40-CE70-4594-AB51-0583BED6F80E}" dt="2024-06-06T13:59:27.164" v="13051" actId="22"/>
+          <ac:picMkLst>
+            <pc:docMk/>
+            <pc:sldMk cId="3278254478" sldId="297"/>
+            <ac:picMk id="12" creationId="{A387DEED-C588-5686-CC67-DBAA04E5FA09}"/>
+          </ac:picMkLst>
+        </pc:picChg>
+        <pc:picChg chg="add mod">
+          <ac:chgData name="Ismaël Tuo" userId="fca7baf0e513a1e6" providerId="LiveId" clId="{FA439B40-CE70-4594-AB51-0583BED6F80E}" dt="2024-06-06T14:04:35.791" v="13429" actId="1076"/>
+          <ac:picMkLst>
+            <pc:docMk/>
+            <pc:sldMk cId="3278254478" sldId="297"/>
+            <ac:picMk id="15" creationId="{A6838FB9-917D-4D7F-C97C-46E2D412F0AF}"/>
+          </ac:picMkLst>
+        </pc:picChg>
       </pc:sldChg>
       <pc:sldChg chg="modSp add mod">
         <pc:chgData name="Ismaël Tuo" userId="fca7baf0e513a1e6" providerId="LiveId" clId="{FA439B40-CE70-4594-AB51-0583BED6F80E}" dt="2024-03-17T13:02:47.595" v="399" actId="20577"/>
@@ -873,8 +980,8 @@
           </ac:spMkLst>
         </pc:spChg>
       </pc:sldChg>
-      <pc:sldChg chg="modSp add mod">
-        <pc:chgData name="Ismaël Tuo" userId="fca7baf0e513a1e6" providerId="LiveId" clId="{FA439B40-CE70-4594-AB51-0583BED6F80E}" dt="2024-03-17T13:15:54.119" v="1095" actId="20577"/>
+      <pc:sldChg chg="modSp add mod ord">
+        <pc:chgData name="Ismaël Tuo" userId="fca7baf0e513a1e6" providerId="LiveId" clId="{FA439B40-CE70-4594-AB51-0583BED6F80E}" dt="2024-06-06T14:26:59.691" v="14308"/>
         <pc:sldMkLst>
           <pc:docMk/>
           <pc:sldMk cId="2865238125" sldId="302"/>
@@ -1334,12 +1441,20 @@
           </ac:picMkLst>
         </pc:picChg>
       </pc:sldChg>
-      <pc:sldChg chg="add">
-        <pc:chgData name="Ismaël Tuo" userId="fca7baf0e513a1e6" providerId="LiveId" clId="{FA439B40-CE70-4594-AB51-0583BED6F80E}" dt="2024-05-22T17:15:05.693" v="10672" actId="2890"/>
+      <pc:sldChg chg="modSp add mod">
+        <pc:chgData name="Ismaël Tuo" userId="fca7baf0e513a1e6" providerId="LiveId" clId="{FA439B40-CE70-4594-AB51-0583BED6F80E}" dt="2024-06-06T13:45:43.804" v="12580" actId="20577"/>
         <pc:sldMkLst>
           <pc:docMk/>
           <pc:sldMk cId="1044631931" sldId="313"/>
         </pc:sldMkLst>
+        <pc:spChg chg="mod">
+          <ac:chgData name="Ismaël Tuo" userId="fca7baf0e513a1e6" providerId="LiveId" clId="{FA439B40-CE70-4594-AB51-0583BED6F80E}" dt="2024-06-06T13:45:43.804" v="12580" actId="20577"/>
+          <ac:spMkLst>
+            <pc:docMk/>
+            <pc:sldMk cId="1044631931" sldId="313"/>
+            <ac:spMk id="7" creationId="{B31AF22B-77AC-398F-8B32-17C6B4914236}"/>
+          </ac:spMkLst>
+        </pc:spChg>
       </pc:sldChg>
       <pc:sldChg chg="add del">
         <pc:chgData name="Ismaël Tuo" userId="fca7baf0e513a1e6" providerId="LiveId" clId="{FA439B40-CE70-4594-AB51-0583BED6F80E}" dt="2024-05-22T17:02:51.540" v="10138" actId="2696"/>
@@ -1349,13 +1464,13 @@
         </pc:sldMkLst>
       </pc:sldChg>
       <pc:sldChg chg="addSp delSp modSp add mod">
-        <pc:chgData name="Ismaël Tuo" userId="fca7baf0e513a1e6" providerId="LiveId" clId="{FA439B40-CE70-4594-AB51-0583BED6F80E}" dt="2024-05-22T17:51:30.636" v="12497" actId="1076"/>
+        <pc:chgData name="Ismaël Tuo" userId="fca7baf0e513a1e6" providerId="LiveId" clId="{FA439B40-CE70-4594-AB51-0583BED6F80E}" dt="2024-06-06T13:49:04.211" v="12593" actId="20577"/>
         <pc:sldMkLst>
           <pc:docMk/>
           <pc:sldMk cId="2384567302" sldId="314"/>
         </pc:sldMkLst>
         <pc:spChg chg="add mod">
-          <ac:chgData name="Ismaël Tuo" userId="fca7baf0e513a1e6" providerId="LiveId" clId="{FA439B40-CE70-4594-AB51-0583BED6F80E}" dt="2024-05-22T17:50:03.975" v="12492" actId="20577"/>
+          <ac:chgData name="Ismaël Tuo" userId="fca7baf0e513a1e6" providerId="LiveId" clId="{FA439B40-CE70-4594-AB51-0583BED6F80E}" dt="2024-06-06T13:48:34.175" v="12590" actId="20577"/>
           <ac:spMkLst>
             <pc:docMk/>
             <pc:sldMk cId="2384567302" sldId="314"/>
@@ -1363,7 +1478,7 @@
           </ac:spMkLst>
         </pc:spChg>
         <pc:spChg chg="mod">
-          <ac:chgData name="Ismaël Tuo" userId="fca7baf0e513a1e6" providerId="LiveId" clId="{FA439B40-CE70-4594-AB51-0583BED6F80E}" dt="2024-05-22T17:41:33.404" v="12088" actId="20577"/>
+          <ac:chgData name="Ismaël Tuo" userId="fca7baf0e513a1e6" providerId="LiveId" clId="{FA439B40-CE70-4594-AB51-0583BED6F80E}" dt="2024-06-06T13:48:25.534" v="12587" actId="20577"/>
           <ac:spMkLst>
             <pc:docMk/>
             <pc:sldMk cId="2384567302" sldId="314"/>
@@ -1387,7 +1502,7 @@
           </ac:spMkLst>
         </pc:spChg>
         <pc:spChg chg="add mod">
-          <ac:chgData name="Ismaël Tuo" userId="fca7baf0e513a1e6" providerId="LiveId" clId="{FA439B40-CE70-4594-AB51-0583BED6F80E}" dt="2024-05-22T17:51:30.636" v="12497" actId="1076"/>
+          <ac:chgData name="Ismaël Tuo" userId="fca7baf0e513a1e6" providerId="LiveId" clId="{FA439B40-CE70-4594-AB51-0583BED6F80E}" dt="2024-06-06T13:49:04.211" v="12593" actId="20577"/>
           <ac:spMkLst>
             <pc:docMk/>
             <pc:sldMk cId="2384567302" sldId="314"/>
@@ -1443,6 +1558,219 @@
           </ac:picMkLst>
         </pc:picChg>
       </pc:sldChg>
+      <pc:sldChg chg="addSp delSp modSp add mod">
+        <pc:chgData name="Ismaël Tuo" userId="fca7baf0e513a1e6" providerId="LiveId" clId="{FA439B40-CE70-4594-AB51-0583BED6F80E}" dt="2024-06-06T14:23:01.907" v="14304" actId="1076"/>
+        <pc:sldMkLst>
+          <pc:docMk/>
+          <pc:sldMk cId="718073844" sldId="315"/>
+        </pc:sldMkLst>
+        <pc:spChg chg="del mod">
+          <ac:chgData name="Ismaël Tuo" userId="fca7baf0e513a1e6" providerId="LiveId" clId="{FA439B40-CE70-4594-AB51-0583BED6F80E}" dt="2024-06-06T14:22:27.012" v="14298" actId="478"/>
+          <ac:spMkLst>
+            <pc:docMk/>
+            <pc:sldMk cId="718073844" sldId="315"/>
+            <ac:spMk id="2" creationId="{FE81D5E0-2CE9-25B8-A1F0-49FA2542D2A6}"/>
+          </ac:spMkLst>
+        </pc:spChg>
+        <pc:spChg chg="mod">
+          <ac:chgData name="Ismaël Tuo" userId="fca7baf0e513a1e6" providerId="LiveId" clId="{FA439B40-CE70-4594-AB51-0583BED6F80E}" dt="2024-06-06T14:22:22.119" v="14297" actId="20577"/>
+          <ac:spMkLst>
+            <pc:docMk/>
+            <pc:sldMk cId="718073844" sldId="315"/>
+            <ac:spMk id="7" creationId="{B31AF22B-77AC-398F-8B32-17C6B4914236}"/>
+          </ac:spMkLst>
+        </pc:spChg>
+        <pc:spChg chg="mod">
+          <ac:chgData name="Ismaël Tuo" userId="fca7baf0e513a1e6" providerId="LiveId" clId="{FA439B40-CE70-4594-AB51-0583BED6F80E}" dt="2024-06-06T14:22:29.936" v="14299" actId="1076"/>
+          <ac:spMkLst>
+            <pc:docMk/>
+            <pc:sldMk cId="718073844" sldId="315"/>
+            <ac:spMk id="8" creationId="{28731657-1982-0564-6148-8700366FB9ED}"/>
+          </ac:spMkLst>
+        </pc:spChg>
+        <pc:spChg chg="add mod">
+          <ac:chgData name="Ismaël Tuo" userId="fca7baf0e513a1e6" providerId="LiveId" clId="{FA439B40-CE70-4594-AB51-0583BED6F80E}" dt="2024-06-06T14:22:44.145" v="14303" actId="1076"/>
+          <ac:spMkLst>
+            <pc:docMk/>
+            <pc:sldMk cId="718073844" sldId="315"/>
+            <ac:spMk id="9" creationId="{042C645D-E09C-C962-FD62-79D0A79985EE}"/>
+          </ac:spMkLst>
+        </pc:spChg>
+        <pc:spChg chg="add mod">
+          <ac:chgData name="Ismaël Tuo" userId="fca7baf0e513a1e6" providerId="LiveId" clId="{FA439B40-CE70-4594-AB51-0583BED6F80E}" dt="2024-06-06T14:21:20.163" v="14291" actId="1076"/>
+          <ac:spMkLst>
+            <pc:docMk/>
+            <pc:sldMk cId="718073844" sldId="315"/>
+            <ac:spMk id="11" creationId="{2D7C2A00-B2F0-C0ED-B766-C0B945788C7B}"/>
+          </ac:spMkLst>
+        </pc:spChg>
+        <pc:spChg chg="del">
+          <ac:chgData name="Ismaël Tuo" userId="fca7baf0e513a1e6" providerId="LiveId" clId="{FA439B40-CE70-4594-AB51-0583BED6F80E}" dt="2024-06-06T14:13:09.223" v="13709" actId="478"/>
+          <ac:spMkLst>
+            <pc:docMk/>
+            <pc:sldMk cId="718073844" sldId="315"/>
+            <ac:spMk id="13" creationId="{1386D3BD-C3F5-B426-7E8C-622F33DE6D52}"/>
+          </ac:spMkLst>
+        </pc:spChg>
+        <pc:spChg chg="mod">
+          <ac:chgData name="Ismaël Tuo" userId="fca7baf0e513a1e6" providerId="LiveId" clId="{FA439B40-CE70-4594-AB51-0583BED6F80E}" dt="2024-06-06T14:22:39.160" v="14302" actId="1076"/>
+          <ac:spMkLst>
+            <pc:docMk/>
+            <pc:sldMk cId="718073844" sldId="315"/>
+            <ac:spMk id="16" creationId="{C9D056B6-D304-8387-B6CE-76BE299A9E20}"/>
+          </ac:spMkLst>
+        </pc:spChg>
+        <pc:picChg chg="del">
+          <ac:chgData name="Ismaël Tuo" userId="fca7baf0e513a1e6" providerId="LiveId" clId="{FA439B40-CE70-4594-AB51-0583BED6F80E}" dt="2024-06-06T14:13:11.430" v="13711" actId="478"/>
+          <ac:picMkLst>
+            <pc:docMk/>
+            <pc:sldMk cId="718073844" sldId="315"/>
+            <ac:picMk id="10" creationId="{6B70F036-8836-7A94-4CA7-2F46B8742336}"/>
+          </ac:picMkLst>
+        </pc:picChg>
+        <pc:picChg chg="add mod">
+          <ac:chgData name="Ismaël Tuo" userId="fca7baf0e513a1e6" providerId="LiveId" clId="{FA439B40-CE70-4594-AB51-0583BED6F80E}" dt="2024-06-06T14:23:01.907" v="14304" actId="1076"/>
+          <ac:picMkLst>
+            <pc:docMk/>
+            <pc:sldMk cId="718073844" sldId="315"/>
+            <ac:picMk id="14" creationId="{C9202565-E9ED-FD65-8665-D1E614BDC4F9}"/>
+          </ac:picMkLst>
+        </pc:picChg>
+        <pc:picChg chg="del">
+          <ac:chgData name="Ismaël Tuo" userId="fca7baf0e513a1e6" providerId="LiveId" clId="{FA439B40-CE70-4594-AB51-0583BED6F80E}" dt="2024-06-06T14:13:10.667" v="13710" actId="478"/>
+          <ac:picMkLst>
+            <pc:docMk/>
+            <pc:sldMk cId="718073844" sldId="315"/>
+            <ac:picMk id="15" creationId="{A6838FB9-917D-4D7F-C97C-46E2D412F0AF}"/>
+          </ac:picMkLst>
+        </pc:picChg>
+      </pc:sldChg>
+      <pc:sldChg chg="modSp add mod">
+        <pc:chgData name="Ismaël Tuo" userId="fca7baf0e513a1e6" providerId="LiveId" clId="{FA439B40-CE70-4594-AB51-0583BED6F80E}" dt="2024-06-06T14:08:48.739" v="13464"/>
+        <pc:sldMkLst>
+          <pc:docMk/>
+          <pc:sldMk cId="4119819306" sldId="316"/>
+        </pc:sldMkLst>
+        <pc:spChg chg="mod">
+          <ac:chgData name="Ismaël Tuo" userId="fca7baf0e513a1e6" providerId="LiveId" clId="{FA439B40-CE70-4594-AB51-0583BED6F80E}" dt="2024-06-06T14:08:38.273" v="13462" actId="20577"/>
+          <ac:spMkLst>
+            <pc:docMk/>
+            <pc:sldMk cId="4119819306" sldId="316"/>
+            <ac:spMk id="6" creationId="{84F10693-2FE8-EFC8-8DB6-84BFD181D260}"/>
+          </ac:spMkLst>
+        </pc:spChg>
+        <pc:spChg chg="mod">
+          <ac:chgData name="Ismaël Tuo" userId="fca7baf0e513a1e6" providerId="LiveId" clId="{FA439B40-CE70-4594-AB51-0583BED6F80E}" dt="2024-06-06T14:08:48.739" v="13464"/>
+          <ac:spMkLst>
+            <pc:docMk/>
+            <pc:sldMk cId="4119819306" sldId="316"/>
+            <ac:spMk id="7" creationId="{B31AF22B-77AC-398F-8B32-17C6B4914236}"/>
+          </ac:spMkLst>
+        </pc:spChg>
+      </pc:sldChg>
+      <pc:sldChg chg="addSp delSp modSp add mod">
+        <pc:chgData name="Ismaël Tuo" userId="fca7baf0e513a1e6" providerId="LiveId" clId="{FA439B40-CE70-4594-AB51-0583BED6F80E}" dt="2024-06-06T15:01:09.291" v="16455" actId="1076"/>
+        <pc:sldMkLst>
+          <pc:docMk/>
+          <pc:sldMk cId="3421814034" sldId="317"/>
+        </pc:sldMkLst>
+        <pc:spChg chg="mod">
+          <ac:chgData name="Ismaël Tuo" userId="fca7baf0e513a1e6" providerId="LiveId" clId="{FA439B40-CE70-4594-AB51-0583BED6F80E}" dt="2024-06-06T14:51:22.498" v="16010" actId="1076"/>
+          <ac:spMkLst>
+            <pc:docMk/>
+            <pc:sldMk cId="3421814034" sldId="317"/>
+            <ac:spMk id="2" creationId="{4144CDDC-1B2C-E89E-6225-FE9353112FC2}"/>
+          </ac:spMkLst>
+        </pc:spChg>
+        <pc:spChg chg="mod">
+          <ac:chgData name="Ismaël Tuo" userId="fca7baf0e513a1e6" providerId="LiveId" clId="{FA439B40-CE70-4594-AB51-0583BED6F80E}" dt="2024-06-06T15:00:56.566" v="16453" actId="20577"/>
+          <ac:spMkLst>
+            <pc:docMk/>
+            <pc:sldMk cId="3421814034" sldId="317"/>
+            <ac:spMk id="7" creationId="{B31AF22B-77AC-398F-8B32-17C6B4914236}"/>
+          </ac:spMkLst>
+        </pc:spChg>
+        <pc:spChg chg="add mod">
+          <ac:chgData name="Ismaël Tuo" userId="fca7baf0e513a1e6" providerId="LiveId" clId="{FA439B40-CE70-4594-AB51-0583BED6F80E}" dt="2024-06-06T14:51:50.217" v="16064" actId="1076"/>
+          <ac:spMkLst>
+            <pc:docMk/>
+            <pc:sldMk cId="3421814034" sldId="317"/>
+            <ac:spMk id="8" creationId="{5132B88B-DD3F-B9FA-E628-51A0D3097B8F}"/>
+          </ac:spMkLst>
+        </pc:spChg>
+        <pc:spChg chg="del">
+          <ac:chgData name="Ismaël Tuo" userId="fca7baf0e513a1e6" providerId="LiveId" clId="{FA439B40-CE70-4594-AB51-0583BED6F80E}" dt="2024-06-06T14:43:13.905" v="15450" actId="478"/>
+          <ac:spMkLst>
+            <pc:docMk/>
+            <pc:sldMk cId="3421814034" sldId="317"/>
+            <ac:spMk id="10" creationId="{97479AE7-F9AC-4733-3C43-E3439B7323DF}"/>
+          </ac:spMkLst>
+        </pc:spChg>
+        <pc:spChg chg="del">
+          <ac:chgData name="Ismaël Tuo" userId="fca7baf0e513a1e6" providerId="LiveId" clId="{FA439B40-CE70-4594-AB51-0583BED6F80E}" dt="2024-06-06T14:43:16.247" v="15452" actId="478"/>
+          <ac:spMkLst>
+            <pc:docMk/>
+            <pc:sldMk cId="3421814034" sldId="317"/>
+            <ac:spMk id="13" creationId="{53E96248-3DF2-2FE8-1295-30F979312E12}"/>
+          </ac:spMkLst>
+        </pc:spChg>
+        <pc:spChg chg="del">
+          <ac:chgData name="Ismaël Tuo" userId="fca7baf0e513a1e6" providerId="LiveId" clId="{FA439B40-CE70-4594-AB51-0583BED6F80E}" dt="2024-06-06T14:43:17.576" v="15453" actId="478"/>
+          <ac:spMkLst>
+            <pc:docMk/>
+            <pc:sldMk cId="3421814034" sldId="317"/>
+            <ac:spMk id="14" creationId="{C559A984-F6DD-C562-FD56-5DFBEE3E9BBF}"/>
+          </ac:spMkLst>
+        </pc:spChg>
+        <pc:spChg chg="add mod">
+          <ac:chgData name="Ismaël Tuo" userId="fca7baf0e513a1e6" providerId="LiveId" clId="{FA439B40-CE70-4594-AB51-0583BED6F80E}" dt="2024-06-06T15:01:09.291" v="16455" actId="1076"/>
+          <ac:spMkLst>
+            <pc:docMk/>
+            <pc:sldMk cId="3421814034" sldId="317"/>
+            <ac:spMk id="18" creationId="{2696CA0A-7371-D0E2-3C70-2523085C57BD}"/>
+          </ac:spMkLst>
+        </pc:spChg>
+        <pc:spChg chg="add mod">
+          <ac:chgData name="Ismaël Tuo" userId="fca7baf0e513a1e6" providerId="LiveId" clId="{FA439B40-CE70-4594-AB51-0583BED6F80E}" dt="2024-06-06T15:01:04.116" v="16454" actId="1076"/>
+          <ac:spMkLst>
+            <pc:docMk/>
+            <pc:sldMk cId="3421814034" sldId="317"/>
+            <ac:spMk id="19" creationId="{34134044-774D-1358-E8A0-180B7E04885A}"/>
+          </ac:spMkLst>
+        </pc:spChg>
+        <pc:picChg chg="del">
+          <ac:chgData name="Ismaël Tuo" userId="fca7baf0e513a1e6" providerId="LiveId" clId="{FA439B40-CE70-4594-AB51-0583BED6F80E}" dt="2024-06-06T14:43:12.446" v="15449" actId="478"/>
+          <ac:picMkLst>
+            <pc:docMk/>
+            <pc:sldMk cId="3421814034" sldId="317"/>
+            <ac:picMk id="9" creationId="{D0D22AFC-A0EF-C77F-765C-0CEF9FCC4010}"/>
+          </ac:picMkLst>
+        </pc:picChg>
+        <pc:picChg chg="del">
+          <ac:chgData name="Ismaël Tuo" userId="fca7baf0e513a1e6" providerId="LiveId" clId="{FA439B40-CE70-4594-AB51-0583BED6F80E}" dt="2024-06-06T14:43:14.702" v="15451" actId="478"/>
+          <ac:picMkLst>
+            <pc:docMk/>
+            <pc:sldMk cId="3421814034" sldId="317"/>
+            <ac:picMk id="12" creationId="{AEAB14F0-0D3D-CF8A-A508-B8E84058620E}"/>
+          </ac:picMkLst>
+        </pc:picChg>
+        <pc:picChg chg="add mod">
+          <ac:chgData name="Ismaël Tuo" userId="fca7baf0e513a1e6" providerId="LiveId" clId="{FA439B40-CE70-4594-AB51-0583BED6F80E}" dt="2024-06-06T14:59:57.800" v="16443" actId="1076"/>
+          <ac:picMkLst>
+            <pc:docMk/>
+            <pc:sldMk cId="3421814034" sldId="317"/>
+            <ac:picMk id="15" creationId="{484A56E5-DF3E-387E-2C4C-DC897AA83F19}"/>
+          </ac:picMkLst>
+        </pc:picChg>
+        <pc:picChg chg="add mod">
+          <ac:chgData name="Ismaël Tuo" userId="fca7baf0e513a1e6" providerId="LiveId" clId="{FA439B40-CE70-4594-AB51-0583BED6F80E}" dt="2024-06-06T14:59:59.129" v="16444" actId="1076"/>
+          <ac:picMkLst>
+            <pc:docMk/>
+            <pc:sldMk cId="3421814034" sldId="317"/>
+            <ac:picMk id="17" creationId="{B02DA241-16BB-4691-8FB3-E88AC8C244A3}"/>
+          </ac:picMkLst>
+        </pc:picChg>
+      </pc:sldChg>
     </pc:docChg>
   </pc:docChgLst>
 </pc:chgInfo>
@@ -1530,7 +1858,7 @@
           <a:p>
             <a:fld id="{5D1B8971-FAD5-A544-A565-5C81831E2E08}" type="datetimeFigureOut">
               <a:rPr lang="fr-FR" smtClean="0"/>
-              <a:t>22/05/2024</a:t>
+              <a:t>06/06/2024</a:t>
             </a:fld>
             <a:endParaRPr lang="fr-FR"/>
           </a:p>
@@ -1960,7 +2288,7 @@
           <a:p>
             <a:fld id="{446AF453-C717-E044-9B61-C449088DBB9F}" type="datetime1">
               <a:rPr lang="fr-FR" smtClean="0"/>
-              <a:t>22/05/2024</a:t>
+              <a:t>06/06/2024</a:t>
             </a:fld>
             <a:endParaRPr lang="fr-FR"/>
           </a:p>
@@ -2134,7 +2462,7 @@
           <a:p>
             <a:fld id="{0AD74B8B-4B66-A54B-A7E1-EB9F6C09CE67}" type="datetime1">
               <a:rPr lang="fr-FR" smtClean="0"/>
-              <a:t>22/05/2024</a:t>
+              <a:t>06/06/2024</a:t>
             </a:fld>
             <a:endParaRPr lang="fr-FR"/>
           </a:p>
@@ -2318,7 +2646,7 @@
           <a:p>
             <a:fld id="{9584F9F2-42A0-CD42-8013-986AEAF97421}" type="datetime1">
               <a:rPr lang="fr-FR" smtClean="0"/>
-              <a:t>22/05/2024</a:t>
+              <a:t>06/06/2024</a:t>
             </a:fld>
             <a:endParaRPr lang="fr-FR"/>
           </a:p>
@@ -2492,7 +2820,7 @@
           <a:p>
             <a:fld id="{DAB9BD9F-3179-BB4C-96AB-C40862581685}" type="datetime1">
               <a:rPr lang="fr-FR" smtClean="0"/>
-              <a:t>22/05/2024</a:t>
+              <a:t>06/06/2024</a:t>
             </a:fld>
             <a:endParaRPr lang="fr-FR"/>
           </a:p>
@@ -2764,7 +3092,7 @@
           <a:p>
             <a:fld id="{A664DE96-64FF-BC43-8A9C-18ED43A528D6}" type="datetime1">
               <a:rPr lang="fr-FR" smtClean="0"/>
-              <a:t>22/05/2024</a:t>
+              <a:t>06/06/2024</a:t>
             </a:fld>
             <a:endParaRPr lang="fr-FR"/>
           </a:p>
@@ -3000,7 +3328,7 @@
           <a:p>
             <a:fld id="{2C8FE800-9F9B-1C4F-A1CD-9EF46842C4CA}" type="datetime1">
               <a:rPr lang="fr-FR" smtClean="0"/>
-              <a:t>22/05/2024</a:t>
+              <a:t>06/06/2024</a:t>
             </a:fld>
             <a:endParaRPr lang="fr-FR"/>
           </a:p>
@@ -3363,7 +3691,7 @@
           <a:p>
             <a:fld id="{0F7DED4E-8CB4-EF40-A349-EFC02EC7784E}" type="datetime1">
               <a:rPr lang="fr-FR" smtClean="0"/>
-              <a:t>22/05/2024</a:t>
+              <a:t>06/06/2024</a:t>
             </a:fld>
             <a:endParaRPr lang="fr-FR"/>
           </a:p>
@@ -3508,7 +3836,7 @@
           <a:p>
             <a:fld id="{5BB88D77-E8A2-E24F-81D2-817E60779F3E}" type="datetime1">
               <a:rPr lang="fr-FR" smtClean="0"/>
-              <a:t>22/05/2024</a:t>
+              <a:t>06/06/2024</a:t>
             </a:fld>
             <a:endParaRPr lang="fr-FR"/>
           </a:p>
@@ -3607,7 +3935,7 @@
           <a:p>
             <a:fld id="{817F964E-5B57-884A-A1B8-925BFA5276AF}" type="datetime1">
               <a:rPr lang="fr-FR" smtClean="0"/>
-              <a:t>22/05/2024</a:t>
+              <a:t>06/06/2024</a:t>
             </a:fld>
             <a:endParaRPr lang="fr-FR"/>
           </a:p>
@@ -3968,7 +4296,7 @@
           <a:p>
             <a:fld id="{D5636CD0-A2E6-1543-A0E5-C829C16FEE55}" type="datetime1">
               <a:rPr lang="fr-FR" smtClean="0"/>
-              <a:t>22/05/2024</a:t>
+              <a:t>06/06/2024</a:t>
             </a:fld>
             <a:endParaRPr lang="fr-FR"/>
           </a:p>
@@ -4329,7 +4657,7 @@
           <a:p>
             <a:fld id="{CEE5CE4A-5B1A-1846-BA66-722BDB7A9525}" type="datetime1">
               <a:rPr lang="fr-FR" smtClean="0"/>
-              <a:t>22/05/2024</a:t>
+              <a:t>06/06/2024</a:t>
             </a:fld>
             <a:endParaRPr lang="fr-FR"/>
           </a:p>
@@ -4576,7 +4904,7 @@
           <a:p>
             <a:fld id="{55A13D9C-CA6E-9C45-8634-4423EBFFD553}" type="datetime1">
               <a:rPr lang="fr-FR" smtClean="0"/>
-              <a:t>22/05/2024</a:t>
+              <a:t>06/06/2024</a:t>
             </a:fld>
             <a:endParaRPr lang="fr-FR"/>
           </a:p>
@@ -5474,7 +5802,7 @@
         <p:spPr>
           <a:xfrm>
             <a:off x="397565" y="218526"/>
-            <a:ext cx="5577722" cy="461665"/>
+            <a:ext cx="3069204" cy="461665"/>
           </a:xfrm>
           <a:prstGeom prst="rect">
             <a:avLst/>
@@ -5492,19 +5820,8 @@
                 <a:latin typeface="Times New Roman" panose="02020603050405020304" pitchFamily="18" charset="0"/>
                 <a:cs typeface="Times New Roman" panose="02020603050405020304" pitchFamily="18" charset="0"/>
               </a:rPr>
-              <a:t>La fonction </a:t>
-            </a:r>
-            <a:r>
-              <a:rPr lang="fr-FR" sz="2400" b="1" i="1" dirty="0" err="1">
-                <a:latin typeface="Times New Roman" panose="02020603050405020304" pitchFamily="18" charset="0"/>
-                <a:cs typeface="Times New Roman" panose="02020603050405020304" pitchFamily="18" charset="0"/>
-              </a:rPr>
-              <a:t>enumerate</a:t>
-            </a:r>
-            <a:endParaRPr lang="fr-FR" sz="2400" b="1" i="1" dirty="0">
-              <a:latin typeface="Times New Roman" panose="02020603050405020304" pitchFamily="18" charset="0"/>
-              <a:cs typeface="Times New Roman" panose="02020603050405020304" pitchFamily="18" charset="0"/>
-            </a:endParaRPr>
+              <a:t>Lecture de listes</a:t>
+            </a:r>
           </a:p>
         </p:txBody>
       </p:sp>
@@ -5547,12 +5864,141 @@
           </a:fontRef>
         </p:style>
       </p:cxnSp>
-      <p:sp>
-        <p:nvSpPr>
-          <p:cNvPr id="7" name="ZoneTexte 6">
-            <a:extLst>
-              <a:ext uri="{FF2B5EF4-FFF2-40B4-BE49-F238E27FC236}">
-                <a16:creationId xmlns:a16="http://schemas.microsoft.com/office/drawing/2014/main" id="{B31AF22B-77AC-398F-8B32-17C6B4914236}"/>
+      <mc:AlternateContent xmlns:mc="http://schemas.openxmlformats.org/markup-compatibility/2006">
+        <mc:Choice xmlns:a14="http://schemas.microsoft.com/office/drawing/2010/main" Requires="a14">
+          <p:sp>
+            <p:nvSpPr>
+              <p:cNvPr id="7" name="ZoneTexte 6">
+                <a:extLst>
+                  <a:ext uri="{FF2B5EF4-FFF2-40B4-BE49-F238E27FC236}">
+                    <a16:creationId xmlns:a16="http://schemas.microsoft.com/office/drawing/2014/main" id="{B31AF22B-77AC-398F-8B32-17C6B4914236}"/>
+                  </a:ext>
+                </a:extLst>
+              </p:cNvPr>
+              <p:cNvSpPr txBox="1"/>
+              <p:nvPr/>
+            </p:nvSpPr>
+            <p:spPr>
+              <a:xfrm>
+                <a:off x="500931" y="836978"/>
+                <a:ext cx="11441731" cy="400110"/>
+              </a:xfrm>
+              <a:prstGeom prst="rect">
+                <a:avLst/>
+              </a:prstGeom>
+              <a:noFill/>
+            </p:spPr>
+            <p:txBody>
+              <a:bodyPr wrap="square" rtlCol="0">
+                <a:spAutoFit/>
+              </a:bodyPr>
+              <a:lstStyle/>
+              <a:p>
+                <a:r>
+                  <a:rPr lang="fr-FR" sz="2000" dirty="0">
+                    <a:latin typeface="Times New Roman" panose="02020603050405020304" pitchFamily="18" charset="0"/>
+                    <a:cs typeface="Times New Roman" panose="02020603050405020304" pitchFamily="18" charset="0"/>
+                  </a:rPr>
+                  <a:t>Pour afficher les valeurs d’une liste, on peut utiliser les mots clés d’itération </a:t>
+                </a:r>
+                <a14:m>
+                  <m:oMath xmlns:m="http://schemas.openxmlformats.org/officeDocument/2006/math">
+                    <m:r>
+                      <a:rPr lang="fr-FR" sz="2000" b="1" i="1" smtClean="0">
+                        <a:latin typeface="Cambria Math" panose="02040503050406030204" pitchFamily="18" charset="0"/>
+                        <a:cs typeface="Times New Roman" panose="02020603050405020304" pitchFamily="18" charset="0"/>
+                      </a:rPr>
+                      <m:t>𝒘𝒉𝒊𝒍𝒆</m:t>
+                    </m:r>
+                  </m:oMath>
+                </a14:m>
+                <a:r>
+                  <a:rPr lang="fr-FR" sz="2000" b="1" dirty="0">
+                    <a:latin typeface="Times New Roman" panose="02020603050405020304" pitchFamily="18" charset="0"/>
+                    <a:cs typeface="Times New Roman" panose="02020603050405020304" pitchFamily="18" charset="0"/>
+                  </a:rPr>
+                  <a:t> </a:t>
+                </a:r>
+                <a:r>
+                  <a:rPr lang="fr-FR" sz="2000" dirty="0">
+                    <a:latin typeface="Times New Roman" panose="02020603050405020304" pitchFamily="18" charset="0"/>
+                    <a:cs typeface="Times New Roman" panose="02020603050405020304" pitchFamily="18" charset="0"/>
+                  </a:rPr>
+                  <a:t>ou </a:t>
+                </a:r>
+                <a14:m>
+                  <m:oMath xmlns:m="http://schemas.openxmlformats.org/officeDocument/2006/math">
+                    <m:r>
+                      <a:rPr lang="fr-FR" sz="2000" b="1" i="1" smtClean="0">
+                        <a:latin typeface="Cambria Math" panose="02040503050406030204" pitchFamily="18" charset="0"/>
+                        <a:cs typeface="Times New Roman" panose="02020603050405020304" pitchFamily="18" charset="0"/>
+                      </a:rPr>
+                      <m:t>𝒇𝒐𝒓</m:t>
+                    </m:r>
+                  </m:oMath>
+                </a14:m>
+                <a:r>
+                  <a:rPr lang="fr-FR" sz="2000" dirty="0">
+                    <a:latin typeface="Times New Roman" panose="02020603050405020304" pitchFamily="18" charset="0"/>
+                    <a:cs typeface="Times New Roman" panose="02020603050405020304" pitchFamily="18" charset="0"/>
+                  </a:rPr>
+                  <a:t>.  </a:t>
+                </a:r>
+              </a:p>
+            </p:txBody>
+          </p:sp>
+        </mc:Choice>
+        <mc:Fallback>
+          <p:sp>
+            <p:nvSpPr>
+              <p:cNvPr id="7" name="ZoneTexte 6">
+                <a:extLst>
+                  <a:ext uri="{FF2B5EF4-FFF2-40B4-BE49-F238E27FC236}">
+                    <a16:creationId xmlns:a16="http://schemas.microsoft.com/office/drawing/2014/main" id="{B31AF22B-77AC-398F-8B32-17C6B4914236}"/>
+                  </a:ext>
+                </a:extLst>
+              </p:cNvPr>
+              <p:cNvSpPr txBox="1">
+                <a:spLocks noRot="1" noChangeAspect="1" noMove="1" noResize="1" noEditPoints="1" noAdjustHandles="1" noChangeArrowheads="1" noChangeShapeType="1" noTextEdit="1"/>
+              </p:cNvSpPr>
+              <p:nvPr/>
+            </p:nvSpPr>
+            <p:spPr>
+              <a:xfrm>
+                <a:off x="500931" y="836978"/>
+                <a:ext cx="11441731" cy="400110"/>
+              </a:xfrm>
+              <a:prstGeom prst="rect">
+                <a:avLst/>
+              </a:prstGeom>
+              <a:blipFill>
+                <a:blip r:embed="rId2"/>
+                <a:stretch>
+                  <a:fillRect l="-533" t="-7576" b="-25758"/>
+                </a:stretch>
+              </a:blipFill>
+            </p:spPr>
+            <p:txBody>
+              <a:bodyPr/>
+              <a:lstStyle/>
+              <a:p>
+                <a:r>
+                  <a:rPr lang="fr-FR">
+                    <a:noFill/>
+                  </a:rPr>
+                  <a:t> </a:t>
+                </a:r>
+              </a:p>
+            </p:txBody>
+          </p:sp>
+        </mc:Fallback>
+      </mc:AlternateContent>
+      <p:sp>
+        <p:nvSpPr>
+          <p:cNvPr id="2" name="ZoneTexte 1">
+            <a:extLst>
+              <a:ext uri="{FF2B5EF4-FFF2-40B4-BE49-F238E27FC236}">
+                <a16:creationId xmlns:a16="http://schemas.microsoft.com/office/drawing/2014/main" id="{4144CDDC-1B2C-E89E-6225-FE9353112FC2}"/>
               </a:ext>
             </a:extLst>
           </p:cNvPr>
@@ -5561,8 +6007,8 @@
         </p:nvSpPr>
         <p:spPr>
           <a:xfrm>
-            <a:off x="500932" y="941801"/>
-            <a:ext cx="11441731" cy="400110"/>
+            <a:off x="500931" y="1325608"/>
+            <a:ext cx="11441731" cy="707886"/>
           </a:xfrm>
           <a:prstGeom prst="rect">
             <a:avLst/>
@@ -5580,7 +6026,276 @@
                 <a:latin typeface="Times New Roman" panose="02020603050405020304" pitchFamily="18" charset="0"/>
                 <a:cs typeface="Times New Roman" panose="02020603050405020304" pitchFamily="18" charset="0"/>
               </a:rPr>
-              <a:t>Page 88</a:t>
+              <a:t>La méthode consiste à accéder à chaque valeur de la liste à partir de leur indice qui sera généré par les mots clés de boucles.</a:t>
+            </a:r>
+          </a:p>
+        </p:txBody>
+      </p:sp>
+      <p:pic>
+        <p:nvPicPr>
+          <p:cNvPr id="9" name="Image 8">
+            <a:extLst>
+              <a:ext uri="{FF2B5EF4-FFF2-40B4-BE49-F238E27FC236}">
+                <a16:creationId xmlns:a16="http://schemas.microsoft.com/office/drawing/2014/main" id="{D0D22AFC-A0EF-C77F-765C-0CEF9FCC4010}"/>
+              </a:ext>
+            </a:extLst>
+          </p:cNvPr>
+          <p:cNvPicPr>
+            <a:picLocks noChangeAspect="1"/>
+          </p:cNvPicPr>
+          <p:nvPr/>
+        </p:nvPicPr>
+        <p:blipFill>
+          <a:blip r:embed="rId3"/>
+          <a:stretch>
+            <a:fillRect/>
+          </a:stretch>
+        </p:blipFill>
+        <p:spPr>
+          <a:xfrm>
+            <a:off x="500931" y="2222005"/>
+            <a:ext cx="4912335" cy="2232880"/>
+          </a:xfrm>
+          <a:prstGeom prst="rect">
+            <a:avLst/>
+          </a:prstGeom>
+        </p:spPr>
+      </p:pic>
+      <p:sp>
+        <p:nvSpPr>
+          <p:cNvPr id="10" name="Flèche : droite 9">
+            <a:extLst>
+              <a:ext uri="{FF2B5EF4-FFF2-40B4-BE49-F238E27FC236}">
+                <a16:creationId xmlns:a16="http://schemas.microsoft.com/office/drawing/2014/main" id="{97479AE7-F9AC-4733-3C43-E3439B7323DF}"/>
+              </a:ext>
+            </a:extLst>
+          </p:cNvPr>
+          <p:cNvSpPr/>
+          <p:nvPr/>
+        </p:nvSpPr>
+        <p:spPr>
+          <a:xfrm>
+            <a:off x="5758422" y="2588370"/>
+            <a:ext cx="1602687" cy="860082"/>
+          </a:xfrm>
+          <a:prstGeom prst="rightArrow">
+            <a:avLst/>
+          </a:prstGeom>
+        </p:spPr>
+        <p:style>
+          <a:lnRef idx="2">
+            <a:schemeClr val="accent1">
+              <a:shade val="15000"/>
+            </a:schemeClr>
+          </a:lnRef>
+          <a:fillRef idx="1">
+            <a:schemeClr val="accent1"/>
+          </a:fillRef>
+          <a:effectRef idx="0">
+            <a:schemeClr val="accent1"/>
+          </a:effectRef>
+          <a:fontRef idx="minor">
+            <a:schemeClr val="lt1"/>
+          </a:fontRef>
+        </p:style>
+        <p:txBody>
+          <a:bodyPr rtlCol="0" anchor="ctr"/>
+          <a:lstStyle/>
+          <a:p>
+            <a:pPr algn="ctr"/>
+            <a:r>
+              <a:rPr lang="fr-FR" dirty="0"/>
+              <a:t>Equivalent à</a:t>
+            </a:r>
+          </a:p>
+        </p:txBody>
+      </p:sp>
+      <p:pic>
+        <p:nvPicPr>
+          <p:cNvPr id="12" name="Image 11">
+            <a:extLst>
+              <a:ext uri="{FF2B5EF4-FFF2-40B4-BE49-F238E27FC236}">
+                <a16:creationId xmlns:a16="http://schemas.microsoft.com/office/drawing/2014/main" id="{AEAB14F0-0D3D-CF8A-A508-B8E84058620E}"/>
+              </a:ext>
+            </a:extLst>
+          </p:cNvPr>
+          <p:cNvPicPr>
+            <a:picLocks noChangeAspect="1"/>
+          </p:cNvPicPr>
+          <p:nvPr/>
+        </p:nvPicPr>
+        <p:blipFill>
+          <a:blip r:embed="rId4"/>
+          <a:stretch>
+            <a:fillRect/>
+          </a:stretch>
+        </p:blipFill>
+        <p:spPr>
+          <a:xfrm>
+            <a:off x="7706266" y="2183105"/>
+            <a:ext cx="4236396" cy="2271780"/>
+          </a:xfrm>
+          <a:prstGeom prst="rect">
+            <a:avLst/>
+          </a:prstGeom>
+        </p:spPr>
+      </p:pic>
+      <mc:AlternateContent xmlns:mc="http://schemas.openxmlformats.org/markup-compatibility/2006">
+        <mc:Choice xmlns:a14="http://schemas.microsoft.com/office/drawing/2010/main" Requires="a14">
+          <p:sp>
+            <p:nvSpPr>
+              <p:cNvPr id="13" name="ZoneTexte 12">
+                <a:extLst>
+                  <a:ext uri="{FF2B5EF4-FFF2-40B4-BE49-F238E27FC236}">
+                    <a16:creationId xmlns:a16="http://schemas.microsoft.com/office/drawing/2014/main" id="{53E96248-3DF2-2FE8-1295-30F979312E12}"/>
+                  </a:ext>
+                </a:extLst>
+              </p:cNvPr>
+              <p:cNvSpPr txBox="1"/>
+              <p:nvPr/>
+            </p:nvSpPr>
+            <p:spPr>
+              <a:xfrm>
+                <a:off x="369698" y="4633202"/>
+                <a:ext cx="11441731" cy="707886"/>
+              </a:xfrm>
+              <a:prstGeom prst="rect">
+                <a:avLst/>
+              </a:prstGeom>
+              <a:noFill/>
+            </p:spPr>
+            <p:txBody>
+              <a:bodyPr wrap="square" rtlCol="0">
+                <a:spAutoFit/>
+              </a:bodyPr>
+              <a:lstStyle/>
+              <a:p>
+                <a:r>
+                  <a:rPr lang="fr-FR" sz="2000" b="1" dirty="0">
+                    <a:latin typeface="Times New Roman" panose="02020603050405020304" pitchFamily="18" charset="0"/>
+                    <a:cs typeface="Times New Roman" panose="02020603050405020304" pitchFamily="18" charset="0"/>
+                  </a:rPr>
+                  <a:t>Avec la méthode </a:t>
+                </a:r>
+                <a14:m>
+                  <m:oMath xmlns:m="http://schemas.openxmlformats.org/officeDocument/2006/math">
+                    <m:r>
+                      <a:rPr lang="fr-FR" sz="2000" b="1" i="1" smtClean="0">
+                        <a:latin typeface="Cambria Math" panose="02040503050406030204" pitchFamily="18" charset="0"/>
+                        <a:cs typeface="Times New Roman" panose="02020603050405020304" pitchFamily="18" charset="0"/>
+                      </a:rPr>
+                      <m:t>𝒇𝒐𝒓</m:t>
+                    </m:r>
+                  </m:oMath>
+                </a14:m>
+                <a:r>
+                  <a:rPr lang="fr-FR" sz="2000" b="1" dirty="0">
+                    <a:latin typeface="Times New Roman" panose="02020603050405020304" pitchFamily="18" charset="0"/>
+                    <a:cs typeface="Times New Roman" panose="02020603050405020304" pitchFamily="18" charset="0"/>
+                  </a:rPr>
+                  <a:t>, l’indice est incrémenté à chaque parcours ce qui n’est pas le cas avec </a:t>
+                </a:r>
+                <a14:m>
+                  <m:oMath xmlns:m="http://schemas.openxmlformats.org/officeDocument/2006/math">
+                    <m:r>
+                      <a:rPr lang="fr-FR" sz="2000" b="1" i="1" smtClean="0">
+                        <a:latin typeface="Cambria Math" panose="02040503050406030204" pitchFamily="18" charset="0"/>
+                        <a:cs typeface="Times New Roman" panose="02020603050405020304" pitchFamily="18" charset="0"/>
+                      </a:rPr>
+                      <m:t>𝒘𝒉𝒊𝒍𝒆</m:t>
+                    </m:r>
+                  </m:oMath>
+                </a14:m>
+                <a:r>
+                  <a:rPr lang="fr-FR" sz="2000" b="1" dirty="0">
+                    <a:latin typeface="Times New Roman" panose="02020603050405020304" pitchFamily="18" charset="0"/>
+                    <a:cs typeface="Times New Roman" panose="02020603050405020304" pitchFamily="18" charset="0"/>
+                  </a:rPr>
+                  <a:t> il faut veiller à incrémenter l’indice sinon on rentre dans une boucle infinie.</a:t>
+                </a:r>
+              </a:p>
+            </p:txBody>
+          </p:sp>
+        </mc:Choice>
+        <mc:Fallback>
+          <p:sp>
+            <p:nvSpPr>
+              <p:cNvPr id="13" name="ZoneTexte 12">
+                <a:extLst>
+                  <a:ext uri="{FF2B5EF4-FFF2-40B4-BE49-F238E27FC236}">
+                    <a16:creationId xmlns:a16="http://schemas.microsoft.com/office/drawing/2014/main" id="{53E96248-3DF2-2FE8-1295-30F979312E12}"/>
+                  </a:ext>
+                </a:extLst>
+              </p:cNvPr>
+              <p:cNvSpPr txBox="1">
+                <a:spLocks noRot="1" noChangeAspect="1" noMove="1" noResize="1" noEditPoints="1" noAdjustHandles="1" noChangeArrowheads="1" noChangeShapeType="1" noTextEdit="1"/>
+              </p:cNvSpPr>
+              <p:nvPr/>
+            </p:nvSpPr>
+            <p:spPr>
+              <a:xfrm>
+                <a:off x="369698" y="4633202"/>
+                <a:ext cx="11441731" cy="707886"/>
+              </a:xfrm>
+              <a:prstGeom prst="rect">
+                <a:avLst/>
+              </a:prstGeom>
+              <a:blipFill>
+                <a:blip r:embed="rId5"/>
+                <a:stretch>
+                  <a:fillRect l="-586" t="-4310" r="-1012" b="-14655"/>
+                </a:stretch>
+              </a:blipFill>
+            </p:spPr>
+            <p:txBody>
+              <a:bodyPr/>
+              <a:lstStyle/>
+              <a:p>
+                <a:r>
+                  <a:rPr lang="fr-FR">
+                    <a:noFill/>
+                  </a:rPr>
+                  <a:t> </a:t>
+                </a:r>
+              </a:p>
+            </p:txBody>
+          </p:sp>
+        </mc:Fallback>
+      </mc:AlternateContent>
+      <p:sp>
+        <p:nvSpPr>
+          <p:cNvPr id="14" name="ZoneTexte 13">
+            <a:extLst>
+              <a:ext uri="{FF2B5EF4-FFF2-40B4-BE49-F238E27FC236}">
+                <a16:creationId xmlns:a16="http://schemas.microsoft.com/office/drawing/2014/main" id="{C559A984-F6DD-C562-FD56-5DFBEE3E9BBF}"/>
+              </a:ext>
+            </a:extLst>
+          </p:cNvPr>
+          <p:cNvSpPr txBox="1"/>
+          <p:nvPr/>
+        </p:nvSpPr>
+        <p:spPr>
+          <a:xfrm>
+            <a:off x="369291" y="5403499"/>
+            <a:ext cx="11441731" cy="707886"/>
+          </a:xfrm>
+          <a:prstGeom prst="rect">
+            <a:avLst/>
+          </a:prstGeom>
+          <a:noFill/>
+        </p:spPr>
+        <p:txBody>
+          <a:bodyPr wrap="square" rtlCol="0">
+            <a:spAutoFit/>
+          </a:bodyPr>
+          <a:lstStyle/>
+          <a:p>
+            <a:r>
+              <a:rPr lang="fr-FR" sz="2000" b="1" dirty="0">
+                <a:latin typeface="Times New Roman" panose="02020603050405020304" pitchFamily="18" charset="0"/>
+                <a:cs typeface="Times New Roman" panose="02020603050405020304" pitchFamily="18" charset="0"/>
+              </a:rPr>
+              <a:t>Les exemples précédents affichaient les éléments de la liste on aurait pu exécuter d’autres types d’opérations comme le filtrage ou la mise en majuscule des caractères…</a:t>
             </a:r>
           </a:p>
         </p:txBody>
@@ -5588,7 +6303,7 @@
     </p:spTree>
     <p:extLst>
       <p:ext uri="{BB962C8B-B14F-4D97-AF65-F5344CB8AC3E}">
-        <p14:creationId xmlns:p14="http://schemas.microsoft.com/office/powerpoint/2010/main" val="3210814892"/>
+        <p14:creationId xmlns:p14="http://schemas.microsoft.com/office/powerpoint/2010/main" val="152848069"/>
       </p:ext>
     </p:extLst>
   </p:cSld>
@@ -5688,7 +6403,7 @@
         <p:spPr>
           <a:xfrm>
             <a:off x="397565" y="218526"/>
-            <a:ext cx="5577722" cy="461665"/>
+            <a:ext cx="3069204" cy="461665"/>
           </a:xfrm>
           <a:prstGeom prst="rect">
             <a:avLst/>
@@ -5706,12 +6421,8 @@
                 <a:latin typeface="Times New Roman" panose="02020603050405020304" pitchFamily="18" charset="0"/>
                 <a:cs typeface="Times New Roman" panose="02020603050405020304" pitchFamily="18" charset="0"/>
               </a:rPr>
-              <a:t>De chaînes aux listes</a:t>
-            </a:r>
-            <a:endParaRPr lang="fr-FR" sz="2400" b="1" i="1" dirty="0">
-              <a:latin typeface="Times New Roman" panose="02020603050405020304" pitchFamily="18" charset="0"/>
-              <a:cs typeface="Times New Roman" panose="02020603050405020304" pitchFamily="18" charset="0"/>
-            </a:endParaRPr>
+              <a:t>Lecture de listes</a:t>
+            </a:r>
           </a:p>
         </p:txBody>
       </p:sp>
@@ -5754,12 +6465,191 @@
           </a:fontRef>
         </p:style>
       </p:cxnSp>
-      <p:sp>
-        <p:nvSpPr>
-          <p:cNvPr id="7" name="ZoneTexte 6">
-            <a:extLst>
-              <a:ext uri="{FF2B5EF4-FFF2-40B4-BE49-F238E27FC236}">
-                <a16:creationId xmlns:a16="http://schemas.microsoft.com/office/drawing/2014/main" id="{B31AF22B-77AC-398F-8B32-17C6B4914236}"/>
+      <mc:AlternateContent xmlns:mc="http://schemas.openxmlformats.org/markup-compatibility/2006">
+        <mc:Choice xmlns:a14="http://schemas.microsoft.com/office/drawing/2010/main" Requires="a14">
+          <p:sp>
+            <p:nvSpPr>
+              <p:cNvPr id="7" name="ZoneTexte 6">
+                <a:extLst>
+                  <a:ext uri="{FF2B5EF4-FFF2-40B4-BE49-F238E27FC236}">
+                    <a16:creationId xmlns:a16="http://schemas.microsoft.com/office/drawing/2014/main" id="{B31AF22B-77AC-398F-8B32-17C6B4914236}"/>
+                  </a:ext>
+                </a:extLst>
+              </p:cNvPr>
+              <p:cNvSpPr txBox="1"/>
+              <p:nvPr/>
+            </p:nvSpPr>
+            <p:spPr>
+              <a:xfrm>
+                <a:off x="463225" y="853094"/>
+                <a:ext cx="11441731" cy="1015663"/>
+              </a:xfrm>
+              <a:prstGeom prst="rect">
+                <a:avLst/>
+              </a:prstGeom>
+              <a:noFill/>
+            </p:spPr>
+            <p:txBody>
+              <a:bodyPr wrap="square" rtlCol="0">
+                <a:spAutoFit/>
+              </a:bodyPr>
+              <a:lstStyle/>
+              <a:p>
+                <a:r>
+                  <a:rPr lang="fr-FR" sz="2000" dirty="0">
+                    <a:latin typeface="Times New Roman" panose="02020603050405020304" pitchFamily="18" charset="0"/>
+                    <a:cs typeface="Times New Roman" panose="02020603050405020304" pitchFamily="18" charset="0"/>
+                  </a:rPr>
+                  <a:t>Dans la majorité des cas, on utilisera la syntaxe d’itération avec </a:t>
+                </a:r>
+                <a14:m>
+                  <m:oMath xmlns:m="http://schemas.openxmlformats.org/officeDocument/2006/math">
+                    <m:r>
+                      <a:rPr lang="fr-FR" sz="2000" b="1" i="1" smtClean="0">
+                        <a:latin typeface="Cambria Math" panose="02040503050406030204" pitchFamily="18" charset="0"/>
+                        <a:cs typeface="Times New Roman" panose="02020603050405020304" pitchFamily="18" charset="0"/>
+                      </a:rPr>
+                      <m:t>𝒇𝒐𝒓</m:t>
+                    </m:r>
+                  </m:oMath>
+                </a14:m>
+                <a:r>
+                  <a:rPr lang="fr-FR" sz="2000" b="1" dirty="0">
+                    <a:latin typeface="Times New Roman" panose="02020603050405020304" pitchFamily="18" charset="0"/>
+                    <a:cs typeface="Times New Roman" panose="02020603050405020304" pitchFamily="18" charset="0"/>
+                  </a:rPr>
+                  <a:t> </a:t>
+                </a:r>
+                <a:r>
+                  <a:rPr lang="fr-FR" sz="2000" dirty="0">
+                    <a:latin typeface="Times New Roman" panose="02020603050405020304" pitchFamily="18" charset="0"/>
+                    <a:cs typeface="Times New Roman" panose="02020603050405020304" pitchFamily="18" charset="0"/>
+                  </a:rPr>
+                  <a:t>car le parcours avec </a:t>
+                </a:r>
+                <a14:m>
+                  <m:oMath xmlns:m="http://schemas.openxmlformats.org/officeDocument/2006/math">
+                    <m:r>
+                      <a:rPr lang="fr-FR" sz="2000" b="1" i="1" smtClean="0">
+                        <a:latin typeface="Cambria Math" panose="02040503050406030204" pitchFamily="18" charset="0"/>
+                        <a:cs typeface="Times New Roman" panose="02020603050405020304" pitchFamily="18" charset="0"/>
+                      </a:rPr>
+                      <m:t>𝒇𝒐𝒓</m:t>
+                    </m:r>
+                  </m:oMath>
+                </a14:m>
+                <a:r>
+                  <a:rPr lang="fr-FR" sz="2000" b="1" dirty="0">
+                    <a:latin typeface="Times New Roman" panose="02020603050405020304" pitchFamily="18" charset="0"/>
+                    <a:cs typeface="Times New Roman" panose="02020603050405020304" pitchFamily="18" charset="0"/>
+                  </a:rPr>
+                  <a:t> </a:t>
+                </a:r>
+                <a:r>
+                  <a:rPr lang="fr-FR" sz="2000" dirty="0">
+                    <a:latin typeface="Times New Roman" panose="02020603050405020304" pitchFamily="18" charset="0"/>
+                    <a:cs typeface="Times New Roman" panose="02020603050405020304" pitchFamily="18" charset="0"/>
+                  </a:rPr>
+                  <a:t>est fait de manière implicite.</a:t>
+                </a:r>
+                <a:r>
+                  <a:rPr lang="fr-FR" sz="2000" b="1" dirty="0">
+                    <a:latin typeface="Times New Roman" panose="02020603050405020304" pitchFamily="18" charset="0"/>
+                    <a:cs typeface="Times New Roman" panose="02020603050405020304" pitchFamily="18" charset="0"/>
+                  </a:rPr>
+                  <a:t> </a:t>
+                </a:r>
+                <a:r>
+                  <a:rPr lang="fr-FR" sz="2000" dirty="0">
+                    <a:latin typeface="Times New Roman" panose="02020603050405020304" pitchFamily="18" charset="0"/>
+                    <a:cs typeface="Times New Roman" panose="02020603050405020304" pitchFamily="18" charset="0"/>
+                  </a:rPr>
+                  <a:t>La méthode avec </a:t>
+                </a:r>
+                <a14:m>
+                  <m:oMath xmlns:m="http://schemas.openxmlformats.org/officeDocument/2006/math">
+                    <m:r>
+                      <a:rPr lang="fr-FR" sz="2000" b="0" i="1" smtClean="0">
+                        <a:latin typeface="Cambria Math" panose="02040503050406030204" pitchFamily="18" charset="0"/>
+                        <a:cs typeface="Times New Roman" panose="02020603050405020304" pitchFamily="18" charset="0"/>
+                      </a:rPr>
+                      <m:t>𝑓𝑜𝑟</m:t>
+                    </m:r>
+                  </m:oMath>
+                </a14:m>
+                <a:r>
+                  <a:rPr lang="fr-FR" sz="2000" b="1" dirty="0">
+                    <a:latin typeface="Times New Roman" panose="02020603050405020304" pitchFamily="18" charset="0"/>
+                    <a:cs typeface="Times New Roman" panose="02020603050405020304" pitchFamily="18" charset="0"/>
+                  </a:rPr>
+                  <a:t> </a:t>
+                </a:r>
+                <a:r>
+                  <a:rPr lang="fr-FR" sz="2000" dirty="0">
+                    <a:latin typeface="Times New Roman" panose="02020603050405020304" pitchFamily="18" charset="0"/>
+                    <a:cs typeface="Times New Roman" panose="02020603050405020304" pitchFamily="18" charset="0"/>
+                  </a:rPr>
+                  <a:t>appliqué à une chaine de caractère va parcourir chaque caractère et si c’est une liste la méthode va parcourir chaque élément de la liste.</a:t>
+                </a:r>
+                <a:endParaRPr lang="fr-FR" sz="2000" b="1" dirty="0">
+                  <a:latin typeface="Times New Roman" panose="02020603050405020304" pitchFamily="18" charset="0"/>
+                  <a:cs typeface="Times New Roman" panose="02020603050405020304" pitchFamily="18" charset="0"/>
+                </a:endParaRPr>
+              </a:p>
+            </p:txBody>
+          </p:sp>
+        </mc:Choice>
+        <mc:Fallback>
+          <p:sp>
+            <p:nvSpPr>
+              <p:cNvPr id="7" name="ZoneTexte 6">
+                <a:extLst>
+                  <a:ext uri="{FF2B5EF4-FFF2-40B4-BE49-F238E27FC236}">
+                    <a16:creationId xmlns:a16="http://schemas.microsoft.com/office/drawing/2014/main" id="{B31AF22B-77AC-398F-8B32-17C6B4914236}"/>
+                  </a:ext>
+                </a:extLst>
+              </p:cNvPr>
+              <p:cNvSpPr txBox="1">
+                <a:spLocks noRot="1" noChangeAspect="1" noMove="1" noResize="1" noEditPoints="1" noAdjustHandles="1" noChangeArrowheads="1" noChangeShapeType="1" noTextEdit="1"/>
+              </p:cNvSpPr>
+              <p:nvPr/>
+            </p:nvSpPr>
+            <p:spPr>
+              <a:xfrm>
+                <a:off x="463225" y="853094"/>
+                <a:ext cx="11441731" cy="1015663"/>
+              </a:xfrm>
+              <a:prstGeom prst="rect">
+                <a:avLst/>
+              </a:prstGeom>
+              <a:blipFill>
+                <a:blip r:embed="rId2"/>
+                <a:stretch>
+                  <a:fillRect l="-586" t="-3593" r="-479" b="-9581"/>
+                </a:stretch>
+              </a:blipFill>
+            </p:spPr>
+            <p:txBody>
+              <a:bodyPr/>
+              <a:lstStyle/>
+              <a:p>
+                <a:r>
+                  <a:rPr lang="fr-FR">
+                    <a:noFill/>
+                  </a:rPr>
+                  <a:t> </a:t>
+                </a:r>
+              </a:p>
+            </p:txBody>
+          </p:sp>
+        </mc:Fallback>
+      </mc:AlternateContent>
+      <p:sp>
+        <p:nvSpPr>
+          <p:cNvPr id="2" name="ZoneTexte 1">
+            <a:extLst>
+              <a:ext uri="{FF2B5EF4-FFF2-40B4-BE49-F238E27FC236}">
+                <a16:creationId xmlns:a16="http://schemas.microsoft.com/office/drawing/2014/main" id="{4144CDDC-1B2C-E89E-6225-FE9353112FC2}"/>
               </a:ext>
             </a:extLst>
           </p:cNvPr>
@@ -5768,7 +6658,7 @@
         </p:nvSpPr>
         <p:spPr>
           <a:xfrm>
-            <a:off x="500932" y="941801"/>
+            <a:off x="477549" y="1818013"/>
             <a:ext cx="11441731" cy="400110"/>
           </a:xfrm>
           <a:prstGeom prst="rect">
@@ -5787,7 +6677,382 @@
                 <a:latin typeface="Times New Roman" panose="02020603050405020304" pitchFamily="18" charset="0"/>
                 <a:cs typeface="Times New Roman" panose="02020603050405020304" pitchFamily="18" charset="0"/>
               </a:rPr>
-              <a:t>Page 92</a:t>
+              <a:t>La syntaxe est la suivante:</a:t>
+            </a:r>
+          </a:p>
+        </p:txBody>
+      </p:sp>
+      <mc:AlternateContent xmlns:mc="http://schemas.openxmlformats.org/markup-compatibility/2006">
+        <mc:Choice xmlns:a14="http://schemas.microsoft.com/office/drawing/2010/main" Requires="a14">
+          <p:sp>
+            <p:nvSpPr>
+              <p:cNvPr id="8" name="ZoneTexte 7">
+                <a:extLst>
+                  <a:ext uri="{FF2B5EF4-FFF2-40B4-BE49-F238E27FC236}">
+                    <a16:creationId xmlns:a16="http://schemas.microsoft.com/office/drawing/2014/main" id="{5132B88B-DD3F-B9FA-E628-51A0D3097B8F}"/>
+                  </a:ext>
+                </a:extLst>
+              </p:cNvPr>
+              <p:cNvSpPr txBox="1"/>
+              <p:nvPr/>
+            </p:nvSpPr>
+            <p:spPr>
+              <a:xfrm>
+                <a:off x="500931" y="2132693"/>
+                <a:ext cx="11441731" cy="400110"/>
+              </a:xfrm>
+              <a:prstGeom prst="rect">
+                <a:avLst/>
+              </a:prstGeom>
+              <a:noFill/>
+            </p:spPr>
+            <p:txBody>
+              <a:bodyPr wrap="square" rtlCol="0">
+                <a:spAutoFit/>
+              </a:bodyPr>
+              <a:lstStyle/>
+              <a:p>
+                <a14:m>
+                  <m:oMathPara xmlns:m="http://schemas.openxmlformats.org/officeDocument/2006/math">
+                    <m:oMathParaPr>
+                      <m:jc m:val="centerGroup"/>
+                    </m:oMathParaPr>
+                    <m:oMath xmlns:m="http://schemas.openxmlformats.org/officeDocument/2006/math">
+                      <m:r>
+                        <a:rPr lang="fr-FR" sz="2000" b="0" i="1" smtClean="0">
+                          <a:latin typeface="Cambria Math" panose="02040503050406030204" pitchFamily="18" charset="0"/>
+                          <a:cs typeface="Times New Roman" panose="02020603050405020304" pitchFamily="18" charset="0"/>
+                        </a:rPr>
+                        <m:t>𝑓𝑜𝑟</m:t>
+                      </m:r>
+                      <m:r>
+                        <a:rPr lang="fr-FR" sz="2000" b="0" i="1" smtClean="0">
+                          <a:latin typeface="Cambria Math" panose="02040503050406030204" pitchFamily="18" charset="0"/>
+                          <a:cs typeface="Times New Roman" panose="02020603050405020304" pitchFamily="18" charset="0"/>
+                        </a:rPr>
+                        <m:t> </m:t>
+                      </m:r>
+                      <m:r>
+                        <a:rPr lang="fr-FR" sz="2000" b="0" i="1" smtClean="0">
+                          <a:latin typeface="Cambria Math" panose="02040503050406030204" pitchFamily="18" charset="0"/>
+                          <a:cs typeface="Times New Roman" panose="02020603050405020304" pitchFamily="18" charset="0"/>
+                        </a:rPr>
+                        <m:t>𝑒𝑙𝑒𝑚𝑒𝑛𝑡</m:t>
+                      </m:r>
+                      <m:r>
+                        <a:rPr lang="fr-FR" sz="2000" b="0" i="1" smtClean="0">
+                          <a:latin typeface="Cambria Math" panose="02040503050406030204" pitchFamily="18" charset="0"/>
+                          <a:cs typeface="Times New Roman" panose="02020603050405020304" pitchFamily="18" charset="0"/>
+                        </a:rPr>
+                        <m:t> </m:t>
+                      </m:r>
+                      <m:r>
+                        <a:rPr lang="fr-FR" sz="2000" b="0" i="1" smtClean="0">
+                          <a:latin typeface="Cambria Math" panose="02040503050406030204" pitchFamily="18" charset="0"/>
+                          <a:cs typeface="Times New Roman" panose="02020603050405020304" pitchFamily="18" charset="0"/>
+                        </a:rPr>
+                        <m:t>𝑖𝑛</m:t>
+                      </m:r>
+                      <m:r>
+                        <a:rPr lang="fr-FR" sz="2000" b="0" i="1" smtClean="0">
+                          <a:latin typeface="Cambria Math" panose="02040503050406030204" pitchFamily="18" charset="0"/>
+                          <a:cs typeface="Times New Roman" panose="02020603050405020304" pitchFamily="18" charset="0"/>
+                        </a:rPr>
+                        <m:t> </m:t>
+                      </m:r>
+                      <m:r>
+                        <a:rPr lang="fr-FR" sz="2000" b="0" i="1" smtClean="0">
+                          <a:latin typeface="Cambria Math" panose="02040503050406030204" pitchFamily="18" charset="0"/>
+                          <a:cs typeface="Times New Roman" panose="02020603050405020304" pitchFamily="18" charset="0"/>
+                        </a:rPr>
+                        <m:t>𝑛𝑜𝑚</m:t>
+                      </m:r>
+                      <m:r>
+                        <a:rPr lang="fr-FR" sz="2000" b="0" i="1" smtClean="0">
+                          <a:latin typeface="Cambria Math" panose="02040503050406030204" pitchFamily="18" charset="0"/>
+                          <a:cs typeface="Times New Roman" panose="02020603050405020304" pitchFamily="18" charset="0"/>
+                        </a:rPr>
+                        <m:t>_</m:t>
+                      </m:r>
+                      <m:r>
+                        <a:rPr lang="fr-FR" sz="2000" b="0" i="1" smtClean="0">
+                          <a:latin typeface="Cambria Math" panose="02040503050406030204" pitchFamily="18" charset="0"/>
+                          <a:cs typeface="Times New Roman" panose="02020603050405020304" pitchFamily="18" charset="0"/>
+                        </a:rPr>
+                        <m:t>𝑙𝑖𝑠𝑡𝑒</m:t>
+                      </m:r>
+                    </m:oMath>
+                  </m:oMathPara>
+                </a14:m>
+                <a:endParaRPr lang="fr-FR" sz="2000" dirty="0">
+                  <a:latin typeface="Times New Roman" panose="02020603050405020304" pitchFamily="18" charset="0"/>
+                  <a:cs typeface="Times New Roman" panose="02020603050405020304" pitchFamily="18" charset="0"/>
+                </a:endParaRPr>
+              </a:p>
+            </p:txBody>
+          </p:sp>
+        </mc:Choice>
+        <mc:Fallback>
+          <p:sp>
+            <p:nvSpPr>
+              <p:cNvPr id="8" name="ZoneTexte 7">
+                <a:extLst>
+                  <a:ext uri="{FF2B5EF4-FFF2-40B4-BE49-F238E27FC236}">
+                    <a16:creationId xmlns:a16="http://schemas.microsoft.com/office/drawing/2014/main" id="{5132B88B-DD3F-B9FA-E628-51A0D3097B8F}"/>
+                  </a:ext>
+                </a:extLst>
+              </p:cNvPr>
+              <p:cNvSpPr txBox="1">
+                <a:spLocks noRot="1" noChangeAspect="1" noMove="1" noResize="1" noEditPoints="1" noAdjustHandles="1" noChangeArrowheads="1" noChangeShapeType="1" noTextEdit="1"/>
+              </p:cNvSpPr>
+              <p:nvPr/>
+            </p:nvSpPr>
+            <p:spPr>
+              <a:xfrm>
+                <a:off x="500931" y="2132693"/>
+                <a:ext cx="11441731" cy="400110"/>
+              </a:xfrm>
+              <a:prstGeom prst="rect">
+                <a:avLst/>
+              </a:prstGeom>
+              <a:blipFill>
+                <a:blip r:embed="rId3"/>
+                <a:stretch>
+                  <a:fillRect b="-16923"/>
+                </a:stretch>
+              </a:blipFill>
+            </p:spPr>
+            <p:txBody>
+              <a:bodyPr/>
+              <a:lstStyle/>
+              <a:p>
+                <a:r>
+                  <a:rPr lang="fr-FR">
+                    <a:noFill/>
+                  </a:rPr>
+                  <a:t> </a:t>
+                </a:r>
+              </a:p>
+            </p:txBody>
+          </p:sp>
+        </mc:Fallback>
+      </mc:AlternateContent>
+      <p:pic>
+        <p:nvPicPr>
+          <p:cNvPr id="15" name="Image 14">
+            <a:extLst>
+              <a:ext uri="{FF2B5EF4-FFF2-40B4-BE49-F238E27FC236}">
+                <a16:creationId xmlns:a16="http://schemas.microsoft.com/office/drawing/2014/main" id="{484A56E5-DF3E-387E-2C4C-DC897AA83F19}"/>
+              </a:ext>
+            </a:extLst>
+          </p:cNvPr>
+          <p:cNvPicPr>
+            <a:picLocks noChangeAspect="1"/>
+          </p:cNvPicPr>
+          <p:nvPr/>
+        </p:nvPicPr>
+        <p:blipFill>
+          <a:blip r:embed="rId4"/>
+          <a:stretch>
+            <a:fillRect/>
+          </a:stretch>
+        </p:blipFill>
+        <p:spPr>
+          <a:xfrm>
+            <a:off x="500931" y="2609222"/>
+            <a:ext cx="4281663" cy="2184522"/>
+          </a:xfrm>
+          <a:prstGeom prst="rect">
+            <a:avLst/>
+          </a:prstGeom>
+        </p:spPr>
+      </p:pic>
+      <p:pic>
+        <p:nvPicPr>
+          <p:cNvPr id="17" name="Image 16">
+            <a:extLst>
+              <a:ext uri="{FF2B5EF4-FFF2-40B4-BE49-F238E27FC236}">
+                <a16:creationId xmlns:a16="http://schemas.microsoft.com/office/drawing/2014/main" id="{B02DA241-16BB-4691-8FB3-E88AC8C244A3}"/>
+              </a:ext>
+            </a:extLst>
+          </p:cNvPr>
+          <p:cNvPicPr>
+            <a:picLocks noChangeAspect="1"/>
+          </p:cNvPicPr>
+          <p:nvPr/>
+        </p:nvPicPr>
+        <p:blipFill>
+          <a:blip r:embed="rId5"/>
+          <a:stretch>
+            <a:fillRect/>
+          </a:stretch>
+        </p:blipFill>
+        <p:spPr>
+          <a:xfrm>
+            <a:off x="6221796" y="2643909"/>
+            <a:ext cx="5348740" cy="2184521"/>
+          </a:xfrm>
+          <a:prstGeom prst="rect">
+            <a:avLst/>
+          </a:prstGeom>
+        </p:spPr>
+      </p:pic>
+      <mc:AlternateContent xmlns:mc="http://schemas.openxmlformats.org/markup-compatibility/2006">
+        <mc:Choice xmlns:a14="http://schemas.microsoft.com/office/drawing/2010/main" Requires="a14">
+          <p:sp>
+            <p:nvSpPr>
+              <p:cNvPr id="18" name="ZoneTexte 17">
+                <a:extLst>
+                  <a:ext uri="{FF2B5EF4-FFF2-40B4-BE49-F238E27FC236}">
+                    <a16:creationId xmlns:a16="http://schemas.microsoft.com/office/drawing/2014/main" id="{2696CA0A-7371-D0E2-3C70-2523085C57BD}"/>
+                  </a:ext>
+                </a:extLst>
+              </p:cNvPr>
+              <p:cNvSpPr txBox="1"/>
+              <p:nvPr/>
+            </p:nvSpPr>
+            <p:spPr>
+              <a:xfrm>
+                <a:off x="397565" y="4982780"/>
+                <a:ext cx="11441731" cy="400110"/>
+              </a:xfrm>
+              <a:prstGeom prst="rect">
+                <a:avLst/>
+              </a:prstGeom>
+              <a:noFill/>
+            </p:spPr>
+            <p:txBody>
+              <a:bodyPr wrap="square" rtlCol="0">
+                <a:spAutoFit/>
+              </a:bodyPr>
+              <a:lstStyle/>
+              <a:p>
+                <a:r>
+                  <a:rPr lang="fr-FR" sz="2000" b="1" dirty="0">
+                    <a:latin typeface="Times New Roman" panose="02020603050405020304" pitchFamily="18" charset="0"/>
+                    <a:cs typeface="Times New Roman" panose="02020603050405020304" pitchFamily="18" charset="0"/>
+                  </a:rPr>
+                  <a:t>Les variables </a:t>
+                </a:r>
+                <a14:m>
+                  <m:oMath xmlns:m="http://schemas.openxmlformats.org/officeDocument/2006/math">
+                    <m:r>
+                      <a:rPr lang="fr-FR" sz="2000" b="1" i="1" smtClean="0">
+                        <a:latin typeface="Cambria Math" panose="02040503050406030204" pitchFamily="18" charset="0"/>
+                        <a:cs typeface="Times New Roman" panose="02020603050405020304" pitchFamily="18" charset="0"/>
+                      </a:rPr>
+                      <m:t>𝒆𝒍𝒕</m:t>
+                    </m:r>
+                  </m:oMath>
+                </a14:m>
+                <a:r>
+                  <a:rPr lang="fr-FR" sz="2000" b="1" dirty="0">
+                    <a:latin typeface="Times New Roman" panose="02020603050405020304" pitchFamily="18" charset="0"/>
+                    <a:cs typeface="Times New Roman" panose="02020603050405020304" pitchFamily="18" charset="0"/>
+                  </a:rPr>
+                  <a:t> et </a:t>
+                </a:r>
+                <a14:m>
+                  <m:oMath xmlns:m="http://schemas.openxmlformats.org/officeDocument/2006/math">
+                    <m:r>
+                      <a:rPr lang="fr-FR" sz="2000" b="1" i="1" smtClean="0">
+                        <a:latin typeface="Cambria Math" panose="02040503050406030204" pitchFamily="18" charset="0"/>
+                        <a:cs typeface="Times New Roman" panose="02020603050405020304" pitchFamily="18" charset="0"/>
+                      </a:rPr>
+                      <m:t>𝒄𝒂𝒓𝒂𝒄</m:t>
+                    </m:r>
+                  </m:oMath>
+                </a14:m>
+                <a:r>
+                  <a:rPr lang="fr-FR" sz="2000" b="1" dirty="0">
+                    <a:latin typeface="Times New Roman" panose="02020603050405020304" pitchFamily="18" charset="0"/>
+                    <a:cs typeface="Times New Roman" panose="02020603050405020304" pitchFamily="18" charset="0"/>
+                  </a:rPr>
+                  <a:t> vont prendre à chaque parcours une valeur de la liste.</a:t>
+                </a:r>
+              </a:p>
+            </p:txBody>
+          </p:sp>
+        </mc:Choice>
+        <mc:Fallback>
+          <p:sp>
+            <p:nvSpPr>
+              <p:cNvPr id="18" name="ZoneTexte 17">
+                <a:extLst>
+                  <a:ext uri="{FF2B5EF4-FFF2-40B4-BE49-F238E27FC236}">
+                    <a16:creationId xmlns:a16="http://schemas.microsoft.com/office/drawing/2014/main" id="{2696CA0A-7371-D0E2-3C70-2523085C57BD}"/>
+                  </a:ext>
+                </a:extLst>
+              </p:cNvPr>
+              <p:cNvSpPr txBox="1">
+                <a:spLocks noRot="1" noChangeAspect="1" noMove="1" noResize="1" noEditPoints="1" noAdjustHandles="1" noChangeArrowheads="1" noChangeShapeType="1" noTextEdit="1"/>
+              </p:cNvSpPr>
+              <p:nvPr/>
+            </p:nvSpPr>
+            <p:spPr>
+              <a:xfrm>
+                <a:off x="397565" y="4982780"/>
+                <a:ext cx="11441731" cy="400110"/>
+              </a:xfrm>
+              <a:prstGeom prst="rect">
+                <a:avLst/>
+              </a:prstGeom>
+              <a:blipFill>
+                <a:blip r:embed="rId6"/>
+                <a:stretch>
+                  <a:fillRect l="-533" t="-7576" b="-25758"/>
+                </a:stretch>
+              </a:blipFill>
+            </p:spPr>
+            <p:txBody>
+              <a:bodyPr/>
+              <a:lstStyle/>
+              <a:p>
+                <a:r>
+                  <a:rPr lang="fr-FR">
+                    <a:noFill/>
+                  </a:rPr>
+                  <a:t> </a:t>
+                </a:r>
+              </a:p>
+            </p:txBody>
+          </p:sp>
+        </mc:Fallback>
+      </mc:AlternateContent>
+      <p:sp>
+        <p:nvSpPr>
+          <p:cNvPr id="19" name="ZoneTexte 18">
+            <a:extLst>
+              <a:ext uri="{FF2B5EF4-FFF2-40B4-BE49-F238E27FC236}">
+                <a16:creationId xmlns:a16="http://schemas.microsoft.com/office/drawing/2014/main" id="{34134044-774D-1358-E8A0-180B7E04885A}"/>
+              </a:ext>
+            </a:extLst>
+          </p:cNvPr>
+          <p:cNvSpPr txBox="1"/>
+          <p:nvPr/>
+        </p:nvSpPr>
+        <p:spPr>
+          <a:xfrm>
+            <a:off x="369291" y="5431367"/>
+            <a:ext cx="11441731" cy="707886"/>
+          </a:xfrm>
+          <a:prstGeom prst="rect">
+            <a:avLst/>
+          </a:prstGeom>
+          <a:noFill/>
+        </p:spPr>
+        <p:txBody>
+          <a:bodyPr wrap="square" rtlCol="0">
+            <a:spAutoFit/>
+          </a:bodyPr>
+          <a:lstStyle/>
+          <a:p>
+            <a:r>
+              <a:rPr lang="fr-FR" sz="2000" b="1" dirty="0">
+                <a:latin typeface="Times New Roman" panose="02020603050405020304" pitchFamily="18" charset="0"/>
+                <a:cs typeface="Times New Roman" panose="02020603050405020304" pitchFamily="18" charset="0"/>
+              </a:rPr>
+              <a:t>Ce fonctionnement implicite de for sera utilisé aussi dans les autres types d’objets complexes comme les dictionnaires ou tuples.</a:t>
             </a:r>
           </a:p>
         </p:txBody>
@@ -5795,7 +7060,7 @@
     </p:spTree>
     <p:extLst>
       <p:ext uri="{BB962C8B-B14F-4D97-AF65-F5344CB8AC3E}">
-        <p14:creationId xmlns:p14="http://schemas.microsoft.com/office/powerpoint/2010/main" val="3194045807"/>
+        <p14:creationId xmlns:p14="http://schemas.microsoft.com/office/powerpoint/2010/main" val="3421814034"/>
       </p:ext>
     </p:extLst>
   </p:cSld>
@@ -5913,7 +7178,14 @@
                 <a:latin typeface="Times New Roman" panose="02020603050405020304" pitchFamily="18" charset="0"/>
                 <a:cs typeface="Times New Roman" panose="02020603050405020304" pitchFamily="18" charset="0"/>
               </a:rPr>
-              <a:t>Des listes aux chaînes</a:t>
+              <a:t>La fonction </a:t>
+            </a:r>
+            <a:r>
+              <a:rPr lang="fr-FR" sz="2400" b="1" i="1" dirty="0" err="1">
+                <a:latin typeface="Times New Roman" panose="02020603050405020304" pitchFamily="18" charset="0"/>
+                <a:cs typeface="Times New Roman" panose="02020603050405020304" pitchFamily="18" charset="0"/>
+              </a:rPr>
+              <a:t>enumerate</a:t>
             </a:r>
             <a:endParaRPr lang="fr-FR" sz="2400" b="1" i="1" dirty="0">
               <a:latin typeface="Times New Roman" panose="02020603050405020304" pitchFamily="18" charset="0"/>
@@ -5994,7 +7266,7 @@
                 <a:latin typeface="Times New Roman" panose="02020603050405020304" pitchFamily="18" charset="0"/>
                 <a:cs typeface="Times New Roman" panose="02020603050405020304" pitchFamily="18" charset="0"/>
               </a:rPr>
-              <a:t>Page 92</a:t>
+              <a:t>Page 88</a:t>
             </a:r>
           </a:p>
         </p:txBody>
@@ -6002,7 +7274,7 @@
     </p:spTree>
     <p:extLst>
       <p:ext uri="{BB962C8B-B14F-4D97-AF65-F5344CB8AC3E}">
-        <p14:creationId xmlns:p14="http://schemas.microsoft.com/office/powerpoint/2010/main" val="814239834"/>
+        <p14:creationId xmlns:p14="http://schemas.microsoft.com/office/powerpoint/2010/main" val="3210814892"/>
       </p:ext>
     </p:extLst>
   </p:cSld>
@@ -6120,7 +7392,7 @@
                 <a:latin typeface="Times New Roman" panose="02020603050405020304" pitchFamily="18" charset="0"/>
                 <a:cs typeface="Times New Roman" panose="02020603050405020304" pitchFamily="18" charset="0"/>
               </a:rPr>
-              <a:t>Parcours de liste efficace</a:t>
+              <a:t>De chaînes aux listes</a:t>
             </a:r>
             <a:endParaRPr lang="fr-FR" sz="2400" b="1" i="1" dirty="0">
               <a:latin typeface="Times New Roman" panose="02020603050405020304" pitchFamily="18" charset="0"/>
@@ -6201,7 +7473,7 @@
                 <a:latin typeface="Times New Roman" panose="02020603050405020304" pitchFamily="18" charset="0"/>
                 <a:cs typeface="Times New Roman" panose="02020603050405020304" pitchFamily="18" charset="0"/>
               </a:rPr>
-              <a:t>Page 97</a:t>
+              <a:t>Page 92</a:t>
             </a:r>
           </a:p>
         </p:txBody>
@@ -6209,7 +7481,7 @@
     </p:spTree>
     <p:extLst>
       <p:ext uri="{BB962C8B-B14F-4D97-AF65-F5344CB8AC3E}">
-        <p14:creationId xmlns:p14="http://schemas.microsoft.com/office/powerpoint/2010/main" val="2865238125"/>
+        <p14:creationId xmlns:p14="http://schemas.microsoft.com/office/powerpoint/2010/main" val="3194045807"/>
       </p:ext>
     </p:extLst>
   </p:cSld>
@@ -6327,7 +7599,7 @@
                 <a:latin typeface="Times New Roman" panose="02020603050405020304" pitchFamily="18" charset="0"/>
                 <a:cs typeface="Times New Roman" panose="02020603050405020304" pitchFamily="18" charset="0"/>
               </a:rPr>
-              <a:t>Parcours avec filtrage avec condition</a:t>
+              <a:t>Parcours de liste efficace</a:t>
             </a:r>
             <a:endParaRPr lang="fr-FR" sz="2400" b="1" i="1" dirty="0">
               <a:latin typeface="Times New Roman" panose="02020603050405020304" pitchFamily="18" charset="0"/>
@@ -6416,7 +7688,7 @@
     </p:spTree>
     <p:extLst>
       <p:ext uri="{BB962C8B-B14F-4D97-AF65-F5344CB8AC3E}">
-        <p14:creationId xmlns:p14="http://schemas.microsoft.com/office/powerpoint/2010/main" val="715928702"/>
+        <p14:creationId xmlns:p14="http://schemas.microsoft.com/office/powerpoint/2010/main" val="2865238125"/>
       </p:ext>
     </p:extLst>
   </p:cSld>
@@ -6534,7 +7806,7 @@
                 <a:latin typeface="Times New Roman" panose="02020603050405020304" pitchFamily="18" charset="0"/>
                 <a:cs typeface="Times New Roman" panose="02020603050405020304" pitchFamily="18" charset="0"/>
               </a:rPr>
-              <a:t>Méthodes usuelles de liste</a:t>
+              <a:t>Des listes aux chaînes</a:t>
             </a:r>
             <a:endParaRPr lang="fr-FR" sz="2400" b="1" i="1" dirty="0">
               <a:latin typeface="Times New Roman" panose="02020603050405020304" pitchFamily="18" charset="0"/>
@@ -6597,7 +7869,7 @@
         <p:spPr>
           <a:xfrm>
             <a:off x="500932" y="941801"/>
-            <a:ext cx="11441731" cy="707886"/>
+            <a:ext cx="11441731" cy="400110"/>
           </a:xfrm>
           <a:prstGeom prst="rect">
             <a:avLst/>
@@ -6615,84 +7887,15 @@
                 <a:latin typeface="Times New Roman" panose="02020603050405020304" pitchFamily="18" charset="0"/>
                 <a:cs typeface="Times New Roman" panose="02020603050405020304" pitchFamily="18" charset="0"/>
               </a:rPr>
-              <a:t>ajouter lien vers documentation python</a:t>
-            </a:r>
-          </a:p>
-          <a:p>
-            <a:r>
-              <a:rPr lang="fr-FR" sz="2000" dirty="0" err="1">
-                <a:latin typeface="Times New Roman" panose="02020603050405020304" pitchFamily="18" charset="0"/>
-                <a:cs typeface="Times New Roman" panose="02020603050405020304" pitchFamily="18" charset="0"/>
-              </a:rPr>
-              <a:t>Elt</a:t>
-            </a:r>
-            <a:r>
-              <a:rPr lang="fr-FR" sz="2000" dirty="0">
-                <a:latin typeface="Times New Roman" panose="02020603050405020304" pitchFamily="18" charset="0"/>
-                <a:cs typeface="Times New Roman" panose="02020603050405020304" pitchFamily="18" charset="0"/>
-              </a:rPr>
-              <a:t> in Liste, </a:t>
-            </a:r>
-            <a:r>
-              <a:rPr lang="fr-FR" sz="2000" dirty="0" err="1">
-                <a:latin typeface="Times New Roman" panose="02020603050405020304" pitchFamily="18" charset="0"/>
-                <a:cs typeface="Times New Roman" panose="02020603050405020304" pitchFamily="18" charset="0"/>
-              </a:rPr>
-              <a:t>Contains</a:t>
-            </a:r>
-            <a:r>
-              <a:rPr lang="fr-FR" sz="2000" dirty="0">
-                <a:latin typeface="Times New Roman" panose="02020603050405020304" pitchFamily="18" charset="0"/>
-                <a:cs typeface="Times New Roman" panose="02020603050405020304" pitchFamily="18" charset="0"/>
-              </a:rPr>
-              <a:t>, </a:t>
-            </a:r>
-            <a:r>
-              <a:rPr lang="fr-FR" sz="2000" dirty="0" err="1">
-                <a:latin typeface="Times New Roman" panose="02020603050405020304" pitchFamily="18" charset="0"/>
-                <a:cs typeface="Times New Roman" panose="02020603050405020304" pitchFamily="18" charset="0"/>
-              </a:rPr>
-              <a:t>clear</a:t>
-            </a:r>
-            <a:r>
-              <a:rPr lang="fr-FR" sz="2000" dirty="0">
-                <a:latin typeface="Times New Roman" panose="02020603050405020304" pitchFamily="18" charset="0"/>
-                <a:cs typeface="Times New Roman" panose="02020603050405020304" pitchFamily="18" charset="0"/>
-              </a:rPr>
-              <a:t>, count, </a:t>
-            </a:r>
-            <a:r>
-              <a:rPr lang="fr-FR" sz="2000" dirty="0" err="1">
-                <a:latin typeface="Times New Roman" panose="02020603050405020304" pitchFamily="18" charset="0"/>
-                <a:cs typeface="Times New Roman" panose="02020603050405020304" pitchFamily="18" charset="0"/>
-              </a:rPr>
-              <a:t>extend</a:t>
-            </a:r>
-            <a:r>
-              <a:rPr lang="fr-FR" sz="2000" dirty="0">
-                <a:latin typeface="Times New Roman" panose="02020603050405020304" pitchFamily="18" charset="0"/>
-                <a:cs typeface="Times New Roman" panose="02020603050405020304" pitchFamily="18" charset="0"/>
-              </a:rPr>
-              <a:t>, pop, reverse, sort, </a:t>
-            </a:r>
-            <a:r>
-              <a:rPr lang="fr-FR" sz="2000" dirty="0" err="1">
-                <a:latin typeface="Times New Roman" panose="02020603050405020304" pitchFamily="18" charset="0"/>
-                <a:cs typeface="Times New Roman" panose="02020603050405020304" pitchFamily="18" charset="0"/>
-              </a:rPr>
-              <a:t>sorted</a:t>
-            </a:r>
-            <a:endParaRPr lang="fr-FR" sz="2000" dirty="0">
-              <a:latin typeface="Times New Roman" panose="02020603050405020304" pitchFamily="18" charset="0"/>
-              <a:cs typeface="Times New Roman" panose="02020603050405020304" pitchFamily="18" charset="0"/>
-            </a:endParaRPr>
+              <a:t>Page 92</a:t>
+            </a:r>
           </a:p>
         </p:txBody>
       </p:sp>
     </p:spTree>
     <p:extLst>
       <p:ext uri="{BB962C8B-B14F-4D97-AF65-F5344CB8AC3E}">
-        <p14:creationId xmlns:p14="http://schemas.microsoft.com/office/powerpoint/2010/main" val="3279480716"/>
+        <p14:creationId xmlns:p14="http://schemas.microsoft.com/office/powerpoint/2010/main" val="814239834"/>
       </p:ext>
     </p:extLst>
   </p:cSld>
@@ -6810,7 +8013,7 @@
                 <a:latin typeface="Times New Roman" panose="02020603050405020304" pitchFamily="18" charset="0"/>
                 <a:cs typeface="Times New Roman" panose="02020603050405020304" pitchFamily="18" charset="0"/>
               </a:rPr>
-              <a:t>Fonctions à plusieurs paramètres</a:t>
+              <a:t>Parcours avec filtrage avec condition</a:t>
             </a:r>
             <a:endParaRPr lang="fr-FR" sz="2400" b="1" i="1" dirty="0">
               <a:latin typeface="Times New Roman" panose="02020603050405020304" pitchFamily="18" charset="0"/>
@@ -6891,7 +8094,7 @@
                 <a:latin typeface="Times New Roman" panose="02020603050405020304" pitchFamily="18" charset="0"/>
                 <a:cs typeface="Times New Roman" panose="02020603050405020304" pitchFamily="18" charset="0"/>
               </a:rPr>
-              <a:t>Voir si nécessaire d’ajouter </a:t>
+              <a:t>Page 97</a:t>
             </a:r>
           </a:p>
         </p:txBody>
@@ -6899,7 +8102,7 @@
     </p:spTree>
     <p:extLst>
       <p:ext uri="{BB962C8B-B14F-4D97-AF65-F5344CB8AC3E}">
-        <p14:creationId xmlns:p14="http://schemas.microsoft.com/office/powerpoint/2010/main" val="2591302804"/>
+        <p14:creationId xmlns:p14="http://schemas.microsoft.com/office/powerpoint/2010/main" val="715928702"/>
       </p:ext>
     </p:extLst>
   </p:cSld>
@@ -7017,7 +8220,7 @@
                 <a:latin typeface="Times New Roman" panose="02020603050405020304" pitchFamily="18" charset="0"/>
                 <a:cs typeface="Times New Roman" panose="02020603050405020304" pitchFamily="18" charset="0"/>
               </a:rPr>
-              <a:t>La fonction id avec les listes</a:t>
+              <a:t>Méthodes usuelles de liste</a:t>
             </a:r>
             <a:endParaRPr lang="fr-FR" sz="2400" b="1" i="1" dirty="0">
               <a:latin typeface="Times New Roman" panose="02020603050405020304" pitchFamily="18" charset="0"/>
@@ -7080,7 +8283,7 @@
         <p:spPr>
           <a:xfrm>
             <a:off x="500932" y="941801"/>
-            <a:ext cx="11441731" cy="400110"/>
+            <a:ext cx="11441731" cy="707886"/>
           </a:xfrm>
           <a:prstGeom prst="rect">
             <a:avLst/>
@@ -7098,15 +8301,84 @@
                 <a:latin typeface="Times New Roman" panose="02020603050405020304" pitchFamily="18" charset="0"/>
                 <a:cs typeface="Times New Roman" panose="02020603050405020304" pitchFamily="18" charset="0"/>
               </a:rPr>
-              <a:t>Voir si nécessaire d’ajouter </a:t>
-            </a:r>
+              <a:t>ajouter lien vers documentation python</a:t>
+            </a:r>
+          </a:p>
+          <a:p>
+            <a:r>
+              <a:rPr lang="fr-FR" sz="2000" dirty="0" err="1">
+                <a:latin typeface="Times New Roman" panose="02020603050405020304" pitchFamily="18" charset="0"/>
+                <a:cs typeface="Times New Roman" panose="02020603050405020304" pitchFamily="18" charset="0"/>
+              </a:rPr>
+              <a:t>Elt</a:t>
+            </a:r>
+            <a:r>
+              <a:rPr lang="fr-FR" sz="2000" dirty="0">
+                <a:latin typeface="Times New Roman" panose="02020603050405020304" pitchFamily="18" charset="0"/>
+                <a:cs typeface="Times New Roman" panose="02020603050405020304" pitchFamily="18" charset="0"/>
+              </a:rPr>
+              <a:t> in Liste, </a:t>
+            </a:r>
+            <a:r>
+              <a:rPr lang="fr-FR" sz="2000" dirty="0" err="1">
+                <a:latin typeface="Times New Roman" panose="02020603050405020304" pitchFamily="18" charset="0"/>
+                <a:cs typeface="Times New Roman" panose="02020603050405020304" pitchFamily="18" charset="0"/>
+              </a:rPr>
+              <a:t>Contains</a:t>
+            </a:r>
+            <a:r>
+              <a:rPr lang="fr-FR" sz="2000" dirty="0">
+                <a:latin typeface="Times New Roman" panose="02020603050405020304" pitchFamily="18" charset="0"/>
+                <a:cs typeface="Times New Roman" panose="02020603050405020304" pitchFamily="18" charset="0"/>
+              </a:rPr>
+              <a:t>, </a:t>
+            </a:r>
+            <a:r>
+              <a:rPr lang="fr-FR" sz="2000" dirty="0" err="1">
+                <a:latin typeface="Times New Roman" panose="02020603050405020304" pitchFamily="18" charset="0"/>
+                <a:cs typeface="Times New Roman" panose="02020603050405020304" pitchFamily="18" charset="0"/>
+              </a:rPr>
+              <a:t>clear</a:t>
+            </a:r>
+            <a:r>
+              <a:rPr lang="fr-FR" sz="2000" dirty="0">
+                <a:latin typeface="Times New Roman" panose="02020603050405020304" pitchFamily="18" charset="0"/>
+                <a:cs typeface="Times New Roman" panose="02020603050405020304" pitchFamily="18" charset="0"/>
+              </a:rPr>
+              <a:t>, count, </a:t>
+            </a:r>
+            <a:r>
+              <a:rPr lang="fr-FR" sz="2000" dirty="0" err="1">
+                <a:latin typeface="Times New Roman" panose="02020603050405020304" pitchFamily="18" charset="0"/>
+                <a:cs typeface="Times New Roman" panose="02020603050405020304" pitchFamily="18" charset="0"/>
+              </a:rPr>
+              <a:t>extend</a:t>
+            </a:r>
+            <a:r>
+              <a:rPr lang="fr-FR" sz="2000" dirty="0">
+                <a:latin typeface="Times New Roman" panose="02020603050405020304" pitchFamily="18" charset="0"/>
+                <a:cs typeface="Times New Roman" panose="02020603050405020304" pitchFamily="18" charset="0"/>
+              </a:rPr>
+              <a:t>, pop, reverse, sort, </a:t>
+            </a:r>
+            <a:r>
+              <a:rPr lang="fr-FR" sz="2000" dirty="0" err="1">
+                <a:latin typeface="Times New Roman" panose="02020603050405020304" pitchFamily="18" charset="0"/>
+                <a:cs typeface="Times New Roman" panose="02020603050405020304" pitchFamily="18" charset="0"/>
+              </a:rPr>
+              <a:t>sorted</a:t>
+            </a:r>
+            <a:endParaRPr lang="fr-FR" sz="2000" dirty="0">
+              <a:latin typeface="Times New Roman" panose="02020603050405020304" pitchFamily="18" charset="0"/>
+              <a:cs typeface="Times New Roman" panose="02020603050405020304" pitchFamily="18" charset="0"/>
+            </a:endParaRPr>
           </a:p>
         </p:txBody>
       </p:sp>
     </p:spTree>
     <p:extLst>
       <p:ext uri="{BB962C8B-B14F-4D97-AF65-F5344CB8AC3E}">
-        <p14:creationId xmlns:p14="http://schemas.microsoft.com/office/powerpoint/2010/main" val="926986085"/>
+        <p14:creationId xmlns:p14="http://schemas.microsoft.com/office/powerpoint/2010/main" val="3279480716"/>
       </p:ext>
     </p:extLst>
   </p:cSld>
@@ -7206,7 +8478,7 @@
         <p:spPr>
           <a:xfrm>
             <a:off x="397564" y="218526"/>
-            <a:ext cx="5795005" cy="461665"/>
+            <a:ext cx="7361255" cy="461665"/>
           </a:xfrm>
           <a:prstGeom prst="rect">
             <a:avLst/>
@@ -7224,8 +8496,12 @@
                 <a:latin typeface="Times New Roman" panose="02020603050405020304" pitchFamily="18" charset="0"/>
                 <a:cs typeface="Times New Roman" panose="02020603050405020304" pitchFamily="18" charset="0"/>
               </a:rPr>
-              <a:t>Exercices</a:t>
-            </a:r>
+              <a:t>Exemple avec les méthodes usuelles de listes</a:t>
+            </a:r>
+            <a:endParaRPr lang="fr-FR" sz="2400" b="1" i="1" dirty="0">
+              <a:latin typeface="Times New Roman" panose="02020603050405020304" pitchFamily="18" charset="0"/>
+              <a:cs typeface="Times New Roman" panose="02020603050405020304" pitchFamily="18" charset="0"/>
+            </a:endParaRPr>
           </a:p>
         </p:txBody>
       </p:sp>
@@ -7270,10 +8546,10 @@
       </p:cxnSp>
       <p:sp>
         <p:nvSpPr>
-          <p:cNvPr id="2" name="ZoneTexte 1">
-            <a:extLst>
-              <a:ext uri="{FF2B5EF4-FFF2-40B4-BE49-F238E27FC236}">
-                <a16:creationId xmlns:a16="http://schemas.microsoft.com/office/drawing/2014/main" id="{598CC1F4-92B5-97D6-5630-8A3701211AA4}"/>
+          <p:cNvPr id="7" name="ZoneTexte 6">
+            <a:extLst>
+              <a:ext uri="{FF2B5EF4-FFF2-40B4-BE49-F238E27FC236}">
+                <a16:creationId xmlns:a16="http://schemas.microsoft.com/office/drawing/2014/main" id="{B31AF22B-77AC-398F-8B32-17C6B4914236}"/>
               </a:ext>
             </a:extLst>
           </p:cNvPr>
@@ -7282,8 +8558,8 @@
         </p:nvSpPr>
         <p:spPr>
           <a:xfrm>
-            <a:off x="397564" y="711780"/>
-            <a:ext cx="11569148" cy="400110"/>
+            <a:off x="500932" y="941801"/>
+            <a:ext cx="11441731" cy="400110"/>
           </a:xfrm>
           <a:prstGeom prst="rect">
             <a:avLst/>
@@ -7297,291 +8573,22 @@
           <a:lstStyle/>
           <a:p>
             <a:r>
-              <a:rPr lang="fr-FR" sz="2000" b="1" u="sng" dirty="0">
-                <a:latin typeface="Times New Roman" panose="02020603050405020304" pitchFamily="18" charset="0"/>
-                <a:cs typeface="Times New Roman" panose="02020603050405020304" pitchFamily="18" charset="0"/>
+              <a:rPr lang="fr-FR" sz="2000" dirty="0">
+                <a:hlinkClick r:id="rId2"/>
               </a:rPr>
-              <a:t>Exercice 1</a:t>
-            </a:r>
-          </a:p>
-        </p:txBody>
-      </p:sp>
-      <p:sp>
-        <p:nvSpPr>
-          <p:cNvPr id="7" name="ZoneTexte 6">
-            <a:extLst>
-              <a:ext uri="{FF2B5EF4-FFF2-40B4-BE49-F238E27FC236}">
-                <a16:creationId xmlns:a16="http://schemas.microsoft.com/office/drawing/2014/main" id="{990321CC-02EF-ED64-0AA9-789ED60F60B1}"/>
-              </a:ext>
-            </a:extLst>
-          </p:cNvPr>
-          <p:cNvSpPr txBox="1"/>
-          <p:nvPr/>
-        </p:nvSpPr>
-        <p:spPr>
-          <a:xfrm>
-            <a:off x="397564" y="1090885"/>
-            <a:ext cx="11088982" cy="1631216"/>
-          </a:xfrm>
-          <a:prstGeom prst="rect">
-            <a:avLst/>
-          </a:prstGeom>
-          <a:noFill/>
-        </p:spPr>
-        <p:txBody>
-          <a:bodyPr wrap="square" rtlCol="0">
-            <a:spAutoFit/>
-          </a:bodyPr>
-          <a:lstStyle>
-            <a:defPPr>
-              <a:defRPr lang="en-US"/>
-            </a:defPPr>
-            <a:lvl1pPr>
-              <a:defRPr sz="2000"/>
-            </a:lvl1pPr>
-          </a:lstStyle>
-          <a:p>
-            <a:r>
-              <a:rPr lang="fr-FR" dirty="0">
-                <a:latin typeface="Times New Roman" panose="02020603050405020304" pitchFamily="18" charset="0"/>
-                <a:cs typeface="Times New Roman" panose="02020603050405020304" pitchFamily="18" charset="0"/>
-              </a:rPr>
-              <a:t>Ecrire un programme Python qui demande un nombre à virgule à l’utilisateur. L’utilisateur peut choisir de saisir un nombre en format français par exemple 3,12 ou format anglais 3.12. </a:t>
-            </a:r>
-          </a:p>
-          <a:p>
-            <a:r>
-              <a:rPr lang="fr-FR" dirty="0">
-                <a:latin typeface="Times New Roman" panose="02020603050405020304" pitchFamily="18" charset="0"/>
-                <a:cs typeface="Times New Roman" panose="02020603050405020304" pitchFamily="18" charset="0"/>
-              </a:rPr>
-              <a:t>Le programme doit renvoyer le nombre saisit par l’utilisateur avec 5 chiffres après la virgule.</a:t>
-            </a:r>
-          </a:p>
-          <a:p>
-            <a:r>
-              <a:rPr lang="fr-FR" dirty="0">
-                <a:latin typeface="Times New Roman" panose="02020603050405020304" pitchFamily="18" charset="0"/>
-                <a:cs typeface="Times New Roman" panose="02020603050405020304" pitchFamily="18" charset="0"/>
-              </a:rPr>
-              <a:t>Par exemple si l’utilisateur entre 3,99999999999 le programme doit renvoyer 3,99999. </a:t>
-            </a:r>
-          </a:p>
-          <a:p>
-            <a:r>
-              <a:rPr lang="fr-FR" dirty="0">
-                <a:latin typeface="Times New Roman" panose="02020603050405020304" pitchFamily="18" charset="0"/>
-                <a:cs typeface="Times New Roman" panose="02020603050405020304" pitchFamily="18" charset="0"/>
-              </a:rPr>
-              <a:t>Si l’utilisateur entre 3,99 le programme doit renvoyer 3,99000.</a:t>
-            </a:r>
-          </a:p>
-        </p:txBody>
-      </p:sp>
-      <p:sp>
-        <p:nvSpPr>
-          <p:cNvPr id="8" name="ZoneTexte 7">
-            <a:extLst>
-              <a:ext uri="{FF2B5EF4-FFF2-40B4-BE49-F238E27FC236}">
-                <a16:creationId xmlns:a16="http://schemas.microsoft.com/office/drawing/2014/main" id="{B79BE658-5103-63F8-7F2F-02F2834F1CE9}"/>
-              </a:ext>
-            </a:extLst>
-          </p:cNvPr>
-          <p:cNvSpPr txBox="1"/>
-          <p:nvPr/>
-        </p:nvSpPr>
-        <p:spPr>
-          <a:xfrm>
-            <a:off x="397564" y="2722101"/>
-            <a:ext cx="11569148" cy="400110"/>
-          </a:xfrm>
-          <a:prstGeom prst="rect">
-            <a:avLst/>
-          </a:prstGeom>
-          <a:noFill/>
-        </p:spPr>
-        <p:txBody>
-          <a:bodyPr wrap="square" rtlCol="0">
-            <a:spAutoFit/>
-          </a:bodyPr>
-          <a:lstStyle/>
-          <a:p>
-            <a:r>
-              <a:rPr lang="fr-FR" sz="2000" b="1" u="sng" dirty="0">
-                <a:latin typeface="Times New Roman" panose="02020603050405020304" pitchFamily="18" charset="0"/>
-                <a:cs typeface="Times New Roman" panose="02020603050405020304" pitchFamily="18" charset="0"/>
-              </a:rPr>
-              <a:t>Exercice 2</a:t>
-            </a:r>
-          </a:p>
-        </p:txBody>
-      </p:sp>
-      <p:sp>
-        <p:nvSpPr>
-          <p:cNvPr id="9" name="ZoneTexte 8">
-            <a:extLst>
-              <a:ext uri="{FF2B5EF4-FFF2-40B4-BE49-F238E27FC236}">
-                <a16:creationId xmlns:a16="http://schemas.microsoft.com/office/drawing/2014/main" id="{C1A1C679-64A5-1DDA-8AC1-E6755E1CCE83}"/>
-              </a:ext>
-            </a:extLst>
-          </p:cNvPr>
-          <p:cNvSpPr txBox="1"/>
-          <p:nvPr/>
-        </p:nvSpPr>
-        <p:spPr>
-          <a:xfrm>
-            <a:off x="397564" y="3101206"/>
-            <a:ext cx="11088982" cy="400110"/>
-          </a:xfrm>
-          <a:prstGeom prst="rect">
-            <a:avLst/>
-          </a:prstGeom>
-          <a:noFill/>
-        </p:spPr>
-        <p:txBody>
-          <a:bodyPr wrap="square" rtlCol="0">
-            <a:spAutoFit/>
-          </a:bodyPr>
-          <a:lstStyle>
-            <a:defPPr>
-              <a:defRPr lang="en-US"/>
-            </a:defPPr>
-            <a:lvl1pPr>
-              <a:defRPr sz="2000"/>
-            </a:lvl1pPr>
-          </a:lstStyle>
-          <a:p>
-            <a:r>
-              <a:rPr lang="fr-FR" dirty="0">
-                <a:latin typeface="Times New Roman" panose="02020603050405020304" pitchFamily="18" charset="0"/>
-                <a:cs typeface="Times New Roman" panose="02020603050405020304" pitchFamily="18" charset="0"/>
-              </a:rPr>
-              <a:t>Ecrire un script qui génère la liste des carrés et des cubes des nombres de 20 à 40.</a:t>
-            </a:r>
-          </a:p>
-        </p:txBody>
-      </p:sp>
-      <p:sp>
-        <p:nvSpPr>
-          <p:cNvPr id="10" name="ZoneTexte 9">
-            <a:extLst>
-              <a:ext uri="{FF2B5EF4-FFF2-40B4-BE49-F238E27FC236}">
-                <a16:creationId xmlns:a16="http://schemas.microsoft.com/office/drawing/2014/main" id="{99A2B5AC-A81B-C989-D0C2-FC1C7462D8DB}"/>
-              </a:ext>
-            </a:extLst>
-          </p:cNvPr>
-          <p:cNvSpPr txBox="1"/>
-          <p:nvPr/>
-        </p:nvSpPr>
-        <p:spPr>
-          <a:xfrm>
-            <a:off x="397564" y="3501316"/>
-            <a:ext cx="11569148" cy="400110"/>
-          </a:xfrm>
-          <a:prstGeom prst="rect">
-            <a:avLst/>
-          </a:prstGeom>
-          <a:noFill/>
-        </p:spPr>
-        <p:txBody>
-          <a:bodyPr wrap="square" rtlCol="0">
-            <a:spAutoFit/>
-          </a:bodyPr>
-          <a:lstStyle/>
-          <a:p>
-            <a:r>
-              <a:rPr lang="fr-FR" sz="2000" b="1" u="sng" dirty="0">
-                <a:latin typeface="Times New Roman" panose="02020603050405020304" pitchFamily="18" charset="0"/>
-                <a:cs typeface="Times New Roman" panose="02020603050405020304" pitchFamily="18" charset="0"/>
-              </a:rPr>
-              <a:t>Exercice 3</a:t>
-            </a:r>
-          </a:p>
-        </p:txBody>
-      </p:sp>
-      <p:sp>
-        <p:nvSpPr>
-          <p:cNvPr id="11" name="ZoneTexte 10">
-            <a:extLst>
-              <a:ext uri="{FF2B5EF4-FFF2-40B4-BE49-F238E27FC236}">
-                <a16:creationId xmlns:a16="http://schemas.microsoft.com/office/drawing/2014/main" id="{696C8475-7C20-6089-288B-7BFD03851401}"/>
-              </a:ext>
-            </a:extLst>
-          </p:cNvPr>
-          <p:cNvSpPr txBox="1"/>
-          <p:nvPr/>
-        </p:nvSpPr>
-        <p:spPr>
-          <a:xfrm>
-            <a:off x="397564" y="3880421"/>
-            <a:ext cx="11088982" cy="1938992"/>
-          </a:xfrm>
-          <a:prstGeom prst="rect">
-            <a:avLst/>
-          </a:prstGeom>
-          <a:noFill/>
-        </p:spPr>
-        <p:txBody>
-          <a:bodyPr wrap="square" rtlCol="0">
-            <a:spAutoFit/>
-          </a:bodyPr>
-          <a:lstStyle>
-            <a:defPPr>
-              <a:defRPr lang="en-US"/>
-            </a:defPPr>
-            <a:lvl1pPr>
-              <a:defRPr sz="2000"/>
-            </a:lvl1pPr>
-          </a:lstStyle>
-          <a:p>
-            <a:r>
-              <a:rPr lang="fr-FR" dirty="0">
-                <a:latin typeface="Times New Roman" panose="02020603050405020304" pitchFamily="18" charset="0"/>
-                <a:cs typeface="Times New Roman" panose="02020603050405020304" pitchFamily="18" charset="0"/>
-              </a:rPr>
-              <a:t>Ecrire un script qui demande à l’utilisateur de saisir un nom et le stocke dans une liste, le programme doit toujours demander un nom à l’utilisateur jusqu’à ce que l’utilisateur entre un caractère vide.</a:t>
-            </a:r>
-          </a:p>
-          <a:p>
-            <a:r>
-              <a:rPr lang="fr-FR" dirty="0">
-                <a:latin typeface="Times New Roman" panose="02020603050405020304" pitchFamily="18" charset="0"/>
-                <a:cs typeface="Times New Roman" panose="02020603050405020304" pitchFamily="18" charset="0"/>
-              </a:rPr>
-              <a:t>Ensuite le programme doit afficher la liste des noms entrés par l’utilisateur ainsi que le nombre de caractères que contient chaque nom. Par exemple:</a:t>
-            </a:r>
-          </a:p>
-          <a:p>
-            <a:r>
-              <a:rPr lang="fr-FR" dirty="0">
-                <a:latin typeface="Times New Roman" panose="02020603050405020304" pitchFamily="18" charset="0"/>
-                <a:cs typeface="Times New Roman" panose="02020603050405020304" pitchFamily="18" charset="0"/>
-              </a:rPr>
-              <a:t>John: 4 caractères</a:t>
-            </a:r>
-          </a:p>
-          <a:p>
-            <a:r>
-              <a:rPr lang="fr-FR" dirty="0" err="1">
-                <a:latin typeface="Times New Roman" panose="02020603050405020304" pitchFamily="18" charset="0"/>
-                <a:cs typeface="Times New Roman" panose="02020603050405020304" pitchFamily="18" charset="0"/>
-              </a:rPr>
-              <a:t>Doé</a:t>
-            </a:r>
-            <a:r>
-              <a:rPr lang="fr-FR" dirty="0">
-                <a:latin typeface="Times New Roman" panose="02020603050405020304" pitchFamily="18" charset="0"/>
-                <a:cs typeface="Times New Roman" panose="02020603050405020304" pitchFamily="18" charset="0"/>
-              </a:rPr>
-              <a:t>: 3 caractères</a:t>
-            </a:r>
+              <a:t>Les listes python</a:t>
+            </a:r>
+            <a:endParaRPr lang="fr-FR" sz="2000" dirty="0">
+              <a:latin typeface="Times New Roman" panose="02020603050405020304" pitchFamily="18" charset="0"/>
+              <a:cs typeface="Times New Roman" panose="02020603050405020304" pitchFamily="18" charset="0"/>
+            </a:endParaRPr>
           </a:p>
         </p:txBody>
       </p:sp>
     </p:spTree>
     <p:extLst>
       <p:ext uri="{BB962C8B-B14F-4D97-AF65-F5344CB8AC3E}">
-        <p14:creationId xmlns:p14="http://schemas.microsoft.com/office/powerpoint/2010/main" val="1332028687"/>
+        <p14:creationId xmlns:p14="http://schemas.microsoft.com/office/powerpoint/2010/main" val="4119819306"/>
       </p:ext>
     </p:extLst>
   </p:cSld>
@@ -7680,8 +8687,8 @@
         </p:nvSpPr>
         <p:spPr>
           <a:xfrm>
-            <a:off x="397564" y="218526"/>
-            <a:ext cx="5795005" cy="461665"/>
+            <a:off x="397565" y="218526"/>
+            <a:ext cx="5577722" cy="461665"/>
           </a:xfrm>
           <a:prstGeom prst="rect">
             <a:avLst/>
@@ -7699,8 +8706,12 @@
                 <a:latin typeface="Times New Roman" panose="02020603050405020304" pitchFamily="18" charset="0"/>
                 <a:cs typeface="Times New Roman" panose="02020603050405020304" pitchFamily="18" charset="0"/>
               </a:rPr>
-              <a:t>Exercices</a:t>
-            </a:r>
+              <a:t>Fonctions à plusieurs paramètres</a:t>
+            </a:r>
+            <a:endParaRPr lang="fr-FR" sz="2400" b="1" i="1" dirty="0">
+              <a:latin typeface="Times New Roman" panose="02020603050405020304" pitchFamily="18" charset="0"/>
+              <a:cs typeface="Times New Roman" panose="02020603050405020304" pitchFamily="18" charset="0"/>
+            </a:endParaRPr>
           </a:p>
         </p:txBody>
       </p:sp>
@@ -7745,10 +8756,10 @@
       </p:cxnSp>
       <p:sp>
         <p:nvSpPr>
-          <p:cNvPr id="2" name="ZoneTexte 1">
-            <a:extLst>
-              <a:ext uri="{FF2B5EF4-FFF2-40B4-BE49-F238E27FC236}">
-                <a16:creationId xmlns:a16="http://schemas.microsoft.com/office/drawing/2014/main" id="{598CC1F4-92B5-97D6-5630-8A3701211AA4}"/>
+          <p:cNvPr id="7" name="ZoneTexte 6">
+            <a:extLst>
+              <a:ext uri="{FF2B5EF4-FFF2-40B4-BE49-F238E27FC236}">
+                <a16:creationId xmlns:a16="http://schemas.microsoft.com/office/drawing/2014/main" id="{B31AF22B-77AC-398F-8B32-17C6B4914236}"/>
               </a:ext>
             </a:extLst>
           </p:cNvPr>
@@ -7757,8 +8768,8 @@
         </p:nvSpPr>
         <p:spPr>
           <a:xfrm>
-            <a:off x="397564" y="711780"/>
-            <a:ext cx="11569148" cy="400110"/>
+            <a:off x="500932" y="941801"/>
+            <a:ext cx="11441731" cy="400110"/>
           </a:xfrm>
           <a:prstGeom prst="rect">
             <a:avLst/>
@@ -7772,240 +8783,11 @@
           <a:lstStyle/>
           <a:p>
             <a:r>
-              <a:rPr lang="fr-FR" sz="2000" b="1" u="sng" dirty="0">
+              <a:rPr lang="fr-FR" sz="2000" dirty="0">
                 <a:latin typeface="Times New Roman" panose="02020603050405020304" pitchFamily="18" charset="0"/>
                 <a:cs typeface="Times New Roman" panose="02020603050405020304" pitchFamily="18" charset="0"/>
               </a:rPr>
-              <a:t>Exercice 4</a:t>
-            </a:r>
-          </a:p>
-        </p:txBody>
-      </p:sp>
-      <p:sp>
-        <p:nvSpPr>
-          <p:cNvPr id="7" name="ZoneTexte 6">
-            <a:extLst>
-              <a:ext uri="{FF2B5EF4-FFF2-40B4-BE49-F238E27FC236}">
-                <a16:creationId xmlns:a16="http://schemas.microsoft.com/office/drawing/2014/main" id="{990321CC-02EF-ED64-0AA9-789ED60F60B1}"/>
-              </a:ext>
-            </a:extLst>
-          </p:cNvPr>
-          <p:cNvSpPr txBox="1"/>
-          <p:nvPr/>
-        </p:nvSpPr>
-        <p:spPr>
-          <a:xfrm>
-            <a:off x="397564" y="1090885"/>
-            <a:ext cx="11088982" cy="1631216"/>
-          </a:xfrm>
-          <a:prstGeom prst="rect">
-            <a:avLst/>
-          </a:prstGeom>
-          <a:noFill/>
-        </p:spPr>
-        <p:txBody>
-          <a:bodyPr wrap="square" rtlCol="0">
-            <a:spAutoFit/>
-          </a:bodyPr>
-          <a:lstStyle>
-            <a:defPPr>
-              <a:defRPr lang="en-US"/>
-            </a:defPPr>
-            <a:lvl1pPr>
-              <a:defRPr sz="2000"/>
-            </a:lvl1pPr>
-          </a:lstStyle>
-          <a:p>
-            <a:r>
-              <a:rPr lang="fr-FR" dirty="0">
-                <a:latin typeface="Times New Roman" panose="02020603050405020304" pitchFamily="18" charset="0"/>
-                <a:cs typeface="Times New Roman" panose="02020603050405020304" pitchFamily="18" charset="0"/>
-              </a:rPr>
-              <a:t>Ecrire un programme qui va demander à l’utilisateur un nombre. Ensuite le programme lui demande s’il veut entrer un autre nombre ou non, continuer à demander un nombre tant que l’utilisateur dit Oui.</a:t>
-            </a:r>
-          </a:p>
-          <a:p>
-            <a:r>
-              <a:rPr lang="fr-FR" dirty="0">
-                <a:latin typeface="Times New Roman" panose="02020603050405020304" pitchFamily="18" charset="0"/>
-                <a:cs typeface="Times New Roman" panose="02020603050405020304" pitchFamily="18" charset="0"/>
-              </a:rPr>
-              <a:t>A la fin de la saisie, demander à l’utilisateur dans quel ordre il veut l’affichage (croissant ou décroissant).</a:t>
-            </a:r>
-          </a:p>
-          <a:p>
-            <a:r>
-              <a:rPr lang="fr-FR" dirty="0">
-                <a:latin typeface="Times New Roman" panose="02020603050405020304" pitchFamily="18" charset="0"/>
-                <a:cs typeface="Times New Roman" panose="02020603050405020304" pitchFamily="18" charset="0"/>
-              </a:rPr>
-              <a:t>Ensuite afficher la liste des nombres en ordre croissant ou décroissant, afficher le plus grande de ces nombres et le plus petit de ces nombres.</a:t>
-            </a:r>
-          </a:p>
-        </p:txBody>
-      </p:sp>
-      <p:sp>
-        <p:nvSpPr>
-          <p:cNvPr id="12" name="ZoneTexte 11">
-            <a:extLst>
-              <a:ext uri="{FF2B5EF4-FFF2-40B4-BE49-F238E27FC236}">
-                <a16:creationId xmlns:a16="http://schemas.microsoft.com/office/drawing/2014/main" id="{34F25E83-FDDF-4B15-C1E1-C17D374665E8}"/>
-              </a:ext>
-            </a:extLst>
-          </p:cNvPr>
-          <p:cNvSpPr txBox="1"/>
-          <p:nvPr/>
-        </p:nvSpPr>
-        <p:spPr>
-          <a:xfrm>
-            <a:off x="323627" y="2722101"/>
-            <a:ext cx="11569148" cy="400110"/>
-          </a:xfrm>
-          <a:prstGeom prst="rect">
-            <a:avLst/>
-          </a:prstGeom>
-          <a:noFill/>
-        </p:spPr>
-        <p:txBody>
-          <a:bodyPr wrap="square" rtlCol="0">
-            <a:spAutoFit/>
-          </a:bodyPr>
-          <a:lstStyle/>
-          <a:p>
-            <a:r>
-              <a:rPr lang="fr-FR" sz="2000" b="1" u="sng" dirty="0">
-                <a:latin typeface="Times New Roman" panose="02020603050405020304" pitchFamily="18" charset="0"/>
-                <a:cs typeface="Times New Roman" panose="02020603050405020304" pitchFamily="18" charset="0"/>
-              </a:rPr>
-              <a:t>Exercice 5</a:t>
-            </a:r>
-          </a:p>
-        </p:txBody>
-      </p:sp>
-      <p:sp>
-        <p:nvSpPr>
-          <p:cNvPr id="13" name="ZoneTexte 12">
-            <a:extLst>
-              <a:ext uri="{FF2B5EF4-FFF2-40B4-BE49-F238E27FC236}">
-                <a16:creationId xmlns:a16="http://schemas.microsoft.com/office/drawing/2014/main" id="{DACD804D-C242-FFDB-28BA-1674EB3C8D24}"/>
-              </a:ext>
-            </a:extLst>
-          </p:cNvPr>
-          <p:cNvSpPr txBox="1"/>
-          <p:nvPr/>
-        </p:nvSpPr>
-        <p:spPr>
-          <a:xfrm>
-            <a:off x="323627" y="3101206"/>
-            <a:ext cx="11088982" cy="707886"/>
-          </a:xfrm>
-          <a:prstGeom prst="rect">
-            <a:avLst/>
-          </a:prstGeom>
-          <a:noFill/>
-        </p:spPr>
-        <p:txBody>
-          <a:bodyPr wrap="square" rtlCol="0">
-            <a:spAutoFit/>
-          </a:bodyPr>
-          <a:lstStyle>
-            <a:defPPr>
-              <a:defRPr lang="en-US"/>
-            </a:defPPr>
-            <a:lvl1pPr>
-              <a:defRPr sz="2000"/>
-            </a:lvl1pPr>
-          </a:lstStyle>
-          <a:p>
-            <a:r>
-              <a:rPr lang="fr-FR" dirty="0">
-                <a:latin typeface="Times New Roman" panose="02020603050405020304" pitchFamily="18" charset="0"/>
-                <a:cs typeface="Times New Roman" panose="02020603050405020304" pitchFamily="18" charset="0"/>
-              </a:rPr>
-              <a:t>Ecrire un programme qui demande à l’utilisateur de saisir une phrase quelconque. Ensuite le programme doit afficher le ou les mots le(s) plus long(s).</a:t>
-            </a:r>
-          </a:p>
-        </p:txBody>
-      </p:sp>
-      <p:sp>
-        <p:nvSpPr>
-          <p:cNvPr id="14" name="ZoneTexte 13">
-            <a:extLst>
-              <a:ext uri="{FF2B5EF4-FFF2-40B4-BE49-F238E27FC236}">
-                <a16:creationId xmlns:a16="http://schemas.microsoft.com/office/drawing/2014/main" id="{961394F3-9E35-8B0F-A290-0018DC87F773}"/>
-              </a:ext>
-            </a:extLst>
-          </p:cNvPr>
-          <p:cNvSpPr txBox="1"/>
-          <p:nvPr/>
-        </p:nvSpPr>
-        <p:spPr>
-          <a:xfrm>
-            <a:off x="299225" y="3953207"/>
-            <a:ext cx="11569148" cy="400110"/>
-          </a:xfrm>
-          <a:prstGeom prst="rect">
-            <a:avLst/>
-          </a:prstGeom>
-          <a:noFill/>
-        </p:spPr>
-        <p:txBody>
-          <a:bodyPr wrap="square" rtlCol="0">
-            <a:spAutoFit/>
-          </a:bodyPr>
-          <a:lstStyle/>
-          <a:p>
-            <a:r>
-              <a:rPr lang="fr-FR" sz="2000" b="1" u="sng" dirty="0">
-                <a:latin typeface="Times New Roman" panose="02020603050405020304" pitchFamily="18" charset="0"/>
-                <a:cs typeface="Times New Roman" panose="02020603050405020304" pitchFamily="18" charset="0"/>
-              </a:rPr>
-              <a:t>Exercice 6</a:t>
-            </a:r>
-          </a:p>
-        </p:txBody>
-      </p:sp>
-      <p:sp>
-        <p:nvSpPr>
-          <p:cNvPr id="15" name="ZoneTexte 14">
-            <a:extLst>
-              <a:ext uri="{FF2B5EF4-FFF2-40B4-BE49-F238E27FC236}">
-                <a16:creationId xmlns:a16="http://schemas.microsoft.com/office/drawing/2014/main" id="{E5677843-794E-E633-4B0B-99D5DF93786B}"/>
-              </a:ext>
-            </a:extLst>
-          </p:cNvPr>
-          <p:cNvSpPr txBox="1"/>
-          <p:nvPr/>
-        </p:nvSpPr>
-        <p:spPr>
-          <a:xfrm>
-            <a:off x="299225" y="4332312"/>
-            <a:ext cx="11088982" cy="707886"/>
-          </a:xfrm>
-          <a:prstGeom prst="rect">
-            <a:avLst/>
-          </a:prstGeom>
-          <a:noFill/>
-        </p:spPr>
-        <p:txBody>
-          <a:bodyPr wrap="square" rtlCol="0">
-            <a:spAutoFit/>
-          </a:bodyPr>
-          <a:lstStyle>
-            <a:defPPr>
-              <a:defRPr lang="en-US"/>
-            </a:defPPr>
-            <a:lvl1pPr>
-              <a:defRPr sz="2000"/>
-            </a:lvl1pPr>
-          </a:lstStyle>
-          <a:p>
-            <a:r>
-              <a:rPr lang="fr-FR" dirty="0">
-                <a:latin typeface="Times New Roman" panose="02020603050405020304" pitchFamily="18" charset="0"/>
-                <a:cs typeface="Times New Roman" panose="02020603050405020304" pitchFamily="18" charset="0"/>
-              </a:rPr>
-              <a:t>Ecrire un programme qui demande à l’utilisateur de saisir un mot. Ensuite le programme doit afficher la liste des consonnes et des voyelles du mot entré par l’utilisateur.</a:t>
+              <a:t>Voir si nécessaire d’ajouter </a:t>
             </a:r>
           </a:p>
         </p:txBody>
@@ -8013,7 +8795,7 @@
     </p:spTree>
     <p:extLst>
       <p:ext uri="{BB962C8B-B14F-4D97-AF65-F5344CB8AC3E}">
-        <p14:creationId xmlns:p14="http://schemas.microsoft.com/office/powerpoint/2010/main" val="2803374722"/>
+        <p14:creationId xmlns:p14="http://schemas.microsoft.com/office/powerpoint/2010/main" val="2591302804"/>
       </p:ext>
     </p:extLst>
   </p:cSld>
@@ -8151,8 +8933,8 @@
         </p:nvSpPr>
         <p:spPr>
           <a:xfrm>
-            <a:off x="397565" y="948002"/>
-            <a:ext cx="9192515" cy="1569660"/>
+            <a:off x="500932" y="938948"/>
+            <a:ext cx="9192515" cy="2308324"/>
           </a:xfrm>
           <a:prstGeom prst="rect">
             <a:avLst/>
@@ -8228,6 +9010,42 @@
                 <a:latin typeface="Times New Roman" panose="02020603050405020304" pitchFamily="18" charset="0"/>
                 <a:cs typeface="Times New Roman" panose="02020603050405020304" pitchFamily="18" charset="0"/>
                 <a:hlinkClick r:id="rId5" action="ppaction://hlinksldjump"/>
+              </a:rPr>
+              <a:t>Suppression d’éléments dans une liste</a:t>
+            </a:r>
+            <a:endParaRPr lang="fr-FR" sz="2400" dirty="0">
+              <a:latin typeface="Times New Roman" panose="02020603050405020304" pitchFamily="18" charset="0"/>
+              <a:cs typeface="Times New Roman" panose="02020603050405020304" pitchFamily="18" charset="0"/>
+            </a:endParaRPr>
+          </a:p>
+          <a:p>
+            <a:pPr marL="342900" indent="-342900">
+              <a:buFont typeface="+mj-lt"/>
+              <a:buAutoNum type="arabicPeriod"/>
+            </a:pPr>
+            <a:r>
+              <a:rPr lang="fr-FR" sz="2400" dirty="0">
+                <a:latin typeface="Times New Roman" panose="02020603050405020304" pitchFamily="18" charset="0"/>
+                <a:cs typeface="Times New Roman" panose="02020603050405020304" pitchFamily="18" charset="0"/>
+                <a:hlinkClick r:id="rId6" action="ppaction://hlinksldjump"/>
+              </a:rPr>
+              <a:t>Lecture de listes</a:t>
+            </a:r>
+            <a:endParaRPr lang="fr-FR" sz="2400" dirty="0">
+              <a:latin typeface="Times New Roman" panose="02020603050405020304" pitchFamily="18" charset="0"/>
+              <a:cs typeface="Times New Roman" panose="02020603050405020304" pitchFamily="18" charset="0"/>
+            </a:endParaRPr>
+          </a:p>
+          <a:p>
+            <a:pPr marL="342900" indent="-342900">
+              <a:buFont typeface="+mj-lt"/>
+              <a:buAutoNum type="arabicPeriod"/>
+            </a:pPr>
+            <a:r>
+              <a:rPr lang="fr-FR" sz="2400" dirty="0">
+                <a:latin typeface="Times New Roman" panose="02020603050405020304" pitchFamily="18" charset="0"/>
+                <a:cs typeface="Times New Roman" panose="02020603050405020304" pitchFamily="18" charset="0"/>
+                <a:hlinkClick r:id="rId7" action="ppaction://hlinksldjump"/>
               </a:rPr>
               <a:t>Exercices</a:t>
             </a:r>
@@ -8379,8 +9197,8 @@
         </p:nvSpPr>
         <p:spPr>
           <a:xfrm>
-            <a:off x="397564" y="218526"/>
-            <a:ext cx="5795005" cy="461665"/>
+            <a:off x="397565" y="218526"/>
+            <a:ext cx="5577722" cy="461665"/>
           </a:xfrm>
           <a:prstGeom prst="rect">
             <a:avLst/>
@@ -8398,8 +9216,12 @@
                 <a:latin typeface="Times New Roman" panose="02020603050405020304" pitchFamily="18" charset="0"/>
                 <a:cs typeface="Times New Roman" panose="02020603050405020304" pitchFamily="18" charset="0"/>
               </a:rPr>
-              <a:t>Exercices</a:t>
-            </a:r>
+              <a:t>La fonction id avec les listes</a:t>
+            </a:r>
+            <a:endParaRPr lang="fr-FR" sz="2400" b="1" i="1" dirty="0">
+              <a:latin typeface="Times New Roman" panose="02020603050405020304" pitchFamily="18" charset="0"/>
+              <a:cs typeface="Times New Roman" panose="02020603050405020304" pitchFamily="18" charset="0"/>
+            </a:endParaRPr>
           </a:p>
         </p:txBody>
       </p:sp>
@@ -8444,10 +9266,10 @@
       </p:cxnSp>
       <p:sp>
         <p:nvSpPr>
-          <p:cNvPr id="2" name="ZoneTexte 1">
-            <a:extLst>
-              <a:ext uri="{FF2B5EF4-FFF2-40B4-BE49-F238E27FC236}">
-                <a16:creationId xmlns:a16="http://schemas.microsoft.com/office/drawing/2014/main" id="{598CC1F4-92B5-97D6-5630-8A3701211AA4}"/>
+          <p:cNvPr id="7" name="ZoneTexte 6">
+            <a:extLst>
+              <a:ext uri="{FF2B5EF4-FFF2-40B4-BE49-F238E27FC236}">
+                <a16:creationId xmlns:a16="http://schemas.microsoft.com/office/drawing/2014/main" id="{B31AF22B-77AC-398F-8B32-17C6B4914236}"/>
               </a:ext>
             </a:extLst>
           </p:cNvPr>
@@ -8456,8 +9278,8 @@
         </p:nvSpPr>
         <p:spPr>
           <a:xfrm>
-            <a:off x="397564" y="711780"/>
-            <a:ext cx="11569148" cy="400110"/>
+            <a:off x="500932" y="941801"/>
+            <a:ext cx="11441731" cy="400110"/>
           </a:xfrm>
           <a:prstGeom prst="rect">
             <a:avLst/>
@@ -8471,202 +9293,11 @@
           <a:lstStyle/>
           <a:p>
             <a:r>
-              <a:rPr lang="fr-FR" sz="2000" b="1" u="sng" dirty="0">
+              <a:rPr lang="fr-FR" sz="2000" dirty="0">
                 <a:latin typeface="Times New Roman" panose="02020603050405020304" pitchFamily="18" charset="0"/>
                 <a:cs typeface="Times New Roman" panose="02020603050405020304" pitchFamily="18" charset="0"/>
               </a:rPr>
-              <a:t>Mini-Projet 1</a:t>
-            </a:r>
-          </a:p>
-        </p:txBody>
-      </p:sp>
-      <p:sp>
-        <p:nvSpPr>
-          <p:cNvPr id="7" name="ZoneTexte 6">
-            <a:extLst>
-              <a:ext uri="{FF2B5EF4-FFF2-40B4-BE49-F238E27FC236}">
-                <a16:creationId xmlns:a16="http://schemas.microsoft.com/office/drawing/2014/main" id="{990321CC-02EF-ED64-0AA9-789ED60F60B1}"/>
-              </a:ext>
-            </a:extLst>
-          </p:cNvPr>
-          <p:cNvSpPr txBox="1"/>
-          <p:nvPr/>
-        </p:nvSpPr>
-        <p:spPr>
-          <a:xfrm>
-            <a:off x="397564" y="1090885"/>
-            <a:ext cx="11088982" cy="4708981"/>
-          </a:xfrm>
-          <a:prstGeom prst="rect">
-            <a:avLst/>
-          </a:prstGeom>
-          <a:noFill/>
-        </p:spPr>
-        <p:txBody>
-          <a:bodyPr wrap="square" rtlCol="0">
-            <a:spAutoFit/>
-          </a:bodyPr>
-          <a:lstStyle>
-            <a:defPPr>
-              <a:defRPr lang="en-US"/>
-            </a:defPPr>
-            <a:lvl1pPr>
-              <a:defRPr sz="2000"/>
-            </a:lvl1pPr>
-          </a:lstStyle>
-          <a:p>
-            <a:r>
-              <a:rPr lang="fr-FR" dirty="0">
-                <a:latin typeface="Times New Roman" panose="02020603050405020304" pitchFamily="18" charset="0"/>
-                <a:cs typeface="Times New Roman" panose="02020603050405020304" pitchFamily="18" charset="0"/>
-              </a:rPr>
-              <a:t>Ecrire un programme de Quiz de table de multiplication.</a:t>
-            </a:r>
-          </a:p>
-          <a:p>
-            <a:r>
-              <a:rPr lang="fr-FR" dirty="0">
-                <a:latin typeface="Times New Roman" panose="02020603050405020304" pitchFamily="18" charset="0"/>
-                <a:cs typeface="Times New Roman" panose="02020603050405020304" pitchFamily="18" charset="0"/>
-              </a:rPr>
-              <a:t>Le programme doit demander à l’utilisateur de choisir un mode entre:</a:t>
-            </a:r>
-          </a:p>
-          <a:p>
-            <a:pPr marL="342900" indent="-342900">
-              <a:buFont typeface="Arial" panose="020B0604020202020204" pitchFamily="34" charset="0"/>
-              <a:buChar char="•"/>
-            </a:pPr>
-            <a:r>
-              <a:rPr lang="fr-FR" dirty="0">
-                <a:latin typeface="Times New Roman" panose="02020603050405020304" pitchFamily="18" charset="0"/>
-                <a:cs typeface="Times New Roman" panose="02020603050405020304" pitchFamily="18" charset="0"/>
-              </a:rPr>
-              <a:t>Facile (table de 0 à 10) 10 questions</a:t>
-            </a:r>
-          </a:p>
-          <a:p>
-            <a:pPr marL="342900" indent="-342900">
-              <a:buFont typeface="Arial" panose="020B0604020202020204" pitchFamily="34" charset="0"/>
-              <a:buChar char="•"/>
-            </a:pPr>
-            <a:r>
-              <a:rPr lang="fr-FR" dirty="0">
-                <a:latin typeface="Times New Roman" panose="02020603050405020304" pitchFamily="18" charset="0"/>
-                <a:cs typeface="Times New Roman" panose="02020603050405020304" pitchFamily="18" charset="0"/>
-              </a:rPr>
-              <a:t>Moyen (table de 0 à 20) 20 questions</a:t>
-            </a:r>
-          </a:p>
-          <a:p>
-            <a:pPr marL="342900" indent="-342900">
-              <a:buFont typeface="Arial" panose="020B0604020202020204" pitchFamily="34" charset="0"/>
-              <a:buChar char="•"/>
-            </a:pPr>
-            <a:r>
-              <a:rPr lang="fr-FR" dirty="0">
-                <a:latin typeface="Times New Roman" panose="02020603050405020304" pitchFamily="18" charset="0"/>
-                <a:cs typeface="Times New Roman" panose="02020603050405020304" pitchFamily="18" charset="0"/>
-              </a:rPr>
-              <a:t>Difficile (table de 0 à 50) 30 questions</a:t>
-            </a:r>
-          </a:p>
-          <a:p>
-            <a:r>
-              <a:rPr lang="fr-FR" dirty="0">
-                <a:latin typeface="Times New Roman" panose="02020603050405020304" pitchFamily="18" charset="0"/>
-                <a:cs typeface="Times New Roman" panose="02020603050405020304" pitchFamily="18" charset="0"/>
-              </a:rPr>
-              <a:t>Ensuite en fonction du mode le programme doit poser des questions sur le résultat de la table de multiplication entre deux nombres tirés au hasard.</a:t>
-            </a:r>
-          </a:p>
-          <a:p>
-            <a:r>
-              <a:rPr lang="fr-FR" dirty="0">
-                <a:latin typeface="Times New Roman" panose="02020603050405020304" pitchFamily="18" charset="0"/>
-                <a:cs typeface="Times New Roman" panose="02020603050405020304" pitchFamily="18" charset="0"/>
-              </a:rPr>
-              <a:t>Le nombre de question dépendra du mode choisit:</a:t>
-            </a:r>
-          </a:p>
-          <a:p>
-            <a:pPr marL="342900" indent="-342900">
-              <a:buFont typeface="Arial" panose="020B0604020202020204" pitchFamily="34" charset="0"/>
-              <a:buChar char="•"/>
-            </a:pPr>
-            <a:r>
-              <a:rPr lang="fr-FR" dirty="0">
-                <a:latin typeface="Times New Roman" panose="02020603050405020304" pitchFamily="18" charset="0"/>
-                <a:cs typeface="Times New Roman" panose="02020603050405020304" pitchFamily="18" charset="0"/>
-              </a:rPr>
-              <a:t>Facile 10 questions</a:t>
-            </a:r>
-          </a:p>
-          <a:p>
-            <a:pPr marL="342900" indent="-342900">
-              <a:buFont typeface="Arial" panose="020B0604020202020204" pitchFamily="34" charset="0"/>
-              <a:buChar char="•"/>
-            </a:pPr>
-            <a:r>
-              <a:rPr lang="fr-FR" dirty="0">
-                <a:latin typeface="Times New Roman" panose="02020603050405020304" pitchFamily="18" charset="0"/>
-                <a:cs typeface="Times New Roman" panose="02020603050405020304" pitchFamily="18" charset="0"/>
-              </a:rPr>
-              <a:t>Moyen 20 questions</a:t>
-            </a:r>
-          </a:p>
-          <a:p>
-            <a:pPr marL="342900" indent="-342900">
-              <a:buFont typeface="Arial" panose="020B0604020202020204" pitchFamily="34" charset="0"/>
-              <a:buChar char="•"/>
-            </a:pPr>
-            <a:r>
-              <a:rPr lang="fr-FR" dirty="0">
-                <a:latin typeface="Times New Roman" panose="02020603050405020304" pitchFamily="18" charset="0"/>
-                <a:cs typeface="Times New Roman" panose="02020603050405020304" pitchFamily="18" charset="0"/>
-              </a:rPr>
-              <a:t>Difficile 30 questions</a:t>
-            </a:r>
-          </a:p>
-          <a:p>
-            <a:r>
-              <a:rPr lang="fr-FR" dirty="0">
-                <a:latin typeface="Times New Roman" panose="02020603050405020304" pitchFamily="18" charset="0"/>
-                <a:cs typeface="Times New Roman" panose="02020603050405020304" pitchFamily="18" charset="0"/>
-              </a:rPr>
-              <a:t>A la fin de la série, le programme doit afficher la liste des erreurs commises par l’utilisateur ainsi que son score et son pourcentage de réussite (</a:t>
-            </a:r>
-            <a:r>
-              <a:rPr lang="fr-FR" dirty="0" err="1">
-                <a:latin typeface="Times New Roman" panose="02020603050405020304" pitchFamily="18" charset="0"/>
-                <a:cs typeface="Times New Roman" panose="02020603050405020304" pitchFamily="18" charset="0"/>
-              </a:rPr>
-              <a:t>success</a:t>
-            </a:r>
-            <a:r>
-              <a:rPr lang="fr-FR" dirty="0">
-                <a:latin typeface="Times New Roman" panose="02020603050405020304" pitchFamily="18" charset="0"/>
-                <a:cs typeface="Times New Roman" panose="02020603050405020304" pitchFamily="18" charset="0"/>
-              </a:rPr>
-              <a:t>*100/total).</a:t>
-            </a:r>
-          </a:p>
-          <a:p>
-            <a:r>
-              <a:rPr lang="fr-FR" dirty="0">
-                <a:latin typeface="Times New Roman" panose="02020603050405020304" pitchFamily="18" charset="0"/>
-                <a:cs typeface="Times New Roman" panose="02020603050405020304" pitchFamily="18" charset="0"/>
-              </a:rPr>
-              <a:t>Tenir compte des cas d’erreur.</a:t>
-            </a:r>
-          </a:p>
-          <a:p>
-            <a:r>
-              <a:rPr lang="fr-FR" dirty="0">
-                <a:latin typeface="Times New Roman" panose="02020603050405020304" pitchFamily="18" charset="0"/>
-                <a:cs typeface="Times New Roman" panose="02020603050405020304" pitchFamily="18" charset="0"/>
-              </a:rPr>
-              <a:t>Le test est réussi si le score en pourcentage est supérieur à 50%.</a:t>
+              <a:t>Voir si nécessaire d’ajouter </a:t>
             </a:r>
           </a:p>
         </p:txBody>
@@ -8674,7 +9305,7 @@
     </p:spTree>
     <p:extLst>
       <p:ext uri="{BB962C8B-B14F-4D97-AF65-F5344CB8AC3E}">
-        <p14:creationId xmlns:p14="http://schemas.microsoft.com/office/powerpoint/2010/main" val="2796775175"/>
+        <p14:creationId xmlns:p14="http://schemas.microsoft.com/office/powerpoint/2010/main" val="926986085"/>
       </p:ext>
     </p:extLst>
   </p:cSld>
@@ -8869,7 +9500,7 @@
                 <a:latin typeface="Times New Roman" panose="02020603050405020304" pitchFamily="18" charset="0"/>
                 <a:cs typeface="Times New Roman" panose="02020603050405020304" pitchFamily="18" charset="0"/>
               </a:rPr>
-              <a:t>Mini-Projet 2</a:t>
+              <a:t>Exercice 1</a:t>
             </a:r>
           </a:p>
         </p:txBody>
@@ -8889,7 +9520,7 @@
         <p:spPr>
           <a:xfrm>
             <a:off x="397564" y="1090885"/>
-            <a:ext cx="11088982" cy="4708981"/>
+            <a:ext cx="11088982" cy="1631216"/>
           </a:xfrm>
           <a:prstGeom prst="rect">
             <a:avLst/>
@@ -8914,7 +9545,7 @@
                 <a:latin typeface="Times New Roman" panose="02020603050405020304" pitchFamily="18" charset="0"/>
                 <a:cs typeface="Times New Roman" panose="02020603050405020304" pitchFamily="18" charset="0"/>
               </a:rPr>
-              <a:t>Ecrire un programme qui va permettre d’enregistrer des utilisateurs avec leur nom et prénom. </a:t>
+              <a:t>Ecrire un programme Python qui demande un nombre à virgule à l’utilisateur. L’utilisateur peut choisir de saisir un nombre en format français par exemple 3,12 ou format anglais 3.12. </a:t>
             </a:r>
           </a:p>
           <a:p>
@@ -8923,7 +9554,7 @@
                 <a:latin typeface="Times New Roman" panose="02020603050405020304" pitchFamily="18" charset="0"/>
                 <a:cs typeface="Times New Roman" panose="02020603050405020304" pitchFamily="18" charset="0"/>
               </a:rPr>
-              <a:t>Le menu est composé de: ajouter une personne, supprimer une personne, recherche une personne, afficher la liste.</a:t>
+              <a:t>Le programme doit renvoyer le nombre saisit par l’utilisateur avec 5 chiffres après la virgule.</a:t>
             </a:r>
           </a:p>
           <a:p>
@@ -8932,7 +9563,7 @@
                 <a:latin typeface="Times New Roman" panose="02020603050405020304" pitchFamily="18" charset="0"/>
                 <a:cs typeface="Times New Roman" panose="02020603050405020304" pitchFamily="18" charset="0"/>
               </a:rPr>
-              <a:t>L’utilisateur doit faire un choix d’action et le programme doit permettre de gérer les personnes sachant qu’on ne peut avoir une personne de même nom et prénom. </a:t>
+              <a:t>Par exemple si l’utilisateur entre 3,99999999999 le programme doit renvoyer 3,99999. </a:t>
             </a:r>
           </a:p>
           <a:p>
@@ -8941,8 +9572,194 @@
                 <a:latin typeface="Times New Roman" panose="02020603050405020304" pitchFamily="18" charset="0"/>
                 <a:cs typeface="Times New Roman" panose="02020603050405020304" pitchFamily="18" charset="0"/>
               </a:rPr>
-              <a:t>Par exemple John DOE ne peut être enregistré deux fois cependant </a:t>
-            </a:r>
+              <a:t>Si l’utilisateur entre 3,99 le programme doit renvoyer 3,99000.</a:t>
+            </a:r>
+          </a:p>
+        </p:txBody>
+      </p:sp>
+      <p:sp>
+        <p:nvSpPr>
+          <p:cNvPr id="8" name="ZoneTexte 7">
+            <a:extLst>
+              <a:ext uri="{FF2B5EF4-FFF2-40B4-BE49-F238E27FC236}">
+                <a16:creationId xmlns:a16="http://schemas.microsoft.com/office/drawing/2014/main" id="{B79BE658-5103-63F8-7F2F-02F2834F1CE9}"/>
+              </a:ext>
+            </a:extLst>
+          </p:cNvPr>
+          <p:cNvSpPr txBox="1"/>
+          <p:nvPr/>
+        </p:nvSpPr>
+        <p:spPr>
+          <a:xfrm>
+            <a:off x="397564" y="2722101"/>
+            <a:ext cx="11569148" cy="400110"/>
+          </a:xfrm>
+          <a:prstGeom prst="rect">
+            <a:avLst/>
+          </a:prstGeom>
+          <a:noFill/>
+        </p:spPr>
+        <p:txBody>
+          <a:bodyPr wrap="square" rtlCol="0">
+            <a:spAutoFit/>
+          </a:bodyPr>
+          <a:lstStyle/>
+          <a:p>
+            <a:r>
+              <a:rPr lang="fr-FR" sz="2000" b="1" u="sng" dirty="0">
+                <a:latin typeface="Times New Roman" panose="02020603050405020304" pitchFamily="18" charset="0"/>
+                <a:cs typeface="Times New Roman" panose="02020603050405020304" pitchFamily="18" charset="0"/>
+              </a:rPr>
+              <a:t>Exercice 2</a:t>
+            </a:r>
+          </a:p>
+        </p:txBody>
+      </p:sp>
+      <p:sp>
+        <p:nvSpPr>
+          <p:cNvPr id="9" name="ZoneTexte 8">
+            <a:extLst>
+              <a:ext uri="{FF2B5EF4-FFF2-40B4-BE49-F238E27FC236}">
+                <a16:creationId xmlns:a16="http://schemas.microsoft.com/office/drawing/2014/main" id="{C1A1C679-64A5-1DDA-8AC1-E6755E1CCE83}"/>
+              </a:ext>
+            </a:extLst>
+          </p:cNvPr>
+          <p:cNvSpPr txBox="1"/>
+          <p:nvPr/>
+        </p:nvSpPr>
+        <p:spPr>
+          <a:xfrm>
+            <a:off x="397564" y="3101206"/>
+            <a:ext cx="11088982" cy="400110"/>
+          </a:xfrm>
+          <a:prstGeom prst="rect">
+            <a:avLst/>
+          </a:prstGeom>
+          <a:noFill/>
+        </p:spPr>
+        <p:txBody>
+          <a:bodyPr wrap="square" rtlCol="0">
+            <a:spAutoFit/>
+          </a:bodyPr>
+          <a:lstStyle>
+            <a:defPPr>
+              <a:defRPr lang="en-US"/>
+            </a:defPPr>
+            <a:lvl1pPr>
+              <a:defRPr sz="2000"/>
+            </a:lvl1pPr>
+          </a:lstStyle>
+          <a:p>
+            <a:r>
+              <a:rPr lang="fr-FR" dirty="0">
+                <a:latin typeface="Times New Roman" panose="02020603050405020304" pitchFamily="18" charset="0"/>
+                <a:cs typeface="Times New Roman" panose="02020603050405020304" pitchFamily="18" charset="0"/>
+              </a:rPr>
+              <a:t>Ecrire un script qui génère la liste des carrés et des cubes des nombres de 20 à 40.</a:t>
+            </a:r>
+          </a:p>
+        </p:txBody>
+      </p:sp>
+      <p:sp>
+        <p:nvSpPr>
+          <p:cNvPr id="10" name="ZoneTexte 9">
+            <a:extLst>
+              <a:ext uri="{FF2B5EF4-FFF2-40B4-BE49-F238E27FC236}">
+                <a16:creationId xmlns:a16="http://schemas.microsoft.com/office/drawing/2014/main" id="{99A2B5AC-A81B-C989-D0C2-FC1C7462D8DB}"/>
+              </a:ext>
+            </a:extLst>
+          </p:cNvPr>
+          <p:cNvSpPr txBox="1"/>
+          <p:nvPr/>
+        </p:nvSpPr>
+        <p:spPr>
+          <a:xfrm>
+            <a:off x="397564" y="3501316"/>
+            <a:ext cx="11569148" cy="400110"/>
+          </a:xfrm>
+          <a:prstGeom prst="rect">
+            <a:avLst/>
+          </a:prstGeom>
+          <a:noFill/>
+        </p:spPr>
+        <p:txBody>
+          <a:bodyPr wrap="square" rtlCol="0">
+            <a:spAutoFit/>
+          </a:bodyPr>
+          <a:lstStyle/>
+          <a:p>
+            <a:r>
+              <a:rPr lang="fr-FR" sz="2000" b="1" u="sng" dirty="0">
+                <a:latin typeface="Times New Roman" panose="02020603050405020304" pitchFamily="18" charset="0"/>
+                <a:cs typeface="Times New Roman" panose="02020603050405020304" pitchFamily="18" charset="0"/>
+              </a:rPr>
+              <a:t>Exercice 3</a:t>
+            </a:r>
+          </a:p>
+        </p:txBody>
+      </p:sp>
+      <p:sp>
+        <p:nvSpPr>
+          <p:cNvPr id="11" name="ZoneTexte 10">
+            <a:extLst>
+              <a:ext uri="{FF2B5EF4-FFF2-40B4-BE49-F238E27FC236}">
+                <a16:creationId xmlns:a16="http://schemas.microsoft.com/office/drawing/2014/main" id="{696C8475-7C20-6089-288B-7BFD03851401}"/>
+              </a:ext>
+            </a:extLst>
+          </p:cNvPr>
+          <p:cNvSpPr txBox="1"/>
+          <p:nvPr/>
+        </p:nvSpPr>
+        <p:spPr>
+          <a:xfrm>
+            <a:off x="397564" y="3880421"/>
+            <a:ext cx="11088982" cy="1938992"/>
+          </a:xfrm>
+          <a:prstGeom prst="rect">
+            <a:avLst/>
+          </a:prstGeom>
+          <a:noFill/>
+        </p:spPr>
+        <p:txBody>
+          <a:bodyPr wrap="square" rtlCol="0">
+            <a:spAutoFit/>
+          </a:bodyPr>
+          <a:lstStyle>
+            <a:defPPr>
+              <a:defRPr lang="en-US"/>
+            </a:defPPr>
+            <a:lvl1pPr>
+              <a:defRPr sz="2000"/>
+            </a:lvl1pPr>
+          </a:lstStyle>
+          <a:p>
+            <a:r>
+              <a:rPr lang="fr-FR" dirty="0">
+                <a:latin typeface="Times New Roman" panose="02020603050405020304" pitchFamily="18" charset="0"/>
+                <a:cs typeface="Times New Roman" panose="02020603050405020304" pitchFamily="18" charset="0"/>
+              </a:rPr>
+              <a:t>Ecrire un script qui demande à l’utilisateur de saisir un nom et le stocke dans une liste, le programme doit toujours demander un nom à l’utilisateur jusqu’à ce que l’utilisateur entre un caractère vide.</a:t>
+            </a:r>
+          </a:p>
+          <a:p>
+            <a:r>
+              <a:rPr lang="fr-FR" dirty="0">
+                <a:latin typeface="Times New Roman" panose="02020603050405020304" pitchFamily="18" charset="0"/>
+                <a:cs typeface="Times New Roman" panose="02020603050405020304" pitchFamily="18" charset="0"/>
+              </a:rPr>
+              <a:t>Ensuite le programme doit afficher la liste des noms entrés par l’utilisateur ainsi que le nombre de caractères que contient chaque nom. Par exemple:</a:t>
+            </a:r>
+          </a:p>
+          <a:p>
+            <a:r>
+              <a:rPr lang="fr-FR" dirty="0">
+                <a:latin typeface="Times New Roman" panose="02020603050405020304" pitchFamily="18" charset="0"/>
+                <a:cs typeface="Times New Roman" panose="02020603050405020304" pitchFamily="18" charset="0"/>
+              </a:rPr>
+              <a:t>John: 4 caractères</a:t>
+            </a:r>
+          </a:p>
+          <a:p>
             <a:r>
               <a:rPr lang="fr-FR" dirty="0" err="1">
                 <a:latin typeface="Times New Roman" panose="02020603050405020304" pitchFamily="18" charset="0"/>
@@ -8955,66 +9772,7 @@
                 <a:latin typeface="Times New Roman" panose="02020603050405020304" pitchFamily="18" charset="0"/>
                 <a:cs typeface="Times New Roman" panose="02020603050405020304" pitchFamily="18" charset="0"/>
               </a:rPr>
-              <a:t> JOHN peut être enregistré même si John DOE y ait car les noms et les prénoms sont différents.</a:t>
-            </a:r>
-          </a:p>
-          <a:p>
-            <a:r>
-              <a:rPr lang="fr-FR" dirty="0">
-                <a:latin typeface="Times New Roman" panose="02020603050405020304" pitchFamily="18" charset="0"/>
-                <a:cs typeface="Times New Roman" panose="02020603050405020304" pitchFamily="18" charset="0"/>
-              </a:rPr>
-              <a:t>Lors de la recherche l’utilisateur fournit un nom et le programme doit afficher la liste des personnes qui ont soit le même nom ou soit le même prénom.</a:t>
-            </a:r>
-          </a:p>
-          <a:p>
-            <a:r>
-              <a:rPr lang="fr-FR" dirty="0">
-                <a:latin typeface="Times New Roman" panose="02020603050405020304" pitchFamily="18" charset="0"/>
-                <a:cs typeface="Times New Roman" panose="02020603050405020304" pitchFamily="18" charset="0"/>
-              </a:rPr>
-              <a:t>Pour supprimer une personne l’utilisateur doit fournir un nom et le programme lui affiche la liste des personnes correspondantes ensuite il doit entrer le numéro de la personne qu’il veut supprimer.</a:t>
-            </a:r>
-          </a:p>
-          <a:p>
-            <a:r>
-              <a:rPr lang="fr-FR" dirty="0">
-                <a:latin typeface="Times New Roman" panose="02020603050405020304" pitchFamily="18" charset="0"/>
-                <a:cs typeface="Times New Roman" panose="02020603050405020304" pitchFamily="18" charset="0"/>
-              </a:rPr>
-              <a:t>L’action affichage doit permettre d’afficher toutes les personnes enregistrées.</a:t>
-            </a:r>
-          </a:p>
-          <a:p>
-            <a:r>
-              <a:rPr lang="fr-FR" dirty="0">
-                <a:latin typeface="Times New Roman" panose="02020603050405020304" pitchFamily="18" charset="0"/>
-                <a:cs typeface="Times New Roman" panose="02020603050405020304" pitchFamily="18" charset="0"/>
-              </a:rPr>
-              <a:t>Une personne à un nom et plusieurs prénoms séparés par des espaces.</a:t>
-            </a:r>
-          </a:p>
-          <a:p>
-            <a:r>
-              <a:rPr lang="fr-FR" dirty="0">
-                <a:latin typeface="Times New Roman" panose="02020603050405020304" pitchFamily="18" charset="0"/>
-                <a:cs typeface="Times New Roman" panose="02020603050405020304" pitchFamily="18" charset="0"/>
-              </a:rPr>
-              <a:t>Lors de l’enregistrement procédé comme suite Prénoms NOM. Si l’utilisateur entre comme nom </a:t>
-            </a:r>
-            <a:r>
-              <a:rPr lang="fr-FR" dirty="0" err="1">
-                <a:latin typeface="Times New Roman" panose="02020603050405020304" pitchFamily="18" charset="0"/>
-                <a:cs typeface="Times New Roman" panose="02020603050405020304" pitchFamily="18" charset="0"/>
-              </a:rPr>
-              <a:t>Doé</a:t>
-            </a:r>
-            <a:r>
-              <a:rPr lang="fr-FR" dirty="0">
-                <a:latin typeface="Times New Roman" panose="02020603050405020304" pitchFamily="18" charset="0"/>
-                <a:cs typeface="Times New Roman" panose="02020603050405020304" pitchFamily="18" charset="0"/>
-              </a:rPr>
-              <a:t> et prénoms Toto John le stockage sera Toto John DOE. </a:t>
+              <a:t>: 3 caractères</a:t>
             </a:r>
           </a:p>
         </p:txBody>
@@ -9022,7 +9780,7 @@
     </p:spTree>
     <p:extLst>
       <p:ext uri="{BB962C8B-B14F-4D97-AF65-F5344CB8AC3E}">
-        <p14:creationId xmlns:p14="http://schemas.microsoft.com/office/powerpoint/2010/main" val="2280855446"/>
+        <p14:creationId xmlns:p14="http://schemas.microsoft.com/office/powerpoint/2010/main" val="1332028687"/>
       </p:ext>
     </p:extLst>
   </p:cSld>
@@ -9102,6 +9860,1180 @@
             <a:fld id="{B8C3BB88-DD29-4D42-B62E-D7D541DB4348}" type="slidenum">
               <a:rPr lang="fr-FR" smtClean="0"/>
               <a:t>22</a:t>
+            </a:fld>
+            <a:endParaRPr lang="fr-FR"/>
+          </a:p>
+        </p:txBody>
+      </p:sp>
+      <p:sp>
+        <p:nvSpPr>
+          <p:cNvPr id="6" name="ZoneTexte 5">
+            <a:extLst>
+              <a:ext uri="{FF2B5EF4-FFF2-40B4-BE49-F238E27FC236}">
+                <a16:creationId xmlns:a16="http://schemas.microsoft.com/office/drawing/2014/main" id="{84F10693-2FE8-EFC8-8DB6-84BFD181D260}"/>
+              </a:ext>
+            </a:extLst>
+          </p:cNvPr>
+          <p:cNvSpPr txBox="1"/>
+          <p:nvPr/>
+        </p:nvSpPr>
+        <p:spPr>
+          <a:xfrm>
+            <a:off x="397564" y="218526"/>
+            <a:ext cx="5795005" cy="461665"/>
+          </a:xfrm>
+          <a:prstGeom prst="rect">
+            <a:avLst/>
+          </a:prstGeom>
+          <a:noFill/>
+        </p:spPr>
+        <p:txBody>
+          <a:bodyPr wrap="square" rtlCol="0">
+            <a:spAutoFit/>
+          </a:bodyPr>
+          <a:lstStyle/>
+          <a:p>
+            <a:r>
+              <a:rPr lang="fr-FR" sz="2400" b="1" dirty="0">
+                <a:latin typeface="Times New Roman" panose="02020603050405020304" pitchFamily="18" charset="0"/>
+                <a:cs typeface="Times New Roman" panose="02020603050405020304" pitchFamily="18" charset="0"/>
+              </a:rPr>
+              <a:t>Exercices</a:t>
+            </a:r>
+          </a:p>
+        </p:txBody>
+      </p:sp>
+      <p:cxnSp>
+        <p:nvCxnSpPr>
+          <p:cNvPr id="3" name="Connecteur droit 2">
+            <a:extLst>
+              <a:ext uri="{FF2B5EF4-FFF2-40B4-BE49-F238E27FC236}">
+                <a16:creationId xmlns:a16="http://schemas.microsoft.com/office/drawing/2014/main" id="{6AC8021D-4898-08B9-18A0-60AC71EF613E}"/>
+              </a:ext>
+            </a:extLst>
+          </p:cNvPr>
+          <p:cNvCxnSpPr>
+            <a:cxnSpLocks/>
+          </p:cNvCxnSpPr>
+          <p:nvPr/>
+        </p:nvCxnSpPr>
+        <p:spPr>
+          <a:xfrm>
+            <a:off x="500932" y="680191"/>
+            <a:ext cx="11178450" cy="0"/>
+          </a:xfrm>
+          <a:prstGeom prst="line">
+            <a:avLst/>
+          </a:prstGeom>
+          <a:ln/>
+        </p:spPr>
+        <p:style>
+          <a:lnRef idx="3">
+            <a:schemeClr val="accent3"/>
+          </a:lnRef>
+          <a:fillRef idx="0">
+            <a:schemeClr val="accent3"/>
+          </a:fillRef>
+          <a:effectRef idx="2">
+            <a:schemeClr val="accent3"/>
+          </a:effectRef>
+          <a:fontRef idx="minor">
+            <a:schemeClr val="tx1"/>
+          </a:fontRef>
+        </p:style>
+      </p:cxnSp>
+      <p:sp>
+        <p:nvSpPr>
+          <p:cNvPr id="2" name="ZoneTexte 1">
+            <a:extLst>
+              <a:ext uri="{FF2B5EF4-FFF2-40B4-BE49-F238E27FC236}">
+                <a16:creationId xmlns:a16="http://schemas.microsoft.com/office/drawing/2014/main" id="{598CC1F4-92B5-97D6-5630-8A3701211AA4}"/>
+              </a:ext>
+            </a:extLst>
+          </p:cNvPr>
+          <p:cNvSpPr txBox="1"/>
+          <p:nvPr/>
+        </p:nvSpPr>
+        <p:spPr>
+          <a:xfrm>
+            <a:off x="397564" y="711780"/>
+            <a:ext cx="11569148" cy="400110"/>
+          </a:xfrm>
+          <a:prstGeom prst="rect">
+            <a:avLst/>
+          </a:prstGeom>
+          <a:noFill/>
+        </p:spPr>
+        <p:txBody>
+          <a:bodyPr wrap="square" rtlCol="0">
+            <a:spAutoFit/>
+          </a:bodyPr>
+          <a:lstStyle/>
+          <a:p>
+            <a:r>
+              <a:rPr lang="fr-FR" sz="2000" b="1" u="sng" dirty="0">
+                <a:latin typeface="Times New Roman" panose="02020603050405020304" pitchFamily="18" charset="0"/>
+                <a:cs typeface="Times New Roman" panose="02020603050405020304" pitchFamily="18" charset="0"/>
+              </a:rPr>
+              <a:t>Exercice 4</a:t>
+            </a:r>
+          </a:p>
+        </p:txBody>
+      </p:sp>
+      <p:sp>
+        <p:nvSpPr>
+          <p:cNvPr id="7" name="ZoneTexte 6">
+            <a:extLst>
+              <a:ext uri="{FF2B5EF4-FFF2-40B4-BE49-F238E27FC236}">
+                <a16:creationId xmlns:a16="http://schemas.microsoft.com/office/drawing/2014/main" id="{990321CC-02EF-ED64-0AA9-789ED60F60B1}"/>
+              </a:ext>
+            </a:extLst>
+          </p:cNvPr>
+          <p:cNvSpPr txBox="1"/>
+          <p:nvPr/>
+        </p:nvSpPr>
+        <p:spPr>
+          <a:xfrm>
+            <a:off x="397564" y="1090885"/>
+            <a:ext cx="11088982" cy="1631216"/>
+          </a:xfrm>
+          <a:prstGeom prst="rect">
+            <a:avLst/>
+          </a:prstGeom>
+          <a:noFill/>
+        </p:spPr>
+        <p:txBody>
+          <a:bodyPr wrap="square" rtlCol="0">
+            <a:spAutoFit/>
+          </a:bodyPr>
+          <a:lstStyle>
+            <a:defPPr>
+              <a:defRPr lang="en-US"/>
+            </a:defPPr>
+            <a:lvl1pPr>
+              <a:defRPr sz="2000"/>
+            </a:lvl1pPr>
+          </a:lstStyle>
+          <a:p>
+            <a:r>
+              <a:rPr lang="fr-FR" dirty="0">
+                <a:latin typeface="Times New Roman" panose="02020603050405020304" pitchFamily="18" charset="0"/>
+                <a:cs typeface="Times New Roman" panose="02020603050405020304" pitchFamily="18" charset="0"/>
+              </a:rPr>
+              <a:t>Ecrire un programme qui va demander à l’utilisateur un nombre. Ensuite le programme lui demande s’il veut entrer un autre nombre ou non, continuer à demander un nombre tant que l’utilisateur dit Oui.</a:t>
+            </a:r>
+          </a:p>
+          <a:p>
+            <a:r>
+              <a:rPr lang="fr-FR" dirty="0">
+                <a:latin typeface="Times New Roman" panose="02020603050405020304" pitchFamily="18" charset="0"/>
+                <a:cs typeface="Times New Roman" panose="02020603050405020304" pitchFamily="18" charset="0"/>
+              </a:rPr>
+              <a:t>A la fin de la saisie, demander à l’utilisateur dans quel ordre il veut l’affichage (croissant ou décroissant).</a:t>
+            </a:r>
+          </a:p>
+          <a:p>
+            <a:r>
+              <a:rPr lang="fr-FR" dirty="0">
+                <a:latin typeface="Times New Roman" panose="02020603050405020304" pitchFamily="18" charset="0"/>
+                <a:cs typeface="Times New Roman" panose="02020603050405020304" pitchFamily="18" charset="0"/>
+              </a:rPr>
+              <a:t>Ensuite afficher la liste des nombres en ordre croissant ou décroissant, afficher le plus grande de ces nombres et le plus petit de ces nombres.</a:t>
+            </a:r>
+          </a:p>
+        </p:txBody>
+      </p:sp>
+      <p:sp>
+        <p:nvSpPr>
+          <p:cNvPr id="12" name="ZoneTexte 11">
+            <a:extLst>
+              <a:ext uri="{FF2B5EF4-FFF2-40B4-BE49-F238E27FC236}">
+                <a16:creationId xmlns:a16="http://schemas.microsoft.com/office/drawing/2014/main" id="{34F25E83-FDDF-4B15-C1E1-C17D374665E8}"/>
+              </a:ext>
+            </a:extLst>
+          </p:cNvPr>
+          <p:cNvSpPr txBox="1"/>
+          <p:nvPr/>
+        </p:nvSpPr>
+        <p:spPr>
+          <a:xfrm>
+            <a:off x="323627" y="2722101"/>
+            <a:ext cx="11569148" cy="400110"/>
+          </a:xfrm>
+          <a:prstGeom prst="rect">
+            <a:avLst/>
+          </a:prstGeom>
+          <a:noFill/>
+        </p:spPr>
+        <p:txBody>
+          <a:bodyPr wrap="square" rtlCol="0">
+            <a:spAutoFit/>
+          </a:bodyPr>
+          <a:lstStyle/>
+          <a:p>
+            <a:r>
+              <a:rPr lang="fr-FR" sz="2000" b="1" u="sng" dirty="0">
+                <a:latin typeface="Times New Roman" panose="02020603050405020304" pitchFamily="18" charset="0"/>
+                <a:cs typeface="Times New Roman" panose="02020603050405020304" pitchFamily="18" charset="0"/>
+              </a:rPr>
+              <a:t>Exercice 5</a:t>
+            </a:r>
+          </a:p>
+        </p:txBody>
+      </p:sp>
+      <p:sp>
+        <p:nvSpPr>
+          <p:cNvPr id="13" name="ZoneTexte 12">
+            <a:extLst>
+              <a:ext uri="{FF2B5EF4-FFF2-40B4-BE49-F238E27FC236}">
+                <a16:creationId xmlns:a16="http://schemas.microsoft.com/office/drawing/2014/main" id="{DACD804D-C242-FFDB-28BA-1674EB3C8D24}"/>
+              </a:ext>
+            </a:extLst>
+          </p:cNvPr>
+          <p:cNvSpPr txBox="1"/>
+          <p:nvPr/>
+        </p:nvSpPr>
+        <p:spPr>
+          <a:xfrm>
+            <a:off x="323627" y="3101206"/>
+            <a:ext cx="11088982" cy="707886"/>
+          </a:xfrm>
+          <a:prstGeom prst="rect">
+            <a:avLst/>
+          </a:prstGeom>
+          <a:noFill/>
+        </p:spPr>
+        <p:txBody>
+          <a:bodyPr wrap="square" rtlCol="0">
+            <a:spAutoFit/>
+          </a:bodyPr>
+          <a:lstStyle>
+            <a:defPPr>
+              <a:defRPr lang="en-US"/>
+            </a:defPPr>
+            <a:lvl1pPr>
+              <a:defRPr sz="2000"/>
+            </a:lvl1pPr>
+          </a:lstStyle>
+          <a:p>
+            <a:r>
+              <a:rPr lang="fr-FR" dirty="0">
+                <a:latin typeface="Times New Roman" panose="02020603050405020304" pitchFamily="18" charset="0"/>
+                <a:cs typeface="Times New Roman" panose="02020603050405020304" pitchFamily="18" charset="0"/>
+              </a:rPr>
+              <a:t>Ecrire un programme qui demande à l’utilisateur de saisir une phrase quelconque. Ensuite le programme doit afficher le ou les mots le(s) plus long(s).</a:t>
+            </a:r>
+          </a:p>
+        </p:txBody>
+      </p:sp>
+      <p:sp>
+        <p:nvSpPr>
+          <p:cNvPr id="14" name="ZoneTexte 13">
+            <a:extLst>
+              <a:ext uri="{FF2B5EF4-FFF2-40B4-BE49-F238E27FC236}">
+                <a16:creationId xmlns:a16="http://schemas.microsoft.com/office/drawing/2014/main" id="{961394F3-9E35-8B0F-A290-0018DC87F773}"/>
+              </a:ext>
+            </a:extLst>
+          </p:cNvPr>
+          <p:cNvSpPr txBox="1"/>
+          <p:nvPr/>
+        </p:nvSpPr>
+        <p:spPr>
+          <a:xfrm>
+            <a:off x="299225" y="3953207"/>
+            <a:ext cx="11569148" cy="400110"/>
+          </a:xfrm>
+          <a:prstGeom prst="rect">
+            <a:avLst/>
+          </a:prstGeom>
+          <a:noFill/>
+        </p:spPr>
+        <p:txBody>
+          <a:bodyPr wrap="square" rtlCol="0">
+            <a:spAutoFit/>
+          </a:bodyPr>
+          <a:lstStyle/>
+          <a:p>
+            <a:r>
+              <a:rPr lang="fr-FR" sz="2000" b="1" u="sng" dirty="0">
+                <a:latin typeface="Times New Roman" panose="02020603050405020304" pitchFamily="18" charset="0"/>
+                <a:cs typeface="Times New Roman" panose="02020603050405020304" pitchFamily="18" charset="0"/>
+              </a:rPr>
+              <a:t>Exercice 6</a:t>
+            </a:r>
+          </a:p>
+        </p:txBody>
+      </p:sp>
+      <p:sp>
+        <p:nvSpPr>
+          <p:cNvPr id="15" name="ZoneTexte 14">
+            <a:extLst>
+              <a:ext uri="{FF2B5EF4-FFF2-40B4-BE49-F238E27FC236}">
+                <a16:creationId xmlns:a16="http://schemas.microsoft.com/office/drawing/2014/main" id="{E5677843-794E-E633-4B0B-99D5DF93786B}"/>
+              </a:ext>
+            </a:extLst>
+          </p:cNvPr>
+          <p:cNvSpPr txBox="1"/>
+          <p:nvPr/>
+        </p:nvSpPr>
+        <p:spPr>
+          <a:xfrm>
+            <a:off x="299225" y="4332312"/>
+            <a:ext cx="11088982" cy="707886"/>
+          </a:xfrm>
+          <a:prstGeom prst="rect">
+            <a:avLst/>
+          </a:prstGeom>
+          <a:noFill/>
+        </p:spPr>
+        <p:txBody>
+          <a:bodyPr wrap="square" rtlCol="0">
+            <a:spAutoFit/>
+          </a:bodyPr>
+          <a:lstStyle>
+            <a:defPPr>
+              <a:defRPr lang="en-US"/>
+            </a:defPPr>
+            <a:lvl1pPr>
+              <a:defRPr sz="2000"/>
+            </a:lvl1pPr>
+          </a:lstStyle>
+          <a:p>
+            <a:r>
+              <a:rPr lang="fr-FR" dirty="0">
+                <a:latin typeface="Times New Roman" panose="02020603050405020304" pitchFamily="18" charset="0"/>
+                <a:cs typeface="Times New Roman" panose="02020603050405020304" pitchFamily="18" charset="0"/>
+              </a:rPr>
+              <a:t>Ecrire un programme qui demande à l’utilisateur de saisir un mot. Ensuite le programme doit afficher la liste des consonnes et des voyelles du mot entré par l’utilisateur.</a:t>
+            </a:r>
+          </a:p>
+        </p:txBody>
+      </p:sp>
+    </p:spTree>
+    <p:extLst>
+      <p:ext uri="{BB962C8B-B14F-4D97-AF65-F5344CB8AC3E}">
+        <p14:creationId xmlns:p14="http://schemas.microsoft.com/office/powerpoint/2010/main" val="2803374722"/>
+      </p:ext>
+    </p:extLst>
+  </p:cSld>
+  <p:clrMapOvr>
+    <a:masterClrMapping/>
+  </p:clrMapOvr>
+</p:sld>
+</file>
+
+<file path=ppt/slides/slide23.xml><?xml version="1.0" encoding="utf-8"?>
+<p:sld xmlns:a="http://schemas.openxmlformats.org/drawingml/2006/main" xmlns:r="http://schemas.openxmlformats.org/officeDocument/2006/relationships" xmlns:p="http://schemas.openxmlformats.org/presentationml/2006/main">
+  <p:cSld>
+    <p:spTree>
+      <p:nvGrpSpPr>
+        <p:cNvPr id="1" name=""/>
+        <p:cNvGrpSpPr/>
+        <p:nvPr/>
+      </p:nvGrpSpPr>
+      <p:grpSpPr>
+        <a:xfrm>
+          <a:off x="0" y="0"/>
+          <a:ext cx="0" cy="0"/>
+          <a:chOff x="0" y="0"/>
+          <a:chExt cx="0" cy="0"/>
+        </a:xfrm>
+      </p:grpSpPr>
+      <p:sp>
+        <p:nvSpPr>
+          <p:cNvPr id="4" name="Espace réservé du pied de page 3">
+            <a:extLst>
+              <a:ext uri="{FF2B5EF4-FFF2-40B4-BE49-F238E27FC236}">
+                <a16:creationId xmlns:a16="http://schemas.microsoft.com/office/drawing/2014/main" id="{8FEEC940-4BFF-956C-713A-1CE73C436B6F}"/>
+              </a:ext>
+            </a:extLst>
+          </p:cNvPr>
+          <p:cNvSpPr>
+            <a:spLocks noGrp="1"/>
+          </p:cNvSpPr>
+          <p:nvPr>
+            <p:ph type="ftr" sz="quarter" idx="11"/>
+          </p:nvPr>
+        </p:nvSpPr>
+        <p:spPr/>
+        <p:txBody>
+          <a:bodyPr/>
+          <a:lstStyle/>
+          <a:p>
+            <a:r>
+              <a:rPr lang="fr-FR"/>
+              <a:t>Cours: Python | Auteur: TUO N. Ismaël Maurice 
+</a:t>
+            </a:r>
+          </a:p>
+        </p:txBody>
+      </p:sp>
+      <p:sp>
+        <p:nvSpPr>
+          <p:cNvPr id="5" name="Espace réservé du numéro de diapositive 4">
+            <a:extLst>
+              <a:ext uri="{FF2B5EF4-FFF2-40B4-BE49-F238E27FC236}">
+                <a16:creationId xmlns:a16="http://schemas.microsoft.com/office/drawing/2014/main" id="{CE50FB16-F89F-D7CA-C6AA-CFC075094990}"/>
+              </a:ext>
+            </a:extLst>
+          </p:cNvPr>
+          <p:cNvSpPr>
+            <a:spLocks noGrp="1"/>
+          </p:cNvSpPr>
+          <p:nvPr>
+            <p:ph type="sldNum" sz="quarter" idx="12"/>
+          </p:nvPr>
+        </p:nvSpPr>
+        <p:spPr/>
+        <p:txBody>
+          <a:bodyPr/>
+          <a:lstStyle/>
+          <a:p>
+            <a:fld id="{B8C3BB88-DD29-4D42-B62E-D7D541DB4348}" type="slidenum">
+              <a:rPr lang="fr-FR" smtClean="0"/>
+              <a:t>23</a:t>
+            </a:fld>
+            <a:endParaRPr lang="fr-FR"/>
+          </a:p>
+        </p:txBody>
+      </p:sp>
+      <p:sp>
+        <p:nvSpPr>
+          <p:cNvPr id="6" name="ZoneTexte 5">
+            <a:extLst>
+              <a:ext uri="{FF2B5EF4-FFF2-40B4-BE49-F238E27FC236}">
+                <a16:creationId xmlns:a16="http://schemas.microsoft.com/office/drawing/2014/main" id="{84F10693-2FE8-EFC8-8DB6-84BFD181D260}"/>
+              </a:ext>
+            </a:extLst>
+          </p:cNvPr>
+          <p:cNvSpPr txBox="1"/>
+          <p:nvPr/>
+        </p:nvSpPr>
+        <p:spPr>
+          <a:xfrm>
+            <a:off x="397564" y="218526"/>
+            <a:ext cx="5795005" cy="461665"/>
+          </a:xfrm>
+          <a:prstGeom prst="rect">
+            <a:avLst/>
+          </a:prstGeom>
+          <a:noFill/>
+        </p:spPr>
+        <p:txBody>
+          <a:bodyPr wrap="square" rtlCol="0">
+            <a:spAutoFit/>
+          </a:bodyPr>
+          <a:lstStyle/>
+          <a:p>
+            <a:r>
+              <a:rPr lang="fr-FR" sz="2400" b="1" dirty="0">
+                <a:latin typeface="Times New Roman" panose="02020603050405020304" pitchFamily="18" charset="0"/>
+                <a:cs typeface="Times New Roman" panose="02020603050405020304" pitchFamily="18" charset="0"/>
+              </a:rPr>
+              <a:t>Exercices</a:t>
+            </a:r>
+          </a:p>
+        </p:txBody>
+      </p:sp>
+      <p:cxnSp>
+        <p:nvCxnSpPr>
+          <p:cNvPr id="3" name="Connecteur droit 2">
+            <a:extLst>
+              <a:ext uri="{FF2B5EF4-FFF2-40B4-BE49-F238E27FC236}">
+                <a16:creationId xmlns:a16="http://schemas.microsoft.com/office/drawing/2014/main" id="{6AC8021D-4898-08B9-18A0-60AC71EF613E}"/>
+              </a:ext>
+            </a:extLst>
+          </p:cNvPr>
+          <p:cNvCxnSpPr>
+            <a:cxnSpLocks/>
+          </p:cNvCxnSpPr>
+          <p:nvPr/>
+        </p:nvCxnSpPr>
+        <p:spPr>
+          <a:xfrm>
+            <a:off x="500932" y="680191"/>
+            <a:ext cx="11178450" cy="0"/>
+          </a:xfrm>
+          <a:prstGeom prst="line">
+            <a:avLst/>
+          </a:prstGeom>
+          <a:ln/>
+        </p:spPr>
+        <p:style>
+          <a:lnRef idx="3">
+            <a:schemeClr val="accent3"/>
+          </a:lnRef>
+          <a:fillRef idx="0">
+            <a:schemeClr val="accent3"/>
+          </a:fillRef>
+          <a:effectRef idx="2">
+            <a:schemeClr val="accent3"/>
+          </a:effectRef>
+          <a:fontRef idx="minor">
+            <a:schemeClr val="tx1"/>
+          </a:fontRef>
+        </p:style>
+      </p:cxnSp>
+      <p:sp>
+        <p:nvSpPr>
+          <p:cNvPr id="2" name="ZoneTexte 1">
+            <a:extLst>
+              <a:ext uri="{FF2B5EF4-FFF2-40B4-BE49-F238E27FC236}">
+                <a16:creationId xmlns:a16="http://schemas.microsoft.com/office/drawing/2014/main" id="{598CC1F4-92B5-97D6-5630-8A3701211AA4}"/>
+              </a:ext>
+            </a:extLst>
+          </p:cNvPr>
+          <p:cNvSpPr txBox="1"/>
+          <p:nvPr/>
+        </p:nvSpPr>
+        <p:spPr>
+          <a:xfrm>
+            <a:off x="397564" y="711780"/>
+            <a:ext cx="11569148" cy="400110"/>
+          </a:xfrm>
+          <a:prstGeom prst="rect">
+            <a:avLst/>
+          </a:prstGeom>
+          <a:noFill/>
+        </p:spPr>
+        <p:txBody>
+          <a:bodyPr wrap="square" rtlCol="0">
+            <a:spAutoFit/>
+          </a:bodyPr>
+          <a:lstStyle/>
+          <a:p>
+            <a:r>
+              <a:rPr lang="fr-FR" sz="2000" b="1" u="sng" dirty="0">
+                <a:latin typeface="Times New Roman" panose="02020603050405020304" pitchFamily="18" charset="0"/>
+                <a:cs typeface="Times New Roman" panose="02020603050405020304" pitchFamily="18" charset="0"/>
+              </a:rPr>
+              <a:t>Mini-Projet 1</a:t>
+            </a:r>
+          </a:p>
+        </p:txBody>
+      </p:sp>
+      <p:sp>
+        <p:nvSpPr>
+          <p:cNvPr id="7" name="ZoneTexte 6">
+            <a:extLst>
+              <a:ext uri="{FF2B5EF4-FFF2-40B4-BE49-F238E27FC236}">
+                <a16:creationId xmlns:a16="http://schemas.microsoft.com/office/drawing/2014/main" id="{990321CC-02EF-ED64-0AA9-789ED60F60B1}"/>
+              </a:ext>
+            </a:extLst>
+          </p:cNvPr>
+          <p:cNvSpPr txBox="1"/>
+          <p:nvPr/>
+        </p:nvSpPr>
+        <p:spPr>
+          <a:xfrm>
+            <a:off x="397564" y="1090885"/>
+            <a:ext cx="11088982" cy="4708981"/>
+          </a:xfrm>
+          <a:prstGeom prst="rect">
+            <a:avLst/>
+          </a:prstGeom>
+          <a:noFill/>
+        </p:spPr>
+        <p:txBody>
+          <a:bodyPr wrap="square" rtlCol="0">
+            <a:spAutoFit/>
+          </a:bodyPr>
+          <a:lstStyle>
+            <a:defPPr>
+              <a:defRPr lang="en-US"/>
+            </a:defPPr>
+            <a:lvl1pPr>
+              <a:defRPr sz="2000"/>
+            </a:lvl1pPr>
+          </a:lstStyle>
+          <a:p>
+            <a:r>
+              <a:rPr lang="fr-FR" dirty="0">
+                <a:latin typeface="Times New Roman" panose="02020603050405020304" pitchFamily="18" charset="0"/>
+                <a:cs typeface="Times New Roman" panose="02020603050405020304" pitchFamily="18" charset="0"/>
+              </a:rPr>
+              <a:t>Ecrire un programme de Quiz de table de multiplication.</a:t>
+            </a:r>
+          </a:p>
+          <a:p>
+            <a:r>
+              <a:rPr lang="fr-FR" dirty="0">
+                <a:latin typeface="Times New Roman" panose="02020603050405020304" pitchFamily="18" charset="0"/>
+                <a:cs typeface="Times New Roman" panose="02020603050405020304" pitchFamily="18" charset="0"/>
+              </a:rPr>
+              <a:t>Le programme doit demander à l’utilisateur de choisir un mode entre:</a:t>
+            </a:r>
+          </a:p>
+          <a:p>
+            <a:pPr marL="342900" indent="-342900">
+              <a:buFont typeface="Arial" panose="020B0604020202020204" pitchFamily="34" charset="0"/>
+              <a:buChar char="•"/>
+            </a:pPr>
+            <a:r>
+              <a:rPr lang="fr-FR" dirty="0">
+                <a:latin typeface="Times New Roman" panose="02020603050405020304" pitchFamily="18" charset="0"/>
+                <a:cs typeface="Times New Roman" panose="02020603050405020304" pitchFamily="18" charset="0"/>
+              </a:rPr>
+              <a:t>Facile (table de 0 à 10) 10 questions</a:t>
+            </a:r>
+          </a:p>
+          <a:p>
+            <a:pPr marL="342900" indent="-342900">
+              <a:buFont typeface="Arial" panose="020B0604020202020204" pitchFamily="34" charset="0"/>
+              <a:buChar char="•"/>
+            </a:pPr>
+            <a:r>
+              <a:rPr lang="fr-FR" dirty="0">
+                <a:latin typeface="Times New Roman" panose="02020603050405020304" pitchFamily="18" charset="0"/>
+                <a:cs typeface="Times New Roman" panose="02020603050405020304" pitchFamily="18" charset="0"/>
+              </a:rPr>
+              <a:t>Moyen (table de 0 à 20) 20 questions</a:t>
+            </a:r>
+          </a:p>
+          <a:p>
+            <a:pPr marL="342900" indent="-342900">
+              <a:buFont typeface="Arial" panose="020B0604020202020204" pitchFamily="34" charset="0"/>
+              <a:buChar char="•"/>
+            </a:pPr>
+            <a:r>
+              <a:rPr lang="fr-FR" dirty="0">
+                <a:latin typeface="Times New Roman" panose="02020603050405020304" pitchFamily="18" charset="0"/>
+                <a:cs typeface="Times New Roman" panose="02020603050405020304" pitchFamily="18" charset="0"/>
+              </a:rPr>
+              <a:t>Difficile (table de 0 à 50) 30 questions</a:t>
+            </a:r>
+          </a:p>
+          <a:p>
+            <a:r>
+              <a:rPr lang="fr-FR" dirty="0">
+                <a:latin typeface="Times New Roman" panose="02020603050405020304" pitchFamily="18" charset="0"/>
+                <a:cs typeface="Times New Roman" panose="02020603050405020304" pitchFamily="18" charset="0"/>
+              </a:rPr>
+              <a:t>Ensuite en fonction du mode le programme doit poser des questions sur le résultat de la table de multiplication entre deux nombres tirés au hasard.</a:t>
+            </a:r>
+          </a:p>
+          <a:p>
+            <a:r>
+              <a:rPr lang="fr-FR" dirty="0">
+                <a:latin typeface="Times New Roman" panose="02020603050405020304" pitchFamily="18" charset="0"/>
+                <a:cs typeface="Times New Roman" panose="02020603050405020304" pitchFamily="18" charset="0"/>
+              </a:rPr>
+              <a:t>Le nombre de question dépendra du mode choisit:</a:t>
+            </a:r>
+          </a:p>
+          <a:p>
+            <a:pPr marL="342900" indent="-342900">
+              <a:buFont typeface="Arial" panose="020B0604020202020204" pitchFamily="34" charset="0"/>
+              <a:buChar char="•"/>
+            </a:pPr>
+            <a:r>
+              <a:rPr lang="fr-FR" dirty="0">
+                <a:latin typeface="Times New Roman" panose="02020603050405020304" pitchFamily="18" charset="0"/>
+                <a:cs typeface="Times New Roman" panose="02020603050405020304" pitchFamily="18" charset="0"/>
+              </a:rPr>
+              <a:t>Facile 10 questions</a:t>
+            </a:r>
+          </a:p>
+          <a:p>
+            <a:pPr marL="342900" indent="-342900">
+              <a:buFont typeface="Arial" panose="020B0604020202020204" pitchFamily="34" charset="0"/>
+              <a:buChar char="•"/>
+            </a:pPr>
+            <a:r>
+              <a:rPr lang="fr-FR" dirty="0">
+                <a:latin typeface="Times New Roman" panose="02020603050405020304" pitchFamily="18" charset="0"/>
+                <a:cs typeface="Times New Roman" panose="02020603050405020304" pitchFamily="18" charset="0"/>
+              </a:rPr>
+              <a:t>Moyen 20 questions</a:t>
+            </a:r>
+          </a:p>
+          <a:p>
+            <a:pPr marL="342900" indent="-342900">
+              <a:buFont typeface="Arial" panose="020B0604020202020204" pitchFamily="34" charset="0"/>
+              <a:buChar char="•"/>
+            </a:pPr>
+            <a:r>
+              <a:rPr lang="fr-FR" dirty="0">
+                <a:latin typeface="Times New Roman" panose="02020603050405020304" pitchFamily="18" charset="0"/>
+                <a:cs typeface="Times New Roman" panose="02020603050405020304" pitchFamily="18" charset="0"/>
+              </a:rPr>
+              <a:t>Difficile 30 questions</a:t>
+            </a:r>
+          </a:p>
+          <a:p>
+            <a:r>
+              <a:rPr lang="fr-FR" dirty="0">
+                <a:latin typeface="Times New Roman" panose="02020603050405020304" pitchFamily="18" charset="0"/>
+                <a:cs typeface="Times New Roman" panose="02020603050405020304" pitchFamily="18" charset="0"/>
+              </a:rPr>
+              <a:t>A la fin de la série, le programme doit afficher la liste des erreurs commises par l’utilisateur ainsi que son score et son pourcentage de réussite (</a:t>
+            </a:r>
+            <a:r>
+              <a:rPr lang="fr-FR" dirty="0" err="1">
+                <a:latin typeface="Times New Roman" panose="02020603050405020304" pitchFamily="18" charset="0"/>
+                <a:cs typeface="Times New Roman" panose="02020603050405020304" pitchFamily="18" charset="0"/>
+              </a:rPr>
+              <a:t>success</a:t>
+            </a:r>
+            <a:r>
+              <a:rPr lang="fr-FR" dirty="0">
+                <a:latin typeface="Times New Roman" panose="02020603050405020304" pitchFamily="18" charset="0"/>
+                <a:cs typeface="Times New Roman" panose="02020603050405020304" pitchFamily="18" charset="0"/>
+              </a:rPr>
+              <a:t>*100/total).</a:t>
+            </a:r>
+          </a:p>
+          <a:p>
+            <a:r>
+              <a:rPr lang="fr-FR" dirty="0">
+                <a:latin typeface="Times New Roman" panose="02020603050405020304" pitchFamily="18" charset="0"/>
+                <a:cs typeface="Times New Roman" panose="02020603050405020304" pitchFamily="18" charset="0"/>
+              </a:rPr>
+              <a:t>Tenir compte des cas d’erreur.</a:t>
+            </a:r>
+          </a:p>
+          <a:p>
+            <a:r>
+              <a:rPr lang="fr-FR" dirty="0">
+                <a:latin typeface="Times New Roman" panose="02020603050405020304" pitchFamily="18" charset="0"/>
+                <a:cs typeface="Times New Roman" panose="02020603050405020304" pitchFamily="18" charset="0"/>
+              </a:rPr>
+              <a:t>Le test est réussi si le score en pourcentage est supérieur à 50%.</a:t>
+            </a:r>
+          </a:p>
+        </p:txBody>
+      </p:sp>
+    </p:spTree>
+    <p:extLst>
+      <p:ext uri="{BB962C8B-B14F-4D97-AF65-F5344CB8AC3E}">
+        <p14:creationId xmlns:p14="http://schemas.microsoft.com/office/powerpoint/2010/main" val="2796775175"/>
+      </p:ext>
+    </p:extLst>
+  </p:cSld>
+  <p:clrMapOvr>
+    <a:masterClrMapping/>
+  </p:clrMapOvr>
+</p:sld>
+</file>
+
+<file path=ppt/slides/slide24.xml><?xml version="1.0" encoding="utf-8"?>
+<p:sld xmlns:a="http://schemas.openxmlformats.org/drawingml/2006/main" xmlns:r="http://schemas.openxmlformats.org/officeDocument/2006/relationships" xmlns:p="http://schemas.openxmlformats.org/presentationml/2006/main">
+  <p:cSld>
+    <p:spTree>
+      <p:nvGrpSpPr>
+        <p:cNvPr id="1" name=""/>
+        <p:cNvGrpSpPr/>
+        <p:nvPr/>
+      </p:nvGrpSpPr>
+      <p:grpSpPr>
+        <a:xfrm>
+          <a:off x="0" y="0"/>
+          <a:ext cx="0" cy="0"/>
+          <a:chOff x="0" y="0"/>
+          <a:chExt cx="0" cy="0"/>
+        </a:xfrm>
+      </p:grpSpPr>
+      <p:sp>
+        <p:nvSpPr>
+          <p:cNvPr id="4" name="Espace réservé du pied de page 3">
+            <a:extLst>
+              <a:ext uri="{FF2B5EF4-FFF2-40B4-BE49-F238E27FC236}">
+                <a16:creationId xmlns:a16="http://schemas.microsoft.com/office/drawing/2014/main" id="{8FEEC940-4BFF-956C-713A-1CE73C436B6F}"/>
+              </a:ext>
+            </a:extLst>
+          </p:cNvPr>
+          <p:cNvSpPr>
+            <a:spLocks noGrp="1"/>
+          </p:cNvSpPr>
+          <p:nvPr>
+            <p:ph type="ftr" sz="quarter" idx="11"/>
+          </p:nvPr>
+        </p:nvSpPr>
+        <p:spPr/>
+        <p:txBody>
+          <a:bodyPr/>
+          <a:lstStyle/>
+          <a:p>
+            <a:r>
+              <a:rPr lang="fr-FR"/>
+              <a:t>Cours: Python | Auteur: TUO N. Ismaël Maurice 
+</a:t>
+            </a:r>
+          </a:p>
+        </p:txBody>
+      </p:sp>
+      <p:sp>
+        <p:nvSpPr>
+          <p:cNvPr id="5" name="Espace réservé du numéro de diapositive 4">
+            <a:extLst>
+              <a:ext uri="{FF2B5EF4-FFF2-40B4-BE49-F238E27FC236}">
+                <a16:creationId xmlns:a16="http://schemas.microsoft.com/office/drawing/2014/main" id="{CE50FB16-F89F-D7CA-C6AA-CFC075094990}"/>
+              </a:ext>
+            </a:extLst>
+          </p:cNvPr>
+          <p:cNvSpPr>
+            <a:spLocks noGrp="1"/>
+          </p:cNvSpPr>
+          <p:nvPr>
+            <p:ph type="sldNum" sz="quarter" idx="12"/>
+          </p:nvPr>
+        </p:nvSpPr>
+        <p:spPr/>
+        <p:txBody>
+          <a:bodyPr/>
+          <a:lstStyle/>
+          <a:p>
+            <a:fld id="{B8C3BB88-DD29-4D42-B62E-D7D541DB4348}" type="slidenum">
+              <a:rPr lang="fr-FR" smtClean="0"/>
+              <a:t>24</a:t>
+            </a:fld>
+            <a:endParaRPr lang="fr-FR"/>
+          </a:p>
+        </p:txBody>
+      </p:sp>
+      <p:sp>
+        <p:nvSpPr>
+          <p:cNvPr id="6" name="ZoneTexte 5">
+            <a:extLst>
+              <a:ext uri="{FF2B5EF4-FFF2-40B4-BE49-F238E27FC236}">
+                <a16:creationId xmlns:a16="http://schemas.microsoft.com/office/drawing/2014/main" id="{84F10693-2FE8-EFC8-8DB6-84BFD181D260}"/>
+              </a:ext>
+            </a:extLst>
+          </p:cNvPr>
+          <p:cNvSpPr txBox="1"/>
+          <p:nvPr/>
+        </p:nvSpPr>
+        <p:spPr>
+          <a:xfrm>
+            <a:off x="397564" y="218526"/>
+            <a:ext cx="5795005" cy="461665"/>
+          </a:xfrm>
+          <a:prstGeom prst="rect">
+            <a:avLst/>
+          </a:prstGeom>
+          <a:noFill/>
+        </p:spPr>
+        <p:txBody>
+          <a:bodyPr wrap="square" rtlCol="0">
+            <a:spAutoFit/>
+          </a:bodyPr>
+          <a:lstStyle/>
+          <a:p>
+            <a:r>
+              <a:rPr lang="fr-FR" sz="2400" b="1" dirty="0">
+                <a:latin typeface="Times New Roman" panose="02020603050405020304" pitchFamily="18" charset="0"/>
+                <a:cs typeface="Times New Roman" panose="02020603050405020304" pitchFamily="18" charset="0"/>
+              </a:rPr>
+              <a:t>Exercices</a:t>
+            </a:r>
+          </a:p>
+        </p:txBody>
+      </p:sp>
+      <p:cxnSp>
+        <p:nvCxnSpPr>
+          <p:cNvPr id="3" name="Connecteur droit 2">
+            <a:extLst>
+              <a:ext uri="{FF2B5EF4-FFF2-40B4-BE49-F238E27FC236}">
+                <a16:creationId xmlns:a16="http://schemas.microsoft.com/office/drawing/2014/main" id="{6AC8021D-4898-08B9-18A0-60AC71EF613E}"/>
+              </a:ext>
+            </a:extLst>
+          </p:cNvPr>
+          <p:cNvCxnSpPr>
+            <a:cxnSpLocks/>
+          </p:cNvCxnSpPr>
+          <p:nvPr/>
+        </p:nvCxnSpPr>
+        <p:spPr>
+          <a:xfrm>
+            <a:off x="500932" y="680191"/>
+            <a:ext cx="11178450" cy="0"/>
+          </a:xfrm>
+          <a:prstGeom prst="line">
+            <a:avLst/>
+          </a:prstGeom>
+          <a:ln/>
+        </p:spPr>
+        <p:style>
+          <a:lnRef idx="3">
+            <a:schemeClr val="accent3"/>
+          </a:lnRef>
+          <a:fillRef idx="0">
+            <a:schemeClr val="accent3"/>
+          </a:fillRef>
+          <a:effectRef idx="2">
+            <a:schemeClr val="accent3"/>
+          </a:effectRef>
+          <a:fontRef idx="minor">
+            <a:schemeClr val="tx1"/>
+          </a:fontRef>
+        </p:style>
+      </p:cxnSp>
+      <p:sp>
+        <p:nvSpPr>
+          <p:cNvPr id="2" name="ZoneTexte 1">
+            <a:extLst>
+              <a:ext uri="{FF2B5EF4-FFF2-40B4-BE49-F238E27FC236}">
+                <a16:creationId xmlns:a16="http://schemas.microsoft.com/office/drawing/2014/main" id="{598CC1F4-92B5-97D6-5630-8A3701211AA4}"/>
+              </a:ext>
+            </a:extLst>
+          </p:cNvPr>
+          <p:cNvSpPr txBox="1"/>
+          <p:nvPr/>
+        </p:nvSpPr>
+        <p:spPr>
+          <a:xfrm>
+            <a:off x="397564" y="711780"/>
+            <a:ext cx="11569148" cy="400110"/>
+          </a:xfrm>
+          <a:prstGeom prst="rect">
+            <a:avLst/>
+          </a:prstGeom>
+          <a:noFill/>
+        </p:spPr>
+        <p:txBody>
+          <a:bodyPr wrap="square" rtlCol="0">
+            <a:spAutoFit/>
+          </a:bodyPr>
+          <a:lstStyle/>
+          <a:p>
+            <a:r>
+              <a:rPr lang="fr-FR" sz="2000" b="1" u="sng" dirty="0">
+                <a:latin typeface="Times New Roman" panose="02020603050405020304" pitchFamily="18" charset="0"/>
+                <a:cs typeface="Times New Roman" panose="02020603050405020304" pitchFamily="18" charset="0"/>
+              </a:rPr>
+              <a:t>Mini-Projet 2</a:t>
+            </a:r>
+          </a:p>
+        </p:txBody>
+      </p:sp>
+      <p:sp>
+        <p:nvSpPr>
+          <p:cNvPr id="7" name="ZoneTexte 6">
+            <a:extLst>
+              <a:ext uri="{FF2B5EF4-FFF2-40B4-BE49-F238E27FC236}">
+                <a16:creationId xmlns:a16="http://schemas.microsoft.com/office/drawing/2014/main" id="{990321CC-02EF-ED64-0AA9-789ED60F60B1}"/>
+              </a:ext>
+            </a:extLst>
+          </p:cNvPr>
+          <p:cNvSpPr txBox="1"/>
+          <p:nvPr/>
+        </p:nvSpPr>
+        <p:spPr>
+          <a:xfrm>
+            <a:off x="397564" y="1090885"/>
+            <a:ext cx="11088982" cy="4708981"/>
+          </a:xfrm>
+          <a:prstGeom prst="rect">
+            <a:avLst/>
+          </a:prstGeom>
+          <a:noFill/>
+        </p:spPr>
+        <p:txBody>
+          <a:bodyPr wrap="square" rtlCol="0">
+            <a:spAutoFit/>
+          </a:bodyPr>
+          <a:lstStyle>
+            <a:defPPr>
+              <a:defRPr lang="en-US"/>
+            </a:defPPr>
+            <a:lvl1pPr>
+              <a:defRPr sz="2000"/>
+            </a:lvl1pPr>
+          </a:lstStyle>
+          <a:p>
+            <a:r>
+              <a:rPr lang="fr-FR" dirty="0">
+                <a:latin typeface="Times New Roman" panose="02020603050405020304" pitchFamily="18" charset="0"/>
+                <a:cs typeface="Times New Roman" panose="02020603050405020304" pitchFamily="18" charset="0"/>
+              </a:rPr>
+              <a:t>Ecrire un programme qui va permettre d’enregistrer des utilisateurs avec leur nom et prénom. </a:t>
+            </a:r>
+          </a:p>
+          <a:p>
+            <a:r>
+              <a:rPr lang="fr-FR" dirty="0">
+                <a:latin typeface="Times New Roman" panose="02020603050405020304" pitchFamily="18" charset="0"/>
+                <a:cs typeface="Times New Roman" panose="02020603050405020304" pitchFamily="18" charset="0"/>
+              </a:rPr>
+              <a:t>Le menu est composé de: ajouter une personne, supprimer une personne, recherche une personne, afficher la liste.</a:t>
+            </a:r>
+          </a:p>
+          <a:p>
+            <a:r>
+              <a:rPr lang="fr-FR" dirty="0">
+                <a:latin typeface="Times New Roman" panose="02020603050405020304" pitchFamily="18" charset="0"/>
+                <a:cs typeface="Times New Roman" panose="02020603050405020304" pitchFamily="18" charset="0"/>
+              </a:rPr>
+              <a:t>L’utilisateur doit faire un choix d’action et le programme doit permettre de gérer les personnes sachant qu’on ne peut avoir une personne de même nom et prénom. </a:t>
+            </a:r>
+          </a:p>
+          <a:p>
+            <a:r>
+              <a:rPr lang="fr-FR" dirty="0">
+                <a:latin typeface="Times New Roman" panose="02020603050405020304" pitchFamily="18" charset="0"/>
+                <a:cs typeface="Times New Roman" panose="02020603050405020304" pitchFamily="18" charset="0"/>
+              </a:rPr>
+              <a:t>Par exemple John DOE ne peut être enregistré deux fois cependant </a:t>
+            </a:r>
+            <a:r>
+              <a:rPr lang="fr-FR" dirty="0" err="1">
+                <a:latin typeface="Times New Roman" panose="02020603050405020304" pitchFamily="18" charset="0"/>
+                <a:cs typeface="Times New Roman" panose="02020603050405020304" pitchFamily="18" charset="0"/>
+              </a:rPr>
+              <a:t>Doé</a:t>
+            </a:r>
+            <a:r>
+              <a:rPr lang="fr-FR" dirty="0">
+                <a:latin typeface="Times New Roman" panose="02020603050405020304" pitchFamily="18" charset="0"/>
+                <a:cs typeface="Times New Roman" panose="02020603050405020304" pitchFamily="18" charset="0"/>
+              </a:rPr>
+              <a:t> JOHN peut être enregistré même si John DOE y ait car les noms et les prénoms sont différents.</a:t>
+            </a:r>
+          </a:p>
+          <a:p>
+            <a:r>
+              <a:rPr lang="fr-FR" dirty="0">
+                <a:latin typeface="Times New Roman" panose="02020603050405020304" pitchFamily="18" charset="0"/>
+                <a:cs typeface="Times New Roman" panose="02020603050405020304" pitchFamily="18" charset="0"/>
+              </a:rPr>
+              <a:t>Lors de la recherche l’utilisateur fournit un nom et le programme doit afficher la liste des personnes qui ont soit le même nom ou soit le même prénom.</a:t>
+            </a:r>
+          </a:p>
+          <a:p>
+            <a:r>
+              <a:rPr lang="fr-FR" dirty="0">
+                <a:latin typeface="Times New Roman" panose="02020603050405020304" pitchFamily="18" charset="0"/>
+                <a:cs typeface="Times New Roman" panose="02020603050405020304" pitchFamily="18" charset="0"/>
+              </a:rPr>
+              <a:t>Pour supprimer une personne l’utilisateur doit fournir un nom et le programme lui affiche la liste des personnes correspondantes ensuite il doit entrer le numéro de la personne qu’il veut supprimer.</a:t>
+            </a:r>
+          </a:p>
+          <a:p>
+            <a:r>
+              <a:rPr lang="fr-FR" dirty="0">
+                <a:latin typeface="Times New Roman" panose="02020603050405020304" pitchFamily="18" charset="0"/>
+                <a:cs typeface="Times New Roman" panose="02020603050405020304" pitchFamily="18" charset="0"/>
+              </a:rPr>
+              <a:t>L’action affichage doit permettre d’afficher toutes les personnes enregistrées.</a:t>
+            </a:r>
+          </a:p>
+          <a:p>
+            <a:r>
+              <a:rPr lang="fr-FR" dirty="0">
+                <a:latin typeface="Times New Roman" panose="02020603050405020304" pitchFamily="18" charset="0"/>
+                <a:cs typeface="Times New Roman" panose="02020603050405020304" pitchFamily="18" charset="0"/>
+              </a:rPr>
+              <a:t>Une personne à un nom et plusieurs prénoms séparés par des espaces.</a:t>
+            </a:r>
+          </a:p>
+          <a:p>
+            <a:r>
+              <a:rPr lang="fr-FR" dirty="0">
+                <a:latin typeface="Times New Roman" panose="02020603050405020304" pitchFamily="18" charset="0"/>
+                <a:cs typeface="Times New Roman" panose="02020603050405020304" pitchFamily="18" charset="0"/>
+              </a:rPr>
+              <a:t>Lors de l’enregistrement procédé comme suite Prénoms NOM. Si l’utilisateur entre comme nom </a:t>
+            </a:r>
+            <a:r>
+              <a:rPr lang="fr-FR" dirty="0" err="1">
+                <a:latin typeface="Times New Roman" panose="02020603050405020304" pitchFamily="18" charset="0"/>
+                <a:cs typeface="Times New Roman" panose="02020603050405020304" pitchFamily="18" charset="0"/>
+              </a:rPr>
+              <a:t>Doé</a:t>
+            </a:r>
+            <a:r>
+              <a:rPr lang="fr-FR" dirty="0">
+                <a:latin typeface="Times New Roman" panose="02020603050405020304" pitchFamily="18" charset="0"/>
+                <a:cs typeface="Times New Roman" panose="02020603050405020304" pitchFamily="18" charset="0"/>
+              </a:rPr>
+              <a:t> et prénoms Toto John le stockage sera Toto John DOE. </a:t>
+            </a:r>
+          </a:p>
+        </p:txBody>
+      </p:sp>
+    </p:spTree>
+    <p:extLst>
+      <p:ext uri="{BB962C8B-B14F-4D97-AF65-F5344CB8AC3E}">
+        <p14:creationId xmlns:p14="http://schemas.microsoft.com/office/powerpoint/2010/main" val="2280855446"/>
+      </p:ext>
+    </p:extLst>
+  </p:cSld>
+  <p:clrMapOvr>
+    <a:masterClrMapping/>
+  </p:clrMapOvr>
+</p:sld>
+</file>
+
+<file path=ppt/slides/slide25.xml><?xml version="1.0" encoding="utf-8"?>
+<p:sld xmlns:a="http://schemas.openxmlformats.org/drawingml/2006/main" xmlns:r="http://schemas.openxmlformats.org/officeDocument/2006/relationships" xmlns:p="http://schemas.openxmlformats.org/presentationml/2006/main">
+  <p:cSld>
+    <p:spTree>
+      <p:nvGrpSpPr>
+        <p:cNvPr id="1" name=""/>
+        <p:cNvGrpSpPr/>
+        <p:nvPr/>
+      </p:nvGrpSpPr>
+      <p:grpSpPr>
+        <a:xfrm>
+          <a:off x="0" y="0"/>
+          <a:ext cx="0" cy="0"/>
+          <a:chOff x="0" y="0"/>
+          <a:chExt cx="0" cy="0"/>
+        </a:xfrm>
+      </p:grpSpPr>
+      <p:sp>
+        <p:nvSpPr>
+          <p:cNvPr id="4" name="Espace réservé du pied de page 3">
+            <a:extLst>
+              <a:ext uri="{FF2B5EF4-FFF2-40B4-BE49-F238E27FC236}">
+                <a16:creationId xmlns:a16="http://schemas.microsoft.com/office/drawing/2014/main" id="{8FEEC940-4BFF-956C-713A-1CE73C436B6F}"/>
+              </a:ext>
+            </a:extLst>
+          </p:cNvPr>
+          <p:cNvSpPr>
+            <a:spLocks noGrp="1"/>
+          </p:cNvSpPr>
+          <p:nvPr>
+            <p:ph type="ftr" sz="quarter" idx="11"/>
+          </p:nvPr>
+        </p:nvSpPr>
+        <p:spPr/>
+        <p:txBody>
+          <a:bodyPr/>
+          <a:lstStyle/>
+          <a:p>
+            <a:r>
+              <a:rPr lang="fr-FR"/>
+              <a:t>Cours: Python | Auteur: TUO N. Ismaël Maurice 
+</a:t>
+            </a:r>
+          </a:p>
+        </p:txBody>
+      </p:sp>
+      <p:sp>
+        <p:nvSpPr>
+          <p:cNvPr id="5" name="Espace réservé du numéro de diapositive 4">
+            <a:extLst>
+              <a:ext uri="{FF2B5EF4-FFF2-40B4-BE49-F238E27FC236}">
+                <a16:creationId xmlns:a16="http://schemas.microsoft.com/office/drawing/2014/main" id="{CE50FB16-F89F-D7CA-C6AA-CFC075094990}"/>
+              </a:ext>
+            </a:extLst>
+          </p:cNvPr>
+          <p:cNvSpPr>
+            <a:spLocks noGrp="1"/>
+          </p:cNvSpPr>
+          <p:nvPr>
+            <p:ph type="sldNum" sz="quarter" idx="12"/>
+          </p:nvPr>
+        </p:nvSpPr>
+        <p:spPr/>
+        <p:txBody>
+          <a:bodyPr/>
+          <a:lstStyle/>
+          <a:p>
+            <a:fld id="{B8C3BB88-DD29-4D42-B62E-D7D541DB4348}" type="slidenum">
+              <a:rPr lang="fr-FR" smtClean="0"/>
+              <a:t>25</a:t>
             </a:fld>
             <a:endParaRPr lang="fr-FR"/>
           </a:p>
@@ -9626,7 +11558,7 @@
 </p:sld>
 </file>
 
-<file path=ppt/slides/slide23.xml><?xml version="1.0" encoding="utf-8"?>
+<file path=ppt/slides/slide26.xml><?xml version="1.0" encoding="utf-8"?>
 <p:sld xmlns:a="http://schemas.openxmlformats.org/drawingml/2006/main" xmlns:r="http://schemas.openxmlformats.org/officeDocument/2006/relationships" xmlns:p="http://schemas.openxmlformats.org/presentationml/2006/main">
   <p:cSld>
     <p:spTree>
@@ -9695,7 +11627,7 @@
           <a:p>
             <a:fld id="{B8C3BB88-DD29-4D42-B62E-D7D541DB4348}" type="slidenum">
               <a:rPr lang="fr-FR" smtClean="0"/>
-              <a:t>23</a:t>
+              <a:t>26</a:t>
             </a:fld>
             <a:endParaRPr lang="fr-FR"/>
           </a:p>
@@ -10063,7 +11995,7 @@
 </p:sld>
 </file>
 
-<file path=ppt/slides/slide24.xml><?xml version="1.0" encoding="utf-8"?>
+<file path=ppt/slides/slide27.xml><?xml version="1.0" encoding="utf-8"?>
 <p:sld xmlns:a="http://schemas.openxmlformats.org/drawingml/2006/main" xmlns:r="http://schemas.openxmlformats.org/officeDocument/2006/relationships" xmlns:p="http://schemas.openxmlformats.org/presentationml/2006/main">
   <p:cSld>
     <p:spTree>
@@ -10132,7 +12064,7 @@
           <a:p>
             <a:fld id="{B8C3BB88-DD29-4D42-B62E-D7D541DB4348}" type="slidenum">
               <a:rPr lang="fr-FR" smtClean="0"/>
-              <a:t>24</a:t>
+              <a:t>27</a:t>
             </a:fld>
             <a:endParaRPr lang="fr-FR"/>
           </a:p>
@@ -10322,7 +12254,7 @@
 </p:sld>
 </file>
 
-<file path=ppt/slides/slide25.xml><?xml version="1.0" encoding="utf-8"?>
+<file path=ppt/slides/slide28.xml><?xml version="1.0" encoding="utf-8"?>
 <p:sld xmlns:a="http://schemas.openxmlformats.org/drawingml/2006/main" xmlns:r="http://schemas.openxmlformats.org/officeDocument/2006/relationships" xmlns:p="http://schemas.openxmlformats.org/presentationml/2006/main">
   <p:cSld>
     <p:spTree>
@@ -10391,7 +12323,7 @@
           <a:p>
             <a:fld id="{B8C3BB88-DD29-4D42-B62E-D7D541DB4348}" type="slidenum">
               <a:rPr lang="fr-FR" smtClean="0"/>
-              <a:t>25</a:t>
+              <a:t>28</a:t>
             </a:fld>
             <a:endParaRPr lang="fr-FR"/>
           </a:p>
@@ -10584,7 +12516,7 @@
 </p:sld>
 </file>
 
-<file path=ppt/slides/slide26.xml><?xml version="1.0" encoding="utf-8"?>
+<file path=ppt/slides/slide29.xml><?xml version="1.0" encoding="utf-8"?>
 <p:sld xmlns:a="http://schemas.openxmlformats.org/drawingml/2006/main" xmlns:r="http://schemas.openxmlformats.org/officeDocument/2006/relationships" xmlns:p="http://schemas.openxmlformats.org/presentationml/2006/main">
   <p:cSld>
     <p:spTree>
@@ -11457,21 +13389,7 @@
                 <a:latin typeface="Times New Roman" panose="02020603050405020304" pitchFamily="18" charset="0"/>
                 <a:cs typeface="Times New Roman" panose="02020603050405020304" pitchFamily="18" charset="0"/>
               </a:rPr>
-              <a:t>Une liste est un type de variable qui permet d’associer plusieurs valeurs différentes ayant la même étiquette. Les valeurs 1, 2 et 3 précédentes seront </a:t>
-            </a:r>
-            <a:r>
-              <a:rPr lang="fr-FR" sz="2000" dirty="0" err="1">
-                <a:latin typeface="Times New Roman" panose="02020603050405020304" pitchFamily="18" charset="0"/>
-                <a:cs typeface="Times New Roman" panose="02020603050405020304" pitchFamily="18" charset="0"/>
-              </a:rPr>
-              <a:t>représenteés</a:t>
-            </a:r>
-            <a:r>
-              <a:rPr lang="fr-FR" sz="2000" dirty="0">
-                <a:latin typeface="Times New Roman" panose="02020603050405020304" pitchFamily="18" charset="0"/>
-                <a:cs typeface="Times New Roman" panose="02020603050405020304" pitchFamily="18" charset="0"/>
-              </a:rPr>
-              <a:t> par le même nom de variable.</a:t>
+              <a:t>Une liste est un type de variable qui permet d’associer plusieurs valeurs différentes ayant la même étiquette. Les valeurs 1, 2 et 3 précédentes seront représentées par le même nom de variable.</a:t>
             </a:r>
           </a:p>
         </p:txBody>
@@ -11509,7 +13427,7 @@
                 <a:latin typeface="Times New Roman" panose="02020603050405020304" pitchFamily="18" charset="0"/>
                 <a:cs typeface="Times New Roman" panose="02020603050405020304" pitchFamily="18" charset="0"/>
               </a:rPr>
-              <a:t>On peut imaginer une liste comme une étagère avec plusieurs tiroirs numéroté, chaque tiroir peut contenir un élément différent le tiroir  peut contenir une brosse et le tiroir 2 un stylo. Ces deux éléments totalement différents sont stockés dans un même élément qui est l’armoire.</a:t>
+              <a:t>On peut imaginer une liste comme une étagère avec plusieurs tiroirs numérotés, chaque tiroir peut contenir un élément différent le tiroir 1 peut contenir une brosse et le tiroir 2 un stylo. Ces deux éléments totalement différents sont stockés dans un même élément qui est l’étagère.</a:t>
             </a:r>
           </a:p>
         </p:txBody>
@@ -11771,7 +13689,7 @@
                 <a:latin typeface="Times New Roman" panose="02020603050405020304" pitchFamily="18" charset="0"/>
                 <a:cs typeface="Times New Roman" panose="02020603050405020304" pitchFamily="18" charset="0"/>
               </a:rPr>
-              <a:t>ou soit on crée la liste avec un liste vide. </a:t>
+              <a:t>ou soit on crée la liste avec une liste vide. </a:t>
             </a:r>
           </a:p>
         </p:txBody>
@@ -12647,8 +14565,8 @@
         </p:blipFill>
         <p:spPr>
           <a:xfrm>
-            <a:off x="3881575" y="5006022"/>
-            <a:ext cx="3619814" cy="1216121"/>
+            <a:off x="3236446" y="4789284"/>
+            <a:ext cx="4264943" cy="1432860"/>
           </a:xfrm>
           <a:prstGeom prst="rect">
             <a:avLst/>
@@ -12853,7 +14771,7 @@
                 <a:latin typeface="Times New Roman" panose="02020603050405020304" pitchFamily="18" charset="0"/>
                 <a:cs typeface="Times New Roman" panose="02020603050405020304" pitchFamily="18" charset="0"/>
               </a:rPr>
-              <a:t>On peut agrandir une liste en associant les valeurs d’une autre liste. Cette technique s’appelle de la </a:t>
+              <a:t>On peut agrandir une liste en lui associant les valeurs d’une autre liste. Cette technique s’appelle de la </a:t>
             </a:r>
             <a:r>
               <a:rPr lang="fr-FR" sz="2000" b="1" dirty="0">
@@ -12902,7 +14820,7 @@
                 <a:latin typeface="Times New Roman" panose="02020603050405020304" pitchFamily="18" charset="0"/>
                 <a:cs typeface="Times New Roman" panose="02020603050405020304" pitchFamily="18" charset="0"/>
               </a:rPr>
-              <a:t>Pour faire de la concaténation deux listes on peut utiliser la méthode </a:t>
+              <a:t>Pour faire de la concaténation de deux listes on peut utiliser la méthode </a:t>
             </a:r>
             <a:r>
               <a:rPr lang="fr-FR" sz="2000" b="1" dirty="0" err="1">
@@ -13077,7 +14995,7 @@
                 <a:latin typeface="Times New Roman" panose="02020603050405020304" pitchFamily="18" charset="0"/>
                 <a:cs typeface="Times New Roman" panose="02020603050405020304" pitchFamily="18" charset="0"/>
               </a:rPr>
-              <a:t>Lorsqu’on veut créer une nouvelle liste qui est la concaténation deux listes il faut utiliser l’opérateur +.</a:t>
+              <a:t>Lorsqu’on veut créer une nouvelle liste qui est la concaténation de deux listes il faut utiliser l’opérateur +.</a:t>
             </a:r>
             <a:endParaRPr lang="fr-FR" sz="2000" b="1" dirty="0">
               <a:latin typeface="Times New Roman" panose="02020603050405020304" pitchFamily="18" charset="0"/>
@@ -13281,44 +15199,687 @@
           </a:fontRef>
         </p:style>
       </p:cxnSp>
-      <p:sp>
-        <p:nvSpPr>
-          <p:cNvPr id="7" name="ZoneTexte 6">
-            <a:extLst>
-              <a:ext uri="{FF2B5EF4-FFF2-40B4-BE49-F238E27FC236}">
-                <a16:creationId xmlns:a16="http://schemas.microsoft.com/office/drawing/2014/main" id="{B31AF22B-77AC-398F-8B32-17C6B4914236}"/>
-              </a:ext>
-            </a:extLst>
-          </p:cNvPr>
-          <p:cNvSpPr txBox="1"/>
+      <mc:AlternateContent xmlns:mc="http://schemas.openxmlformats.org/markup-compatibility/2006">
+        <mc:Choice xmlns:a14="http://schemas.microsoft.com/office/drawing/2010/main" Requires="a14">
+          <p:sp>
+            <p:nvSpPr>
+              <p:cNvPr id="7" name="ZoneTexte 6">
+                <a:extLst>
+                  <a:ext uri="{FF2B5EF4-FFF2-40B4-BE49-F238E27FC236}">
+                    <a16:creationId xmlns:a16="http://schemas.microsoft.com/office/drawing/2014/main" id="{B31AF22B-77AC-398F-8B32-17C6B4914236}"/>
+                  </a:ext>
+                </a:extLst>
+              </p:cNvPr>
+              <p:cNvSpPr txBox="1"/>
+              <p:nvPr/>
+            </p:nvSpPr>
+            <p:spPr>
+              <a:xfrm>
+                <a:off x="500929" y="754349"/>
+                <a:ext cx="11441731" cy="707886"/>
+              </a:xfrm>
+              <a:prstGeom prst="rect">
+                <a:avLst/>
+              </a:prstGeom>
+              <a:noFill/>
+            </p:spPr>
+            <p:txBody>
+              <a:bodyPr wrap="square" rtlCol="0">
+                <a:spAutoFit/>
+              </a:bodyPr>
+              <a:lstStyle/>
+              <a:p>
+                <a:r>
+                  <a:rPr lang="fr-FR" sz="2000" dirty="0">
+                    <a:latin typeface="Times New Roman" panose="02020603050405020304" pitchFamily="18" charset="0"/>
+                    <a:cs typeface="Times New Roman" panose="02020603050405020304" pitchFamily="18" charset="0"/>
+                  </a:rPr>
+                  <a:t>Python nous offre deux méthodes pour supprimer un élément dans une liste soit avec le mot clé </a:t>
+                </a:r>
+                <a14:m>
+                  <m:oMath xmlns:m="http://schemas.openxmlformats.org/officeDocument/2006/math">
+                    <m:r>
+                      <a:rPr lang="fr-FR" sz="2000" b="1" i="1" smtClean="0">
+                        <a:latin typeface="Cambria Math" panose="02040503050406030204" pitchFamily="18" charset="0"/>
+                        <a:cs typeface="Times New Roman" panose="02020603050405020304" pitchFamily="18" charset="0"/>
+                      </a:rPr>
+                      <m:t>𝒅𝒆𝒍</m:t>
+                    </m:r>
+                  </m:oMath>
+                </a14:m>
+                <a:r>
+                  <a:rPr lang="fr-FR" sz="2000" b="1" dirty="0">
+                    <a:latin typeface="Times New Roman" panose="02020603050405020304" pitchFamily="18" charset="0"/>
+                    <a:cs typeface="Times New Roman" panose="02020603050405020304" pitchFamily="18" charset="0"/>
+                  </a:rPr>
+                  <a:t> </a:t>
+                </a:r>
+                <a:r>
+                  <a:rPr lang="fr-FR" sz="2000" dirty="0">
+                    <a:latin typeface="Times New Roman" panose="02020603050405020304" pitchFamily="18" charset="0"/>
+                    <a:cs typeface="Times New Roman" panose="02020603050405020304" pitchFamily="18" charset="0"/>
+                  </a:rPr>
+                  <a:t>ou </a:t>
+                </a:r>
+                <a14:m>
+                  <m:oMath xmlns:m="http://schemas.openxmlformats.org/officeDocument/2006/math">
+                    <m:r>
+                      <a:rPr lang="fr-FR" sz="2000" b="1" i="1" smtClean="0">
+                        <a:latin typeface="Cambria Math" panose="02040503050406030204" pitchFamily="18" charset="0"/>
+                        <a:cs typeface="Times New Roman" panose="02020603050405020304" pitchFamily="18" charset="0"/>
+                      </a:rPr>
+                      <m:t>𝒓𝒆𝒎𝒐𝒗𝒆</m:t>
+                    </m:r>
+                  </m:oMath>
+                </a14:m>
+                <a:r>
+                  <a:rPr lang="fr-FR" sz="2000" b="1" dirty="0">
+                    <a:latin typeface="Times New Roman" panose="02020603050405020304" pitchFamily="18" charset="0"/>
+                    <a:cs typeface="Times New Roman" panose="02020603050405020304" pitchFamily="18" charset="0"/>
+                  </a:rPr>
+                  <a:t>.</a:t>
+                </a:r>
+              </a:p>
+            </p:txBody>
+          </p:sp>
+        </mc:Choice>
+        <mc:Fallback>
+          <p:sp>
+            <p:nvSpPr>
+              <p:cNvPr id="7" name="ZoneTexte 6">
+                <a:extLst>
+                  <a:ext uri="{FF2B5EF4-FFF2-40B4-BE49-F238E27FC236}">
+                    <a16:creationId xmlns:a16="http://schemas.microsoft.com/office/drawing/2014/main" id="{B31AF22B-77AC-398F-8B32-17C6B4914236}"/>
+                  </a:ext>
+                </a:extLst>
+              </p:cNvPr>
+              <p:cNvSpPr txBox="1">
+                <a:spLocks noRot="1" noChangeAspect="1" noMove="1" noResize="1" noEditPoints="1" noAdjustHandles="1" noChangeArrowheads="1" noChangeShapeType="1" noTextEdit="1"/>
+              </p:cNvSpPr>
+              <p:nvPr/>
+            </p:nvSpPr>
+            <p:spPr>
+              <a:xfrm>
+                <a:off x="500929" y="754349"/>
+                <a:ext cx="11441731" cy="707886"/>
+              </a:xfrm>
+              <a:prstGeom prst="rect">
+                <a:avLst/>
+              </a:prstGeom>
+              <a:blipFill>
+                <a:blip r:embed="rId2"/>
+                <a:stretch>
+                  <a:fillRect l="-533" t="-5172" b="-14655"/>
+                </a:stretch>
+              </a:blipFill>
+            </p:spPr>
+            <p:txBody>
+              <a:bodyPr/>
+              <a:lstStyle/>
+              <a:p>
+                <a:r>
+                  <a:rPr lang="fr-FR">
+                    <a:noFill/>
+                  </a:rPr>
+                  <a:t> </a:t>
+                </a:r>
+              </a:p>
+            </p:txBody>
+          </p:sp>
+        </mc:Fallback>
+      </mc:AlternateContent>
+      <mc:AlternateContent xmlns:mc="http://schemas.openxmlformats.org/markup-compatibility/2006">
+        <mc:Choice xmlns:a14="http://schemas.microsoft.com/office/drawing/2010/main" Requires="a14">
+          <p:sp>
+            <p:nvSpPr>
+              <p:cNvPr id="2" name="ZoneTexte 1">
+                <a:extLst>
+                  <a:ext uri="{FF2B5EF4-FFF2-40B4-BE49-F238E27FC236}">
+                    <a16:creationId xmlns:a16="http://schemas.microsoft.com/office/drawing/2014/main" id="{FE81D5E0-2CE9-25B8-A1F0-49FA2542D2A6}"/>
+                  </a:ext>
+                </a:extLst>
+              </p:cNvPr>
+              <p:cNvSpPr txBox="1"/>
+              <p:nvPr/>
+            </p:nvSpPr>
+            <p:spPr>
+              <a:xfrm>
+                <a:off x="500929" y="1488059"/>
+                <a:ext cx="11441731" cy="707886"/>
+              </a:xfrm>
+              <a:prstGeom prst="rect">
+                <a:avLst/>
+              </a:prstGeom>
+              <a:noFill/>
+            </p:spPr>
+            <p:txBody>
+              <a:bodyPr wrap="square" rtlCol="0">
+                <a:spAutoFit/>
+              </a:bodyPr>
+              <a:lstStyle/>
+              <a:p>
+                <a:r>
+                  <a:rPr lang="fr-FR" sz="2000" dirty="0">
+                    <a:latin typeface="Times New Roman" panose="02020603050405020304" pitchFamily="18" charset="0"/>
+                    <a:cs typeface="Times New Roman" panose="02020603050405020304" pitchFamily="18" charset="0"/>
+                  </a:rPr>
+                  <a:t>Le mot clé </a:t>
+                </a:r>
+                <a14:m>
+                  <m:oMath xmlns:m="http://schemas.openxmlformats.org/officeDocument/2006/math">
+                    <m:r>
+                      <a:rPr lang="fr-FR" sz="2000" b="1" i="1" smtClean="0">
+                        <a:latin typeface="Cambria Math" panose="02040503050406030204" pitchFamily="18" charset="0"/>
+                        <a:cs typeface="Times New Roman" panose="02020603050405020304" pitchFamily="18" charset="0"/>
+                      </a:rPr>
+                      <m:t>𝒅𝒆𝒍</m:t>
+                    </m:r>
+                  </m:oMath>
+                </a14:m>
+                <a:r>
+                  <a:rPr lang="fr-FR" sz="2000" b="1" dirty="0">
+                    <a:latin typeface="Times New Roman" panose="02020603050405020304" pitchFamily="18" charset="0"/>
+                    <a:cs typeface="Times New Roman" panose="02020603050405020304" pitchFamily="18" charset="0"/>
+                  </a:rPr>
+                  <a:t> </a:t>
+                </a:r>
+                <a:r>
+                  <a:rPr lang="fr-FR" sz="2000" dirty="0">
+                    <a:latin typeface="Times New Roman" panose="02020603050405020304" pitchFamily="18" charset="0"/>
+                    <a:cs typeface="Times New Roman" panose="02020603050405020304" pitchFamily="18" charset="0"/>
+                  </a:rPr>
+                  <a:t>permet de supprimer une variable ou la valeur d’une liste. La syntaxe pour utiliser ce mot clé est:</a:t>
+                </a:r>
+                <a:endParaRPr lang="fr-FR" sz="2000" b="1" dirty="0">
+                  <a:latin typeface="Times New Roman" panose="02020603050405020304" pitchFamily="18" charset="0"/>
+                  <a:cs typeface="Times New Roman" panose="02020603050405020304" pitchFamily="18" charset="0"/>
+                </a:endParaRPr>
+              </a:p>
+            </p:txBody>
+          </p:sp>
+        </mc:Choice>
+        <mc:Fallback>
+          <p:sp>
+            <p:nvSpPr>
+              <p:cNvPr id="2" name="ZoneTexte 1">
+                <a:extLst>
+                  <a:ext uri="{FF2B5EF4-FFF2-40B4-BE49-F238E27FC236}">
+                    <a16:creationId xmlns:a16="http://schemas.microsoft.com/office/drawing/2014/main" id="{FE81D5E0-2CE9-25B8-A1F0-49FA2542D2A6}"/>
+                  </a:ext>
+                </a:extLst>
+              </p:cNvPr>
+              <p:cNvSpPr txBox="1">
+                <a:spLocks noRot="1" noChangeAspect="1" noMove="1" noResize="1" noEditPoints="1" noAdjustHandles="1" noChangeArrowheads="1" noChangeShapeType="1" noTextEdit="1"/>
+              </p:cNvSpPr>
+              <p:nvPr/>
+            </p:nvSpPr>
+            <p:spPr>
+              <a:xfrm>
+                <a:off x="500929" y="1488059"/>
+                <a:ext cx="11441731" cy="707886"/>
+              </a:xfrm>
+              <a:prstGeom prst="rect">
+                <a:avLst/>
+              </a:prstGeom>
+              <a:blipFill>
+                <a:blip r:embed="rId3"/>
+                <a:stretch>
+                  <a:fillRect l="-533" t="-4310" b="-14655"/>
+                </a:stretch>
+              </a:blipFill>
+            </p:spPr>
+            <p:txBody>
+              <a:bodyPr/>
+              <a:lstStyle/>
+              <a:p>
+                <a:r>
+                  <a:rPr lang="fr-FR">
+                    <a:noFill/>
+                  </a:rPr>
+                  <a:t> </a:t>
+                </a:r>
+              </a:p>
+            </p:txBody>
+          </p:sp>
+        </mc:Fallback>
+      </mc:AlternateContent>
+      <mc:AlternateContent xmlns:mc="http://schemas.openxmlformats.org/markup-compatibility/2006">
+        <mc:Choice xmlns:a14="http://schemas.microsoft.com/office/drawing/2010/main" Requires="a14">
+          <p:sp>
+            <p:nvSpPr>
+              <p:cNvPr id="8" name="ZoneTexte 7">
+                <a:extLst>
+                  <a:ext uri="{FF2B5EF4-FFF2-40B4-BE49-F238E27FC236}">
+                    <a16:creationId xmlns:a16="http://schemas.microsoft.com/office/drawing/2014/main" id="{28731657-1982-0564-6148-8700366FB9ED}"/>
+                  </a:ext>
+                </a:extLst>
+              </p:cNvPr>
+              <p:cNvSpPr txBox="1"/>
+              <p:nvPr/>
+            </p:nvSpPr>
+            <p:spPr>
+              <a:xfrm>
+                <a:off x="500929" y="2010101"/>
+                <a:ext cx="11441731" cy="400110"/>
+              </a:xfrm>
+              <a:prstGeom prst="rect">
+                <a:avLst/>
+              </a:prstGeom>
+              <a:noFill/>
+            </p:spPr>
+            <p:txBody>
+              <a:bodyPr wrap="square" rtlCol="0">
+                <a:spAutoFit/>
+              </a:bodyPr>
+              <a:lstStyle/>
+              <a:p>
+                <a:pPr algn="ctr"/>
+                <a14:m>
+                  <m:oMath xmlns:m="http://schemas.openxmlformats.org/officeDocument/2006/math">
+                    <m:r>
+                      <a:rPr lang="fr-FR" sz="2000" b="1" i="1" smtClean="0">
+                        <a:latin typeface="Cambria Math" panose="02040503050406030204" pitchFamily="18" charset="0"/>
+                        <a:cs typeface="Times New Roman" panose="02020603050405020304" pitchFamily="18" charset="0"/>
+                      </a:rPr>
+                      <m:t>𝒅𝒆𝒍</m:t>
+                    </m:r>
+                    <m:r>
+                      <a:rPr lang="fr-FR" sz="2000" b="1" i="1" smtClean="0">
+                        <a:latin typeface="Cambria Math" panose="02040503050406030204" pitchFamily="18" charset="0"/>
+                        <a:cs typeface="Times New Roman" panose="02020603050405020304" pitchFamily="18" charset="0"/>
+                      </a:rPr>
+                      <m:t> </m:t>
+                    </m:r>
+                    <m:r>
+                      <a:rPr lang="fr-FR" sz="2000" b="1" i="1" smtClean="0">
+                        <a:latin typeface="Cambria Math" panose="02040503050406030204" pitchFamily="18" charset="0"/>
+                        <a:cs typeface="Times New Roman" panose="02020603050405020304" pitchFamily="18" charset="0"/>
+                      </a:rPr>
+                      <m:t>𝒗𝒂𝒓𝒊𝒂𝒃𝒍𝒆</m:t>
+                    </m:r>
+                    <m:r>
+                      <a:rPr lang="fr-FR" sz="2000" b="1" i="1" smtClean="0">
+                        <a:latin typeface="Cambria Math" panose="02040503050406030204" pitchFamily="18" charset="0"/>
+                        <a:cs typeface="Times New Roman" panose="02020603050405020304" pitchFamily="18" charset="0"/>
+                      </a:rPr>
+                      <m:t>_à_</m:t>
+                    </m:r>
+                    <m:r>
+                      <a:rPr lang="fr-FR" sz="2000" b="1" i="1" smtClean="0">
+                        <a:latin typeface="Cambria Math" panose="02040503050406030204" pitchFamily="18" charset="0"/>
+                        <a:cs typeface="Times New Roman" panose="02020603050405020304" pitchFamily="18" charset="0"/>
+                      </a:rPr>
+                      <m:t>𝒔𝒖𝒑𝒑𝒓𝒊𝒎𝒆𝒓</m:t>
+                    </m:r>
+                  </m:oMath>
+                </a14:m>
+                <a:r>
+                  <a:rPr lang="fr-FR" sz="2000" b="1" dirty="0">
+                    <a:latin typeface="Times New Roman" panose="02020603050405020304" pitchFamily="18" charset="0"/>
+                    <a:cs typeface="Times New Roman" panose="02020603050405020304" pitchFamily="18" charset="0"/>
+                  </a:rPr>
+                  <a:t> (pour supprimer une variable)</a:t>
+                </a:r>
+              </a:p>
+            </p:txBody>
+          </p:sp>
+        </mc:Choice>
+        <mc:Fallback>
+          <p:sp>
+            <p:nvSpPr>
+              <p:cNvPr id="8" name="ZoneTexte 7">
+                <a:extLst>
+                  <a:ext uri="{FF2B5EF4-FFF2-40B4-BE49-F238E27FC236}">
+                    <a16:creationId xmlns:a16="http://schemas.microsoft.com/office/drawing/2014/main" id="{28731657-1982-0564-6148-8700366FB9ED}"/>
+                  </a:ext>
+                </a:extLst>
+              </p:cNvPr>
+              <p:cNvSpPr txBox="1">
+                <a:spLocks noRot="1" noChangeAspect="1" noMove="1" noResize="1" noEditPoints="1" noAdjustHandles="1" noChangeArrowheads="1" noChangeShapeType="1" noTextEdit="1"/>
+              </p:cNvSpPr>
+              <p:nvPr/>
+            </p:nvSpPr>
+            <p:spPr>
+              <a:xfrm>
+                <a:off x="500929" y="2010101"/>
+                <a:ext cx="11441731" cy="400110"/>
+              </a:xfrm>
+              <a:prstGeom prst="rect">
+                <a:avLst/>
+              </a:prstGeom>
+              <a:blipFill>
+                <a:blip r:embed="rId4"/>
+                <a:stretch>
+                  <a:fillRect t="-9231" b="-27692"/>
+                </a:stretch>
+              </a:blipFill>
+            </p:spPr>
+            <p:txBody>
+              <a:bodyPr/>
+              <a:lstStyle/>
+              <a:p>
+                <a:r>
+                  <a:rPr lang="fr-FR">
+                    <a:noFill/>
+                  </a:rPr>
+                  <a:t> </a:t>
+                </a:r>
+              </a:p>
+            </p:txBody>
+          </p:sp>
+        </mc:Fallback>
+      </mc:AlternateContent>
+      <p:pic>
+        <p:nvPicPr>
+          <p:cNvPr id="10" name="Image 9">
+            <a:extLst>
+              <a:ext uri="{FF2B5EF4-FFF2-40B4-BE49-F238E27FC236}">
+                <a16:creationId xmlns:a16="http://schemas.microsoft.com/office/drawing/2014/main" id="{6B70F036-8836-7A94-4CA7-2F46B8742336}"/>
+              </a:ext>
+            </a:extLst>
+          </p:cNvPr>
+          <p:cNvPicPr>
+            <a:picLocks noChangeAspect="1"/>
+          </p:cNvPicPr>
           <p:nvPr/>
-        </p:nvSpPr>
+        </p:nvPicPr>
+        <p:blipFill>
+          <a:blip r:embed="rId5"/>
+          <a:stretch>
+            <a:fillRect/>
+          </a:stretch>
+        </p:blipFill>
         <p:spPr>
           <a:xfrm>
-            <a:off x="500932" y="941801"/>
-            <a:ext cx="11441731" cy="400110"/>
+            <a:off x="1126942" y="2948284"/>
+            <a:ext cx="4096909" cy="2262024"/>
           </a:xfrm>
           <a:prstGeom prst="rect">
             <a:avLst/>
           </a:prstGeom>
-          <a:noFill/>
         </p:spPr>
-        <p:txBody>
-          <a:bodyPr wrap="square" rtlCol="0">
-            <a:spAutoFit/>
-          </a:bodyPr>
-          <a:lstStyle/>
-          <a:p>
-            <a:r>
-              <a:rPr lang="fr-FR" sz="2000" dirty="0">
-                <a:latin typeface="Times New Roman" panose="02020603050405020304" pitchFamily="18" charset="0"/>
-                <a:cs typeface="Times New Roman" panose="02020603050405020304" pitchFamily="18" charset="0"/>
-              </a:rPr>
-              <a:t>Page 86</a:t>
-            </a:r>
-          </a:p>
-        </p:txBody>
-      </p:sp>
+      </p:pic>
+      <mc:AlternateContent xmlns:mc="http://schemas.openxmlformats.org/markup-compatibility/2006">
+        <mc:Choice xmlns:a14="http://schemas.microsoft.com/office/drawing/2010/main" Requires="a14">
+          <p:sp>
+            <p:nvSpPr>
+              <p:cNvPr id="13" name="ZoneTexte 12">
+                <a:extLst>
+                  <a:ext uri="{FF2B5EF4-FFF2-40B4-BE49-F238E27FC236}">
+                    <a16:creationId xmlns:a16="http://schemas.microsoft.com/office/drawing/2014/main" id="{1386D3BD-C3F5-B426-7E8C-622F33DE6D52}"/>
+                  </a:ext>
+                </a:extLst>
+              </p:cNvPr>
+              <p:cNvSpPr txBox="1"/>
+              <p:nvPr/>
+            </p:nvSpPr>
+            <p:spPr>
+              <a:xfrm>
+                <a:off x="500929" y="2433872"/>
+                <a:ext cx="11441731" cy="400110"/>
+              </a:xfrm>
+              <a:prstGeom prst="rect">
+                <a:avLst/>
+              </a:prstGeom>
+              <a:noFill/>
+            </p:spPr>
+            <p:txBody>
+              <a:bodyPr wrap="square" rtlCol="0">
+                <a:spAutoFit/>
+              </a:bodyPr>
+              <a:lstStyle/>
+              <a:p>
+                <a:pPr algn="ctr"/>
+                <a14:m>
+                  <m:oMath xmlns:m="http://schemas.openxmlformats.org/officeDocument/2006/math">
+                    <m:r>
+                      <a:rPr lang="fr-FR" sz="2000" b="1" i="1" smtClean="0">
+                        <a:latin typeface="Cambria Math" panose="02040503050406030204" pitchFamily="18" charset="0"/>
+                        <a:cs typeface="Times New Roman" panose="02020603050405020304" pitchFamily="18" charset="0"/>
+                      </a:rPr>
+                      <m:t>𝒅𝒆𝒍</m:t>
+                    </m:r>
+                    <m:r>
+                      <a:rPr lang="fr-FR" sz="2000" b="1" i="1" smtClean="0">
+                        <a:latin typeface="Cambria Math" panose="02040503050406030204" pitchFamily="18" charset="0"/>
+                        <a:cs typeface="Times New Roman" panose="02020603050405020304" pitchFamily="18" charset="0"/>
+                      </a:rPr>
+                      <m:t> </m:t>
+                    </m:r>
+                    <m:r>
+                      <a:rPr lang="fr-FR" sz="2000" b="1" i="1" smtClean="0">
+                        <a:latin typeface="Cambria Math" panose="02040503050406030204" pitchFamily="18" charset="0"/>
+                        <a:cs typeface="Times New Roman" panose="02020603050405020304" pitchFamily="18" charset="0"/>
+                      </a:rPr>
+                      <m:t>𝒏𝒐𝒎</m:t>
+                    </m:r>
+                    <m:r>
+                      <a:rPr lang="fr-FR" sz="2000" b="1" i="1" smtClean="0">
+                        <a:latin typeface="Cambria Math" panose="02040503050406030204" pitchFamily="18" charset="0"/>
+                        <a:cs typeface="Times New Roman" panose="02020603050405020304" pitchFamily="18" charset="0"/>
+                      </a:rPr>
+                      <m:t>_</m:t>
+                    </m:r>
+                    <m:r>
+                      <a:rPr lang="fr-FR" sz="2000" b="1" i="1" smtClean="0">
+                        <a:latin typeface="Cambria Math" panose="02040503050406030204" pitchFamily="18" charset="0"/>
+                        <a:cs typeface="Times New Roman" panose="02020603050405020304" pitchFamily="18" charset="0"/>
+                      </a:rPr>
+                      <m:t>𝒍𝒊𝒔𝒕𝒆</m:t>
+                    </m:r>
+                    <m:r>
+                      <a:rPr lang="fr-FR" sz="2000" b="1" i="1" smtClean="0">
+                        <a:latin typeface="Cambria Math" panose="02040503050406030204" pitchFamily="18" charset="0"/>
+                        <a:cs typeface="Times New Roman" panose="02020603050405020304" pitchFamily="18" charset="0"/>
+                      </a:rPr>
+                      <m:t>[</m:t>
+                    </m:r>
+                    <m:r>
+                      <a:rPr lang="fr-FR" sz="2000" b="1" i="1" smtClean="0">
+                        <a:latin typeface="Cambria Math" panose="02040503050406030204" pitchFamily="18" charset="0"/>
+                        <a:cs typeface="Times New Roman" panose="02020603050405020304" pitchFamily="18" charset="0"/>
+                      </a:rPr>
+                      <m:t>𝒊𝒏𝒅𝒊𝒄𝒆</m:t>
+                    </m:r>
+                    <m:r>
+                      <a:rPr lang="fr-FR" sz="2000" b="1" i="1" smtClean="0">
+                        <a:latin typeface="Cambria Math" panose="02040503050406030204" pitchFamily="18" charset="0"/>
+                        <a:cs typeface="Times New Roman" panose="02020603050405020304" pitchFamily="18" charset="0"/>
+                      </a:rPr>
+                      <m:t>]</m:t>
+                    </m:r>
+                  </m:oMath>
+                </a14:m>
+                <a:r>
+                  <a:rPr lang="fr-FR" sz="2000" b="1" dirty="0">
+                    <a:latin typeface="Times New Roman" panose="02020603050405020304" pitchFamily="18" charset="0"/>
+                    <a:cs typeface="Times New Roman" panose="02020603050405020304" pitchFamily="18" charset="0"/>
+                  </a:rPr>
+                  <a:t> (pour supprimer un élément dans une liste)</a:t>
+                </a:r>
+              </a:p>
+            </p:txBody>
+          </p:sp>
+        </mc:Choice>
+        <mc:Fallback>
+          <p:sp>
+            <p:nvSpPr>
+              <p:cNvPr id="13" name="ZoneTexte 12">
+                <a:extLst>
+                  <a:ext uri="{FF2B5EF4-FFF2-40B4-BE49-F238E27FC236}">
+                    <a16:creationId xmlns:a16="http://schemas.microsoft.com/office/drawing/2014/main" id="{1386D3BD-C3F5-B426-7E8C-622F33DE6D52}"/>
+                  </a:ext>
+                </a:extLst>
+              </p:cNvPr>
+              <p:cNvSpPr txBox="1">
+                <a:spLocks noRot="1" noChangeAspect="1" noMove="1" noResize="1" noEditPoints="1" noAdjustHandles="1" noChangeArrowheads="1" noChangeShapeType="1" noTextEdit="1"/>
+              </p:cNvSpPr>
+              <p:nvPr/>
+            </p:nvSpPr>
+            <p:spPr>
+              <a:xfrm>
+                <a:off x="500929" y="2433872"/>
+                <a:ext cx="11441731" cy="400110"/>
+              </a:xfrm>
+              <a:prstGeom prst="rect">
+                <a:avLst/>
+              </a:prstGeom>
+              <a:blipFill>
+                <a:blip r:embed="rId6"/>
+                <a:stretch>
+                  <a:fillRect t="-7576" b="-25758"/>
+                </a:stretch>
+              </a:blipFill>
+            </p:spPr>
+            <p:txBody>
+              <a:bodyPr/>
+              <a:lstStyle/>
+              <a:p>
+                <a:r>
+                  <a:rPr lang="fr-FR">
+                    <a:noFill/>
+                  </a:rPr>
+                  <a:t> </a:t>
+                </a:r>
+              </a:p>
+            </p:txBody>
+          </p:sp>
+        </mc:Fallback>
+      </mc:AlternateContent>
+      <p:pic>
+        <p:nvPicPr>
+          <p:cNvPr id="15" name="Image 14">
+            <a:extLst>
+              <a:ext uri="{FF2B5EF4-FFF2-40B4-BE49-F238E27FC236}">
+                <a16:creationId xmlns:a16="http://schemas.microsoft.com/office/drawing/2014/main" id="{A6838FB9-917D-4D7F-C97C-46E2D412F0AF}"/>
+              </a:ext>
+            </a:extLst>
+          </p:cNvPr>
+          <p:cNvPicPr>
+            <a:picLocks noChangeAspect="1"/>
+          </p:cNvPicPr>
+          <p:nvPr/>
+        </p:nvPicPr>
+        <p:blipFill>
+          <a:blip r:embed="rId7"/>
+          <a:stretch>
+            <a:fillRect/>
+          </a:stretch>
+        </p:blipFill>
+        <p:spPr>
+          <a:xfrm>
+            <a:off x="5705238" y="2989910"/>
+            <a:ext cx="5142538" cy="2148438"/>
+          </a:xfrm>
+          <a:prstGeom prst="rect">
+            <a:avLst/>
+          </a:prstGeom>
+        </p:spPr>
+      </p:pic>
+      <mc:AlternateContent xmlns:mc="http://schemas.openxmlformats.org/markup-compatibility/2006">
+        <mc:Choice xmlns:a14="http://schemas.microsoft.com/office/drawing/2010/main" Requires="a14">
+          <p:sp>
+            <p:nvSpPr>
+              <p:cNvPr id="16" name="ZoneTexte 15">
+                <a:extLst>
+                  <a:ext uri="{FF2B5EF4-FFF2-40B4-BE49-F238E27FC236}">
+                    <a16:creationId xmlns:a16="http://schemas.microsoft.com/office/drawing/2014/main" id="{C9D056B6-D304-8387-B6CE-76BE299A9E20}"/>
+                  </a:ext>
+                </a:extLst>
+              </p:cNvPr>
+              <p:cNvSpPr txBox="1"/>
+              <p:nvPr/>
+            </p:nvSpPr>
+            <p:spPr>
+              <a:xfrm>
+                <a:off x="397565" y="5366236"/>
+                <a:ext cx="10624456" cy="707886"/>
+              </a:xfrm>
+              <a:prstGeom prst="rect">
+                <a:avLst/>
+              </a:prstGeom>
+              <a:noFill/>
+            </p:spPr>
+            <p:txBody>
+              <a:bodyPr wrap="square" rtlCol="0">
+                <a:spAutoFit/>
+              </a:bodyPr>
+              <a:lstStyle/>
+              <a:p>
+                <a:r>
+                  <a:rPr lang="fr-FR" sz="2000" b="1" dirty="0">
+                    <a:latin typeface="Times New Roman" panose="02020603050405020304" pitchFamily="18" charset="0"/>
+                    <a:cs typeface="Times New Roman" panose="02020603050405020304" pitchFamily="18" charset="0"/>
+                  </a:rPr>
+                  <a:t>Une erreur est générée lorsqu’on essaie de supprimer avec </a:t>
+                </a:r>
+                <a14:m>
+                  <m:oMath xmlns:m="http://schemas.openxmlformats.org/officeDocument/2006/math">
+                    <m:r>
+                      <a:rPr lang="fr-FR" sz="2000" b="1" i="1" dirty="0" smtClean="0">
+                        <a:latin typeface="Cambria Math" panose="02040503050406030204" pitchFamily="18" charset="0"/>
+                        <a:cs typeface="Times New Roman" panose="02020603050405020304" pitchFamily="18" charset="0"/>
+                      </a:rPr>
+                      <m:t>𝒅𝒆𝒍</m:t>
+                    </m:r>
+                  </m:oMath>
+                </a14:m>
+                <a:r>
+                  <a:rPr lang="fr-FR" sz="2000" b="1" dirty="0">
+                    <a:latin typeface="Times New Roman" panose="02020603050405020304" pitchFamily="18" charset="0"/>
+                    <a:cs typeface="Times New Roman" panose="02020603050405020304" pitchFamily="18" charset="0"/>
+                  </a:rPr>
+                  <a:t> une valeur dont l’indice n’existe pas dans la liste.</a:t>
+                </a:r>
+              </a:p>
+            </p:txBody>
+          </p:sp>
+        </mc:Choice>
+        <mc:Fallback>
+          <p:sp>
+            <p:nvSpPr>
+              <p:cNvPr id="16" name="ZoneTexte 15">
+                <a:extLst>
+                  <a:ext uri="{FF2B5EF4-FFF2-40B4-BE49-F238E27FC236}">
+                    <a16:creationId xmlns:a16="http://schemas.microsoft.com/office/drawing/2014/main" id="{C9D056B6-D304-8387-B6CE-76BE299A9E20}"/>
+                  </a:ext>
+                </a:extLst>
+              </p:cNvPr>
+              <p:cNvSpPr txBox="1">
+                <a:spLocks noRot="1" noChangeAspect="1" noMove="1" noResize="1" noEditPoints="1" noAdjustHandles="1" noChangeArrowheads="1" noChangeShapeType="1" noTextEdit="1"/>
+              </p:cNvSpPr>
+              <p:nvPr/>
+            </p:nvSpPr>
+            <p:spPr>
+              <a:xfrm>
+                <a:off x="397565" y="5366236"/>
+                <a:ext cx="10624456" cy="707886"/>
+              </a:xfrm>
+              <a:prstGeom prst="rect">
+                <a:avLst/>
+              </a:prstGeom>
+              <a:blipFill>
+                <a:blip r:embed="rId8"/>
+                <a:stretch>
+                  <a:fillRect l="-574" t="-4310" b="-14655"/>
+                </a:stretch>
+              </a:blipFill>
+            </p:spPr>
+            <p:txBody>
+              <a:bodyPr/>
+              <a:lstStyle/>
+              <a:p>
+                <a:r>
+                  <a:rPr lang="fr-FR">
+                    <a:noFill/>
+                  </a:rPr>
+                  <a:t> </a:t>
+                </a:r>
+              </a:p>
+            </p:txBody>
+          </p:sp>
+        </mc:Fallback>
+      </mc:AlternateContent>
     </p:spTree>
     <p:extLst>
       <p:ext uri="{BB962C8B-B14F-4D97-AF65-F5344CB8AC3E}">
@@ -13371,7 +15932,7 @@
           <a:lstStyle/>
           <a:p>
             <a:r>
-              <a:rPr lang="fr-FR"/>
+              <a:rPr lang="fr-FR" dirty="0"/>
               <a:t>Cours: Python | Auteur: TUO N. Ismaël Maurice 
 </a:t>
             </a:r>
@@ -13422,7 +15983,7 @@
         <p:spPr>
           <a:xfrm>
             <a:off x="397565" y="218526"/>
-            <a:ext cx="3069204" cy="461665"/>
+            <a:ext cx="5414760" cy="461665"/>
           </a:xfrm>
           <a:prstGeom prst="rect">
             <a:avLst/>
@@ -13440,7 +16001,7 @@
                 <a:latin typeface="Times New Roman" panose="02020603050405020304" pitchFamily="18" charset="0"/>
                 <a:cs typeface="Times New Roman" panose="02020603050405020304" pitchFamily="18" charset="0"/>
               </a:rPr>
-              <a:t>Lecture de listes</a:t>
+              <a:t>Suppression d’éléments dans une liste</a:t>
             </a:r>
           </a:p>
         </p:txBody>
@@ -13484,48 +16045,735 @@
           </a:fontRef>
         </p:style>
       </p:cxnSp>
-      <p:sp>
-        <p:nvSpPr>
-          <p:cNvPr id="7" name="ZoneTexte 6">
-            <a:extLst>
-              <a:ext uri="{FF2B5EF4-FFF2-40B4-BE49-F238E27FC236}">
-                <a16:creationId xmlns:a16="http://schemas.microsoft.com/office/drawing/2014/main" id="{B31AF22B-77AC-398F-8B32-17C6B4914236}"/>
-              </a:ext>
-            </a:extLst>
-          </p:cNvPr>
-          <p:cNvSpPr txBox="1"/>
+      <mc:AlternateContent xmlns:mc="http://schemas.openxmlformats.org/markup-compatibility/2006">
+        <mc:Choice xmlns:a14="http://schemas.microsoft.com/office/drawing/2010/main" Requires="a14">
+          <p:sp>
+            <p:nvSpPr>
+              <p:cNvPr id="7" name="ZoneTexte 6">
+                <a:extLst>
+                  <a:ext uri="{FF2B5EF4-FFF2-40B4-BE49-F238E27FC236}">
+                    <a16:creationId xmlns:a16="http://schemas.microsoft.com/office/drawing/2014/main" id="{B31AF22B-77AC-398F-8B32-17C6B4914236}"/>
+                  </a:ext>
+                </a:extLst>
+              </p:cNvPr>
+              <p:cNvSpPr txBox="1"/>
+              <p:nvPr/>
+            </p:nvSpPr>
+            <p:spPr>
+              <a:xfrm>
+                <a:off x="397565" y="668071"/>
+                <a:ext cx="11441731" cy="707886"/>
+              </a:xfrm>
+              <a:prstGeom prst="rect">
+                <a:avLst/>
+              </a:prstGeom>
+              <a:noFill/>
+            </p:spPr>
+            <p:txBody>
+              <a:bodyPr wrap="square" rtlCol="0">
+                <a:spAutoFit/>
+              </a:bodyPr>
+              <a:lstStyle/>
+              <a:p>
+                <a:r>
+                  <a:rPr lang="fr-FR" sz="2000" dirty="0">
+                    <a:latin typeface="Times New Roman" panose="02020603050405020304" pitchFamily="18" charset="0"/>
+                    <a:cs typeface="Times New Roman" panose="02020603050405020304" pitchFamily="18" charset="0"/>
+                  </a:rPr>
+                  <a:t>La méthode </a:t>
+                </a:r>
+                <a14:m>
+                  <m:oMath xmlns:m="http://schemas.openxmlformats.org/officeDocument/2006/math">
+                    <m:r>
+                      <a:rPr lang="fr-FR" sz="2000" b="1" i="1" dirty="0" smtClean="0">
+                        <a:latin typeface="Cambria Math" panose="02040503050406030204" pitchFamily="18" charset="0"/>
+                        <a:cs typeface="Times New Roman" panose="02020603050405020304" pitchFamily="18" charset="0"/>
+                      </a:rPr>
+                      <m:t>𝒓𝒆𝒎𝒐𝒗𝒆</m:t>
+                    </m:r>
+                  </m:oMath>
+                </a14:m>
+                <a:r>
+                  <a:rPr lang="fr-FR" sz="2000" b="1" dirty="0">
+                    <a:latin typeface="Times New Roman" panose="02020603050405020304" pitchFamily="18" charset="0"/>
+                    <a:cs typeface="Times New Roman" panose="02020603050405020304" pitchFamily="18" charset="0"/>
+                  </a:rPr>
+                  <a:t> </a:t>
+                </a:r>
+                <a:r>
+                  <a:rPr lang="fr-FR" sz="2000" dirty="0">
+                    <a:latin typeface="Times New Roman" panose="02020603050405020304" pitchFamily="18" charset="0"/>
+                    <a:cs typeface="Times New Roman" panose="02020603050405020304" pitchFamily="18" charset="0"/>
+                  </a:rPr>
+                  <a:t>contrairement à la méthode </a:t>
+                </a:r>
+                <a14:m>
+                  <m:oMath xmlns:m="http://schemas.openxmlformats.org/officeDocument/2006/math">
+                    <m:r>
+                      <a:rPr lang="fr-FR" sz="2000" b="1" i="1" dirty="0" smtClean="0">
+                        <a:latin typeface="Cambria Math" panose="02040503050406030204" pitchFamily="18" charset="0"/>
+                        <a:cs typeface="Times New Roman" panose="02020603050405020304" pitchFamily="18" charset="0"/>
+                      </a:rPr>
+                      <m:t>𝒅𝒆𝒍</m:t>
+                    </m:r>
+                  </m:oMath>
+                </a14:m>
+                <a:r>
+                  <a:rPr lang="fr-FR" sz="2000" b="1" dirty="0">
+                    <a:latin typeface="Times New Roman" panose="02020603050405020304" pitchFamily="18" charset="0"/>
+                    <a:cs typeface="Times New Roman" panose="02020603050405020304" pitchFamily="18" charset="0"/>
+                  </a:rPr>
+                  <a:t>, </a:t>
+                </a:r>
+                <a:r>
+                  <a:rPr lang="fr-FR" sz="2000" dirty="0">
+                    <a:latin typeface="Times New Roman" panose="02020603050405020304" pitchFamily="18" charset="0"/>
+                    <a:cs typeface="Times New Roman" panose="02020603050405020304" pitchFamily="18" charset="0"/>
+                  </a:rPr>
+                  <a:t>permet de supprimer un élément dans la liste à partir de sa valeur non pas par son indice. La syntaxe pour utiliser </a:t>
+                </a:r>
+                <a14:m>
+                  <m:oMath xmlns:m="http://schemas.openxmlformats.org/officeDocument/2006/math">
+                    <m:r>
+                      <a:rPr lang="fr-FR" sz="2000" b="1" i="1" dirty="0">
+                        <a:latin typeface="Cambria Math" panose="02040503050406030204" pitchFamily="18" charset="0"/>
+                        <a:cs typeface="Times New Roman" panose="02020603050405020304" pitchFamily="18" charset="0"/>
+                      </a:rPr>
+                      <m:t>𝒓𝒆𝒎𝒐𝒗𝒆</m:t>
+                    </m:r>
+                  </m:oMath>
+                </a14:m>
+                <a:r>
+                  <a:rPr lang="fr-FR" sz="2000" b="1" dirty="0">
+                    <a:latin typeface="Times New Roman" panose="02020603050405020304" pitchFamily="18" charset="0"/>
+                    <a:cs typeface="Times New Roman" panose="02020603050405020304" pitchFamily="18" charset="0"/>
+                  </a:rPr>
+                  <a:t> </a:t>
+                </a:r>
+                <a:r>
+                  <a:rPr lang="fr-FR" sz="2000" dirty="0">
+                    <a:latin typeface="Times New Roman" panose="02020603050405020304" pitchFamily="18" charset="0"/>
+                    <a:cs typeface="Times New Roman" panose="02020603050405020304" pitchFamily="18" charset="0"/>
+                  </a:rPr>
+                  <a:t>est:</a:t>
+                </a:r>
+                <a:endParaRPr lang="fr-FR" sz="2000" b="1" dirty="0">
+                  <a:latin typeface="Times New Roman" panose="02020603050405020304" pitchFamily="18" charset="0"/>
+                  <a:cs typeface="Times New Roman" panose="02020603050405020304" pitchFamily="18" charset="0"/>
+                </a:endParaRPr>
+              </a:p>
+            </p:txBody>
+          </p:sp>
+        </mc:Choice>
+        <mc:Fallback>
+          <p:sp>
+            <p:nvSpPr>
+              <p:cNvPr id="7" name="ZoneTexte 6">
+                <a:extLst>
+                  <a:ext uri="{FF2B5EF4-FFF2-40B4-BE49-F238E27FC236}">
+                    <a16:creationId xmlns:a16="http://schemas.microsoft.com/office/drawing/2014/main" id="{B31AF22B-77AC-398F-8B32-17C6B4914236}"/>
+                  </a:ext>
+                </a:extLst>
+              </p:cNvPr>
+              <p:cNvSpPr txBox="1">
+                <a:spLocks noRot="1" noChangeAspect="1" noMove="1" noResize="1" noEditPoints="1" noAdjustHandles="1" noChangeArrowheads="1" noChangeShapeType="1" noTextEdit="1"/>
+              </p:cNvSpPr>
+              <p:nvPr/>
+            </p:nvSpPr>
+            <p:spPr>
+              <a:xfrm>
+                <a:off x="397565" y="668071"/>
+                <a:ext cx="11441731" cy="707886"/>
+              </a:xfrm>
+              <a:prstGeom prst="rect">
+                <a:avLst/>
+              </a:prstGeom>
+              <a:blipFill>
+                <a:blip r:embed="rId2"/>
+                <a:stretch>
+                  <a:fillRect l="-533" t="-5172" b="-14655"/>
+                </a:stretch>
+              </a:blipFill>
+            </p:spPr>
+            <p:txBody>
+              <a:bodyPr/>
+              <a:lstStyle/>
+              <a:p>
+                <a:r>
+                  <a:rPr lang="fr-FR">
+                    <a:noFill/>
+                  </a:rPr>
+                  <a:t> </a:t>
+                </a:r>
+              </a:p>
+            </p:txBody>
+          </p:sp>
+        </mc:Fallback>
+      </mc:AlternateContent>
+      <mc:AlternateContent xmlns:mc="http://schemas.openxmlformats.org/markup-compatibility/2006">
+        <mc:Choice xmlns:a14="http://schemas.microsoft.com/office/drawing/2010/main" Requires="a14">
+          <p:sp>
+            <p:nvSpPr>
+              <p:cNvPr id="8" name="ZoneTexte 7">
+                <a:extLst>
+                  <a:ext uri="{FF2B5EF4-FFF2-40B4-BE49-F238E27FC236}">
+                    <a16:creationId xmlns:a16="http://schemas.microsoft.com/office/drawing/2014/main" id="{28731657-1982-0564-6148-8700366FB9ED}"/>
+                  </a:ext>
+                </a:extLst>
+              </p:cNvPr>
+              <p:cNvSpPr txBox="1"/>
+              <p:nvPr/>
+            </p:nvSpPr>
+            <p:spPr>
+              <a:xfrm>
+                <a:off x="500097" y="1323729"/>
+                <a:ext cx="11441731" cy="400110"/>
+              </a:xfrm>
+              <a:prstGeom prst="rect">
+                <a:avLst/>
+              </a:prstGeom>
+              <a:noFill/>
+            </p:spPr>
+            <p:txBody>
+              <a:bodyPr wrap="square" rtlCol="0">
+                <a:spAutoFit/>
+              </a:bodyPr>
+              <a:lstStyle/>
+              <a:p>
+                <a:pPr algn="ctr"/>
+                <a14:m>
+                  <m:oMath xmlns:m="http://schemas.openxmlformats.org/officeDocument/2006/math">
+                    <m:r>
+                      <a:rPr lang="fr-FR" sz="2000" b="1" i="1" smtClean="0">
+                        <a:latin typeface="Cambria Math" panose="02040503050406030204" pitchFamily="18" charset="0"/>
+                        <a:cs typeface="Times New Roman" panose="02020603050405020304" pitchFamily="18" charset="0"/>
+                      </a:rPr>
+                      <m:t>𝒏𝒐𝒎</m:t>
+                    </m:r>
+                    <m:r>
+                      <a:rPr lang="fr-FR" sz="2000" b="1" i="1" smtClean="0">
+                        <a:latin typeface="Cambria Math" panose="02040503050406030204" pitchFamily="18" charset="0"/>
+                        <a:cs typeface="Times New Roman" panose="02020603050405020304" pitchFamily="18" charset="0"/>
+                      </a:rPr>
+                      <m:t>_</m:t>
+                    </m:r>
+                    <m:r>
+                      <a:rPr lang="fr-FR" sz="2000" b="1" i="1" smtClean="0">
+                        <a:latin typeface="Cambria Math" panose="02040503050406030204" pitchFamily="18" charset="0"/>
+                        <a:cs typeface="Times New Roman" panose="02020603050405020304" pitchFamily="18" charset="0"/>
+                      </a:rPr>
+                      <m:t>𝒅𝒆</m:t>
+                    </m:r>
+                    <m:r>
+                      <a:rPr lang="fr-FR" sz="2000" b="1" i="1" smtClean="0">
+                        <a:latin typeface="Cambria Math" panose="02040503050406030204" pitchFamily="18" charset="0"/>
+                        <a:cs typeface="Times New Roman" panose="02020603050405020304" pitchFamily="18" charset="0"/>
+                      </a:rPr>
+                      <m:t>_</m:t>
+                    </m:r>
+                    <m:r>
+                      <a:rPr lang="fr-FR" sz="2000" b="1" i="1" smtClean="0">
+                        <a:latin typeface="Cambria Math" panose="02040503050406030204" pitchFamily="18" charset="0"/>
+                        <a:cs typeface="Times New Roman" panose="02020603050405020304" pitchFamily="18" charset="0"/>
+                      </a:rPr>
+                      <m:t>𝒍𝒂</m:t>
+                    </m:r>
+                    <m:r>
+                      <a:rPr lang="fr-FR" sz="2000" b="1" i="1" smtClean="0">
+                        <a:latin typeface="Cambria Math" panose="02040503050406030204" pitchFamily="18" charset="0"/>
+                        <a:cs typeface="Times New Roman" panose="02020603050405020304" pitchFamily="18" charset="0"/>
+                      </a:rPr>
+                      <m:t>_</m:t>
+                    </m:r>
+                    <m:r>
+                      <a:rPr lang="fr-FR" sz="2000" b="1" i="1" smtClean="0">
+                        <a:latin typeface="Cambria Math" panose="02040503050406030204" pitchFamily="18" charset="0"/>
+                        <a:cs typeface="Times New Roman" panose="02020603050405020304" pitchFamily="18" charset="0"/>
+                      </a:rPr>
+                      <m:t>𝒍𝒊𝒔𝒕𝒆</m:t>
+                    </m:r>
+                  </m:oMath>
+                </a14:m>
+                <a:r>
+                  <a:rPr lang="fr-FR" sz="2000" b="1" dirty="0">
+                    <a:latin typeface="Times New Roman" panose="02020603050405020304" pitchFamily="18" charset="0"/>
+                    <a:cs typeface="Times New Roman" panose="02020603050405020304" pitchFamily="18" charset="0"/>
+                  </a:rPr>
+                  <a:t>.</a:t>
+                </a:r>
+                <a14:m>
+                  <m:oMath xmlns:m="http://schemas.openxmlformats.org/officeDocument/2006/math">
+                    <m:r>
+                      <a:rPr lang="fr-FR" sz="2000" b="1" i="1" dirty="0" smtClean="0">
+                        <a:latin typeface="Cambria Math" panose="02040503050406030204" pitchFamily="18" charset="0"/>
+                        <a:cs typeface="Times New Roman" panose="02020603050405020304" pitchFamily="18" charset="0"/>
+                      </a:rPr>
+                      <m:t>𝒓𝒆𝒎𝒐𝒗𝒆</m:t>
+                    </m:r>
+                    <m:r>
+                      <a:rPr lang="fr-FR" sz="2000" b="1" i="1" dirty="0" smtClean="0">
+                        <a:latin typeface="Cambria Math" panose="02040503050406030204" pitchFamily="18" charset="0"/>
+                        <a:cs typeface="Times New Roman" panose="02020603050405020304" pitchFamily="18" charset="0"/>
+                      </a:rPr>
+                      <m:t>(</m:t>
+                    </m:r>
+                    <m:r>
+                      <a:rPr lang="fr-FR" sz="2000" b="1" i="1" dirty="0" smtClean="0">
+                        <a:latin typeface="Cambria Math" panose="02040503050406030204" pitchFamily="18" charset="0"/>
+                        <a:cs typeface="Times New Roman" panose="02020603050405020304" pitchFamily="18" charset="0"/>
+                      </a:rPr>
+                      <m:t>𝒗𝒂𝒍𝒆𝒖𝒓</m:t>
+                    </m:r>
+                    <m:r>
+                      <a:rPr lang="fr-FR" sz="2000" b="1" i="1" dirty="0" smtClean="0">
+                        <a:latin typeface="Cambria Math" panose="02040503050406030204" pitchFamily="18" charset="0"/>
+                        <a:cs typeface="Times New Roman" panose="02020603050405020304" pitchFamily="18" charset="0"/>
+                      </a:rPr>
+                      <m:t>_</m:t>
+                    </m:r>
+                    <m:r>
+                      <a:rPr lang="fr-FR" sz="2000" b="1" i="1" dirty="0" smtClean="0">
+                        <a:latin typeface="Cambria Math" panose="02040503050406030204" pitchFamily="18" charset="0"/>
+                        <a:cs typeface="Times New Roman" panose="02020603050405020304" pitchFamily="18" charset="0"/>
+                      </a:rPr>
+                      <m:t>𝒂</m:t>
+                    </m:r>
+                    <m:r>
+                      <a:rPr lang="fr-FR" sz="2000" b="1" i="1" dirty="0" smtClean="0">
+                        <a:latin typeface="Cambria Math" panose="02040503050406030204" pitchFamily="18" charset="0"/>
+                        <a:cs typeface="Times New Roman" panose="02020603050405020304" pitchFamily="18" charset="0"/>
+                      </a:rPr>
+                      <m:t>_</m:t>
+                    </m:r>
+                    <m:r>
+                      <a:rPr lang="fr-FR" sz="2000" b="1" i="1" dirty="0" smtClean="0">
+                        <a:latin typeface="Cambria Math" panose="02040503050406030204" pitchFamily="18" charset="0"/>
+                        <a:cs typeface="Times New Roman" panose="02020603050405020304" pitchFamily="18" charset="0"/>
+                      </a:rPr>
+                      <m:t>𝒔𝒖𝒑𝒑𝒓𝒊𝒎𝒆𝒓</m:t>
+                    </m:r>
+                  </m:oMath>
+                </a14:m>
+                <a:r>
+                  <a:rPr lang="fr-FR" sz="2000" b="1" dirty="0">
+                    <a:latin typeface="Times New Roman" panose="02020603050405020304" pitchFamily="18" charset="0"/>
+                    <a:cs typeface="Times New Roman" panose="02020603050405020304" pitchFamily="18" charset="0"/>
+                  </a:rPr>
+                  <a:t>)</a:t>
+                </a:r>
+              </a:p>
+            </p:txBody>
+          </p:sp>
+        </mc:Choice>
+        <mc:Fallback>
+          <p:sp>
+            <p:nvSpPr>
+              <p:cNvPr id="8" name="ZoneTexte 7">
+                <a:extLst>
+                  <a:ext uri="{FF2B5EF4-FFF2-40B4-BE49-F238E27FC236}">
+                    <a16:creationId xmlns:a16="http://schemas.microsoft.com/office/drawing/2014/main" id="{28731657-1982-0564-6148-8700366FB9ED}"/>
+                  </a:ext>
+                </a:extLst>
+              </p:cNvPr>
+              <p:cNvSpPr txBox="1">
+                <a:spLocks noRot="1" noChangeAspect="1" noMove="1" noResize="1" noEditPoints="1" noAdjustHandles="1" noChangeArrowheads="1" noChangeShapeType="1" noTextEdit="1"/>
+              </p:cNvSpPr>
+              <p:nvPr/>
+            </p:nvSpPr>
+            <p:spPr>
+              <a:xfrm>
+                <a:off x="500097" y="1323729"/>
+                <a:ext cx="11441731" cy="400110"/>
+              </a:xfrm>
+              <a:prstGeom prst="rect">
+                <a:avLst/>
+              </a:prstGeom>
+              <a:blipFill>
+                <a:blip r:embed="rId3"/>
+                <a:stretch>
+                  <a:fillRect t="-7576" b="-25758"/>
+                </a:stretch>
+              </a:blipFill>
+            </p:spPr>
+            <p:txBody>
+              <a:bodyPr/>
+              <a:lstStyle/>
+              <a:p>
+                <a:r>
+                  <a:rPr lang="fr-FR">
+                    <a:noFill/>
+                  </a:rPr>
+                  <a:t> </a:t>
+                </a:r>
+              </a:p>
+            </p:txBody>
+          </p:sp>
+        </mc:Fallback>
+      </mc:AlternateContent>
+      <mc:AlternateContent xmlns:mc="http://schemas.openxmlformats.org/markup-compatibility/2006">
+        <mc:Choice xmlns:a14="http://schemas.microsoft.com/office/drawing/2010/main" Requires="a14">
+          <p:sp>
+            <p:nvSpPr>
+              <p:cNvPr id="16" name="ZoneTexte 15">
+                <a:extLst>
+                  <a:ext uri="{FF2B5EF4-FFF2-40B4-BE49-F238E27FC236}">
+                    <a16:creationId xmlns:a16="http://schemas.microsoft.com/office/drawing/2014/main" id="{C9D056B6-D304-8387-B6CE-76BE299A9E20}"/>
+                  </a:ext>
+                </a:extLst>
+              </p:cNvPr>
+              <p:cNvSpPr txBox="1"/>
+              <p:nvPr/>
+            </p:nvSpPr>
+            <p:spPr>
+              <a:xfrm>
+                <a:off x="500097" y="4398335"/>
+                <a:ext cx="10624456" cy="400110"/>
+              </a:xfrm>
+              <a:prstGeom prst="rect">
+                <a:avLst/>
+              </a:prstGeom>
+              <a:noFill/>
+            </p:spPr>
+            <p:txBody>
+              <a:bodyPr wrap="square" rtlCol="0">
+                <a:spAutoFit/>
+              </a:bodyPr>
+              <a:lstStyle/>
+              <a:p>
+                <a:r>
+                  <a:rPr lang="fr-FR" sz="2000" b="1" dirty="0">
+                    <a:latin typeface="Times New Roman" panose="02020603050405020304" pitchFamily="18" charset="0"/>
+                    <a:cs typeface="Times New Roman" panose="02020603050405020304" pitchFamily="18" charset="0"/>
+                  </a:rPr>
+                  <a:t>La méthode </a:t>
+                </a:r>
+                <a14:m>
+                  <m:oMath xmlns:m="http://schemas.openxmlformats.org/officeDocument/2006/math">
+                    <m:r>
+                      <a:rPr lang="fr-FR" sz="2000" b="1" i="1" smtClean="0">
+                        <a:latin typeface="Cambria Math" panose="02040503050406030204" pitchFamily="18" charset="0"/>
+                        <a:cs typeface="Times New Roman" panose="02020603050405020304" pitchFamily="18" charset="0"/>
+                      </a:rPr>
+                      <m:t>𝒓𝒆𝒎𝒐𝒗𝒆</m:t>
+                    </m:r>
+                  </m:oMath>
+                </a14:m>
+                <a:r>
+                  <a:rPr lang="fr-FR" sz="2000" b="1" dirty="0">
+                    <a:latin typeface="Times New Roman" panose="02020603050405020304" pitchFamily="18" charset="0"/>
+                    <a:cs typeface="Times New Roman" panose="02020603050405020304" pitchFamily="18" charset="0"/>
+                  </a:rPr>
+                  <a:t> ne retire que la première occurrence de la valeur trouvée dans la liste.</a:t>
+                </a:r>
+              </a:p>
+            </p:txBody>
+          </p:sp>
+        </mc:Choice>
+        <mc:Fallback>
+          <p:sp>
+            <p:nvSpPr>
+              <p:cNvPr id="16" name="ZoneTexte 15">
+                <a:extLst>
+                  <a:ext uri="{FF2B5EF4-FFF2-40B4-BE49-F238E27FC236}">
+                    <a16:creationId xmlns:a16="http://schemas.microsoft.com/office/drawing/2014/main" id="{C9D056B6-D304-8387-B6CE-76BE299A9E20}"/>
+                  </a:ext>
+                </a:extLst>
+              </p:cNvPr>
+              <p:cNvSpPr txBox="1">
+                <a:spLocks noRot="1" noChangeAspect="1" noMove="1" noResize="1" noEditPoints="1" noAdjustHandles="1" noChangeArrowheads="1" noChangeShapeType="1" noTextEdit="1"/>
+              </p:cNvSpPr>
+              <p:nvPr/>
+            </p:nvSpPr>
+            <p:spPr>
+              <a:xfrm>
+                <a:off x="500097" y="4398335"/>
+                <a:ext cx="10624456" cy="400110"/>
+              </a:xfrm>
+              <a:prstGeom prst="rect">
+                <a:avLst/>
+              </a:prstGeom>
+              <a:blipFill>
+                <a:blip r:embed="rId4"/>
+                <a:stretch>
+                  <a:fillRect l="-574" t="-9231" b="-27692"/>
+                </a:stretch>
+              </a:blipFill>
+            </p:spPr>
+            <p:txBody>
+              <a:bodyPr/>
+              <a:lstStyle/>
+              <a:p>
+                <a:r>
+                  <a:rPr lang="fr-FR">
+                    <a:noFill/>
+                  </a:rPr>
+                  <a:t> </a:t>
+                </a:r>
+              </a:p>
+            </p:txBody>
+          </p:sp>
+        </mc:Fallback>
+      </mc:AlternateContent>
+      <mc:AlternateContent xmlns:mc="http://schemas.openxmlformats.org/markup-compatibility/2006">
+        <mc:Choice xmlns:a14="http://schemas.microsoft.com/office/drawing/2010/main" Requires="a14">
+          <p:sp>
+            <p:nvSpPr>
+              <p:cNvPr id="9" name="ZoneTexte 8">
+                <a:extLst>
+                  <a:ext uri="{FF2B5EF4-FFF2-40B4-BE49-F238E27FC236}">
+                    <a16:creationId xmlns:a16="http://schemas.microsoft.com/office/drawing/2014/main" id="{042C645D-E09C-C962-FD62-79D0A79985EE}"/>
+                  </a:ext>
+                </a:extLst>
+              </p:cNvPr>
+              <p:cNvSpPr txBox="1"/>
+              <p:nvPr/>
+            </p:nvSpPr>
+            <p:spPr>
+              <a:xfrm>
+                <a:off x="500097" y="4826385"/>
+                <a:ext cx="10624456" cy="707886"/>
+              </a:xfrm>
+              <a:prstGeom prst="rect">
+                <a:avLst/>
+              </a:prstGeom>
+              <a:noFill/>
+            </p:spPr>
+            <p:txBody>
+              <a:bodyPr wrap="square" rtlCol="0">
+                <a:spAutoFit/>
+              </a:bodyPr>
+              <a:lstStyle/>
+              <a:p>
+                <a:r>
+                  <a:rPr lang="fr-FR" sz="2000" b="1" dirty="0">
+                    <a:latin typeface="Times New Roman" panose="02020603050405020304" pitchFamily="18" charset="0"/>
+                    <a:cs typeface="Times New Roman" panose="02020603050405020304" pitchFamily="18" charset="0"/>
+                  </a:rPr>
+                  <a:t>La méthode </a:t>
+                </a:r>
+                <a14:m>
+                  <m:oMath xmlns:m="http://schemas.openxmlformats.org/officeDocument/2006/math">
+                    <m:r>
+                      <a:rPr lang="fr-FR" sz="2000" b="1" i="1" smtClean="0">
+                        <a:latin typeface="Cambria Math" panose="02040503050406030204" pitchFamily="18" charset="0"/>
+                        <a:cs typeface="Times New Roman" panose="02020603050405020304" pitchFamily="18" charset="0"/>
+                      </a:rPr>
+                      <m:t>𝒅𝒆𝒍</m:t>
+                    </m:r>
+                  </m:oMath>
+                </a14:m>
+                <a:r>
+                  <a:rPr lang="fr-FR" sz="2000" b="1" dirty="0">
+                    <a:latin typeface="Times New Roman" panose="02020603050405020304" pitchFamily="18" charset="0"/>
+                    <a:cs typeface="Times New Roman" panose="02020603050405020304" pitchFamily="18" charset="0"/>
+                  </a:rPr>
+                  <a:t> est une méthode globale de Python elle permet de supprimer un élément dans une liste, une variable, un élément dans un dictionnaire….</a:t>
+                </a:r>
+              </a:p>
+            </p:txBody>
+          </p:sp>
+        </mc:Choice>
+        <mc:Fallback>
+          <p:sp>
+            <p:nvSpPr>
+              <p:cNvPr id="9" name="ZoneTexte 8">
+                <a:extLst>
+                  <a:ext uri="{FF2B5EF4-FFF2-40B4-BE49-F238E27FC236}">
+                    <a16:creationId xmlns:a16="http://schemas.microsoft.com/office/drawing/2014/main" id="{042C645D-E09C-C962-FD62-79D0A79985EE}"/>
+                  </a:ext>
+                </a:extLst>
+              </p:cNvPr>
+              <p:cNvSpPr txBox="1">
+                <a:spLocks noRot="1" noChangeAspect="1" noMove="1" noResize="1" noEditPoints="1" noAdjustHandles="1" noChangeArrowheads="1" noChangeShapeType="1" noTextEdit="1"/>
+              </p:cNvSpPr>
+              <p:nvPr/>
+            </p:nvSpPr>
+            <p:spPr>
+              <a:xfrm>
+                <a:off x="500097" y="4826385"/>
+                <a:ext cx="10624456" cy="707886"/>
+              </a:xfrm>
+              <a:prstGeom prst="rect">
+                <a:avLst/>
+              </a:prstGeom>
+              <a:blipFill>
+                <a:blip r:embed="rId5"/>
+                <a:stretch>
+                  <a:fillRect l="-574" t="-5172" b="-14655"/>
+                </a:stretch>
+              </a:blipFill>
+            </p:spPr>
+            <p:txBody>
+              <a:bodyPr/>
+              <a:lstStyle/>
+              <a:p>
+                <a:r>
+                  <a:rPr lang="fr-FR">
+                    <a:noFill/>
+                  </a:rPr>
+                  <a:t> </a:t>
+                </a:r>
+              </a:p>
+            </p:txBody>
+          </p:sp>
+        </mc:Fallback>
+      </mc:AlternateContent>
+      <mc:AlternateContent xmlns:mc="http://schemas.openxmlformats.org/markup-compatibility/2006">
+        <mc:Choice xmlns:a14="http://schemas.microsoft.com/office/drawing/2010/main" Requires="a14">
+          <p:sp>
+            <p:nvSpPr>
+              <p:cNvPr id="11" name="ZoneTexte 10">
+                <a:extLst>
+                  <a:ext uri="{FF2B5EF4-FFF2-40B4-BE49-F238E27FC236}">
+                    <a16:creationId xmlns:a16="http://schemas.microsoft.com/office/drawing/2014/main" id="{2D7C2A00-B2F0-C0ED-B766-C0B945788C7B}"/>
+                  </a:ext>
+                </a:extLst>
+              </p:cNvPr>
+              <p:cNvSpPr txBox="1"/>
+              <p:nvPr/>
+            </p:nvSpPr>
+            <p:spPr>
+              <a:xfrm>
+                <a:off x="500097" y="5522614"/>
+                <a:ext cx="11191806" cy="707886"/>
+              </a:xfrm>
+              <a:prstGeom prst="rect">
+                <a:avLst/>
+              </a:prstGeom>
+              <a:noFill/>
+            </p:spPr>
+            <p:txBody>
+              <a:bodyPr wrap="square" rtlCol="0">
+                <a:spAutoFit/>
+              </a:bodyPr>
+              <a:lstStyle/>
+              <a:p>
+                <a:r>
+                  <a:rPr lang="fr-FR" sz="2000" b="1" dirty="0">
+                    <a:latin typeface="Times New Roman" panose="02020603050405020304" pitchFamily="18" charset="0"/>
+                    <a:cs typeface="Times New Roman" panose="02020603050405020304" pitchFamily="18" charset="0"/>
+                  </a:rPr>
+                  <a:t>La méthode </a:t>
+                </a:r>
+                <a14:m>
+                  <m:oMath xmlns:m="http://schemas.openxmlformats.org/officeDocument/2006/math">
+                    <m:r>
+                      <a:rPr lang="fr-FR" sz="2000" b="1" i="1" smtClean="0">
+                        <a:latin typeface="Cambria Math" panose="02040503050406030204" pitchFamily="18" charset="0"/>
+                        <a:cs typeface="Times New Roman" panose="02020603050405020304" pitchFamily="18" charset="0"/>
+                      </a:rPr>
+                      <m:t>𝒓𝒆𝒎𝒐𝒗𝒆</m:t>
+                    </m:r>
+                  </m:oMath>
+                </a14:m>
+                <a:r>
+                  <a:rPr lang="fr-FR" sz="2000" b="1" dirty="0">
+                    <a:latin typeface="Times New Roman" panose="02020603050405020304" pitchFamily="18" charset="0"/>
+                    <a:cs typeface="Times New Roman" panose="02020603050405020304" pitchFamily="18" charset="0"/>
+                  </a:rPr>
+                  <a:t> est une méthode spécifique aux listes seuls les éléments de type </a:t>
+                </a:r>
+                <a14:m>
+                  <m:oMath xmlns:m="http://schemas.openxmlformats.org/officeDocument/2006/math">
+                    <m:r>
+                      <a:rPr lang="fr-FR" sz="2000" b="1" i="1" smtClean="0">
+                        <a:latin typeface="Cambria Math" panose="02040503050406030204" pitchFamily="18" charset="0"/>
+                        <a:cs typeface="Times New Roman" panose="02020603050405020304" pitchFamily="18" charset="0"/>
+                      </a:rPr>
+                      <m:t>𝒍𝒊𝒔𝒕</m:t>
+                    </m:r>
+                  </m:oMath>
+                </a14:m>
+                <a:r>
+                  <a:rPr lang="fr-FR" sz="2000" b="1" dirty="0">
+                    <a:latin typeface="Times New Roman" panose="02020603050405020304" pitchFamily="18" charset="0"/>
+                    <a:cs typeface="Times New Roman" panose="02020603050405020304" pitchFamily="18" charset="0"/>
+                  </a:rPr>
+                  <a:t> peuvent l’utiliser. Raison pour laquelle avant d’utiliser la méthode on la précède du nom de la liste.</a:t>
+                </a:r>
+              </a:p>
+            </p:txBody>
+          </p:sp>
+        </mc:Choice>
+        <mc:Fallback>
+          <p:sp>
+            <p:nvSpPr>
+              <p:cNvPr id="11" name="ZoneTexte 10">
+                <a:extLst>
+                  <a:ext uri="{FF2B5EF4-FFF2-40B4-BE49-F238E27FC236}">
+                    <a16:creationId xmlns:a16="http://schemas.microsoft.com/office/drawing/2014/main" id="{2D7C2A00-B2F0-C0ED-B766-C0B945788C7B}"/>
+                  </a:ext>
+                </a:extLst>
+              </p:cNvPr>
+              <p:cNvSpPr txBox="1">
+                <a:spLocks noRot="1" noChangeAspect="1" noMove="1" noResize="1" noEditPoints="1" noAdjustHandles="1" noChangeArrowheads="1" noChangeShapeType="1" noTextEdit="1"/>
+              </p:cNvSpPr>
+              <p:nvPr/>
+            </p:nvSpPr>
+            <p:spPr>
+              <a:xfrm>
+                <a:off x="500097" y="5522614"/>
+                <a:ext cx="11191806" cy="707886"/>
+              </a:xfrm>
+              <a:prstGeom prst="rect">
+                <a:avLst/>
+              </a:prstGeom>
+              <a:blipFill>
+                <a:blip r:embed="rId6"/>
+                <a:stretch>
+                  <a:fillRect l="-545" t="-5172" b="-14655"/>
+                </a:stretch>
+              </a:blipFill>
+            </p:spPr>
+            <p:txBody>
+              <a:bodyPr/>
+              <a:lstStyle/>
+              <a:p>
+                <a:r>
+                  <a:rPr lang="fr-FR">
+                    <a:noFill/>
+                  </a:rPr>
+                  <a:t> </a:t>
+                </a:r>
+              </a:p>
+            </p:txBody>
+          </p:sp>
+        </mc:Fallback>
+      </mc:AlternateContent>
+      <p:pic>
+        <p:nvPicPr>
+          <p:cNvPr id="14" name="Image 13">
+            <a:extLst>
+              <a:ext uri="{FF2B5EF4-FFF2-40B4-BE49-F238E27FC236}">
+                <a16:creationId xmlns:a16="http://schemas.microsoft.com/office/drawing/2014/main" id="{C9202565-E9ED-FD65-8665-D1E614BDC4F9}"/>
+              </a:ext>
+            </a:extLst>
+          </p:cNvPr>
+          <p:cNvPicPr>
+            <a:picLocks noChangeAspect="1"/>
+          </p:cNvPicPr>
           <p:nvPr/>
-        </p:nvSpPr>
+        </p:nvPicPr>
+        <p:blipFill>
+          <a:blip r:embed="rId7"/>
+          <a:stretch>
+            <a:fillRect/>
+          </a:stretch>
+        </p:blipFill>
         <p:spPr>
           <a:xfrm>
-            <a:off x="500932" y="941801"/>
-            <a:ext cx="11441731" cy="400110"/>
+            <a:off x="3322623" y="1759994"/>
+            <a:ext cx="5263828" cy="2682353"/>
           </a:xfrm>
           <a:prstGeom prst="rect">
             <a:avLst/>
           </a:prstGeom>
-          <a:noFill/>
         </p:spPr>
-        <p:txBody>
-          <a:bodyPr wrap="square" rtlCol="0">
-            <a:spAutoFit/>
-          </a:bodyPr>
-          <a:lstStyle/>
-          <a:p>
-            <a:r>
-              <a:rPr lang="fr-FR" sz="2000" dirty="0">
-                <a:latin typeface="Times New Roman" panose="02020603050405020304" pitchFamily="18" charset="0"/>
-                <a:cs typeface="Times New Roman" panose="02020603050405020304" pitchFamily="18" charset="0"/>
-              </a:rPr>
-              <a:t>Lecture par indice et avec for page 87</a:t>
-            </a:r>
-          </a:p>
-        </p:txBody>
-      </p:sp>
+      </p:pic>
     </p:spTree>
     <p:extLst>
       <p:ext uri="{BB962C8B-B14F-4D97-AF65-F5344CB8AC3E}">
-        <p14:creationId xmlns:p14="http://schemas.microsoft.com/office/powerpoint/2010/main" val="152848069"/>
+        <p14:creationId xmlns:p14="http://schemas.microsoft.com/office/powerpoint/2010/main" val="718073844"/>
       </p:ext>
     </p:extLst>
   </p:cSld>

--- a/source/Chapitre 9 - Les listes.pptx
+++ b/source/Chapitre 9 - Les listes.pptx
@@ -5,7 +5,7 @@
     <p:sldMasterId id="2147483804" r:id="rId1"/>
   </p:sldMasterIdLst>
   <p:notesMasterIdLst>
-    <p:notesMasterId r:id="rId31"/>
+    <p:notesMasterId r:id="rId33"/>
   </p:notesMasterIdLst>
   <p:sldIdLst>
     <p:sldId id="257" r:id="rId2"/>
@@ -20,23 +20,25 @@
     <p:sldId id="295" r:id="rId11"/>
     <p:sldId id="317" r:id="rId12"/>
     <p:sldId id="298" r:id="rId13"/>
-    <p:sldId id="299" r:id="rId14"/>
-    <p:sldId id="302" r:id="rId15"/>
+    <p:sldId id="318" r:id="rId14"/>
+    <p:sldId id="299" r:id="rId15"/>
     <p:sldId id="300" r:id="rId16"/>
-    <p:sldId id="303" r:id="rId17"/>
-    <p:sldId id="304" r:id="rId18"/>
-    <p:sldId id="316" r:id="rId19"/>
-    <p:sldId id="301" r:id="rId20"/>
-    <p:sldId id="305" r:id="rId21"/>
-    <p:sldId id="293" r:id="rId22"/>
-    <p:sldId id="306" r:id="rId23"/>
-    <p:sldId id="307" r:id="rId24"/>
-    <p:sldId id="309" r:id="rId25"/>
-    <p:sldId id="308" r:id="rId26"/>
-    <p:sldId id="312" r:id="rId27"/>
-    <p:sldId id="310" r:id="rId28"/>
-    <p:sldId id="311" r:id="rId29"/>
-    <p:sldId id="284" r:id="rId30"/>
+    <p:sldId id="319" r:id="rId17"/>
+    <p:sldId id="302" r:id="rId18"/>
+    <p:sldId id="303" r:id="rId19"/>
+    <p:sldId id="304" r:id="rId20"/>
+    <p:sldId id="316" r:id="rId21"/>
+    <p:sldId id="301" r:id="rId22"/>
+    <p:sldId id="305" r:id="rId23"/>
+    <p:sldId id="293" r:id="rId24"/>
+    <p:sldId id="306" r:id="rId25"/>
+    <p:sldId id="307" r:id="rId26"/>
+    <p:sldId id="309" r:id="rId27"/>
+    <p:sldId id="308" r:id="rId28"/>
+    <p:sldId id="312" r:id="rId29"/>
+    <p:sldId id="310" r:id="rId30"/>
+    <p:sldId id="311" r:id="rId31"/>
+    <p:sldId id="284" r:id="rId32"/>
   </p:sldIdLst>
   <p:sldSz cx="12192000" cy="6858000"/>
   <p:notesSz cx="6858000" cy="9144000"/>
@@ -146,7 +148,7 @@
 <file path=ppt/revisionInfo.xml><?xml version="1.0" encoding="utf-8"?>
 <p1510:revInfo xmlns:a="http://schemas.openxmlformats.org/drawingml/2006/main" xmlns:r="http://schemas.openxmlformats.org/officeDocument/2006/relationships" xmlns:p1510="http://schemas.microsoft.com/office/powerpoint/2015/10/main">
   <p1510:revLst>
-    <p1510:client id="{FA439B40-CE70-4594-AB51-0583BED6F80E}" v="2523" dt="2024-06-06T15:00:56.566"/>
+    <p1510:client id="{FA439B40-CE70-4594-AB51-0583BED6F80E}" v="3983" dt="2024-06-23T07:52:53.646"/>
   </p1510:revLst>
 </p1510:revInfo>
 </file>
@@ -156,7 +158,7 @@
   <pc:docChgLst>
     <pc:chgData name="Ismaël Tuo" userId="fca7baf0e513a1e6" providerId="LiveId" clId="{FA439B40-CE70-4594-AB51-0583BED6F80E}"/>
     <pc:docChg chg="undo custSel addSld delSld modSld sldOrd">
-      <pc:chgData name="Ismaël Tuo" userId="fca7baf0e513a1e6" providerId="LiveId" clId="{FA439B40-CE70-4594-AB51-0583BED6F80E}" dt="2024-06-06T15:01:09.291" v="16455" actId="1076"/>
+      <pc:chgData name="Ismaël Tuo" userId="fca7baf0e513a1e6" providerId="LiveId" clId="{FA439B40-CE70-4594-AB51-0583BED6F80E}" dt="2024-06-23T07:53:36.495" v="20128" actId="1076"/>
       <pc:docMkLst>
         <pc:docMk/>
       </pc:docMkLst>
@@ -191,13 +193,13 @@
         </pc:spChg>
       </pc:sldChg>
       <pc:sldChg chg="modSp mod">
-        <pc:chgData name="Ismaël Tuo" userId="fca7baf0e513a1e6" providerId="LiveId" clId="{FA439B40-CE70-4594-AB51-0583BED6F80E}" dt="2024-06-06T14:28:04.378" v="14326" actId="108"/>
+        <pc:chgData name="Ismaël Tuo" userId="fca7baf0e513a1e6" providerId="LiveId" clId="{FA439B40-CE70-4594-AB51-0583BED6F80E}" dt="2024-06-23T07:34:07.433" v="19249" actId="113"/>
         <pc:sldMkLst>
           <pc:docMk/>
           <pc:sldMk cId="1268069196" sldId="285"/>
         </pc:sldMkLst>
         <pc:spChg chg="mod">
-          <ac:chgData name="Ismaël Tuo" userId="fca7baf0e513a1e6" providerId="LiveId" clId="{FA439B40-CE70-4594-AB51-0583BED6F80E}" dt="2024-06-06T14:28:04.378" v="14326" actId="108"/>
+          <ac:chgData name="Ismaël Tuo" userId="fca7baf0e513a1e6" providerId="LiveId" clId="{FA439B40-CE70-4594-AB51-0583BED6F80E}" dt="2024-06-23T07:34:07.433" v="19249" actId="113"/>
           <ac:spMkLst>
             <pc:docMk/>
             <pc:sldMk cId="1268069196" sldId="285"/>
@@ -206,7 +208,7 @@
         </pc:spChg>
       </pc:sldChg>
       <pc:sldChg chg="addSp delSp modSp mod">
-        <pc:chgData name="Ismaël Tuo" userId="fca7baf0e513a1e6" providerId="LiveId" clId="{FA439B40-CE70-4594-AB51-0583BED6F80E}" dt="2024-06-06T13:45:20.176" v="12579" actId="20577"/>
+        <pc:chgData name="Ismaël Tuo" userId="fca7baf0e513a1e6" providerId="LiveId" clId="{FA439B40-CE70-4594-AB51-0583BED6F80E}" dt="2024-06-23T06:05:35.170" v="16461" actId="20577"/>
         <pc:sldMkLst>
           <pc:docMk/>
           <pc:sldMk cId="2639441608" sldId="286"/>
@@ -388,7 +390,7 @@
           </ac:spMkLst>
         </pc:spChg>
         <pc:spChg chg="add mod">
-          <ac:chgData name="Ismaël Tuo" userId="fca7baf0e513a1e6" providerId="LiveId" clId="{FA439B40-CE70-4594-AB51-0583BED6F80E}" dt="2024-05-22T16:53:35.032" v="10136" actId="14100"/>
+          <ac:chgData name="Ismaël Tuo" userId="fca7baf0e513a1e6" providerId="LiveId" clId="{FA439B40-CE70-4594-AB51-0583BED6F80E}" dt="2024-06-23T06:05:35.170" v="16461" actId="20577"/>
           <ac:spMkLst>
             <pc:docMk/>
             <pc:sldMk cId="2639441608" sldId="286"/>
@@ -541,7 +543,7 @@
         </pc:sldMkLst>
       </pc:sldChg>
       <pc:sldChg chg="addSp delSp modSp add mod ord">
-        <pc:chgData name="Ismaël Tuo" userId="fca7baf0e513a1e6" providerId="LiveId" clId="{FA439B40-CE70-4594-AB51-0583BED6F80E}" dt="2024-06-06T13:46:56.063" v="12582" actId="14100"/>
+        <pc:chgData name="Ismaël Tuo" userId="fca7baf0e513a1e6" providerId="LiveId" clId="{FA439B40-CE70-4594-AB51-0583BED6F80E}" dt="2024-06-23T06:07:23.696" v="16472" actId="1076"/>
         <pc:sldMkLst>
           <pc:docMk/>
           <pc:sldMk cId="3982892092" sldId="294"/>
@@ -579,7 +581,7 @@
           </ac:spMkLst>
         </pc:spChg>
         <pc:spChg chg="add mod">
-          <ac:chgData name="Ismaël Tuo" userId="fca7baf0e513a1e6" providerId="LiveId" clId="{FA439B40-CE70-4594-AB51-0583BED6F80E}" dt="2024-05-22T17:24:16.986" v="11147" actId="1076"/>
+          <ac:chgData name="Ismaël Tuo" userId="fca7baf0e513a1e6" providerId="LiveId" clId="{FA439B40-CE70-4594-AB51-0583BED6F80E}" dt="2024-06-23T06:06:32.187" v="16468" actId="1076"/>
           <ac:spMkLst>
             <pc:docMk/>
             <pc:sldMk cId="3982892092" sldId="294"/>
@@ -587,7 +589,7 @@
           </ac:spMkLst>
         </pc:spChg>
         <pc:spChg chg="add mod">
-          <ac:chgData name="Ismaël Tuo" userId="fca7baf0e513a1e6" providerId="LiveId" clId="{FA439B40-CE70-4594-AB51-0583BED6F80E}" dt="2024-05-22T17:26:08.522" v="11260" actId="20577"/>
+          <ac:chgData name="Ismaël Tuo" userId="fca7baf0e513a1e6" providerId="LiveId" clId="{FA439B40-CE70-4594-AB51-0583BED6F80E}" dt="2024-06-23T06:07:23.696" v="16472" actId="1076"/>
           <ac:spMkLst>
             <pc:docMk/>
             <pc:sldMk cId="3982892092" sldId="294"/>
@@ -619,7 +621,7 @@
           </ac:picMkLst>
         </pc:picChg>
         <pc:picChg chg="add mod">
-          <ac:chgData name="Ismaël Tuo" userId="fca7baf0e513a1e6" providerId="LiveId" clId="{FA439B40-CE70-4594-AB51-0583BED6F80E}" dt="2024-06-06T13:46:56.063" v="12582" actId="14100"/>
+          <ac:chgData name="Ismaël Tuo" userId="fca7baf0e513a1e6" providerId="LiveId" clId="{FA439B40-CE70-4594-AB51-0583BED6F80E}" dt="2024-06-23T06:07:21.236" v="16471" actId="14100"/>
           <ac:picMkLst>
             <pc:docMk/>
             <pc:sldMk cId="3982892092" sldId="294"/>
@@ -636,7 +638,7 @@
         </pc:cxnChg>
       </pc:sldChg>
       <pc:sldChg chg="addSp modSp add mod ord">
-        <pc:chgData name="Ismaël Tuo" userId="fca7baf0e513a1e6" providerId="LiveId" clId="{FA439B40-CE70-4594-AB51-0583BED6F80E}" dt="2024-06-06T14:42:21.228" v="15447" actId="20577"/>
+        <pc:chgData name="Ismaël Tuo" userId="fca7baf0e513a1e6" providerId="LiveId" clId="{FA439B40-CE70-4594-AB51-0583BED6F80E}" dt="2024-06-23T06:13:10.151" v="16496" actId="14100"/>
         <pc:sldMkLst>
           <pc:docMk/>
           <pc:sldMk cId="152848069" sldId="295"/>
@@ -666,7 +668,7 @@
           </ac:spMkLst>
         </pc:spChg>
         <pc:spChg chg="add mod">
-          <ac:chgData name="Ismaël Tuo" userId="fca7baf0e513a1e6" providerId="LiveId" clId="{FA439B40-CE70-4594-AB51-0583BED6F80E}" dt="2024-06-06T14:38:00.814" v="14906" actId="1076"/>
+          <ac:chgData name="Ismaël Tuo" userId="fca7baf0e513a1e6" providerId="LiveId" clId="{FA439B40-CE70-4594-AB51-0583BED6F80E}" dt="2024-06-23T06:12:54.491" v="16493" actId="1076"/>
           <ac:spMkLst>
             <pc:docMk/>
             <pc:sldMk cId="152848069" sldId="295"/>
@@ -690,7 +692,7 @@
           </ac:spMkLst>
         </pc:spChg>
         <pc:picChg chg="add mod">
-          <ac:chgData name="Ismaël Tuo" userId="fca7baf0e513a1e6" providerId="LiveId" clId="{FA439B40-CE70-4594-AB51-0583BED6F80E}" dt="2024-06-06T14:37:21.327" v="14898" actId="1076"/>
+          <ac:chgData name="Ismaël Tuo" userId="fca7baf0e513a1e6" providerId="LiveId" clId="{FA439B40-CE70-4594-AB51-0583BED6F80E}" dt="2024-06-23T06:13:10.151" v="16496" actId="14100"/>
           <ac:picMkLst>
             <pc:docMk/>
             <pc:sldMk cId="152848069" sldId="295"/>
@@ -698,7 +700,7 @@
           </ac:picMkLst>
         </pc:picChg>
         <pc:picChg chg="add mod">
-          <ac:chgData name="Ismaël Tuo" userId="fca7baf0e513a1e6" providerId="LiveId" clId="{FA439B40-CE70-4594-AB51-0583BED6F80E}" dt="2024-06-06T14:37:56.673" v="14905" actId="1076"/>
+          <ac:chgData name="Ismaël Tuo" userId="fca7baf0e513a1e6" providerId="LiveId" clId="{FA439B40-CE70-4594-AB51-0583BED6F80E}" dt="2024-06-23T06:13:03.281" v="16495" actId="1076"/>
           <ac:picMkLst>
             <pc:docMk/>
             <pc:sldMk cId="152848069" sldId="295"/>
@@ -783,7 +785,7 @@
         </pc:sldMkLst>
       </pc:sldChg>
       <pc:sldChg chg="addSp delSp modSp add mod">
-        <pc:chgData name="Ismaël Tuo" userId="fca7baf0e513a1e6" providerId="LiveId" clId="{FA439B40-CE70-4594-AB51-0583BED6F80E}" dt="2024-06-06T14:05:21.141" v="13433" actId="113"/>
+        <pc:chgData name="Ismaël Tuo" userId="fca7baf0e513a1e6" providerId="LiveId" clId="{FA439B40-CE70-4594-AB51-0583BED6F80E}" dt="2024-06-23T06:10:52.105" v="16476" actId="14100"/>
         <pc:sldMkLst>
           <pc:docMk/>
           <pc:sldMk cId="3278254478" sldId="297"/>
@@ -837,7 +839,7 @@
           </ac:spMkLst>
         </pc:spChg>
         <pc:picChg chg="add mod">
-          <ac:chgData name="Ismaël Tuo" userId="fca7baf0e513a1e6" providerId="LiveId" clId="{FA439B40-CE70-4594-AB51-0583BED6F80E}" dt="2024-06-06T14:04:31.660" v="13428" actId="1076"/>
+          <ac:chgData name="Ismaël Tuo" userId="fca7baf0e513a1e6" providerId="LiveId" clId="{FA439B40-CE70-4594-AB51-0583BED6F80E}" dt="2024-06-23T06:10:45.385" v="16474" actId="1076"/>
           <ac:picMkLst>
             <pc:docMk/>
             <pc:sldMk cId="3278254478" sldId="297"/>
@@ -853,7 +855,7 @@
           </ac:picMkLst>
         </pc:picChg>
         <pc:picChg chg="add mod">
-          <ac:chgData name="Ismaël Tuo" userId="fca7baf0e513a1e6" providerId="LiveId" clId="{FA439B40-CE70-4594-AB51-0583BED6F80E}" dt="2024-06-06T14:04:35.791" v="13429" actId="1076"/>
+          <ac:chgData name="Ismaël Tuo" userId="fca7baf0e513a1e6" providerId="LiveId" clId="{FA439B40-CE70-4594-AB51-0583BED6F80E}" dt="2024-06-23T06:10:52.105" v="16476" actId="14100"/>
           <ac:picMkLst>
             <pc:docMk/>
             <pc:sldMk cId="3278254478" sldId="297"/>
@@ -861,12 +863,20 @@
           </ac:picMkLst>
         </pc:picChg>
       </pc:sldChg>
-      <pc:sldChg chg="modSp add mod">
-        <pc:chgData name="Ismaël Tuo" userId="fca7baf0e513a1e6" providerId="LiveId" clId="{FA439B40-CE70-4594-AB51-0583BED6F80E}" dt="2024-03-17T13:02:47.595" v="399" actId="20577"/>
+      <pc:sldChg chg="addSp modSp add mod">
+        <pc:chgData name="Ismaël Tuo" userId="fca7baf0e513a1e6" providerId="LiveId" clId="{FA439B40-CE70-4594-AB51-0583BED6F80E}" dt="2024-06-23T06:34:52.092" v="17289" actId="1076"/>
         <pc:sldMkLst>
           <pc:docMk/>
           <pc:sldMk cId="3210814892" sldId="298"/>
         </pc:sldMkLst>
+        <pc:spChg chg="add mod">
+          <ac:chgData name="Ismaël Tuo" userId="fca7baf0e513a1e6" providerId="LiveId" clId="{FA439B40-CE70-4594-AB51-0583BED6F80E}" dt="2024-06-23T06:34:52.092" v="17289" actId="1076"/>
+          <ac:spMkLst>
+            <pc:docMk/>
+            <pc:sldMk cId="3210814892" sldId="298"/>
+            <ac:spMk id="2" creationId="{793CA879-4CF1-525B-CF6B-1C167DF2CAA9}"/>
+          </ac:spMkLst>
+        </pc:spChg>
         <pc:spChg chg="mod">
           <ac:chgData name="Ismaël Tuo" userId="fca7baf0e513a1e6" providerId="LiveId" clId="{FA439B40-CE70-4594-AB51-0583BED6F80E}" dt="2024-03-17T13:02:41.979" v="392" actId="58"/>
           <ac:spMkLst>
@@ -876,13 +886,45 @@
           </ac:spMkLst>
         </pc:spChg>
         <pc:spChg chg="mod">
-          <ac:chgData name="Ismaël Tuo" userId="fca7baf0e513a1e6" providerId="LiveId" clId="{FA439B40-CE70-4594-AB51-0583BED6F80E}" dt="2024-03-17T13:02:47.595" v="399" actId="20577"/>
+          <ac:chgData name="Ismaël Tuo" userId="fca7baf0e513a1e6" providerId="LiveId" clId="{FA439B40-CE70-4594-AB51-0583BED6F80E}" dt="2024-06-23T06:34:49.377" v="17288" actId="1076"/>
           <ac:spMkLst>
             <pc:docMk/>
             <pc:sldMk cId="3210814892" sldId="298"/>
             <ac:spMk id="7" creationId="{B31AF22B-77AC-398F-8B32-17C6B4914236}"/>
           </ac:spMkLst>
         </pc:spChg>
+        <pc:spChg chg="add mod">
+          <ac:chgData name="Ismaël Tuo" userId="fca7baf0e513a1e6" providerId="LiveId" clId="{FA439B40-CE70-4594-AB51-0583BED6F80E}" dt="2024-06-23T06:31:33.566" v="17205" actId="14100"/>
+          <ac:spMkLst>
+            <pc:docMk/>
+            <pc:sldMk cId="3210814892" sldId="298"/>
+            <ac:spMk id="8" creationId="{D48F4945-B9EC-D94F-EEBF-C3D3A1FFEF19}"/>
+          </ac:spMkLst>
+        </pc:spChg>
+        <pc:spChg chg="add mod">
+          <ac:chgData name="Ismaël Tuo" userId="fca7baf0e513a1e6" providerId="LiveId" clId="{FA439B40-CE70-4594-AB51-0583BED6F80E}" dt="2024-06-23T06:31:40.785" v="17207" actId="14100"/>
+          <ac:spMkLst>
+            <pc:docMk/>
+            <pc:sldMk cId="3210814892" sldId="298"/>
+            <ac:spMk id="9" creationId="{ECE358B8-E556-2A56-F975-95DC865AB70C}"/>
+          </ac:spMkLst>
+        </pc:spChg>
+        <pc:spChg chg="add mod">
+          <ac:chgData name="Ismaël Tuo" userId="fca7baf0e513a1e6" providerId="LiveId" clId="{FA439B40-CE70-4594-AB51-0583BED6F80E}" dt="2024-06-23T06:32:17.089" v="17278" actId="1076"/>
+          <ac:spMkLst>
+            <pc:docMk/>
+            <pc:sldMk cId="3210814892" sldId="298"/>
+            <ac:spMk id="12" creationId="{6FD4F71A-43C3-CA2C-192F-8D33511A5BA8}"/>
+          </ac:spMkLst>
+        </pc:spChg>
+        <pc:picChg chg="add mod">
+          <ac:chgData name="Ismaël Tuo" userId="fca7baf0e513a1e6" providerId="LiveId" clId="{FA439B40-CE70-4594-AB51-0583BED6F80E}" dt="2024-06-23T06:29:20.962" v="17144" actId="1076"/>
+          <ac:picMkLst>
+            <pc:docMk/>
+            <pc:sldMk cId="3210814892" sldId="298"/>
+            <ac:picMk id="11" creationId="{90EEB4D1-7809-D128-5EF3-036DF24CD9A2}"/>
+          </ac:picMkLst>
+        </pc:picChg>
       </pc:sldChg>
       <pc:sldChg chg="add del ord">
         <pc:chgData name="Ismaël Tuo" userId="fca7baf0e513a1e6" providerId="LiveId" clId="{FA439B40-CE70-4594-AB51-0583BED6F80E}" dt="2024-03-17T13:01:31.888" v="346" actId="2890"/>
@@ -905,12 +947,20 @@
           <pc:sldMk cId="1172178182" sldId="299"/>
         </pc:sldMkLst>
       </pc:sldChg>
-      <pc:sldChg chg="modSp add mod">
-        <pc:chgData name="Ismaël Tuo" userId="fca7baf0e513a1e6" providerId="LiveId" clId="{FA439B40-CE70-4594-AB51-0583BED6F80E}" dt="2024-03-17T13:05:05.184" v="429" actId="20577"/>
+      <pc:sldChg chg="addSp modSp add mod">
+        <pc:chgData name="Ismaël Tuo" userId="fca7baf0e513a1e6" providerId="LiveId" clId="{FA439B40-CE70-4594-AB51-0583BED6F80E}" dt="2024-06-23T07:18:23.532" v="18736" actId="20577"/>
         <pc:sldMkLst>
           <pc:docMk/>
           <pc:sldMk cId="3194045807" sldId="299"/>
         </pc:sldMkLst>
+        <pc:spChg chg="add mod">
+          <ac:chgData name="Ismaël Tuo" userId="fca7baf0e513a1e6" providerId="LiveId" clId="{FA439B40-CE70-4594-AB51-0583BED6F80E}" dt="2024-06-23T07:17:57.659" v="18733" actId="20577"/>
+          <ac:spMkLst>
+            <pc:docMk/>
+            <pc:sldMk cId="3194045807" sldId="299"/>
+            <ac:spMk id="2" creationId="{125AE19A-3191-8F02-48F8-4E2D7CFDA294}"/>
+          </ac:spMkLst>
+        </pc:spChg>
         <pc:spChg chg="mod">
           <ac:chgData name="Ismaël Tuo" userId="fca7baf0e513a1e6" providerId="LiveId" clId="{FA439B40-CE70-4594-AB51-0583BED6F80E}" dt="2024-03-17T13:05:01.017" v="427" actId="20577"/>
           <ac:spMkLst>
@@ -920,20 +970,60 @@
           </ac:spMkLst>
         </pc:spChg>
         <pc:spChg chg="mod">
-          <ac:chgData name="Ismaël Tuo" userId="fca7baf0e513a1e6" providerId="LiveId" clId="{FA439B40-CE70-4594-AB51-0583BED6F80E}" dt="2024-03-17T13:05:05.184" v="429" actId="20577"/>
+          <ac:chgData name="Ismaël Tuo" userId="fca7baf0e513a1e6" providerId="LiveId" clId="{FA439B40-CE70-4594-AB51-0583BED6F80E}" dt="2024-06-23T06:57:35.533" v="18289" actId="1076"/>
           <ac:spMkLst>
             <pc:docMk/>
             <pc:sldMk cId="3194045807" sldId="299"/>
             <ac:spMk id="7" creationId="{B31AF22B-77AC-398F-8B32-17C6B4914236}"/>
           </ac:spMkLst>
         </pc:spChg>
+        <pc:spChg chg="add mod">
+          <ac:chgData name="Ismaël Tuo" userId="fca7baf0e513a1e6" providerId="LiveId" clId="{FA439B40-CE70-4594-AB51-0583BED6F80E}" dt="2024-06-23T07:18:23.532" v="18736" actId="20577"/>
+          <ac:spMkLst>
+            <pc:docMk/>
+            <pc:sldMk cId="3194045807" sldId="299"/>
+            <ac:spMk id="12" creationId="{B2926172-04A4-4091-542A-D2D64D8901EB}"/>
+          </ac:spMkLst>
+        </pc:spChg>
+        <pc:picChg chg="add mod">
+          <ac:chgData name="Ismaël Tuo" userId="fca7baf0e513a1e6" providerId="LiveId" clId="{FA439B40-CE70-4594-AB51-0583BED6F80E}" dt="2024-06-23T07:16:31.518" v="18722" actId="1076"/>
+          <ac:picMkLst>
+            <pc:docMk/>
+            <pc:sldMk cId="3194045807" sldId="299"/>
+            <ac:picMk id="9" creationId="{CFDC7E58-87C1-15CF-30FE-B098BC1FB822}"/>
+          </ac:picMkLst>
+        </pc:picChg>
+        <pc:picChg chg="add mod">
+          <ac:chgData name="Ismaël Tuo" userId="fca7baf0e513a1e6" providerId="LiveId" clId="{FA439B40-CE70-4594-AB51-0583BED6F80E}" dt="2024-06-23T07:16:38.658" v="18725" actId="1076"/>
+          <ac:picMkLst>
+            <pc:docMk/>
+            <pc:sldMk cId="3194045807" sldId="299"/>
+            <ac:picMk id="11" creationId="{93D6B94B-23FB-FBE4-1E04-6FE5B3120249}"/>
+          </ac:picMkLst>
+        </pc:picChg>
+        <pc:picChg chg="add mod">
+          <ac:chgData name="Ismaël Tuo" userId="fca7baf0e513a1e6" providerId="LiveId" clId="{FA439B40-CE70-4594-AB51-0583BED6F80E}" dt="2024-06-23T07:16:46.211" v="18728" actId="1076"/>
+          <ac:picMkLst>
+            <pc:docMk/>
+            <pc:sldMk cId="3194045807" sldId="299"/>
+            <ac:picMk id="14" creationId="{2A64AF5B-839E-23A9-9297-9E7D7A357663}"/>
+          </ac:picMkLst>
+        </pc:picChg>
       </pc:sldChg>
-      <pc:sldChg chg="modSp add mod">
-        <pc:chgData name="Ismaël Tuo" userId="fca7baf0e513a1e6" providerId="LiveId" clId="{FA439B40-CE70-4594-AB51-0583BED6F80E}" dt="2024-03-17T13:05:34.761" v="455" actId="20577"/>
+      <pc:sldChg chg="addSp modSp add mod ord">
+        <pc:chgData name="Ismaël Tuo" userId="fca7baf0e513a1e6" providerId="LiveId" clId="{FA439B40-CE70-4594-AB51-0583BED6F80E}" dt="2024-06-23T07:33:10.039" v="19217" actId="14100"/>
         <pc:sldMkLst>
           <pc:docMk/>
           <pc:sldMk cId="814239834" sldId="300"/>
         </pc:sldMkLst>
+        <pc:spChg chg="add mod">
+          <ac:chgData name="Ismaël Tuo" userId="fca7baf0e513a1e6" providerId="LiveId" clId="{FA439B40-CE70-4594-AB51-0583BED6F80E}" dt="2024-06-23T07:32:56.578" v="19214" actId="1076"/>
+          <ac:spMkLst>
+            <pc:docMk/>
+            <pc:sldMk cId="814239834" sldId="300"/>
+            <ac:spMk id="2" creationId="{2E2EA51C-74B9-1EC7-D4DF-5B1912068B72}"/>
+          </ac:spMkLst>
+        </pc:spChg>
         <pc:spChg chg="mod">
           <ac:chgData name="Ismaël Tuo" userId="fca7baf0e513a1e6" providerId="LiveId" clId="{FA439B40-CE70-4594-AB51-0583BED6F80E}" dt="2024-03-17T13:05:34.761" v="455" actId="20577"/>
           <ac:spMkLst>
@@ -942,6 +1032,30 @@
             <ac:spMk id="6" creationId="{84F10693-2FE8-EFC8-8DB6-84BFD181D260}"/>
           </ac:spMkLst>
         </pc:spChg>
+        <pc:spChg chg="mod">
+          <ac:chgData name="Ismaël Tuo" userId="fca7baf0e513a1e6" providerId="LiveId" clId="{FA439B40-CE70-4594-AB51-0583BED6F80E}" dt="2024-06-23T07:32:53.818" v="19213" actId="14100"/>
+          <ac:spMkLst>
+            <pc:docMk/>
+            <pc:sldMk cId="814239834" sldId="300"/>
+            <ac:spMk id="7" creationId="{B31AF22B-77AC-398F-8B32-17C6B4914236}"/>
+          </ac:spMkLst>
+        </pc:spChg>
+        <pc:spChg chg="add mod">
+          <ac:chgData name="Ismaël Tuo" userId="fca7baf0e513a1e6" providerId="LiveId" clId="{FA439B40-CE70-4594-AB51-0583BED6F80E}" dt="2024-06-23T07:32:59.697" v="19215" actId="1076"/>
+          <ac:spMkLst>
+            <pc:docMk/>
+            <pc:sldMk cId="814239834" sldId="300"/>
+            <ac:spMk id="8" creationId="{85B91D4A-A37F-E342-C665-D06ACEFEE8FB}"/>
+          </ac:spMkLst>
+        </pc:spChg>
+        <pc:picChg chg="add mod">
+          <ac:chgData name="Ismaël Tuo" userId="fca7baf0e513a1e6" providerId="LiveId" clId="{FA439B40-CE70-4594-AB51-0583BED6F80E}" dt="2024-06-23T07:33:10.039" v="19217" actId="14100"/>
+          <ac:picMkLst>
+            <pc:docMk/>
+            <pc:sldMk cId="814239834" sldId="300"/>
+            <ac:picMk id="10" creationId="{0F80DE41-7C8C-2EFF-3385-EBC736D6FD34}"/>
+          </ac:picMkLst>
+        </pc:picChg>
       </pc:sldChg>
       <pc:sldChg chg="del">
         <pc:chgData name="Ismaël Tuo" userId="fca7baf0e513a1e6" providerId="LiveId" clId="{FA439B40-CE70-4594-AB51-0583BED6F80E}" dt="2024-03-17T12:53:38.478" v="45" actId="47"/>
@@ -980,8 +1094,8 @@
           </ac:spMkLst>
         </pc:spChg>
       </pc:sldChg>
-      <pc:sldChg chg="modSp add mod ord">
-        <pc:chgData name="Ismaël Tuo" userId="fca7baf0e513a1e6" providerId="LiveId" clId="{FA439B40-CE70-4594-AB51-0583BED6F80E}" dt="2024-06-06T14:26:59.691" v="14308"/>
+      <pc:sldChg chg="addSp modSp add mod ord">
+        <pc:chgData name="Ismaël Tuo" userId="fca7baf0e513a1e6" providerId="LiveId" clId="{FA439B40-CE70-4594-AB51-0583BED6F80E}" dt="2024-06-23T07:53:36.495" v="20128" actId="1076"/>
         <pc:sldMkLst>
           <pc:docMk/>
           <pc:sldMk cId="2865238125" sldId="302"/>
@@ -995,13 +1109,37 @@
           </ac:spMkLst>
         </pc:spChg>
         <pc:spChg chg="mod">
-          <ac:chgData name="Ismaël Tuo" userId="fca7baf0e513a1e6" providerId="LiveId" clId="{FA439B40-CE70-4594-AB51-0583BED6F80E}" dt="2024-03-17T13:15:54.119" v="1095" actId="20577"/>
+          <ac:chgData name="Ismaël Tuo" userId="fca7baf0e513a1e6" providerId="LiveId" clId="{FA439B40-CE70-4594-AB51-0583BED6F80E}" dt="2024-06-23T07:52:11.631" v="20079" actId="14100"/>
           <ac:spMkLst>
             <pc:docMk/>
             <pc:sldMk cId="2865238125" sldId="302"/>
             <ac:spMk id="7" creationId="{B31AF22B-77AC-398F-8B32-17C6B4914236}"/>
           </ac:spMkLst>
         </pc:spChg>
+        <pc:spChg chg="add mod">
+          <ac:chgData name="Ismaël Tuo" userId="fca7baf0e513a1e6" providerId="LiveId" clId="{FA439B40-CE70-4594-AB51-0583BED6F80E}" dt="2024-06-23T07:52:53.646" v="20086" actId="20577"/>
+          <ac:spMkLst>
+            <pc:docMk/>
+            <pc:sldMk cId="2865238125" sldId="302"/>
+            <ac:spMk id="9" creationId="{F9EF1A2E-1D25-32D7-2A24-699F6C4B447C}"/>
+          </ac:spMkLst>
+        </pc:spChg>
+        <pc:spChg chg="add mod">
+          <ac:chgData name="Ismaël Tuo" userId="fca7baf0e513a1e6" providerId="LiveId" clId="{FA439B40-CE70-4594-AB51-0583BED6F80E}" dt="2024-06-23T07:53:26.110" v="20127" actId="20577"/>
+          <ac:spMkLst>
+            <pc:docMk/>
+            <pc:sldMk cId="2865238125" sldId="302"/>
+            <ac:spMk id="10" creationId="{E770BF45-2882-2785-DE02-5403712C43EB}"/>
+          </ac:spMkLst>
+        </pc:spChg>
+        <pc:picChg chg="add mod">
+          <ac:chgData name="Ismaël Tuo" userId="fca7baf0e513a1e6" providerId="LiveId" clId="{FA439B40-CE70-4594-AB51-0583BED6F80E}" dt="2024-06-23T07:53:36.495" v="20128" actId="1076"/>
+          <ac:picMkLst>
+            <pc:docMk/>
+            <pc:sldMk cId="2865238125" sldId="302"/>
+            <ac:picMk id="8" creationId="{65CE0B8A-CF39-B254-93A5-ADA10A3B2749}"/>
+          </ac:picMkLst>
+        </pc:picChg>
       </pc:sldChg>
       <pc:sldChg chg="del">
         <pc:chgData name="Ismaël Tuo" userId="fca7baf0e513a1e6" providerId="LiveId" clId="{FA439B40-CE70-4594-AB51-0583BED6F80E}" dt="2024-03-17T12:53:38.478" v="45" actId="47"/>
@@ -1442,13 +1580,13 @@
         </pc:picChg>
       </pc:sldChg>
       <pc:sldChg chg="modSp add mod">
-        <pc:chgData name="Ismaël Tuo" userId="fca7baf0e513a1e6" providerId="LiveId" clId="{FA439B40-CE70-4594-AB51-0583BED6F80E}" dt="2024-06-06T13:45:43.804" v="12580" actId="20577"/>
+        <pc:chgData name="Ismaël Tuo" userId="fca7baf0e513a1e6" providerId="LiveId" clId="{FA439B40-CE70-4594-AB51-0583BED6F80E}" dt="2024-06-23T06:05:50.541" v="16465" actId="20577"/>
         <pc:sldMkLst>
           <pc:docMk/>
           <pc:sldMk cId="1044631931" sldId="313"/>
         </pc:sldMkLst>
         <pc:spChg chg="mod">
-          <ac:chgData name="Ismaël Tuo" userId="fca7baf0e513a1e6" providerId="LiveId" clId="{FA439B40-CE70-4594-AB51-0583BED6F80E}" dt="2024-06-06T13:45:43.804" v="12580" actId="20577"/>
+          <ac:chgData name="Ismaël Tuo" userId="fca7baf0e513a1e6" providerId="LiveId" clId="{FA439B40-CE70-4594-AB51-0583BED6F80E}" dt="2024-06-23T06:05:50.541" v="16465" actId="20577"/>
           <ac:spMkLst>
             <pc:docMk/>
             <pc:sldMk cId="1044631931" sldId="313"/>
@@ -1559,7 +1697,7 @@
         </pc:picChg>
       </pc:sldChg>
       <pc:sldChg chg="addSp delSp modSp add mod">
-        <pc:chgData name="Ismaël Tuo" userId="fca7baf0e513a1e6" providerId="LiveId" clId="{FA439B40-CE70-4594-AB51-0583BED6F80E}" dt="2024-06-06T14:23:01.907" v="14304" actId="1076"/>
+        <pc:chgData name="Ismaël Tuo" userId="fca7baf0e513a1e6" providerId="LiveId" clId="{FA439B40-CE70-4594-AB51-0583BED6F80E}" dt="2024-06-23T06:12:09.753" v="16487" actId="14100"/>
         <pc:sldMkLst>
           <pc:docMk/>
           <pc:sldMk cId="718073844" sldId="315"/>
@@ -1573,7 +1711,7 @@
           </ac:spMkLst>
         </pc:spChg>
         <pc:spChg chg="mod">
-          <ac:chgData name="Ismaël Tuo" userId="fca7baf0e513a1e6" providerId="LiveId" clId="{FA439B40-CE70-4594-AB51-0583BED6F80E}" dt="2024-06-06T14:22:22.119" v="14297" actId="20577"/>
+          <ac:chgData name="Ismaël Tuo" userId="fca7baf0e513a1e6" providerId="LiveId" clId="{FA439B40-CE70-4594-AB51-0583BED6F80E}" dt="2024-06-23T06:11:13.823" v="16481" actId="20577"/>
           <ac:spMkLst>
             <pc:docMk/>
             <pc:sldMk cId="718073844" sldId="315"/>
@@ -1629,7 +1767,7 @@
           </ac:picMkLst>
         </pc:picChg>
         <pc:picChg chg="add mod">
-          <ac:chgData name="Ismaël Tuo" userId="fca7baf0e513a1e6" providerId="LiveId" clId="{FA439B40-CE70-4594-AB51-0583BED6F80E}" dt="2024-06-06T14:23:01.907" v="14304" actId="1076"/>
+          <ac:chgData name="Ismaël Tuo" userId="fca7baf0e513a1e6" providerId="LiveId" clId="{FA439B40-CE70-4594-AB51-0583BED6F80E}" dt="2024-06-23T06:12:09.753" v="16487" actId="14100"/>
           <ac:picMkLst>
             <pc:docMk/>
             <pc:sldMk cId="718073844" sldId="315"/>
@@ -1669,13 +1807,13 @@
         </pc:spChg>
       </pc:sldChg>
       <pc:sldChg chg="addSp delSp modSp add mod">
-        <pc:chgData name="Ismaël Tuo" userId="fca7baf0e513a1e6" providerId="LiveId" clId="{FA439B40-CE70-4594-AB51-0583BED6F80E}" dt="2024-06-06T15:01:09.291" v="16455" actId="1076"/>
+        <pc:chgData name="Ismaël Tuo" userId="fca7baf0e513a1e6" providerId="LiveId" clId="{FA439B40-CE70-4594-AB51-0583BED6F80E}" dt="2024-06-23T06:14:35.962" v="16506" actId="20577"/>
         <pc:sldMkLst>
           <pc:docMk/>
           <pc:sldMk cId="3421814034" sldId="317"/>
         </pc:sldMkLst>
         <pc:spChg chg="mod">
-          <ac:chgData name="Ismaël Tuo" userId="fca7baf0e513a1e6" providerId="LiveId" clId="{FA439B40-CE70-4594-AB51-0583BED6F80E}" dt="2024-06-06T14:51:22.498" v="16010" actId="1076"/>
+          <ac:chgData name="Ismaël Tuo" userId="fca7baf0e513a1e6" providerId="LiveId" clId="{FA439B40-CE70-4594-AB51-0583BED6F80E}" dt="2024-06-23T06:13:58.705" v="16498" actId="1076"/>
           <ac:spMkLst>
             <pc:docMk/>
             <pc:sldMk cId="3421814034" sldId="317"/>
@@ -1683,7 +1821,7 @@
           </ac:spMkLst>
         </pc:spChg>
         <pc:spChg chg="mod">
-          <ac:chgData name="Ismaël Tuo" userId="fca7baf0e513a1e6" providerId="LiveId" clId="{FA439B40-CE70-4594-AB51-0583BED6F80E}" dt="2024-06-06T15:00:56.566" v="16453" actId="20577"/>
+          <ac:chgData name="Ismaël Tuo" userId="fca7baf0e513a1e6" providerId="LiveId" clId="{FA439B40-CE70-4594-AB51-0583BED6F80E}" dt="2024-06-23T06:13:54.334" v="16497" actId="1076"/>
           <ac:spMkLst>
             <pc:docMk/>
             <pc:sldMk cId="3421814034" sldId="317"/>
@@ -1731,7 +1869,7 @@
           </ac:spMkLst>
         </pc:spChg>
         <pc:spChg chg="add mod">
-          <ac:chgData name="Ismaël Tuo" userId="fca7baf0e513a1e6" providerId="LiveId" clId="{FA439B40-CE70-4594-AB51-0583BED6F80E}" dt="2024-06-06T15:01:04.116" v="16454" actId="1076"/>
+          <ac:chgData name="Ismaël Tuo" userId="fca7baf0e513a1e6" providerId="LiveId" clId="{FA439B40-CE70-4594-AB51-0583BED6F80E}" dt="2024-06-23T06:14:35.962" v="16506" actId="20577"/>
           <ac:spMkLst>
             <pc:docMk/>
             <pc:sldMk cId="3421814034" sldId="317"/>
@@ -1755,7 +1893,7 @@
           </ac:picMkLst>
         </pc:picChg>
         <pc:picChg chg="add mod">
-          <ac:chgData name="Ismaël Tuo" userId="fca7baf0e513a1e6" providerId="LiveId" clId="{FA439B40-CE70-4594-AB51-0583BED6F80E}" dt="2024-06-06T14:59:57.800" v="16443" actId="1076"/>
+          <ac:chgData name="Ismaël Tuo" userId="fca7baf0e513a1e6" providerId="LiveId" clId="{FA439B40-CE70-4594-AB51-0583BED6F80E}" dt="2024-06-23T06:14:02.890" v="16499" actId="14100"/>
           <ac:picMkLst>
             <pc:docMk/>
             <pc:sldMk cId="3421814034" sldId="317"/>
@@ -1763,11 +1901,225 @@
           </ac:picMkLst>
         </pc:picChg>
         <pc:picChg chg="add mod">
-          <ac:chgData name="Ismaël Tuo" userId="fca7baf0e513a1e6" providerId="LiveId" clId="{FA439B40-CE70-4594-AB51-0583BED6F80E}" dt="2024-06-06T14:59:59.129" v="16444" actId="1076"/>
+          <ac:chgData name="Ismaël Tuo" userId="fca7baf0e513a1e6" providerId="LiveId" clId="{FA439B40-CE70-4594-AB51-0583BED6F80E}" dt="2024-06-23T06:14:07.384" v="16500" actId="14100"/>
           <ac:picMkLst>
             <pc:docMk/>
             <pc:sldMk cId="3421814034" sldId="317"/>
             <ac:picMk id="17" creationId="{B02DA241-16BB-4691-8FB3-E88AC8C244A3}"/>
+          </ac:picMkLst>
+        </pc:picChg>
+      </pc:sldChg>
+      <pc:sldChg chg="addSp delSp modSp add mod">
+        <pc:chgData name="Ismaël Tuo" userId="fca7baf0e513a1e6" providerId="LiveId" clId="{FA439B40-CE70-4594-AB51-0583BED6F80E}" dt="2024-06-23T06:48:54.413" v="17935" actId="33524"/>
+        <pc:sldMkLst>
+          <pc:docMk/>
+          <pc:sldMk cId="3600390279" sldId="318"/>
+        </pc:sldMkLst>
+        <pc:spChg chg="del">
+          <ac:chgData name="Ismaël Tuo" userId="fca7baf0e513a1e6" providerId="LiveId" clId="{FA439B40-CE70-4594-AB51-0583BED6F80E}" dt="2024-06-23T06:34:41.492" v="17286" actId="478"/>
+          <ac:spMkLst>
+            <pc:docMk/>
+            <pc:sldMk cId="3600390279" sldId="318"/>
+            <ac:spMk id="2" creationId="{793CA879-4CF1-525B-CF6B-1C167DF2CAA9}"/>
+          </ac:spMkLst>
+        </pc:spChg>
+        <pc:spChg chg="mod">
+          <ac:chgData name="Ismaël Tuo" userId="fca7baf0e513a1e6" providerId="LiveId" clId="{FA439B40-CE70-4594-AB51-0583BED6F80E}" dt="2024-06-23T06:47:41.970" v="17933" actId="20577"/>
+          <ac:spMkLst>
+            <pc:docMk/>
+            <pc:sldMk cId="3600390279" sldId="318"/>
+            <ac:spMk id="7" creationId="{B31AF22B-77AC-398F-8B32-17C6B4914236}"/>
+          </ac:spMkLst>
+        </pc:spChg>
+        <pc:spChg chg="del">
+          <ac:chgData name="Ismaël Tuo" userId="fca7baf0e513a1e6" providerId="LiveId" clId="{FA439B40-CE70-4594-AB51-0583BED6F80E}" dt="2024-06-23T06:34:40.211" v="17285" actId="478"/>
+          <ac:spMkLst>
+            <pc:docMk/>
+            <pc:sldMk cId="3600390279" sldId="318"/>
+            <ac:spMk id="8" creationId="{D48F4945-B9EC-D94F-EEBF-C3D3A1FFEF19}"/>
+          </ac:spMkLst>
+        </pc:spChg>
+        <pc:spChg chg="mod">
+          <ac:chgData name="Ismaël Tuo" userId="fca7baf0e513a1e6" providerId="LiveId" clId="{FA439B40-CE70-4594-AB51-0583BED6F80E}" dt="2024-06-23T06:41:39.674" v="17650" actId="1076"/>
+          <ac:spMkLst>
+            <pc:docMk/>
+            <pc:sldMk cId="3600390279" sldId="318"/>
+            <ac:spMk id="9" creationId="{ECE358B8-E556-2A56-F975-95DC865AB70C}"/>
+          </ac:spMkLst>
+        </pc:spChg>
+        <pc:spChg chg="add mod">
+          <ac:chgData name="Ismaël Tuo" userId="fca7baf0e513a1e6" providerId="LiveId" clId="{FA439B40-CE70-4594-AB51-0583BED6F80E}" dt="2024-06-23T06:44:26.019" v="17915" actId="1076"/>
+          <ac:spMkLst>
+            <pc:docMk/>
+            <pc:sldMk cId="3600390279" sldId="318"/>
+            <ac:spMk id="10" creationId="{F7D71576-3616-CC6B-5244-B49F9B2CA299}"/>
+          </ac:spMkLst>
+        </pc:spChg>
+        <pc:spChg chg="del">
+          <ac:chgData name="Ismaël Tuo" userId="fca7baf0e513a1e6" providerId="LiveId" clId="{FA439B40-CE70-4594-AB51-0583BED6F80E}" dt="2024-06-23T06:38:01.621" v="17643" actId="478"/>
+          <ac:spMkLst>
+            <pc:docMk/>
+            <pc:sldMk cId="3600390279" sldId="318"/>
+            <ac:spMk id="12" creationId="{6FD4F71A-43C3-CA2C-192F-8D33511A5BA8}"/>
+          </ac:spMkLst>
+        </pc:spChg>
+        <pc:spChg chg="add mod">
+          <ac:chgData name="Ismaël Tuo" userId="fca7baf0e513a1e6" providerId="LiveId" clId="{FA439B40-CE70-4594-AB51-0583BED6F80E}" dt="2024-06-23T06:48:54.413" v="17935" actId="33524"/>
+          <ac:spMkLst>
+            <pc:docMk/>
+            <pc:sldMk cId="3600390279" sldId="318"/>
+            <ac:spMk id="15" creationId="{C098172D-C366-2670-7543-C5078DA87EF7}"/>
+          </ac:spMkLst>
+        </pc:spChg>
+        <pc:picChg chg="del">
+          <ac:chgData name="Ismaël Tuo" userId="fca7baf0e513a1e6" providerId="LiveId" clId="{FA439B40-CE70-4594-AB51-0583BED6F80E}" dt="2024-06-23T06:37:58.809" v="17642" actId="478"/>
+          <ac:picMkLst>
+            <pc:docMk/>
+            <pc:sldMk cId="3600390279" sldId="318"/>
+            <ac:picMk id="11" creationId="{90EEB4D1-7809-D128-5EF3-036DF24CD9A2}"/>
+          </ac:picMkLst>
+        </pc:picChg>
+        <pc:picChg chg="add mod">
+          <ac:chgData name="Ismaël Tuo" userId="fca7baf0e513a1e6" providerId="LiveId" clId="{FA439B40-CE70-4594-AB51-0583BED6F80E}" dt="2024-06-23T06:41:34.934" v="17649" actId="1076"/>
+          <ac:picMkLst>
+            <pc:docMk/>
+            <pc:sldMk cId="3600390279" sldId="318"/>
+            <ac:picMk id="14" creationId="{C85F7359-9ED6-74D2-E98C-67EB52F06FA2}"/>
+          </ac:picMkLst>
+        </pc:picChg>
+      </pc:sldChg>
+      <pc:sldChg chg="addSp delSp modSp add mod">
+        <pc:chgData name="Ismaël Tuo" userId="fca7baf0e513a1e6" providerId="LiveId" clId="{FA439B40-CE70-4594-AB51-0583BED6F80E}" dt="2024-06-23T07:37:48.351" v="19408" actId="1076"/>
+        <pc:sldMkLst>
+          <pc:docMk/>
+          <pc:sldMk cId="181240145" sldId="319"/>
+        </pc:sldMkLst>
+        <pc:spChg chg="del">
+          <ac:chgData name="Ismaël Tuo" userId="fca7baf0e513a1e6" providerId="LiveId" clId="{FA439B40-CE70-4594-AB51-0583BED6F80E}" dt="2024-06-23T07:34:24.340" v="19252" actId="478"/>
+          <ac:spMkLst>
+            <pc:docMk/>
+            <pc:sldMk cId="181240145" sldId="319"/>
+            <ac:spMk id="2" creationId="{2E2EA51C-74B9-1EC7-D4DF-5B1912068B72}"/>
+          </ac:spMkLst>
+        </pc:spChg>
+        <pc:spChg chg="mod">
+          <ac:chgData name="Ismaël Tuo" userId="fca7baf0e513a1e6" providerId="LiveId" clId="{FA439B40-CE70-4594-AB51-0583BED6F80E}" dt="2024-06-23T07:33:52.295" v="19244" actId="20577"/>
+          <ac:spMkLst>
+            <pc:docMk/>
+            <pc:sldMk cId="181240145" sldId="319"/>
+            <ac:spMk id="6" creationId="{84F10693-2FE8-EFC8-8DB6-84BFD181D260}"/>
+          </ac:spMkLst>
+        </pc:spChg>
+        <pc:spChg chg="del">
+          <ac:chgData name="Ismaël Tuo" userId="fca7baf0e513a1e6" providerId="LiveId" clId="{FA439B40-CE70-4594-AB51-0583BED6F80E}" dt="2024-06-23T07:34:25.822" v="19253" actId="478"/>
+          <ac:spMkLst>
+            <pc:docMk/>
+            <pc:sldMk cId="181240145" sldId="319"/>
+            <ac:spMk id="7" creationId="{B31AF22B-77AC-398F-8B32-17C6B4914236}"/>
+          </ac:spMkLst>
+        </pc:spChg>
+        <pc:spChg chg="del">
+          <ac:chgData name="Ismaël Tuo" userId="fca7baf0e513a1e6" providerId="LiveId" clId="{FA439B40-CE70-4594-AB51-0583BED6F80E}" dt="2024-06-23T07:34:22.731" v="19251" actId="478"/>
+          <ac:spMkLst>
+            <pc:docMk/>
+            <pc:sldMk cId="181240145" sldId="319"/>
+            <ac:spMk id="8" creationId="{85B91D4A-A37F-E342-C665-D06ACEFEE8FB}"/>
+          </ac:spMkLst>
+        </pc:spChg>
+        <pc:spChg chg="add del mod">
+          <ac:chgData name="Ismaël Tuo" userId="fca7baf0e513a1e6" providerId="LiveId" clId="{FA439B40-CE70-4594-AB51-0583BED6F80E}" dt="2024-06-23T07:36:21.574" v="19320" actId="478"/>
+          <ac:spMkLst>
+            <pc:docMk/>
+            <pc:sldMk cId="181240145" sldId="319"/>
+            <ac:spMk id="9" creationId="{FF76EF76-6838-FCF2-0BD5-58BF1C6687C6}"/>
+          </ac:spMkLst>
+        </pc:spChg>
+        <pc:spChg chg="add del mod">
+          <ac:chgData name="Ismaël Tuo" userId="fca7baf0e513a1e6" providerId="LiveId" clId="{FA439B40-CE70-4594-AB51-0583BED6F80E}" dt="2024-06-23T07:36:15.462" v="19318" actId="478"/>
+          <ac:spMkLst>
+            <pc:docMk/>
+            <pc:sldMk cId="181240145" sldId="319"/>
+            <ac:spMk id="11" creationId="{EF0AEBA6-7FA1-3C09-5029-ECDB4EBEADAA}"/>
+          </ac:spMkLst>
+        </pc:spChg>
+        <pc:spChg chg="add mod">
+          <ac:chgData name="Ismaël Tuo" userId="fca7baf0e513a1e6" providerId="LiveId" clId="{FA439B40-CE70-4594-AB51-0583BED6F80E}" dt="2024-06-23T07:36:42.941" v="19330" actId="20577"/>
+          <ac:spMkLst>
+            <pc:docMk/>
+            <pc:sldMk cId="181240145" sldId="319"/>
+            <ac:spMk id="12" creationId="{87EE0FFC-BE2F-35CD-08BC-19FBF34356EE}"/>
+          </ac:spMkLst>
+        </pc:spChg>
+        <pc:spChg chg="add mod">
+          <ac:chgData name="Ismaël Tuo" userId="fca7baf0e513a1e6" providerId="LiveId" clId="{FA439B40-CE70-4594-AB51-0583BED6F80E}" dt="2024-06-23T07:36:36.884" v="19324" actId="1076"/>
+          <ac:spMkLst>
+            <pc:docMk/>
+            <pc:sldMk cId="181240145" sldId="319"/>
+            <ac:spMk id="13" creationId="{550CC47A-591C-0103-FCE5-20238642F845}"/>
+          </ac:spMkLst>
+        </pc:spChg>
+        <pc:spChg chg="add del mod">
+          <ac:chgData name="Ismaël Tuo" userId="fca7baf0e513a1e6" providerId="LiveId" clId="{FA439B40-CE70-4594-AB51-0583BED6F80E}" dt="2024-06-23T07:36:12.479" v="19317" actId="478"/>
+          <ac:spMkLst>
+            <pc:docMk/>
+            <pc:sldMk cId="181240145" sldId="319"/>
+            <ac:spMk id="14" creationId="{EC38F649-7BF4-E834-180F-54931BC30F29}"/>
+          </ac:spMkLst>
+        </pc:spChg>
+        <pc:spChg chg="add mod">
+          <ac:chgData name="Ismaël Tuo" userId="fca7baf0e513a1e6" providerId="LiveId" clId="{FA439B40-CE70-4594-AB51-0583BED6F80E}" dt="2024-06-23T07:35:54.878" v="19310" actId="1076"/>
+          <ac:spMkLst>
+            <pc:docMk/>
+            <pc:sldMk cId="181240145" sldId="319"/>
+            <ac:spMk id="15" creationId="{E8B19608-4BCA-8D17-9957-BF3693EA707C}"/>
+          </ac:spMkLst>
+        </pc:spChg>
+        <pc:spChg chg="add mod">
+          <ac:chgData name="Ismaël Tuo" userId="fca7baf0e513a1e6" providerId="LiveId" clId="{FA439B40-CE70-4594-AB51-0583BED6F80E}" dt="2024-06-23T07:35:54.878" v="19310" actId="1076"/>
+          <ac:spMkLst>
+            <pc:docMk/>
+            <pc:sldMk cId="181240145" sldId="319"/>
+            <ac:spMk id="16" creationId="{A7D9AC37-902D-B2F9-DBD1-3B7629224B55}"/>
+          </ac:spMkLst>
+        </pc:spChg>
+        <pc:spChg chg="add mod">
+          <ac:chgData name="Ismaël Tuo" userId="fca7baf0e513a1e6" providerId="LiveId" clId="{FA439B40-CE70-4594-AB51-0583BED6F80E}" dt="2024-06-23T07:35:54.878" v="19310" actId="1076"/>
+          <ac:spMkLst>
+            <pc:docMk/>
+            <pc:sldMk cId="181240145" sldId="319"/>
+            <ac:spMk id="17" creationId="{4E8E49D4-73A5-8550-1015-ECE4658E1D30}"/>
+          </ac:spMkLst>
+        </pc:spChg>
+        <pc:spChg chg="add mod">
+          <ac:chgData name="Ismaël Tuo" userId="fca7baf0e513a1e6" providerId="LiveId" clId="{FA439B40-CE70-4594-AB51-0583BED6F80E}" dt="2024-06-23T07:36:30.096" v="19322" actId="1076"/>
+          <ac:spMkLst>
+            <pc:docMk/>
+            <pc:sldMk cId="181240145" sldId="319"/>
+            <ac:spMk id="18" creationId="{DBDE3CC0-A619-C9E1-1B15-1A4562794A97}"/>
+          </ac:spMkLst>
+        </pc:spChg>
+        <pc:spChg chg="add mod">
+          <ac:chgData name="Ismaël Tuo" userId="fca7baf0e513a1e6" providerId="LiveId" clId="{FA439B40-CE70-4594-AB51-0583BED6F80E}" dt="2024-06-23T07:37:41.230" v="19407" actId="20577"/>
+          <ac:spMkLst>
+            <pc:docMk/>
+            <pc:sldMk cId="181240145" sldId="319"/>
+            <ac:spMk id="19" creationId="{CCFED438-B015-8135-FFDD-E52A4405CA2D}"/>
+          </ac:spMkLst>
+        </pc:spChg>
+        <pc:spChg chg="add mod">
+          <ac:chgData name="Ismaël Tuo" userId="fca7baf0e513a1e6" providerId="LiveId" clId="{FA439B40-CE70-4594-AB51-0583BED6F80E}" dt="2024-06-23T07:37:48.351" v="19408" actId="1076"/>
+          <ac:spMkLst>
+            <pc:docMk/>
+            <pc:sldMk cId="181240145" sldId="319"/>
+            <ac:spMk id="20" creationId="{652DA9E9-8B94-3DA4-490F-C50A844FA9CF}"/>
+          </ac:spMkLst>
+        </pc:spChg>
+        <pc:picChg chg="del">
+          <ac:chgData name="Ismaël Tuo" userId="fca7baf0e513a1e6" providerId="LiveId" clId="{FA439B40-CE70-4594-AB51-0583BED6F80E}" dt="2024-06-23T07:34:20.945" v="19250" actId="478"/>
+          <ac:picMkLst>
+            <pc:docMk/>
+            <pc:sldMk cId="181240145" sldId="319"/>
+            <ac:picMk id="10" creationId="{0F80DE41-7C8C-2EFF-3385-EBC736D6FD34}"/>
           </ac:picMkLst>
         </pc:picChg>
       </pc:sldChg>
@@ -1858,7 +2210,7 @@
           <a:p>
             <a:fld id="{5D1B8971-FAD5-A544-A565-5C81831E2E08}" type="datetimeFigureOut">
               <a:rPr lang="fr-FR" smtClean="0"/>
-              <a:t>06/06/2024</a:t>
+              <a:t>23/06/2024</a:t>
             </a:fld>
             <a:endParaRPr lang="fr-FR"/>
           </a:p>
@@ -2288,7 +2640,7 @@
           <a:p>
             <a:fld id="{446AF453-C717-E044-9B61-C449088DBB9F}" type="datetime1">
               <a:rPr lang="fr-FR" smtClean="0"/>
-              <a:t>06/06/2024</a:t>
+              <a:t>23/06/2024</a:t>
             </a:fld>
             <a:endParaRPr lang="fr-FR"/>
           </a:p>
@@ -2462,7 +2814,7 @@
           <a:p>
             <a:fld id="{0AD74B8B-4B66-A54B-A7E1-EB9F6C09CE67}" type="datetime1">
               <a:rPr lang="fr-FR" smtClean="0"/>
-              <a:t>06/06/2024</a:t>
+              <a:t>23/06/2024</a:t>
             </a:fld>
             <a:endParaRPr lang="fr-FR"/>
           </a:p>
@@ -2646,7 +2998,7 @@
           <a:p>
             <a:fld id="{9584F9F2-42A0-CD42-8013-986AEAF97421}" type="datetime1">
               <a:rPr lang="fr-FR" smtClean="0"/>
-              <a:t>06/06/2024</a:t>
+              <a:t>23/06/2024</a:t>
             </a:fld>
             <a:endParaRPr lang="fr-FR"/>
           </a:p>
@@ -2820,7 +3172,7 @@
           <a:p>
             <a:fld id="{DAB9BD9F-3179-BB4C-96AB-C40862581685}" type="datetime1">
               <a:rPr lang="fr-FR" smtClean="0"/>
-              <a:t>06/06/2024</a:t>
+              <a:t>23/06/2024</a:t>
             </a:fld>
             <a:endParaRPr lang="fr-FR"/>
           </a:p>
@@ -3092,7 +3444,7 @@
           <a:p>
             <a:fld id="{A664DE96-64FF-BC43-8A9C-18ED43A528D6}" type="datetime1">
               <a:rPr lang="fr-FR" smtClean="0"/>
-              <a:t>06/06/2024</a:t>
+              <a:t>23/06/2024</a:t>
             </a:fld>
             <a:endParaRPr lang="fr-FR"/>
           </a:p>
@@ -3328,7 +3680,7 @@
           <a:p>
             <a:fld id="{2C8FE800-9F9B-1C4F-A1CD-9EF46842C4CA}" type="datetime1">
               <a:rPr lang="fr-FR" smtClean="0"/>
-              <a:t>06/06/2024</a:t>
+              <a:t>23/06/2024</a:t>
             </a:fld>
             <a:endParaRPr lang="fr-FR"/>
           </a:p>
@@ -3691,7 +4043,7 @@
           <a:p>
             <a:fld id="{0F7DED4E-8CB4-EF40-A349-EFC02EC7784E}" type="datetime1">
               <a:rPr lang="fr-FR" smtClean="0"/>
-              <a:t>06/06/2024</a:t>
+              <a:t>23/06/2024</a:t>
             </a:fld>
             <a:endParaRPr lang="fr-FR"/>
           </a:p>
@@ -3836,7 +4188,7 @@
           <a:p>
             <a:fld id="{5BB88D77-E8A2-E24F-81D2-817E60779F3E}" type="datetime1">
               <a:rPr lang="fr-FR" smtClean="0"/>
-              <a:t>06/06/2024</a:t>
+              <a:t>23/06/2024</a:t>
             </a:fld>
             <a:endParaRPr lang="fr-FR"/>
           </a:p>
@@ -3935,7 +4287,7 @@
           <a:p>
             <a:fld id="{817F964E-5B57-884A-A1B8-925BFA5276AF}" type="datetime1">
               <a:rPr lang="fr-FR" smtClean="0"/>
-              <a:t>06/06/2024</a:t>
+              <a:t>23/06/2024</a:t>
             </a:fld>
             <a:endParaRPr lang="fr-FR"/>
           </a:p>
@@ -4296,7 +4648,7 @@
           <a:p>
             <a:fld id="{D5636CD0-A2E6-1543-A0E5-C829C16FEE55}" type="datetime1">
               <a:rPr lang="fr-FR" smtClean="0"/>
-              <a:t>06/06/2024</a:t>
+              <a:t>23/06/2024</a:t>
             </a:fld>
             <a:endParaRPr lang="fr-FR"/>
           </a:p>
@@ -4657,7 +5009,7 @@
           <a:p>
             <a:fld id="{CEE5CE4A-5B1A-1846-BA66-722BDB7A9525}" type="datetime1">
               <a:rPr lang="fr-FR" smtClean="0"/>
-              <a:t>06/06/2024</a:t>
+              <a:t>23/06/2024</a:t>
             </a:fld>
             <a:endParaRPr lang="fr-FR"/>
           </a:p>
@@ -4904,7 +5256,7 @@
           <a:p>
             <a:fld id="{55A13D9C-CA6E-9C45-8634-4423EBFFD553}" type="datetime1">
               <a:rPr lang="fr-FR" smtClean="0"/>
-              <a:t>06/06/2024</a:t>
+              <a:t>23/06/2024</a:t>
             </a:fld>
             <a:endParaRPr lang="fr-FR"/>
           </a:p>
@@ -5864,8 +6216,8 @@
           </a:fontRef>
         </p:style>
       </p:cxnSp>
-      <mc:AlternateContent xmlns:mc="http://schemas.openxmlformats.org/markup-compatibility/2006">
-        <mc:Choice xmlns:a14="http://schemas.microsoft.com/office/drawing/2010/main" Requires="a14">
+      <mc:AlternateContent xmlns:mc="http://schemas.openxmlformats.org/markup-compatibility/2006" xmlns:a14="http://schemas.microsoft.com/office/drawing/2010/main">
+        <mc:Choice Requires="a14">
           <p:sp>
             <p:nvSpPr>
               <p:cNvPr id="7" name="ZoneTexte 6">
@@ -5948,7 +6300,7 @@
             </p:txBody>
           </p:sp>
         </mc:Choice>
-        <mc:Fallback>
+        <mc:Fallback xmlns="">
           <p:sp>
             <p:nvSpPr>
               <p:cNvPr id="7" name="ZoneTexte 6">
@@ -6053,8 +6405,8 @@
         </p:blipFill>
         <p:spPr>
           <a:xfrm>
-            <a:off x="500931" y="2222005"/>
-            <a:ext cx="4912335" cy="2232880"/>
+            <a:off x="500931" y="2149399"/>
+            <a:ext cx="5195419" cy="2421391"/>
           </a:xfrm>
           <a:prstGeom prst="rect">
             <a:avLst/>
@@ -6075,7 +6427,7 @@
         </p:nvSpPr>
         <p:spPr>
           <a:xfrm>
-            <a:off x="5758422" y="2588370"/>
+            <a:off x="5769591" y="2903307"/>
             <a:ext cx="1602687" cy="860082"/>
           </a:xfrm>
           <a:prstGeom prst="rightArrow">
@@ -6132,16 +6484,16 @@
         </p:blipFill>
         <p:spPr>
           <a:xfrm>
-            <a:off x="7706266" y="2183105"/>
-            <a:ext cx="4236396" cy="2271780"/>
+            <a:off x="7435865" y="2076206"/>
+            <a:ext cx="4402348" cy="2565073"/>
           </a:xfrm>
           <a:prstGeom prst="rect">
             <a:avLst/>
           </a:prstGeom>
         </p:spPr>
       </p:pic>
-      <mc:AlternateContent xmlns:mc="http://schemas.openxmlformats.org/markup-compatibility/2006">
-        <mc:Choice xmlns:a14="http://schemas.microsoft.com/office/drawing/2010/main" Requires="a14">
+      <mc:AlternateContent xmlns:mc="http://schemas.openxmlformats.org/markup-compatibility/2006" xmlns:a14="http://schemas.microsoft.com/office/drawing/2010/main">
+        <mc:Choice Requires="a14">
           <p:sp>
             <p:nvSpPr>
               <p:cNvPr id="13" name="ZoneTexte 12">
@@ -6217,7 +6569,7 @@
             </p:txBody>
           </p:sp>
         </mc:Choice>
-        <mc:Fallback>
+        <mc:Fallback xmlns="">
           <p:sp>
             <p:nvSpPr>
               <p:cNvPr id="13" name="ZoneTexte 12">
@@ -6481,7 +6833,7 @@
             </p:nvSpPr>
             <p:spPr>
               <a:xfrm>
-                <a:off x="463225" y="853094"/>
+                <a:off x="454167" y="802349"/>
                 <a:ext cx="11441731" cy="1015663"/>
               </a:xfrm>
               <a:prstGeom prst="rect">
@@ -6616,7 +6968,7 @@
             </p:nvSpPr>
             <p:spPr>
               <a:xfrm>
-                <a:off x="463225" y="853094"/>
+                <a:off x="454167" y="802349"/>
                 <a:ext cx="11441731" cy="1015663"/>
               </a:xfrm>
               <a:prstGeom prst="rect">
@@ -6625,7 +6977,7 @@
               <a:blipFill>
                 <a:blip r:embed="rId2"/>
                 <a:stretch>
-                  <a:fillRect l="-586" t="-3593" r="-479" b="-9581"/>
+                  <a:fillRect l="-586" t="-3614" r="-533" b="-10241"/>
                 </a:stretch>
               </a:blipFill>
             </p:spPr>
@@ -6658,7 +7010,7 @@
         </p:nvSpPr>
         <p:spPr>
           <a:xfrm>
-            <a:off x="477549" y="1818013"/>
+            <a:off x="454166" y="1775298"/>
             <a:ext cx="11441731" cy="400110"/>
           </a:xfrm>
           <a:prstGeom prst="rect">
@@ -6682,8 +7034,8 @@
           </a:p>
         </p:txBody>
       </p:sp>
-      <mc:AlternateContent xmlns:mc="http://schemas.openxmlformats.org/markup-compatibility/2006">
-        <mc:Choice xmlns:a14="http://schemas.microsoft.com/office/drawing/2010/main" Requires="a14">
+      <mc:AlternateContent xmlns:mc="http://schemas.openxmlformats.org/markup-compatibility/2006" xmlns:a14="http://schemas.microsoft.com/office/drawing/2010/main">
+        <mc:Choice Requires="a14">
           <p:sp>
             <p:nvSpPr>
               <p:cNvPr id="8" name="ZoneTexte 7">
@@ -6712,6 +7064,7 @@
               </a:bodyPr>
               <a:lstStyle/>
               <a:p>
+                <a:pPr/>
                 <a14:m>
                   <m:oMathPara xmlns:m="http://schemas.openxmlformats.org/officeDocument/2006/math">
                     <m:oMathParaPr>
@@ -6792,7 +7145,7 @@
             </p:txBody>
           </p:sp>
         </mc:Choice>
-        <mc:Fallback>
+        <mc:Fallback xmlns="">
           <p:sp>
             <p:nvSpPr>
               <p:cNvPr id="8" name="ZoneTexte 7">
@@ -6860,7 +7213,7 @@
         <p:spPr>
           <a:xfrm>
             <a:off x="500931" y="2609222"/>
-            <a:ext cx="4281663" cy="2184522"/>
+            <a:ext cx="4652174" cy="2373558"/>
           </a:xfrm>
           <a:prstGeom prst="rect">
             <a:avLst/>
@@ -6889,16 +7242,16 @@
         </p:blipFill>
         <p:spPr>
           <a:xfrm>
-            <a:off x="6221796" y="2643909"/>
-            <a:ext cx="5348740" cy="2184521"/>
+            <a:off x="5758944" y="2643909"/>
+            <a:ext cx="5811592" cy="2373558"/>
           </a:xfrm>
           <a:prstGeom prst="rect">
             <a:avLst/>
           </a:prstGeom>
         </p:spPr>
       </p:pic>
-      <mc:AlternateContent xmlns:mc="http://schemas.openxmlformats.org/markup-compatibility/2006">
-        <mc:Choice xmlns:a14="http://schemas.microsoft.com/office/drawing/2010/main" Requires="a14">
+      <mc:AlternateContent xmlns:mc="http://schemas.openxmlformats.org/markup-compatibility/2006" xmlns:a14="http://schemas.microsoft.com/office/drawing/2010/main">
+        <mc:Choice Requires="a14">
           <p:sp>
             <p:nvSpPr>
               <p:cNvPr id="18" name="ZoneTexte 17">
@@ -6974,7 +7327,7 @@
             </p:txBody>
           </p:sp>
         </mc:Choice>
-        <mc:Fallback>
+        <mc:Fallback xmlns="">
           <p:sp>
             <p:nvSpPr>
               <p:cNvPr id="18" name="ZoneTexte 17">
@@ -7052,7 +7405,7 @@
                 <a:latin typeface="Times New Roman" panose="02020603050405020304" pitchFamily="18" charset="0"/>
                 <a:cs typeface="Times New Roman" panose="02020603050405020304" pitchFamily="18" charset="0"/>
               </a:rPr>
-              <a:t>Ce fonctionnement implicite de for sera utilisé aussi dans les autres types d’objets complexes comme les dictionnaires ou tuples.</a:t>
+              <a:t>Ce fonctionnement implicite de for sera aussi utilisé dans les autres types d’objets complexes comme les dictionnaires ou tuples.</a:t>
             </a:r>
           </a:p>
         </p:txBody>
@@ -7233,12 +7586,263 @@
           </a:fontRef>
         </p:style>
       </p:cxnSp>
-      <p:sp>
-        <p:nvSpPr>
-          <p:cNvPr id="7" name="ZoneTexte 6">
-            <a:extLst>
-              <a:ext uri="{FF2B5EF4-FFF2-40B4-BE49-F238E27FC236}">
-                <a16:creationId xmlns:a16="http://schemas.microsoft.com/office/drawing/2014/main" id="{B31AF22B-77AC-398F-8B32-17C6B4914236}"/>
+      <mc:AlternateContent xmlns:mc="http://schemas.openxmlformats.org/markup-compatibility/2006">
+        <mc:Choice xmlns:a14="http://schemas.microsoft.com/office/drawing/2010/main" Requires="a14">
+          <p:sp>
+            <p:nvSpPr>
+              <p:cNvPr id="7" name="ZoneTexte 6">
+                <a:extLst>
+                  <a:ext uri="{FF2B5EF4-FFF2-40B4-BE49-F238E27FC236}">
+                    <a16:creationId xmlns:a16="http://schemas.microsoft.com/office/drawing/2014/main" id="{B31AF22B-77AC-398F-8B32-17C6B4914236}"/>
+                  </a:ext>
+                </a:extLst>
+              </p:cNvPr>
+              <p:cNvSpPr txBox="1"/>
+              <p:nvPr/>
+            </p:nvSpPr>
+            <p:spPr>
+              <a:xfrm>
+                <a:off x="397565" y="871450"/>
+                <a:ext cx="11441731" cy="707886"/>
+              </a:xfrm>
+              <a:prstGeom prst="rect">
+                <a:avLst/>
+              </a:prstGeom>
+              <a:noFill/>
+            </p:spPr>
+            <p:txBody>
+              <a:bodyPr wrap="square" rtlCol="0">
+                <a:spAutoFit/>
+              </a:bodyPr>
+              <a:lstStyle/>
+              <a:p>
+                <a:r>
+                  <a:rPr lang="fr-FR" sz="2000" dirty="0">
+                    <a:latin typeface="Times New Roman" panose="02020603050405020304" pitchFamily="18" charset="0"/>
+                    <a:cs typeface="Times New Roman" panose="02020603050405020304" pitchFamily="18" charset="0"/>
+                  </a:rPr>
+                  <a:t>La boucle </a:t>
+                </a:r>
+                <a14:m>
+                  <m:oMath xmlns:m="http://schemas.openxmlformats.org/officeDocument/2006/math">
+                    <m:r>
+                      <a:rPr lang="fr-FR" sz="2000" b="0" i="1" smtClean="0">
+                        <a:latin typeface="Cambria Math" panose="02040503050406030204" pitchFamily="18" charset="0"/>
+                        <a:cs typeface="Times New Roman" panose="02020603050405020304" pitchFamily="18" charset="0"/>
+                      </a:rPr>
+                      <m:t>𝑓𝑜𝑟</m:t>
+                    </m:r>
+                  </m:oMath>
+                </a14:m>
+                <a:r>
+                  <a:rPr lang="fr-FR" sz="2000" dirty="0">
+                    <a:latin typeface="Times New Roman" panose="02020603050405020304" pitchFamily="18" charset="0"/>
+                    <a:cs typeface="Times New Roman" panose="02020603050405020304" pitchFamily="18" charset="0"/>
+                  </a:rPr>
+                  <a:t> permet de parcourir une liste en capturant les éléments dans une variable sans qu’on sache où ils sont dans la liste. </a:t>
+                </a:r>
+              </a:p>
+            </p:txBody>
+          </p:sp>
+        </mc:Choice>
+        <mc:Fallback>
+          <p:sp>
+            <p:nvSpPr>
+              <p:cNvPr id="7" name="ZoneTexte 6">
+                <a:extLst>
+                  <a:ext uri="{FF2B5EF4-FFF2-40B4-BE49-F238E27FC236}">
+                    <a16:creationId xmlns:a16="http://schemas.microsoft.com/office/drawing/2014/main" id="{B31AF22B-77AC-398F-8B32-17C6B4914236}"/>
+                  </a:ext>
+                </a:extLst>
+              </p:cNvPr>
+              <p:cNvSpPr txBox="1">
+                <a:spLocks noRot="1" noChangeAspect="1" noMove="1" noResize="1" noEditPoints="1" noAdjustHandles="1" noChangeArrowheads="1" noChangeShapeType="1" noTextEdit="1"/>
+              </p:cNvSpPr>
+              <p:nvPr/>
+            </p:nvSpPr>
+            <p:spPr>
+              <a:xfrm>
+                <a:off x="397565" y="871450"/>
+                <a:ext cx="11441731" cy="707886"/>
+              </a:xfrm>
+              <a:prstGeom prst="rect">
+                <a:avLst/>
+              </a:prstGeom>
+              <a:blipFill>
+                <a:blip r:embed="rId2"/>
+                <a:stretch>
+                  <a:fillRect l="-533" t="-5172" b="-14655"/>
+                </a:stretch>
+              </a:blipFill>
+            </p:spPr>
+            <p:txBody>
+              <a:bodyPr/>
+              <a:lstStyle/>
+              <a:p>
+                <a:r>
+                  <a:rPr lang="fr-FR">
+                    <a:noFill/>
+                  </a:rPr>
+                  <a:t> </a:t>
+                </a:r>
+              </a:p>
+            </p:txBody>
+          </p:sp>
+        </mc:Fallback>
+      </mc:AlternateContent>
+      <mc:AlternateContent xmlns:mc="http://schemas.openxmlformats.org/markup-compatibility/2006">
+        <mc:Choice xmlns:a14="http://schemas.microsoft.com/office/drawing/2010/main" Requires="a14">
+          <p:sp>
+            <p:nvSpPr>
+              <p:cNvPr id="2" name="ZoneTexte 1">
+                <a:extLst>
+                  <a:ext uri="{FF2B5EF4-FFF2-40B4-BE49-F238E27FC236}">
+                    <a16:creationId xmlns:a16="http://schemas.microsoft.com/office/drawing/2014/main" id="{793CA879-4CF1-525B-CF6B-1C167DF2CAA9}"/>
+                  </a:ext>
+                </a:extLst>
+              </p:cNvPr>
+              <p:cNvSpPr txBox="1"/>
+              <p:nvPr/>
+            </p:nvSpPr>
+            <p:spPr>
+              <a:xfrm>
+                <a:off x="397565" y="1577798"/>
+                <a:ext cx="11441731" cy="707886"/>
+              </a:xfrm>
+              <a:prstGeom prst="rect">
+                <a:avLst/>
+              </a:prstGeom>
+              <a:noFill/>
+            </p:spPr>
+            <p:txBody>
+              <a:bodyPr wrap="square" rtlCol="0">
+                <a:spAutoFit/>
+              </a:bodyPr>
+              <a:lstStyle/>
+              <a:p>
+                <a:r>
+                  <a:rPr lang="fr-FR" sz="2000" dirty="0">
+                    <a:latin typeface="Times New Roman" panose="02020603050405020304" pitchFamily="18" charset="0"/>
+                    <a:cs typeface="Times New Roman" panose="02020603050405020304" pitchFamily="18" charset="0"/>
+                  </a:rPr>
+                  <a:t>Python offre la fonction </a:t>
+                </a:r>
+                <a14:m>
+                  <m:oMath xmlns:m="http://schemas.openxmlformats.org/officeDocument/2006/math">
+                    <m:r>
+                      <a:rPr lang="fr-FR" sz="2000" b="1" i="1" smtClean="0">
+                        <a:latin typeface="Cambria Math" panose="02040503050406030204" pitchFamily="18" charset="0"/>
+                        <a:cs typeface="Times New Roman" panose="02020603050405020304" pitchFamily="18" charset="0"/>
+                      </a:rPr>
+                      <m:t>𝒆𝒏𝒖𝒎𝒆𝒓𝒂𝒕𝒆</m:t>
+                    </m:r>
+                  </m:oMath>
+                </a14:m>
+                <a:r>
+                  <a:rPr lang="fr-FR" sz="2000" dirty="0">
+                    <a:latin typeface="Times New Roman" panose="02020603050405020304" pitchFamily="18" charset="0"/>
+                    <a:cs typeface="Times New Roman" panose="02020603050405020304" pitchFamily="18" charset="0"/>
+                  </a:rPr>
+                  <a:t> qui permet de parcourir une liste en récupérant en même temps la valeur de l’élément ainsi que son indice. </a:t>
+                </a:r>
+                <a14:m>
+                  <m:oMath xmlns:m="http://schemas.openxmlformats.org/officeDocument/2006/math">
+                    <m:r>
+                      <a:rPr lang="fr-FR" sz="2000" b="1" i="1" smtClean="0">
+                        <a:latin typeface="Cambria Math" panose="02040503050406030204" pitchFamily="18" charset="0"/>
+                        <a:cs typeface="Times New Roman" panose="02020603050405020304" pitchFamily="18" charset="0"/>
+                      </a:rPr>
+                      <m:t>𝒆𝒏𝒖𝒎𝒆𝒓𝒂𝒕𝒆</m:t>
+                    </m:r>
+                  </m:oMath>
+                </a14:m>
+                <a:r>
+                  <a:rPr lang="fr-FR" sz="2000" b="1" dirty="0">
+                    <a:latin typeface="Times New Roman" panose="02020603050405020304" pitchFamily="18" charset="0"/>
+                    <a:cs typeface="Times New Roman" panose="02020603050405020304" pitchFamily="18" charset="0"/>
+                  </a:rPr>
+                  <a:t> </a:t>
+                </a:r>
+                <a:r>
+                  <a:rPr lang="fr-FR" sz="2000" dirty="0">
+                    <a:latin typeface="Times New Roman" panose="02020603050405020304" pitchFamily="18" charset="0"/>
+                    <a:cs typeface="Times New Roman" panose="02020603050405020304" pitchFamily="18" charset="0"/>
+                  </a:rPr>
+                  <a:t>sera combiné avec la boucle </a:t>
+                </a:r>
+                <a14:m>
+                  <m:oMath xmlns:m="http://schemas.openxmlformats.org/officeDocument/2006/math">
+                    <m:r>
+                      <a:rPr lang="fr-FR" sz="2000" b="1" i="1" smtClean="0">
+                        <a:latin typeface="Cambria Math" panose="02040503050406030204" pitchFamily="18" charset="0"/>
+                        <a:cs typeface="Times New Roman" panose="02020603050405020304" pitchFamily="18" charset="0"/>
+                      </a:rPr>
+                      <m:t>𝒇𝒐𝒓</m:t>
+                    </m:r>
+                  </m:oMath>
+                </a14:m>
+                <a:r>
+                  <a:rPr lang="fr-FR" sz="2000" b="1" dirty="0">
+                    <a:latin typeface="Times New Roman" panose="02020603050405020304" pitchFamily="18" charset="0"/>
+                    <a:cs typeface="Times New Roman" panose="02020603050405020304" pitchFamily="18" charset="0"/>
+                  </a:rPr>
+                  <a:t>.</a:t>
+                </a:r>
+              </a:p>
+            </p:txBody>
+          </p:sp>
+        </mc:Choice>
+        <mc:Fallback>
+          <p:sp>
+            <p:nvSpPr>
+              <p:cNvPr id="2" name="ZoneTexte 1">
+                <a:extLst>
+                  <a:ext uri="{FF2B5EF4-FFF2-40B4-BE49-F238E27FC236}">
+                    <a16:creationId xmlns:a16="http://schemas.microsoft.com/office/drawing/2014/main" id="{793CA879-4CF1-525B-CF6B-1C167DF2CAA9}"/>
+                  </a:ext>
+                </a:extLst>
+              </p:cNvPr>
+              <p:cNvSpPr txBox="1">
+                <a:spLocks noRot="1" noChangeAspect="1" noMove="1" noResize="1" noEditPoints="1" noAdjustHandles="1" noChangeArrowheads="1" noChangeShapeType="1" noTextEdit="1"/>
+              </p:cNvSpPr>
+              <p:nvPr/>
+            </p:nvSpPr>
+            <p:spPr>
+              <a:xfrm>
+                <a:off x="397565" y="1577798"/>
+                <a:ext cx="11441731" cy="707886"/>
+              </a:xfrm>
+              <a:prstGeom prst="rect">
+                <a:avLst/>
+              </a:prstGeom>
+              <a:blipFill>
+                <a:blip r:embed="rId3"/>
+                <a:stretch>
+                  <a:fillRect l="-533" t="-5172" b="-14655"/>
+                </a:stretch>
+              </a:blipFill>
+            </p:spPr>
+            <p:txBody>
+              <a:bodyPr/>
+              <a:lstStyle/>
+              <a:p>
+                <a:r>
+                  <a:rPr lang="fr-FR">
+                    <a:noFill/>
+                  </a:rPr>
+                  <a:t> </a:t>
+                </a:r>
+              </a:p>
+            </p:txBody>
+          </p:sp>
+        </mc:Fallback>
+      </mc:AlternateContent>
+      <p:sp>
+        <p:nvSpPr>
+          <p:cNvPr id="8" name="ZoneTexte 7">
+            <a:extLst>
+              <a:ext uri="{FF2B5EF4-FFF2-40B4-BE49-F238E27FC236}">
+                <a16:creationId xmlns:a16="http://schemas.microsoft.com/office/drawing/2014/main" id="{D48F4945-B9EC-D94F-EEBF-C3D3A1FFEF19}"/>
               </a:ext>
             </a:extLst>
           </p:cNvPr>
@@ -7247,7 +7851,251 @@
         </p:nvSpPr>
         <p:spPr>
           <a:xfrm>
-            <a:off x="500932" y="941801"/>
+            <a:off x="500931" y="2464073"/>
+            <a:ext cx="11178451" cy="400110"/>
+          </a:xfrm>
+          <a:prstGeom prst="rect">
+            <a:avLst/>
+          </a:prstGeom>
+          <a:noFill/>
+        </p:spPr>
+        <p:txBody>
+          <a:bodyPr wrap="square" rtlCol="0">
+            <a:spAutoFit/>
+          </a:bodyPr>
+          <a:lstStyle/>
+          <a:p>
+            <a:r>
+              <a:rPr lang="fr-FR" sz="2000" dirty="0">
+                <a:latin typeface="Times New Roman" panose="02020603050405020304" pitchFamily="18" charset="0"/>
+                <a:cs typeface="Times New Roman" panose="02020603050405020304" pitchFamily="18" charset="0"/>
+              </a:rPr>
+              <a:t>La syntaxe est la suivante:</a:t>
+            </a:r>
+          </a:p>
+        </p:txBody>
+      </p:sp>
+      <mc:AlternateContent xmlns:mc="http://schemas.openxmlformats.org/markup-compatibility/2006">
+        <mc:Choice xmlns:a14="http://schemas.microsoft.com/office/drawing/2010/main" Requires="a14">
+          <p:sp>
+            <p:nvSpPr>
+              <p:cNvPr id="9" name="ZoneTexte 8">
+                <a:extLst>
+                  <a:ext uri="{FF2B5EF4-FFF2-40B4-BE49-F238E27FC236}">
+                    <a16:creationId xmlns:a16="http://schemas.microsoft.com/office/drawing/2014/main" id="{ECE358B8-E556-2A56-F975-95DC865AB70C}"/>
+                  </a:ext>
+                </a:extLst>
+              </p:cNvPr>
+              <p:cNvSpPr txBox="1"/>
+              <p:nvPr/>
+            </p:nvSpPr>
+            <p:spPr>
+              <a:xfrm>
+                <a:off x="500932" y="2889091"/>
+                <a:ext cx="11338363" cy="400110"/>
+              </a:xfrm>
+              <a:prstGeom prst="rect">
+                <a:avLst/>
+              </a:prstGeom>
+              <a:noFill/>
+            </p:spPr>
+            <p:txBody>
+              <a:bodyPr wrap="square" rtlCol="0">
+                <a:spAutoFit/>
+              </a:bodyPr>
+              <a:lstStyle/>
+              <a:p>
+                <a14:m>
+                  <m:oMathPara xmlns:m="http://schemas.openxmlformats.org/officeDocument/2006/math">
+                    <m:oMathParaPr>
+                      <m:jc m:val="centerGroup"/>
+                    </m:oMathParaPr>
+                    <m:oMath xmlns:m="http://schemas.openxmlformats.org/officeDocument/2006/math">
+                      <m:r>
+                        <a:rPr lang="fr-FR" sz="2000" b="1" i="1" smtClean="0">
+                          <a:latin typeface="Cambria Math" panose="02040503050406030204" pitchFamily="18" charset="0"/>
+                          <a:cs typeface="Times New Roman" panose="02020603050405020304" pitchFamily="18" charset="0"/>
+                        </a:rPr>
+                        <m:t>𝒇𝒐𝒓</m:t>
+                      </m:r>
+                      <m:r>
+                        <a:rPr lang="fr-FR" sz="2000" b="1" i="1" smtClean="0">
+                          <a:latin typeface="Cambria Math" panose="02040503050406030204" pitchFamily="18" charset="0"/>
+                          <a:cs typeface="Times New Roman" panose="02020603050405020304" pitchFamily="18" charset="0"/>
+                        </a:rPr>
+                        <m:t> </m:t>
+                      </m:r>
+                      <m:r>
+                        <a:rPr lang="fr-FR" sz="2000" b="1" i="1" smtClean="0">
+                          <a:latin typeface="Cambria Math" panose="02040503050406030204" pitchFamily="18" charset="0"/>
+                          <a:cs typeface="Times New Roman" panose="02020603050405020304" pitchFamily="18" charset="0"/>
+                        </a:rPr>
+                        <m:t>𝒗𝒂𝒓𝒊𝒂𝒃𝒍𝒆𝑪𝒐𝒏𝒕𝒆𝒏𝒂𝒏𝒕𝑳𝒊𝒏𝒅𝒊𝒄𝒆</m:t>
+                      </m:r>
+                      <m:r>
+                        <a:rPr lang="fr-FR" sz="2000" b="1" i="1" smtClean="0">
+                          <a:latin typeface="Cambria Math" panose="02040503050406030204" pitchFamily="18" charset="0"/>
+                          <a:cs typeface="Times New Roman" panose="02020603050405020304" pitchFamily="18" charset="0"/>
+                        </a:rPr>
+                        <m:t>, </m:t>
+                      </m:r>
+                      <m:r>
+                        <a:rPr lang="fr-FR" sz="2000" b="1" i="1" smtClean="0">
+                          <a:latin typeface="Cambria Math" panose="02040503050406030204" pitchFamily="18" charset="0"/>
+                          <a:cs typeface="Times New Roman" panose="02020603050405020304" pitchFamily="18" charset="0"/>
+                        </a:rPr>
+                        <m:t>𝒗𝒂𝒓𝒊𝒂𝒃𝒍𝒆𝑪𝒐𝒏𝒕𝒆𝒏𝒂𝒏𝒕𝑳𝒂𝑽𝒂𝒍𝒆𝒖𝒓</m:t>
+                      </m:r>
+                      <m:r>
+                        <a:rPr lang="fr-FR" sz="2000" b="1" i="1" smtClean="0">
+                          <a:latin typeface="Cambria Math" panose="02040503050406030204" pitchFamily="18" charset="0"/>
+                          <a:cs typeface="Times New Roman" panose="02020603050405020304" pitchFamily="18" charset="0"/>
+                        </a:rPr>
+                        <m:t> </m:t>
+                      </m:r>
+                      <m:r>
+                        <a:rPr lang="fr-FR" sz="2000" b="1" i="1" smtClean="0">
+                          <a:latin typeface="Cambria Math" panose="02040503050406030204" pitchFamily="18" charset="0"/>
+                          <a:cs typeface="Times New Roman" panose="02020603050405020304" pitchFamily="18" charset="0"/>
+                        </a:rPr>
+                        <m:t>𝒊𝒏</m:t>
+                      </m:r>
+                      <m:r>
+                        <a:rPr lang="fr-FR" sz="2000" b="1" i="1" smtClean="0">
+                          <a:latin typeface="Cambria Math" panose="02040503050406030204" pitchFamily="18" charset="0"/>
+                          <a:cs typeface="Times New Roman" panose="02020603050405020304" pitchFamily="18" charset="0"/>
+                        </a:rPr>
+                        <m:t> </m:t>
+                      </m:r>
+                      <m:r>
+                        <a:rPr lang="fr-FR" sz="2000" b="1" i="1" smtClean="0">
+                          <a:latin typeface="Cambria Math" panose="02040503050406030204" pitchFamily="18" charset="0"/>
+                          <a:cs typeface="Times New Roman" panose="02020603050405020304" pitchFamily="18" charset="0"/>
+                        </a:rPr>
+                        <m:t>𝒆𝒏𝒖𝒎𝒆𝒓𝒂𝒕𝒆</m:t>
+                      </m:r>
+                      <m:r>
+                        <a:rPr lang="fr-FR" sz="2000" b="1" i="1" smtClean="0">
+                          <a:latin typeface="Cambria Math" panose="02040503050406030204" pitchFamily="18" charset="0"/>
+                          <a:cs typeface="Times New Roman" panose="02020603050405020304" pitchFamily="18" charset="0"/>
+                        </a:rPr>
+                        <m:t>(</m:t>
+                      </m:r>
+                      <m:r>
+                        <a:rPr lang="fr-FR" sz="2000" b="1" i="1" smtClean="0">
+                          <a:latin typeface="Cambria Math" panose="02040503050406030204" pitchFamily="18" charset="0"/>
+                          <a:cs typeface="Times New Roman" panose="02020603050405020304" pitchFamily="18" charset="0"/>
+                        </a:rPr>
+                        <m:t>𝒏𝒐𝒎𝑫𝒆𝑳𝒂𝑳𝒊𝒔𝒕𝒆</m:t>
+                      </m:r>
+                      <m:r>
+                        <a:rPr lang="fr-FR" sz="2000" b="1" i="1" smtClean="0">
+                          <a:latin typeface="Cambria Math" panose="02040503050406030204" pitchFamily="18" charset="0"/>
+                          <a:cs typeface="Times New Roman" panose="02020603050405020304" pitchFamily="18" charset="0"/>
+                        </a:rPr>
+                        <m:t>)</m:t>
+                      </m:r>
+                    </m:oMath>
+                  </m:oMathPara>
+                </a14:m>
+                <a:endParaRPr lang="fr-FR" sz="2000" b="1" dirty="0">
+                  <a:latin typeface="Times New Roman" panose="02020603050405020304" pitchFamily="18" charset="0"/>
+                  <a:cs typeface="Times New Roman" panose="02020603050405020304" pitchFamily="18" charset="0"/>
+                </a:endParaRPr>
+              </a:p>
+            </p:txBody>
+          </p:sp>
+        </mc:Choice>
+        <mc:Fallback>
+          <p:sp>
+            <p:nvSpPr>
+              <p:cNvPr id="9" name="ZoneTexte 8">
+                <a:extLst>
+                  <a:ext uri="{FF2B5EF4-FFF2-40B4-BE49-F238E27FC236}">
+                    <a16:creationId xmlns:a16="http://schemas.microsoft.com/office/drawing/2014/main" id="{ECE358B8-E556-2A56-F975-95DC865AB70C}"/>
+                  </a:ext>
+                </a:extLst>
+              </p:cNvPr>
+              <p:cNvSpPr txBox="1">
+                <a:spLocks noRot="1" noChangeAspect="1" noMove="1" noResize="1" noEditPoints="1" noAdjustHandles="1" noChangeArrowheads="1" noChangeShapeType="1" noTextEdit="1"/>
+              </p:cNvSpPr>
+              <p:nvPr/>
+            </p:nvSpPr>
+            <p:spPr>
+              <a:xfrm>
+                <a:off x="500932" y="2889091"/>
+                <a:ext cx="11338363" cy="400110"/>
+              </a:xfrm>
+              <a:prstGeom prst="rect">
+                <a:avLst/>
+              </a:prstGeom>
+              <a:blipFill>
+                <a:blip r:embed="rId4"/>
+                <a:stretch>
+                  <a:fillRect l="-215" r="-699" b="-15152"/>
+                </a:stretch>
+              </a:blipFill>
+            </p:spPr>
+            <p:txBody>
+              <a:bodyPr/>
+              <a:lstStyle/>
+              <a:p>
+                <a:r>
+                  <a:rPr lang="fr-FR">
+                    <a:noFill/>
+                  </a:rPr>
+                  <a:t> </a:t>
+                </a:r>
+              </a:p>
+            </p:txBody>
+          </p:sp>
+        </mc:Fallback>
+      </mc:AlternateContent>
+      <p:pic>
+        <p:nvPicPr>
+          <p:cNvPr id="11" name="Image 10">
+            <a:extLst>
+              <a:ext uri="{FF2B5EF4-FFF2-40B4-BE49-F238E27FC236}">
+                <a16:creationId xmlns:a16="http://schemas.microsoft.com/office/drawing/2014/main" id="{90EEB4D1-7809-D128-5EF3-036DF24CD9A2}"/>
+              </a:ext>
+            </a:extLst>
+          </p:cNvPr>
+          <p:cNvPicPr>
+            <a:picLocks noChangeAspect="1"/>
+          </p:cNvPicPr>
+          <p:nvPr/>
+        </p:nvPicPr>
+        <p:blipFill>
+          <a:blip r:embed="rId5"/>
+          <a:stretch>
+            <a:fillRect/>
+          </a:stretch>
+        </p:blipFill>
+        <p:spPr>
+          <a:xfrm>
+            <a:off x="2202426" y="3339017"/>
+            <a:ext cx="6159704" cy="2079137"/>
+          </a:xfrm>
+          <a:prstGeom prst="rect">
+            <a:avLst/>
+          </a:prstGeom>
+        </p:spPr>
+      </p:pic>
+      <p:sp>
+        <p:nvSpPr>
+          <p:cNvPr id="12" name="ZoneTexte 11">
+            <a:extLst>
+              <a:ext uri="{FF2B5EF4-FFF2-40B4-BE49-F238E27FC236}">
+                <a16:creationId xmlns:a16="http://schemas.microsoft.com/office/drawing/2014/main" id="{6FD4F71A-43C3-CA2C-192F-8D33511A5BA8}"/>
+              </a:ext>
+            </a:extLst>
+          </p:cNvPr>
+          <p:cNvSpPr txBox="1"/>
+          <p:nvPr/>
+        </p:nvSpPr>
+        <p:spPr>
+          <a:xfrm>
+            <a:off x="500931" y="5483693"/>
             <a:ext cx="11441731" cy="400110"/>
           </a:xfrm>
           <a:prstGeom prst="rect">
@@ -7262,11 +8110,11 @@
           <a:lstStyle/>
           <a:p>
             <a:r>
-              <a:rPr lang="fr-FR" sz="2000" dirty="0">
+              <a:rPr lang="fr-FR" sz="2000" b="1" dirty="0">
                 <a:latin typeface="Times New Roman" panose="02020603050405020304" pitchFamily="18" charset="0"/>
                 <a:cs typeface="Times New Roman" panose="02020603050405020304" pitchFamily="18" charset="0"/>
               </a:rPr>
-              <a:t>Page 88</a:t>
+              <a:t>Les indices commencent à partir de 0 car le premier élément est situé à l’indice 0.</a:t>
             </a:r>
           </a:p>
         </p:txBody>
@@ -7392,7 +8240,14 @@
                 <a:latin typeface="Times New Roman" panose="02020603050405020304" pitchFamily="18" charset="0"/>
                 <a:cs typeface="Times New Roman" panose="02020603050405020304" pitchFamily="18" charset="0"/>
               </a:rPr>
-              <a:t>De chaînes aux listes</a:t>
+              <a:t>La fonction </a:t>
+            </a:r>
+            <a:r>
+              <a:rPr lang="fr-FR" sz="2400" b="1" i="1" dirty="0" err="1">
+                <a:latin typeface="Times New Roman" panose="02020603050405020304" pitchFamily="18" charset="0"/>
+                <a:cs typeface="Times New Roman" panose="02020603050405020304" pitchFamily="18" charset="0"/>
+              </a:rPr>
+              <a:t>enumerate</a:t>
             </a:r>
             <a:endParaRPr lang="fr-FR" sz="2400" b="1" i="1" dirty="0">
               <a:latin typeface="Times New Roman" panose="02020603050405020304" pitchFamily="18" charset="0"/>
@@ -7440,12 +8295,413 @@
           </a:fontRef>
         </p:style>
       </p:cxnSp>
-      <p:sp>
-        <p:nvSpPr>
-          <p:cNvPr id="7" name="ZoneTexte 6">
-            <a:extLst>
-              <a:ext uri="{FF2B5EF4-FFF2-40B4-BE49-F238E27FC236}">
-                <a16:creationId xmlns:a16="http://schemas.microsoft.com/office/drawing/2014/main" id="{B31AF22B-77AC-398F-8B32-17C6B4914236}"/>
+      <mc:AlternateContent xmlns:mc="http://schemas.openxmlformats.org/markup-compatibility/2006">
+        <mc:Choice xmlns:a14="http://schemas.microsoft.com/office/drawing/2010/main" Requires="a14">
+          <p:sp>
+            <p:nvSpPr>
+              <p:cNvPr id="7" name="ZoneTexte 6">
+                <a:extLst>
+                  <a:ext uri="{FF2B5EF4-FFF2-40B4-BE49-F238E27FC236}">
+                    <a16:creationId xmlns:a16="http://schemas.microsoft.com/office/drawing/2014/main" id="{B31AF22B-77AC-398F-8B32-17C6B4914236}"/>
+                  </a:ext>
+                </a:extLst>
+              </p:cNvPr>
+              <p:cNvSpPr txBox="1"/>
+              <p:nvPr/>
+            </p:nvSpPr>
+            <p:spPr>
+              <a:xfrm>
+                <a:off x="397565" y="787913"/>
+                <a:ext cx="11441731" cy="400110"/>
+              </a:xfrm>
+              <a:prstGeom prst="rect">
+                <a:avLst/>
+              </a:prstGeom>
+              <a:noFill/>
+            </p:spPr>
+            <p:txBody>
+              <a:bodyPr wrap="square" rtlCol="0">
+                <a:spAutoFit/>
+              </a:bodyPr>
+              <a:lstStyle/>
+              <a:p>
+                <a:r>
+                  <a:rPr lang="fr-FR" sz="2000" dirty="0">
+                    <a:latin typeface="Times New Roman" panose="02020603050405020304" pitchFamily="18" charset="0"/>
+                    <a:cs typeface="Times New Roman" panose="02020603050405020304" pitchFamily="18" charset="0"/>
+                  </a:rPr>
+                  <a:t>Parfois on verra l’utilisation de </a:t>
+                </a:r>
+                <a14:m>
+                  <m:oMath xmlns:m="http://schemas.openxmlformats.org/officeDocument/2006/math">
+                    <m:r>
+                      <a:rPr lang="fr-FR" sz="2000" b="0" i="1" smtClean="0">
+                        <a:latin typeface="Cambria Math" panose="02040503050406030204" pitchFamily="18" charset="0"/>
+                        <a:cs typeface="Times New Roman" panose="02020603050405020304" pitchFamily="18" charset="0"/>
+                      </a:rPr>
+                      <m:t>𝑒𝑛𝑢𝑚𝑒𝑟𝑎𝑡𝑒</m:t>
+                    </m:r>
+                  </m:oMath>
+                </a14:m>
+                <a:r>
+                  <a:rPr lang="fr-FR" sz="2000" dirty="0">
+                    <a:latin typeface="Times New Roman" panose="02020603050405020304" pitchFamily="18" charset="0"/>
+                    <a:cs typeface="Times New Roman" panose="02020603050405020304" pitchFamily="18" charset="0"/>
+                  </a:rPr>
+                  <a:t> avec une seule valeur comme ci-dessous:</a:t>
+                </a:r>
+              </a:p>
+            </p:txBody>
+          </p:sp>
+        </mc:Choice>
+        <mc:Fallback>
+          <p:sp>
+            <p:nvSpPr>
+              <p:cNvPr id="7" name="ZoneTexte 6">
+                <a:extLst>
+                  <a:ext uri="{FF2B5EF4-FFF2-40B4-BE49-F238E27FC236}">
+                    <a16:creationId xmlns:a16="http://schemas.microsoft.com/office/drawing/2014/main" id="{B31AF22B-77AC-398F-8B32-17C6B4914236}"/>
+                  </a:ext>
+                </a:extLst>
+              </p:cNvPr>
+              <p:cNvSpPr txBox="1">
+                <a:spLocks noRot="1" noChangeAspect="1" noMove="1" noResize="1" noEditPoints="1" noAdjustHandles="1" noChangeArrowheads="1" noChangeShapeType="1" noTextEdit="1"/>
+              </p:cNvSpPr>
+              <p:nvPr/>
+            </p:nvSpPr>
+            <p:spPr>
+              <a:xfrm>
+                <a:off x="397565" y="787913"/>
+                <a:ext cx="11441731" cy="400110"/>
+              </a:xfrm>
+              <a:prstGeom prst="rect">
+                <a:avLst/>
+              </a:prstGeom>
+              <a:blipFill>
+                <a:blip r:embed="rId2"/>
+                <a:stretch>
+                  <a:fillRect l="-533" t="-7576" b="-25758"/>
+                </a:stretch>
+              </a:blipFill>
+            </p:spPr>
+            <p:txBody>
+              <a:bodyPr/>
+              <a:lstStyle/>
+              <a:p>
+                <a:r>
+                  <a:rPr lang="fr-FR">
+                    <a:noFill/>
+                  </a:rPr>
+                  <a:t> </a:t>
+                </a:r>
+              </a:p>
+            </p:txBody>
+          </p:sp>
+        </mc:Fallback>
+      </mc:AlternateContent>
+      <mc:AlternateContent xmlns:mc="http://schemas.openxmlformats.org/markup-compatibility/2006">
+        <mc:Choice xmlns:a14="http://schemas.microsoft.com/office/drawing/2010/main" Requires="a14">
+          <p:sp>
+            <p:nvSpPr>
+              <p:cNvPr id="9" name="ZoneTexte 8">
+                <a:extLst>
+                  <a:ext uri="{FF2B5EF4-FFF2-40B4-BE49-F238E27FC236}">
+                    <a16:creationId xmlns:a16="http://schemas.microsoft.com/office/drawing/2014/main" id="{ECE358B8-E556-2A56-F975-95DC865AB70C}"/>
+                  </a:ext>
+                </a:extLst>
+              </p:cNvPr>
+              <p:cNvSpPr txBox="1"/>
+              <p:nvPr/>
+            </p:nvSpPr>
+            <p:spPr>
+              <a:xfrm>
+                <a:off x="604299" y="1226389"/>
+                <a:ext cx="11338363" cy="400110"/>
+              </a:xfrm>
+              <a:prstGeom prst="rect">
+                <a:avLst/>
+              </a:prstGeom>
+              <a:noFill/>
+            </p:spPr>
+            <p:txBody>
+              <a:bodyPr wrap="square" rtlCol="0">
+                <a:spAutoFit/>
+              </a:bodyPr>
+              <a:lstStyle/>
+              <a:p>
+                <a:pPr/>
+                <a14:m>
+                  <m:oMathPara xmlns:m="http://schemas.openxmlformats.org/officeDocument/2006/math">
+                    <m:oMathParaPr>
+                      <m:jc m:val="centerGroup"/>
+                    </m:oMathParaPr>
+                    <m:oMath xmlns:m="http://schemas.openxmlformats.org/officeDocument/2006/math">
+                      <m:r>
+                        <a:rPr lang="fr-FR" sz="2000" b="1" i="1" smtClean="0">
+                          <a:latin typeface="Cambria Math" panose="02040503050406030204" pitchFamily="18" charset="0"/>
+                          <a:cs typeface="Times New Roman" panose="02020603050405020304" pitchFamily="18" charset="0"/>
+                        </a:rPr>
+                        <m:t>𝒇𝒐𝒓</m:t>
+                      </m:r>
+                      <m:r>
+                        <a:rPr lang="fr-FR" sz="2000" b="1" i="1" smtClean="0">
+                          <a:latin typeface="Cambria Math" panose="02040503050406030204" pitchFamily="18" charset="0"/>
+                          <a:cs typeface="Times New Roman" panose="02020603050405020304" pitchFamily="18" charset="0"/>
+                        </a:rPr>
+                        <m:t> </m:t>
+                      </m:r>
+                      <m:r>
+                        <a:rPr lang="fr-FR" sz="2000" b="1" i="1" smtClean="0">
+                          <a:latin typeface="Cambria Math" panose="02040503050406030204" pitchFamily="18" charset="0"/>
+                          <a:cs typeface="Times New Roman" panose="02020603050405020304" pitchFamily="18" charset="0"/>
+                        </a:rPr>
+                        <m:t>𝒗𝒂𝒍𝒆𝒖𝒓𝑨𝒄𝒕𝒖𝒆𝒍𝒍𝒆</m:t>
+                      </m:r>
+                      <m:r>
+                        <a:rPr lang="fr-FR" sz="2000" b="1" i="1" smtClean="0">
+                          <a:latin typeface="Cambria Math" panose="02040503050406030204" pitchFamily="18" charset="0"/>
+                          <a:cs typeface="Times New Roman" panose="02020603050405020304" pitchFamily="18" charset="0"/>
+                        </a:rPr>
+                        <m:t> </m:t>
+                      </m:r>
+                      <m:r>
+                        <a:rPr lang="fr-FR" sz="2000" b="1" i="1" smtClean="0">
+                          <a:latin typeface="Cambria Math" panose="02040503050406030204" pitchFamily="18" charset="0"/>
+                          <a:cs typeface="Times New Roman" panose="02020603050405020304" pitchFamily="18" charset="0"/>
+                        </a:rPr>
+                        <m:t>𝒊𝒏</m:t>
+                      </m:r>
+                      <m:r>
+                        <a:rPr lang="fr-FR" sz="2000" b="1" i="1" smtClean="0">
+                          <a:latin typeface="Cambria Math" panose="02040503050406030204" pitchFamily="18" charset="0"/>
+                          <a:cs typeface="Times New Roman" panose="02020603050405020304" pitchFamily="18" charset="0"/>
+                        </a:rPr>
+                        <m:t> </m:t>
+                      </m:r>
+                      <m:r>
+                        <a:rPr lang="fr-FR" sz="2000" b="1" i="1" smtClean="0">
+                          <a:latin typeface="Cambria Math" panose="02040503050406030204" pitchFamily="18" charset="0"/>
+                          <a:cs typeface="Times New Roman" panose="02020603050405020304" pitchFamily="18" charset="0"/>
+                        </a:rPr>
+                        <m:t>𝒆𝒏𝒖𝒎𝒆𝒓𝒂𝒕𝒆</m:t>
+                      </m:r>
+                      <m:r>
+                        <a:rPr lang="fr-FR" sz="2000" b="1" i="1" smtClean="0">
+                          <a:latin typeface="Cambria Math" panose="02040503050406030204" pitchFamily="18" charset="0"/>
+                          <a:cs typeface="Times New Roman" panose="02020603050405020304" pitchFamily="18" charset="0"/>
+                        </a:rPr>
+                        <m:t>(</m:t>
+                      </m:r>
+                      <m:r>
+                        <a:rPr lang="fr-FR" sz="2000" b="1" i="1" smtClean="0">
+                          <a:latin typeface="Cambria Math" panose="02040503050406030204" pitchFamily="18" charset="0"/>
+                          <a:cs typeface="Times New Roman" panose="02020603050405020304" pitchFamily="18" charset="0"/>
+                        </a:rPr>
+                        <m:t>𝒏𝒐𝒎𝑫𝒆𝑳𝒂𝑳𝒊𝒔𝒕𝒆</m:t>
+                      </m:r>
+                      <m:r>
+                        <a:rPr lang="fr-FR" sz="2000" b="1" i="1" smtClean="0">
+                          <a:latin typeface="Cambria Math" panose="02040503050406030204" pitchFamily="18" charset="0"/>
+                          <a:cs typeface="Times New Roman" panose="02020603050405020304" pitchFamily="18" charset="0"/>
+                        </a:rPr>
+                        <m:t>)</m:t>
+                      </m:r>
+                    </m:oMath>
+                  </m:oMathPara>
+                </a14:m>
+                <a:endParaRPr lang="fr-FR" sz="2000" b="1" dirty="0">
+                  <a:latin typeface="Times New Roman" panose="02020603050405020304" pitchFamily="18" charset="0"/>
+                  <a:cs typeface="Times New Roman" panose="02020603050405020304" pitchFamily="18" charset="0"/>
+                </a:endParaRPr>
+              </a:p>
+            </p:txBody>
+          </p:sp>
+        </mc:Choice>
+        <mc:Fallback>
+          <p:sp>
+            <p:nvSpPr>
+              <p:cNvPr id="9" name="ZoneTexte 8">
+                <a:extLst>
+                  <a:ext uri="{FF2B5EF4-FFF2-40B4-BE49-F238E27FC236}">
+                    <a16:creationId xmlns:a16="http://schemas.microsoft.com/office/drawing/2014/main" id="{ECE358B8-E556-2A56-F975-95DC865AB70C}"/>
+                  </a:ext>
+                </a:extLst>
+              </p:cNvPr>
+              <p:cNvSpPr txBox="1">
+                <a:spLocks noRot="1" noChangeAspect="1" noMove="1" noResize="1" noEditPoints="1" noAdjustHandles="1" noChangeArrowheads="1" noChangeShapeType="1" noTextEdit="1"/>
+              </p:cNvSpPr>
+              <p:nvPr/>
+            </p:nvSpPr>
+            <p:spPr>
+              <a:xfrm>
+                <a:off x="604299" y="1226389"/>
+                <a:ext cx="11338363" cy="400110"/>
+              </a:xfrm>
+              <a:prstGeom prst="rect">
+                <a:avLst/>
+              </a:prstGeom>
+              <a:blipFill>
+                <a:blip r:embed="rId3"/>
+                <a:stretch>
+                  <a:fillRect b="-16667"/>
+                </a:stretch>
+              </a:blipFill>
+            </p:spPr>
+            <p:txBody>
+              <a:bodyPr/>
+              <a:lstStyle/>
+              <a:p>
+                <a:r>
+                  <a:rPr lang="fr-FR">
+                    <a:noFill/>
+                  </a:rPr>
+                  <a:t> </a:t>
+                </a:r>
+              </a:p>
+            </p:txBody>
+          </p:sp>
+        </mc:Fallback>
+      </mc:AlternateContent>
+      <mc:AlternateContent xmlns:mc="http://schemas.openxmlformats.org/markup-compatibility/2006">
+        <mc:Choice xmlns:a14="http://schemas.microsoft.com/office/drawing/2010/main" Requires="a14">
+          <p:sp>
+            <p:nvSpPr>
+              <p:cNvPr id="10" name="ZoneTexte 9">
+                <a:extLst>
+                  <a:ext uri="{FF2B5EF4-FFF2-40B4-BE49-F238E27FC236}">
+                    <a16:creationId xmlns:a16="http://schemas.microsoft.com/office/drawing/2014/main" id="{F7D71576-3616-CC6B-5244-B49F9B2CA299}"/>
+                  </a:ext>
+                </a:extLst>
+              </p:cNvPr>
+              <p:cNvSpPr txBox="1"/>
+              <p:nvPr/>
+            </p:nvSpPr>
+            <p:spPr>
+              <a:xfrm>
+                <a:off x="409251" y="1567417"/>
+                <a:ext cx="11178450" cy="707886"/>
+              </a:xfrm>
+              <a:prstGeom prst="rect">
+                <a:avLst/>
+              </a:prstGeom>
+              <a:noFill/>
+            </p:spPr>
+            <p:txBody>
+              <a:bodyPr wrap="square" rtlCol="0">
+                <a:spAutoFit/>
+              </a:bodyPr>
+              <a:lstStyle/>
+              <a:p>
+                <a:r>
+                  <a:rPr lang="fr-FR" sz="2000" dirty="0">
+                    <a:latin typeface="Times New Roman" panose="02020603050405020304" pitchFamily="18" charset="0"/>
+                    <a:cs typeface="Times New Roman" panose="02020603050405020304" pitchFamily="18" charset="0"/>
+                  </a:rPr>
+                  <a:t>Dans ce cas la variable va contenir les deux éléments l’indice et la valeur qui sera dans une type spécial appelé </a:t>
+                </a:r>
+                <a14:m>
+                  <m:oMath xmlns:m="http://schemas.openxmlformats.org/officeDocument/2006/math">
+                    <m:r>
+                      <a:rPr lang="fr-FR" sz="2000" b="1" i="1" smtClean="0">
+                        <a:latin typeface="Cambria Math" panose="02040503050406030204" pitchFamily="18" charset="0"/>
+                        <a:cs typeface="Times New Roman" panose="02020603050405020304" pitchFamily="18" charset="0"/>
+                      </a:rPr>
+                      <m:t>𝒕𝒖𝒑𝒍𝒆</m:t>
+                    </m:r>
+                  </m:oMath>
+                </a14:m>
+                <a:r>
+                  <a:rPr lang="fr-FR" sz="2000" b="1" dirty="0">
+                    <a:latin typeface="Times New Roman" panose="02020603050405020304" pitchFamily="18" charset="0"/>
+                    <a:cs typeface="Times New Roman" panose="02020603050405020304" pitchFamily="18" charset="0"/>
+                  </a:rPr>
+                  <a:t> (à voir chapitre 10).</a:t>
+                </a:r>
+              </a:p>
+            </p:txBody>
+          </p:sp>
+        </mc:Choice>
+        <mc:Fallback>
+          <p:sp>
+            <p:nvSpPr>
+              <p:cNvPr id="10" name="ZoneTexte 9">
+                <a:extLst>
+                  <a:ext uri="{FF2B5EF4-FFF2-40B4-BE49-F238E27FC236}">
+                    <a16:creationId xmlns:a16="http://schemas.microsoft.com/office/drawing/2014/main" id="{F7D71576-3616-CC6B-5244-B49F9B2CA299}"/>
+                  </a:ext>
+                </a:extLst>
+              </p:cNvPr>
+              <p:cNvSpPr txBox="1">
+                <a:spLocks noRot="1" noChangeAspect="1" noMove="1" noResize="1" noEditPoints="1" noAdjustHandles="1" noChangeArrowheads="1" noChangeShapeType="1" noTextEdit="1"/>
+              </p:cNvSpPr>
+              <p:nvPr/>
+            </p:nvSpPr>
+            <p:spPr>
+              <a:xfrm>
+                <a:off x="409251" y="1567417"/>
+                <a:ext cx="11178450" cy="707886"/>
+              </a:xfrm>
+              <a:prstGeom prst="rect">
+                <a:avLst/>
+              </a:prstGeom>
+              <a:blipFill>
+                <a:blip r:embed="rId4"/>
+                <a:stretch>
+                  <a:fillRect l="-545" t="-4310" b="-14655"/>
+                </a:stretch>
+              </a:blipFill>
+            </p:spPr>
+            <p:txBody>
+              <a:bodyPr/>
+              <a:lstStyle/>
+              <a:p>
+                <a:r>
+                  <a:rPr lang="fr-FR">
+                    <a:noFill/>
+                  </a:rPr>
+                  <a:t> </a:t>
+                </a:r>
+              </a:p>
+            </p:txBody>
+          </p:sp>
+        </mc:Fallback>
+      </mc:AlternateContent>
+      <p:pic>
+        <p:nvPicPr>
+          <p:cNvPr id="14" name="Image 13">
+            <a:extLst>
+              <a:ext uri="{FF2B5EF4-FFF2-40B4-BE49-F238E27FC236}">
+                <a16:creationId xmlns:a16="http://schemas.microsoft.com/office/drawing/2014/main" id="{C85F7359-9ED6-74D2-E98C-67EB52F06FA2}"/>
+              </a:ext>
+            </a:extLst>
+          </p:cNvPr>
+          <p:cNvPicPr>
+            <a:picLocks noChangeAspect="1"/>
+          </p:cNvPicPr>
+          <p:nvPr/>
+        </p:nvPicPr>
+        <p:blipFill>
+          <a:blip r:embed="rId5"/>
+          <a:stretch>
+            <a:fillRect/>
+          </a:stretch>
+        </p:blipFill>
+        <p:spPr>
+          <a:xfrm>
+            <a:off x="2610149" y="2330200"/>
+            <a:ext cx="7326662" cy="3146354"/>
+          </a:xfrm>
+          <a:prstGeom prst="rect">
+            <a:avLst/>
+          </a:prstGeom>
+        </p:spPr>
+      </p:pic>
+      <p:sp>
+        <p:nvSpPr>
+          <p:cNvPr id="15" name="ZoneTexte 14">
+            <a:extLst>
+              <a:ext uri="{FF2B5EF4-FFF2-40B4-BE49-F238E27FC236}">
+                <a16:creationId xmlns:a16="http://schemas.microsoft.com/office/drawing/2014/main" id="{C098172D-C366-2670-7543-C5078DA87EF7}"/>
               </a:ext>
             </a:extLst>
           </p:cNvPr>
@@ -7454,8 +8710,8 @@
         </p:nvSpPr>
         <p:spPr>
           <a:xfrm>
-            <a:off x="500932" y="941801"/>
-            <a:ext cx="11441731" cy="400110"/>
+            <a:off x="397565" y="5531451"/>
+            <a:ext cx="11441731" cy="707886"/>
           </a:xfrm>
           <a:prstGeom prst="rect">
             <a:avLst/>
@@ -7469,11 +8725,11 @@
           <a:lstStyle/>
           <a:p>
             <a:r>
-              <a:rPr lang="fr-FR" sz="2000" dirty="0">
+              <a:rPr lang="fr-FR" sz="2000" b="1" dirty="0">
                 <a:latin typeface="Times New Roman" panose="02020603050405020304" pitchFamily="18" charset="0"/>
                 <a:cs typeface="Times New Roman" panose="02020603050405020304" pitchFamily="18" charset="0"/>
               </a:rPr>
-              <a:t>Page 92</a:t>
+              <a:t>Les tuples sont semblables aux listes mais on ne peut modifier un tuple après qu’il a été créé. Après création on ne peut pas ajouter ou retirer un élément dans le tuple.</a:t>
             </a:r>
           </a:p>
         </p:txBody>
@@ -7481,7 +8737,7 @@
     </p:spTree>
     <p:extLst>
       <p:ext uri="{BB962C8B-B14F-4D97-AF65-F5344CB8AC3E}">
-        <p14:creationId xmlns:p14="http://schemas.microsoft.com/office/powerpoint/2010/main" val="3194045807"/>
+        <p14:creationId xmlns:p14="http://schemas.microsoft.com/office/powerpoint/2010/main" val="3600390279"/>
       </p:ext>
     </p:extLst>
   </p:cSld>
@@ -7599,7 +8855,7 @@
                 <a:latin typeface="Times New Roman" panose="02020603050405020304" pitchFamily="18" charset="0"/>
                 <a:cs typeface="Times New Roman" panose="02020603050405020304" pitchFamily="18" charset="0"/>
               </a:rPr>
-              <a:t>Parcours de liste efficace</a:t>
+              <a:t>De chaînes aux listes</a:t>
             </a:r>
             <a:endParaRPr lang="fr-FR" sz="2400" b="1" i="1" dirty="0">
               <a:latin typeface="Times New Roman" panose="02020603050405020304" pitchFamily="18" charset="0"/>
@@ -7647,48 +8903,448 @@
           </a:fontRef>
         </p:style>
       </p:cxnSp>
-      <p:sp>
-        <p:nvSpPr>
-          <p:cNvPr id="7" name="ZoneTexte 6">
-            <a:extLst>
-              <a:ext uri="{FF2B5EF4-FFF2-40B4-BE49-F238E27FC236}">
-                <a16:creationId xmlns:a16="http://schemas.microsoft.com/office/drawing/2014/main" id="{B31AF22B-77AC-398F-8B32-17C6B4914236}"/>
-              </a:ext>
-            </a:extLst>
-          </p:cNvPr>
-          <p:cNvSpPr txBox="1"/>
+      <mc:AlternateContent xmlns:mc="http://schemas.openxmlformats.org/markup-compatibility/2006">
+        <mc:Choice xmlns:a14="http://schemas.microsoft.com/office/drawing/2010/main" Requires="a14">
+          <p:sp>
+            <p:nvSpPr>
+              <p:cNvPr id="7" name="ZoneTexte 6">
+                <a:extLst>
+                  <a:ext uri="{FF2B5EF4-FFF2-40B4-BE49-F238E27FC236}">
+                    <a16:creationId xmlns:a16="http://schemas.microsoft.com/office/drawing/2014/main" id="{B31AF22B-77AC-398F-8B32-17C6B4914236}"/>
+                  </a:ext>
+                </a:extLst>
+              </p:cNvPr>
+              <p:cNvSpPr txBox="1"/>
+              <p:nvPr/>
+            </p:nvSpPr>
+            <p:spPr>
+              <a:xfrm>
+                <a:off x="500930" y="787913"/>
+                <a:ext cx="11441731" cy="707886"/>
+              </a:xfrm>
+              <a:prstGeom prst="rect">
+                <a:avLst/>
+              </a:prstGeom>
+              <a:noFill/>
+            </p:spPr>
+            <p:txBody>
+              <a:bodyPr wrap="square" rtlCol="0">
+                <a:spAutoFit/>
+              </a:bodyPr>
+              <a:lstStyle/>
+              <a:p>
+                <a:r>
+                  <a:rPr lang="fr-FR" sz="2000" dirty="0">
+                    <a:latin typeface="Times New Roman" panose="02020603050405020304" pitchFamily="18" charset="0"/>
+                    <a:cs typeface="Times New Roman" panose="02020603050405020304" pitchFamily="18" charset="0"/>
+                  </a:rPr>
+                  <a:t>On peut convertir une chaîne de caractères en liste, pour cela on utilise la méthode </a:t>
+                </a:r>
+                <a14:m>
+                  <m:oMath xmlns:m="http://schemas.openxmlformats.org/officeDocument/2006/math">
+                    <m:r>
+                      <a:rPr lang="fr-FR" sz="2000" b="1" i="1" smtClean="0">
+                        <a:latin typeface="Cambria Math" panose="02040503050406030204" pitchFamily="18" charset="0"/>
+                        <a:cs typeface="Times New Roman" panose="02020603050405020304" pitchFamily="18" charset="0"/>
+                      </a:rPr>
+                      <m:t>𝒔𝒑𝒍𝒊𝒕</m:t>
+                    </m:r>
+                  </m:oMath>
+                </a14:m>
+                <a:r>
+                  <a:rPr lang="fr-FR" sz="2000" b="1" dirty="0">
+                    <a:latin typeface="Times New Roman" panose="02020603050405020304" pitchFamily="18" charset="0"/>
+                    <a:cs typeface="Times New Roman" panose="02020603050405020304" pitchFamily="18" charset="0"/>
+                  </a:rPr>
+                  <a:t> (éclater en français).</a:t>
+                </a:r>
+              </a:p>
+            </p:txBody>
+          </p:sp>
+        </mc:Choice>
+        <mc:Fallback>
+          <p:sp>
+            <p:nvSpPr>
+              <p:cNvPr id="7" name="ZoneTexte 6">
+                <a:extLst>
+                  <a:ext uri="{FF2B5EF4-FFF2-40B4-BE49-F238E27FC236}">
+                    <a16:creationId xmlns:a16="http://schemas.microsoft.com/office/drawing/2014/main" id="{B31AF22B-77AC-398F-8B32-17C6B4914236}"/>
+                  </a:ext>
+                </a:extLst>
+              </p:cNvPr>
+              <p:cNvSpPr txBox="1">
+                <a:spLocks noRot="1" noChangeAspect="1" noMove="1" noResize="1" noEditPoints="1" noAdjustHandles="1" noChangeArrowheads="1" noChangeShapeType="1" noTextEdit="1"/>
+              </p:cNvSpPr>
+              <p:nvPr/>
+            </p:nvSpPr>
+            <p:spPr>
+              <a:xfrm>
+                <a:off x="500930" y="787913"/>
+                <a:ext cx="11441731" cy="707886"/>
+              </a:xfrm>
+              <a:prstGeom prst="rect">
+                <a:avLst/>
+              </a:prstGeom>
+              <a:blipFill>
+                <a:blip r:embed="rId2"/>
+                <a:stretch>
+                  <a:fillRect l="-533" t="-4310" b="-14655"/>
+                </a:stretch>
+              </a:blipFill>
+            </p:spPr>
+            <p:txBody>
+              <a:bodyPr/>
+              <a:lstStyle/>
+              <a:p>
+                <a:r>
+                  <a:rPr lang="fr-FR">
+                    <a:noFill/>
+                  </a:rPr>
+                  <a:t> </a:t>
+                </a:r>
+              </a:p>
+            </p:txBody>
+          </p:sp>
+        </mc:Fallback>
+      </mc:AlternateContent>
+      <mc:AlternateContent xmlns:mc="http://schemas.openxmlformats.org/markup-compatibility/2006">
+        <mc:Choice xmlns:a14="http://schemas.microsoft.com/office/drawing/2010/main" Requires="a14">
+          <p:sp>
+            <p:nvSpPr>
+              <p:cNvPr id="2" name="ZoneTexte 1">
+                <a:extLst>
+                  <a:ext uri="{FF2B5EF4-FFF2-40B4-BE49-F238E27FC236}">
+                    <a16:creationId xmlns:a16="http://schemas.microsoft.com/office/drawing/2014/main" id="{125AE19A-3191-8F02-48F8-4E2D7CFDA294}"/>
+                  </a:ext>
+                </a:extLst>
+              </p:cNvPr>
+              <p:cNvSpPr txBox="1"/>
+              <p:nvPr/>
+            </p:nvSpPr>
+            <p:spPr>
+              <a:xfrm>
+                <a:off x="500929" y="1514396"/>
+                <a:ext cx="11441731" cy="707886"/>
+              </a:xfrm>
+              <a:prstGeom prst="rect">
+                <a:avLst/>
+              </a:prstGeom>
+              <a:noFill/>
+            </p:spPr>
+            <p:txBody>
+              <a:bodyPr wrap="square" rtlCol="0">
+                <a:spAutoFit/>
+              </a:bodyPr>
+              <a:lstStyle/>
+              <a:p>
+                <a:r>
+                  <a:rPr lang="fr-FR" sz="2000" dirty="0">
+                    <a:latin typeface="Times New Roman" panose="02020603050405020304" pitchFamily="18" charset="0"/>
+                    <a:cs typeface="Times New Roman" panose="02020603050405020304" pitchFamily="18" charset="0"/>
+                  </a:rPr>
+                  <a:t>La méthode </a:t>
+                </a:r>
+                <a14:m>
+                  <m:oMath xmlns:m="http://schemas.openxmlformats.org/officeDocument/2006/math">
+                    <m:r>
+                      <a:rPr lang="fr-FR" sz="2000" b="1" i="1" smtClean="0">
+                        <a:latin typeface="Cambria Math" panose="02040503050406030204" pitchFamily="18" charset="0"/>
+                        <a:cs typeface="Times New Roman" panose="02020603050405020304" pitchFamily="18" charset="0"/>
+                      </a:rPr>
+                      <m:t>𝒔𝒑𝒍𝒊𝒕</m:t>
+                    </m:r>
+                  </m:oMath>
+                </a14:m>
+                <a:r>
+                  <a:rPr lang="fr-FR" sz="2000" b="1" dirty="0">
+                    <a:latin typeface="Times New Roman" panose="02020603050405020304" pitchFamily="18" charset="0"/>
+                    <a:cs typeface="Times New Roman" panose="02020603050405020304" pitchFamily="18" charset="0"/>
+                  </a:rPr>
+                  <a:t> </a:t>
+                </a:r>
+                <a:r>
+                  <a:rPr lang="fr-FR" sz="2000" dirty="0">
+                    <a:latin typeface="Times New Roman" panose="02020603050405020304" pitchFamily="18" charset="0"/>
+                    <a:cs typeface="Times New Roman" panose="02020603050405020304" pitchFamily="18" charset="0"/>
+                  </a:rPr>
+                  <a:t>est une méthode des chaines de caractères et prend en paramètre un caractère définissant comment on va découper la chaîne initiale. </a:t>
+                </a:r>
+                <a14:m>
+                  <m:oMath xmlns:m="http://schemas.openxmlformats.org/officeDocument/2006/math">
+                    <m:r>
+                      <a:rPr lang="fr-FR" sz="2000" b="1" i="1" smtClean="0">
+                        <a:latin typeface="Cambria Math" panose="02040503050406030204" pitchFamily="18" charset="0"/>
+                        <a:cs typeface="Times New Roman" panose="02020603050405020304" pitchFamily="18" charset="0"/>
+                      </a:rPr>
+                      <m:t>𝒔𝒑𝒍𝒊𝒕</m:t>
+                    </m:r>
+                  </m:oMath>
+                </a14:m>
+                <a:r>
+                  <a:rPr lang="fr-FR" sz="2000" b="1" dirty="0">
+                    <a:latin typeface="Times New Roman" panose="02020603050405020304" pitchFamily="18" charset="0"/>
+                    <a:cs typeface="Times New Roman" panose="02020603050405020304" pitchFamily="18" charset="0"/>
+                  </a:rPr>
+                  <a:t> </a:t>
+                </a:r>
+                <a:r>
+                  <a:rPr lang="fr-FR" sz="2000" dirty="0">
+                    <a:latin typeface="Times New Roman" panose="02020603050405020304" pitchFamily="18" charset="0"/>
+                    <a:cs typeface="Times New Roman" panose="02020603050405020304" pitchFamily="18" charset="0"/>
+                  </a:rPr>
+                  <a:t>renvoie une liste.</a:t>
+                </a:r>
+                <a:endParaRPr lang="fr-FR" sz="2000" b="1" dirty="0">
+                  <a:latin typeface="Times New Roman" panose="02020603050405020304" pitchFamily="18" charset="0"/>
+                  <a:cs typeface="Times New Roman" panose="02020603050405020304" pitchFamily="18" charset="0"/>
+                </a:endParaRPr>
+              </a:p>
+            </p:txBody>
+          </p:sp>
+        </mc:Choice>
+        <mc:Fallback>
+          <p:sp>
+            <p:nvSpPr>
+              <p:cNvPr id="2" name="ZoneTexte 1">
+                <a:extLst>
+                  <a:ext uri="{FF2B5EF4-FFF2-40B4-BE49-F238E27FC236}">
+                    <a16:creationId xmlns:a16="http://schemas.microsoft.com/office/drawing/2014/main" id="{125AE19A-3191-8F02-48F8-4E2D7CFDA294}"/>
+                  </a:ext>
+                </a:extLst>
+              </p:cNvPr>
+              <p:cNvSpPr txBox="1">
+                <a:spLocks noRot="1" noChangeAspect="1" noMove="1" noResize="1" noEditPoints="1" noAdjustHandles="1" noChangeArrowheads="1" noChangeShapeType="1" noTextEdit="1"/>
+              </p:cNvSpPr>
+              <p:nvPr/>
+            </p:nvSpPr>
+            <p:spPr>
+              <a:xfrm>
+                <a:off x="500929" y="1514396"/>
+                <a:ext cx="11441731" cy="707886"/>
+              </a:xfrm>
+              <a:prstGeom prst="rect">
+                <a:avLst/>
+              </a:prstGeom>
+              <a:blipFill>
+                <a:blip r:embed="rId3"/>
+                <a:stretch>
+                  <a:fillRect l="-533" t="-4274" b="-13675"/>
+                </a:stretch>
+              </a:blipFill>
+            </p:spPr>
+            <p:txBody>
+              <a:bodyPr/>
+              <a:lstStyle/>
+              <a:p>
+                <a:r>
+                  <a:rPr lang="fr-FR">
+                    <a:noFill/>
+                  </a:rPr>
+                  <a:t> </a:t>
+                </a:r>
+              </a:p>
+            </p:txBody>
+          </p:sp>
+        </mc:Fallback>
+      </mc:AlternateContent>
+      <p:pic>
+        <p:nvPicPr>
+          <p:cNvPr id="9" name="Image 8">
+            <a:extLst>
+              <a:ext uri="{FF2B5EF4-FFF2-40B4-BE49-F238E27FC236}">
+                <a16:creationId xmlns:a16="http://schemas.microsoft.com/office/drawing/2014/main" id="{CFDC7E58-87C1-15CF-30FE-B098BC1FB822}"/>
+              </a:ext>
+            </a:extLst>
+          </p:cNvPr>
+          <p:cNvPicPr>
+            <a:picLocks noChangeAspect="1"/>
+          </p:cNvPicPr>
           <p:nvPr/>
-        </p:nvSpPr>
+        </p:nvPicPr>
+        <p:blipFill>
+          <a:blip r:embed="rId4"/>
+          <a:stretch>
+            <a:fillRect/>
+          </a:stretch>
+        </p:blipFill>
         <p:spPr>
           <a:xfrm>
-            <a:off x="500932" y="941801"/>
-            <a:ext cx="11441731" cy="400110"/>
+            <a:off x="611240" y="2267859"/>
+            <a:ext cx="5478917" cy="1577254"/>
           </a:xfrm>
           <a:prstGeom prst="rect">
             <a:avLst/>
           </a:prstGeom>
-          <a:noFill/>
         </p:spPr>
-        <p:txBody>
-          <a:bodyPr wrap="square" rtlCol="0">
-            <a:spAutoFit/>
-          </a:bodyPr>
-          <a:lstStyle/>
-          <a:p>
-            <a:r>
-              <a:rPr lang="fr-FR" sz="2000" dirty="0">
-                <a:latin typeface="Times New Roman" panose="02020603050405020304" pitchFamily="18" charset="0"/>
-                <a:cs typeface="Times New Roman" panose="02020603050405020304" pitchFamily="18" charset="0"/>
-              </a:rPr>
-              <a:t>Page 97</a:t>
-            </a:r>
-          </a:p>
-        </p:txBody>
-      </p:sp>
+      </p:pic>
+      <p:pic>
+        <p:nvPicPr>
+          <p:cNvPr id="11" name="Image 10">
+            <a:extLst>
+              <a:ext uri="{FF2B5EF4-FFF2-40B4-BE49-F238E27FC236}">
+                <a16:creationId xmlns:a16="http://schemas.microsoft.com/office/drawing/2014/main" id="{93D6B94B-23FB-FBE4-1E04-6FE5B3120249}"/>
+              </a:ext>
+            </a:extLst>
+          </p:cNvPr>
+          <p:cNvPicPr>
+            <a:picLocks noChangeAspect="1"/>
+          </p:cNvPicPr>
+          <p:nvPr/>
+        </p:nvPicPr>
+        <p:blipFill>
+          <a:blip r:embed="rId5"/>
+          <a:stretch>
+            <a:fillRect/>
+          </a:stretch>
+        </p:blipFill>
+        <p:spPr>
+          <a:xfrm>
+            <a:off x="6548286" y="2240570"/>
+            <a:ext cx="5131096" cy="1577254"/>
+          </a:xfrm>
+          <a:prstGeom prst="rect">
+            <a:avLst/>
+          </a:prstGeom>
+        </p:spPr>
+      </p:pic>
+      <mc:AlternateContent xmlns:mc="http://schemas.openxmlformats.org/markup-compatibility/2006">
+        <mc:Choice xmlns:a14="http://schemas.microsoft.com/office/drawing/2010/main" Requires="a14">
+          <p:sp>
+            <p:nvSpPr>
+              <p:cNvPr id="12" name="ZoneTexte 11">
+                <a:extLst>
+                  <a:ext uri="{FF2B5EF4-FFF2-40B4-BE49-F238E27FC236}">
+                    <a16:creationId xmlns:a16="http://schemas.microsoft.com/office/drawing/2014/main" id="{B2926172-04A4-4091-542A-D2D64D8901EB}"/>
+                  </a:ext>
+                </a:extLst>
+              </p:cNvPr>
+              <p:cNvSpPr txBox="1"/>
+              <p:nvPr/>
+            </p:nvSpPr>
+            <p:spPr>
+              <a:xfrm>
+                <a:off x="500928" y="3827786"/>
+                <a:ext cx="11441731" cy="707886"/>
+              </a:xfrm>
+              <a:prstGeom prst="rect">
+                <a:avLst/>
+              </a:prstGeom>
+              <a:noFill/>
+            </p:spPr>
+            <p:txBody>
+              <a:bodyPr wrap="square" rtlCol="0">
+                <a:spAutoFit/>
+              </a:bodyPr>
+              <a:lstStyle/>
+              <a:p>
+                <a:r>
+                  <a:rPr lang="fr-FR" sz="2000" b="1" dirty="0">
+                    <a:latin typeface="Times New Roman" panose="02020603050405020304" pitchFamily="18" charset="0"/>
+                    <a:cs typeface="Times New Roman" panose="02020603050405020304" pitchFamily="18" charset="0"/>
+                  </a:rPr>
+                  <a:t>Quand on utilise la méthode </a:t>
+                </a:r>
+                <a14:m>
+                  <m:oMath xmlns:m="http://schemas.openxmlformats.org/officeDocument/2006/math">
+                    <m:r>
+                      <a:rPr lang="fr-FR" sz="2000" b="1" i="1" smtClean="0">
+                        <a:latin typeface="Cambria Math" panose="02040503050406030204" pitchFamily="18" charset="0"/>
+                        <a:cs typeface="Times New Roman" panose="02020603050405020304" pitchFamily="18" charset="0"/>
+                      </a:rPr>
+                      <m:t>𝒔𝒑𝒍𝒊𝒕</m:t>
+                    </m:r>
+                  </m:oMath>
+                </a14:m>
+                <a:r>
+                  <a:rPr lang="fr-FR" sz="2000" b="1" dirty="0">
+                    <a:latin typeface="Times New Roman" panose="02020603050405020304" pitchFamily="18" charset="0"/>
+                    <a:cs typeface="Times New Roman" panose="02020603050405020304" pitchFamily="18" charset="0"/>
+                  </a:rPr>
+                  <a:t> sans spécifier un caractère de découpage, la chaine sera découpée en se basant sur les espaces, les tabulations et les sauts de ligne.</a:t>
+                </a:r>
+              </a:p>
+            </p:txBody>
+          </p:sp>
+        </mc:Choice>
+        <mc:Fallback>
+          <p:sp>
+            <p:nvSpPr>
+              <p:cNvPr id="12" name="ZoneTexte 11">
+                <a:extLst>
+                  <a:ext uri="{FF2B5EF4-FFF2-40B4-BE49-F238E27FC236}">
+                    <a16:creationId xmlns:a16="http://schemas.microsoft.com/office/drawing/2014/main" id="{B2926172-04A4-4091-542A-D2D64D8901EB}"/>
+                  </a:ext>
+                </a:extLst>
+              </p:cNvPr>
+              <p:cNvSpPr txBox="1">
+                <a:spLocks noRot="1" noChangeAspect="1" noMove="1" noResize="1" noEditPoints="1" noAdjustHandles="1" noChangeArrowheads="1" noChangeShapeType="1" noTextEdit="1"/>
+              </p:cNvSpPr>
+              <p:nvPr/>
+            </p:nvSpPr>
+            <p:spPr>
+              <a:xfrm>
+                <a:off x="500928" y="3827786"/>
+                <a:ext cx="11441731" cy="707886"/>
+              </a:xfrm>
+              <a:prstGeom prst="rect">
+                <a:avLst/>
+              </a:prstGeom>
+              <a:blipFill>
+                <a:blip r:embed="rId6"/>
+                <a:stretch>
+                  <a:fillRect l="-533" t="-5172" b="-14655"/>
+                </a:stretch>
+              </a:blipFill>
+            </p:spPr>
+            <p:txBody>
+              <a:bodyPr/>
+              <a:lstStyle/>
+              <a:p>
+                <a:r>
+                  <a:rPr lang="fr-FR">
+                    <a:noFill/>
+                  </a:rPr>
+                  <a:t> </a:t>
+                </a:r>
+              </a:p>
+            </p:txBody>
+          </p:sp>
+        </mc:Fallback>
+      </mc:AlternateContent>
+      <p:pic>
+        <p:nvPicPr>
+          <p:cNvPr id="14" name="Image 13">
+            <a:extLst>
+              <a:ext uri="{FF2B5EF4-FFF2-40B4-BE49-F238E27FC236}">
+                <a16:creationId xmlns:a16="http://schemas.microsoft.com/office/drawing/2014/main" id="{2A64AF5B-839E-23A9-9297-9E7D7A357663}"/>
+              </a:ext>
+            </a:extLst>
+          </p:cNvPr>
+          <p:cNvPicPr>
+            <a:picLocks noChangeAspect="1"/>
+          </p:cNvPicPr>
+          <p:nvPr/>
+        </p:nvPicPr>
+        <p:blipFill>
+          <a:blip r:embed="rId7"/>
+          <a:stretch>
+            <a:fillRect/>
+          </a:stretch>
+        </p:blipFill>
+        <p:spPr>
+          <a:xfrm>
+            <a:off x="3353599" y="4502480"/>
+            <a:ext cx="5736388" cy="1682248"/>
+          </a:xfrm>
+          <a:prstGeom prst="rect">
+            <a:avLst/>
+          </a:prstGeom>
+        </p:spPr>
+      </p:pic>
     </p:spTree>
     <p:extLst>
       <p:ext uri="{BB962C8B-B14F-4D97-AF65-F5344CB8AC3E}">
-        <p14:creationId xmlns:p14="http://schemas.microsoft.com/office/powerpoint/2010/main" val="2865238125"/>
+        <p14:creationId xmlns:p14="http://schemas.microsoft.com/office/powerpoint/2010/main" val="3194045807"/>
       </p:ext>
     </p:extLst>
   </p:cSld>
@@ -7854,12 +9510,310 @@
           </a:fontRef>
         </p:style>
       </p:cxnSp>
-      <p:sp>
-        <p:nvSpPr>
-          <p:cNvPr id="7" name="ZoneTexte 6">
-            <a:extLst>
-              <a:ext uri="{FF2B5EF4-FFF2-40B4-BE49-F238E27FC236}">
-                <a16:creationId xmlns:a16="http://schemas.microsoft.com/office/drawing/2014/main" id="{B31AF22B-77AC-398F-8B32-17C6B4914236}"/>
+      <mc:AlternateContent xmlns:mc="http://schemas.openxmlformats.org/markup-compatibility/2006">
+        <mc:Choice xmlns:a14="http://schemas.microsoft.com/office/drawing/2010/main" Requires="a14">
+          <p:sp>
+            <p:nvSpPr>
+              <p:cNvPr id="7" name="ZoneTexte 6">
+                <a:extLst>
+                  <a:ext uri="{FF2B5EF4-FFF2-40B4-BE49-F238E27FC236}">
+                    <a16:creationId xmlns:a16="http://schemas.microsoft.com/office/drawing/2014/main" id="{B31AF22B-77AC-398F-8B32-17C6B4914236}"/>
+                  </a:ext>
+                </a:extLst>
+              </p:cNvPr>
+              <p:cNvSpPr txBox="1"/>
+              <p:nvPr/>
+            </p:nvSpPr>
+            <p:spPr>
+              <a:xfrm>
+                <a:off x="460932" y="787913"/>
+                <a:ext cx="11258449" cy="707886"/>
+              </a:xfrm>
+              <a:prstGeom prst="rect">
+                <a:avLst/>
+              </a:prstGeom>
+              <a:noFill/>
+            </p:spPr>
+            <p:txBody>
+              <a:bodyPr wrap="square" rtlCol="0">
+                <a:spAutoFit/>
+              </a:bodyPr>
+              <a:lstStyle/>
+              <a:p>
+                <a:r>
+                  <a:rPr lang="fr-FR" sz="2000" dirty="0">
+                    <a:latin typeface="Times New Roman" panose="02020603050405020304" pitchFamily="18" charset="0"/>
+                    <a:cs typeface="Times New Roman" panose="02020603050405020304" pitchFamily="18" charset="0"/>
+                  </a:rPr>
+                  <a:t>On peut aussi transformer une liste en chaine de caractères en utilisant la méthode </a:t>
+                </a:r>
+                <a14:m>
+                  <m:oMath xmlns:m="http://schemas.openxmlformats.org/officeDocument/2006/math">
+                    <m:r>
+                      <a:rPr lang="fr-FR" sz="2000" b="1" i="1" smtClean="0">
+                        <a:latin typeface="Cambria Math" panose="02040503050406030204" pitchFamily="18" charset="0"/>
+                        <a:cs typeface="Times New Roman" panose="02020603050405020304" pitchFamily="18" charset="0"/>
+                      </a:rPr>
+                      <m:t>𝒋𝒐𝒊𝒏</m:t>
+                    </m:r>
+                  </m:oMath>
+                </a14:m>
+                <a:r>
+                  <a:rPr lang="fr-FR" sz="2000" b="1" dirty="0">
+                    <a:latin typeface="Times New Roman" panose="02020603050405020304" pitchFamily="18" charset="0"/>
+                    <a:cs typeface="Times New Roman" panose="02020603050405020304" pitchFamily="18" charset="0"/>
+                  </a:rPr>
+                  <a:t> </a:t>
+                </a:r>
+                <a:r>
+                  <a:rPr lang="fr-FR" sz="2000" dirty="0">
+                    <a:latin typeface="Times New Roman" panose="02020603050405020304" pitchFamily="18" charset="0"/>
+                    <a:cs typeface="Times New Roman" panose="02020603050405020304" pitchFamily="18" charset="0"/>
+                  </a:rPr>
+                  <a:t>des chaines de caractères avec la syntaxe suivante:</a:t>
+                </a:r>
+                <a:endParaRPr lang="fr-FR" sz="2000" b="1" dirty="0">
+                  <a:latin typeface="Times New Roman" panose="02020603050405020304" pitchFamily="18" charset="0"/>
+                  <a:cs typeface="Times New Roman" panose="02020603050405020304" pitchFamily="18" charset="0"/>
+                </a:endParaRPr>
+              </a:p>
+            </p:txBody>
+          </p:sp>
+        </mc:Choice>
+        <mc:Fallback>
+          <p:sp>
+            <p:nvSpPr>
+              <p:cNvPr id="7" name="ZoneTexte 6">
+                <a:extLst>
+                  <a:ext uri="{FF2B5EF4-FFF2-40B4-BE49-F238E27FC236}">
+                    <a16:creationId xmlns:a16="http://schemas.microsoft.com/office/drawing/2014/main" id="{B31AF22B-77AC-398F-8B32-17C6B4914236}"/>
+                  </a:ext>
+                </a:extLst>
+              </p:cNvPr>
+              <p:cNvSpPr txBox="1">
+                <a:spLocks noRot="1" noChangeAspect="1" noMove="1" noResize="1" noEditPoints="1" noAdjustHandles="1" noChangeArrowheads="1" noChangeShapeType="1" noTextEdit="1"/>
+              </p:cNvSpPr>
+              <p:nvPr/>
+            </p:nvSpPr>
+            <p:spPr>
+              <a:xfrm>
+                <a:off x="460932" y="787913"/>
+                <a:ext cx="11258449" cy="707886"/>
+              </a:xfrm>
+              <a:prstGeom prst="rect">
+                <a:avLst/>
+              </a:prstGeom>
+              <a:blipFill>
+                <a:blip r:embed="rId2"/>
+                <a:stretch>
+                  <a:fillRect l="-596" t="-4310" b="-14655"/>
+                </a:stretch>
+              </a:blipFill>
+            </p:spPr>
+            <p:txBody>
+              <a:bodyPr/>
+              <a:lstStyle/>
+              <a:p>
+                <a:r>
+                  <a:rPr lang="fr-FR">
+                    <a:noFill/>
+                  </a:rPr>
+                  <a:t> </a:t>
+                </a:r>
+              </a:p>
+            </p:txBody>
+          </p:sp>
+        </mc:Fallback>
+      </mc:AlternateContent>
+      <mc:AlternateContent xmlns:mc="http://schemas.openxmlformats.org/markup-compatibility/2006">
+        <mc:Choice xmlns:a14="http://schemas.microsoft.com/office/drawing/2010/main" Requires="a14">
+          <p:sp>
+            <p:nvSpPr>
+              <p:cNvPr id="2" name="ZoneTexte 1">
+                <a:extLst>
+                  <a:ext uri="{FF2B5EF4-FFF2-40B4-BE49-F238E27FC236}">
+                    <a16:creationId xmlns:a16="http://schemas.microsoft.com/office/drawing/2014/main" id="{2E2EA51C-74B9-1EC7-D4DF-5B1912068B72}"/>
+                  </a:ext>
+                </a:extLst>
+              </p:cNvPr>
+              <p:cNvSpPr txBox="1"/>
+              <p:nvPr/>
+            </p:nvSpPr>
+            <p:spPr>
+              <a:xfrm>
+                <a:off x="500932" y="1522934"/>
+                <a:ext cx="11258449" cy="400110"/>
+              </a:xfrm>
+              <a:prstGeom prst="rect">
+                <a:avLst/>
+              </a:prstGeom>
+              <a:noFill/>
+            </p:spPr>
+            <p:txBody>
+              <a:bodyPr wrap="square" rtlCol="0">
+                <a:spAutoFit/>
+              </a:bodyPr>
+              <a:lstStyle/>
+              <a:p>
+                <a14:m>
+                  <m:oMathPara xmlns:m="http://schemas.openxmlformats.org/officeDocument/2006/math">
+                    <m:oMathParaPr>
+                      <m:jc m:val="centerGroup"/>
+                    </m:oMathParaPr>
+                    <m:oMath xmlns:m="http://schemas.openxmlformats.org/officeDocument/2006/math">
+                      <m:r>
+                        <a:rPr lang="fr-FR" sz="2000" b="1" i="1" smtClean="0">
+                          <a:latin typeface="Cambria Math" panose="02040503050406030204" pitchFamily="18" charset="0"/>
+                          <a:cs typeface="Times New Roman" panose="02020603050405020304" pitchFamily="18" charset="0"/>
+                        </a:rPr>
+                        <m:t>'</m:t>
+                      </m:r>
+                      <m:r>
+                        <a:rPr lang="fr-FR" sz="2000" b="1" i="1" smtClean="0">
+                          <a:latin typeface="Cambria Math" panose="02040503050406030204" pitchFamily="18" charset="0"/>
+                          <a:cs typeface="Times New Roman" panose="02020603050405020304" pitchFamily="18" charset="0"/>
+                        </a:rPr>
+                        <m:t>𝒄𝒂𝒓𝒂𝒄𝒕</m:t>
+                      </m:r>
+                      <m:r>
+                        <a:rPr lang="fr-FR" sz="2000" b="1" i="1" smtClean="0">
+                          <a:latin typeface="Cambria Math" panose="02040503050406030204" pitchFamily="18" charset="0"/>
+                          <a:cs typeface="Times New Roman" panose="02020603050405020304" pitchFamily="18" charset="0"/>
+                        </a:rPr>
+                        <m:t>è</m:t>
+                      </m:r>
+                      <m:r>
+                        <a:rPr lang="fr-FR" sz="2000" b="1" i="1" smtClean="0">
+                          <a:latin typeface="Cambria Math" panose="02040503050406030204" pitchFamily="18" charset="0"/>
+                          <a:cs typeface="Times New Roman" panose="02020603050405020304" pitchFamily="18" charset="0"/>
+                        </a:rPr>
+                        <m:t>𝒓𝒆𝑫𝒆𝑱𝒐𝒊𝒏𝒕𝒖𝒓</m:t>
+                      </m:r>
+                      <m:sSup>
+                        <m:sSupPr>
+                          <m:ctrlPr>
+                            <a:rPr lang="fr-FR" sz="2000" b="1" i="1" smtClean="0">
+                              <a:latin typeface="Cambria Math" panose="02040503050406030204" pitchFamily="18" charset="0"/>
+                              <a:cs typeface="Times New Roman" panose="02020603050405020304" pitchFamily="18" charset="0"/>
+                            </a:rPr>
+                          </m:ctrlPr>
+                        </m:sSupPr>
+                        <m:e>
+                          <m:r>
+                            <a:rPr lang="fr-FR" sz="2000" b="1" i="1" smtClean="0">
+                              <a:latin typeface="Cambria Math" panose="02040503050406030204" pitchFamily="18" charset="0"/>
+                              <a:cs typeface="Times New Roman" panose="02020603050405020304" pitchFamily="18" charset="0"/>
+                            </a:rPr>
+                            <m:t>𝒆</m:t>
+                          </m:r>
+                        </m:e>
+                        <m:sup>
+                          <m:r>
+                            <a:rPr lang="fr-FR" sz="2000" b="1" i="1" smtClean="0">
+                              <a:latin typeface="Cambria Math" panose="02040503050406030204" pitchFamily="18" charset="0"/>
+                              <a:cs typeface="Times New Roman" panose="02020603050405020304" pitchFamily="18" charset="0"/>
+                            </a:rPr>
+                            <m:t>′</m:t>
+                          </m:r>
+                        </m:sup>
+                      </m:sSup>
+                      <m:r>
+                        <a:rPr lang="fr-FR" sz="2000" b="1" i="1" smtClean="0">
+                          <a:latin typeface="Cambria Math" panose="02040503050406030204" pitchFamily="18" charset="0"/>
+                          <a:cs typeface="Times New Roman" panose="02020603050405020304" pitchFamily="18" charset="0"/>
+                        </a:rPr>
+                        <m:t>.</m:t>
+                      </m:r>
+                      <m:r>
+                        <a:rPr lang="fr-FR" sz="2000" b="1" i="1" smtClean="0">
+                          <a:latin typeface="Cambria Math" panose="02040503050406030204" pitchFamily="18" charset="0"/>
+                          <a:cs typeface="Times New Roman" panose="02020603050405020304" pitchFamily="18" charset="0"/>
+                        </a:rPr>
+                        <m:t>𝒋𝒐𝒊𝒏</m:t>
+                      </m:r>
+                      <m:r>
+                        <a:rPr lang="fr-FR" sz="2000" b="1" i="1" smtClean="0">
+                          <a:latin typeface="Cambria Math" panose="02040503050406030204" pitchFamily="18" charset="0"/>
+                          <a:cs typeface="Times New Roman" panose="02020603050405020304" pitchFamily="18" charset="0"/>
+                        </a:rPr>
+                        <m:t>(</m:t>
+                      </m:r>
+                      <m:r>
+                        <a:rPr lang="fr-FR" sz="2000" b="1" i="1" smtClean="0">
+                          <a:latin typeface="Cambria Math" panose="02040503050406030204" pitchFamily="18" charset="0"/>
+                          <a:cs typeface="Times New Roman" panose="02020603050405020304" pitchFamily="18" charset="0"/>
+                        </a:rPr>
+                        <m:t>𝒏𝒐𝒎𝑫𝒆𝑳𝒂𝑳𝒊𝒔𝒕𝒆</m:t>
+                      </m:r>
+                      <m:r>
+                        <a:rPr lang="fr-FR" sz="2000" b="1" i="1" smtClean="0">
+                          <a:latin typeface="Cambria Math" panose="02040503050406030204" pitchFamily="18" charset="0"/>
+                          <a:cs typeface="Times New Roman" panose="02020603050405020304" pitchFamily="18" charset="0"/>
+                        </a:rPr>
+                        <m:t>)</m:t>
+                      </m:r>
+                    </m:oMath>
+                  </m:oMathPara>
+                </a14:m>
+                <a:endParaRPr lang="fr-FR" sz="2000" b="1" dirty="0">
+                  <a:latin typeface="Times New Roman" panose="02020603050405020304" pitchFamily="18" charset="0"/>
+                  <a:cs typeface="Times New Roman" panose="02020603050405020304" pitchFamily="18" charset="0"/>
+                </a:endParaRPr>
+              </a:p>
+            </p:txBody>
+          </p:sp>
+        </mc:Choice>
+        <mc:Fallback>
+          <p:sp>
+            <p:nvSpPr>
+              <p:cNvPr id="2" name="ZoneTexte 1">
+                <a:extLst>
+                  <a:ext uri="{FF2B5EF4-FFF2-40B4-BE49-F238E27FC236}">
+                    <a16:creationId xmlns:a16="http://schemas.microsoft.com/office/drawing/2014/main" id="{2E2EA51C-74B9-1EC7-D4DF-5B1912068B72}"/>
+                  </a:ext>
+                </a:extLst>
+              </p:cNvPr>
+              <p:cNvSpPr txBox="1">
+                <a:spLocks noRot="1" noChangeAspect="1" noMove="1" noResize="1" noEditPoints="1" noAdjustHandles="1" noChangeArrowheads="1" noChangeShapeType="1" noTextEdit="1"/>
+              </p:cNvSpPr>
+              <p:nvPr/>
+            </p:nvSpPr>
+            <p:spPr>
+              <a:xfrm>
+                <a:off x="500932" y="1522934"/>
+                <a:ext cx="11258449" cy="400110"/>
+              </a:xfrm>
+              <a:prstGeom prst="rect">
+                <a:avLst/>
+              </a:prstGeom>
+              <a:blipFill>
+                <a:blip r:embed="rId3"/>
+                <a:stretch>
+                  <a:fillRect b="-16923"/>
+                </a:stretch>
+              </a:blipFill>
+            </p:spPr>
+            <p:txBody>
+              <a:bodyPr/>
+              <a:lstStyle/>
+              <a:p>
+                <a:r>
+                  <a:rPr lang="fr-FR">
+                    <a:noFill/>
+                  </a:rPr>
+                  <a:t> </a:t>
+                </a:r>
+              </a:p>
+            </p:txBody>
+          </p:sp>
+        </mc:Fallback>
+      </mc:AlternateContent>
+      <p:sp>
+        <p:nvSpPr>
+          <p:cNvPr id="8" name="ZoneTexte 7">
+            <a:extLst>
+              <a:ext uri="{FF2B5EF4-FFF2-40B4-BE49-F238E27FC236}">
+                <a16:creationId xmlns:a16="http://schemas.microsoft.com/office/drawing/2014/main" id="{85B91D4A-A37F-E342-C665-D06ACEFEE8FB}"/>
               </a:ext>
             </a:extLst>
           </p:cNvPr>
@@ -7868,8 +9822,8 @@
         </p:nvSpPr>
         <p:spPr>
           <a:xfrm>
-            <a:off x="500932" y="941801"/>
-            <a:ext cx="11441731" cy="400110"/>
+            <a:off x="510140" y="1997469"/>
+            <a:ext cx="11258449" cy="707886"/>
           </a:xfrm>
           <a:prstGeom prst="rect">
             <a:avLst/>
@@ -7887,11 +9841,41 @@
                 <a:latin typeface="Times New Roman" panose="02020603050405020304" pitchFamily="18" charset="0"/>
                 <a:cs typeface="Times New Roman" panose="02020603050405020304" pitchFamily="18" charset="0"/>
               </a:rPr>
-              <a:t>Page 92</a:t>
-            </a:r>
-          </a:p>
-        </p:txBody>
-      </p:sp>
+              <a:t>Cette méthode renverra une chaine de caractères qui va joindre tous les éléments de la liste avec le caractère de jointure.</a:t>
+            </a:r>
+          </a:p>
+        </p:txBody>
+      </p:sp>
+      <p:pic>
+        <p:nvPicPr>
+          <p:cNvPr id="10" name="Image 9">
+            <a:extLst>
+              <a:ext uri="{FF2B5EF4-FFF2-40B4-BE49-F238E27FC236}">
+                <a16:creationId xmlns:a16="http://schemas.microsoft.com/office/drawing/2014/main" id="{0F80DE41-7C8C-2EFF-3385-EBC736D6FD34}"/>
+              </a:ext>
+            </a:extLst>
+          </p:cNvPr>
+          <p:cNvPicPr>
+            <a:picLocks noChangeAspect="1"/>
+          </p:cNvPicPr>
+          <p:nvPr/>
+        </p:nvPicPr>
+        <p:blipFill>
+          <a:blip r:embed="rId4"/>
+          <a:stretch>
+            <a:fillRect/>
+          </a:stretch>
+        </p:blipFill>
+        <p:spPr>
+          <a:xfrm>
+            <a:off x="2507226" y="2541696"/>
+            <a:ext cx="7850431" cy="3180677"/>
+          </a:xfrm>
+          <a:prstGeom prst="rect">
+            <a:avLst/>
+          </a:prstGeom>
+        </p:spPr>
+      </p:pic>
     </p:spTree>
     <p:extLst>
       <p:ext uri="{BB962C8B-B14F-4D97-AF65-F5344CB8AC3E}">
@@ -8009,11 +9993,18 @@
           <a:lstStyle/>
           <a:p>
             <a:r>
-              <a:rPr lang="fr-FR" sz="2400" b="1" dirty="0">
+              <a:rPr lang="fr-FR" sz="2400" b="1" i="1" dirty="0">
                 <a:latin typeface="Times New Roman" panose="02020603050405020304" pitchFamily="18" charset="0"/>
                 <a:cs typeface="Times New Roman" panose="02020603050405020304" pitchFamily="18" charset="0"/>
               </a:rPr>
-              <a:t>Parcours avec filtrage avec condition</a:t>
+              <a:t>Split vs </a:t>
+            </a:r>
+            <a:r>
+              <a:rPr lang="fr-FR" sz="2400" b="1" i="1" dirty="0" err="1">
+                <a:latin typeface="Times New Roman" panose="02020603050405020304" pitchFamily="18" charset="0"/>
+                <a:cs typeface="Times New Roman" panose="02020603050405020304" pitchFamily="18" charset="0"/>
+              </a:rPr>
+              <a:t>Join</a:t>
             </a:r>
             <a:endParaRPr lang="fr-FR" sz="2400" b="1" i="1" dirty="0">
               <a:latin typeface="Times New Roman" panose="02020603050405020304" pitchFamily="18" charset="0"/>
@@ -8061,48 +10052,753 @@
           </a:fontRef>
         </p:style>
       </p:cxnSp>
-      <p:sp>
-        <p:nvSpPr>
-          <p:cNvPr id="7" name="ZoneTexte 6">
-            <a:extLst>
-              <a:ext uri="{FF2B5EF4-FFF2-40B4-BE49-F238E27FC236}">
-                <a16:creationId xmlns:a16="http://schemas.microsoft.com/office/drawing/2014/main" id="{B31AF22B-77AC-398F-8B32-17C6B4914236}"/>
-              </a:ext>
-            </a:extLst>
-          </p:cNvPr>
-          <p:cNvSpPr txBox="1"/>
+      <mc:AlternateContent xmlns:mc="http://schemas.openxmlformats.org/markup-compatibility/2006">
+        <mc:Choice xmlns:a14="http://schemas.microsoft.com/office/drawing/2010/main" Requires="a14">
+          <p:sp>
+            <p:nvSpPr>
+              <p:cNvPr id="12" name="Flèche : droite 11">
+                <a:extLst>
+                  <a:ext uri="{FF2B5EF4-FFF2-40B4-BE49-F238E27FC236}">
+                    <a16:creationId xmlns:a16="http://schemas.microsoft.com/office/drawing/2014/main" id="{87EE0FFC-BE2F-35CD-08BC-19FBF34356EE}"/>
+                  </a:ext>
+                </a:extLst>
+              </p:cNvPr>
+              <p:cNvSpPr/>
+              <p:nvPr/>
+            </p:nvSpPr>
+            <p:spPr>
+              <a:xfrm>
+                <a:off x="3826938" y="968314"/>
+                <a:ext cx="4589475" cy="1337173"/>
+              </a:xfrm>
+              <a:prstGeom prst="rightArrow">
+                <a:avLst/>
+              </a:prstGeom>
+            </p:spPr>
+            <p:style>
+              <a:lnRef idx="2">
+                <a:schemeClr val="accent4">
+                  <a:shade val="15000"/>
+                </a:schemeClr>
+              </a:lnRef>
+              <a:fillRef idx="1">
+                <a:schemeClr val="accent4"/>
+              </a:fillRef>
+              <a:effectRef idx="0">
+                <a:schemeClr val="accent4"/>
+              </a:effectRef>
+              <a:fontRef idx="minor">
+                <a:schemeClr val="lt1"/>
+              </a:fontRef>
+            </p:style>
+            <p:txBody>
+              <a:bodyPr rtlCol="0" anchor="ctr"/>
+              <a:lstStyle/>
+              <a:p>
+                <a:pPr algn="ctr"/>
+                <a:r>
+                  <a:rPr lang="fr-FR" dirty="0"/>
+                  <a:t>Utiliser la méthode </a:t>
+                </a:r>
+                <a14:m>
+                  <m:oMath xmlns:m="http://schemas.openxmlformats.org/officeDocument/2006/math">
+                    <m:r>
+                      <a:rPr lang="fr-FR" b="0" i="1" smtClean="0">
+                        <a:latin typeface="Cambria Math" panose="02040503050406030204" pitchFamily="18" charset="0"/>
+                      </a:rPr>
+                      <m:t>𝑠𝑝𝑙𝑖𝑡</m:t>
+                    </m:r>
+                  </m:oMath>
+                </a14:m>
+                <a:endParaRPr lang="fr-FR" dirty="0"/>
+              </a:p>
+            </p:txBody>
+          </p:sp>
+        </mc:Choice>
+        <mc:Fallback>
+          <p:sp>
+            <p:nvSpPr>
+              <p:cNvPr id="12" name="Flèche : droite 11">
+                <a:extLst>
+                  <a:ext uri="{FF2B5EF4-FFF2-40B4-BE49-F238E27FC236}">
+                    <a16:creationId xmlns:a16="http://schemas.microsoft.com/office/drawing/2014/main" id="{87EE0FFC-BE2F-35CD-08BC-19FBF34356EE}"/>
+                  </a:ext>
+                </a:extLst>
+              </p:cNvPr>
+              <p:cNvSpPr>
+                <a:spLocks noRot="1" noChangeAspect="1" noMove="1" noResize="1" noEditPoints="1" noAdjustHandles="1" noChangeArrowheads="1" noChangeShapeType="1" noTextEdit="1"/>
+              </p:cNvSpPr>
+              <p:nvPr/>
+            </p:nvSpPr>
+            <p:spPr>
+              <a:xfrm>
+                <a:off x="3826938" y="968314"/>
+                <a:ext cx="4589475" cy="1337173"/>
+              </a:xfrm>
+              <a:prstGeom prst="rightArrow">
+                <a:avLst/>
+              </a:prstGeom>
+              <a:blipFill>
+                <a:blip r:embed="rId2"/>
+                <a:stretch>
+                  <a:fillRect/>
+                </a:stretch>
+              </a:blipFill>
+            </p:spPr>
+            <p:txBody>
+              <a:bodyPr/>
+              <a:lstStyle/>
+              <a:p>
+                <a:r>
+                  <a:rPr lang="fr-FR">
+                    <a:noFill/>
+                  </a:rPr>
+                  <a:t> </a:t>
+                </a:r>
+              </a:p>
+            </p:txBody>
+          </p:sp>
+        </mc:Fallback>
+      </mc:AlternateContent>
+      <p:sp>
+        <p:nvSpPr>
+          <p:cNvPr id="13" name="Rectangle 12">
+            <a:extLst>
+              <a:ext uri="{FF2B5EF4-FFF2-40B4-BE49-F238E27FC236}">
+                <a16:creationId xmlns:a16="http://schemas.microsoft.com/office/drawing/2014/main" id="{550CC47A-591C-0103-FCE5-20238642F845}"/>
+              </a:ext>
+            </a:extLst>
+          </p:cNvPr>
+          <p:cNvSpPr/>
           <p:nvPr/>
         </p:nvSpPr>
         <p:spPr>
           <a:xfrm>
-            <a:off x="500932" y="941801"/>
-            <a:ext cx="11441731" cy="400110"/>
+            <a:off x="8890215" y="1029443"/>
+            <a:ext cx="2800853" cy="1337186"/>
           </a:xfrm>
           <a:prstGeom prst="rect">
             <a:avLst/>
           </a:prstGeom>
-          <a:noFill/>
         </p:spPr>
-        <p:txBody>
-          <a:bodyPr wrap="square" rtlCol="0">
-            <a:spAutoFit/>
-          </a:bodyPr>
+        <p:style>
+          <a:lnRef idx="2">
+            <a:schemeClr val="accent1">
+              <a:shade val="15000"/>
+            </a:schemeClr>
+          </a:lnRef>
+          <a:fillRef idx="1">
+            <a:schemeClr val="accent1"/>
+          </a:fillRef>
+          <a:effectRef idx="0">
+            <a:schemeClr val="accent1"/>
+          </a:effectRef>
+          <a:fontRef idx="minor">
+            <a:schemeClr val="lt1"/>
+          </a:fontRef>
+        </p:style>
+        <p:txBody>
+          <a:bodyPr rtlCol="0" anchor="ctr"/>
           <a:lstStyle/>
           <a:p>
-            <a:r>
-              <a:rPr lang="fr-FR" sz="2000" dirty="0">
-                <a:latin typeface="Times New Roman" panose="02020603050405020304" pitchFamily="18" charset="0"/>
-                <a:cs typeface="Times New Roman" panose="02020603050405020304" pitchFamily="18" charset="0"/>
-              </a:rPr>
-              <a:t>Page 97</a:t>
-            </a:r>
-          </a:p>
-        </p:txBody>
-      </p:sp>
+            <a:pPr algn="ctr"/>
+            <a:r>
+              <a:rPr lang="fr-FR" dirty="0"/>
+              <a:t>Liste</a:t>
+            </a:r>
+          </a:p>
+        </p:txBody>
+      </p:sp>
+      <p:sp>
+        <p:nvSpPr>
+          <p:cNvPr id="15" name="Rectangle 14">
+            <a:extLst>
+              <a:ext uri="{FF2B5EF4-FFF2-40B4-BE49-F238E27FC236}">
+                <a16:creationId xmlns:a16="http://schemas.microsoft.com/office/drawing/2014/main" id="{E8B19608-4BCA-8D17-9957-BF3693EA707C}"/>
+              </a:ext>
+            </a:extLst>
+          </p:cNvPr>
+          <p:cNvSpPr/>
+          <p:nvPr/>
+        </p:nvSpPr>
+        <p:spPr>
+          <a:xfrm>
+            <a:off x="8760542" y="3582204"/>
+            <a:ext cx="2918840" cy="1337179"/>
+          </a:xfrm>
+          <a:prstGeom prst="rect">
+            <a:avLst/>
+          </a:prstGeom>
+        </p:spPr>
+        <p:style>
+          <a:lnRef idx="2">
+            <a:schemeClr val="accent3">
+              <a:shade val="15000"/>
+            </a:schemeClr>
+          </a:lnRef>
+          <a:fillRef idx="1">
+            <a:schemeClr val="accent3"/>
+          </a:fillRef>
+          <a:effectRef idx="0">
+            <a:schemeClr val="accent3"/>
+          </a:effectRef>
+          <a:fontRef idx="minor">
+            <a:schemeClr val="lt1"/>
+          </a:fontRef>
+        </p:style>
+        <p:txBody>
+          <a:bodyPr rtlCol="0" anchor="ctr"/>
+          <a:lstStyle/>
+          <a:p>
+            <a:pPr algn="ctr"/>
+            <a:r>
+              <a:rPr lang="fr-FR" dirty="0"/>
+              <a:t>Chaîne</a:t>
+            </a:r>
+          </a:p>
+        </p:txBody>
+      </p:sp>
+      <p:sp>
+        <p:nvSpPr>
+          <p:cNvPr id="16" name="Rectangle 15">
+            <a:extLst>
+              <a:ext uri="{FF2B5EF4-FFF2-40B4-BE49-F238E27FC236}">
+                <a16:creationId xmlns:a16="http://schemas.microsoft.com/office/drawing/2014/main" id="{A7D9AC37-902D-B2F9-DBD1-3B7629224B55}"/>
+              </a:ext>
+            </a:extLst>
+          </p:cNvPr>
+          <p:cNvSpPr/>
+          <p:nvPr/>
+        </p:nvSpPr>
+        <p:spPr>
+          <a:xfrm>
+            <a:off x="527780" y="3523202"/>
+            <a:ext cx="2800853" cy="1337186"/>
+          </a:xfrm>
+          <a:prstGeom prst="rect">
+            <a:avLst/>
+          </a:prstGeom>
+        </p:spPr>
+        <p:style>
+          <a:lnRef idx="2">
+            <a:schemeClr val="accent1">
+              <a:shade val="15000"/>
+            </a:schemeClr>
+          </a:lnRef>
+          <a:fillRef idx="1">
+            <a:schemeClr val="accent1"/>
+          </a:fillRef>
+          <a:effectRef idx="0">
+            <a:schemeClr val="accent1"/>
+          </a:effectRef>
+          <a:fontRef idx="minor">
+            <a:schemeClr val="lt1"/>
+          </a:fontRef>
+        </p:style>
+        <p:txBody>
+          <a:bodyPr rtlCol="0" anchor="ctr"/>
+          <a:lstStyle/>
+          <a:p>
+            <a:pPr algn="ctr"/>
+            <a:r>
+              <a:rPr lang="fr-FR" dirty="0"/>
+              <a:t>Liste</a:t>
+            </a:r>
+          </a:p>
+        </p:txBody>
+      </p:sp>
+      <mc:AlternateContent xmlns:mc="http://schemas.openxmlformats.org/markup-compatibility/2006">
+        <mc:Choice xmlns:a14="http://schemas.microsoft.com/office/drawing/2010/main" Requires="a14">
+          <p:sp>
+            <p:nvSpPr>
+              <p:cNvPr id="17" name="Flèche : droite 16">
+                <a:extLst>
+                  <a:ext uri="{FF2B5EF4-FFF2-40B4-BE49-F238E27FC236}">
+                    <a16:creationId xmlns:a16="http://schemas.microsoft.com/office/drawing/2014/main" id="{4E8E49D4-73A5-8550-1015-ECE4658E1D30}"/>
+                  </a:ext>
+                </a:extLst>
+              </p:cNvPr>
+              <p:cNvSpPr/>
+              <p:nvPr/>
+            </p:nvSpPr>
+            <p:spPr>
+              <a:xfrm>
+                <a:off x="3941808" y="3630042"/>
+                <a:ext cx="4296697" cy="1337173"/>
+              </a:xfrm>
+              <a:prstGeom prst="rightArrow">
+                <a:avLst/>
+              </a:prstGeom>
+            </p:spPr>
+            <p:style>
+              <a:lnRef idx="2">
+                <a:schemeClr val="accent4">
+                  <a:shade val="15000"/>
+                </a:schemeClr>
+              </a:lnRef>
+              <a:fillRef idx="1">
+                <a:schemeClr val="accent4"/>
+              </a:fillRef>
+              <a:effectRef idx="0">
+                <a:schemeClr val="accent4"/>
+              </a:effectRef>
+              <a:fontRef idx="minor">
+                <a:schemeClr val="lt1"/>
+              </a:fontRef>
+            </p:style>
+            <p:txBody>
+              <a:bodyPr rtlCol="0" anchor="ctr"/>
+              <a:lstStyle/>
+              <a:p>
+                <a:pPr algn="ctr"/>
+                <a:r>
+                  <a:rPr lang="fr-FR" dirty="0"/>
+                  <a:t>Utiliser la méthode </a:t>
+                </a:r>
+                <a14:m>
+                  <m:oMath xmlns:m="http://schemas.openxmlformats.org/officeDocument/2006/math">
+                    <m:r>
+                      <a:rPr lang="fr-FR" b="0" i="1" smtClean="0">
+                        <a:latin typeface="Cambria Math" panose="02040503050406030204" pitchFamily="18" charset="0"/>
+                      </a:rPr>
+                      <m:t>𝑗𝑜𝑖𝑛</m:t>
+                    </m:r>
+                  </m:oMath>
+                </a14:m>
+                <a:endParaRPr lang="fr-FR" dirty="0"/>
+              </a:p>
+            </p:txBody>
+          </p:sp>
+        </mc:Choice>
+        <mc:Fallback>
+          <p:sp>
+            <p:nvSpPr>
+              <p:cNvPr id="17" name="Flèche : droite 16">
+                <a:extLst>
+                  <a:ext uri="{FF2B5EF4-FFF2-40B4-BE49-F238E27FC236}">
+                    <a16:creationId xmlns:a16="http://schemas.microsoft.com/office/drawing/2014/main" id="{4E8E49D4-73A5-8550-1015-ECE4658E1D30}"/>
+                  </a:ext>
+                </a:extLst>
+              </p:cNvPr>
+              <p:cNvSpPr>
+                <a:spLocks noRot="1" noChangeAspect="1" noMove="1" noResize="1" noEditPoints="1" noAdjustHandles="1" noChangeArrowheads="1" noChangeShapeType="1" noTextEdit="1"/>
+              </p:cNvSpPr>
+              <p:nvPr/>
+            </p:nvSpPr>
+            <p:spPr>
+              <a:xfrm>
+                <a:off x="3941808" y="3630042"/>
+                <a:ext cx="4296697" cy="1337173"/>
+              </a:xfrm>
+              <a:prstGeom prst="rightArrow">
+                <a:avLst/>
+              </a:prstGeom>
+              <a:blipFill>
+                <a:blip r:embed="rId3"/>
+                <a:stretch>
+                  <a:fillRect/>
+                </a:stretch>
+              </a:blipFill>
+            </p:spPr>
+            <p:txBody>
+              <a:bodyPr/>
+              <a:lstStyle/>
+              <a:p>
+                <a:r>
+                  <a:rPr lang="fr-FR">
+                    <a:noFill/>
+                  </a:rPr>
+                  <a:t> </a:t>
+                </a:r>
+              </a:p>
+            </p:txBody>
+          </p:sp>
+        </mc:Fallback>
+      </mc:AlternateContent>
+      <p:sp>
+        <p:nvSpPr>
+          <p:cNvPr id="18" name="Rectangle 17">
+            <a:extLst>
+              <a:ext uri="{FF2B5EF4-FFF2-40B4-BE49-F238E27FC236}">
+                <a16:creationId xmlns:a16="http://schemas.microsoft.com/office/drawing/2014/main" id="{DBDE3CC0-A619-C9E1-1B15-1A4562794A97}"/>
+              </a:ext>
+            </a:extLst>
+          </p:cNvPr>
+          <p:cNvSpPr/>
+          <p:nvPr/>
+        </p:nvSpPr>
+        <p:spPr>
+          <a:xfrm>
+            <a:off x="500932" y="1029443"/>
+            <a:ext cx="2918840" cy="1337179"/>
+          </a:xfrm>
+          <a:prstGeom prst="rect">
+            <a:avLst/>
+          </a:prstGeom>
+        </p:spPr>
+        <p:style>
+          <a:lnRef idx="2">
+            <a:schemeClr val="accent3">
+              <a:shade val="15000"/>
+            </a:schemeClr>
+          </a:lnRef>
+          <a:fillRef idx="1">
+            <a:schemeClr val="accent3"/>
+          </a:fillRef>
+          <a:effectRef idx="0">
+            <a:schemeClr val="accent3"/>
+          </a:effectRef>
+          <a:fontRef idx="minor">
+            <a:schemeClr val="lt1"/>
+          </a:fontRef>
+        </p:style>
+        <p:txBody>
+          <a:bodyPr rtlCol="0" anchor="ctr"/>
+          <a:lstStyle/>
+          <a:p>
+            <a:pPr algn="ctr"/>
+            <a:r>
+              <a:rPr lang="fr-FR" dirty="0"/>
+              <a:t>Chaîne</a:t>
+            </a:r>
+          </a:p>
+        </p:txBody>
+      </p:sp>
+      <mc:AlternateContent xmlns:mc="http://schemas.openxmlformats.org/markup-compatibility/2006">
+        <mc:Choice xmlns:a14="http://schemas.microsoft.com/office/drawing/2010/main" Requires="a14">
+          <p:sp>
+            <p:nvSpPr>
+              <p:cNvPr id="19" name="ZoneTexte 18">
+                <a:extLst>
+                  <a:ext uri="{FF2B5EF4-FFF2-40B4-BE49-F238E27FC236}">
+                    <a16:creationId xmlns:a16="http://schemas.microsoft.com/office/drawing/2014/main" id="{CCFED438-B015-8135-FFDD-E52A4405CA2D}"/>
+                  </a:ext>
+                </a:extLst>
+              </p:cNvPr>
+              <p:cNvSpPr txBox="1"/>
+              <p:nvPr/>
+            </p:nvSpPr>
+            <p:spPr>
+              <a:xfrm>
+                <a:off x="527780" y="2601008"/>
+                <a:ext cx="11258449" cy="400110"/>
+              </a:xfrm>
+              <a:prstGeom prst="rect">
+                <a:avLst/>
+              </a:prstGeom>
+              <a:noFill/>
+            </p:spPr>
+            <p:txBody>
+              <a:bodyPr wrap="square" rtlCol="0">
+                <a:spAutoFit/>
+              </a:bodyPr>
+              <a:lstStyle/>
+              <a:p>
+                <a14:m>
+                  <m:oMathPara xmlns:m="http://schemas.openxmlformats.org/officeDocument/2006/math">
+                    <m:oMathParaPr>
+                      <m:jc m:val="centerGroup"/>
+                    </m:oMathParaPr>
+                    <m:oMath xmlns:m="http://schemas.openxmlformats.org/officeDocument/2006/math">
+                      <m:r>
+                        <a:rPr lang="fr-FR" sz="2000" b="1" i="1" smtClean="0">
+                          <a:latin typeface="Cambria Math" panose="02040503050406030204" pitchFamily="18" charset="0"/>
+                          <a:cs typeface="Times New Roman" panose="02020603050405020304" pitchFamily="18" charset="0"/>
+                        </a:rPr>
+                        <m:t>𝒏𝒐𝒎𝑫𝒆𝑳𝒂𝑳𝒊𝒔𝒕𝒆</m:t>
+                      </m:r>
+                      <m:r>
+                        <a:rPr lang="fr-FR" sz="2000" b="1" i="1" smtClean="0">
+                          <a:latin typeface="Cambria Math" panose="02040503050406030204" pitchFamily="18" charset="0"/>
+                          <a:cs typeface="Times New Roman" panose="02020603050405020304" pitchFamily="18" charset="0"/>
+                        </a:rPr>
+                        <m:t>.</m:t>
+                      </m:r>
+                      <m:r>
+                        <a:rPr lang="fr-FR" sz="2000" b="1" i="1" smtClean="0">
+                          <a:latin typeface="Cambria Math" panose="02040503050406030204" pitchFamily="18" charset="0"/>
+                          <a:cs typeface="Times New Roman" panose="02020603050405020304" pitchFamily="18" charset="0"/>
+                        </a:rPr>
+                        <m:t>𝒔𝒑𝒍𝒊𝒕</m:t>
+                      </m:r>
+                      <m:r>
+                        <a:rPr lang="fr-FR" sz="2000" b="1" i="1" smtClean="0">
+                          <a:latin typeface="Cambria Math" panose="02040503050406030204" pitchFamily="18" charset="0"/>
+                          <a:cs typeface="Times New Roman" panose="02020603050405020304" pitchFamily="18" charset="0"/>
+                        </a:rPr>
+                        <m:t>(′</m:t>
+                      </m:r>
+                      <m:r>
+                        <a:rPr lang="fr-FR" sz="2000" b="1" i="1" smtClean="0">
+                          <a:latin typeface="Cambria Math" panose="02040503050406030204" pitchFamily="18" charset="0"/>
+                          <a:cs typeface="Times New Roman" panose="02020603050405020304" pitchFamily="18" charset="0"/>
+                        </a:rPr>
+                        <m:t>𝒄𝒂𝒓𝒂𝒄𝒕</m:t>
+                      </m:r>
+                      <m:r>
+                        <a:rPr lang="fr-FR" sz="2000" b="1" i="1" smtClean="0">
+                          <a:latin typeface="Cambria Math" panose="02040503050406030204" pitchFamily="18" charset="0"/>
+                          <a:cs typeface="Times New Roman" panose="02020603050405020304" pitchFamily="18" charset="0"/>
+                        </a:rPr>
+                        <m:t>è</m:t>
+                      </m:r>
+                      <m:r>
+                        <a:rPr lang="fr-FR" sz="2000" b="1" i="1" smtClean="0">
+                          <a:latin typeface="Cambria Math" panose="02040503050406030204" pitchFamily="18" charset="0"/>
+                          <a:cs typeface="Times New Roman" panose="02020603050405020304" pitchFamily="18" charset="0"/>
+                        </a:rPr>
+                        <m:t>𝒓𝒆𝑫𝒆𝑺𝒆𝒑𝒂𝒓𝒂𝒕𝒊𝒐𝒏</m:t>
+                      </m:r>
+                      <m:r>
+                        <a:rPr lang="fr-FR" sz="2000" b="1" i="1" smtClean="0">
+                          <a:latin typeface="Cambria Math" panose="02040503050406030204" pitchFamily="18" charset="0"/>
+                          <a:cs typeface="Times New Roman" panose="02020603050405020304" pitchFamily="18" charset="0"/>
+                        </a:rPr>
+                        <m:t>′)</m:t>
+                      </m:r>
+                    </m:oMath>
+                  </m:oMathPara>
+                </a14:m>
+                <a:endParaRPr lang="fr-FR" sz="2000" b="1" dirty="0">
+                  <a:latin typeface="Times New Roman" panose="02020603050405020304" pitchFamily="18" charset="0"/>
+                  <a:cs typeface="Times New Roman" panose="02020603050405020304" pitchFamily="18" charset="0"/>
+                </a:endParaRPr>
+              </a:p>
+            </p:txBody>
+          </p:sp>
+        </mc:Choice>
+        <mc:Fallback>
+          <p:sp>
+            <p:nvSpPr>
+              <p:cNvPr id="19" name="ZoneTexte 18">
+                <a:extLst>
+                  <a:ext uri="{FF2B5EF4-FFF2-40B4-BE49-F238E27FC236}">
+                    <a16:creationId xmlns:a16="http://schemas.microsoft.com/office/drawing/2014/main" id="{CCFED438-B015-8135-FFDD-E52A4405CA2D}"/>
+                  </a:ext>
+                </a:extLst>
+              </p:cNvPr>
+              <p:cNvSpPr txBox="1">
+                <a:spLocks noRot="1" noChangeAspect="1" noMove="1" noResize="1" noEditPoints="1" noAdjustHandles="1" noChangeArrowheads="1" noChangeShapeType="1" noTextEdit="1"/>
+              </p:cNvSpPr>
+              <p:nvPr/>
+            </p:nvSpPr>
+            <p:spPr>
+              <a:xfrm>
+                <a:off x="527780" y="2601008"/>
+                <a:ext cx="11258449" cy="400110"/>
+              </a:xfrm>
+              <a:prstGeom prst="rect">
+                <a:avLst/>
+              </a:prstGeom>
+              <a:blipFill>
+                <a:blip r:embed="rId4"/>
+                <a:stretch>
+                  <a:fillRect b="-18462"/>
+                </a:stretch>
+              </a:blipFill>
+            </p:spPr>
+            <p:txBody>
+              <a:bodyPr/>
+              <a:lstStyle/>
+              <a:p>
+                <a:r>
+                  <a:rPr lang="fr-FR">
+                    <a:noFill/>
+                  </a:rPr>
+                  <a:t> </a:t>
+                </a:r>
+              </a:p>
+            </p:txBody>
+          </p:sp>
+        </mc:Fallback>
+      </mc:AlternateContent>
+      <mc:AlternateContent xmlns:mc="http://schemas.openxmlformats.org/markup-compatibility/2006">
+        <mc:Choice xmlns:a14="http://schemas.microsoft.com/office/drawing/2010/main" Requires="a14">
+          <p:sp>
+            <p:nvSpPr>
+              <p:cNvPr id="20" name="ZoneTexte 19">
+                <a:extLst>
+                  <a:ext uri="{FF2B5EF4-FFF2-40B4-BE49-F238E27FC236}">
+                    <a16:creationId xmlns:a16="http://schemas.microsoft.com/office/drawing/2014/main" id="{652DA9E9-8B94-3DA4-490F-C50A844FA9CF}"/>
+                  </a:ext>
+                </a:extLst>
+              </p:cNvPr>
+              <p:cNvSpPr txBox="1"/>
+              <p:nvPr/>
+            </p:nvSpPr>
+            <p:spPr>
+              <a:xfrm>
+                <a:off x="346062" y="5428447"/>
+                <a:ext cx="11258449" cy="400110"/>
+              </a:xfrm>
+              <a:prstGeom prst="rect">
+                <a:avLst/>
+              </a:prstGeom>
+              <a:noFill/>
+            </p:spPr>
+            <p:txBody>
+              <a:bodyPr wrap="square" rtlCol="0">
+                <a:spAutoFit/>
+              </a:bodyPr>
+              <a:lstStyle/>
+              <a:p>
+                <a14:m>
+                  <m:oMathPara xmlns:m="http://schemas.openxmlformats.org/officeDocument/2006/math">
+                    <m:oMathParaPr>
+                      <m:jc m:val="centerGroup"/>
+                    </m:oMathParaPr>
+                    <m:oMath xmlns:m="http://schemas.openxmlformats.org/officeDocument/2006/math">
+                      <m:r>
+                        <a:rPr lang="fr-FR" sz="2000" b="1" i="1" smtClean="0">
+                          <a:latin typeface="Cambria Math" panose="02040503050406030204" pitchFamily="18" charset="0"/>
+                          <a:cs typeface="Times New Roman" panose="02020603050405020304" pitchFamily="18" charset="0"/>
+                        </a:rPr>
+                        <m:t>'</m:t>
+                      </m:r>
+                      <m:r>
+                        <a:rPr lang="fr-FR" sz="2000" b="1" i="1" smtClean="0">
+                          <a:latin typeface="Cambria Math" panose="02040503050406030204" pitchFamily="18" charset="0"/>
+                          <a:cs typeface="Times New Roman" panose="02020603050405020304" pitchFamily="18" charset="0"/>
+                        </a:rPr>
+                        <m:t>𝒄𝒂𝒓𝒂𝒄𝒕</m:t>
+                      </m:r>
+                      <m:r>
+                        <a:rPr lang="fr-FR" sz="2000" b="1" i="1" smtClean="0">
+                          <a:latin typeface="Cambria Math" panose="02040503050406030204" pitchFamily="18" charset="0"/>
+                          <a:cs typeface="Times New Roman" panose="02020603050405020304" pitchFamily="18" charset="0"/>
+                        </a:rPr>
+                        <m:t>è</m:t>
+                      </m:r>
+                      <m:r>
+                        <a:rPr lang="fr-FR" sz="2000" b="1" i="1" smtClean="0">
+                          <a:latin typeface="Cambria Math" panose="02040503050406030204" pitchFamily="18" charset="0"/>
+                          <a:cs typeface="Times New Roman" panose="02020603050405020304" pitchFamily="18" charset="0"/>
+                        </a:rPr>
+                        <m:t>𝒓𝒆𝑫𝒆𝑱𝒐𝒊𝒏𝒕𝒖𝒓</m:t>
+                      </m:r>
+                      <m:sSup>
+                        <m:sSupPr>
+                          <m:ctrlPr>
+                            <a:rPr lang="fr-FR" sz="2000" b="1" i="1" smtClean="0">
+                              <a:latin typeface="Cambria Math" panose="02040503050406030204" pitchFamily="18" charset="0"/>
+                              <a:cs typeface="Times New Roman" panose="02020603050405020304" pitchFamily="18" charset="0"/>
+                            </a:rPr>
+                          </m:ctrlPr>
+                        </m:sSupPr>
+                        <m:e>
+                          <m:r>
+                            <a:rPr lang="fr-FR" sz="2000" b="1" i="1" smtClean="0">
+                              <a:latin typeface="Cambria Math" panose="02040503050406030204" pitchFamily="18" charset="0"/>
+                              <a:cs typeface="Times New Roman" panose="02020603050405020304" pitchFamily="18" charset="0"/>
+                            </a:rPr>
+                            <m:t>𝒆</m:t>
+                          </m:r>
+                        </m:e>
+                        <m:sup>
+                          <m:r>
+                            <a:rPr lang="fr-FR" sz="2000" b="1" i="1" smtClean="0">
+                              <a:latin typeface="Cambria Math" panose="02040503050406030204" pitchFamily="18" charset="0"/>
+                              <a:cs typeface="Times New Roman" panose="02020603050405020304" pitchFamily="18" charset="0"/>
+                            </a:rPr>
+                            <m:t>′</m:t>
+                          </m:r>
+                        </m:sup>
+                      </m:sSup>
+                      <m:r>
+                        <a:rPr lang="fr-FR" sz="2000" b="1" i="1" smtClean="0">
+                          <a:latin typeface="Cambria Math" panose="02040503050406030204" pitchFamily="18" charset="0"/>
+                          <a:cs typeface="Times New Roman" panose="02020603050405020304" pitchFamily="18" charset="0"/>
+                        </a:rPr>
+                        <m:t>.</m:t>
+                      </m:r>
+                      <m:r>
+                        <a:rPr lang="fr-FR" sz="2000" b="1" i="1" smtClean="0">
+                          <a:latin typeface="Cambria Math" panose="02040503050406030204" pitchFamily="18" charset="0"/>
+                          <a:cs typeface="Times New Roman" panose="02020603050405020304" pitchFamily="18" charset="0"/>
+                        </a:rPr>
+                        <m:t>𝒋𝒐𝒊𝒏</m:t>
+                      </m:r>
+                      <m:r>
+                        <a:rPr lang="fr-FR" sz="2000" b="1" i="1" smtClean="0">
+                          <a:latin typeface="Cambria Math" panose="02040503050406030204" pitchFamily="18" charset="0"/>
+                          <a:cs typeface="Times New Roman" panose="02020603050405020304" pitchFamily="18" charset="0"/>
+                        </a:rPr>
+                        <m:t>(</m:t>
+                      </m:r>
+                      <m:r>
+                        <a:rPr lang="fr-FR" sz="2000" b="1" i="1" smtClean="0">
+                          <a:latin typeface="Cambria Math" panose="02040503050406030204" pitchFamily="18" charset="0"/>
+                          <a:cs typeface="Times New Roman" panose="02020603050405020304" pitchFamily="18" charset="0"/>
+                        </a:rPr>
+                        <m:t>𝒏𝒐𝒎𝑫𝒆𝑳𝒂𝑳𝒊𝒔𝒕𝒆</m:t>
+                      </m:r>
+                      <m:r>
+                        <a:rPr lang="fr-FR" sz="2000" b="1" i="1" smtClean="0">
+                          <a:latin typeface="Cambria Math" panose="02040503050406030204" pitchFamily="18" charset="0"/>
+                          <a:cs typeface="Times New Roman" panose="02020603050405020304" pitchFamily="18" charset="0"/>
+                        </a:rPr>
+                        <m:t>)</m:t>
+                      </m:r>
+                    </m:oMath>
+                  </m:oMathPara>
+                </a14:m>
+                <a:endParaRPr lang="fr-FR" sz="2000" b="1" dirty="0">
+                  <a:latin typeface="Times New Roman" panose="02020603050405020304" pitchFamily="18" charset="0"/>
+                  <a:cs typeface="Times New Roman" panose="02020603050405020304" pitchFamily="18" charset="0"/>
+                </a:endParaRPr>
+              </a:p>
+            </p:txBody>
+          </p:sp>
+        </mc:Choice>
+        <mc:Fallback>
+          <p:sp>
+            <p:nvSpPr>
+              <p:cNvPr id="20" name="ZoneTexte 19">
+                <a:extLst>
+                  <a:ext uri="{FF2B5EF4-FFF2-40B4-BE49-F238E27FC236}">
+                    <a16:creationId xmlns:a16="http://schemas.microsoft.com/office/drawing/2014/main" id="{652DA9E9-8B94-3DA4-490F-C50A844FA9CF}"/>
+                  </a:ext>
+                </a:extLst>
+              </p:cNvPr>
+              <p:cNvSpPr txBox="1">
+                <a:spLocks noRot="1" noChangeAspect="1" noMove="1" noResize="1" noEditPoints="1" noAdjustHandles="1" noChangeArrowheads="1" noChangeShapeType="1" noTextEdit="1"/>
+              </p:cNvSpPr>
+              <p:nvPr/>
+            </p:nvSpPr>
+            <p:spPr>
+              <a:xfrm>
+                <a:off x="346062" y="5428447"/>
+                <a:ext cx="11258449" cy="400110"/>
+              </a:xfrm>
+              <a:prstGeom prst="rect">
+                <a:avLst/>
+              </a:prstGeom>
+              <a:blipFill>
+                <a:blip r:embed="rId5"/>
+                <a:stretch>
+                  <a:fillRect b="-16667"/>
+                </a:stretch>
+              </a:blipFill>
+            </p:spPr>
+            <p:txBody>
+              <a:bodyPr/>
+              <a:lstStyle/>
+              <a:p>
+                <a:r>
+                  <a:rPr lang="fr-FR">
+                    <a:noFill/>
+                  </a:rPr>
+                  <a:t> </a:t>
+                </a:r>
+              </a:p>
+            </p:txBody>
+          </p:sp>
+        </mc:Fallback>
+      </mc:AlternateContent>
     </p:spTree>
     <p:extLst>
       <p:ext uri="{BB962C8B-B14F-4D97-AF65-F5344CB8AC3E}">
-        <p14:creationId xmlns:p14="http://schemas.microsoft.com/office/powerpoint/2010/main" val="715928702"/>
+        <p14:creationId xmlns:p14="http://schemas.microsoft.com/office/powerpoint/2010/main" val="181240145"/>
       </p:ext>
     </p:extLst>
   </p:cSld>
@@ -8220,7 +10916,7 @@
                 <a:latin typeface="Times New Roman" panose="02020603050405020304" pitchFamily="18" charset="0"/>
                 <a:cs typeface="Times New Roman" panose="02020603050405020304" pitchFamily="18" charset="0"/>
               </a:rPr>
-              <a:t>Méthodes usuelles de liste</a:t>
+              <a:t>Parcours de liste efficace</a:t>
             </a:r>
             <a:endParaRPr lang="fr-FR" sz="2400" b="1" i="1" dirty="0">
               <a:latin typeface="Times New Roman" panose="02020603050405020304" pitchFamily="18" charset="0"/>
@@ -8282,8 +10978,8 @@
         </p:nvSpPr>
         <p:spPr>
           <a:xfrm>
-            <a:off x="500932" y="941801"/>
-            <a:ext cx="11441731" cy="707886"/>
+            <a:off x="397565" y="680191"/>
+            <a:ext cx="11293503" cy="707886"/>
           </a:xfrm>
           <a:prstGeom prst="rect">
             <a:avLst/>
@@ -8301,84 +10997,289 @@
                 <a:latin typeface="Times New Roman" panose="02020603050405020304" pitchFamily="18" charset="0"/>
                 <a:cs typeface="Times New Roman" panose="02020603050405020304" pitchFamily="18" charset="0"/>
               </a:rPr>
-              <a:t>ajouter lien vers documentation python</a:t>
-            </a:r>
-          </a:p>
-          <a:p>
-            <a:r>
-              <a:rPr lang="fr-FR" sz="2000" dirty="0" err="1">
+              <a:t>Les programmeurs Python utilise une méthode efficace pour parcourir une liste en une ligne de code en la modifiant ou la filtrant. On parle de </a:t>
+            </a:r>
+            <a:r>
+              <a:rPr lang="fr-FR" sz="2000" b="1" dirty="0" err="1">
                 <a:latin typeface="Times New Roman" panose="02020603050405020304" pitchFamily="18" charset="0"/>
                 <a:cs typeface="Times New Roman" panose="02020603050405020304" pitchFamily="18" charset="0"/>
               </a:rPr>
-              <a:t>Elt</a:t>
+              <a:t>list</a:t>
+            </a:r>
+            <a:r>
+              <a:rPr lang="fr-FR" sz="2000" b="1" dirty="0">
+                <a:latin typeface="Times New Roman" panose="02020603050405020304" pitchFamily="18" charset="0"/>
+                <a:cs typeface="Times New Roman" panose="02020603050405020304" pitchFamily="18" charset="0"/>
+              </a:rPr>
+              <a:t> </a:t>
+            </a:r>
+            <a:r>
+              <a:rPr lang="fr-FR" sz="2000" b="1" dirty="0" err="1">
+                <a:latin typeface="Times New Roman" panose="02020603050405020304" pitchFamily="18" charset="0"/>
+                <a:cs typeface="Times New Roman" panose="02020603050405020304" pitchFamily="18" charset="0"/>
+              </a:rPr>
+              <a:t>comprehensions</a:t>
+            </a:r>
+            <a:r>
+              <a:rPr lang="fr-FR" sz="2000" b="1" dirty="0">
+                <a:latin typeface="Times New Roman" panose="02020603050405020304" pitchFamily="18" charset="0"/>
+                <a:cs typeface="Times New Roman" panose="02020603050405020304" pitchFamily="18" charset="0"/>
+              </a:rPr>
+              <a:t> </a:t>
             </a:r>
             <a:r>
               <a:rPr lang="fr-FR" sz="2000" dirty="0">
                 <a:latin typeface="Times New Roman" panose="02020603050405020304" pitchFamily="18" charset="0"/>
                 <a:cs typeface="Times New Roman" panose="02020603050405020304" pitchFamily="18" charset="0"/>
               </a:rPr>
-              <a:t> in Liste, </a:t>
-            </a:r>
-            <a:r>
-              <a:rPr lang="fr-FR" sz="2000" dirty="0" err="1">
-                <a:latin typeface="Times New Roman" panose="02020603050405020304" pitchFamily="18" charset="0"/>
-                <a:cs typeface="Times New Roman" panose="02020603050405020304" pitchFamily="18" charset="0"/>
-              </a:rPr>
-              <a:t>Contains</a:t>
-            </a:r>
+              <a:t>(compréhension de liste en français).</a:t>
+            </a:r>
+          </a:p>
+        </p:txBody>
+      </p:sp>
+      <p:pic>
+        <p:nvPicPr>
+          <p:cNvPr id="8" name="Image 7">
+            <a:extLst>
+              <a:ext uri="{FF2B5EF4-FFF2-40B4-BE49-F238E27FC236}">
+                <a16:creationId xmlns:a16="http://schemas.microsoft.com/office/drawing/2014/main" id="{65CE0B8A-CF39-B254-93A5-ADA10A3B2749}"/>
+              </a:ext>
+            </a:extLst>
+          </p:cNvPr>
+          <p:cNvPicPr>
+            <a:picLocks noChangeAspect="1"/>
+          </p:cNvPicPr>
+          <p:nvPr/>
+        </p:nvPicPr>
+        <p:blipFill>
+          <a:blip r:embed="rId2"/>
+          <a:stretch>
+            <a:fillRect/>
+          </a:stretch>
+        </p:blipFill>
+        <p:spPr>
+          <a:xfrm>
+            <a:off x="2389238" y="1447231"/>
+            <a:ext cx="6164025" cy="3204847"/>
+          </a:xfrm>
+          <a:prstGeom prst="rect">
+            <a:avLst/>
+          </a:prstGeom>
+        </p:spPr>
+      </p:pic>
+      <mc:AlternateContent xmlns:mc="http://schemas.openxmlformats.org/markup-compatibility/2006">
+        <mc:Choice xmlns:a14="http://schemas.microsoft.com/office/drawing/2010/main" Requires="a14">
+          <p:sp>
+            <p:nvSpPr>
+              <p:cNvPr id="9" name="ZoneTexte 8">
+                <a:extLst>
+                  <a:ext uri="{FF2B5EF4-FFF2-40B4-BE49-F238E27FC236}">
+                    <a16:creationId xmlns:a16="http://schemas.microsoft.com/office/drawing/2014/main" id="{F9EF1A2E-1D25-32D7-2A24-699F6C4B447C}"/>
+                  </a:ext>
+                </a:extLst>
+              </p:cNvPr>
+              <p:cNvSpPr txBox="1"/>
+              <p:nvPr/>
+            </p:nvSpPr>
+            <p:spPr>
+              <a:xfrm>
+                <a:off x="500932" y="4688392"/>
+                <a:ext cx="11178450" cy="400110"/>
+              </a:xfrm>
+              <a:prstGeom prst="rect">
+                <a:avLst/>
+              </a:prstGeom>
+              <a:noFill/>
+            </p:spPr>
+            <p:txBody>
+              <a:bodyPr wrap="square" rtlCol="0">
+                <a:spAutoFit/>
+              </a:bodyPr>
+              <a:lstStyle/>
+              <a:p>
+                <a:r>
+                  <a:rPr lang="fr-FR" sz="2000" dirty="0">
+                    <a:latin typeface="Times New Roman" panose="02020603050405020304" pitchFamily="18" charset="0"/>
+                    <a:cs typeface="Times New Roman" panose="02020603050405020304" pitchFamily="18" charset="0"/>
+                  </a:rPr>
+                  <a:t>Avec cette méthode, le résultat </a:t>
+                </a:r>
+                <a14:m>
+                  <m:oMath xmlns:m="http://schemas.openxmlformats.org/officeDocument/2006/math">
+                    <m:r>
+                      <a:rPr lang="fr-FR" sz="2000" b="0" i="1" smtClean="0">
+                        <a:latin typeface="Cambria Math" panose="02040503050406030204" pitchFamily="18" charset="0"/>
+                        <a:cs typeface="Times New Roman" panose="02020603050405020304" pitchFamily="18" charset="0"/>
+                      </a:rPr>
+                      <m:t>2∗</m:t>
+                    </m:r>
+                    <m:r>
+                      <a:rPr lang="fr-FR" sz="2000" b="0" i="1" smtClean="0">
+                        <a:latin typeface="Cambria Math" panose="02040503050406030204" pitchFamily="18" charset="0"/>
+                        <a:cs typeface="Times New Roman" panose="02020603050405020304" pitchFamily="18" charset="0"/>
+                      </a:rPr>
+                      <m:t>𝑛</m:t>
+                    </m:r>
+                  </m:oMath>
+                </a14:m>
+                <a:r>
+                  <a:rPr lang="fr-FR" sz="2000" dirty="0">
+                    <a:latin typeface="Times New Roman" panose="02020603050405020304" pitchFamily="18" charset="0"/>
+                    <a:cs typeface="Times New Roman" panose="02020603050405020304" pitchFamily="18" charset="0"/>
+                  </a:rPr>
+                  <a:t> est spécifié avant le parcours de la liste </a:t>
+                </a:r>
+                <a14:m>
+                  <m:oMath xmlns:m="http://schemas.openxmlformats.org/officeDocument/2006/math">
+                    <m:r>
+                      <a:rPr lang="fr-FR" sz="2000" b="0" i="1" smtClean="0">
+                        <a:latin typeface="Cambria Math" panose="02040503050406030204" pitchFamily="18" charset="0"/>
+                        <a:cs typeface="Times New Roman" panose="02020603050405020304" pitchFamily="18" charset="0"/>
+                      </a:rPr>
+                      <m:t>𝑓𝑜𝑟</m:t>
+                    </m:r>
+                    <m:r>
+                      <a:rPr lang="fr-FR" sz="2000" b="0" i="1" smtClean="0">
+                        <a:latin typeface="Cambria Math" panose="02040503050406030204" pitchFamily="18" charset="0"/>
+                        <a:cs typeface="Times New Roman" panose="02020603050405020304" pitchFamily="18" charset="0"/>
+                      </a:rPr>
+                      <m:t> </m:t>
+                    </m:r>
+                    <m:r>
+                      <a:rPr lang="fr-FR" sz="2000" b="0" i="1" smtClean="0">
+                        <a:latin typeface="Cambria Math" panose="02040503050406030204" pitchFamily="18" charset="0"/>
+                        <a:cs typeface="Times New Roman" panose="02020603050405020304" pitchFamily="18" charset="0"/>
+                      </a:rPr>
+                      <m:t>𝑛</m:t>
+                    </m:r>
+                    <m:r>
+                      <a:rPr lang="fr-FR" sz="2000" b="0" i="1" smtClean="0">
+                        <a:latin typeface="Cambria Math" panose="02040503050406030204" pitchFamily="18" charset="0"/>
+                        <a:cs typeface="Times New Roman" panose="02020603050405020304" pitchFamily="18" charset="0"/>
+                      </a:rPr>
+                      <m:t> </m:t>
+                    </m:r>
+                    <m:r>
+                      <a:rPr lang="fr-FR" sz="2000" b="0" i="1" smtClean="0">
+                        <a:latin typeface="Cambria Math" panose="02040503050406030204" pitchFamily="18" charset="0"/>
+                        <a:cs typeface="Times New Roman" panose="02020603050405020304" pitchFamily="18" charset="0"/>
+                      </a:rPr>
+                      <m:t>𝑖𝑛</m:t>
+                    </m:r>
+                    <m:r>
+                      <a:rPr lang="fr-FR" sz="2000" b="0" i="1" smtClean="0">
+                        <a:latin typeface="Cambria Math" panose="02040503050406030204" pitchFamily="18" charset="0"/>
+                        <a:cs typeface="Times New Roman" panose="02020603050405020304" pitchFamily="18" charset="0"/>
+                      </a:rPr>
+                      <m:t> </m:t>
+                    </m:r>
+                    <m:r>
+                      <a:rPr lang="fr-FR" sz="2000" b="0" i="1" smtClean="0">
+                        <a:latin typeface="Cambria Math" panose="02040503050406030204" pitchFamily="18" charset="0"/>
+                        <a:cs typeface="Times New Roman" panose="02020603050405020304" pitchFamily="18" charset="0"/>
+                      </a:rPr>
+                      <m:t>𝑛𝑜𝑚𝑏𝑟𝑒𝑠</m:t>
+                    </m:r>
+                  </m:oMath>
+                </a14:m>
+                <a:r>
+                  <a:rPr lang="fr-FR" sz="2000" dirty="0">
+                    <a:latin typeface="Times New Roman" panose="02020603050405020304" pitchFamily="18" charset="0"/>
+                    <a:cs typeface="Times New Roman" panose="02020603050405020304" pitchFamily="18" charset="0"/>
+                  </a:rPr>
+                  <a:t>.</a:t>
+                </a:r>
+              </a:p>
+            </p:txBody>
+          </p:sp>
+        </mc:Choice>
+        <mc:Fallback>
+          <p:sp>
+            <p:nvSpPr>
+              <p:cNvPr id="9" name="ZoneTexte 8">
+                <a:extLst>
+                  <a:ext uri="{FF2B5EF4-FFF2-40B4-BE49-F238E27FC236}">
+                    <a16:creationId xmlns:a16="http://schemas.microsoft.com/office/drawing/2014/main" id="{F9EF1A2E-1D25-32D7-2A24-699F6C4B447C}"/>
+                  </a:ext>
+                </a:extLst>
+              </p:cNvPr>
+              <p:cNvSpPr txBox="1">
+                <a:spLocks noRot="1" noChangeAspect="1" noMove="1" noResize="1" noEditPoints="1" noAdjustHandles="1" noChangeArrowheads="1" noChangeShapeType="1" noTextEdit="1"/>
+              </p:cNvSpPr>
+              <p:nvPr/>
+            </p:nvSpPr>
+            <p:spPr>
+              <a:xfrm>
+                <a:off x="500932" y="4688392"/>
+                <a:ext cx="11178450" cy="400110"/>
+              </a:xfrm>
+              <a:prstGeom prst="rect">
+                <a:avLst/>
+              </a:prstGeom>
+              <a:blipFill>
+                <a:blip r:embed="rId3"/>
+                <a:stretch>
+                  <a:fillRect l="-545" t="-7576" b="-25758"/>
+                </a:stretch>
+              </a:blipFill>
+            </p:spPr>
+            <p:txBody>
+              <a:bodyPr/>
+              <a:lstStyle/>
+              <a:p>
+                <a:r>
+                  <a:rPr lang="fr-FR">
+                    <a:noFill/>
+                  </a:rPr>
+                  <a:t> </a:t>
+                </a:r>
+              </a:p>
+            </p:txBody>
+          </p:sp>
+        </mc:Fallback>
+      </mc:AlternateContent>
+      <p:sp>
+        <p:nvSpPr>
+          <p:cNvPr id="10" name="ZoneTexte 9">
+            <a:extLst>
+              <a:ext uri="{FF2B5EF4-FFF2-40B4-BE49-F238E27FC236}">
+                <a16:creationId xmlns:a16="http://schemas.microsoft.com/office/drawing/2014/main" id="{E770BF45-2882-2785-DE02-5403712C43EB}"/>
+              </a:ext>
+            </a:extLst>
+          </p:cNvPr>
+          <p:cNvSpPr txBox="1"/>
+          <p:nvPr/>
+        </p:nvSpPr>
+        <p:spPr>
+          <a:xfrm>
+            <a:off x="397565" y="5165943"/>
+            <a:ext cx="11281818" cy="1015663"/>
+          </a:xfrm>
+          <a:prstGeom prst="rect">
+            <a:avLst/>
+          </a:prstGeom>
+          <a:noFill/>
+        </p:spPr>
+        <p:txBody>
+          <a:bodyPr wrap="square" rtlCol="0">
+            <a:spAutoFit/>
+          </a:bodyPr>
+          <a:lstStyle/>
+          <a:p>
             <a:r>
               <a:rPr lang="fr-FR" sz="2000" dirty="0">
                 <a:latin typeface="Times New Roman" panose="02020603050405020304" pitchFamily="18" charset="0"/>
                 <a:cs typeface="Times New Roman" panose="02020603050405020304" pitchFamily="18" charset="0"/>
               </a:rPr>
-              <a:t>, </a:t>
-            </a:r>
-            <a:r>
-              <a:rPr lang="fr-FR" sz="2000" dirty="0" err="1">
-                <a:latin typeface="Times New Roman" panose="02020603050405020304" pitchFamily="18" charset="0"/>
-                <a:cs typeface="Times New Roman" panose="02020603050405020304" pitchFamily="18" charset="0"/>
-              </a:rPr>
-              <a:t>clear</a:t>
-            </a:r>
-            <a:r>
-              <a:rPr lang="fr-FR" sz="2000" dirty="0">
-                <a:latin typeface="Times New Roman" panose="02020603050405020304" pitchFamily="18" charset="0"/>
-                <a:cs typeface="Times New Roman" panose="02020603050405020304" pitchFamily="18" charset="0"/>
-              </a:rPr>
-              <a:t>, count, </a:t>
-            </a:r>
-            <a:r>
-              <a:rPr lang="fr-FR" sz="2000" dirty="0" err="1">
-                <a:latin typeface="Times New Roman" panose="02020603050405020304" pitchFamily="18" charset="0"/>
-                <a:cs typeface="Times New Roman" panose="02020603050405020304" pitchFamily="18" charset="0"/>
-              </a:rPr>
-              <a:t>extend</a:t>
-            </a:r>
-            <a:r>
-              <a:rPr lang="fr-FR" sz="2000" dirty="0">
-                <a:latin typeface="Times New Roman" panose="02020603050405020304" pitchFamily="18" charset="0"/>
-                <a:cs typeface="Times New Roman" panose="02020603050405020304" pitchFamily="18" charset="0"/>
-              </a:rPr>
-              <a:t>, pop, reverse, sort, </a:t>
-            </a:r>
-            <a:r>
-              <a:rPr lang="fr-FR" sz="2000" dirty="0" err="1">
-                <a:latin typeface="Times New Roman" panose="02020603050405020304" pitchFamily="18" charset="0"/>
-                <a:cs typeface="Times New Roman" panose="02020603050405020304" pitchFamily="18" charset="0"/>
-              </a:rPr>
-              <a:t>sorted</a:t>
-            </a:r>
-            <a:endParaRPr lang="fr-FR" sz="2000" dirty="0">
-              <a:latin typeface="Times New Roman" panose="02020603050405020304" pitchFamily="18" charset="0"/>
-              <a:cs typeface="Times New Roman" panose="02020603050405020304" pitchFamily="18" charset="0"/>
-            </a:endParaRPr>
+              <a:t>Quand Python interprète le code il va parcourir la liste d’origine et utiliser chaque élément de la liste pour appliquer l’opération et renvoie ensuite le résultat obtenu sous la forme d’une liste qui est de la même longueur que celle d’origine.</a:t>
+            </a:r>
           </a:p>
         </p:txBody>
       </p:sp>
     </p:spTree>
     <p:extLst>
       <p:ext uri="{BB962C8B-B14F-4D97-AF65-F5344CB8AC3E}">
-        <p14:creationId xmlns:p14="http://schemas.microsoft.com/office/powerpoint/2010/main" val="3279480716"/>
+        <p14:creationId xmlns:p14="http://schemas.microsoft.com/office/powerpoint/2010/main" val="2865238125"/>
       </p:ext>
     </p:extLst>
   </p:cSld>
@@ -8477,8 +11378,8 @@
         </p:nvSpPr>
         <p:spPr>
           <a:xfrm>
-            <a:off x="397564" y="218526"/>
-            <a:ext cx="7361255" cy="461665"/>
+            <a:off x="397565" y="218526"/>
+            <a:ext cx="5577722" cy="461665"/>
           </a:xfrm>
           <a:prstGeom prst="rect">
             <a:avLst/>
@@ -8496,7 +11397,7 @@
                 <a:latin typeface="Times New Roman" panose="02020603050405020304" pitchFamily="18" charset="0"/>
                 <a:cs typeface="Times New Roman" panose="02020603050405020304" pitchFamily="18" charset="0"/>
               </a:rPr>
-              <a:t>Exemple avec les méthodes usuelles de listes</a:t>
+              <a:t>Parcours avec filtrage avec condition</a:t>
             </a:r>
             <a:endParaRPr lang="fr-FR" sz="2400" b="1" i="1" dirty="0">
               <a:latin typeface="Times New Roman" panose="02020603050405020304" pitchFamily="18" charset="0"/>
@@ -8574,21 +11475,18 @@
           <a:p>
             <a:r>
               <a:rPr lang="fr-FR" sz="2000" dirty="0">
-                <a:hlinkClick r:id="rId2"/>
+                <a:latin typeface="Times New Roman" panose="02020603050405020304" pitchFamily="18" charset="0"/>
+                <a:cs typeface="Times New Roman" panose="02020603050405020304" pitchFamily="18" charset="0"/>
               </a:rPr>
-              <a:t>Les listes python</a:t>
-            </a:r>
-            <a:endParaRPr lang="fr-FR" sz="2000" dirty="0">
-              <a:latin typeface="Times New Roman" panose="02020603050405020304" pitchFamily="18" charset="0"/>
-              <a:cs typeface="Times New Roman" panose="02020603050405020304" pitchFamily="18" charset="0"/>
-            </a:endParaRPr>
+              <a:t>Page 97</a:t>
+            </a:r>
           </a:p>
         </p:txBody>
       </p:sp>
     </p:spTree>
     <p:extLst>
       <p:ext uri="{BB962C8B-B14F-4D97-AF65-F5344CB8AC3E}">
-        <p14:creationId xmlns:p14="http://schemas.microsoft.com/office/powerpoint/2010/main" val="4119819306"/>
+        <p14:creationId xmlns:p14="http://schemas.microsoft.com/office/powerpoint/2010/main" val="715928702"/>
       </p:ext>
     </p:extLst>
   </p:cSld>
@@ -8706,7 +11604,7 @@
                 <a:latin typeface="Times New Roman" panose="02020603050405020304" pitchFamily="18" charset="0"/>
                 <a:cs typeface="Times New Roman" panose="02020603050405020304" pitchFamily="18" charset="0"/>
               </a:rPr>
-              <a:t>Fonctions à plusieurs paramètres</a:t>
+              <a:t>Méthodes usuelles de liste</a:t>
             </a:r>
             <a:endParaRPr lang="fr-FR" sz="2400" b="1" i="1" dirty="0">
               <a:latin typeface="Times New Roman" panose="02020603050405020304" pitchFamily="18" charset="0"/>
@@ -8769,7 +11667,7 @@
         <p:spPr>
           <a:xfrm>
             <a:off x="500932" y="941801"/>
-            <a:ext cx="11441731" cy="400110"/>
+            <a:ext cx="11441731" cy="707886"/>
           </a:xfrm>
           <a:prstGeom prst="rect">
             <a:avLst/>
@@ -8787,15 +11685,84 @@
                 <a:latin typeface="Times New Roman" panose="02020603050405020304" pitchFamily="18" charset="0"/>
                 <a:cs typeface="Times New Roman" panose="02020603050405020304" pitchFamily="18" charset="0"/>
               </a:rPr>
-              <a:t>Voir si nécessaire d’ajouter </a:t>
-            </a:r>
+              <a:t>ajouter lien vers documentation python</a:t>
+            </a:r>
+          </a:p>
+          <a:p>
+            <a:r>
+              <a:rPr lang="fr-FR" sz="2000" dirty="0" err="1">
+                <a:latin typeface="Times New Roman" panose="02020603050405020304" pitchFamily="18" charset="0"/>
+                <a:cs typeface="Times New Roman" panose="02020603050405020304" pitchFamily="18" charset="0"/>
+              </a:rPr>
+              <a:t>Elt</a:t>
+            </a:r>
+            <a:r>
+              <a:rPr lang="fr-FR" sz="2000" dirty="0">
+                <a:latin typeface="Times New Roman" panose="02020603050405020304" pitchFamily="18" charset="0"/>
+                <a:cs typeface="Times New Roman" panose="02020603050405020304" pitchFamily="18" charset="0"/>
+              </a:rPr>
+              <a:t> in Liste, </a:t>
+            </a:r>
+            <a:r>
+              <a:rPr lang="fr-FR" sz="2000" dirty="0" err="1">
+                <a:latin typeface="Times New Roman" panose="02020603050405020304" pitchFamily="18" charset="0"/>
+                <a:cs typeface="Times New Roman" panose="02020603050405020304" pitchFamily="18" charset="0"/>
+              </a:rPr>
+              <a:t>Contains</a:t>
+            </a:r>
+            <a:r>
+              <a:rPr lang="fr-FR" sz="2000" dirty="0">
+                <a:latin typeface="Times New Roman" panose="02020603050405020304" pitchFamily="18" charset="0"/>
+                <a:cs typeface="Times New Roman" panose="02020603050405020304" pitchFamily="18" charset="0"/>
+              </a:rPr>
+              <a:t>, </a:t>
+            </a:r>
+            <a:r>
+              <a:rPr lang="fr-FR" sz="2000" dirty="0" err="1">
+                <a:latin typeface="Times New Roman" panose="02020603050405020304" pitchFamily="18" charset="0"/>
+                <a:cs typeface="Times New Roman" panose="02020603050405020304" pitchFamily="18" charset="0"/>
+              </a:rPr>
+              <a:t>clear</a:t>
+            </a:r>
+            <a:r>
+              <a:rPr lang="fr-FR" sz="2000" dirty="0">
+                <a:latin typeface="Times New Roman" panose="02020603050405020304" pitchFamily="18" charset="0"/>
+                <a:cs typeface="Times New Roman" panose="02020603050405020304" pitchFamily="18" charset="0"/>
+              </a:rPr>
+              <a:t>, count, </a:t>
+            </a:r>
+            <a:r>
+              <a:rPr lang="fr-FR" sz="2000" dirty="0" err="1">
+                <a:latin typeface="Times New Roman" panose="02020603050405020304" pitchFamily="18" charset="0"/>
+                <a:cs typeface="Times New Roman" panose="02020603050405020304" pitchFamily="18" charset="0"/>
+              </a:rPr>
+              <a:t>extend</a:t>
+            </a:r>
+            <a:r>
+              <a:rPr lang="fr-FR" sz="2000" dirty="0">
+                <a:latin typeface="Times New Roman" panose="02020603050405020304" pitchFamily="18" charset="0"/>
+                <a:cs typeface="Times New Roman" panose="02020603050405020304" pitchFamily="18" charset="0"/>
+              </a:rPr>
+              <a:t>, pop, reverse, sort, </a:t>
+            </a:r>
+            <a:r>
+              <a:rPr lang="fr-FR" sz="2000" dirty="0" err="1">
+                <a:latin typeface="Times New Roman" panose="02020603050405020304" pitchFamily="18" charset="0"/>
+                <a:cs typeface="Times New Roman" panose="02020603050405020304" pitchFamily="18" charset="0"/>
+              </a:rPr>
+              <a:t>sorted</a:t>
+            </a:r>
+            <a:endParaRPr lang="fr-FR" sz="2000" dirty="0">
+              <a:latin typeface="Times New Roman" panose="02020603050405020304" pitchFamily="18" charset="0"/>
+              <a:cs typeface="Times New Roman" panose="02020603050405020304" pitchFamily="18" charset="0"/>
+            </a:endParaRPr>
           </a:p>
         </p:txBody>
       </p:sp>
     </p:spTree>
     <p:extLst>
       <p:ext uri="{BB962C8B-B14F-4D97-AF65-F5344CB8AC3E}">
-        <p14:creationId xmlns:p14="http://schemas.microsoft.com/office/powerpoint/2010/main" val="2591302804"/>
+        <p14:creationId xmlns:p14="http://schemas.microsoft.com/office/powerpoint/2010/main" val="3279480716"/>
       </p:ext>
     </p:extLst>
   </p:cSld>
@@ -8934,7 +11901,7 @@
         <p:spPr>
           <a:xfrm>
             <a:off x="500932" y="938948"/>
-            <a:ext cx="9192515" cy="2308324"/>
+            <a:ext cx="9192515" cy="4401205"/>
           </a:xfrm>
           <a:prstGeom prst="rect">
             <a:avLst/>
@@ -8952,14 +11919,14 @@
               <a:buAutoNum type="arabicPeriod"/>
             </a:pPr>
             <a:r>
-              <a:rPr lang="fr-FR" sz="2400" dirty="0">
+              <a:rPr lang="fr-FR" sz="2800" dirty="0">
                 <a:latin typeface="Times New Roman" panose="02020603050405020304" pitchFamily="18" charset="0"/>
                 <a:cs typeface="Times New Roman" panose="02020603050405020304" pitchFamily="18" charset="0"/>
                 <a:hlinkClick r:id="rId2" action="ppaction://hlinksldjump"/>
               </a:rPr>
               <a:t>Définition</a:t>
             </a:r>
-            <a:endParaRPr lang="fr-FR" sz="2400" dirty="0">
+            <a:endParaRPr lang="fr-FR" sz="2800" dirty="0">
               <a:latin typeface="Times New Roman" panose="02020603050405020304" pitchFamily="18" charset="0"/>
               <a:cs typeface="Times New Roman" panose="02020603050405020304" pitchFamily="18" charset="0"/>
             </a:endParaRPr>
@@ -8970,14 +11937,14 @@
               <a:buAutoNum type="arabicPeriod"/>
             </a:pPr>
             <a:r>
-              <a:rPr lang="fr-FR" sz="2400" dirty="0">
+              <a:rPr lang="fr-FR" sz="2800" dirty="0">
                 <a:latin typeface="Times New Roman" panose="02020603050405020304" pitchFamily="18" charset="0"/>
                 <a:cs typeface="Times New Roman" panose="02020603050405020304" pitchFamily="18" charset="0"/>
                 <a:hlinkClick r:id="rId3" action="ppaction://hlinksldjump"/>
               </a:rPr>
               <a:t>Création de listes</a:t>
             </a:r>
-            <a:endParaRPr lang="fr-FR" sz="2400" dirty="0">
+            <a:endParaRPr lang="fr-FR" sz="2800" dirty="0">
               <a:latin typeface="Times New Roman" panose="02020603050405020304" pitchFamily="18" charset="0"/>
               <a:cs typeface="Times New Roman" panose="02020603050405020304" pitchFamily="18" charset="0"/>
             </a:endParaRPr>
@@ -8988,14 +11955,14 @@
               <a:buAutoNum type="arabicPeriod"/>
             </a:pPr>
             <a:r>
-              <a:rPr lang="fr-FR" sz="2400" dirty="0">
+              <a:rPr lang="fr-FR" sz="2800" dirty="0">
                 <a:latin typeface="Times New Roman" panose="02020603050405020304" pitchFamily="18" charset="0"/>
                 <a:cs typeface="Times New Roman" panose="02020603050405020304" pitchFamily="18" charset="0"/>
                 <a:hlinkClick r:id="rId4" action="ppaction://hlinksldjump"/>
               </a:rPr>
               <a:t>Insertion d’éléments dans une liste</a:t>
             </a:r>
-            <a:endParaRPr lang="fr-FR" sz="2400" dirty="0">
+            <a:endParaRPr lang="fr-FR" sz="2800" dirty="0">
               <a:latin typeface="Times New Roman" panose="02020603050405020304" pitchFamily="18" charset="0"/>
               <a:cs typeface="Times New Roman" panose="02020603050405020304" pitchFamily="18" charset="0"/>
             </a:endParaRPr>
@@ -9006,14 +11973,14 @@
               <a:buAutoNum type="arabicPeriod"/>
             </a:pPr>
             <a:r>
-              <a:rPr lang="fr-FR" sz="2400" dirty="0">
+              <a:rPr lang="fr-FR" sz="2800" dirty="0">
                 <a:latin typeface="Times New Roman" panose="02020603050405020304" pitchFamily="18" charset="0"/>
                 <a:cs typeface="Times New Roman" panose="02020603050405020304" pitchFamily="18" charset="0"/>
                 <a:hlinkClick r:id="rId5" action="ppaction://hlinksldjump"/>
               </a:rPr>
               <a:t>Suppression d’éléments dans une liste</a:t>
             </a:r>
-            <a:endParaRPr lang="fr-FR" sz="2400" dirty="0">
+            <a:endParaRPr lang="fr-FR" sz="2800" dirty="0">
               <a:latin typeface="Times New Roman" panose="02020603050405020304" pitchFamily="18" charset="0"/>
               <a:cs typeface="Times New Roman" panose="02020603050405020304" pitchFamily="18" charset="0"/>
             </a:endParaRPr>
@@ -9024,14 +11991,14 @@
               <a:buAutoNum type="arabicPeriod"/>
             </a:pPr>
             <a:r>
-              <a:rPr lang="fr-FR" sz="2400" dirty="0">
+              <a:rPr lang="fr-FR" sz="2800" dirty="0">
                 <a:latin typeface="Times New Roman" panose="02020603050405020304" pitchFamily="18" charset="0"/>
                 <a:cs typeface="Times New Roman" panose="02020603050405020304" pitchFamily="18" charset="0"/>
                 <a:hlinkClick r:id="rId6" action="ppaction://hlinksldjump"/>
               </a:rPr>
               <a:t>Lecture de listes</a:t>
             </a:r>
-            <a:endParaRPr lang="fr-FR" sz="2400" dirty="0">
+            <a:endParaRPr lang="fr-FR" sz="2800" dirty="0">
               <a:latin typeface="Times New Roman" panose="02020603050405020304" pitchFamily="18" charset="0"/>
               <a:cs typeface="Times New Roman" panose="02020603050405020304" pitchFamily="18" charset="0"/>
             </a:endParaRPr>
@@ -9042,14 +12009,102 @@
               <a:buAutoNum type="arabicPeriod"/>
             </a:pPr>
             <a:r>
-              <a:rPr lang="fr-FR" sz="2400" dirty="0">
+              <a:rPr lang="fr-FR" sz="2800" dirty="0">
                 <a:latin typeface="Times New Roman" panose="02020603050405020304" pitchFamily="18" charset="0"/>
                 <a:cs typeface="Times New Roman" panose="02020603050405020304" pitchFamily="18" charset="0"/>
                 <a:hlinkClick r:id="rId7" action="ppaction://hlinksldjump"/>
               </a:rPr>
+              <a:t>La fonction </a:t>
+            </a:r>
+            <a:r>
+              <a:rPr lang="fr-FR" sz="2800" i="1" dirty="0" err="1">
+                <a:latin typeface="Times New Roman" panose="02020603050405020304" pitchFamily="18" charset="0"/>
+                <a:cs typeface="Times New Roman" panose="02020603050405020304" pitchFamily="18" charset="0"/>
+                <a:hlinkClick r:id="rId7" action="ppaction://hlinksldjump"/>
+              </a:rPr>
+              <a:t>enumerate</a:t>
+            </a:r>
+            <a:endParaRPr lang="fr-FR" sz="2800" i="1" dirty="0">
+              <a:latin typeface="Times New Roman" panose="02020603050405020304" pitchFamily="18" charset="0"/>
+              <a:cs typeface="Times New Roman" panose="02020603050405020304" pitchFamily="18" charset="0"/>
+            </a:endParaRPr>
+          </a:p>
+          <a:p>
+            <a:pPr marL="342900" indent="-342900">
+              <a:buFont typeface="+mj-lt"/>
+              <a:buAutoNum type="arabicPeriod"/>
+            </a:pPr>
+            <a:r>
+              <a:rPr lang="fr-FR" sz="2800" dirty="0">
+                <a:latin typeface="Times New Roman" panose="02020603050405020304" pitchFamily="18" charset="0"/>
+                <a:cs typeface="Times New Roman" panose="02020603050405020304" pitchFamily="18" charset="0"/>
+                <a:hlinkClick r:id="rId8" action="ppaction://hlinksldjump"/>
+              </a:rPr>
+              <a:t>De chaînes aux listes</a:t>
+            </a:r>
+            <a:endParaRPr lang="fr-FR" sz="2800" dirty="0">
+              <a:latin typeface="Times New Roman" panose="02020603050405020304" pitchFamily="18" charset="0"/>
+              <a:cs typeface="Times New Roman" panose="02020603050405020304" pitchFamily="18" charset="0"/>
+            </a:endParaRPr>
+          </a:p>
+          <a:p>
+            <a:pPr marL="342900" indent="-342900">
+              <a:buFont typeface="+mj-lt"/>
+              <a:buAutoNum type="arabicPeriod"/>
+            </a:pPr>
+            <a:r>
+              <a:rPr lang="fr-FR" sz="2800" dirty="0">
+                <a:latin typeface="Times New Roman" panose="02020603050405020304" pitchFamily="18" charset="0"/>
+                <a:cs typeface="Times New Roman" panose="02020603050405020304" pitchFamily="18" charset="0"/>
+                <a:hlinkClick r:id="rId9" action="ppaction://hlinksldjump"/>
+              </a:rPr>
+              <a:t>Des listes aux chaînes</a:t>
+            </a:r>
+            <a:endParaRPr lang="fr-FR" sz="2800" dirty="0">
+              <a:latin typeface="Times New Roman" panose="02020603050405020304" pitchFamily="18" charset="0"/>
+              <a:cs typeface="Times New Roman" panose="02020603050405020304" pitchFamily="18" charset="0"/>
+            </a:endParaRPr>
+          </a:p>
+          <a:p>
+            <a:pPr marL="342900" indent="-342900">
+              <a:buFont typeface="+mj-lt"/>
+              <a:buAutoNum type="arabicPeriod"/>
+            </a:pPr>
+            <a:r>
+              <a:rPr lang="fr-FR" sz="2800" i="1" dirty="0">
+                <a:latin typeface="Times New Roman" panose="02020603050405020304" pitchFamily="18" charset="0"/>
+                <a:cs typeface="Times New Roman" panose="02020603050405020304" pitchFamily="18" charset="0"/>
+                <a:hlinkClick r:id="rId10" action="ppaction://hlinksldjump"/>
+              </a:rPr>
+              <a:t>Split vs </a:t>
+            </a:r>
+            <a:r>
+              <a:rPr lang="fr-FR" sz="2800" i="1" dirty="0" err="1">
+                <a:latin typeface="Times New Roman" panose="02020603050405020304" pitchFamily="18" charset="0"/>
+                <a:cs typeface="Times New Roman" panose="02020603050405020304" pitchFamily="18" charset="0"/>
+                <a:hlinkClick r:id="rId10" action="ppaction://hlinksldjump"/>
+              </a:rPr>
+              <a:t>Join</a:t>
+            </a:r>
+            <a:endParaRPr lang="fr-FR" sz="2800" dirty="0">
+              <a:latin typeface="Times New Roman" panose="02020603050405020304" pitchFamily="18" charset="0"/>
+              <a:cs typeface="Times New Roman" panose="02020603050405020304" pitchFamily="18" charset="0"/>
+            </a:endParaRPr>
+          </a:p>
+          <a:p>
+            <a:pPr marL="342900" indent="-342900">
+              <a:buFont typeface="+mj-lt"/>
+              <a:buAutoNum type="arabicPeriod"/>
+            </a:pPr>
+            <a:r>
+              <a:rPr lang="fr-FR" sz="2800" dirty="0">
+                <a:latin typeface="Times New Roman" panose="02020603050405020304" pitchFamily="18" charset="0"/>
+                <a:cs typeface="Times New Roman" panose="02020603050405020304" pitchFamily="18" charset="0"/>
+                <a:hlinkClick r:id="rId11" action="ppaction://hlinksldjump"/>
+              </a:rPr>
               <a:t>Exercices</a:t>
             </a:r>
-            <a:endParaRPr lang="fr-FR" sz="2400" dirty="0">
+            <a:endParaRPr lang="fr-FR" sz="2800" dirty="0">
               <a:latin typeface="Times New Roman" panose="02020603050405020304" pitchFamily="18" charset="0"/>
               <a:cs typeface="Times New Roman" panose="02020603050405020304" pitchFamily="18" charset="0"/>
             </a:endParaRPr>
@@ -9197,8 +12252,8 @@
         </p:nvSpPr>
         <p:spPr>
           <a:xfrm>
-            <a:off x="397565" y="218526"/>
-            <a:ext cx="5577722" cy="461665"/>
+            <a:off x="397564" y="218526"/>
+            <a:ext cx="7361255" cy="461665"/>
           </a:xfrm>
           <a:prstGeom prst="rect">
             <a:avLst/>
@@ -9216,7 +12271,7 @@
                 <a:latin typeface="Times New Roman" panose="02020603050405020304" pitchFamily="18" charset="0"/>
                 <a:cs typeface="Times New Roman" panose="02020603050405020304" pitchFamily="18" charset="0"/>
               </a:rPr>
-              <a:t>La fonction id avec les listes</a:t>
+              <a:t>Exemple avec les méthodes usuelles de listes</a:t>
             </a:r>
             <a:endParaRPr lang="fr-FR" sz="2400" b="1" i="1" dirty="0">
               <a:latin typeface="Times New Roman" panose="02020603050405020304" pitchFamily="18" charset="0"/>
@@ -9294,18 +12349,21 @@
           <a:p>
             <a:r>
               <a:rPr lang="fr-FR" sz="2000" dirty="0">
-                <a:latin typeface="Times New Roman" panose="02020603050405020304" pitchFamily="18" charset="0"/>
-                <a:cs typeface="Times New Roman" panose="02020603050405020304" pitchFamily="18" charset="0"/>
+                <a:hlinkClick r:id="rId2"/>
               </a:rPr>
-              <a:t>Voir si nécessaire d’ajouter </a:t>
-            </a:r>
+              <a:t>Les listes python</a:t>
+            </a:r>
+            <a:endParaRPr lang="fr-FR" sz="2000" dirty="0">
+              <a:latin typeface="Times New Roman" panose="02020603050405020304" pitchFamily="18" charset="0"/>
+              <a:cs typeface="Times New Roman" panose="02020603050405020304" pitchFamily="18" charset="0"/>
+            </a:endParaRPr>
           </a:p>
         </p:txBody>
       </p:sp>
     </p:spTree>
     <p:extLst>
       <p:ext uri="{BB962C8B-B14F-4D97-AF65-F5344CB8AC3E}">
-        <p14:creationId xmlns:p14="http://schemas.microsoft.com/office/powerpoint/2010/main" val="926986085"/>
+        <p14:creationId xmlns:p14="http://schemas.microsoft.com/office/powerpoint/2010/main" val="4119819306"/>
       </p:ext>
     </p:extLst>
   </p:cSld>
@@ -9404,8 +12462,8 @@
         </p:nvSpPr>
         <p:spPr>
           <a:xfrm>
-            <a:off x="397564" y="218526"/>
-            <a:ext cx="5795005" cy="461665"/>
+            <a:off x="397565" y="218526"/>
+            <a:ext cx="5577722" cy="461665"/>
           </a:xfrm>
           <a:prstGeom prst="rect">
             <a:avLst/>
@@ -9423,8 +12481,12 @@
                 <a:latin typeface="Times New Roman" panose="02020603050405020304" pitchFamily="18" charset="0"/>
                 <a:cs typeface="Times New Roman" panose="02020603050405020304" pitchFamily="18" charset="0"/>
               </a:rPr>
-              <a:t>Exercices</a:t>
-            </a:r>
+              <a:t>Fonctions à plusieurs paramètres</a:t>
+            </a:r>
+            <a:endParaRPr lang="fr-FR" sz="2400" b="1" i="1" dirty="0">
+              <a:latin typeface="Times New Roman" panose="02020603050405020304" pitchFamily="18" charset="0"/>
+              <a:cs typeface="Times New Roman" panose="02020603050405020304" pitchFamily="18" charset="0"/>
+            </a:endParaRPr>
           </a:p>
         </p:txBody>
       </p:sp>
@@ -9469,10 +12531,10 @@
       </p:cxnSp>
       <p:sp>
         <p:nvSpPr>
-          <p:cNvPr id="2" name="ZoneTexte 1">
-            <a:extLst>
-              <a:ext uri="{FF2B5EF4-FFF2-40B4-BE49-F238E27FC236}">
-                <a16:creationId xmlns:a16="http://schemas.microsoft.com/office/drawing/2014/main" id="{598CC1F4-92B5-97D6-5630-8A3701211AA4}"/>
+          <p:cNvPr id="7" name="ZoneTexte 6">
+            <a:extLst>
+              <a:ext uri="{FF2B5EF4-FFF2-40B4-BE49-F238E27FC236}">
+                <a16:creationId xmlns:a16="http://schemas.microsoft.com/office/drawing/2014/main" id="{B31AF22B-77AC-398F-8B32-17C6B4914236}"/>
               </a:ext>
             </a:extLst>
           </p:cNvPr>
@@ -9481,8 +12543,8 @@
         </p:nvSpPr>
         <p:spPr>
           <a:xfrm>
-            <a:off x="397564" y="711780"/>
-            <a:ext cx="11569148" cy="400110"/>
+            <a:off x="500932" y="941801"/>
+            <a:ext cx="11441731" cy="400110"/>
           </a:xfrm>
           <a:prstGeom prst="rect">
             <a:avLst/>
@@ -9496,283 +12558,11 @@
           <a:lstStyle/>
           <a:p>
             <a:r>
-              <a:rPr lang="fr-FR" sz="2000" b="1" u="sng" dirty="0">
+              <a:rPr lang="fr-FR" sz="2000" dirty="0">
                 <a:latin typeface="Times New Roman" panose="02020603050405020304" pitchFamily="18" charset="0"/>
                 <a:cs typeface="Times New Roman" panose="02020603050405020304" pitchFamily="18" charset="0"/>
               </a:rPr>
-              <a:t>Exercice 1</a:t>
-            </a:r>
-          </a:p>
-        </p:txBody>
-      </p:sp>
-      <p:sp>
-        <p:nvSpPr>
-          <p:cNvPr id="7" name="ZoneTexte 6">
-            <a:extLst>
-              <a:ext uri="{FF2B5EF4-FFF2-40B4-BE49-F238E27FC236}">
-                <a16:creationId xmlns:a16="http://schemas.microsoft.com/office/drawing/2014/main" id="{990321CC-02EF-ED64-0AA9-789ED60F60B1}"/>
-              </a:ext>
-            </a:extLst>
-          </p:cNvPr>
-          <p:cNvSpPr txBox="1"/>
-          <p:nvPr/>
-        </p:nvSpPr>
-        <p:spPr>
-          <a:xfrm>
-            <a:off x="397564" y="1090885"/>
-            <a:ext cx="11088982" cy="1631216"/>
-          </a:xfrm>
-          <a:prstGeom prst="rect">
-            <a:avLst/>
-          </a:prstGeom>
-          <a:noFill/>
-        </p:spPr>
-        <p:txBody>
-          <a:bodyPr wrap="square" rtlCol="0">
-            <a:spAutoFit/>
-          </a:bodyPr>
-          <a:lstStyle>
-            <a:defPPr>
-              <a:defRPr lang="en-US"/>
-            </a:defPPr>
-            <a:lvl1pPr>
-              <a:defRPr sz="2000"/>
-            </a:lvl1pPr>
-          </a:lstStyle>
-          <a:p>
-            <a:r>
-              <a:rPr lang="fr-FR" dirty="0">
-                <a:latin typeface="Times New Roman" panose="02020603050405020304" pitchFamily="18" charset="0"/>
-                <a:cs typeface="Times New Roman" panose="02020603050405020304" pitchFamily="18" charset="0"/>
-              </a:rPr>
-              <a:t>Ecrire un programme Python qui demande un nombre à virgule à l’utilisateur. L’utilisateur peut choisir de saisir un nombre en format français par exemple 3,12 ou format anglais 3.12. </a:t>
-            </a:r>
-          </a:p>
-          <a:p>
-            <a:r>
-              <a:rPr lang="fr-FR" dirty="0">
-                <a:latin typeface="Times New Roman" panose="02020603050405020304" pitchFamily="18" charset="0"/>
-                <a:cs typeface="Times New Roman" panose="02020603050405020304" pitchFamily="18" charset="0"/>
-              </a:rPr>
-              <a:t>Le programme doit renvoyer le nombre saisit par l’utilisateur avec 5 chiffres après la virgule.</a:t>
-            </a:r>
-          </a:p>
-          <a:p>
-            <a:r>
-              <a:rPr lang="fr-FR" dirty="0">
-                <a:latin typeface="Times New Roman" panose="02020603050405020304" pitchFamily="18" charset="0"/>
-                <a:cs typeface="Times New Roman" panose="02020603050405020304" pitchFamily="18" charset="0"/>
-              </a:rPr>
-              <a:t>Par exemple si l’utilisateur entre 3,99999999999 le programme doit renvoyer 3,99999. </a:t>
-            </a:r>
-          </a:p>
-          <a:p>
-            <a:r>
-              <a:rPr lang="fr-FR" dirty="0">
-                <a:latin typeface="Times New Roman" panose="02020603050405020304" pitchFamily="18" charset="0"/>
-                <a:cs typeface="Times New Roman" panose="02020603050405020304" pitchFamily="18" charset="0"/>
-              </a:rPr>
-              <a:t>Si l’utilisateur entre 3,99 le programme doit renvoyer 3,99000.</a:t>
-            </a:r>
-          </a:p>
-        </p:txBody>
-      </p:sp>
-      <p:sp>
-        <p:nvSpPr>
-          <p:cNvPr id="8" name="ZoneTexte 7">
-            <a:extLst>
-              <a:ext uri="{FF2B5EF4-FFF2-40B4-BE49-F238E27FC236}">
-                <a16:creationId xmlns:a16="http://schemas.microsoft.com/office/drawing/2014/main" id="{B79BE658-5103-63F8-7F2F-02F2834F1CE9}"/>
-              </a:ext>
-            </a:extLst>
-          </p:cNvPr>
-          <p:cNvSpPr txBox="1"/>
-          <p:nvPr/>
-        </p:nvSpPr>
-        <p:spPr>
-          <a:xfrm>
-            <a:off x="397564" y="2722101"/>
-            <a:ext cx="11569148" cy="400110"/>
-          </a:xfrm>
-          <a:prstGeom prst="rect">
-            <a:avLst/>
-          </a:prstGeom>
-          <a:noFill/>
-        </p:spPr>
-        <p:txBody>
-          <a:bodyPr wrap="square" rtlCol="0">
-            <a:spAutoFit/>
-          </a:bodyPr>
-          <a:lstStyle/>
-          <a:p>
-            <a:r>
-              <a:rPr lang="fr-FR" sz="2000" b="1" u="sng" dirty="0">
-                <a:latin typeface="Times New Roman" panose="02020603050405020304" pitchFamily="18" charset="0"/>
-                <a:cs typeface="Times New Roman" panose="02020603050405020304" pitchFamily="18" charset="0"/>
-              </a:rPr>
-              <a:t>Exercice 2</a:t>
-            </a:r>
-          </a:p>
-        </p:txBody>
-      </p:sp>
-      <p:sp>
-        <p:nvSpPr>
-          <p:cNvPr id="9" name="ZoneTexte 8">
-            <a:extLst>
-              <a:ext uri="{FF2B5EF4-FFF2-40B4-BE49-F238E27FC236}">
-                <a16:creationId xmlns:a16="http://schemas.microsoft.com/office/drawing/2014/main" id="{C1A1C679-64A5-1DDA-8AC1-E6755E1CCE83}"/>
-              </a:ext>
-            </a:extLst>
-          </p:cNvPr>
-          <p:cNvSpPr txBox="1"/>
-          <p:nvPr/>
-        </p:nvSpPr>
-        <p:spPr>
-          <a:xfrm>
-            <a:off x="397564" y="3101206"/>
-            <a:ext cx="11088982" cy="400110"/>
-          </a:xfrm>
-          <a:prstGeom prst="rect">
-            <a:avLst/>
-          </a:prstGeom>
-          <a:noFill/>
-        </p:spPr>
-        <p:txBody>
-          <a:bodyPr wrap="square" rtlCol="0">
-            <a:spAutoFit/>
-          </a:bodyPr>
-          <a:lstStyle>
-            <a:defPPr>
-              <a:defRPr lang="en-US"/>
-            </a:defPPr>
-            <a:lvl1pPr>
-              <a:defRPr sz="2000"/>
-            </a:lvl1pPr>
-          </a:lstStyle>
-          <a:p>
-            <a:r>
-              <a:rPr lang="fr-FR" dirty="0">
-                <a:latin typeface="Times New Roman" panose="02020603050405020304" pitchFamily="18" charset="0"/>
-                <a:cs typeface="Times New Roman" panose="02020603050405020304" pitchFamily="18" charset="0"/>
-              </a:rPr>
-              <a:t>Ecrire un script qui génère la liste des carrés et des cubes des nombres de 20 à 40.</a:t>
-            </a:r>
-          </a:p>
-        </p:txBody>
-      </p:sp>
-      <p:sp>
-        <p:nvSpPr>
-          <p:cNvPr id="10" name="ZoneTexte 9">
-            <a:extLst>
-              <a:ext uri="{FF2B5EF4-FFF2-40B4-BE49-F238E27FC236}">
-                <a16:creationId xmlns:a16="http://schemas.microsoft.com/office/drawing/2014/main" id="{99A2B5AC-A81B-C989-D0C2-FC1C7462D8DB}"/>
-              </a:ext>
-            </a:extLst>
-          </p:cNvPr>
-          <p:cNvSpPr txBox="1"/>
-          <p:nvPr/>
-        </p:nvSpPr>
-        <p:spPr>
-          <a:xfrm>
-            <a:off x="397564" y="3501316"/>
-            <a:ext cx="11569148" cy="400110"/>
-          </a:xfrm>
-          <a:prstGeom prst="rect">
-            <a:avLst/>
-          </a:prstGeom>
-          <a:noFill/>
-        </p:spPr>
-        <p:txBody>
-          <a:bodyPr wrap="square" rtlCol="0">
-            <a:spAutoFit/>
-          </a:bodyPr>
-          <a:lstStyle/>
-          <a:p>
-            <a:r>
-              <a:rPr lang="fr-FR" sz="2000" b="1" u="sng" dirty="0">
-                <a:latin typeface="Times New Roman" panose="02020603050405020304" pitchFamily="18" charset="0"/>
-                <a:cs typeface="Times New Roman" panose="02020603050405020304" pitchFamily="18" charset="0"/>
-              </a:rPr>
-              <a:t>Exercice 3</a:t>
-            </a:r>
-          </a:p>
-        </p:txBody>
-      </p:sp>
-      <p:sp>
-        <p:nvSpPr>
-          <p:cNvPr id="11" name="ZoneTexte 10">
-            <a:extLst>
-              <a:ext uri="{FF2B5EF4-FFF2-40B4-BE49-F238E27FC236}">
-                <a16:creationId xmlns:a16="http://schemas.microsoft.com/office/drawing/2014/main" id="{696C8475-7C20-6089-288B-7BFD03851401}"/>
-              </a:ext>
-            </a:extLst>
-          </p:cNvPr>
-          <p:cNvSpPr txBox="1"/>
-          <p:nvPr/>
-        </p:nvSpPr>
-        <p:spPr>
-          <a:xfrm>
-            <a:off x="397564" y="3880421"/>
-            <a:ext cx="11088982" cy="1938992"/>
-          </a:xfrm>
-          <a:prstGeom prst="rect">
-            <a:avLst/>
-          </a:prstGeom>
-          <a:noFill/>
-        </p:spPr>
-        <p:txBody>
-          <a:bodyPr wrap="square" rtlCol="0">
-            <a:spAutoFit/>
-          </a:bodyPr>
-          <a:lstStyle>
-            <a:defPPr>
-              <a:defRPr lang="en-US"/>
-            </a:defPPr>
-            <a:lvl1pPr>
-              <a:defRPr sz="2000"/>
-            </a:lvl1pPr>
-          </a:lstStyle>
-          <a:p>
-            <a:r>
-              <a:rPr lang="fr-FR" dirty="0">
-                <a:latin typeface="Times New Roman" panose="02020603050405020304" pitchFamily="18" charset="0"/>
-                <a:cs typeface="Times New Roman" panose="02020603050405020304" pitchFamily="18" charset="0"/>
-              </a:rPr>
-              <a:t>Ecrire un script qui demande à l’utilisateur de saisir un nom et le stocke dans une liste, le programme doit toujours demander un nom à l’utilisateur jusqu’à ce que l’utilisateur entre un caractère vide.</a:t>
-            </a:r>
-          </a:p>
-          <a:p>
-            <a:r>
-              <a:rPr lang="fr-FR" dirty="0">
-                <a:latin typeface="Times New Roman" panose="02020603050405020304" pitchFamily="18" charset="0"/>
-                <a:cs typeface="Times New Roman" panose="02020603050405020304" pitchFamily="18" charset="0"/>
-              </a:rPr>
-              <a:t>Ensuite le programme doit afficher la liste des noms entrés par l’utilisateur ainsi que le nombre de caractères que contient chaque nom. Par exemple:</a:t>
-            </a:r>
-          </a:p>
-          <a:p>
-            <a:r>
-              <a:rPr lang="fr-FR" dirty="0">
-                <a:latin typeface="Times New Roman" panose="02020603050405020304" pitchFamily="18" charset="0"/>
-                <a:cs typeface="Times New Roman" panose="02020603050405020304" pitchFamily="18" charset="0"/>
-              </a:rPr>
-              <a:t>John: 4 caractères</a:t>
-            </a:r>
-          </a:p>
-          <a:p>
-            <a:r>
-              <a:rPr lang="fr-FR" dirty="0" err="1">
-                <a:latin typeface="Times New Roman" panose="02020603050405020304" pitchFamily="18" charset="0"/>
-                <a:cs typeface="Times New Roman" panose="02020603050405020304" pitchFamily="18" charset="0"/>
-              </a:rPr>
-              <a:t>Doé</a:t>
-            </a:r>
-            <a:r>
-              <a:rPr lang="fr-FR" dirty="0">
-                <a:latin typeface="Times New Roman" panose="02020603050405020304" pitchFamily="18" charset="0"/>
-                <a:cs typeface="Times New Roman" panose="02020603050405020304" pitchFamily="18" charset="0"/>
-              </a:rPr>
-              <a:t>: 3 caractères</a:t>
+              <a:t>Voir si nécessaire d’ajouter </a:t>
             </a:r>
           </a:p>
         </p:txBody>
@@ -9780,7 +12570,7 @@
     </p:spTree>
     <p:extLst>
       <p:ext uri="{BB962C8B-B14F-4D97-AF65-F5344CB8AC3E}">
-        <p14:creationId xmlns:p14="http://schemas.microsoft.com/office/powerpoint/2010/main" val="1332028687"/>
+        <p14:creationId xmlns:p14="http://schemas.microsoft.com/office/powerpoint/2010/main" val="2591302804"/>
       </p:ext>
     </p:extLst>
   </p:cSld>
@@ -9879,8 +12669,8 @@
         </p:nvSpPr>
         <p:spPr>
           <a:xfrm>
-            <a:off x="397564" y="218526"/>
-            <a:ext cx="5795005" cy="461665"/>
+            <a:off x="397565" y="218526"/>
+            <a:ext cx="5577722" cy="461665"/>
           </a:xfrm>
           <a:prstGeom prst="rect">
             <a:avLst/>
@@ -9898,8 +12688,12 @@
                 <a:latin typeface="Times New Roman" panose="02020603050405020304" pitchFamily="18" charset="0"/>
                 <a:cs typeface="Times New Roman" panose="02020603050405020304" pitchFamily="18" charset="0"/>
               </a:rPr>
-              <a:t>Exercices</a:t>
-            </a:r>
+              <a:t>La fonction id avec les listes</a:t>
+            </a:r>
+            <a:endParaRPr lang="fr-FR" sz="2400" b="1" i="1" dirty="0">
+              <a:latin typeface="Times New Roman" panose="02020603050405020304" pitchFamily="18" charset="0"/>
+              <a:cs typeface="Times New Roman" panose="02020603050405020304" pitchFamily="18" charset="0"/>
+            </a:endParaRPr>
           </a:p>
         </p:txBody>
       </p:sp>
@@ -9944,10 +12738,10 @@
       </p:cxnSp>
       <p:sp>
         <p:nvSpPr>
-          <p:cNvPr id="2" name="ZoneTexte 1">
-            <a:extLst>
-              <a:ext uri="{FF2B5EF4-FFF2-40B4-BE49-F238E27FC236}">
-                <a16:creationId xmlns:a16="http://schemas.microsoft.com/office/drawing/2014/main" id="{598CC1F4-92B5-97D6-5630-8A3701211AA4}"/>
+          <p:cNvPr id="7" name="ZoneTexte 6">
+            <a:extLst>
+              <a:ext uri="{FF2B5EF4-FFF2-40B4-BE49-F238E27FC236}">
+                <a16:creationId xmlns:a16="http://schemas.microsoft.com/office/drawing/2014/main" id="{B31AF22B-77AC-398F-8B32-17C6B4914236}"/>
               </a:ext>
             </a:extLst>
           </p:cNvPr>
@@ -9956,8 +12750,8 @@
         </p:nvSpPr>
         <p:spPr>
           <a:xfrm>
-            <a:off x="397564" y="711780"/>
-            <a:ext cx="11569148" cy="400110"/>
+            <a:off x="500932" y="941801"/>
+            <a:ext cx="11441731" cy="400110"/>
           </a:xfrm>
           <a:prstGeom prst="rect">
             <a:avLst/>
@@ -9971,240 +12765,11 @@
           <a:lstStyle/>
           <a:p>
             <a:r>
-              <a:rPr lang="fr-FR" sz="2000" b="1" u="sng" dirty="0">
+              <a:rPr lang="fr-FR" sz="2000" dirty="0">
                 <a:latin typeface="Times New Roman" panose="02020603050405020304" pitchFamily="18" charset="0"/>
                 <a:cs typeface="Times New Roman" panose="02020603050405020304" pitchFamily="18" charset="0"/>
               </a:rPr>
-              <a:t>Exercice 4</a:t>
-            </a:r>
-          </a:p>
-        </p:txBody>
-      </p:sp>
-      <p:sp>
-        <p:nvSpPr>
-          <p:cNvPr id="7" name="ZoneTexte 6">
-            <a:extLst>
-              <a:ext uri="{FF2B5EF4-FFF2-40B4-BE49-F238E27FC236}">
-                <a16:creationId xmlns:a16="http://schemas.microsoft.com/office/drawing/2014/main" id="{990321CC-02EF-ED64-0AA9-789ED60F60B1}"/>
-              </a:ext>
-            </a:extLst>
-          </p:cNvPr>
-          <p:cNvSpPr txBox="1"/>
-          <p:nvPr/>
-        </p:nvSpPr>
-        <p:spPr>
-          <a:xfrm>
-            <a:off x="397564" y="1090885"/>
-            <a:ext cx="11088982" cy="1631216"/>
-          </a:xfrm>
-          <a:prstGeom prst="rect">
-            <a:avLst/>
-          </a:prstGeom>
-          <a:noFill/>
-        </p:spPr>
-        <p:txBody>
-          <a:bodyPr wrap="square" rtlCol="0">
-            <a:spAutoFit/>
-          </a:bodyPr>
-          <a:lstStyle>
-            <a:defPPr>
-              <a:defRPr lang="en-US"/>
-            </a:defPPr>
-            <a:lvl1pPr>
-              <a:defRPr sz="2000"/>
-            </a:lvl1pPr>
-          </a:lstStyle>
-          <a:p>
-            <a:r>
-              <a:rPr lang="fr-FR" dirty="0">
-                <a:latin typeface="Times New Roman" panose="02020603050405020304" pitchFamily="18" charset="0"/>
-                <a:cs typeface="Times New Roman" panose="02020603050405020304" pitchFamily="18" charset="0"/>
-              </a:rPr>
-              <a:t>Ecrire un programme qui va demander à l’utilisateur un nombre. Ensuite le programme lui demande s’il veut entrer un autre nombre ou non, continuer à demander un nombre tant que l’utilisateur dit Oui.</a:t>
-            </a:r>
-          </a:p>
-          <a:p>
-            <a:r>
-              <a:rPr lang="fr-FR" dirty="0">
-                <a:latin typeface="Times New Roman" panose="02020603050405020304" pitchFamily="18" charset="0"/>
-                <a:cs typeface="Times New Roman" panose="02020603050405020304" pitchFamily="18" charset="0"/>
-              </a:rPr>
-              <a:t>A la fin de la saisie, demander à l’utilisateur dans quel ordre il veut l’affichage (croissant ou décroissant).</a:t>
-            </a:r>
-          </a:p>
-          <a:p>
-            <a:r>
-              <a:rPr lang="fr-FR" dirty="0">
-                <a:latin typeface="Times New Roman" panose="02020603050405020304" pitchFamily="18" charset="0"/>
-                <a:cs typeface="Times New Roman" panose="02020603050405020304" pitchFamily="18" charset="0"/>
-              </a:rPr>
-              <a:t>Ensuite afficher la liste des nombres en ordre croissant ou décroissant, afficher le plus grande de ces nombres et le plus petit de ces nombres.</a:t>
-            </a:r>
-          </a:p>
-        </p:txBody>
-      </p:sp>
-      <p:sp>
-        <p:nvSpPr>
-          <p:cNvPr id="12" name="ZoneTexte 11">
-            <a:extLst>
-              <a:ext uri="{FF2B5EF4-FFF2-40B4-BE49-F238E27FC236}">
-                <a16:creationId xmlns:a16="http://schemas.microsoft.com/office/drawing/2014/main" id="{34F25E83-FDDF-4B15-C1E1-C17D374665E8}"/>
-              </a:ext>
-            </a:extLst>
-          </p:cNvPr>
-          <p:cNvSpPr txBox="1"/>
-          <p:nvPr/>
-        </p:nvSpPr>
-        <p:spPr>
-          <a:xfrm>
-            <a:off x="323627" y="2722101"/>
-            <a:ext cx="11569148" cy="400110"/>
-          </a:xfrm>
-          <a:prstGeom prst="rect">
-            <a:avLst/>
-          </a:prstGeom>
-          <a:noFill/>
-        </p:spPr>
-        <p:txBody>
-          <a:bodyPr wrap="square" rtlCol="0">
-            <a:spAutoFit/>
-          </a:bodyPr>
-          <a:lstStyle/>
-          <a:p>
-            <a:r>
-              <a:rPr lang="fr-FR" sz="2000" b="1" u="sng" dirty="0">
-                <a:latin typeface="Times New Roman" panose="02020603050405020304" pitchFamily="18" charset="0"/>
-                <a:cs typeface="Times New Roman" panose="02020603050405020304" pitchFamily="18" charset="0"/>
-              </a:rPr>
-              <a:t>Exercice 5</a:t>
-            </a:r>
-          </a:p>
-        </p:txBody>
-      </p:sp>
-      <p:sp>
-        <p:nvSpPr>
-          <p:cNvPr id="13" name="ZoneTexte 12">
-            <a:extLst>
-              <a:ext uri="{FF2B5EF4-FFF2-40B4-BE49-F238E27FC236}">
-                <a16:creationId xmlns:a16="http://schemas.microsoft.com/office/drawing/2014/main" id="{DACD804D-C242-FFDB-28BA-1674EB3C8D24}"/>
-              </a:ext>
-            </a:extLst>
-          </p:cNvPr>
-          <p:cNvSpPr txBox="1"/>
-          <p:nvPr/>
-        </p:nvSpPr>
-        <p:spPr>
-          <a:xfrm>
-            <a:off x="323627" y="3101206"/>
-            <a:ext cx="11088982" cy="707886"/>
-          </a:xfrm>
-          <a:prstGeom prst="rect">
-            <a:avLst/>
-          </a:prstGeom>
-          <a:noFill/>
-        </p:spPr>
-        <p:txBody>
-          <a:bodyPr wrap="square" rtlCol="0">
-            <a:spAutoFit/>
-          </a:bodyPr>
-          <a:lstStyle>
-            <a:defPPr>
-              <a:defRPr lang="en-US"/>
-            </a:defPPr>
-            <a:lvl1pPr>
-              <a:defRPr sz="2000"/>
-            </a:lvl1pPr>
-          </a:lstStyle>
-          <a:p>
-            <a:r>
-              <a:rPr lang="fr-FR" dirty="0">
-                <a:latin typeface="Times New Roman" panose="02020603050405020304" pitchFamily="18" charset="0"/>
-                <a:cs typeface="Times New Roman" panose="02020603050405020304" pitchFamily="18" charset="0"/>
-              </a:rPr>
-              <a:t>Ecrire un programme qui demande à l’utilisateur de saisir une phrase quelconque. Ensuite le programme doit afficher le ou les mots le(s) plus long(s).</a:t>
-            </a:r>
-          </a:p>
-        </p:txBody>
-      </p:sp>
-      <p:sp>
-        <p:nvSpPr>
-          <p:cNvPr id="14" name="ZoneTexte 13">
-            <a:extLst>
-              <a:ext uri="{FF2B5EF4-FFF2-40B4-BE49-F238E27FC236}">
-                <a16:creationId xmlns:a16="http://schemas.microsoft.com/office/drawing/2014/main" id="{961394F3-9E35-8B0F-A290-0018DC87F773}"/>
-              </a:ext>
-            </a:extLst>
-          </p:cNvPr>
-          <p:cNvSpPr txBox="1"/>
-          <p:nvPr/>
-        </p:nvSpPr>
-        <p:spPr>
-          <a:xfrm>
-            <a:off x="299225" y="3953207"/>
-            <a:ext cx="11569148" cy="400110"/>
-          </a:xfrm>
-          <a:prstGeom prst="rect">
-            <a:avLst/>
-          </a:prstGeom>
-          <a:noFill/>
-        </p:spPr>
-        <p:txBody>
-          <a:bodyPr wrap="square" rtlCol="0">
-            <a:spAutoFit/>
-          </a:bodyPr>
-          <a:lstStyle/>
-          <a:p>
-            <a:r>
-              <a:rPr lang="fr-FR" sz="2000" b="1" u="sng" dirty="0">
-                <a:latin typeface="Times New Roman" panose="02020603050405020304" pitchFamily="18" charset="0"/>
-                <a:cs typeface="Times New Roman" panose="02020603050405020304" pitchFamily="18" charset="0"/>
-              </a:rPr>
-              <a:t>Exercice 6</a:t>
-            </a:r>
-          </a:p>
-        </p:txBody>
-      </p:sp>
-      <p:sp>
-        <p:nvSpPr>
-          <p:cNvPr id="15" name="ZoneTexte 14">
-            <a:extLst>
-              <a:ext uri="{FF2B5EF4-FFF2-40B4-BE49-F238E27FC236}">
-                <a16:creationId xmlns:a16="http://schemas.microsoft.com/office/drawing/2014/main" id="{E5677843-794E-E633-4B0B-99D5DF93786B}"/>
-              </a:ext>
-            </a:extLst>
-          </p:cNvPr>
-          <p:cNvSpPr txBox="1"/>
-          <p:nvPr/>
-        </p:nvSpPr>
-        <p:spPr>
-          <a:xfrm>
-            <a:off x="299225" y="4332312"/>
-            <a:ext cx="11088982" cy="707886"/>
-          </a:xfrm>
-          <a:prstGeom prst="rect">
-            <a:avLst/>
-          </a:prstGeom>
-          <a:noFill/>
-        </p:spPr>
-        <p:txBody>
-          <a:bodyPr wrap="square" rtlCol="0">
-            <a:spAutoFit/>
-          </a:bodyPr>
-          <a:lstStyle>
-            <a:defPPr>
-              <a:defRPr lang="en-US"/>
-            </a:defPPr>
-            <a:lvl1pPr>
-              <a:defRPr sz="2000"/>
-            </a:lvl1pPr>
-          </a:lstStyle>
-          <a:p>
-            <a:r>
-              <a:rPr lang="fr-FR" dirty="0">
-                <a:latin typeface="Times New Roman" panose="02020603050405020304" pitchFamily="18" charset="0"/>
-                <a:cs typeface="Times New Roman" panose="02020603050405020304" pitchFamily="18" charset="0"/>
-              </a:rPr>
-              <a:t>Ecrire un programme qui demande à l’utilisateur de saisir un mot. Ensuite le programme doit afficher la liste des consonnes et des voyelles du mot entré par l’utilisateur.</a:t>
+              <a:t>Voir si nécessaire d’ajouter </a:t>
             </a:r>
           </a:p>
         </p:txBody>
@@ -10212,7 +12777,7 @@
     </p:spTree>
     <p:extLst>
       <p:ext uri="{BB962C8B-B14F-4D97-AF65-F5344CB8AC3E}">
-        <p14:creationId xmlns:p14="http://schemas.microsoft.com/office/powerpoint/2010/main" val="2803374722"/>
+        <p14:creationId xmlns:p14="http://schemas.microsoft.com/office/powerpoint/2010/main" val="926986085"/>
       </p:ext>
     </p:extLst>
   </p:cSld>
@@ -10407,7 +12972,7 @@
                 <a:latin typeface="Times New Roman" panose="02020603050405020304" pitchFamily="18" charset="0"/>
                 <a:cs typeface="Times New Roman" panose="02020603050405020304" pitchFamily="18" charset="0"/>
               </a:rPr>
-              <a:t>Mini-Projet 1</a:t>
+              <a:t>Exercice 1</a:t>
             </a:r>
           </a:p>
         </p:txBody>
@@ -10427,7 +12992,7 @@
         <p:spPr>
           <a:xfrm>
             <a:off x="397564" y="1090885"/>
-            <a:ext cx="11088982" cy="4708981"/>
+            <a:ext cx="11088982" cy="1631216"/>
           </a:xfrm>
           <a:prstGeom prst="rect">
             <a:avLst/>
@@ -10452,7 +13017,7 @@
                 <a:latin typeface="Times New Roman" panose="02020603050405020304" pitchFamily="18" charset="0"/>
                 <a:cs typeface="Times New Roman" panose="02020603050405020304" pitchFamily="18" charset="0"/>
               </a:rPr>
-              <a:t>Ecrire un programme de Quiz de table de multiplication.</a:t>
+              <a:t>Ecrire un programme Python qui demande un nombre à virgule à l’utilisateur. L’utilisateur peut choisir de saisir un nombre en format français par exemple 3,12 ou format anglais 3.12. </a:t>
             </a:r>
           </a:p>
           <a:p>
@@ -10461,55 +13026,191 @@
                 <a:latin typeface="Times New Roman" panose="02020603050405020304" pitchFamily="18" charset="0"/>
                 <a:cs typeface="Times New Roman" panose="02020603050405020304" pitchFamily="18" charset="0"/>
               </a:rPr>
-              <a:t>Le programme doit demander à l’utilisateur de choisir un mode entre:</a:t>
-            </a:r>
-          </a:p>
-          <a:p>
-            <a:pPr marL="342900" indent="-342900">
-              <a:buFont typeface="Arial" panose="020B0604020202020204" pitchFamily="34" charset="0"/>
-              <a:buChar char="•"/>
-            </a:pPr>
+              <a:t>Le programme doit renvoyer le nombre saisit par l’utilisateur avec 5 chiffres après la virgule.</a:t>
+            </a:r>
+          </a:p>
+          <a:p>
             <a:r>
               <a:rPr lang="fr-FR" dirty="0">
                 <a:latin typeface="Times New Roman" panose="02020603050405020304" pitchFamily="18" charset="0"/>
                 <a:cs typeface="Times New Roman" panose="02020603050405020304" pitchFamily="18" charset="0"/>
               </a:rPr>
-              <a:t>Facile (table de 0 à 10) 10 questions</a:t>
-            </a:r>
-          </a:p>
-          <a:p>
-            <a:pPr marL="342900" indent="-342900">
-              <a:buFont typeface="Arial" panose="020B0604020202020204" pitchFamily="34" charset="0"/>
-              <a:buChar char="•"/>
-            </a:pPr>
+              <a:t>Par exemple si l’utilisateur entre 3,99999999999 le programme doit renvoyer 3,99999. </a:t>
+            </a:r>
+          </a:p>
+          <a:p>
             <a:r>
               <a:rPr lang="fr-FR" dirty="0">
                 <a:latin typeface="Times New Roman" panose="02020603050405020304" pitchFamily="18" charset="0"/>
                 <a:cs typeface="Times New Roman" panose="02020603050405020304" pitchFamily="18" charset="0"/>
               </a:rPr>
-              <a:t>Moyen (table de 0 à 20) 20 questions</a:t>
-            </a:r>
-          </a:p>
-          <a:p>
-            <a:pPr marL="342900" indent="-342900">
-              <a:buFont typeface="Arial" panose="020B0604020202020204" pitchFamily="34" charset="0"/>
-              <a:buChar char="•"/>
-            </a:pPr>
+              <a:t>Si l’utilisateur entre 3,99 le programme doit renvoyer 3,99000.</a:t>
+            </a:r>
+          </a:p>
+        </p:txBody>
+      </p:sp>
+      <p:sp>
+        <p:nvSpPr>
+          <p:cNvPr id="8" name="ZoneTexte 7">
+            <a:extLst>
+              <a:ext uri="{FF2B5EF4-FFF2-40B4-BE49-F238E27FC236}">
+                <a16:creationId xmlns:a16="http://schemas.microsoft.com/office/drawing/2014/main" id="{B79BE658-5103-63F8-7F2F-02F2834F1CE9}"/>
+              </a:ext>
+            </a:extLst>
+          </p:cNvPr>
+          <p:cNvSpPr txBox="1"/>
+          <p:nvPr/>
+        </p:nvSpPr>
+        <p:spPr>
+          <a:xfrm>
+            <a:off x="397564" y="2722101"/>
+            <a:ext cx="11569148" cy="400110"/>
+          </a:xfrm>
+          <a:prstGeom prst="rect">
+            <a:avLst/>
+          </a:prstGeom>
+          <a:noFill/>
+        </p:spPr>
+        <p:txBody>
+          <a:bodyPr wrap="square" rtlCol="0">
+            <a:spAutoFit/>
+          </a:bodyPr>
+          <a:lstStyle/>
+          <a:p>
+            <a:r>
+              <a:rPr lang="fr-FR" sz="2000" b="1" u="sng" dirty="0">
+                <a:latin typeface="Times New Roman" panose="02020603050405020304" pitchFamily="18" charset="0"/>
+                <a:cs typeface="Times New Roman" panose="02020603050405020304" pitchFamily="18" charset="0"/>
+              </a:rPr>
+              <a:t>Exercice 2</a:t>
+            </a:r>
+          </a:p>
+        </p:txBody>
+      </p:sp>
+      <p:sp>
+        <p:nvSpPr>
+          <p:cNvPr id="9" name="ZoneTexte 8">
+            <a:extLst>
+              <a:ext uri="{FF2B5EF4-FFF2-40B4-BE49-F238E27FC236}">
+                <a16:creationId xmlns:a16="http://schemas.microsoft.com/office/drawing/2014/main" id="{C1A1C679-64A5-1DDA-8AC1-E6755E1CCE83}"/>
+              </a:ext>
+            </a:extLst>
+          </p:cNvPr>
+          <p:cNvSpPr txBox="1"/>
+          <p:nvPr/>
+        </p:nvSpPr>
+        <p:spPr>
+          <a:xfrm>
+            <a:off x="397564" y="3101206"/>
+            <a:ext cx="11088982" cy="400110"/>
+          </a:xfrm>
+          <a:prstGeom prst="rect">
+            <a:avLst/>
+          </a:prstGeom>
+          <a:noFill/>
+        </p:spPr>
+        <p:txBody>
+          <a:bodyPr wrap="square" rtlCol="0">
+            <a:spAutoFit/>
+          </a:bodyPr>
+          <a:lstStyle>
+            <a:defPPr>
+              <a:defRPr lang="en-US"/>
+            </a:defPPr>
+            <a:lvl1pPr>
+              <a:defRPr sz="2000"/>
+            </a:lvl1pPr>
+          </a:lstStyle>
+          <a:p>
             <a:r>
               <a:rPr lang="fr-FR" dirty="0">
                 <a:latin typeface="Times New Roman" panose="02020603050405020304" pitchFamily="18" charset="0"/>
                 <a:cs typeface="Times New Roman" panose="02020603050405020304" pitchFamily="18" charset="0"/>
               </a:rPr>
-              <a:t>Difficile (table de 0 à 50) 30 questions</a:t>
-            </a:r>
-          </a:p>
+              <a:t>Ecrire un script qui génère la liste des carrés et des cubes des nombres de 20 à 40.</a:t>
+            </a:r>
+          </a:p>
+        </p:txBody>
+      </p:sp>
+      <p:sp>
+        <p:nvSpPr>
+          <p:cNvPr id="10" name="ZoneTexte 9">
+            <a:extLst>
+              <a:ext uri="{FF2B5EF4-FFF2-40B4-BE49-F238E27FC236}">
+                <a16:creationId xmlns:a16="http://schemas.microsoft.com/office/drawing/2014/main" id="{99A2B5AC-A81B-C989-D0C2-FC1C7462D8DB}"/>
+              </a:ext>
+            </a:extLst>
+          </p:cNvPr>
+          <p:cNvSpPr txBox="1"/>
+          <p:nvPr/>
+        </p:nvSpPr>
+        <p:spPr>
+          <a:xfrm>
+            <a:off x="397564" y="3501316"/>
+            <a:ext cx="11569148" cy="400110"/>
+          </a:xfrm>
+          <a:prstGeom prst="rect">
+            <a:avLst/>
+          </a:prstGeom>
+          <a:noFill/>
+        </p:spPr>
+        <p:txBody>
+          <a:bodyPr wrap="square" rtlCol="0">
+            <a:spAutoFit/>
+          </a:bodyPr>
+          <a:lstStyle/>
+          <a:p>
+            <a:r>
+              <a:rPr lang="fr-FR" sz="2000" b="1" u="sng" dirty="0">
+                <a:latin typeface="Times New Roman" panose="02020603050405020304" pitchFamily="18" charset="0"/>
+                <a:cs typeface="Times New Roman" panose="02020603050405020304" pitchFamily="18" charset="0"/>
+              </a:rPr>
+              <a:t>Exercice 3</a:t>
+            </a:r>
+          </a:p>
+        </p:txBody>
+      </p:sp>
+      <p:sp>
+        <p:nvSpPr>
+          <p:cNvPr id="11" name="ZoneTexte 10">
+            <a:extLst>
+              <a:ext uri="{FF2B5EF4-FFF2-40B4-BE49-F238E27FC236}">
+                <a16:creationId xmlns:a16="http://schemas.microsoft.com/office/drawing/2014/main" id="{696C8475-7C20-6089-288B-7BFD03851401}"/>
+              </a:ext>
+            </a:extLst>
+          </p:cNvPr>
+          <p:cNvSpPr txBox="1"/>
+          <p:nvPr/>
+        </p:nvSpPr>
+        <p:spPr>
+          <a:xfrm>
+            <a:off x="397564" y="3880421"/>
+            <a:ext cx="11088982" cy="1938992"/>
+          </a:xfrm>
+          <a:prstGeom prst="rect">
+            <a:avLst/>
+          </a:prstGeom>
+          <a:noFill/>
+        </p:spPr>
+        <p:txBody>
+          <a:bodyPr wrap="square" rtlCol="0">
+            <a:spAutoFit/>
+          </a:bodyPr>
+          <a:lstStyle>
+            <a:defPPr>
+              <a:defRPr lang="en-US"/>
+            </a:defPPr>
+            <a:lvl1pPr>
+              <a:defRPr sz="2000"/>
+            </a:lvl1pPr>
+          </a:lstStyle>
           <a:p>
             <a:r>
               <a:rPr lang="fr-FR" dirty="0">
                 <a:latin typeface="Times New Roman" panose="02020603050405020304" pitchFamily="18" charset="0"/>
                 <a:cs typeface="Times New Roman" panose="02020603050405020304" pitchFamily="18" charset="0"/>
               </a:rPr>
-              <a:t>Ensuite en fonction du mode le programme doit poser des questions sur le résultat de la table de multiplication entre deux nombres tirés au hasard.</a:t>
+              <a:t>Ecrire un script qui demande à l’utilisateur de saisir un nom et le stocke dans une liste, le programme doit toujours demander un nom à l’utilisateur jusqu’à ce que l’utilisateur entre un caractère vide.</a:t>
             </a:r>
           </a:p>
           <a:p>
@@ -10518,87 +13219,32 @@
                 <a:latin typeface="Times New Roman" panose="02020603050405020304" pitchFamily="18" charset="0"/>
                 <a:cs typeface="Times New Roman" panose="02020603050405020304" pitchFamily="18" charset="0"/>
               </a:rPr>
-              <a:t>Le nombre de question dépendra du mode choisit:</a:t>
-            </a:r>
-          </a:p>
-          <a:p>
-            <a:pPr marL="342900" indent="-342900">
-              <a:buFont typeface="Arial" panose="020B0604020202020204" pitchFamily="34" charset="0"/>
-              <a:buChar char="•"/>
-            </a:pPr>
+              <a:t>Ensuite le programme doit afficher la liste des noms entrés par l’utilisateur ainsi que le nombre de caractères que contient chaque nom. Par exemple:</a:t>
+            </a:r>
+          </a:p>
+          <a:p>
             <a:r>
               <a:rPr lang="fr-FR" dirty="0">
                 <a:latin typeface="Times New Roman" panose="02020603050405020304" pitchFamily="18" charset="0"/>
                 <a:cs typeface="Times New Roman" panose="02020603050405020304" pitchFamily="18" charset="0"/>
               </a:rPr>
-              <a:t>Facile 10 questions</a:t>
-            </a:r>
-          </a:p>
-          <a:p>
-            <a:pPr marL="342900" indent="-342900">
-              <a:buFont typeface="Arial" panose="020B0604020202020204" pitchFamily="34" charset="0"/>
-              <a:buChar char="•"/>
-            </a:pPr>
+              <a:t>John: 4 caractères</a:t>
+            </a:r>
+          </a:p>
+          <a:p>
+            <a:r>
+              <a:rPr lang="fr-FR" dirty="0" err="1">
+                <a:latin typeface="Times New Roman" panose="02020603050405020304" pitchFamily="18" charset="0"/>
+                <a:cs typeface="Times New Roman" panose="02020603050405020304" pitchFamily="18" charset="0"/>
+              </a:rPr>
+              <a:t>Doé</a:t>
+            </a:r>
             <a:r>
               <a:rPr lang="fr-FR" dirty="0">
                 <a:latin typeface="Times New Roman" panose="02020603050405020304" pitchFamily="18" charset="0"/>
                 <a:cs typeface="Times New Roman" panose="02020603050405020304" pitchFamily="18" charset="0"/>
               </a:rPr>
-              <a:t>Moyen 20 questions</a:t>
-            </a:r>
-          </a:p>
-          <a:p>
-            <a:pPr marL="342900" indent="-342900">
-              <a:buFont typeface="Arial" panose="020B0604020202020204" pitchFamily="34" charset="0"/>
-              <a:buChar char="•"/>
-            </a:pPr>
-            <a:r>
-              <a:rPr lang="fr-FR" dirty="0">
-                <a:latin typeface="Times New Roman" panose="02020603050405020304" pitchFamily="18" charset="0"/>
-                <a:cs typeface="Times New Roman" panose="02020603050405020304" pitchFamily="18" charset="0"/>
-              </a:rPr>
-              <a:t>Difficile 30 questions</a:t>
-            </a:r>
-          </a:p>
-          <a:p>
-            <a:r>
-              <a:rPr lang="fr-FR" dirty="0">
-                <a:latin typeface="Times New Roman" panose="02020603050405020304" pitchFamily="18" charset="0"/>
-                <a:cs typeface="Times New Roman" panose="02020603050405020304" pitchFamily="18" charset="0"/>
-              </a:rPr>
-              <a:t>A la fin de la série, le programme doit afficher la liste des erreurs commises par l’utilisateur ainsi que son score et son pourcentage de réussite (</a:t>
-            </a:r>
-            <a:r>
-              <a:rPr lang="fr-FR" dirty="0" err="1">
-                <a:latin typeface="Times New Roman" panose="02020603050405020304" pitchFamily="18" charset="0"/>
-                <a:cs typeface="Times New Roman" panose="02020603050405020304" pitchFamily="18" charset="0"/>
-              </a:rPr>
-              <a:t>success</a:t>
-            </a:r>
-            <a:r>
-              <a:rPr lang="fr-FR" dirty="0">
-                <a:latin typeface="Times New Roman" panose="02020603050405020304" pitchFamily="18" charset="0"/>
-                <a:cs typeface="Times New Roman" panose="02020603050405020304" pitchFamily="18" charset="0"/>
-              </a:rPr>
-              <a:t>*100/total).</a:t>
-            </a:r>
-          </a:p>
-          <a:p>
-            <a:r>
-              <a:rPr lang="fr-FR" dirty="0">
-                <a:latin typeface="Times New Roman" panose="02020603050405020304" pitchFamily="18" charset="0"/>
-                <a:cs typeface="Times New Roman" panose="02020603050405020304" pitchFamily="18" charset="0"/>
-              </a:rPr>
-              <a:t>Tenir compte des cas d’erreur.</a:t>
-            </a:r>
-          </a:p>
-          <a:p>
-            <a:r>
-              <a:rPr lang="fr-FR" dirty="0">
-                <a:latin typeface="Times New Roman" panose="02020603050405020304" pitchFamily="18" charset="0"/>
-                <a:cs typeface="Times New Roman" panose="02020603050405020304" pitchFamily="18" charset="0"/>
-              </a:rPr>
-              <a:t>Le test est réussi si le score en pourcentage est supérieur à 50%.</a:t>
+              <a:t>: 3 caractères</a:t>
             </a:r>
           </a:p>
         </p:txBody>
@@ -10606,7 +13252,7 @@
     </p:spTree>
     <p:extLst>
       <p:ext uri="{BB962C8B-B14F-4D97-AF65-F5344CB8AC3E}">
-        <p14:creationId xmlns:p14="http://schemas.microsoft.com/office/powerpoint/2010/main" val="2796775175"/>
+        <p14:creationId xmlns:p14="http://schemas.microsoft.com/office/powerpoint/2010/main" val="1332028687"/>
       </p:ext>
     </p:extLst>
   </p:cSld>
@@ -10801,7 +13447,7 @@
                 <a:latin typeface="Times New Roman" panose="02020603050405020304" pitchFamily="18" charset="0"/>
                 <a:cs typeface="Times New Roman" panose="02020603050405020304" pitchFamily="18" charset="0"/>
               </a:rPr>
-              <a:t>Mini-Projet 2</a:t>
+              <a:t>Exercice 4</a:t>
             </a:r>
           </a:p>
         </p:txBody>
@@ -10821,7 +13467,7 @@
         <p:spPr>
           <a:xfrm>
             <a:off x="397564" y="1090885"/>
-            <a:ext cx="11088982" cy="4708981"/>
+            <a:ext cx="11088982" cy="1631216"/>
           </a:xfrm>
           <a:prstGeom prst="rect">
             <a:avLst/>
@@ -10846,7 +13492,7 @@
                 <a:latin typeface="Times New Roman" panose="02020603050405020304" pitchFamily="18" charset="0"/>
                 <a:cs typeface="Times New Roman" panose="02020603050405020304" pitchFamily="18" charset="0"/>
               </a:rPr>
-              <a:t>Ecrire un programme qui va permettre d’enregistrer des utilisateurs avec leur nom et prénom. </a:t>
+              <a:t>Ecrire un programme qui va demander à l’utilisateur un nombre. Ensuite le programme lui demande s’il veut entrer un autre nombre ou non, continuer à demander un nombre tant que l’utilisateur dit Oui.</a:t>
             </a:r>
           </a:p>
           <a:p>
@@ -10855,7 +13501,7 @@
                 <a:latin typeface="Times New Roman" panose="02020603050405020304" pitchFamily="18" charset="0"/>
                 <a:cs typeface="Times New Roman" panose="02020603050405020304" pitchFamily="18" charset="0"/>
               </a:rPr>
-              <a:t>Le menu est composé de: ajouter une personne, supprimer une personne, recherche une personne, afficher la liste.</a:t>
+              <a:t>A la fin de la saisie, demander à l’utilisateur dans quel ordre il veut l’affichage (croissant ou décroissant).</a:t>
             </a:r>
           </a:p>
           <a:p>
@@ -10864,89 +13510,173 @@
                 <a:latin typeface="Times New Roman" panose="02020603050405020304" pitchFamily="18" charset="0"/>
                 <a:cs typeface="Times New Roman" panose="02020603050405020304" pitchFamily="18" charset="0"/>
               </a:rPr>
-              <a:t>L’utilisateur doit faire un choix d’action et le programme doit permettre de gérer les personnes sachant qu’on ne peut avoir une personne de même nom et prénom. </a:t>
-            </a:r>
-          </a:p>
+              <a:t>Ensuite afficher la liste des nombres en ordre croissant ou décroissant, afficher le plus grande de ces nombres et le plus petit de ces nombres.</a:t>
+            </a:r>
+          </a:p>
+        </p:txBody>
+      </p:sp>
+      <p:sp>
+        <p:nvSpPr>
+          <p:cNvPr id="12" name="ZoneTexte 11">
+            <a:extLst>
+              <a:ext uri="{FF2B5EF4-FFF2-40B4-BE49-F238E27FC236}">
+                <a16:creationId xmlns:a16="http://schemas.microsoft.com/office/drawing/2014/main" id="{34F25E83-FDDF-4B15-C1E1-C17D374665E8}"/>
+              </a:ext>
+            </a:extLst>
+          </p:cNvPr>
+          <p:cNvSpPr txBox="1"/>
+          <p:nvPr/>
+        </p:nvSpPr>
+        <p:spPr>
+          <a:xfrm>
+            <a:off x="323627" y="2722101"/>
+            <a:ext cx="11569148" cy="400110"/>
+          </a:xfrm>
+          <a:prstGeom prst="rect">
+            <a:avLst/>
+          </a:prstGeom>
+          <a:noFill/>
+        </p:spPr>
+        <p:txBody>
+          <a:bodyPr wrap="square" rtlCol="0">
+            <a:spAutoFit/>
+          </a:bodyPr>
+          <a:lstStyle/>
+          <a:p>
+            <a:r>
+              <a:rPr lang="fr-FR" sz="2000" b="1" u="sng" dirty="0">
+                <a:latin typeface="Times New Roman" panose="02020603050405020304" pitchFamily="18" charset="0"/>
+                <a:cs typeface="Times New Roman" panose="02020603050405020304" pitchFamily="18" charset="0"/>
+              </a:rPr>
+              <a:t>Exercice 5</a:t>
+            </a:r>
+          </a:p>
+        </p:txBody>
+      </p:sp>
+      <p:sp>
+        <p:nvSpPr>
+          <p:cNvPr id="13" name="ZoneTexte 12">
+            <a:extLst>
+              <a:ext uri="{FF2B5EF4-FFF2-40B4-BE49-F238E27FC236}">
+                <a16:creationId xmlns:a16="http://schemas.microsoft.com/office/drawing/2014/main" id="{DACD804D-C242-FFDB-28BA-1674EB3C8D24}"/>
+              </a:ext>
+            </a:extLst>
+          </p:cNvPr>
+          <p:cNvSpPr txBox="1"/>
+          <p:nvPr/>
+        </p:nvSpPr>
+        <p:spPr>
+          <a:xfrm>
+            <a:off x="323627" y="3101206"/>
+            <a:ext cx="11088982" cy="707886"/>
+          </a:xfrm>
+          <a:prstGeom prst="rect">
+            <a:avLst/>
+          </a:prstGeom>
+          <a:noFill/>
+        </p:spPr>
+        <p:txBody>
+          <a:bodyPr wrap="square" rtlCol="0">
+            <a:spAutoFit/>
+          </a:bodyPr>
+          <a:lstStyle>
+            <a:defPPr>
+              <a:defRPr lang="en-US"/>
+            </a:defPPr>
+            <a:lvl1pPr>
+              <a:defRPr sz="2000"/>
+            </a:lvl1pPr>
+          </a:lstStyle>
           <a:p>
             <a:r>
               <a:rPr lang="fr-FR" dirty="0">
                 <a:latin typeface="Times New Roman" panose="02020603050405020304" pitchFamily="18" charset="0"/>
                 <a:cs typeface="Times New Roman" panose="02020603050405020304" pitchFamily="18" charset="0"/>
               </a:rPr>
-              <a:t>Par exemple John DOE ne peut être enregistré deux fois cependant </a:t>
-            </a:r>
-            <a:r>
-              <a:rPr lang="fr-FR" dirty="0" err="1">
+              <a:t>Ecrire un programme qui demande à l’utilisateur de saisir une phrase quelconque. Ensuite le programme doit afficher le ou les mots le(s) plus long(s).</a:t>
+            </a:r>
+          </a:p>
+        </p:txBody>
+      </p:sp>
+      <p:sp>
+        <p:nvSpPr>
+          <p:cNvPr id="14" name="ZoneTexte 13">
+            <a:extLst>
+              <a:ext uri="{FF2B5EF4-FFF2-40B4-BE49-F238E27FC236}">
+                <a16:creationId xmlns:a16="http://schemas.microsoft.com/office/drawing/2014/main" id="{961394F3-9E35-8B0F-A290-0018DC87F773}"/>
+              </a:ext>
+            </a:extLst>
+          </p:cNvPr>
+          <p:cNvSpPr txBox="1"/>
+          <p:nvPr/>
+        </p:nvSpPr>
+        <p:spPr>
+          <a:xfrm>
+            <a:off x="299225" y="3953207"/>
+            <a:ext cx="11569148" cy="400110"/>
+          </a:xfrm>
+          <a:prstGeom prst="rect">
+            <a:avLst/>
+          </a:prstGeom>
+          <a:noFill/>
+        </p:spPr>
+        <p:txBody>
+          <a:bodyPr wrap="square" rtlCol="0">
+            <a:spAutoFit/>
+          </a:bodyPr>
+          <a:lstStyle/>
+          <a:p>
+            <a:r>
+              <a:rPr lang="fr-FR" sz="2000" b="1" u="sng" dirty="0">
                 <a:latin typeface="Times New Roman" panose="02020603050405020304" pitchFamily="18" charset="0"/>
                 <a:cs typeface="Times New Roman" panose="02020603050405020304" pitchFamily="18" charset="0"/>
               </a:rPr>
-              <a:t>Doé</a:t>
-            </a:r>
+              <a:t>Exercice 6</a:t>
+            </a:r>
+          </a:p>
+        </p:txBody>
+      </p:sp>
+      <p:sp>
+        <p:nvSpPr>
+          <p:cNvPr id="15" name="ZoneTexte 14">
+            <a:extLst>
+              <a:ext uri="{FF2B5EF4-FFF2-40B4-BE49-F238E27FC236}">
+                <a16:creationId xmlns:a16="http://schemas.microsoft.com/office/drawing/2014/main" id="{E5677843-794E-E633-4B0B-99D5DF93786B}"/>
+              </a:ext>
+            </a:extLst>
+          </p:cNvPr>
+          <p:cNvSpPr txBox="1"/>
+          <p:nvPr/>
+        </p:nvSpPr>
+        <p:spPr>
+          <a:xfrm>
+            <a:off x="299225" y="4332312"/>
+            <a:ext cx="11088982" cy="707886"/>
+          </a:xfrm>
+          <a:prstGeom prst="rect">
+            <a:avLst/>
+          </a:prstGeom>
+          <a:noFill/>
+        </p:spPr>
+        <p:txBody>
+          <a:bodyPr wrap="square" rtlCol="0">
+            <a:spAutoFit/>
+          </a:bodyPr>
+          <a:lstStyle>
+            <a:defPPr>
+              <a:defRPr lang="en-US"/>
+            </a:defPPr>
+            <a:lvl1pPr>
+              <a:defRPr sz="2000"/>
+            </a:lvl1pPr>
+          </a:lstStyle>
+          <a:p>
             <a:r>
               <a:rPr lang="fr-FR" dirty="0">
                 <a:latin typeface="Times New Roman" panose="02020603050405020304" pitchFamily="18" charset="0"/>
                 <a:cs typeface="Times New Roman" panose="02020603050405020304" pitchFamily="18" charset="0"/>
               </a:rPr>
-              <a:t> JOHN peut être enregistré même si John DOE y ait car les noms et les prénoms sont différents.</a:t>
-            </a:r>
-          </a:p>
-          <a:p>
-            <a:r>
-              <a:rPr lang="fr-FR" dirty="0">
-                <a:latin typeface="Times New Roman" panose="02020603050405020304" pitchFamily="18" charset="0"/>
-                <a:cs typeface="Times New Roman" panose="02020603050405020304" pitchFamily="18" charset="0"/>
-              </a:rPr>
-              <a:t>Lors de la recherche l’utilisateur fournit un nom et le programme doit afficher la liste des personnes qui ont soit le même nom ou soit le même prénom.</a:t>
-            </a:r>
-          </a:p>
-          <a:p>
-            <a:r>
-              <a:rPr lang="fr-FR" dirty="0">
-                <a:latin typeface="Times New Roman" panose="02020603050405020304" pitchFamily="18" charset="0"/>
-                <a:cs typeface="Times New Roman" panose="02020603050405020304" pitchFamily="18" charset="0"/>
-              </a:rPr>
-              <a:t>Pour supprimer une personne l’utilisateur doit fournir un nom et le programme lui affiche la liste des personnes correspondantes ensuite il doit entrer le numéro de la personne qu’il veut supprimer.</a:t>
-            </a:r>
-          </a:p>
-          <a:p>
-            <a:r>
-              <a:rPr lang="fr-FR" dirty="0">
-                <a:latin typeface="Times New Roman" panose="02020603050405020304" pitchFamily="18" charset="0"/>
-                <a:cs typeface="Times New Roman" panose="02020603050405020304" pitchFamily="18" charset="0"/>
-              </a:rPr>
-              <a:t>L’action affichage doit permettre d’afficher toutes les personnes enregistrées.</a:t>
-            </a:r>
-          </a:p>
-          <a:p>
-            <a:r>
-              <a:rPr lang="fr-FR" dirty="0">
-                <a:latin typeface="Times New Roman" panose="02020603050405020304" pitchFamily="18" charset="0"/>
-                <a:cs typeface="Times New Roman" panose="02020603050405020304" pitchFamily="18" charset="0"/>
-              </a:rPr>
-              <a:t>Une personne à un nom et plusieurs prénoms séparés par des espaces.</a:t>
-            </a:r>
-          </a:p>
-          <a:p>
-            <a:r>
-              <a:rPr lang="fr-FR" dirty="0">
-                <a:latin typeface="Times New Roman" panose="02020603050405020304" pitchFamily="18" charset="0"/>
-                <a:cs typeface="Times New Roman" panose="02020603050405020304" pitchFamily="18" charset="0"/>
-              </a:rPr>
-              <a:t>Lors de l’enregistrement procédé comme suite Prénoms NOM. Si l’utilisateur entre comme nom </a:t>
-            </a:r>
-            <a:r>
-              <a:rPr lang="fr-FR" dirty="0" err="1">
-                <a:latin typeface="Times New Roman" panose="02020603050405020304" pitchFamily="18" charset="0"/>
-                <a:cs typeface="Times New Roman" panose="02020603050405020304" pitchFamily="18" charset="0"/>
-              </a:rPr>
-              <a:t>Doé</a:t>
-            </a:r>
-            <a:r>
-              <a:rPr lang="fr-FR" dirty="0">
-                <a:latin typeface="Times New Roman" panose="02020603050405020304" pitchFamily="18" charset="0"/>
-                <a:cs typeface="Times New Roman" panose="02020603050405020304" pitchFamily="18" charset="0"/>
-              </a:rPr>
-              <a:t> et prénoms Toto John le stockage sera Toto John DOE. </a:t>
+              <a:t>Ecrire un programme qui demande à l’utilisateur de saisir un mot. Ensuite le programme doit afficher la liste des consonnes et des voyelles du mot entré par l’utilisateur.</a:t>
             </a:r>
           </a:p>
         </p:txBody>
@@ -10954,7 +13684,7 @@
     </p:spTree>
     <p:extLst>
       <p:ext uri="{BB962C8B-B14F-4D97-AF65-F5344CB8AC3E}">
-        <p14:creationId xmlns:p14="http://schemas.microsoft.com/office/powerpoint/2010/main" val="2280855446"/>
+        <p14:creationId xmlns:p14="http://schemas.microsoft.com/office/powerpoint/2010/main" val="2803374722"/>
       </p:ext>
     </p:extLst>
   </p:cSld>
@@ -11034,6 +13764,748 @@
             <a:fld id="{B8C3BB88-DD29-4D42-B62E-D7D541DB4348}" type="slidenum">
               <a:rPr lang="fr-FR" smtClean="0"/>
               <a:t>25</a:t>
+            </a:fld>
+            <a:endParaRPr lang="fr-FR"/>
+          </a:p>
+        </p:txBody>
+      </p:sp>
+      <p:sp>
+        <p:nvSpPr>
+          <p:cNvPr id="6" name="ZoneTexte 5">
+            <a:extLst>
+              <a:ext uri="{FF2B5EF4-FFF2-40B4-BE49-F238E27FC236}">
+                <a16:creationId xmlns:a16="http://schemas.microsoft.com/office/drawing/2014/main" id="{84F10693-2FE8-EFC8-8DB6-84BFD181D260}"/>
+              </a:ext>
+            </a:extLst>
+          </p:cNvPr>
+          <p:cNvSpPr txBox="1"/>
+          <p:nvPr/>
+        </p:nvSpPr>
+        <p:spPr>
+          <a:xfrm>
+            <a:off x="397564" y="218526"/>
+            <a:ext cx="5795005" cy="461665"/>
+          </a:xfrm>
+          <a:prstGeom prst="rect">
+            <a:avLst/>
+          </a:prstGeom>
+          <a:noFill/>
+        </p:spPr>
+        <p:txBody>
+          <a:bodyPr wrap="square" rtlCol="0">
+            <a:spAutoFit/>
+          </a:bodyPr>
+          <a:lstStyle/>
+          <a:p>
+            <a:r>
+              <a:rPr lang="fr-FR" sz="2400" b="1" dirty="0">
+                <a:latin typeface="Times New Roman" panose="02020603050405020304" pitchFamily="18" charset="0"/>
+                <a:cs typeface="Times New Roman" panose="02020603050405020304" pitchFamily="18" charset="0"/>
+              </a:rPr>
+              <a:t>Exercices</a:t>
+            </a:r>
+          </a:p>
+        </p:txBody>
+      </p:sp>
+      <p:cxnSp>
+        <p:nvCxnSpPr>
+          <p:cNvPr id="3" name="Connecteur droit 2">
+            <a:extLst>
+              <a:ext uri="{FF2B5EF4-FFF2-40B4-BE49-F238E27FC236}">
+                <a16:creationId xmlns:a16="http://schemas.microsoft.com/office/drawing/2014/main" id="{6AC8021D-4898-08B9-18A0-60AC71EF613E}"/>
+              </a:ext>
+            </a:extLst>
+          </p:cNvPr>
+          <p:cNvCxnSpPr>
+            <a:cxnSpLocks/>
+          </p:cNvCxnSpPr>
+          <p:nvPr/>
+        </p:nvCxnSpPr>
+        <p:spPr>
+          <a:xfrm>
+            <a:off x="500932" y="680191"/>
+            <a:ext cx="11178450" cy="0"/>
+          </a:xfrm>
+          <a:prstGeom prst="line">
+            <a:avLst/>
+          </a:prstGeom>
+          <a:ln/>
+        </p:spPr>
+        <p:style>
+          <a:lnRef idx="3">
+            <a:schemeClr val="accent3"/>
+          </a:lnRef>
+          <a:fillRef idx="0">
+            <a:schemeClr val="accent3"/>
+          </a:fillRef>
+          <a:effectRef idx="2">
+            <a:schemeClr val="accent3"/>
+          </a:effectRef>
+          <a:fontRef idx="minor">
+            <a:schemeClr val="tx1"/>
+          </a:fontRef>
+        </p:style>
+      </p:cxnSp>
+      <p:sp>
+        <p:nvSpPr>
+          <p:cNvPr id="2" name="ZoneTexte 1">
+            <a:extLst>
+              <a:ext uri="{FF2B5EF4-FFF2-40B4-BE49-F238E27FC236}">
+                <a16:creationId xmlns:a16="http://schemas.microsoft.com/office/drawing/2014/main" id="{598CC1F4-92B5-97D6-5630-8A3701211AA4}"/>
+              </a:ext>
+            </a:extLst>
+          </p:cNvPr>
+          <p:cNvSpPr txBox="1"/>
+          <p:nvPr/>
+        </p:nvSpPr>
+        <p:spPr>
+          <a:xfrm>
+            <a:off x="397564" y="711780"/>
+            <a:ext cx="11569148" cy="400110"/>
+          </a:xfrm>
+          <a:prstGeom prst="rect">
+            <a:avLst/>
+          </a:prstGeom>
+          <a:noFill/>
+        </p:spPr>
+        <p:txBody>
+          <a:bodyPr wrap="square" rtlCol="0">
+            <a:spAutoFit/>
+          </a:bodyPr>
+          <a:lstStyle/>
+          <a:p>
+            <a:r>
+              <a:rPr lang="fr-FR" sz="2000" b="1" u="sng" dirty="0">
+                <a:latin typeface="Times New Roman" panose="02020603050405020304" pitchFamily="18" charset="0"/>
+                <a:cs typeface="Times New Roman" panose="02020603050405020304" pitchFamily="18" charset="0"/>
+              </a:rPr>
+              <a:t>Mini-Projet 1</a:t>
+            </a:r>
+          </a:p>
+        </p:txBody>
+      </p:sp>
+      <p:sp>
+        <p:nvSpPr>
+          <p:cNvPr id="7" name="ZoneTexte 6">
+            <a:extLst>
+              <a:ext uri="{FF2B5EF4-FFF2-40B4-BE49-F238E27FC236}">
+                <a16:creationId xmlns:a16="http://schemas.microsoft.com/office/drawing/2014/main" id="{990321CC-02EF-ED64-0AA9-789ED60F60B1}"/>
+              </a:ext>
+            </a:extLst>
+          </p:cNvPr>
+          <p:cNvSpPr txBox="1"/>
+          <p:nvPr/>
+        </p:nvSpPr>
+        <p:spPr>
+          <a:xfrm>
+            <a:off x="397564" y="1090885"/>
+            <a:ext cx="11088982" cy="4708981"/>
+          </a:xfrm>
+          <a:prstGeom prst="rect">
+            <a:avLst/>
+          </a:prstGeom>
+          <a:noFill/>
+        </p:spPr>
+        <p:txBody>
+          <a:bodyPr wrap="square" rtlCol="0">
+            <a:spAutoFit/>
+          </a:bodyPr>
+          <a:lstStyle>
+            <a:defPPr>
+              <a:defRPr lang="en-US"/>
+            </a:defPPr>
+            <a:lvl1pPr>
+              <a:defRPr sz="2000"/>
+            </a:lvl1pPr>
+          </a:lstStyle>
+          <a:p>
+            <a:r>
+              <a:rPr lang="fr-FR" dirty="0">
+                <a:latin typeface="Times New Roman" panose="02020603050405020304" pitchFamily="18" charset="0"/>
+                <a:cs typeface="Times New Roman" panose="02020603050405020304" pitchFamily="18" charset="0"/>
+              </a:rPr>
+              <a:t>Ecrire un programme de Quiz de table de multiplication.</a:t>
+            </a:r>
+          </a:p>
+          <a:p>
+            <a:r>
+              <a:rPr lang="fr-FR" dirty="0">
+                <a:latin typeface="Times New Roman" panose="02020603050405020304" pitchFamily="18" charset="0"/>
+                <a:cs typeface="Times New Roman" panose="02020603050405020304" pitchFamily="18" charset="0"/>
+              </a:rPr>
+              <a:t>Le programme doit demander à l’utilisateur de choisir un mode entre:</a:t>
+            </a:r>
+          </a:p>
+          <a:p>
+            <a:pPr marL="342900" indent="-342900">
+              <a:buFont typeface="Arial" panose="020B0604020202020204" pitchFamily="34" charset="0"/>
+              <a:buChar char="•"/>
+            </a:pPr>
+            <a:r>
+              <a:rPr lang="fr-FR" dirty="0">
+                <a:latin typeface="Times New Roman" panose="02020603050405020304" pitchFamily="18" charset="0"/>
+                <a:cs typeface="Times New Roman" panose="02020603050405020304" pitchFamily="18" charset="0"/>
+              </a:rPr>
+              <a:t>Facile (table de 0 à 10) 10 questions</a:t>
+            </a:r>
+          </a:p>
+          <a:p>
+            <a:pPr marL="342900" indent="-342900">
+              <a:buFont typeface="Arial" panose="020B0604020202020204" pitchFamily="34" charset="0"/>
+              <a:buChar char="•"/>
+            </a:pPr>
+            <a:r>
+              <a:rPr lang="fr-FR" dirty="0">
+                <a:latin typeface="Times New Roman" panose="02020603050405020304" pitchFamily="18" charset="0"/>
+                <a:cs typeface="Times New Roman" panose="02020603050405020304" pitchFamily="18" charset="0"/>
+              </a:rPr>
+              <a:t>Moyen (table de 0 à 20) 20 questions</a:t>
+            </a:r>
+          </a:p>
+          <a:p>
+            <a:pPr marL="342900" indent="-342900">
+              <a:buFont typeface="Arial" panose="020B0604020202020204" pitchFamily="34" charset="0"/>
+              <a:buChar char="•"/>
+            </a:pPr>
+            <a:r>
+              <a:rPr lang="fr-FR" dirty="0">
+                <a:latin typeface="Times New Roman" panose="02020603050405020304" pitchFamily="18" charset="0"/>
+                <a:cs typeface="Times New Roman" panose="02020603050405020304" pitchFamily="18" charset="0"/>
+              </a:rPr>
+              <a:t>Difficile (table de 0 à 50) 30 questions</a:t>
+            </a:r>
+          </a:p>
+          <a:p>
+            <a:r>
+              <a:rPr lang="fr-FR" dirty="0">
+                <a:latin typeface="Times New Roman" panose="02020603050405020304" pitchFamily="18" charset="0"/>
+                <a:cs typeface="Times New Roman" panose="02020603050405020304" pitchFamily="18" charset="0"/>
+              </a:rPr>
+              <a:t>Ensuite en fonction du mode le programme doit poser des questions sur le résultat de la table de multiplication entre deux nombres tirés au hasard.</a:t>
+            </a:r>
+          </a:p>
+          <a:p>
+            <a:r>
+              <a:rPr lang="fr-FR" dirty="0">
+                <a:latin typeface="Times New Roman" panose="02020603050405020304" pitchFamily="18" charset="0"/>
+                <a:cs typeface="Times New Roman" panose="02020603050405020304" pitchFamily="18" charset="0"/>
+              </a:rPr>
+              <a:t>Le nombre de question dépendra du mode choisit:</a:t>
+            </a:r>
+          </a:p>
+          <a:p>
+            <a:pPr marL="342900" indent="-342900">
+              <a:buFont typeface="Arial" panose="020B0604020202020204" pitchFamily="34" charset="0"/>
+              <a:buChar char="•"/>
+            </a:pPr>
+            <a:r>
+              <a:rPr lang="fr-FR" dirty="0">
+                <a:latin typeface="Times New Roman" panose="02020603050405020304" pitchFamily="18" charset="0"/>
+                <a:cs typeface="Times New Roman" panose="02020603050405020304" pitchFamily="18" charset="0"/>
+              </a:rPr>
+              <a:t>Facile 10 questions</a:t>
+            </a:r>
+          </a:p>
+          <a:p>
+            <a:pPr marL="342900" indent="-342900">
+              <a:buFont typeface="Arial" panose="020B0604020202020204" pitchFamily="34" charset="0"/>
+              <a:buChar char="•"/>
+            </a:pPr>
+            <a:r>
+              <a:rPr lang="fr-FR" dirty="0">
+                <a:latin typeface="Times New Roman" panose="02020603050405020304" pitchFamily="18" charset="0"/>
+                <a:cs typeface="Times New Roman" panose="02020603050405020304" pitchFamily="18" charset="0"/>
+              </a:rPr>
+              <a:t>Moyen 20 questions</a:t>
+            </a:r>
+          </a:p>
+          <a:p>
+            <a:pPr marL="342900" indent="-342900">
+              <a:buFont typeface="Arial" panose="020B0604020202020204" pitchFamily="34" charset="0"/>
+              <a:buChar char="•"/>
+            </a:pPr>
+            <a:r>
+              <a:rPr lang="fr-FR" dirty="0">
+                <a:latin typeface="Times New Roman" panose="02020603050405020304" pitchFamily="18" charset="0"/>
+                <a:cs typeface="Times New Roman" panose="02020603050405020304" pitchFamily="18" charset="0"/>
+              </a:rPr>
+              <a:t>Difficile 30 questions</a:t>
+            </a:r>
+          </a:p>
+          <a:p>
+            <a:r>
+              <a:rPr lang="fr-FR" dirty="0">
+                <a:latin typeface="Times New Roman" panose="02020603050405020304" pitchFamily="18" charset="0"/>
+                <a:cs typeface="Times New Roman" panose="02020603050405020304" pitchFamily="18" charset="0"/>
+              </a:rPr>
+              <a:t>A la fin de la série, le programme doit afficher la liste des erreurs commises par l’utilisateur ainsi que son score et son pourcentage de réussite (</a:t>
+            </a:r>
+            <a:r>
+              <a:rPr lang="fr-FR" dirty="0" err="1">
+                <a:latin typeface="Times New Roman" panose="02020603050405020304" pitchFamily="18" charset="0"/>
+                <a:cs typeface="Times New Roman" panose="02020603050405020304" pitchFamily="18" charset="0"/>
+              </a:rPr>
+              <a:t>success</a:t>
+            </a:r>
+            <a:r>
+              <a:rPr lang="fr-FR" dirty="0">
+                <a:latin typeface="Times New Roman" panose="02020603050405020304" pitchFamily="18" charset="0"/>
+                <a:cs typeface="Times New Roman" panose="02020603050405020304" pitchFamily="18" charset="0"/>
+              </a:rPr>
+              <a:t>*100/total).</a:t>
+            </a:r>
+          </a:p>
+          <a:p>
+            <a:r>
+              <a:rPr lang="fr-FR" dirty="0">
+                <a:latin typeface="Times New Roman" panose="02020603050405020304" pitchFamily="18" charset="0"/>
+                <a:cs typeface="Times New Roman" panose="02020603050405020304" pitchFamily="18" charset="0"/>
+              </a:rPr>
+              <a:t>Tenir compte des cas d’erreur.</a:t>
+            </a:r>
+          </a:p>
+          <a:p>
+            <a:r>
+              <a:rPr lang="fr-FR" dirty="0">
+                <a:latin typeface="Times New Roman" panose="02020603050405020304" pitchFamily="18" charset="0"/>
+                <a:cs typeface="Times New Roman" panose="02020603050405020304" pitchFamily="18" charset="0"/>
+              </a:rPr>
+              <a:t>Le test est réussi si le score en pourcentage est supérieur à 50%.</a:t>
+            </a:r>
+          </a:p>
+        </p:txBody>
+      </p:sp>
+    </p:spTree>
+    <p:extLst>
+      <p:ext uri="{BB962C8B-B14F-4D97-AF65-F5344CB8AC3E}">
+        <p14:creationId xmlns:p14="http://schemas.microsoft.com/office/powerpoint/2010/main" val="2796775175"/>
+      </p:ext>
+    </p:extLst>
+  </p:cSld>
+  <p:clrMapOvr>
+    <a:masterClrMapping/>
+  </p:clrMapOvr>
+</p:sld>
+</file>
+
+<file path=ppt/slides/slide26.xml><?xml version="1.0" encoding="utf-8"?>
+<p:sld xmlns:a="http://schemas.openxmlformats.org/drawingml/2006/main" xmlns:r="http://schemas.openxmlformats.org/officeDocument/2006/relationships" xmlns:p="http://schemas.openxmlformats.org/presentationml/2006/main">
+  <p:cSld>
+    <p:spTree>
+      <p:nvGrpSpPr>
+        <p:cNvPr id="1" name=""/>
+        <p:cNvGrpSpPr/>
+        <p:nvPr/>
+      </p:nvGrpSpPr>
+      <p:grpSpPr>
+        <a:xfrm>
+          <a:off x="0" y="0"/>
+          <a:ext cx="0" cy="0"/>
+          <a:chOff x="0" y="0"/>
+          <a:chExt cx="0" cy="0"/>
+        </a:xfrm>
+      </p:grpSpPr>
+      <p:sp>
+        <p:nvSpPr>
+          <p:cNvPr id="4" name="Espace réservé du pied de page 3">
+            <a:extLst>
+              <a:ext uri="{FF2B5EF4-FFF2-40B4-BE49-F238E27FC236}">
+                <a16:creationId xmlns:a16="http://schemas.microsoft.com/office/drawing/2014/main" id="{8FEEC940-4BFF-956C-713A-1CE73C436B6F}"/>
+              </a:ext>
+            </a:extLst>
+          </p:cNvPr>
+          <p:cNvSpPr>
+            <a:spLocks noGrp="1"/>
+          </p:cNvSpPr>
+          <p:nvPr>
+            <p:ph type="ftr" sz="quarter" idx="11"/>
+          </p:nvPr>
+        </p:nvSpPr>
+        <p:spPr/>
+        <p:txBody>
+          <a:bodyPr/>
+          <a:lstStyle/>
+          <a:p>
+            <a:r>
+              <a:rPr lang="fr-FR"/>
+              <a:t>Cours: Python | Auteur: TUO N. Ismaël Maurice 
+</a:t>
+            </a:r>
+          </a:p>
+        </p:txBody>
+      </p:sp>
+      <p:sp>
+        <p:nvSpPr>
+          <p:cNvPr id="5" name="Espace réservé du numéro de diapositive 4">
+            <a:extLst>
+              <a:ext uri="{FF2B5EF4-FFF2-40B4-BE49-F238E27FC236}">
+                <a16:creationId xmlns:a16="http://schemas.microsoft.com/office/drawing/2014/main" id="{CE50FB16-F89F-D7CA-C6AA-CFC075094990}"/>
+              </a:ext>
+            </a:extLst>
+          </p:cNvPr>
+          <p:cNvSpPr>
+            <a:spLocks noGrp="1"/>
+          </p:cNvSpPr>
+          <p:nvPr>
+            <p:ph type="sldNum" sz="quarter" idx="12"/>
+          </p:nvPr>
+        </p:nvSpPr>
+        <p:spPr/>
+        <p:txBody>
+          <a:bodyPr/>
+          <a:lstStyle/>
+          <a:p>
+            <a:fld id="{B8C3BB88-DD29-4D42-B62E-D7D541DB4348}" type="slidenum">
+              <a:rPr lang="fr-FR" smtClean="0"/>
+              <a:t>26</a:t>
+            </a:fld>
+            <a:endParaRPr lang="fr-FR"/>
+          </a:p>
+        </p:txBody>
+      </p:sp>
+      <p:sp>
+        <p:nvSpPr>
+          <p:cNvPr id="6" name="ZoneTexte 5">
+            <a:extLst>
+              <a:ext uri="{FF2B5EF4-FFF2-40B4-BE49-F238E27FC236}">
+                <a16:creationId xmlns:a16="http://schemas.microsoft.com/office/drawing/2014/main" id="{84F10693-2FE8-EFC8-8DB6-84BFD181D260}"/>
+              </a:ext>
+            </a:extLst>
+          </p:cNvPr>
+          <p:cNvSpPr txBox="1"/>
+          <p:nvPr/>
+        </p:nvSpPr>
+        <p:spPr>
+          <a:xfrm>
+            <a:off x="397564" y="218526"/>
+            <a:ext cx="5795005" cy="461665"/>
+          </a:xfrm>
+          <a:prstGeom prst="rect">
+            <a:avLst/>
+          </a:prstGeom>
+          <a:noFill/>
+        </p:spPr>
+        <p:txBody>
+          <a:bodyPr wrap="square" rtlCol="0">
+            <a:spAutoFit/>
+          </a:bodyPr>
+          <a:lstStyle/>
+          <a:p>
+            <a:r>
+              <a:rPr lang="fr-FR" sz="2400" b="1" dirty="0">
+                <a:latin typeface="Times New Roman" panose="02020603050405020304" pitchFamily="18" charset="0"/>
+                <a:cs typeface="Times New Roman" panose="02020603050405020304" pitchFamily="18" charset="0"/>
+              </a:rPr>
+              <a:t>Exercices</a:t>
+            </a:r>
+          </a:p>
+        </p:txBody>
+      </p:sp>
+      <p:cxnSp>
+        <p:nvCxnSpPr>
+          <p:cNvPr id="3" name="Connecteur droit 2">
+            <a:extLst>
+              <a:ext uri="{FF2B5EF4-FFF2-40B4-BE49-F238E27FC236}">
+                <a16:creationId xmlns:a16="http://schemas.microsoft.com/office/drawing/2014/main" id="{6AC8021D-4898-08B9-18A0-60AC71EF613E}"/>
+              </a:ext>
+            </a:extLst>
+          </p:cNvPr>
+          <p:cNvCxnSpPr>
+            <a:cxnSpLocks/>
+          </p:cNvCxnSpPr>
+          <p:nvPr/>
+        </p:nvCxnSpPr>
+        <p:spPr>
+          <a:xfrm>
+            <a:off x="500932" y="680191"/>
+            <a:ext cx="11178450" cy="0"/>
+          </a:xfrm>
+          <a:prstGeom prst="line">
+            <a:avLst/>
+          </a:prstGeom>
+          <a:ln/>
+        </p:spPr>
+        <p:style>
+          <a:lnRef idx="3">
+            <a:schemeClr val="accent3"/>
+          </a:lnRef>
+          <a:fillRef idx="0">
+            <a:schemeClr val="accent3"/>
+          </a:fillRef>
+          <a:effectRef idx="2">
+            <a:schemeClr val="accent3"/>
+          </a:effectRef>
+          <a:fontRef idx="minor">
+            <a:schemeClr val="tx1"/>
+          </a:fontRef>
+        </p:style>
+      </p:cxnSp>
+      <p:sp>
+        <p:nvSpPr>
+          <p:cNvPr id="2" name="ZoneTexte 1">
+            <a:extLst>
+              <a:ext uri="{FF2B5EF4-FFF2-40B4-BE49-F238E27FC236}">
+                <a16:creationId xmlns:a16="http://schemas.microsoft.com/office/drawing/2014/main" id="{598CC1F4-92B5-97D6-5630-8A3701211AA4}"/>
+              </a:ext>
+            </a:extLst>
+          </p:cNvPr>
+          <p:cNvSpPr txBox="1"/>
+          <p:nvPr/>
+        </p:nvSpPr>
+        <p:spPr>
+          <a:xfrm>
+            <a:off x="397564" y="711780"/>
+            <a:ext cx="11569148" cy="400110"/>
+          </a:xfrm>
+          <a:prstGeom prst="rect">
+            <a:avLst/>
+          </a:prstGeom>
+          <a:noFill/>
+        </p:spPr>
+        <p:txBody>
+          <a:bodyPr wrap="square" rtlCol="0">
+            <a:spAutoFit/>
+          </a:bodyPr>
+          <a:lstStyle/>
+          <a:p>
+            <a:r>
+              <a:rPr lang="fr-FR" sz="2000" b="1" u="sng" dirty="0">
+                <a:latin typeface="Times New Roman" panose="02020603050405020304" pitchFamily="18" charset="0"/>
+                <a:cs typeface="Times New Roman" panose="02020603050405020304" pitchFamily="18" charset="0"/>
+              </a:rPr>
+              <a:t>Mini-Projet 2</a:t>
+            </a:r>
+          </a:p>
+        </p:txBody>
+      </p:sp>
+      <p:sp>
+        <p:nvSpPr>
+          <p:cNvPr id="7" name="ZoneTexte 6">
+            <a:extLst>
+              <a:ext uri="{FF2B5EF4-FFF2-40B4-BE49-F238E27FC236}">
+                <a16:creationId xmlns:a16="http://schemas.microsoft.com/office/drawing/2014/main" id="{990321CC-02EF-ED64-0AA9-789ED60F60B1}"/>
+              </a:ext>
+            </a:extLst>
+          </p:cNvPr>
+          <p:cNvSpPr txBox="1"/>
+          <p:nvPr/>
+        </p:nvSpPr>
+        <p:spPr>
+          <a:xfrm>
+            <a:off x="397564" y="1090885"/>
+            <a:ext cx="11088982" cy="4708981"/>
+          </a:xfrm>
+          <a:prstGeom prst="rect">
+            <a:avLst/>
+          </a:prstGeom>
+          <a:noFill/>
+        </p:spPr>
+        <p:txBody>
+          <a:bodyPr wrap="square" rtlCol="0">
+            <a:spAutoFit/>
+          </a:bodyPr>
+          <a:lstStyle>
+            <a:defPPr>
+              <a:defRPr lang="en-US"/>
+            </a:defPPr>
+            <a:lvl1pPr>
+              <a:defRPr sz="2000"/>
+            </a:lvl1pPr>
+          </a:lstStyle>
+          <a:p>
+            <a:r>
+              <a:rPr lang="fr-FR" dirty="0">
+                <a:latin typeface="Times New Roman" panose="02020603050405020304" pitchFamily="18" charset="0"/>
+                <a:cs typeface="Times New Roman" panose="02020603050405020304" pitchFamily="18" charset="0"/>
+              </a:rPr>
+              <a:t>Ecrire un programme qui va permettre d’enregistrer des utilisateurs avec leur nom et prénom. </a:t>
+            </a:r>
+          </a:p>
+          <a:p>
+            <a:r>
+              <a:rPr lang="fr-FR" dirty="0">
+                <a:latin typeface="Times New Roman" panose="02020603050405020304" pitchFamily="18" charset="0"/>
+                <a:cs typeface="Times New Roman" panose="02020603050405020304" pitchFamily="18" charset="0"/>
+              </a:rPr>
+              <a:t>Le menu est composé de: ajouter une personne, supprimer une personne, recherche une personne, afficher la liste.</a:t>
+            </a:r>
+          </a:p>
+          <a:p>
+            <a:r>
+              <a:rPr lang="fr-FR" dirty="0">
+                <a:latin typeface="Times New Roman" panose="02020603050405020304" pitchFamily="18" charset="0"/>
+                <a:cs typeface="Times New Roman" panose="02020603050405020304" pitchFamily="18" charset="0"/>
+              </a:rPr>
+              <a:t>L’utilisateur doit faire un choix d’action et le programme doit permettre de gérer les personnes sachant qu’on ne peut avoir une personne de même nom et prénom. </a:t>
+            </a:r>
+          </a:p>
+          <a:p>
+            <a:r>
+              <a:rPr lang="fr-FR" dirty="0">
+                <a:latin typeface="Times New Roman" panose="02020603050405020304" pitchFamily="18" charset="0"/>
+                <a:cs typeface="Times New Roman" panose="02020603050405020304" pitchFamily="18" charset="0"/>
+              </a:rPr>
+              <a:t>Par exemple John DOE ne peut être enregistré deux fois cependant </a:t>
+            </a:r>
+            <a:r>
+              <a:rPr lang="fr-FR" dirty="0" err="1">
+                <a:latin typeface="Times New Roman" panose="02020603050405020304" pitchFamily="18" charset="0"/>
+                <a:cs typeface="Times New Roman" panose="02020603050405020304" pitchFamily="18" charset="0"/>
+              </a:rPr>
+              <a:t>Doé</a:t>
+            </a:r>
+            <a:r>
+              <a:rPr lang="fr-FR" dirty="0">
+                <a:latin typeface="Times New Roman" panose="02020603050405020304" pitchFamily="18" charset="0"/>
+                <a:cs typeface="Times New Roman" panose="02020603050405020304" pitchFamily="18" charset="0"/>
+              </a:rPr>
+              <a:t> JOHN peut être enregistré même si John DOE y ait car les noms et les prénoms sont différents.</a:t>
+            </a:r>
+          </a:p>
+          <a:p>
+            <a:r>
+              <a:rPr lang="fr-FR" dirty="0">
+                <a:latin typeface="Times New Roman" panose="02020603050405020304" pitchFamily="18" charset="0"/>
+                <a:cs typeface="Times New Roman" panose="02020603050405020304" pitchFamily="18" charset="0"/>
+              </a:rPr>
+              <a:t>Lors de la recherche l’utilisateur fournit un nom et le programme doit afficher la liste des personnes qui ont soit le même nom ou soit le même prénom.</a:t>
+            </a:r>
+          </a:p>
+          <a:p>
+            <a:r>
+              <a:rPr lang="fr-FR" dirty="0">
+                <a:latin typeface="Times New Roman" panose="02020603050405020304" pitchFamily="18" charset="0"/>
+                <a:cs typeface="Times New Roman" panose="02020603050405020304" pitchFamily="18" charset="0"/>
+              </a:rPr>
+              <a:t>Pour supprimer une personne l’utilisateur doit fournir un nom et le programme lui affiche la liste des personnes correspondantes ensuite il doit entrer le numéro de la personne qu’il veut supprimer.</a:t>
+            </a:r>
+          </a:p>
+          <a:p>
+            <a:r>
+              <a:rPr lang="fr-FR" dirty="0">
+                <a:latin typeface="Times New Roman" panose="02020603050405020304" pitchFamily="18" charset="0"/>
+                <a:cs typeface="Times New Roman" panose="02020603050405020304" pitchFamily="18" charset="0"/>
+              </a:rPr>
+              <a:t>L’action affichage doit permettre d’afficher toutes les personnes enregistrées.</a:t>
+            </a:r>
+          </a:p>
+          <a:p>
+            <a:r>
+              <a:rPr lang="fr-FR" dirty="0">
+                <a:latin typeface="Times New Roman" panose="02020603050405020304" pitchFamily="18" charset="0"/>
+                <a:cs typeface="Times New Roman" panose="02020603050405020304" pitchFamily="18" charset="0"/>
+              </a:rPr>
+              <a:t>Une personne à un nom et plusieurs prénoms séparés par des espaces.</a:t>
+            </a:r>
+          </a:p>
+          <a:p>
+            <a:r>
+              <a:rPr lang="fr-FR" dirty="0">
+                <a:latin typeface="Times New Roman" panose="02020603050405020304" pitchFamily="18" charset="0"/>
+                <a:cs typeface="Times New Roman" panose="02020603050405020304" pitchFamily="18" charset="0"/>
+              </a:rPr>
+              <a:t>Lors de l’enregistrement procédé comme suite Prénoms NOM. Si l’utilisateur entre comme nom </a:t>
+            </a:r>
+            <a:r>
+              <a:rPr lang="fr-FR" dirty="0" err="1">
+                <a:latin typeface="Times New Roman" panose="02020603050405020304" pitchFamily="18" charset="0"/>
+                <a:cs typeface="Times New Roman" panose="02020603050405020304" pitchFamily="18" charset="0"/>
+              </a:rPr>
+              <a:t>Doé</a:t>
+            </a:r>
+            <a:r>
+              <a:rPr lang="fr-FR" dirty="0">
+                <a:latin typeface="Times New Roman" panose="02020603050405020304" pitchFamily="18" charset="0"/>
+                <a:cs typeface="Times New Roman" panose="02020603050405020304" pitchFamily="18" charset="0"/>
+              </a:rPr>
+              <a:t> et prénoms Toto John le stockage sera Toto John DOE. </a:t>
+            </a:r>
+          </a:p>
+        </p:txBody>
+      </p:sp>
+    </p:spTree>
+    <p:extLst>
+      <p:ext uri="{BB962C8B-B14F-4D97-AF65-F5344CB8AC3E}">
+        <p14:creationId xmlns:p14="http://schemas.microsoft.com/office/powerpoint/2010/main" val="2280855446"/>
+      </p:ext>
+    </p:extLst>
+  </p:cSld>
+  <p:clrMapOvr>
+    <a:masterClrMapping/>
+  </p:clrMapOvr>
+</p:sld>
+</file>
+
+<file path=ppt/slides/slide27.xml><?xml version="1.0" encoding="utf-8"?>
+<p:sld xmlns:a="http://schemas.openxmlformats.org/drawingml/2006/main" xmlns:r="http://schemas.openxmlformats.org/officeDocument/2006/relationships" xmlns:p="http://schemas.openxmlformats.org/presentationml/2006/main">
+  <p:cSld>
+    <p:spTree>
+      <p:nvGrpSpPr>
+        <p:cNvPr id="1" name=""/>
+        <p:cNvGrpSpPr/>
+        <p:nvPr/>
+      </p:nvGrpSpPr>
+      <p:grpSpPr>
+        <a:xfrm>
+          <a:off x="0" y="0"/>
+          <a:ext cx="0" cy="0"/>
+          <a:chOff x="0" y="0"/>
+          <a:chExt cx="0" cy="0"/>
+        </a:xfrm>
+      </p:grpSpPr>
+      <p:sp>
+        <p:nvSpPr>
+          <p:cNvPr id="4" name="Espace réservé du pied de page 3">
+            <a:extLst>
+              <a:ext uri="{FF2B5EF4-FFF2-40B4-BE49-F238E27FC236}">
+                <a16:creationId xmlns:a16="http://schemas.microsoft.com/office/drawing/2014/main" id="{8FEEC940-4BFF-956C-713A-1CE73C436B6F}"/>
+              </a:ext>
+            </a:extLst>
+          </p:cNvPr>
+          <p:cNvSpPr>
+            <a:spLocks noGrp="1"/>
+          </p:cNvSpPr>
+          <p:nvPr>
+            <p:ph type="ftr" sz="quarter" idx="11"/>
+          </p:nvPr>
+        </p:nvSpPr>
+        <p:spPr/>
+        <p:txBody>
+          <a:bodyPr/>
+          <a:lstStyle/>
+          <a:p>
+            <a:r>
+              <a:rPr lang="fr-FR"/>
+              <a:t>Cours: Python | Auteur: TUO N. Ismaël Maurice 
+</a:t>
+            </a:r>
+          </a:p>
+        </p:txBody>
+      </p:sp>
+      <p:sp>
+        <p:nvSpPr>
+          <p:cNvPr id="5" name="Espace réservé du numéro de diapositive 4">
+            <a:extLst>
+              <a:ext uri="{FF2B5EF4-FFF2-40B4-BE49-F238E27FC236}">
+                <a16:creationId xmlns:a16="http://schemas.microsoft.com/office/drawing/2014/main" id="{CE50FB16-F89F-D7CA-C6AA-CFC075094990}"/>
+              </a:ext>
+            </a:extLst>
+          </p:cNvPr>
+          <p:cNvSpPr>
+            <a:spLocks noGrp="1"/>
+          </p:cNvSpPr>
+          <p:nvPr>
+            <p:ph type="sldNum" sz="quarter" idx="12"/>
+          </p:nvPr>
+        </p:nvSpPr>
+        <p:spPr/>
+        <p:txBody>
+          <a:bodyPr/>
+          <a:lstStyle/>
+          <a:p>
+            <a:fld id="{B8C3BB88-DD29-4D42-B62E-D7D541DB4348}" type="slidenum">
+              <a:rPr lang="fr-FR" smtClean="0"/>
+              <a:t>27</a:t>
             </a:fld>
             <a:endParaRPr lang="fr-FR"/>
           </a:p>
@@ -11558,7 +15030,7 @@
 </p:sld>
 </file>
 
-<file path=ppt/slides/slide26.xml><?xml version="1.0" encoding="utf-8"?>
+<file path=ppt/slides/slide28.xml><?xml version="1.0" encoding="utf-8"?>
 <p:sld xmlns:a="http://schemas.openxmlformats.org/drawingml/2006/main" xmlns:r="http://schemas.openxmlformats.org/officeDocument/2006/relationships" xmlns:p="http://schemas.openxmlformats.org/presentationml/2006/main">
   <p:cSld>
     <p:spTree>
@@ -11627,7 +15099,7 @@
           <a:p>
             <a:fld id="{B8C3BB88-DD29-4D42-B62E-D7D541DB4348}" type="slidenum">
               <a:rPr lang="fr-FR" smtClean="0"/>
-              <a:t>26</a:t>
+              <a:t>28</a:t>
             </a:fld>
             <a:endParaRPr lang="fr-FR"/>
           </a:p>
@@ -11995,7 +15467,7 @@
 </p:sld>
 </file>
 
-<file path=ppt/slides/slide27.xml><?xml version="1.0" encoding="utf-8"?>
+<file path=ppt/slides/slide29.xml><?xml version="1.0" encoding="utf-8"?>
 <p:sld xmlns:a="http://schemas.openxmlformats.org/drawingml/2006/main" xmlns:r="http://schemas.openxmlformats.org/officeDocument/2006/relationships" xmlns:p="http://schemas.openxmlformats.org/presentationml/2006/main">
   <p:cSld>
     <p:spTree>
@@ -12064,7 +15536,7 @@
           <a:p>
             <a:fld id="{B8C3BB88-DD29-4D42-B62E-D7D541DB4348}" type="slidenum">
               <a:rPr lang="fr-FR" smtClean="0"/>
-              <a:t>27</a:t>
+              <a:t>29</a:t>
             </a:fld>
             <a:endParaRPr lang="fr-FR"/>
           </a:p>
@@ -12251,436 +15723,6 @@
   <p:clrMapOvr>
     <a:masterClrMapping/>
   </p:clrMapOvr>
-</p:sld>
-</file>
-
-<file path=ppt/slides/slide28.xml><?xml version="1.0" encoding="utf-8"?>
-<p:sld xmlns:a="http://schemas.openxmlformats.org/drawingml/2006/main" xmlns:r="http://schemas.openxmlformats.org/officeDocument/2006/relationships" xmlns:p="http://schemas.openxmlformats.org/presentationml/2006/main">
-  <p:cSld>
-    <p:spTree>
-      <p:nvGrpSpPr>
-        <p:cNvPr id="1" name=""/>
-        <p:cNvGrpSpPr/>
-        <p:nvPr/>
-      </p:nvGrpSpPr>
-      <p:grpSpPr>
-        <a:xfrm>
-          <a:off x="0" y="0"/>
-          <a:ext cx="0" cy="0"/>
-          <a:chOff x="0" y="0"/>
-          <a:chExt cx="0" cy="0"/>
-        </a:xfrm>
-      </p:grpSpPr>
-      <p:sp>
-        <p:nvSpPr>
-          <p:cNvPr id="4" name="Espace réservé du pied de page 3">
-            <a:extLst>
-              <a:ext uri="{FF2B5EF4-FFF2-40B4-BE49-F238E27FC236}">
-                <a16:creationId xmlns:a16="http://schemas.microsoft.com/office/drawing/2014/main" id="{8FEEC940-4BFF-956C-713A-1CE73C436B6F}"/>
-              </a:ext>
-            </a:extLst>
-          </p:cNvPr>
-          <p:cNvSpPr>
-            <a:spLocks noGrp="1"/>
-          </p:cNvSpPr>
-          <p:nvPr>
-            <p:ph type="ftr" sz="quarter" idx="11"/>
-          </p:nvPr>
-        </p:nvSpPr>
-        <p:spPr/>
-        <p:txBody>
-          <a:bodyPr/>
-          <a:lstStyle/>
-          <a:p>
-            <a:r>
-              <a:rPr lang="fr-FR"/>
-              <a:t>Cours: Python | Auteur: TUO N. Ismaël Maurice 
-</a:t>
-            </a:r>
-          </a:p>
-        </p:txBody>
-      </p:sp>
-      <p:sp>
-        <p:nvSpPr>
-          <p:cNvPr id="5" name="Espace réservé du numéro de diapositive 4">
-            <a:extLst>
-              <a:ext uri="{FF2B5EF4-FFF2-40B4-BE49-F238E27FC236}">
-                <a16:creationId xmlns:a16="http://schemas.microsoft.com/office/drawing/2014/main" id="{CE50FB16-F89F-D7CA-C6AA-CFC075094990}"/>
-              </a:ext>
-            </a:extLst>
-          </p:cNvPr>
-          <p:cNvSpPr>
-            <a:spLocks noGrp="1"/>
-          </p:cNvSpPr>
-          <p:nvPr>
-            <p:ph type="sldNum" sz="quarter" idx="12"/>
-          </p:nvPr>
-        </p:nvSpPr>
-        <p:spPr/>
-        <p:txBody>
-          <a:bodyPr/>
-          <a:lstStyle/>
-          <a:p>
-            <a:fld id="{B8C3BB88-DD29-4D42-B62E-D7D541DB4348}" type="slidenum">
-              <a:rPr lang="fr-FR" smtClean="0"/>
-              <a:t>28</a:t>
-            </a:fld>
-            <a:endParaRPr lang="fr-FR"/>
-          </a:p>
-        </p:txBody>
-      </p:sp>
-      <p:sp>
-        <p:nvSpPr>
-          <p:cNvPr id="6" name="ZoneTexte 5">
-            <a:extLst>
-              <a:ext uri="{FF2B5EF4-FFF2-40B4-BE49-F238E27FC236}">
-                <a16:creationId xmlns:a16="http://schemas.microsoft.com/office/drawing/2014/main" id="{84F10693-2FE8-EFC8-8DB6-84BFD181D260}"/>
-              </a:ext>
-            </a:extLst>
-          </p:cNvPr>
-          <p:cNvSpPr txBox="1"/>
-          <p:nvPr/>
-        </p:nvSpPr>
-        <p:spPr>
-          <a:xfrm>
-            <a:off x="397564" y="218526"/>
-            <a:ext cx="5795005" cy="461665"/>
-          </a:xfrm>
-          <a:prstGeom prst="rect">
-            <a:avLst/>
-          </a:prstGeom>
-          <a:noFill/>
-        </p:spPr>
-        <p:txBody>
-          <a:bodyPr wrap="square" rtlCol="0">
-            <a:spAutoFit/>
-          </a:bodyPr>
-          <a:lstStyle/>
-          <a:p>
-            <a:r>
-              <a:rPr lang="fr-FR" sz="2400" b="1" dirty="0">
-                <a:latin typeface="Times New Roman" panose="02020603050405020304" pitchFamily="18" charset="0"/>
-                <a:cs typeface="Times New Roman" panose="02020603050405020304" pitchFamily="18" charset="0"/>
-              </a:rPr>
-              <a:t>Exercices</a:t>
-            </a:r>
-          </a:p>
-        </p:txBody>
-      </p:sp>
-      <p:cxnSp>
-        <p:nvCxnSpPr>
-          <p:cNvPr id="3" name="Connecteur droit 2">
-            <a:extLst>
-              <a:ext uri="{FF2B5EF4-FFF2-40B4-BE49-F238E27FC236}">
-                <a16:creationId xmlns:a16="http://schemas.microsoft.com/office/drawing/2014/main" id="{6AC8021D-4898-08B9-18A0-60AC71EF613E}"/>
-              </a:ext>
-            </a:extLst>
-          </p:cNvPr>
-          <p:cNvCxnSpPr>
-            <a:cxnSpLocks/>
-          </p:cNvCxnSpPr>
-          <p:nvPr/>
-        </p:nvCxnSpPr>
-        <p:spPr>
-          <a:xfrm>
-            <a:off x="500932" y="680191"/>
-            <a:ext cx="11178450" cy="0"/>
-          </a:xfrm>
-          <a:prstGeom prst="line">
-            <a:avLst/>
-          </a:prstGeom>
-          <a:ln/>
-        </p:spPr>
-        <p:style>
-          <a:lnRef idx="3">
-            <a:schemeClr val="accent3"/>
-          </a:lnRef>
-          <a:fillRef idx="0">
-            <a:schemeClr val="accent3"/>
-          </a:fillRef>
-          <a:effectRef idx="2">
-            <a:schemeClr val="accent3"/>
-          </a:effectRef>
-          <a:fontRef idx="minor">
-            <a:schemeClr val="tx1"/>
-          </a:fontRef>
-        </p:style>
-      </p:cxnSp>
-      <p:sp>
-        <p:nvSpPr>
-          <p:cNvPr id="2" name="ZoneTexte 1">
-            <a:extLst>
-              <a:ext uri="{FF2B5EF4-FFF2-40B4-BE49-F238E27FC236}">
-                <a16:creationId xmlns:a16="http://schemas.microsoft.com/office/drawing/2014/main" id="{598CC1F4-92B5-97D6-5630-8A3701211AA4}"/>
-              </a:ext>
-            </a:extLst>
-          </p:cNvPr>
-          <p:cNvSpPr txBox="1"/>
-          <p:nvPr/>
-        </p:nvSpPr>
-        <p:spPr>
-          <a:xfrm>
-            <a:off x="397564" y="711780"/>
-            <a:ext cx="11569148" cy="400110"/>
-          </a:xfrm>
-          <a:prstGeom prst="rect">
-            <a:avLst/>
-          </a:prstGeom>
-          <a:noFill/>
-        </p:spPr>
-        <p:txBody>
-          <a:bodyPr wrap="square" rtlCol="0">
-            <a:spAutoFit/>
-          </a:bodyPr>
-          <a:lstStyle/>
-          <a:p>
-            <a:r>
-              <a:rPr lang="fr-FR" sz="2000" b="1" u="sng" dirty="0">
-                <a:latin typeface="Times New Roman" panose="02020603050405020304" pitchFamily="18" charset="0"/>
-                <a:cs typeface="Times New Roman" panose="02020603050405020304" pitchFamily="18" charset="0"/>
-              </a:rPr>
-              <a:t>Mini-Projet 5</a:t>
-            </a:r>
-          </a:p>
-        </p:txBody>
-      </p:sp>
-      <p:sp>
-        <p:nvSpPr>
-          <p:cNvPr id="7" name="ZoneTexte 6">
-            <a:extLst>
-              <a:ext uri="{FF2B5EF4-FFF2-40B4-BE49-F238E27FC236}">
-                <a16:creationId xmlns:a16="http://schemas.microsoft.com/office/drawing/2014/main" id="{990321CC-02EF-ED64-0AA9-789ED60F60B1}"/>
-              </a:ext>
-            </a:extLst>
-          </p:cNvPr>
-          <p:cNvSpPr txBox="1"/>
-          <p:nvPr/>
-        </p:nvSpPr>
-        <p:spPr>
-          <a:xfrm>
-            <a:off x="397564" y="1090885"/>
-            <a:ext cx="11088982" cy="400110"/>
-          </a:xfrm>
-          <a:prstGeom prst="rect">
-            <a:avLst/>
-          </a:prstGeom>
-          <a:noFill/>
-        </p:spPr>
-        <p:txBody>
-          <a:bodyPr wrap="square" rtlCol="0">
-            <a:spAutoFit/>
-          </a:bodyPr>
-          <a:lstStyle>
-            <a:defPPr>
-              <a:defRPr lang="en-US"/>
-            </a:defPPr>
-            <a:lvl1pPr>
-              <a:defRPr sz="2000"/>
-            </a:lvl1pPr>
-          </a:lstStyle>
-          <a:p>
-            <a:r>
-              <a:rPr lang="fr-FR" dirty="0">
-                <a:latin typeface="Times New Roman" panose="02020603050405020304" pitchFamily="18" charset="0"/>
-                <a:cs typeface="Times New Roman" panose="02020603050405020304" pitchFamily="18" charset="0"/>
-              </a:rPr>
-              <a:t>Chiffre de </a:t>
-            </a:r>
-            <a:r>
-              <a:rPr lang="fr-FR" dirty="0" err="1">
-                <a:latin typeface="Times New Roman" panose="02020603050405020304" pitchFamily="18" charset="0"/>
-                <a:cs typeface="Times New Roman" panose="02020603050405020304" pitchFamily="18" charset="0"/>
-              </a:rPr>
-              <a:t>Vernam</a:t>
-            </a:r>
-            <a:r>
-              <a:rPr lang="fr-FR" dirty="0">
-                <a:latin typeface="Times New Roman" panose="02020603050405020304" pitchFamily="18" charset="0"/>
-                <a:cs typeface="Times New Roman" panose="02020603050405020304" pitchFamily="18" charset="0"/>
-              </a:rPr>
-              <a:t> masque jetable</a:t>
-            </a:r>
-          </a:p>
-        </p:txBody>
-      </p:sp>
-    </p:spTree>
-    <p:extLst>
-      <p:ext uri="{BB962C8B-B14F-4D97-AF65-F5344CB8AC3E}">
-        <p14:creationId xmlns:p14="http://schemas.microsoft.com/office/powerpoint/2010/main" val="11946480"/>
-      </p:ext>
-    </p:extLst>
-  </p:cSld>
-  <p:clrMapOvr>
-    <a:masterClrMapping/>
-  </p:clrMapOvr>
-</p:sld>
-</file>
-
-<file path=ppt/slides/slide29.xml><?xml version="1.0" encoding="utf-8"?>
-<p:sld xmlns:a="http://schemas.openxmlformats.org/drawingml/2006/main" xmlns:r="http://schemas.openxmlformats.org/officeDocument/2006/relationships" xmlns:p="http://schemas.openxmlformats.org/presentationml/2006/main">
-  <p:cSld>
-    <p:spTree>
-      <p:nvGrpSpPr>
-        <p:cNvPr id="1" name=""/>
-        <p:cNvGrpSpPr/>
-        <p:nvPr/>
-      </p:nvGrpSpPr>
-      <p:grpSpPr>
-        <a:xfrm>
-          <a:off x="0" y="0"/>
-          <a:ext cx="0" cy="0"/>
-          <a:chOff x="0" y="0"/>
-          <a:chExt cx="0" cy="0"/>
-        </a:xfrm>
-      </p:grpSpPr>
-      <p:sp>
-        <p:nvSpPr>
-          <p:cNvPr id="6" name="Titre 1">
-            <a:extLst>
-              <a:ext uri="{FF2B5EF4-FFF2-40B4-BE49-F238E27FC236}">
-                <a16:creationId xmlns:a16="http://schemas.microsoft.com/office/drawing/2014/main" id="{6F3F27CE-DAF0-FDE9-1F09-904298E2C122}"/>
-              </a:ext>
-            </a:extLst>
-          </p:cNvPr>
-          <p:cNvSpPr txBox="1">
-            <a:spLocks noGrp="1"/>
-          </p:cNvSpPr>
-          <p:nvPr>
-            <p:ph type="ctrTitle"/>
-          </p:nvPr>
-        </p:nvSpPr>
-        <p:spPr>
-          <a:xfrm>
-            <a:off x="3740748" y="2437729"/>
-            <a:ext cx="4486656" cy="1231106"/>
-          </a:xfrm>
-          <a:noFill/>
-          <a:ln>
-            <a:solidFill>
-              <a:schemeClr val="tx1"/>
-            </a:solidFill>
-          </a:ln>
-        </p:spPr>
-        <p:txBody>
-          <a:bodyPr>
-            <a:normAutofit/>
-          </a:bodyPr>
-          <a:lstStyle/>
-          <a:p>
-            <a:pPr lvl="0"/>
-            <a:r>
-              <a:rPr lang="fr-FR" sz="3200" dirty="0">
-                <a:solidFill>
-                  <a:schemeClr val="tx1"/>
-                </a:solidFill>
-              </a:rPr>
-              <a:t>FIN CHAPITRE 9</a:t>
-            </a:r>
-          </a:p>
-        </p:txBody>
-      </p:sp>
-    </p:spTree>
-    <p:extLst>
-      <p:ext uri="{BB962C8B-B14F-4D97-AF65-F5344CB8AC3E}">
-        <p14:creationId xmlns:p14="http://schemas.microsoft.com/office/powerpoint/2010/main" val="2029635794"/>
-      </p:ext>
-    </p:extLst>
-  </p:cSld>
-  <p:clrMapOvr>
-    <a:masterClrMapping/>
-  </p:clrMapOvr>
-  <p:timing>
-    <p:tnLst>
-      <p:par>
-        <p:cTn id="1" dur="indefinite" restart="never" nodeType="tmRoot">
-          <p:childTnLst>
-            <p:seq concurrent="1" nextAc="seek">
-              <p:cTn id="2" dur="indefinite" nodeType="mainSeq">
-                <p:childTnLst>
-                  <p:par>
-                    <p:cTn id="3" fill="hold">
-                      <p:stCondLst>
-                        <p:cond delay="indefinite"/>
-                        <p:cond evt="onBegin" delay="0">
-                          <p:tn val="2"/>
-                        </p:cond>
-                      </p:stCondLst>
-                      <p:childTnLst>
-                        <p:par>
-                          <p:cTn id="4" fill="hold">
-                            <p:stCondLst>
-                              <p:cond delay="0"/>
-                            </p:stCondLst>
-                            <p:childTnLst>
-                              <p:par>
-                                <p:cTn id="5" presetID="10" presetClass="entr" presetSubtype="0" fill="hold" grpId="0" nodeType="withEffect">
-                                  <p:stCondLst>
-                                    <p:cond delay="1000"/>
-                                  </p:stCondLst>
-                                  <p:iterate type="lt">
-                                    <p:tmPct val="10000"/>
-                                  </p:iterate>
-                                  <p:childTnLst>
-                                    <p:set>
-                                      <p:cBhvr>
-                                        <p:cTn id="6" dur="1" fill="hold">
-                                          <p:stCondLst>
-                                            <p:cond delay="0"/>
-                                          </p:stCondLst>
-                                        </p:cTn>
-                                        <p:tgtEl>
-                                          <p:spTgt spid="6"/>
-                                        </p:tgtEl>
-                                        <p:attrNameLst>
-                                          <p:attrName>style.visibility</p:attrName>
-                                        </p:attrNameLst>
-                                      </p:cBhvr>
-                                      <p:to>
-                                        <p:strVal val="visible"/>
-                                      </p:to>
-                                    </p:set>
-                                    <p:animEffect transition="in" filter="fade">
-                                      <p:cBhvr>
-                                        <p:cTn id="7" dur="400"/>
-                                        <p:tgtEl>
-                                          <p:spTgt spid="6"/>
-                                        </p:tgtEl>
-                                      </p:cBhvr>
-                                    </p:animEffect>
-                                  </p:childTnLst>
-                                </p:cTn>
-                              </p:par>
-                            </p:childTnLst>
-                          </p:cTn>
-                        </p:par>
-                      </p:childTnLst>
-                    </p:cTn>
-                  </p:par>
-                </p:childTnLst>
-              </p:cTn>
-              <p:prevCondLst>
-                <p:cond evt="onPrev" delay="0">
-                  <p:tgtEl>
-                    <p:sldTgt/>
-                  </p:tgtEl>
-                </p:cond>
-              </p:prevCondLst>
-              <p:nextCondLst>
-                <p:cond evt="onNext" delay="0">
-                  <p:tgtEl>
-                    <p:sldTgt/>
-                  </p:tgtEl>
-                </p:cond>
-              </p:nextCondLst>
-            </p:seq>
-          </p:childTnLst>
-        </p:cTn>
-      </p:par>
-    </p:tnLst>
-    <p:bldLst>
-      <p:bldP spid="6" grpId="0" animBg="1"/>
-    </p:bldLst>
-  </p:timing>
 </p:sld>
 </file>
 
@@ -13465,7 +16507,7 @@
                 <a:latin typeface="Times New Roman" panose="02020603050405020304" pitchFamily="18" charset="0"/>
                 <a:cs typeface="Times New Roman" panose="02020603050405020304" pitchFamily="18" charset="0"/>
               </a:rPr>
-              <a:t>Une liste peut contenir plusieurs nombres entiers ou uniquement des nombres à virgule ou uniquement des chaines de caractères ou un mélange de tout. Une liste peut même contenir une liste.</a:t>
+              <a:t>Une liste peut contenir plusieurs nombres entiers ou uniquement des nombres à virgule ou uniquement des chaines de caractères ou un mélange de tout. Une liste peut même contenir une autre liste.</a:t>
             </a:r>
           </a:p>
         </p:txBody>
@@ -13483,7 +16525,7 @@
 </p:sld>
 </file>
 
-<file path=ppt/slides/slide4.xml><?xml version="1.0" encoding="utf-8"?>
+<file path=ppt/slides/slide30.xml><?xml version="1.0" encoding="utf-8"?>
 <p:sld xmlns:a="http://schemas.openxmlformats.org/drawingml/2006/main" xmlns:r="http://schemas.openxmlformats.org/officeDocument/2006/relationships" xmlns:p="http://schemas.openxmlformats.org/presentationml/2006/main">
   <p:cSld>
     <p:spTree>
@@ -13552,7 +16594,7 @@
           <a:p>
             <a:fld id="{B8C3BB88-DD29-4D42-B62E-D7D541DB4348}" type="slidenum">
               <a:rPr lang="fr-FR" smtClean="0"/>
-              <a:t>4</a:t>
+              <a:t>30</a:t>
             </a:fld>
             <a:endParaRPr lang="fr-FR"/>
           </a:p>
@@ -13572,8 +16614,8 @@
         </p:nvSpPr>
         <p:spPr>
           <a:xfrm>
-            <a:off x="397565" y="218526"/>
-            <a:ext cx="3069204" cy="461665"/>
+            <a:off x="397564" y="218526"/>
+            <a:ext cx="5795005" cy="461665"/>
           </a:xfrm>
           <a:prstGeom prst="rect">
             <a:avLst/>
@@ -13591,7 +16633,7 @@
                 <a:latin typeface="Times New Roman" panose="02020603050405020304" pitchFamily="18" charset="0"/>
                 <a:cs typeface="Times New Roman" panose="02020603050405020304" pitchFamily="18" charset="0"/>
               </a:rPr>
-              <a:t>Création de listes</a:t>
+              <a:t>Exercices</a:t>
             </a:r>
           </a:p>
         </p:txBody>
@@ -13637,6 +16679,436 @@
       </p:cxnSp>
       <p:sp>
         <p:nvSpPr>
+          <p:cNvPr id="2" name="ZoneTexte 1">
+            <a:extLst>
+              <a:ext uri="{FF2B5EF4-FFF2-40B4-BE49-F238E27FC236}">
+                <a16:creationId xmlns:a16="http://schemas.microsoft.com/office/drawing/2014/main" id="{598CC1F4-92B5-97D6-5630-8A3701211AA4}"/>
+              </a:ext>
+            </a:extLst>
+          </p:cNvPr>
+          <p:cNvSpPr txBox="1"/>
+          <p:nvPr/>
+        </p:nvSpPr>
+        <p:spPr>
+          <a:xfrm>
+            <a:off x="397564" y="711780"/>
+            <a:ext cx="11569148" cy="400110"/>
+          </a:xfrm>
+          <a:prstGeom prst="rect">
+            <a:avLst/>
+          </a:prstGeom>
+          <a:noFill/>
+        </p:spPr>
+        <p:txBody>
+          <a:bodyPr wrap="square" rtlCol="0">
+            <a:spAutoFit/>
+          </a:bodyPr>
+          <a:lstStyle/>
+          <a:p>
+            <a:r>
+              <a:rPr lang="fr-FR" sz="2000" b="1" u="sng" dirty="0">
+                <a:latin typeface="Times New Roman" panose="02020603050405020304" pitchFamily="18" charset="0"/>
+                <a:cs typeface="Times New Roman" panose="02020603050405020304" pitchFamily="18" charset="0"/>
+              </a:rPr>
+              <a:t>Mini-Projet 5</a:t>
+            </a:r>
+          </a:p>
+        </p:txBody>
+      </p:sp>
+      <p:sp>
+        <p:nvSpPr>
+          <p:cNvPr id="7" name="ZoneTexte 6">
+            <a:extLst>
+              <a:ext uri="{FF2B5EF4-FFF2-40B4-BE49-F238E27FC236}">
+                <a16:creationId xmlns:a16="http://schemas.microsoft.com/office/drawing/2014/main" id="{990321CC-02EF-ED64-0AA9-789ED60F60B1}"/>
+              </a:ext>
+            </a:extLst>
+          </p:cNvPr>
+          <p:cNvSpPr txBox="1"/>
+          <p:nvPr/>
+        </p:nvSpPr>
+        <p:spPr>
+          <a:xfrm>
+            <a:off x="397564" y="1090885"/>
+            <a:ext cx="11088982" cy="400110"/>
+          </a:xfrm>
+          <a:prstGeom prst="rect">
+            <a:avLst/>
+          </a:prstGeom>
+          <a:noFill/>
+        </p:spPr>
+        <p:txBody>
+          <a:bodyPr wrap="square" rtlCol="0">
+            <a:spAutoFit/>
+          </a:bodyPr>
+          <a:lstStyle>
+            <a:defPPr>
+              <a:defRPr lang="en-US"/>
+            </a:defPPr>
+            <a:lvl1pPr>
+              <a:defRPr sz="2000"/>
+            </a:lvl1pPr>
+          </a:lstStyle>
+          <a:p>
+            <a:r>
+              <a:rPr lang="fr-FR" dirty="0">
+                <a:latin typeface="Times New Roman" panose="02020603050405020304" pitchFamily="18" charset="0"/>
+                <a:cs typeface="Times New Roman" panose="02020603050405020304" pitchFamily="18" charset="0"/>
+              </a:rPr>
+              <a:t>Chiffre de </a:t>
+            </a:r>
+            <a:r>
+              <a:rPr lang="fr-FR" dirty="0" err="1">
+                <a:latin typeface="Times New Roman" panose="02020603050405020304" pitchFamily="18" charset="0"/>
+                <a:cs typeface="Times New Roman" panose="02020603050405020304" pitchFamily="18" charset="0"/>
+              </a:rPr>
+              <a:t>Vernam</a:t>
+            </a:r>
+            <a:r>
+              <a:rPr lang="fr-FR" dirty="0">
+                <a:latin typeface="Times New Roman" panose="02020603050405020304" pitchFamily="18" charset="0"/>
+                <a:cs typeface="Times New Roman" panose="02020603050405020304" pitchFamily="18" charset="0"/>
+              </a:rPr>
+              <a:t> masque jetable</a:t>
+            </a:r>
+          </a:p>
+        </p:txBody>
+      </p:sp>
+    </p:spTree>
+    <p:extLst>
+      <p:ext uri="{BB962C8B-B14F-4D97-AF65-F5344CB8AC3E}">
+        <p14:creationId xmlns:p14="http://schemas.microsoft.com/office/powerpoint/2010/main" val="11946480"/>
+      </p:ext>
+    </p:extLst>
+  </p:cSld>
+  <p:clrMapOvr>
+    <a:masterClrMapping/>
+  </p:clrMapOvr>
+</p:sld>
+</file>
+
+<file path=ppt/slides/slide31.xml><?xml version="1.0" encoding="utf-8"?>
+<p:sld xmlns:a="http://schemas.openxmlformats.org/drawingml/2006/main" xmlns:r="http://schemas.openxmlformats.org/officeDocument/2006/relationships" xmlns:p="http://schemas.openxmlformats.org/presentationml/2006/main">
+  <p:cSld>
+    <p:spTree>
+      <p:nvGrpSpPr>
+        <p:cNvPr id="1" name=""/>
+        <p:cNvGrpSpPr/>
+        <p:nvPr/>
+      </p:nvGrpSpPr>
+      <p:grpSpPr>
+        <a:xfrm>
+          <a:off x="0" y="0"/>
+          <a:ext cx="0" cy="0"/>
+          <a:chOff x="0" y="0"/>
+          <a:chExt cx="0" cy="0"/>
+        </a:xfrm>
+      </p:grpSpPr>
+      <p:sp>
+        <p:nvSpPr>
+          <p:cNvPr id="6" name="Titre 1">
+            <a:extLst>
+              <a:ext uri="{FF2B5EF4-FFF2-40B4-BE49-F238E27FC236}">
+                <a16:creationId xmlns:a16="http://schemas.microsoft.com/office/drawing/2014/main" id="{6F3F27CE-DAF0-FDE9-1F09-904298E2C122}"/>
+              </a:ext>
+            </a:extLst>
+          </p:cNvPr>
+          <p:cNvSpPr txBox="1">
+            <a:spLocks noGrp="1"/>
+          </p:cNvSpPr>
+          <p:nvPr>
+            <p:ph type="ctrTitle"/>
+          </p:nvPr>
+        </p:nvSpPr>
+        <p:spPr>
+          <a:xfrm>
+            <a:off x="3740748" y="2437729"/>
+            <a:ext cx="4486656" cy="1231106"/>
+          </a:xfrm>
+          <a:noFill/>
+          <a:ln>
+            <a:solidFill>
+              <a:schemeClr val="tx1"/>
+            </a:solidFill>
+          </a:ln>
+        </p:spPr>
+        <p:txBody>
+          <a:bodyPr>
+            <a:normAutofit/>
+          </a:bodyPr>
+          <a:lstStyle/>
+          <a:p>
+            <a:pPr lvl="0"/>
+            <a:r>
+              <a:rPr lang="fr-FR" sz="3200" dirty="0">
+                <a:solidFill>
+                  <a:schemeClr val="tx1"/>
+                </a:solidFill>
+              </a:rPr>
+              <a:t>FIN CHAPITRE 9</a:t>
+            </a:r>
+          </a:p>
+        </p:txBody>
+      </p:sp>
+    </p:spTree>
+    <p:extLst>
+      <p:ext uri="{BB962C8B-B14F-4D97-AF65-F5344CB8AC3E}">
+        <p14:creationId xmlns:p14="http://schemas.microsoft.com/office/powerpoint/2010/main" val="2029635794"/>
+      </p:ext>
+    </p:extLst>
+  </p:cSld>
+  <p:clrMapOvr>
+    <a:masterClrMapping/>
+  </p:clrMapOvr>
+  <p:timing>
+    <p:tnLst>
+      <p:par>
+        <p:cTn id="1" dur="indefinite" restart="never" nodeType="tmRoot">
+          <p:childTnLst>
+            <p:seq concurrent="1" nextAc="seek">
+              <p:cTn id="2" dur="indefinite" nodeType="mainSeq">
+                <p:childTnLst>
+                  <p:par>
+                    <p:cTn id="3" fill="hold">
+                      <p:stCondLst>
+                        <p:cond delay="indefinite"/>
+                        <p:cond evt="onBegin" delay="0">
+                          <p:tn val="2"/>
+                        </p:cond>
+                      </p:stCondLst>
+                      <p:childTnLst>
+                        <p:par>
+                          <p:cTn id="4" fill="hold">
+                            <p:stCondLst>
+                              <p:cond delay="0"/>
+                            </p:stCondLst>
+                            <p:childTnLst>
+                              <p:par>
+                                <p:cTn id="5" presetID="10" presetClass="entr" presetSubtype="0" fill="hold" grpId="0" nodeType="withEffect">
+                                  <p:stCondLst>
+                                    <p:cond delay="1000"/>
+                                  </p:stCondLst>
+                                  <p:iterate type="lt">
+                                    <p:tmPct val="10000"/>
+                                  </p:iterate>
+                                  <p:childTnLst>
+                                    <p:set>
+                                      <p:cBhvr>
+                                        <p:cTn id="6" dur="1" fill="hold">
+                                          <p:stCondLst>
+                                            <p:cond delay="0"/>
+                                          </p:stCondLst>
+                                        </p:cTn>
+                                        <p:tgtEl>
+                                          <p:spTgt spid="6"/>
+                                        </p:tgtEl>
+                                        <p:attrNameLst>
+                                          <p:attrName>style.visibility</p:attrName>
+                                        </p:attrNameLst>
+                                      </p:cBhvr>
+                                      <p:to>
+                                        <p:strVal val="visible"/>
+                                      </p:to>
+                                    </p:set>
+                                    <p:animEffect transition="in" filter="fade">
+                                      <p:cBhvr>
+                                        <p:cTn id="7" dur="400"/>
+                                        <p:tgtEl>
+                                          <p:spTgt spid="6"/>
+                                        </p:tgtEl>
+                                      </p:cBhvr>
+                                    </p:animEffect>
+                                  </p:childTnLst>
+                                </p:cTn>
+                              </p:par>
+                            </p:childTnLst>
+                          </p:cTn>
+                        </p:par>
+                      </p:childTnLst>
+                    </p:cTn>
+                  </p:par>
+                </p:childTnLst>
+              </p:cTn>
+              <p:prevCondLst>
+                <p:cond evt="onPrev" delay="0">
+                  <p:tgtEl>
+                    <p:sldTgt/>
+                  </p:tgtEl>
+                </p:cond>
+              </p:prevCondLst>
+              <p:nextCondLst>
+                <p:cond evt="onNext" delay="0">
+                  <p:tgtEl>
+                    <p:sldTgt/>
+                  </p:tgtEl>
+                </p:cond>
+              </p:nextCondLst>
+            </p:seq>
+          </p:childTnLst>
+        </p:cTn>
+      </p:par>
+    </p:tnLst>
+    <p:bldLst>
+      <p:bldP spid="6" grpId="0" animBg="1"/>
+    </p:bldLst>
+  </p:timing>
+</p:sld>
+</file>
+
+<file path=ppt/slides/slide4.xml><?xml version="1.0" encoding="utf-8"?>
+<p:sld xmlns:a="http://schemas.openxmlformats.org/drawingml/2006/main" xmlns:r="http://schemas.openxmlformats.org/officeDocument/2006/relationships" xmlns:p="http://schemas.openxmlformats.org/presentationml/2006/main">
+  <p:cSld>
+    <p:spTree>
+      <p:nvGrpSpPr>
+        <p:cNvPr id="1" name=""/>
+        <p:cNvGrpSpPr/>
+        <p:nvPr/>
+      </p:nvGrpSpPr>
+      <p:grpSpPr>
+        <a:xfrm>
+          <a:off x="0" y="0"/>
+          <a:ext cx="0" cy="0"/>
+          <a:chOff x="0" y="0"/>
+          <a:chExt cx="0" cy="0"/>
+        </a:xfrm>
+      </p:grpSpPr>
+      <p:sp>
+        <p:nvSpPr>
+          <p:cNvPr id="4" name="Espace réservé du pied de page 3">
+            <a:extLst>
+              <a:ext uri="{FF2B5EF4-FFF2-40B4-BE49-F238E27FC236}">
+                <a16:creationId xmlns:a16="http://schemas.microsoft.com/office/drawing/2014/main" id="{8FEEC940-4BFF-956C-713A-1CE73C436B6F}"/>
+              </a:ext>
+            </a:extLst>
+          </p:cNvPr>
+          <p:cNvSpPr>
+            <a:spLocks noGrp="1"/>
+          </p:cNvSpPr>
+          <p:nvPr>
+            <p:ph type="ftr" sz="quarter" idx="11"/>
+          </p:nvPr>
+        </p:nvSpPr>
+        <p:spPr/>
+        <p:txBody>
+          <a:bodyPr/>
+          <a:lstStyle/>
+          <a:p>
+            <a:r>
+              <a:rPr lang="fr-FR"/>
+              <a:t>Cours: Python | Auteur: TUO N. Ismaël Maurice 
+</a:t>
+            </a:r>
+          </a:p>
+        </p:txBody>
+      </p:sp>
+      <p:sp>
+        <p:nvSpPr>
+          <p:cNvPr id="5" name="Espace réservé du numéro de diapositive 4">
+            <a:extLst>
+              <a:ext uri="{FF2B5EF4-FFF2-40B4-BE49-F238E27FC236}">
+                <a16:creationId xmlns:a16="http://schemas.microsoft.com/office/drawing/2014/main" id="{CE50FB16-F89F-D7CA-C6AA-CFC075094990}"/>
+              </a:ext>
+            </a:extLst>
+          </p:cNvPr>
+          <p:cNvSpPr>
+            <a:spLocks noGrp="1"/>
+          </p:cNvSpPr>
+          <p:nvPr>
+            <p:ph type="sldNum" sz="quarter" idx="12"/>
+          </p:nvPr>
+        </p:nvSpPr>
+        <p:spPr/>
+        <p:txBody>
+          <a:bodyPr/>
+          <a:lstStyle/>
+          <a:p>
+            <a:fld id="{B8C3BB88-DD29-4D42-B62E-D7D541DB4348}" type="slidenum">
+              <a:rPr lang="fr-FR" smtClean="0"/>
+              <a:t>4</a:t>
+            </a:fld>
+            <a:endParaRPr lang="fr-FR"/>
+          </a:p>
+        </p:txBody>
+      </p:sp>
+      <p:sp>
+        <p:nvSpPr>
+          <p:cNvPr id="6" name="ZoneTexte 5">
+            <a:extLst>
+              <a:ext uri="{FF2B5EF4-FFF2-40B4-BE49-F238E27FC236}">
+                <a16:creationId xmlns:a16="http://schemas.microsoft.com/office/drawing/2014/main" id="{84F10693-2FE8-EFC8-8DB6-84BFD181D260}"/>
+              </a:ext>
+            </a:extLst>
+          </p:cNvPr>
+          <p:cNvSpPr txBox="1"/>
+          <p:nvPr/>
+        </p:nvSpPr>
+        <p:spPr>
+          <a:xfrm>
+            <a:off x="397565" y="218526"/>
+            <a:ext cx="3069204" cy="461665"/>
+          </a:xfrm>
+          <a:prstGeom prst="rect">
+            <a:avLst/>
+          </a:prstGeom>
+          <a:noFill/>
+        </p:spPr>
+        <p:txBody>
+          <a:bodyPr wrap="square" rtlCol="0">
+            <a:spAutoFit/>
+          </a:bodyPr>
+          <a:lstStyle/>
+          <a:p>
+            <a:r>
+              <a:rPr lang="fr-FR" sz="2400" b="1" dirty="0">
+                <a:latin typeface="Times New Roman" panose="02020603050405020304" pitchFamily="18" charset="0"/>
+                <a:cs typeface="Times New Roman" panose="02020603050405020304" pitchFamily="18" charset="0"/>
+              </a:rPr>
+              <a:t>Création de listes</a:t>
+            </a:r>
+          </a:p>
+        </p:txBody>
+      </p:sp>
+      <p:cxnSp>
+        <p:nvCxnSpPr>
+          <p:cNvPr id="3" name="Connecteur droit 2">
+            <a:extLst>
+              <a:ext uri="{FF2B5EF4-FFF2-40B4-BE49-F238E27FC236}">
+                <a16:creationId xmlns:a16="http://schemas.microsoft.com/office/drawing/2014/main" id="{6AC8021D-4898-08B9-18A0-60AC71EF613E}"/>
+              </a:ext>
+            </a:extLst>
+          </p:cNvPr>
+          <p:cNvCxnSpPr>
+            <a:cxnSpLocks/>
+          </p:cNvCxnSpPr>
+          <p:nvPr/>
+        </p:nvCxnSpPr>
+        <p:spPr>
+          <a:xfrm>
+            <a:off x="500932" y="680191"/>
+            <a:ext cx="11178450" cy="0"/>
+          </a:xfrm>
+          <a:prstGeom prst="line">
+            <a:avLst/>
+          </a:prstGeom>
+          <a:ln/>
+        </p:spPr>
+        <p:style>
+          <a:lnRef idx="3">
+            <a:schemeClr val="accent3"/>
+          </a:lnRef>
+          <a:fillRef idx="0">
+            <a:schemeClr val="accent3"/>
+          </a:fillRef>
+          <a:effectRef idx="2">
+            <a:schemeClr val="accent3"/>
+          </a:effectRef>
+          <a:fontRef idx="minor">
+            <a:schemeClr val="tx1"/>
+          </a:fontRef>
+        </p:style>
+      </p:cxnSp>
+      <p:sp>
+        <p:nvSpPr>
           <p:cNvPr id="7" name="ZoneTexte 6">
             <a:extLst>
               <a:ext uri="{FF2B5EF4-FFF2-40B4-BE49-F238E27FC236}">
@@ -13668,7 +17140,7 @@
                 <a:latin typeface="Times New Roman" panose="02020603050405020304" pitchFamily="18" charset="0"/>
                 <a:cs typeface="Times New Roman" panose="02020603050405020304" pitchFamily="18" charset="0"/>
               </a:rPr>
-              <a:t>Python nous offre deux possibilités pour créer une liste soit on utilise le mot clé </a:t>
+              <a:t>Python nous offre deux possibilités pour créer des listes soit on utilise le mot clé </a:t>
             </a:r>
             <a:r>
               <a:rPr lang="fr-FR" sz="2000" b="1" dirty="0" err="1">
@@ -14088,7 +17560,7 @@
         </p:nvSpPr>
         <p:spPr>
           <a:xfrm>
-            <a:off x="500930" y="1549659"/>
+            <a:off x="500930" y="1495799"/>
             <a:ext cx="11441731" cy="400110"/>
           </a:xfrm>
           <a:prstGeom prst="rect">
@@ -14152,8 +17624,8 @@
         </p:blipFill>
         <p:spPr>
           <a:xfrm>
-            <a:off x="3596949" y="2003629"/>
-            <a:ext cx="4397262" cy="3617026"/>
+            <a:off x="2337955" y="2003629"/>
+            <a:ext cx="6972300" cy="3908798"/>
           </a:xfrm>
           <a:prstGeom prst="rect">
             <a:avLst/>
@@ -14174,7 +17646,7 @@
         </p:nvSpPr>
         <p:spPr>
           <a:xfrm>
-            <a:off x="635223" y="5653765"/>
+            <a:off x="635223" y="5850082"/>
             <a:ext cx="11441731" cy="400110"/>
           </a:xfrm>
           <a:prstGeom prst="rect">
@@ -15199,8 +18671,8 @@
           </a:fontRef>
         </p:style>
       </p:cxnSp>
-      <mc:AlternateContent xmlns:mc="http://schemas.openxmlformats.org/markup-compatibility/2006">
-        <mc:Choice xmlns:a14="http://schemas.microsoft.com/office/drawing/2010/main" Requires="a14">
+      <mc:AlternateContent xmlns:mc="http://schemas.openxmlformats.org/markup-compatibility/2006" xmlns:a14="http://schemas.microsoft.com/office/drawing/2010/main">
+        <mc:Choice Requires="a14">
           <p:sp>
             <p:nvSpPr>
               <p:cNvPr id="7" name="ZoneTexte 6">
@@ -15283,7 +18755,7 @@
             </p:txBody>
           </p:sp>
         </mc:Choice>
-        <mc:Fallback>
+        <mc:Fallback xmlns="">
           <p:sp>
             <p:nvSpPr>
               <p:cNvPr id="7" name="ZoneTexte 6">
@@ -15328,8 +18800,8 @@
           </p:sp>
         </mc:Fallback>
       </mc:AlternateContent>
-      <mc:AlternateContent xmlns:mc="http://schemas.openxmlformats.org/markup-compatibility/2006">
-        <mc:Choice xmlns:a14="http://schemas.microsoft.com/office/drawing/2010/main" Requires="a14">
+      <mc:AlternateContent xmlns:mc="http://schemas.openxmlformats.org/markup-compatibility/2006" xmlns:a14="http://schemas.microsoft.com/office/drawing/2010/main">
+        <mc:Choice Requires="a14">
           <p:sp>
             <p:nvSpPr>
               <p:cNvPr id="2" name="ZoneTexte 1">
@@ -15398,7 +18870,7 @@
             </p:txBody>
           </p:sp>
         </mc:Choice>
-        <mc:Fallback>
+        <mc:Fallback xmlns="">
           <p:sp>
             <p:nvSpPr>
               <p:cNvPr id="2" name="ZoneTexte 1">
@@ -15443,8 +18915,8 @@
           </p:sp>
         </mc:Fallback>
       </mc:AlternateContent>
-      <mc:AlternateContent xmlns:mc="http://schemas.openxmlformats.org/markup-compatibility/2006">
-        <mc:Choice xmlns:a14="http://schemas.microsoft.com/office/drawing/2010/main" Requires="a14">
+      <mc:AlternateContent xmlns:mc="http://schemas.openxmlformats.org/markup-compatibility/2006" xmlns:a14="http://schemas.microsoft.com/office/drawing/2010/main">
+        <mc:Choice Requires="a14">
           <p:sp>
             <p:nvSpPr>
               <p:cNvPr id="8" name="ZoneTexte 7">
@@ -15524,7 +18996,7 @@
             </p:txBody>
           </p:sp>
         </mc:Choice>
-        <mc:Fallback>
+        <mc:Fallback xmlns="">
           <p:sp>
             <p:nvSpPr>
               <p:cNvPr id="8" name="ZoneTexte 7">
@@ -15591,16 +19063,16 @@
         </p:blipFill>
         <p:spPr>
           <a:xfrm>
-            <a:off x="1126942" y="2948284"/>
-            <a:ext cx="4096909" cy="2262024"/>
+            <a:off x="787646" y="2857643"/>
+            <a:ext cx="4634598" cy="2558898"/>
           </a:xfrm>
           <a:prstGeom prst="rect">
             <a:avLst/>
           </a:prstGeom>
         </p:spPr>
       </p:pic>
-      <mc:AlternateContent xmlns:mc="http://schemas.openxmlformats.org/markup-compatibility/2006">
-        <mc:Choice xmlns:a14="http://schemas.microsoft.com/office/drawing/2010/main" Requires="a14">
+      <mc:AlternateContent xmlns:mc="http://schemas.openxmlformats.org/markup-compatibility/2006" xmlns:a14="http://schemas.microsoft.com/office/drawing/2010/main">
+        <mc:Choice Requires="a14">
           <p:sp>
             <p:nvSpPr>
               <p:cNvPr id="13" name="ZoneTexte 12">
@@ -15701,7 +19173,7 @@
             </p:txBody>
           </p:sp>
         </mc:Choice>
-        <mc:Fallback>
+        <mc:Fallback xmlns="">
           <p:sp>
             <p:nvSpPr>
               <p:cNvPr id="13" name="ZoneTexte 12">
@@ -15768,16 +19240,16 @@
         </p:blipFill>
         <p:spPr>
           <a:xfrm>
-            <a:off x="5705238" y="2989910"/>
-            <a:ext cx="5142538" cy="2148438"/>
+            <a:off x="5705238" y="2857643"/>
+            <a:ext cx="5142538" cy="2558897"/>
           </a:xfrm>
           <a:prstGeom prst="rect">
             <a:avLst/>
           </a:prstGeom>
         </p:spPr>
       </p:pic>
-      <mc:AlternateContent xmlns:mc="http://schemas.openxmlformats.org/markup-compatibility/2006">
-        <mc:Choice xmlns:a14="http://schemas.microsoft.com/office/drawing/2010/main" Requires="a14">
+      <mc:AlternateContent xmlns:mc="http://schemas.openxmlformats.org/markup-compatibility/2006" xmlns:a14="http://schemas.microsoft.com/office/drawing/2010/main">
+        <mc:Choice Requires="a14">
           <p:sp>
             <p:nvSpPr>
               <p:cNvPr id="16" name="ZoneTexte 15">
@@ -15835,7 +19307,7 @@
             </p:txBody>
           </p:sp>
         </mc:Choice>
-        <mc:Fallback>
+        <mc:Fallback xmlns="">
           <p:sp>
             <p:nvSpPr>
               <p:cNvPr id="16" name="ZoneTexte 15">
@@ -16130,7 +19602,7 @@
                     <a:latin typeface="Times New Roman" panose="02020603050405020304" pitchFamily="18" charset="0"/>
                     <a:cs typeface="Times New Roman" panose="02020603050405020304" pitchFamily="18" charset="0"/>
                   </a:rPr>
-                  <a:t>permet de supprimer un élément dans la liste à partir de sa valeur non pas par son indice. La syntaxe pour utiliser </a:t>
+                  <a:t>permet de supprimer un élément dans une liste à partir de sa valeur non pas par son indice. La syntaxe pour utiliser </a:t>
                 </a:r>
                 <a14:m>
                   <m:oMath xmlns:m="http://schemas.openxmlformats.org/officeDocument/2006/math">
@@ -16191,7 +19663,7 @@
               <a:blipFill>
                 <a:blip r:embed="rId2"/>
                 <a:stretch>
-                  <a:fillRect l="-533" t="-5172" b="-14655"/>
+                  <a:fillRect l="-533" t="-5172" r="-160" b="-14655"/>
                 </a:stretch>
               </a:blipFill>
             </p:spPr>
@@ -16210,8 +19682,8 @@
           </p:sp>
         </mc:Fallback>
       </mc:AlternateContent>
-      <mc:AlternateContent xmlns:mc="http://schemas.openxmlformats.org/markup-compatibility/2006">
-        <mc:Choice xmlns:a14="http://schemas.microsoft.com/office/drawing/2010/main" Requires="a14">
+      <mc:AlternateContent xmlns:mc="http://schemas.openxmlformats.org/markup-compatibility/2006" xmlns:a14="http://schemas.microsoft.com/office/drawing/2010/main">
+        <mc:Choice Requires="a14">
           <p:sp>
             <p:nvSpPr>
               <p:cNvPr id="8" name="ZoneTexte 7">
@@ -16365,7 +19837,7 @@
             </p:txBody>
           </p:sp>
         </mc:Choice>
-        <mc:Fallback>
+        <mc:Fallback xmlns="">
           <p:sp>
             <p:nvSpPr>
               <p:cNvPr id="8" name="ZoneTexte 7">
@@ -16410,8 +19882,8 @@
           </p:sp>
         </mc:Fallback>
       </mc:AlternateContent>
-      <mc:AlternateContent xmlns:mc="http://schemas.openxmlformats.org/markup-compatibility/2006">
-        <mc:Choice xmlns:a14="http://schemas.microsoft.com/office/drawing/2010/main" Requires="a14">
+      <mc:AlternateContent xmlns:mc="http://schemas.openxmlformats.org/markup-compatibility/2006" xmlns:a14="http://schemas.microsoft.com/office/drawing/2010/main">
+        <mc:Choice Requires="a14">
           <p:sp>
             <p:nvSpPr>
               <p:cNvPr id="16" name="ZoneTexte 15">
@@ -16469,7 +19941,7 @@
             </p:txBody>
           </p:sp>
         </mc:Choice>
-        <mc:Fallback>
+        <mc:Fallback xmlns="">
           <p:sp>
             <p:nvSpPr>
               <p:cNvPr id="16" name="ZoneTexte 15">
@@ -16514,8 +19986,8 @@
           </p:sp>
         </mc:Fallback>
       </mc:AlternateContent>
-      <mc:AlternateContent xmlns:mc="http://schemas.openxmlformats.org/markup-compatibility/2006">
-        <mc:Choice xmlns:a14="http://schemas.microsoft.com/office/drawing/2010/main" Requires="a14">
+      <mc:AlternateContent xmlns:mc="http://schemas.openxmlformats.org/markup-compatibility/2006" xmlns:a14="http://schemas.microsoft.com/office/drawing/2010/main">
+        <mc:Choice Requires="a14">
           <p:sp>
             <p:nvSpPr>
               <p:cNvPr id="9" name="ZoneTexte 8">
@@ -16573,7 +20045,7 @@
             </p:txBody>
           </p:sp>
         </mc:Choice>
-        <mc:Fallback>
+        <mc:Fallback xmlns="">
           <p:sp>
             <p:nvSpPr>
               <p:cNvPr id="9" name="ZoneTexte 8">
@@ -16618,8 +20090,8 @@
           </p:sp>
         </mc:Fallback>
       </mc:AlternateContent>
-      <mc:AlternateContent xmlns:mc="http://schemas.openxmlformats.org/markup-compatibility/2006">
-        <mc:Choice xmlns:a14="http://schemas.microsoft.com/office/drawing/2010/main" Requires="a14">
+      <mc:AlternateContent xmlns:mc="http://schemas.openxmlformats.org/markup-compatibility/2006" xmlns:a14="http://schemas.microsoft.com/office/drawing/2010/main">
+        <mc:Choice Requires="a14">
           <p:sp>
             <p:nvSpPr>
               <p:cNvPr id="11" name="ZoneTexte 10">
@@ -16695,7 +20167,7 @@
             </p:txBody>
           </p:sp>
         </mc:Choice>
-        <mc:Fallback>
+        <mc:Fallback xmlns="">
           <p:sp>
             <p:nvSpPr>
               <p:cNvPr id="11" name="ZoneTexte 10">
@@ -16762,8 +20234,8 @@
         </p:blipFill>
         <p:spPr>
           <a:xfrm>
-            <a:off x="3322623" y="1759994"/>
-            <a:ext cx="5263828" cy="2682353"/>
+            <a:off x="2660072" y="1721289"/>
+            <a:ext cx="6175759" cy="2760581"/>
           </a:xfrm>
           <a:prstGeom prst="rect">
             <a:avLst/>

--- a/source/Chapitre 9 - Les listes.pptx
+++ b/source/Chapitre 9 - Les listes.pptx
@@ -5,7 +5,7 @@
     <p:sldMasterId id="2147483804" r:id="rId1"/>
   </p:sldMasterIdLst>
   <p:notesMasterIdLst>
-    <p:notesMasterId r:id="rId33"/>
+    <p:notesMasterId r:id="rId34"/>
   </p:notesMasterIdLst>
   <p:sldIdLst>
     <p:sldId id="257" r:id="rId2"/>
@@ -27,18 +27,19 @@
     <p:sldId id="302" r:id="rId18"/>
     <p:sldId id="303" r:id="rId19"/>
     <p:sldId id="304" r:id="rId20"/>
-    <p:sldId id="316" r:id="rId21"/>
-    <p:sldId id="301" r:id="rId22"/>
-    <p:sldId id="305" r:id="rId23"/>
-    <p:sldId id="293" r:id="rId24"/>
-    <p:sldId id="306" r:id="rId25"/>
-    <p:sldId id="307" r:id="rId26"/>
-    <p:sldId id="309" r:id="rId27"/>
-    <p:sldId id="308" r:id="rId28"/>
-    <p:sldId id="312" r:id="rId29"/>
-    <p:sldId id="310" r:id="rId30"/>
-    <p:sldId id="311" r:id="rId31"/>
-    <p:sldId id="284" r:id="rId32"/>
+    <p:sldId id="320" r:id="rId21"/>
+    <p:sldId id="305" r:id="rId22"/>
+    <p:sldId id="321" r:id="rId23"/>
+    <p:sldId id="322" r:id="rId24"/>
+    <p:sldId id="293" r:id="rId25"/>
+    <p:sldId id="306" r:id="rId26"/>
+    <p:sldId id="307" r:id="rId27"/>
+    <p:sldId id="309" r:id="rId28"/>
+    <p:sldId id="308" r:id="rId29"/>
+    <p:sldId id="312" r:id="rId30"/>
+    <p:sldId id="310" r:id="rId31"/>
+    <p:sldId id="311" r:id="rId32"/>
+    <p:sldId id="284" r:id="rId33"/>
   </p:sldIdLst>
   <p:sldSz cx="12192000" cy="6858000"/>
   <p:notesSz cx="6858000" cy="9144000"/>
@@ -148,7 +149,7 @@
 <file path=ppt/revisionInfo.xml><?xml version="1.0" encoding="utf-8"?>
 <p1510:revInfo xmlns:a="http://schemas.openxmlformats.org/drawingml/2006/main" xmlns:r="http://schemas.openxmlformats.org/officeDocument/2006/relationships" xmlns:p1510="http://schemas.microsoft.com/office/powerpoint/2015/10/main">
   <p1510:revLst>
-    <p1510:client id="{FA439B40-CE70-4594-AB51-0583BED6F80E}" v="3983" dt="2024-06-23T07:52:53.646"/>
+    <p1510:client id="{FA439B40-CE70-4594-AB51-0583BED6F80E}" v="5354" dt="2024-07-14T13:53:11.504"/>
   </p1510:revLst>
 </p1510:revInfo>
 </file>
@@ -158,7 +159,7 @@
   <pc:docChgLst>
     <pc:chgData name="Ismaël Tuo" userId="fca7baf0e513a1e6" providerId="LiveId" clId="{FA439B40-CE70-4594-AB51-0583BED6F80E}"/>
     <pc:docChg chg="undo custSel addSld delSld modSld sldOrd">
-      <pc:chgData name="Ismaël Tuo" userId="fca7baf0e513a1e6" providerId="LiveId" clId="{FA439B40-CE70-4594-AB51-0583BED6F80E}" dt="2024-06-23T07:53:36.495" v="20128" actId="1076"/>
+      <pc:chgData name="Ismaël Tuo" userId="fca7baf0e513a1e6" providerId="LiveId" clId="{FA439B40-CE70-4594-AB51-0583BED6F80E}" dt="2024-07-14T13:57:23.842" v="24201" actId="20577"/>
       <pc:docMkLst>
         <pc:docMk/>
       </pc:docMkLst>
@@ -193,13 +194,13 @@
         </pc:spChg>
       </pc:sldChg>
       <pc:sldChg chg="modSp mod">
-        <pc:chgData name="Ismaël Tuo" userId="fca7baf0e513a1e6" providerId="LiveId" clId="{FA439B40-CE70-4594-AB51-0583BED6F80E}" dt="2024-06-23T07:34:07.433" v="19249" actId="113"/>
+        <pc:chgData name="Ismaël Tuo" userId="fca7baf0e513a1e6" providerId="LiveId" clId="{FA439B40-CE70-4594-AB51-0583BED6F80E}" dt="2024-07-14T12:56:30.229" v="23948" actId="404"/>
         <pc:sldMkLst>
           <pc:docMk/>
           <pc:sldMk cId="1268069196" sldId="285"/>
         </pc:sldMkLst>
         <pc:spChg chg="mod">
-          <ac:chgData name="Ismaël Tuo" userId="fca7baf0e513a1e6" providerId="LiveId" clId="{FA439B40-CE70-4594-AB51-0583BED6F80E}" dt="2024-06-23T07:34:07.433" v="19249" actId="113"/>
+          <ac:chgData name="Ismaël Tuo" userId="fca7baf0e513a1e6" providerId="LiveId" clId="{FA439B40-CE70-4594-AB51-0583BED6F80E}" dt="2024-07-14T12:56:30.229" v="23948" actId="404"/>
           <ac:spMkLst>
             <pc:docMk/>
             <pc:sldMk cId="1268069196" sldId="285"/>
@@ -208,7 +209,7 @@
         </pc:spChg>
       </pc:sldChg>
       <pc:sldChg chg="addSp delSp modSp mod">
-        <pc:chgData name="Ismaël Tuo" userId="fca7baf0e513a1e6" providerId="LiveId" clId="{FA439B40-CE70-4594-AB51-0583BED6F80E}" dt="2024-06-23T06:05:35.170" v="16461" actId="20577"/>
+        <pc:chgData name="Ismaël Tuo" userId="fca7baf0e513a1e6" providerId="LiveId" clId="{FA439B40-CE70-4594-AB51-0583BED6F80E}" dt="2024-07-14T13:12:02.960" v="23958" actId="20577"/>
         <pc:sldMkLst>
           <pc:docMk/>
           <pc:sldMk cId="2639441608" sldId="286"/>
@@ -230,7 +231,7 @@
           </ac:spMkLst>
         </pc:spChg>
         <pc:spChg chg="mod">
-          <ac:chgData name="Ismaël Tuo" userId="fca7baf0e513a1e6" providerId="LiveId" clId="{FA439B40-CE70-4594-AB51-0583BED6F80E}" dt="2024-05-22T17:52:04.285" v="12501" actId="20577"/>
+          <ac:chgData name="Ismaël Tuo" userId="fca7baf0e513a1e6" providerId="LiveId" clId="{FA439B40-CE70-4594-AB51-0583BED6F80E}" dt="2024-07-14T13:12:02.960" v="23958" actId="20577"/>
           <ac:spMkLst>
             <pc:docMk/>
             <pc:sldMk cId="2639441608" sldId="286"/>
@@ -543,7 +544,7 @@
         </pc:sldMkLst>
       </pc:sldChg>
       <pc:sldChg chg="addSp delSp modSp add mod ord">
-        <pc:chgData name="Ismaël Tuo" userId="fca7baf0e513a1e6" providerId="LiveId" clId="{FA439B40-CE70-4594-AB51-0583BED6F80E}" dt="2024-06-23T06:07:23.696" v="16472" actId="1076"/>
+        <pc:chgData name="Ismaël Tuo" userId="fca7baf0e513a1e6" providerId="LiveId" clId="{FA439B40-CE70-4594-AB51-0583BED6F80E}" dt="2024-07-14T13:19:43.454" v="23975" actId="1076"/>
         <pc:sldMkLst>
           <pc:docMk/>
           <pc:sldMk cId="3982892092" sldId="294"/>
@@ -557,7 +558,7 @@
           </ac:spMkLst>
         </pc:spChg>
         <pc:spChg chg="mod">
-          <ac:chgData name="Ismaël Tuo" userId="fca7baf0e513a1e6" providerId="LiveId" clId="{FA439B40-CE70-4594-AB51-0583BED6F80E}" dt="2024-05-22T17:19:53.421" v="11137" actId="14100"/>
+          <ac:chgData name="Ismaël Tuo" userId="fca7baf0e513a1e6" providerId="LiveId" clId="{FA439B40-CE70-4594-AB51-0583BED6F80E}" dt="2024-07-14T11:24:32.402" v="20135" actId="20577"/>
           <ac:spMkLst>
             <pc:docMk/>
             <pc:sldMk cId="3982892092" sldId="294"/>
@@ -581,7 +582,7 @@
           </ac:spMkLst>
         </pc:spChg>
         <pc:spChg chg="add mod">
-          <ac:chgData name="Ismaël Tuo" userId="fca7baf0e513a1e6" providerId="LiveId" clId="{FA439B40-CE70-4594-AB51-0583BED6F80E}" dt="2024-06-23T06:06:32.187" v="16468" actId="1076"/>
+          <ac:chgData name="Ismaël Tuo" userId="fca7baf0e513a1e6" providerId="LiveId" clId="{FA439B40-CE70-4594-AB51-0583BED6F80E}" dt="2024-07-14T13:14:18.290" v="23962" actId="20577"/>
           <ac:spMkLst>
             <pc:docMk/>
             <pc:sldMk cId="3982892092" sldId="294"/>
@@ -604,6 +605,14 @@
             <ac:picMk id="8" creationId="{57E4506D-3D38-B10A-AEB9-8013E2A86149}"/>
           </ac:picMkLst>
         </pc:picChg>
+        <pc:picChg chg="add mod">
+          <ac:chgData name="Ismaël Tuo" userId="fca7baf0e513a1e6" providerId="LiveId" clId="{FA439B40-CE70-4594-AB51-0583BED6F80E}" dt="2024-07-14T13:19:43.454" v="23975" actId="1076"/>
+          <ac:picMkLst>
+            <pc:docMk/>
+            <pc:sldMk cId="3982892092" sldId="294"/>
+            <ac:picMk id="8" creationId="{6A59718D-3705-CD60-AC32-0A082BD75E31}"/>
+          </ac:picMkLst>
+        </pc:picChg>
         <pc:picChg chg="add del mod">
           <ac:chgData name="Ismaël Tuo" userId="fca7baf0e513a1e6" providerId="LiveId" clId="{FA439B40-CE70-4594-AB51-0583BED6F80E}" dt="2024-05-22T17:15:21.003" v="10675" actId="478"/>
           <ac:picMkLst>
@@ -620,8 +629,8 @@
             <ac:picMk id="17" creationId="{20B0DB46-AEED-4947-5D24-7F0CBBFB6CC1}"/>
           </ac:picMkLst>
         </pc:picChg>
-        <pc:picChg chg="add mod">
-          <ac:chgData name="Ismaël Tuo" userId="fca7baf0e513a1e6" providerId="LiveId" clId="{FA439B40-CE70-4594-AB51-0583BED6F80E}" dt="2024-06-23T06:07:21.236" v="16471" actId="14100"/>
+        <pc:picChg chg="add del mod">
+          <ac:chgData name="Ismaël Tuo" userId="fca7baf0e513a1e6" providerId="LiveId" clId="{FA439B40-CE70-4594-AB51-0583BED6F80E}" dt="2024-07-14T13:19:36.588" v="23970" actId="478"/>
           <ac:picMkLst>
             <pc:docMk/>
             <pc:sldMk cId="3982892092" sldId="294"/>
@@ -715,8 +724,8 @@
           <pc:sldMk cId="3570689638" sldId="295"/>
         </pc:sldMkLst>
       </pc:sldChg>
-      <pc:sldChg chg="addSp modSp add mod">
-        <pc:chgData name="Ismaël Tuo" userId="fca7baf0e513a1e6" providerId="LiveId" clId="{FA439B40-CE70-4594-AB51-0583BED6F80E}" dt="2024-06-06T13:48:03.479" v="12583" actId="14100"/>
+      <pc:sldChg chg="addSp delSp modSp add mod">
+        <pc:chgData name="Ismaël Tuo" userId="fca7baf0e513a1e6" providerId="LiveId" clId="{FA439B40-CE70-4594-AB51-0583BED6F80E}" dt="2024-07-14T13:24:46.591" v="23992" actId="1076"/>
         <pc:sldMkLst>
           <pc:docMk/>
           <pc:sldMk cId="2158608105" sldId="296"/>
@@ -730,7 +739,7 @@
           </ac:spMkLst>
         </pc:spChg>
         <pc:spChg chg="mod">
-          <ac:chgData name="Ismaël Tuo" userId="fca7baf0e513a1e6" providerId="LiveId" clId="{FA439B40-CE70-4594-AB51-0583BED6F80E}" dt="2024-05-22T17:31:47.887" v="11718" actId="33524"/>
+          <ac:chgData name="Ismaël Tuo" userId="fca7baf0e513a1e6" providerId="LiveId" clId="{FA439B40-CE70-4594-AB51-0583BED6F80E}" dt="2024-07-14T13:20:34.529" v="23980" actId="20577"/>
           <ac:spMkLst>
             <pc:docMk/>
             <pc:sldMk cId="2158608105" sldId="296"/>
@@ -738,23 +747,31 @@
           </ac:spMkLst>
         </pc:spChg>
         <pc:spChg chg="add mod">
-          <ac:chgData name="Ismaël Tuo" userId="fca7baf0e513a1e6" providerId="LiveId" clId="{FA439B40-CE70-4594-AB51-0583BED6F80E}" dt="2024-05-22T17:37:51.248" v="11895" actId="1076"/>
+          <ac:chgData name="Ismaël Tuo" userId="fca7baf0e513a1e6" providerId="LiveId" clId="{FA439B40-CE70-4594-AB51-0583BED6F80E}" dt="2024-07-14T13:20:22.520" v="23979" actId="1076"/>
           <ac:spMkLst>
             <pc:docMk/>
             <pc:sldMk cId="2158608105" sldId="296"/>
             <ac:spMk id="11" creationId="{7F6059A5-E9C9-7E04-3BAA-0ADEF57B1468}"/>
           </ac:spMkLst>
         </pc:spChg>
-        <pc:picChg chg="add mod">
-          <ac:chgData name="Ismaël Tuo" userId="fca7baf0e513a1e6" providerId="LiveId" clId="{FA439B40-CE70-4594-AB51-0583BED6F80E}" dt="2024-05-22T17:37:45.668" v="11893" actId="1076"/>
+        <pc:picChg chg="add del mod">
+          <ac:chgData name="Ismaël Tuo" userId="fca7baf0e513a1e6" providerId="LiveId" clId="{FA439B40-CE70-4594-AB51-0583BED6F80E}" dt="2024-07-14T13:24:15.380" v="23981" actId="478"/>
           <ac:picMkLst>
             <pc:docMk/>
             <pc:sldMk cId="2158608105" sldId="296"/>
             <ac:picMk id="8" creationId="{AE918B32-4BCF-B0BA-09B9-AE6FEA448C0D}"/>
           </ac:picMkLst>
         </pc:picChg>
-        <pc:picChg chg="add mod">
-          <ac:chgData name="Ismaël Tuo" userId="fca7baf0e513a1e6" providerId="LiveId" clId="{FA439B40-CE70-4594-AB51-0583BED6F80E}" dt="2024-05-22T17:37:47.446" v="11894" actId="1076"/>
+        <pc:picChg chg="add del mod">
+          <ac:chgData name="Ismaël Tuo" userId="fca7baf0e513a1e6" providerId="LiveId" clId="{FA439B40-CE70-4594-AB51-0583BED6F80E}" dt="2024-07-14T13:24:32.563" v="23987" actId="478"/>
+          <ac:picMkLst>
+            <pc:docMk/>
+            <pc:sldMk cId="2158608105" sldId="296"/>
+            <ac:picMk id="9" creationId="{45F5EC70-5D1A-1CA0-A0F1-CF02A189E0AD}"/>
+          </ac:picMkLst>
+        </pc:picChg>
+        <pc:picChg chg="add del mod">
+          <ac:chgData name="Ismaël Tuo" userId="fca7baf0e513a1e6" providerId="LiveId" clId="{FA439B40-CE70-4594-AB51-0583BED6F80E}" dt="2024-07-14T13:24:37.146" v="23988" actId="478"/>
           <ac:picMkLst>
             <pc:docMk/>
             <pc:sldMk cId="2158608105" sldId="296"/>
@@ -767,6 +784,22 @@
             <pc:docMk/>
             <pc:sldMk cId="2158608105" sldId="296"/>
             <ac:picMk id="13" creationId="{69DFD89B-0A7E-0E00-BAC3-F58583D1F94B}"/>
+          </ac:picMkLst>
+        </pc:picChg>
+        <pc:picChg chg="add del">
+          <ac:chgData name="Ismaël Tuo" userId="fca7baf0e513a1e6" providerId="LiveId" clId="{FA439B40-CE70-4594-AB51-0583BED6F80E}" dt="2024-07-14T13:24:31.894" v="23986" actId="22"/>
+          <ac:picMkLst>
+            <pc:docMk/>
+            <pc:sldMk cId="2158608105" sldId="296"/>
+            <ac:picMk id="14" creationId="{3A9464AD-B585-286A-9D5C-180C90512A44}"/>
+          </ac:picMkLst>
+        </pc:picChg>
+        <pc:picChg chg="add mod">
+          <ac:chgData name="Ismaël Tuo" userId="fca7baf0e513a1e6" providerId="LiveId" clId="{FA439B40-CE70-4594-AB51-0583BED6F80E}" dt="2024-07-14T13:24:46.591" v="23992" actId="1076"/>
+          <ac:picMkLst>
+            <pc:docMk/>
+            <pc:sldMk cId="2158608105" sldId="296"/>
+            <ac:picMk id="16" creationId="{C31685B6-3BCB-6AFC-58F8-4D6F733EC712}"/>
           </ac:picMkLst>
         </pc:picChg>
       </pc:sldChg>
@@ -785,13 +818,13 @@
         </pc:sldMkLst>
       </pc:sldChg>
       <pc:sldChg chg="addSp delSp modSp add mod">
-        <pc:chgData name="Ismaël Tuo" userId="fca7baf0e513a1e6" providerId="LiveId" clId="{FA439B40-CE70-4594-AB51-0583BED6F80E}" dt="2024-06-23T06:10:52.105" v="16476" actId="14100"/>
+        <pc:chgData name="Ismaël Tuo" userId="fca7baf0e513a1e6" providerId="LiveId" clId="{FA439B40-CE70-4594-AB51-0583BED6F80E}" dt="2024-07-14T13:33:31.800" v="24009" actId="20577"/>
         <pc:sldMkLst>
           <pc:docMk/>
           <pc:sldMk cId="3278254478" sldId="297"/>
         </pc:sldMkLst>
         <pc:spChg chg="add mod">
-          <ac:chgData name="Ismaël Tuo" userId="fca7baf0e513a1e6" providerId="LiveId" clId="{FA439B40-CE70-4594-AB51-0583BED6F80E}" dt="2024-06-06T14:04:24.053" v="13425" actId="1076"/>
+          <ac:chgData name="Ismaël Tuo" userId="fca7baf0e513a1e6" providerId="LiveId" clId="{FA439B40-CE70-4594-AB51-0583BED6F80E}" dt="2024-07-14T13:33:31.800" v="24009" actId="20577"/>
           <ac:spMkLst>
             <pc:docMk/>
             <pc:sldMk cId="3278254478" sldId="297"/>
@@ -815,7 +848,7 @@
           </ac:spMkLst>
         </pc:spChg>
         <pc:spChg chg="add mod">
-          <ac:chgData name="Ismaël Tuo" userId="fca7baf0e513a1e6" providerId="LiveId" clId="{FA439B40-CE70-4594-AB51-0583BED6F80E}" dt="2024-06-06T14:05:21.141" v="13433" actId="113"/>
+          <ac:chgData name="Ismaël Tuo" userId="fca7baf0e513a1e6" providerId="LiveId" clId="{FA439B40-CE70-4594-AB51-0583BED6F80E}" dt="2024-07-14T11:27:58.259" v="20141" actId="113"/>
           <ac:spMkLst>
             <pc:docMk/>
             <pc:sldMk cId="3278254478" sldId="297"/>
@@ -864,7 +897,7 @@
         </pc:picChg>
       </pc:sldChg>
       <pc:sldChg chg="addSp modSp add mod">
-        <pc:chgData name="Ismaël Tuo" userId="fca7baf0e513a1e6" providerId="LiveId" clId="{FA439B40-CE70-4594-AB51-0583BED6F80E}" dt="2024-06-23T06:34:52.092" v="17289" actId="1076"/>
+        <pc:chgData name="Ismaël Tuo" userId="fca7baf0e513a1e6" providerId="LiveId" clId="{FA439B40-CE70-4594-AB51-0583BED6F80E}" dt="2024-07-14T13:40:53.174" v="24104" actId="1076"/>
         <pc:sldMkLst>
           <pc:docMk/>
           <pc:sldMk cId="3210814892" sldId="298"/>
@@ -894,7 +927,7 @@
           </ac:spMkLst>
         </pc:spChg>
         <pc:spChg chg="add mod">
-          <ac:chgData name="Ismaël Tuo" userId="fca7baf0e513a1e6" providerId="LiveId" clId="{FA439B40-CE70-4594-AB51-0583BED6F80E}" dt="2024-06-23T06:31:33.566" v="17205" actId="14100"/>
+          <ac:chgData name="Ismaël Tuo" userId="fca7baf0e513a1e6" providerId="LiveId" clId="{FA439B40-CE70-4594-AB51-0583BED6F80E}" dt="2024-07-14T13:40:38.452" v="24102" actId="1076"/>
           <ac:spMkLst>
             <pc:docMk/>
             <pc:sldMk cId="3210814892" sldId="298"/>
@@ -902,7 +935,7 @@
           </ac:spMkLst>
         </pc:spChg>
         <pc:spChg chg="add mod">
-          <ac:chgData name="Ismaël Tuo" userId="fca7baf0e513a1e6" providerId="LiveId" clId="{FA439B40-CE70-4594-AB51-0583BED6F80E}" dt="2024-06-23T06:31:40.785" v="17207" actId="14100"/>
+          <ac:chgData name="Ismaël Tuo" userId="fca7baf0e513a1e6" providerId="LiveId" clId="{FA439B40-CE70-4594-AB51-0583BED6F80E}" dt="2024-07-14T13:40:43.142" v="24103" actId="1076"/>
           <ac:spMkLst>
             <pc:docMk/>
             <pc:sldMk cId="3210814892" sldId="298"/>
@@ -918,7 +951,7 @@
           </ac:spMkLst>
         </pc:spChg>
         <pc:picChg chg="add mod">
-          <ac:chgData name="Ismaël Tuo" userId="fca7baf0e513a1e6" providerId="LiveId" clId="{FA439B40-CE70-4594-AB51-0583BED6F80E}" dt="2024-06-23T06:29:20.962" v="17144" actId="1076"/>
+          <ac:chgData name="Ismaël Tuo" userId="fca7baf0e513a1e6" providerId="LiveId" clId="{FA439B40-CE70-4594-AB51-0583BED6F80E}" dt="2024-07-14T13:40:53.174" v="24104" actId="1076"/>
           <ac:picMkLst>
             <pc:docMk/>
             <pc:sldMk cId="3210814892" sldId="298"/>
@@ -948,7 +981,7 @@
         </pc:sldMkLst>
       </pc:sldChg>
       <pc:sldChg chg="addSp modSp add mod">
-        <pc:chgData name="Ismaël Tuo" userId="fca7baf0e513a1e6" providerId="LiveId" clId="{FA439B40-CE70-4594-AB51-0583BED6F80E}" dt="2024-06-23T07:18:23.532" v="18736" actId="20577"/>
+        <pc:chgData name="Ismaël Tuo" userId="fca7baf0e513a1e6" providerId="LiveId" clId="{FA439B40-CE70-4594-AB51-0583BED6F80E}" dt="2024-07-14T13:45:15.477" v="24116" actId="20577"/>
         <pc:sldMkLst>
           <pc:docMk/>
           <pc:sldMk cId="3194045807" sldId="299"/>
@@ -978,7 +1011,7 @@
           </ac:spMkLst>
         </pc:spChg>
         <pc:spChg chg="add mod">
-          <ac:chgData name="Ismaël Tuo" userId="fca7baf0e513a1e6" providerId="LiveId" clId="{FA439B40-CE70-4594-AB51-0583BED6F80E}" dt="2024-06-23T07:18:23.532" v="18736" actId="20577"/>
+          <ac:chgData name="Ismaël Tuo" userId="fca7baf0e513a1e6" providerId="LiveId" clId="{FA439B40-CE70-4594-AB51-0583BED6F80E}" dt="2024-07-14T13:45:15.477" v="24116" actId="20577"/>
           <ac:spMkLst>
             <pc:docMk/>
             <pc:sldMk cId="3194045807" sldId="299"/>
@@ -1011,7 +1044,7 @@
         </pc:picChg>
       </pc:sldChg>
       <pc:sldChg chg="addSp modSp add mod ord">
-        <pc:chgData name="Ismaël Tuo" userId="fca7baf0e513a1e6" providerId="LiveId" clId="{FA439B40-CE70-4594-AB51-0583BED6F80E}" dt="2024-06-23T07:33:10.039" v="19217" actId="14100"/>
+        <pc:chgData name="Ismaël Tuo" userId="fca7baf0e513a1e6" providerId="LiveId" clId="{FA439B40-CE70-4594-AB51-0583BED6F80E}" dt="2024-07-14T11:40:15.588" v="20259" actId="20577"/>
         <pc:sldMkLst>
           <pc:docMk/>
           <pc:sldMk cId="814239834" sldId="300"/>
@@ -1041,7 +1074,7 @@
           </ac:spMkLst>
         </pc:spChg>
         <pc:spChg chg="add mod">
-          <ac:chgData name="Ismaël Tuo" userId="fca7baf0e513a1e6" providerId="LiveId" clId="{FA439B40-CE70-4594-AB51-0583BED6F80E}" dt="2024-06-23T07:32:59.697" v="19215" actId="1076"/>
+          <ac:chgData name="Ismaël Tuo" userId="fca7baf0e513a1e6" providerId="LiveId" clId="{FA439B40-CE70-4594-AB51-0583BED6F80E}" dt="2024-07-14T11:40:15.588" v="20259" actId="20577"/>
           <ac:spMkLst>
             <pc:docMk/>
             <pc:sldMk cId="814239834" sldId="300"/>
@@ -1049,7 +1082,7 @@
           </ac:spMkLst>
         </pc:spChg>
         <pc:picChg chg="add mod">
-          <ac:chgData name="Ismaël Tuo" userId="fca7baf0e513a1e6" providerId="LiveId" clId="{FA439B40-CE70-4594-AB51-0583BED6F80E}" dt="2024-06-23T07:33:10.039" v="19217" actId="14100"/>
+          <ac:chgData name="Ismaël Tuo" userId="fca7baf0e513a1e6" providerId="LiveId" clId="{FA439B40-CE70-4594-AB51-0583BED6F80E}" dt="2024-07-14T11:39:42.718" v="20171" actId="1076"/>
           <ac:picMkLst>
             <pc:docMk/>
             <pc:sldMk cId="814239834" sldId="300"/>
@@ -1071,8 +1104,8 @@
           <pc:sldMk cId="1118991029" sldId="301"/>
         </pc:sldMkLst>
       </pc:sldChg>
-      <pc:sldChg chg="modSp add mod">
-        <pc:chgData name="Ismaël Tuo" userId="fca7baf0e513a1e6" providerId="LiveId" clId="{FA439B40-CE70-4594-AB51-0583BED6F80E}" dt="2024-03-17T13:27:32.418" v="1284" actId="20577"/>
+      <pc:sldChg chg="modSp add del mod">
+        <pc:chgData name="Ismaël Tuo" userId="fca7baf0e513a1e6" providerId="LiveId" clId="{FA439B40-CE70-4594-AB51-0583BED6F80E}" dt="2024-07-14T12:02:53.828" v="20758" actId="47"/>
         <pc:sldMkLst>
           <pc:docMk/>
           <pc:sldMk cId="2591302804" sldId="301"/>
@@ -1095,7 +1128,7 @@
         </pc:spChg>
       </pc:sldChg>
       <pc:sldChg chg="addSp modSp add mod ord">
-        <pc:chgData name="Ismaël Tuo" userId="fca7baf0e513a1e6" providerId="LiveId" clId="{FA439B40-CE70-4594-AB51-0583BED6F80E}" dt="2024-06-23T07:53:36.495" v="20128" actId="1076"/>
+        <pc:chgData name="Ismaël Tuo" userId="fca7baf0e513a1e6" providerId="LiveId" clId="{FA439B40-CE70-4594-AB51-0583BED6F80E}" dt="2024-07-14T13:47:52.861" v="24121" actId="20577"/>
         <pc:sldMkLst>
           <pc:docMk/>
           <pc:sldMk cId="2865238125" sldId="302"/>
@@ -1109,7 +1142,7 @@
           </ac:spMkLst>
         </pc:spChg>
         <pc:spChg chg="mod">
-          <ac:chgData name="Ismaël Tuo" userId="fca7baf0e513a1e6" providerId="LiveId" clId="{FA439B40-CE70-4594-AB51-0583BED6F80E}" dt="2024-06-23T07:52:11.631" v="20079" actId="14100"/>
+          <ac:chgData name="Ismaël Tuo" userId="fca7baf0e513a1e6" providerId="LiveId" clId="{FA439B40-CE70-4594-AB51-0583BED6F80E}" dt="2024-07-14T11:40:53.708" v="20262" actId="20577"/>
           <ac:spMkLst>
             <pc:docMk/>
             <pc:sldMk cId="2865238125" sldId="302"/>
@@ -1125,7 +1158,7 @@
           </ac:spMkLst>
         </pc:spChg>
         <pc:spChg chg="add mod">
-          <ac:chgData name="Ismaël Tuo" userId="fca7baf0e513a1e6" providerId="LiveId" clId="{FA439B40-CE70-4594-AB51-0583BED6F80E}" dt="2024-06-23T07:53:26.110" v="20127" actId="20577"/>
+          <ac:chgData name="Ismaël Tuo" userId="fca7baf0e513a1e6" providerId="LiveId" clId="{FA439B40-CE70-4594-AB51-0583BED6F80E}" dt="2024-07-14T13:47:52.861" v="24121" actId="20577"/>
           <ac:spMkLst>
             <pc:docMk/>
             <pc:sldMk cId="2865238125" sldId="302"/>
@@ -1148,12 +1181,20 @@
           <pc:sldMk cId="3238743357" sldId="302"/>
         </pc:sldMkLst>
       </pc:sldChg>
-      <pc:sldChg chg="modSp add mod">
-        <pc:chgData name="Ismaël Tuo" userId="fca7baf0e513a1e6" providerId="LiveId" clId="{FA439B40-CE70-4594-AB51-0583BED6F80E}" dt="2024-03-17T13:16:22.161" v="1135" actId="20577"/>
+      <pc:sldChg chg="addSp delSp modSp add mod">
+        <pc:chgData name="Ismaël Tuo" userId="fca7baf0e513a1e6" providerId="LiveId" clId="{FA439B40-CE70-4594-AB51-0583BED6F80E}" dt="2024-07-14T13:48:32.306" v="24125" actId="164"/>
         <pc:sldMkLst>
           <pc:docMk/>
           <pc:sldMk cId="715928702" sldId="303"/>
         </pc:sldMkLst>
+        <pc:spChg chg="add mod">
+          <ac:chgData name="Ismaël Tuo" userId="fca7baf0e513a1e6" providerId="LiveId" clId="{FA439B40-CE70-4594-AB51-0583BED6F80E}" dt="2024-07-14T11:44:48.470" v="20455" actId="20577"/>
+          <ac:spMkLst>
+            <pc:docMk/>
+            <pc:sldMk cId="715928702" sldId="303"/>
+            <ac:spMk id="2" creationId="{1F7784F2-4E0E-A020-9460-CF81F01B006B}"/>
+          </ac:spMkLst>
+        </pc:spChg>
         <pc:spChg chg="mod">
           <ac:chgData name="Ismaël Tuo" userId="fca7baf0e513a1e6" providerId="LiveId" clId="{FA439B40-CE70-4594-AB51-0583BED6F80E}" dt="2024-03-17T13:16:22.161" v="1135" actId="20577"/>
           <ac:spMkLst>
@@ -1162,6 +1203,54 @@
             <ac:spMk id="6" creationId="{84F10693-2FE8-EFC8-8DB6-84BFD181D260}"/>
           </ac:spMkLst>
         </pc:spChg>
+        <pc:spChg chg="del">
+          <ac:chgData name="Ismaël Tuo" userId="fca7baf0e513a1e6" providerId="LiveId" clId="{FA439B40-CE70-4594-AB51-0583BED6F80E}" dt="2024-07-14T11:43:33.653" v="20265" actId="478"/>
+          <ac:spMkLst>
+            <pc:docMk/>
+            <pc:sldMk cId="715928702" sldId="303"/>
+            <ac:spMk id="7" creationId="{B31AF22B-77AC-398F-8B32-17C6B4914236}"/>
+          </ac:spMkLst>
+        </pc:spChg>
+        <pc:spChg chg="add mod">
+          <ac:chgData name="Ismaël Tuo" userId="fca7baf0e513a1e6" providerId="LiveId" clId="{FA439B40-CE70-4594-AB51-0583BED6F80E}" dt="2024-07-14T13:48:32.306" v="24125" actId="164"/>
+          <ac:spMkLst>
+            <pc:docMk/>
+            <pc:sldMk cId="715928702" sldId="303"/>
+            <ac:spMk id="11" creationId="{1DCC84E0-607A-A753-99D6-B36483C1DFD6}"/>
+          </ac:spMkLst>
+        </pc:spChg>
+        <pc:spChg chg="add mod">
+          <ac:chgData name="Ismaël Tuo" userId="fca7baf0e513a1e6" providerId="LiveId" clId="{FA439B40-CE70-4594-AB51-0583BED6F80E}" dt="2024-07-14T13:48:06.411" v="24122" actId="1076"/>
+          <ac:spMkLst>
+            <pc:docMk/>
+            <pc:sldMk cId="715928702" sldId="303"/>
+            <ac:spMk id="12" creationId="{242697A6-1214-B777-EB68-8EADB59A6306}"/>
+          </ac:spMkLst>
+        </pc:spChg>
+        <pc:grpChg chg="add mod">
+          <ac:chgData name="Ismaël Tuo" userId="fca7baf0e513a1e6" providerId="LiveId" clId="{FA439B40-CE70-4594-AB51-0583BED6F80E}" dt="2024-07-14T13:48:32.306" v="24125" actId="164"/>
+          <ac:grpSpMkLst>
+            <pc:docMk/>
+            <pc:sldMk cId="715928702" sldId="303"/>
+            <ac:grpSpMk id="7" creationId="{4ADFD7DA-1C13-1116-159A-E43649D6F4C2}"/>
+          </ac:grpSpMkLst>
+        </pc:grpChg>
+        <pc:picChg chg="add del mod">
+          <ac:chgData name="Ismaël Tuo" userId="fca7baf0e513a1e6" providerId="LiveId" clId="{FA439B40-CE70-4594-AB51-0583BED6F80E}" dt="2024-07-14T11:53:07.472" v="20458" actId="478"/>
+          <ac:picMkLst>
+            <pc:docMk/>
+            <pc:sldMk cId="715928702" sldId="303"/>
+            <ac:picMk id="8" creationId="{7E4720F9-CA0E-8083-D783-6B645F1FE28C}"/>
+          </ac:picMkLst>
+        </pc:picChg>
+        <pc:picChg chg="add mod">
+          <ac:chgData name="Ismaël Tuo" userId="fca7baf0e513a1e6" providerId="LiveId" clId="{FA439B40-CE70-4594-AB51-0583BED6F80E}" dt="2024-07-14T13:48:32.306" v="24125" actId="164"/>
+          <ac:picMkLst>
+            <pc:docMk/>
+            <pc:sldMk cId="715928702" sldId="303"/>
+            <ac:picMk id="10" creationId="{18EFC9B1-424F-7BDA-C8CA-EBF1858ACC76}"/>
+          </ac:picMkLst>
+        </pc:picChg>
       </pc:sldChg>
       <pc:sldChg chg="del">
         <pc:chgData name="Ismaël Tuo" userId="fca7baf0e513a1e6" providerId="LiveId" clId="{FA439B40-CE70-4594-AB51-0583BED6F80E}" dt="2024-03-17T12:53:38.478" v="45" actId="47"/>
@@ -1177,12 +1266,20 @@
           <pc:sldMk cId="2302406874" sldId="304"/>
         </pc:sldMkLst>
       </pc:sldChg>
-      <pc:sldChg chg="modSp add mod">
-        <pc:chgData name="Ismaël Tuo" userId="fca7baf0e513a1e6" providerId="LiveId" clId="{FA439B40-CE70-4594-AB51-0583BED6F80E}" dt="2024-03-17T13:27:56.770" v="1299" actId="20577"/>
+      <pc:sldChg chg="addSp delSp modSp add mod">
+        <pc:chgData name="Ismaël Tuo" userId="fca7baf0e513a1e6" providerId="LiveId" clId="{FA439B40-CE70-4594-AB51-0583BED6F80E}" dt="2024-07-14T13:49:12.906" v="24126" actId="313"/>
         <pc:sldMkLst>
           <pc:docMk/>
           <pc:sldMk cId="3279480716" sldId="304"/>
         </pc:sldMkLst>
+        <pc:spChg chg="add mod">
+          <ac:chgData name="Ismaël Tuo" userId="fca7baf0e513a1e6" providerId="LiveId" clId="{FA439B40-CE70-4594-AB51-0583BED6F80E}" dt="2024-07-14T13:49:12.906" v="24126" actId="313"/>
+          <ac:spMkLst>
+            <pc:docMk/>
+            <pc:sldMk cId="3279480716" sldId="304"/>
+            <ac:spMk id="2" creationId="{8360613C-81CA-94B4-384B-99B828382C39}"/>
+          </ac:spMkLst>
+        </pc:spChg>
         <pc:spChg chg="mod">
           <ac:chgData name="Ismaël Tuo" userId="fca7baf0e513a1e6" providerId="LiveId" clId="{FA439B40-CE70-4594-AB51-0583BED6F80E}" dt="2024-03-17T13:17:33.994" v="1164" actId="20577"/>
           <ac:spMkLst>
@@ -1191,21 +1288,77 @@
             <ac:spMk id="6" creationId="{84F10693-2FE8-EFC8-8DB6-84BFD181D260}"/>
           </ac:spMkLst>
         </pc:spChg>
-        <pc:spChg chg="mod">
-          <ac:chgData name="Ismaël Tuo" userId="fca7baf0e513a1e6" providerId="LiveId" clId="{FA439B40-CE70-4594-AB51-0583BED6F80E}" dt="2024-03-17T13:27:56.770" v="1299" actId="20577"/>
+        <pc:spChg chg="del mod">
+          <ac:chgData name="Ismaël Tuo" userId="fca7baf0e513a1e6" providerId="LiveId" clId="{FA439B40-CE70-4594-AB51-0583BED6F80E}" dt="2024-07-14T12:11:33.271" v="21356" actId="478"/>
           <ac:spMkLst>
             <pc:docMk/>
             <pc:sldMk cId="3279480716" sldId="304"/>
             <ac:spMk id="7" creationId="{B31AF22B-77AC-398F-8B32-17C6B4914236}"/>
           </ac:spMkLst>
         </pc:spChg>
+        <pc:spChg chg="add mod">
+          <ac:chgData name="Ismaël Tuo" userId="fca7baf0e513a1e6" providerId="LiveId" clId="{FA439B40-CE70-4594-AB51-0583BED6F80E}" dt="2024-07-14T12:25:03.594" v="21689" actId="313"/>
+          <ac:spMkLst>
+            <pc:docMk/>
+            <pc:sldMk cId="3279480716" sldId="304"/>
+            <ac:spMk id="8" creationId="{BE77EC90-D650-5D21-95CC-3ABCC76C8203}"/>
+          </ac:spMkLst>
+        </pc:spChg>
+        <pc:spChg chg="add mod">
+          <ac:chgData name="Ismaël Tuo" userId="fca7baf0e513a1e6" providerId="LiveId" clId="{FA439B40-CE70-4594-AB51-0583BED6F80E}" dt="2024-07-14T12:25:50.161" v="21692" actId="1076"/>
+          <ac:spMkLst>
+            <pc:docMk/>
+            <pc:sldMk cId="3279480716" sldId="304"/>
+            <ac:spMk id="9" creationId="{58B8AF80-45A6-C955-68FD-57A17D3A66DB}"/>
+          </ac:spMkLst>
+        </pc:spChg>
+        <pc:spChg chg="add mod">
+          <ac:chgData name="Ismaël Tuo" userId="fca7baf0e513a1e6" providerId="LiveId" clId="{FA439B40-CE70-4594-AB51-0583BED6F80E}" dt="2024-07-14T12:16:10.322" v="21379" actId="1076"/>
+          <ac:spMkLst>
+            <pc:docMk/>
+            <pc:sldMk cId="3279480716" sldId="304"/>
+            <ac:spMk id="10" creationId="{C0865043-9B45-278C-9681-A63F9A9103DB}"/>
+          </ac:spMkLst>
+        </pc:spChg>
+        <pc:spChg chg="add mod">
+          <ac:chgData name="Ismaël Tuo" userId="fca7baf0e513a1e6" providerId="LiveId" clId="{FA439B40-CE70-4594-AB51-0583BED6F80E}" dt="2024-07-14T12:16:12.220" v="21380" actId="1076"/>
+          <ac:spMkLst>
+            <pc:docMk/>
+            <pc:sldMk cId="3279480716" sldId="304"/>
+            <ac:spMk id="11" creationId="{D98BC2BD-CA50-C0F4-F869-68DABF6BD913}"/>
+          </ac:spMkLst>
+        </pc:spChg>
+        <pc:picChg chg="add mod">
+          <ac:chgData name="Ismaël Tuo" userId="fca7baf0e513a1e6" providerId="LiveId" clId="{FA439B40-CE70-4594-AB51-0583BED6F80E}" dt="2024-07-14T12:16:07.802" v="21378" actId="14100"/>
+          <ac:picMkLst>
+            <pc:docMk/>
+            <pc:sldMk cId="3279480716" sldId="304"/>
+            <ac:picMk id="13" creationId="{8BD3E0A0-87A1-93E5-31E9-AE5E798A4129}"/>
+          </ac:picMkLst>
+        </pc:picChg>
+        <pc:picChg chg="add mod">
+          <ac:chgData name="Ismaël Tuo" userId="fca7baf0e513a1e6" providerId="LiveId" clId="{FA439B40-CE70-4594-AB51-0583BED6F80E}" dt="2024-07-14T12:16:19.256" v="21385" actId="1076"/>
+          <ac:picMkLst>
+            <pc:docMk/>
+            <pc:sldMk cId="3279480716" sldId="304"/>
+            <ac:picMk id="15" creationId="{2368AF97-7258-9D89-2BC5-98918A04A940}"/>
+          </ac:picMkLst>
+        </pc:picChg>
       </pc:sldChg>
-      <pc:sldChg chg="modSp add mod">
-        <pc:chgData name="Ismaël Tuo" userId="fca7baf0e513a1e6" providerId="LiveId" clId="{FA439B40-CE70-4594-AB51-0583BED6F80E}" dt="2024-03-17T13:32:08.856" v="1332" actId="20577"/>
+      <pc:sldChg chg="addSp modSp add mod">
+        <pc:chgData name="Ismaël Tuo" userId="fca7baf0e513a1e6" providerId="LiveId" clId="{FA439B40-CE70-4594-AB51-0583BED6F80E}" dt="2024-07-14T13:51:52.958" v="24139" actId="20577"/>
         <pc:sldMkLst>
           <pc:docMk/>
           <pc:sldMk cId="926986085" sldId="305"/>
         </pc:sldMkLst>
+        <pc:spChg chg="add mod">
+          <ac:chgData name="Ismaël Tuo" userId="fca7baf0e513a1e6" providerId="LiveId" clId="{FA439B40-CE70-4594-AB51-0583BED6F80E}" dt="2024-07-14T12:33:05.270" v="22258" actId="20577"/>
+          <ac:spMkLst>
+            <pc:docMk/>
+            <pc:sldMk cId="926986085" sldId="305"/>
+            <ac:spMk id="2" creationId="{C5601B79-492D-FCD6-863E-2850C14DE21B}"/>
+          </ac:spMkLst>
+        </pc:spChg>
         <pc:spChg chg="mod">
           <ac:chgData name="Ismaël Tuo" userId="fca7baf0e513a1e6" providerId="LiveId" clId="{FA439B40-CE70-4594-AB51-0583BED6F80E}" dt="2024-03-17T13:32:08.856" v="1332" actId="20577"/>
           <ac:spMkLst>
@@ -1214,6 +1367,54 @@
             <ac:spMk id="6" creationId="{84F10693-2FE8-EFC8-8DB6-84BFD181D260}"/>
           </ac:spMkLst>
         </pc:spChg>
+        <pc:spChg chg="mod">
+          <ac:chgData name="Ismaël Tuo" userId="fca7baf0e513a1e6" providerId="LiveId" clId="{FA439B40-CE70-4594-AB51-0583BED6F80E}" dt="2024-07-14T12:29:50.961" v="21871" actId="1076"/>
+          <ac:spMkLst>
+            <pc:docMk/>
+            <pc:sldMk cId="926986085" sldId="305"/>
+            <ac:spMk id="7" creationId="{B31AF22B-77AC-398F-8B32-17C6B4914236}"/>
+          </ac:spMkLst>
+        </pc:spChg>
+        <pc:spChg chg="add mod">
+          <ac:chgData name="Ismaël Tuo" userId="fca7baf0e513a1e6" providerId="LiveId" clId="{FA439B40-CE70-4594-AB51-0583BED6F80E}" dt="2024-07-14T12:33:00.693" v="22256" actId="14100"/>
+          <ac:spMkLst>
+            <pc:docMk/>
+            <pc:sldMk cId="926986085" sldId="305"/>
+            <ac:spMk id="8" creationId="{1AFE3B03-4614-B65C-95A8-D5B32B311AFC}"/>
+          </ac:spMkLst>
+        </pc:spChg>
+        <pc:spChg chg="add mod">
+          <ac:chgData name="Ismaël Tuo" userId="fca7baf0e513a1e6" providerId="LiveId" clId="{FA439B40-CE70-4594-AB51-0583BED6F80E}" dt="2024-07-14T12:32:48.730" v="22254" actId="113"/>
+          <ac:spMkLst>
+            <pc:docMk/>
+            <pc:sldMk cId="926986085" sldId="305"/>
+            <ac:spMk id="9" creationId="{E4A44A26-7A15-0766-5818-C8677821D593}"/>
+          </ac:spMkLst>
+        </pc:spChg>
+        <pc:spChg chg="add mod">
+          <ac:chgData name="Ismaël Tuo" userId="fca7baf0e513a1e6" providerId="LiveId" clId="{FA439B40-CE70-4594-AB51-0583BED6F80E}" dt="2024-07-14T13:51:52.958" v="24139" actId="20577"/>
+          <ac:spMkLst>
+            <pc:docMk/>
+            <pc:sldMk cId="926986085" sldId="305"/>
+            <ac:spMk id="12" creationId="{4EFB1AB3-038C-2072-5DC9-FF788EFE916E}"/>
+          </ac:spMkLst>
+        </pc:spChg>
+        <pc:spChg chg="add mod">
+          <ac:chgData name="Ismaël Tuo" userId="fca7baf0e513a1e6" providerId="LiveId" clId="{FA439B40-CE70-4594-AB51-0583BED6F80E}" dt="2024-07-14T12:38:55.546" v="22670" actId="1076"/>
+          <ac:spMkLst>
+            <pc:docMk/>
+            <pc:sldMk cId="926986085" sldId="305"/>
+            <ac:spMk id="13" creationId="{155AD2C9-F372-D317-AFAD-90149CBE3BE4}"/>
+          </ac:spMkLst>
+        </pc:spChg>
+        <pc:picChg chg="add mod">
+          <ac:chgData name="Ismaël Tuo" userId="fca7baf0e513a1e6" providerId="LiveId" clId="{FA439B40-CE70-4594-AB51-0583BED6F80E}" dt="2024-07-14T12:38:50.147" v="22668" actId="1076"/>
+          <ac:picMkLst>
+            <pc:docMk/>
+            <pc:sldMk cId="926986085" sldId="305"/>
+            <ac:picMk id="11" creationId="{A5308081-296F-5447-59F4-8AF8F57048AE}"/>
+          </ac:picMkLst>
+        </pc:picChg>
       </pc:sldChg>
       <pc:sldChg chg="del">
         <pc:chgData name="Ismaël Tuo" userId="fca7baf0e513a1e6" providerId="LiveId" clId="{FA439B40-CE70-4594-AB51-0583BED6F80E}" dt="2024-03-17T12:53:09.129" v="34" actId="2696"/>
@@ -1223,7 +1424,7 @@
         </pc:sldMkLst>
       </pc:sldChg>
       <pc:sldChg chg="addSp delSp modSp add mod">
-        <pc:chgData name="Ismaël Tuo" userId="fca7baf0e513a1e6" providerId="LiveId" clId="{FA439B40-CE70-4594-AB51-0583BED6F80E}" dt="2024-05-22T16:24:39.370" v="8443" actId="20577"/>
+        <pc:chgData name="Ismaël Tuo" userId="fca7baf0e513a1e6" providerId="LiveId" clId="{FA439B40-CE70-4594-AB51-0583BED6F80E}" dt="2024-07-14T13:54:51.958" v="24163" actId="20577"/>
         <pc:sldMkLst>
           <pc:docMk/>
           <pc:sldMk cId="2803374722" sldId="306"/>
@@ -1237,7 +1438,7 @@
           </ac:spMkLst>
         </pc:spChg>
         <pc:spChg chg="mod">
-          <ac:chgData name="Ismaël Tuo" userId="fca7baf0e513a1e6" providerId="LiveId" clId="{FA439B40-CE70-4594-AB51-0583BED6F80E}" dt="2024-05-22T16:24:39.370" v="8443" actId="20577"/>
+          <ac:chgData name="Ismaël Tuo" userId="fca7baf0e513a1e6" providerId="LiveId" clId="{FA439B40-CE70-4594-AB51-0583BED6F80E}" dt="2024-07-14T13:54:51.958" v="24163" actId="20577"/>
           <ac:spMkLst>
             <pc:docMk/>
             <pc:sldMk cId="2803374722" sldId="306"/>
@@ -1324,7 +1525,7 @@
         </pc:sldMkLst>
       </pc:sldChg>
       <pc:sldChg chg="delSp modSp add mod ord">
-        <pc:chgData name="Ismaël Tuo" userId="fca7baf0e513a1e6" providerId="LiveId" clId="{FA439B40-CE70-4594-AB51-0583BED6F80E}" dt="2024-05-22T16:26:33.429" v="8460" actId="33524"/>
+        <pc:chgData name="Ismaël Tuo" userId="fca7baf0e513a1e6" providerId="LiveId" clId="{FA439B40-CE70-4594-AB51-0583BED6F80E}" dt="2024-07-14T13:55:42.673" v="24164" actId="20577"/>
         <pc:sldMkLst>
           <pc:docMk/>
           <pc:sldMk cId="2796775175" sldId="307"/>
@@ -1338,7 +1539,7 @@
           </ac:spMkLst>
         </pc:spChg>
         <pc:spChg chg="mod">
-          <ac:chgData name="Ismaël Tuo" userId="fca7baf0e513a1e6" providerId="LiveId" clId="{FA439B40-CE70-4594-AB51-0583BED6F80E}" dt="2024-05-22T16:26:33.429" v="8460" actId="33524"/>
+          <ac:chgData name="Ismaël Tuo" userId="fca7baf0e513a1e6" providerId="LiveId" clId="{FA439B40-CE70-4594-AB51-0583BED6F80E}" dt="2024-07-14T13:55:42.673" v="24164" actId="20577"/>
           <ac:spMkLst>
             <pc:docMk/>
             <pc:sldMk cId="2796775175" sldId="307"/>
@@ -1425,13 +1626,13 @@
         </pc:spChg>
       </pc:sldChg>
       <pc:sldChg chg="modSp add mod ord">
-        <pc:chgData name="Ismaël Tuo" userId="fca7baf0e513a1e6" providerId="LiveId" clId="{FA439B40-CE70-4594-AB51-0583BED6F80E}" dt="2024-05-22T16:28:10.953" v="8470" actId="20577"/>
+        <pc:chgData name="Ismaël Tuo" userId="fca7baf0e513a1e6" providerId="LiveId" clId="{FA439B40-CE70-4594-AB51-0583BED6F80E}" dt="2024-07-14T13:57:23.842" v="24201" actId="20577"/>
         <pc:sldMkLst>
           <pc:docMk/>
           <pc:sldMk cId="2280855446" sldId="309"/>
         </pc:sldMkLst>
         <pc:spChg chg="mod">
-          <ac:chgData name="Ismaël Tuo" userId="fca7baf0e513a1e6" providerId="LiveId" clId="{FA439B40-CE70-4594-AB51-0583BED6F80E}" dt="2024-05-22T16:28:10.953" v="8470" actId="20577"/>
+          <ac:chgData name="Ismaël Tuo" userId="fca7baf0e513a1e6" providerId="LiveId" clId="{FA439B40-CE70-4594-AB51-0583BED6F80E}" dt="2024-07-14T13:57:23.842" v="24201" actId="20577"/>
           <ac:spMkLst>
             <pc:docMk/>
             <pc:sldMk cId="2280855446" sldId="309"/>
@@ -1579,8 +1780,8 @@
           </ac:picMkLst>
         </pc:picChg>
       </pc:sldChg>
-      <pc:sldChg chg="modSp add mod">
-        <pc:chgData name="Ismaël Tuo" userId="fca7baf0e513a1e6" providerId="LiveId" clId="{FA439B40-CE70-4594-AB51-0583BED6F80E}" dt="2024-06-23T06:05:50.541" v="16465" actId="20577"/>
+      <pc:sldChg chg="addSp delSp modSp add mod">
+        <pc:chgData name="Ismaël Tuo" userId="fca7baf0e513a1e6" providerId="LiveId" clId="{FA439B40-CE70-4594-AB51-0583BED6F80E}" dt="2024-07-14T13:16:47.453" v="23969" actId="1076"/>
         <pc:sldMkLst>
           <pc:docMk/>
           <pc:sldMk cId="1044631931" sldId="313"/>
@@ -1593,6 +1794,22 @@
             <ac:spMk id="7" creationId="{B31AF22B-77AC-398F-8B32-17C6B4914236}"/>
           </ac:spMkLst>
         </pc:spChg>
+        <pc:picChg chg="add mod">
+          <ac:chgData name="Ismaël Tuo" userId="fca7baf0e513a1e6" providerId="LiveId" clId="{FA439B40-CE70-4594-AB51-0583BED6F80E}" dt="2024-07-14T13:16:47.453" v="23969" actId="1076"/>
+          <ac:picMkLst>
+            <pc:docMk/>
+            <pc:sldMk cId="1044631931" sldId="313"/>
+            <ac:picMk id="9" creationId="{986B89E5-D32A-9C94-E29C-00A029609242}"/>
+          </ac:picMkLst>
+        </pc:picChg>
+        <pc:picChg chg="del">
+          <ac:chgData name="Ismaël Tuo" userId="fca7baf0e513a1e6" providerId="LiveId" clId="{FA439B40-CE70-4594-AB51-0583BED6F80E}" dt="2024-07-14T13:16:40.267" v="23963" actId="478"/>
+          <ac:picMkLst>
+            <pc:docMk/>
+            <pc:sldMk cId="1044631931" sldId="313"/>
+            <ac:picMk id="17" creationId="{20B0DB46-AEED-4947-5D24-7F0CBBFB6CC1}"/>
+          </ac:picMkLst>
+        </pc:picChg>
       </pc:sldChg>
       <pc:sldChg chg="add del">
         <pc:chgData name="Ismaël Tuo" userId="fca7baf0e513a1e6" providerId="LiveId" clId="{FA439B40-CE70-4594-AB51-0583BED6F80E}" dt="2024-05-22T17:02:51.540" v="10138" actId="2696"/>
@@ -1602,7 +1819,7 @@
         </pc:sldMkLst>
       </pc:sldChg>
       <pc:sldChg chg="addSp delSp modSp add mod">
-        <pc:chgData name="Ismaël Tuo" userId="fca7baf0e513a1e6" providerId="LiveId" clId="{FA439B40-CE70-4594-AB51-0583BED6F80E}" dt="2024-06-06T13:49:04.211" v="12593" actId="20577"/>
+        <pc:chgData name="Ismaël Tuo" userId="fca7baf0e513a1e6" providerId="LiveId" clId="{FA439B40-CE70-4594-AB51-0583BED6F80E}" dt="2024-07-14T13:32:41.369" v="24006" actId="1076"/>
         <pc:sldMkLst>
           <pc:docMk/>
           <pc:sldMk cId="2384567302" sldId="314"/>
@@ -1655,6 +1872,14 @@
             <ac:picMk id="8" creationId="{AE918B32-4BCF-B0BA-09B9-AE6FEA448C0D}"/>
           </ac:picMkLst>
         </pc:picChg>
+        <pc:picChg chg="add mod">
+          <ac:chgData name="Ismaël Tuo" userId="fca7baf0e513a1e6" providerId="LiveId" clId="{FA439B40-CE70-4594-AB51-0583BED6F80E}" dt="2024-07-14T13:28:55.441" v="23995" actId="1076"/>
+          <ac:picMkLst>
+            <pc:docMk/>
+            <pc:sldMk cId="2384567302" sldId="314"/>
+            <ac:picMk id="9" creationId="{ADFEFCCB-A565-F6B9-26D3-74A4B0A39A26}"/>
+          </ac:picMkLst>
+        </pc:picChg>
         <pc:picChg chg="del">
           <ac:chgData name="Ismaël Tuo" userId="fca7baf0e513a1e6" providerId="LiveId" clId="{FA439B40-CE70-4594-AB51-0583BED6F80E}" dt="2024-05-22T17:40:31.182" v="11904" actId="478"/>
           <ac:picMkLst>
@@ -1664,7 +1889,15 @@
           </ac:picMkLst>
         </pc:picChg>
         <pc:picChg chg="add mod">
-          <ac:chgData name="Ismaël Tuo" userId="fca7baf0e513a1e6" providerId="LiveId" clId="{FA439B40-CE70-4594-AB51-0583BED6F80E}" dt="2024-05-22T17:48:52.831" v="12297" actId="1076"/>
+          <ac:chgData name="Ismaël Tuo" userId="fca7baf0e513a1e6" providerId="LiveId" clId="{FA439B40-CE70-4594-AB51-0583BED6F80E}" dt="2024-07-14T13:29:48.030" v="24004" actId="1076"/>
+          <ac:picMkLst>
+            <pc:docMk/>
+            <pc:sldMk cId="2384567302" sldId="314"/>
+            <ac:picMk id="11" creationId="{77064B76-B2F3-8143-19B6-E6E8A63FEE2C}"/>
+          </ac:picMkLst>
+        </pc:picChg>
+        <pc:picChg chg="add del mod">
+          <ac:chgData name="Ismaël Tuo" userId="fca7baf0e513a1e6" providerId="LiveId" clId="{FA439B40-CE70-4594-AB51-0583BED6F80E}" dt="2024-07-14T13:28:51.924" v="23993" actId="478"/>
           <ac:picMkLst>
             <pc:docMk/>
             <pc:sldMk cId="2384567302" sldId="314"/>
@@ -1680,15 +1913,23 @@
           </ac:picMkLst>
         </pc:picChg>
         <pc:picChg chg="add mod">
-          <ac:chgData name="Ismaël Tuo" userId="fca7baf0e513a1e6" providerId="LiveId" clId="{FA439B40-CE70-4594-AB51-0583BED6F80E}" dt="2024-05-22T17:49:05.771" v="12301" actId="14100"/>
+          <ac:chgData name="Ismaël Tuo" userId="fca7baf0e513a1e6" providerId="LiveId" clId="{FA439B40-CE70-4594-AB51-0583BED6F80E}" dt="2024-07-14T13:32:41.369" v="24006" actId="1076"/>
+          <ac:picMkLst>
+            <pc:docMk/>
+            <pc:sldMk cId="2384567302" sldId="314"/>
+            <ac:picMk id="15" creationId="{C04AFA3D-D5D9-8ACD-A83F-BF6C7F3689F4}"/>
+          </ac:picMkLst>
+        </pc:picChg>
+        <pc:picChg chg="add del mod">
+          <ac:chgData name="Ismaël Tuo" userId="fca7baf0e513a1e6" providerId="LiveId" clId="{FA439B40-CE70-4594-AB51-0583BED6F80E}" dt="2024-07-14T13:29:18.192" v="23996" actId="478"/>
           <ac:picMkLst>
             <pc:docMk/>
             <pc:sldMk cId="2384567302" sldId="314"/>
             <ac:picMk id="16" creationId="{A7DD7EF1-2159-33A6-5E11-251A45A697E2}"/>
           </ac:picMkLst>
         </pc:picChg>
-        <pc:picChg chg="add mod">
-          <ac:chgData name="Ismaël Tuo" userId="fca7baf0e513a1e6" providerId="LiveId" clId="{FA439B40-CE70-4594-AB51-0583BED6F80E}" dt="2024-05-22T17:51:26.924" v="12496" actId="1076"/>
+        <pc:picChg chg="add del mod">
+          <ac:chgData name="Ismaël Tuo" userId="fca7baf0e513a1e6" providerId="LiveId" clId="{FA439B40-CE70-4594-AB51-0583BED6F80E}" dt="2024-07-14T13:29:45.999" v="24003" actId="478"/>
           <ac:picMkLst>
             <pc:docMk/>
             <pc:sldMk cId="2384567302" sldId="314"/>
@@ -1697,7 +1938,7 @@
         </pc:picChg>
       </pc:sldChg>
       <pc:sldChg chg="addSp delSp modSp add mod">
-        <pc:chgData name="Ismaël Tuo" userId="fca7baf0e513a1e6" providerId="LiveId" clId="{FA439B40-CE70-4594-AB51-0583BED6F80E}" dt="2024-06-23T06:12:09.753" v="16487" actId="14100"/>
+        <pc:chgData name="Ismaël Tuo" userId="fca7baf0e513a1e6" providerId="LiveId" clId="{FA439B40-CE70-4594-AB51-0583BED6F80E}" dt="2024-07-14T13:35:04.390" v="24023" actId="20577"/>
         <pc:sldMkLst>
           <pc:docMk/>
           <pc:sldMk cId="718073844" sldId="315"/>
@@ -1727,7 +1968,7 @@
           </ac:spMkLst>
         </pc:spChg>
         <pc:spChg chg="add mod">
-          <ac:chgData name="Ismaël Tuo" userId="fca7baf0e513a1e6" providerId="LiveId" clId="{FA439B40-CE70-4594-AB51-0583BED6F80E}" dt="2024-06-06T14:22:44.145" v="14303" actId="1076"/>
+          <ac:chgData name="Ismaël Tuo" userId="fca7baf0e513a1e6" providerId="LiveId" clId="{FA439B40-CE70-4594-AB51-0583BED6F80E}" dt="2024-07-14T13:34:32.576" v="24010" actId="20577"/>
           <ac:spMkLst>
             <pc:docMk/>
             <pc:sldMk cId="718073844" sldId="315"/>
@@ -1735,7 +1976,7 @@
           </ac:spMkLst>
         </pc:spChg>
         <pc:spChg chg="add mod">
-          <ac:chgData name="Ismaël Tuo" userId="fca7baf0e513a1e6" providerId="LiveId" clId="{FA439B40-CE70-4594-AB51-0583BED6F80E}" dt="2024-06-06T14:21:20.163" v="14291" actId="1076"/>
+          <ac:chgData name="Ismaël Tuo" userId="fca7baf0e513a1e6" providerId="LiveId" clId="{FA439B40-CE70-4594-AB51-0583BED6F80E}" dt="2024-07-14T13:35:04.390" v="24023" actId="20577"/>
           <ac:spMkLst>
             <pc:docMk/>
             <pc:sldMk cId="718073844" sldId="315"/>
@@ -1783,8 +2024,8 @@
           </ac:picMkLst>
         </pc:picChg>
       </pc:sldChg>
-      <pc:sldChg chg="modSp add mod">
-        <pc:chgData name="Ismaël Tuo" userId="fca7baf0e513a1e6" providerId="LiveId" clId="{FA439B40-CE70-4594-AB51-0583BED6F80E}" dt="2024-06-06T14:08:48.739" v="13464"/>
+      <pc:sldChg chg="modSp add del mod">
+        <pc:chgData name="Ismaël Tuo" userId="fca7baf0e513a1e6" providerId="LiveId" clId="{FA439B40-CE70-4594-AB51-0583BED6F80E}" dt="2024-07-14T12:11:50.213" v="21357" actId="2696"/>
         <pc:sldMkLst>
           <pc:docMk/>
           <pc:sldMk cId="4119819306" sldId="316"/>
@@ -1807,7 +2048,7 @@
         </pc:spChg>
       </pc:sldChg>
       <pc:sldChg chg="addSp delSp modSp add mod">
-        <pc:chgData name="Ismaël Tuo" userId="fca7baf0e513a1e6" providerId="LiveId" clId="{FA439B40-CE70-4594-AB51-0583BED6F80E}" dt="2024-06-23T06:14:35.962" v="16506" actId="20577"/>
+        <pc:chgData name="Ismaël Tuo" userId="fca7baf0e513a1e6" providerId="LiveId" clId="{FA439B40-CE70-4594-AB51-0583BED6F80E}" dt="2024-07-14T13:39:55.851" v="24101"/>
         <pc:sldMkLst>
           <pc:docMk/>
           <pc:sldMk cId="3421814034" sldId="317"/>
@@ -1821,7 +2062,7 @@
           </ac:spMkLst>
         </pc:spChg>
         <pc:spChg chg="mod">
-          <ac:chgData name="Ismaël Tuo" userId="fca7baf0e513a1e6" providerId="LiveId" clId="{FA439B40-CE70-4594-AB51-0583BED6F80E}" dt="2024-06-23T06:13:54.334" v="16497" actId="1076"/>
+          <ac:chgData name="Ismaël Tuo" userId="fca7baf0e513a1e6" providerId="LiveId" clId="{FA439B40-CE70-4594-AB51-0583BED6F80E}" dt="2024-07-14T13:37:10.248" v="24093" actId="20577"/>
           <ac:spMkLst>
             <pc:docMk/>
             <pc:sldMk cId="3421814034" sldId="317"/>
@@ -1869,7 +2110,7 @@
           </ac:spMkLst>
         </pc:spChg>
         <pc:spChg chg="add mod">
-          <ac:chgData name="Ismaël Tuo" userId="fca7baf0e513a1e6" providerId="LiveId" clId="{FA439B40-CE70-4594-AB51-0583BED6F80E}" dt="2024-06-23T06:14:35.962" v="16506" actId="20577"/>
+          <ac:chgData name="Ismaël Tuo" userId="fca7baf0e513a1e6" providerId="LiveId" clId="{FA439B40-CE70-4594-AB51-0583BED6F80E}" dt="2024-07-14T13:39:55.851" v="24101"/>
           <ac:spMkLst>
             <pc:docMk/>
             <pc:sldMk cId="3421814034" sldId="317"/>
@@ -1884,6 +2125,14 @@
             <ac:picMk id="9" creationId="{D0D22AFC-A0EF-C77F-765C-0CEF9FCC4010}"/>
           </ac:picMkLst>
         </pc:picChg>
+        <pc:picChg chg="add mod">
+          <ac:chgData name="Ismaël Tuo" userId="fca7baf0e513a1e6" providerId="LiveId" clId="{FA439B40-CE70-4594-AB51-0583BED6F80E}" dt="2024-07-14T13:39:45.584" v="24100" actId="14100"/>
+          <ac:picMkLst>
+            <pc:docMk/>
+            <pc:sldMk cId="3421814034" sldId="317"/>
+            <ac:picMk id="10" creationId="{0F5D4356-EAA4-2C3B-934D-997770077A2B}"/>
+          </ac:picMkLst>
+        </pc:picChg>
         <pc:picChg chg="del">
           <ac:chgData name="Ismaël Tuo" userId="fca7baf0e513a1e6" providerId="LiveId" clId="{FA439B40-CE70-4594-AB51-0583BED6F80E}" dt="2024-06-06T14:43:14.702" v="15451" actId="478"/>
           <ac:picMkLst>
@@ -1900,8 +2149,8 @@
             <ac:picMk id="15" creationId="{484A56E5-DF3E-387E-2C4C-DC897AA83F19}"/>
           </ac:picMkLst>
         </pc:picChg>
-        <pc:picChg chg="add mod">
-          <ac:chgData name="Ismaël Tuo" userId="fca7baf0e513a1e6" providerId="LiveId" clId="{FA439B40-CE70-4594-AB51-0583BED6F80E}" dt="2024-06-23T06:14:07.384" v="16500" actId="14100"/>
+        <pc:picChg chg="add del mod">
+          <ac:chgData name="Ismaël Tuo" userId="fca7baf0e513a1e6" providerId="LiveId" clId="{FA439B40-CE70-4594-AB51-0583BED6F80E}" dt="2024-07-14T13:39:32.788" v="24094" actId="478"/>
           <ac:picMkLst>
             <pc:docMk/>
             <pc:sldMk cId="3421814034" sldId="317"/>
@@ -1910,7 +2159,7 @@
         </pc:picChg>
       </pc:sldChg>
       <pc:sldChg chg="addSp delSp modSp add mod">
-        <pc:chgData name="Ismaël Tuo" userId="fca7baf0e513a1e6" providerId="LiveId" clId="{FA439B40-CE70-4594-AB51-0583BED6F80E}" dt="2024-06-23T06:48:54.413" v="17935" actId="33524"/>
+        <pc:chgData name="Ismaël Tuo" userId="fca7baf0e513a1e6" providerId="LiveId" clId="{FA439B40-CE70-4594-AB51-0583BED6F80E}" dt="2024-07-14T13:44:16.659" v="24114" actId="20577"/>
         <pc:sldMkLst>
           <pc:docMk/>
           <pc:sldMk cId="3600390279" sldId="318"/>
@@ -1948,7 +2197,7 @@
           </ac:spMkLst>
         </pc:spChg>
         <pc:spChg chg="add mod">
-          <ac:chgData name="Ismaël Tuo" userId="fca7baf0e513a1e6" providerId="LiveId" clId="{FA439B40-CE70-4594-AB51-0583BED6F80E}" dt="2024-06-23T06:44:26.019" v="17915" actId="1076"/>
+          <ac:chgData name="Ismaël Tuo" userId="fca7baf0e513a1e6" providerId="LiveId" clId="{FA439B40-CE70-4594-AB51-0583BED6F80E}" dt="2024-07-14T13:41:14.476" v="24105" actId="20577"/>
           <ac:spMkLst>
             <pc:docMk/>
             <pc:sldMk cId="3600390279" sldId="318"/>
@@ -1964,13 +2213,21 @@
           </ac:spMkLst>
         </pc:spChg>
         <pc:spChg chg="add mod">
-          <ac:chgData name="Ismaël Tuo" userId="fca7baf0e513a1e6" providerId="LiveId" clId="{FA439B40-CE70-4594-AB51-0583BED6F80E}" dt="2024-06-23T06:48:54.413" v="17935" actId="33524"/>
+          <ac:chgData name="Ismaël Tuo" userId="fca7baf0e513a1e6" providerId="LiveId" clId="{FA439B40-CE70-4594-AB51-0583BED6F80E}" dt="2024-07-14T13:44:16.659" v="24114" actId="20577"/>
           <ac:spMkLst>
             <pc:docMk/>
             <pc:sldMk cId="3600390279" sldId="318"/>
             <ac:spMk id="15" creationId="{C098172D-C366-2670-7543-C5078DA87EF7}"/>
           </ac:spMkLst>
         </pc:spChg>
+        <pc:picChg chg="add del mod">
+          <ac:chgData name="Ismaël Tuo" userId="fca7baf0e513a1e6" providerId="LiveId" clId="{FA439B40-CE70-4594-AB51-0583BED6F80E}" dt="2024-07-14T13:43:56.802" v="24106" actId="478"/>
+          <ac:picMkLst>
+            <pc:docMk/>
+            <pc:sldMk cId="3600390279" sldId="318"/>
+            <ac:picMk id="8" creationId="{1E684827-6FD3-043E-BF9B-D5F26DA6C684}"/>
+          </ac:picMkLst>
+        </pc:picChg>
         <pc:picChg chg="del">
           <ac:chgData name="Ismaël Tuo" userId="fca7baf0e513a1e6" providerId="LiveId" clId="{FA439B40-CE70-4594-AB51-0583BED6F80E}" dt="2024-06-23T06:37:58.809" v="17642" actId="478"/>
           <ac:picMkLst>
@@ -1980,7 +2237,15 @@
           </ac:picMkLst>
         </pc:picChg>
         <pc:picChg chg="add mod">
-          <ac:chgData name="Ismaël Tuo" userId="fca7baf0e513a1e6" providerId="LiveId" clId="{FA439B40-CE70-4594-AB51-0583BED6F80E}" dt="2024-06-23T06:41:34.934" v="17649" actId="1076"/>
+          <ac:chgData name="Ismaël Tuo" userId="fca7baf0e513a1e6" providerId="LiveId" clId="{FA439B40-CE70-4594-AB51-0583BED6F80E}" dt="2024-07-14T13:44:02.985" v="24109" actId="1076"/>
+          <ac:picMkLst>
+            <pc:docMk/>
+            <pc:sldMk cId="3600390279" sldId="318"/>
+            <ac:picMk id="11" creationId="{C27942EC-CF0A-758B-CC1D-655838CDCA26}"/>
+          </ac:picMkLst>
+        </pc:picChg>
+        <pc:picChg chg="add del mod">
+          <ac:chgData name="Ismaël Tuo" userId="fca7baf0e513a1e6" providerId="LiveId" clId="{FA439B40-CE70-4594-AB51-0583BED6F80E}" dt="2024-07-14T11:37:43.571" v="20144" actId="478"/>
           <ac:picMkLst>
             <pc:docMk/>
             <pc:sldMk cId="3600390279" sldId="318"/>
@@ -2120,6 +2385,259 @@
             <pc:docMk/>
             <pc:sldMk cId="181240145" sldId="319"/>
             <ac:picMk id="10" creationId="{0F80DE41-7C8C-2EFF-3385-EBC736D6FD34}"/>
+          </ac:picMkLst>
+        </pc:picChg>
+      </pc:sldChg>
+      <pc:sldChg chg="addSp delSp modSp add mod">
+        <pc:chgData name="Ismaël Tuo" userId="fca7baf0e513a1e6" providerId="LiveId" clId="{FA439B40-CE70-4594-AB51-0583BED6F80E}" dt="2024-07-14T12:25:28.156" v="21691" actId="1076"/>
+        <pc:sldMkLst>
+          <pc:docMk/>
+          <pc:sldMk cId="684792020" sldId="320"/>
+        </pc:sldMkLst>
+        <pc:spChg chg="del">
+          <ac:chgData name="Ismaël Tuo" userId="fca7baf0e513a1e6" providerId="LiveId" clId="{FA439B40-CE70-4594-AB51-0583BED6F80E}" dt="2024-07-14T12:17:00.302" v="21390" actId="478"/>
+          <ac:spMkLst>
+            <pc:docMk/>
+            <pc:sldMk cId="684792020" sldId="320"/>
+            <ac:spMk id="2" creationId="{8360613C-81CA-94B4-384B-99B828382C39}"/>
+          </ac:spMkLst>
+        </pc:spChg>
+        <pc:spChg chg="mod">
+          <ac:chgData name="Ismaël Tuo" userId="fca7baf0e513a1e6" providerId="LiveId" clId="{FA439B40-CE70-4594-AB51-0583BED6F80E}" dt="2024-07-14T12:17:44.997" v="21464" actId="1076"/>
+          <ac:spMkLst>
+            <pc:docMk/>
+            <pc:sldMk cId="684792020" sldId="320"/>
+            <ac:spMk id="8" creationId="{BE77EC90-D650-5D21-95CC-3ABCC76C8203}"/>
+          </ac:spMkLst>
+        </pc:spChg>
+        <pc:spChg chg="mod">
+          <ac:chgData name="Ismaël Tuo" userId="fca7baf0e513a1e6" providerId="LiveId" clId="{FA439B40-CE70-4594-AB51-0583BED6F80E}" dt="2024-07-14T12:25:18.872" v="21690" actId="1076"/>
+          <ac:spMkLst>
+            <pc:docMk/>
+            <pc:sldMk cId="684792020" sldId="320"/>
+            <ac:spMk id="9" creationId="{58B8AF80-45A6-C955-68FD-57A17D3A66DB}"/>
+          </ac:spMkLst>
+        </pc:spChg>
+        <pc:spChg chg="del">
+          <ac:chgData name="Ismaël Tuo" userId="fca7baf0e513a1e6" providerId="LiveId" clId="{FA439B40-CE70-4594-AB51-0583BED6F80E}" dt="2024-07-14T12:16:58.312" v="21389" actId="478"/>
+          <ac:spMkLst>
+            <pc:docMk/>
+            <pc:sldMk cId="684792020" sldId="320"/>
+            <ac:spMk id="10" creationId="{C0865043-9B45-278C-9681-A63F9A9103DB}"/>
+          </ac:spMkLst>
+        </pc:spChg>
+        <pc:spChg chg="del">
+          <ac:chgData name="Ismaël Tuo" userId="fca7baf0e513a1e6" providerId="LiveId" clId="{FA439B40-CE70-4594-AB51-0583BED6F80E}" dt="2024-07-14T12:16:56.791" v="21388" actId="478"/>
+          <ac:spMkLst>
+            <pc:docMk/>
+            <pc:sldMk cId="684792020" sldId="320"/>
+            <ac:spMk id="11" creationId="{D98BC2BD-CA50-C0F4-F869-68DABF6BD913}"/>
+          </ac:spMkLst>
+        </pc:spChg>
+        <pc:spChg chg="add mod">
+          <ac:chgData name="Ismaël Tuo" userId="fca7baf0e513a1e6" providerId="LiveId" clId="{FA439B40-CE70-4594-AB51-0583BED6F80E}" dt="2024-07-14T12:24:20.137" v="21667" actId="1076"/>
+          <ac:spMkLst>
+            <pc:docMk/>
+            <pc:sldMk cId="684792020" sldId="320"/>
+            <ac:spMk id="14" creationId="{726781E1-07CA-4BE9-0024-87A0E0C3AA3A}"/>
+          </ac:spMkLst>
+        </pc:spChg>
+        <pc:spChg chg="add mod">
+          <ac:chgData name="Ismaël Tuo" userId="fca7baf0e513a1e6" providerId="LiveId" clId="{FA439B40-CE70-4594-AB51-0583BED6F80E}" dt="2024-07-14T12:25:28.156" v="21691" actId="1076"/>
+          <ac:spMkLst>
+            <pc:docMk/>
+            <pc:sldMk cId="684792020" sldId="320"/>
+            <ac:spMk id="16" creationId="{BB598D31-99B6-36A1-7CD1-5971A856FA26}"/>
+          </ac:spMkLst>
+        </pc:spChg>
+        <pc:spChg chg="add mod">
+          <ac:chgData name="Ismaël Tuo" userId="fca7baf0e513a1e6" providerId="LiveId" clId="{FA439B40-CE70-4594-AB51-0583BED6F80E}" dt="2024-07-14T12:24:30.115" v="21671" actId="20577"/>
+          <ac:spMkLst>
+            <pc:docMk/>
+            <pc:sldMk cId="684792020" sldId="320"/>
+            <ac:spMk id="19" creationId="{730EE541-C3C2-4A29-9F1C-939515D97338}"/>
+          </ac:spMkLst>
+        </pc:spChg>
+        <pc:picChg chg="add mod">
+          <ac:chgData name="Ismaël Tuo" userId="fca7baf0e513a1e6" providerId="LiveId" clId="{FA439B40-CE70-4594-AB51-0583BED6F80E}" dt="2024-07-14T12:24:17.086" v="21666" actId="1076"/>
+          <ac:picMkLst>
+            <pc:docMk/>
+            <pc:sldMk cId="684792020" sldId="320"/>
+            <ac:picMk id="12" creationId="{D72903F9-336B-A1BF-DA59-E5356536A14E}"/>
+          </ac:picMkLst>
+        </pc:picChg>
+        <pc:picChg chg="del mod">
+          <ac:chgData name="Ismaël Tuo" userId="fca7baf0e513a1e6" providerId="LiveId" clId="{FA439B40-CE70-4594-AB51-0583BED6F80E}" dt="2024-07-14T12:19:36.914" v="21489" actId="478"/>
+          <ac:picMkLst>
+            <pc:docMk/>
+            <pc:sldMk cId="684792020" sldId="320"/>
+            <ac:picMk id="13" creationId="{8BD3E0A0-87A1-93E5-31E9-AE5E798A4129}"/>
+          </ac:picMkLst>
+        </pc:picChg>
+        <pc:picChg chg="del">
+          <ac:chgData name="Ismaël Tuo" userId="fca7baf0e513a1e6" providerId="LiveId" clId="{FA439B40-CE70-4594-AB51-0583BED6F80E}" dt="2024-07-14T12:16:54.531" v="21387" actId="478"/>
+          <ac:picMkLst>
+            <pc:docMk/>
+            <pc:sldMk cId="684792020" sldId="320"/>
+            <ac:picMk id="15" creationId="{2368AF97-7258-9D89-2BC5-98918A04A940}"/>
+          </ac:picMkLst>
+        </pc:picChg>
+        <pc:picChg chg="add mod">
+          <ac:chgData name="Ismaël Tuo" userId="fca7baf0e513a1e6" providerId="LiveId" clId="{FA439B40-CE70-4594-AB51-0583BED6F80E}" dt="2024-07-14T12:24:25.029" v="21669" actId="1076"/>
+          <ac:picMkLst>
+            <pc:docMk/>
+            <pc:sldMk cId="684792020" sldId="320"/>
+            <ac:picMk id="18" creationId="{E5CB24E6-11F0-A54A-AA8D-87EDE7DCE0DF}"/>
+          </ac:picMkLst>
+        </pc:picChg>
+      </pc:sldChg>
+      <pc:sldChg chg="addSp delSp modSp add mod">
+        <pc:chgData name="Ismaël Tuo" userId="fca7baf0e513a1e6" providerId="LiveId" clId="{FA439B40-CE70-4594-AB51-0583BED6F80E}" dt="2024-07-14T13:52:39.541" v="24148" actId="20577"/>
+        <pc:sldMkLst>
+          <pc:docMk/>
+          <pc:sldMk cId="1131319035" sldId="321"/>
+        </pc:sldMkLst>
+        <pc:spChg chg="del">
+          <ac:chgData name="Ismaël Tuo" userId="fca7baf0e513a1e6" providerId="LiveId" clId="{FA439B40-CE70-4594-AB51-0583BED6F80E}" dt="2024-07-14T12:39:33.671" v="22678" actId="478"/>
+          <ac:spMkLst>
+            <pc:docMk/>
+            <pc:sldMk cId="1131319035" sldId="321"/>
+            <ac:spMk id="2" creationId="{C5601B79-492D-FCD6-863E-2850C14DE21B}"/>
+          </ac:spMkLst>
+        </pc:spChg>
+        <pc:spChg chg="mod">
+          <ac:chgData name="Ismaël Tuo" userId="fca7baf0e513a1e6" providerId="LiveId" clId="{FA439B40-CE70-4594-AB51-0583BED6F80E}" dt="2024-07-14T12:42:11.349" v="22976" actId="20577"/>
+          <ac:spMkLst>
+            <pc:docMk/>
+            <pc:sldMk cId="1131319035" sldId="321"/>
+            <ac:spMk id="7" creationId="{B31AF22B-77AC-398F-8B32-17C6B4914236}"/>
+          </ac:spMkLst>
+        </pc:spChg>
+        <pc:spChg chg="del">
+          <ac:chgData name="Ismaël Tuo" userId="fca7baf0e513a1e6" providerId="LiveId" clId="{FA439B40-CE70-4594-AB51-0583BED6F80E}" dt="2024-07-14T12:39:30.768" v="22676" actId="478"/>
+          <ac:spMkLst>
+            <pc:docMk/>
+            <pc:sldMk cId="1131319035" sldId="321"/>
+            <ac:spMk id="8" creationId="{1AFE3B03-4614-B65C-95A8-D5B32B311AFC}"/>
+          </ac:spMkLst>
+        </pc:spChg>
+        <pc:spChg chg="del">
+          <ac:chgData name="Ismaël Tuo" userId="fca7baf0e513a1e6" providerId="LiveId" clId="{FA439B40-CE70-4594-AB51-0583BED6F80E}" dt="2024-07-14T12:39:32.328" v="22677" actId="478"/>
+          <ac:spMkLst>
+            <pc:docMk/>
+            <pc:sldMk cId="1131319035" sldId="321"/>
+            <ac:spMk id="9" creationId="{E4A44A26-7A15-0766-5818-C8677821D593}"/>
+          </ac:spMkLst>
+        </pc:spChg>
+        <pc:spChg chg="del">
+          <ac:chgData name="Ismaël Tuo" userId="fca7baf0e513a1e6" providerId="LiveId" clId="{FA439B40-CE70-4594-AB51-0583BED6F80E}" dt="2024-07-14T12:39:28.863" v="22673" actId="478"/>
+          <ac:spMkLst>
+            <pc:docMk/>
+            <pc:sldMk cId="1131319035" sldId="321"/>
+            <ac:spMk id="12" creationId="{4EFB1AB3-038C-2072-5DC9-FF788EFE916E}"/>
+          </ac:spMkLst>
+        </pc:spChg>
+        <pc:spChg chg="del">
+          <ac:chgData name="Ismaël Tuo" userId="fca7baf0e513a1e6" providerId="LiveId" clId="{FA439B40-CE70-4594-AB51-0583BED6F80E}" dt="2024-07-14T12:39:27.394" v="22672" actId="478"/>
+          <ac:spMkLst>
+            <pc:docMk/>
+            <pc:sldMk cId="1131319035" sldId="321"/>
+            <ac:spMk id="13" creationId="{155AD2C9-F372-D317-AFAD-90149CBE3BE4}"/>
+          </ac:spMkLst>
+        </pc:spChg>
+        <pc:spChg chg="add mod">
+          <ac:chgData name="Ismaël Tuo" userId="fca7baf0e513a1e6" providerId="LiveId" clId="{FA439B40-CE70-4594-AB51-0583BED6F80E}" dt="2024-07-14T13:52:39.541" v="24148" actId="20577"/>
+          <ac:spMkLst>
+            <pc:docMk/>
+            <pc:sldMk cId="1131319035" sldId="321"/>
+            <ac:spMk id="15" creationId="{1135D377-EB34-B19E-50F0-692D761410D1}"/>
+          </ac:spMkLst>
+        </pc:spChg>
+        <pc:picChg chg="del mod">
+          <ac:chgData name="Ismaël Tuo" userId="fca7baf0e513a1e6" providerId="LiveId" clId="{FA439B40-CE70-4594-AB51-0583BED6F80E}" dt="2024-07-14T12:39:29.460" v="22675" actId="478"/>
+          <ac:picMkLst>
+            <pc:docMk/>
+            <pc:sldMk cId="1131319035" sldId="321"/>
+            <ac:picMk id="11" creationId="{A5308081-296F-5447-59F4-8AF8F57048AE}"/>
+          </ac:picMkLst>
+        </pc:picChg>
+        <pc:picChg chg="add mod">
+          <ac:chgData name="Ismaël Tuo" userId="fca7baf0e513a1e6" providerId="LiveId" clId="{FA439B40-CE70-4594-AB51-0583BED6F80E}" dt="2024-07-14T12:42:54.344" v="22987" actId="1076"/>
+          <ac:picMkLst>
+            <pc:docMk/>
+            <pc:sldMk cId="1131319035" sldId="321"/>
+            <ac:picMk id="14" creationId="{B01112CE-598B-B4D6-2939-A2E1CC97E026}"/>
+          </ac:picMkLst>
+        </pc:picChg>
+      </pc:sldChg>
+      <pc:sldChg chg="addSp delSp modSp add mod">
+        <pc:chgData name="Ismaël Tuo" userId="fca7baf0e513a1e6" providerId="LiveId" clId="{FA439B40-CE70-4594-AB51-0583BED6F80E}" dt="2024-07-14T13:53:43.380" v="24162" actId="20577"/>
+        <pc:sldMkLst>
+          <pc:docMk/>
+          <pc:sldMk cId="3409626170" sldId="322"/>
+        </pc:sldMkLst>
+        <pc:spChg chg="mod">
+          <ac:chgData name="Ismaël Tuo" userId="fca7baf0e513a1e6" providerId="LiveId" clId="{FA439B40-CE70-4594-AB51-0583BED6F80E}" dt="2024-07-14T13:53:11.504" v="24151" actId="20577"/>
+          <ac:spMkLst>
+            <pc:docMk/>
+            <pc:sldMk cId="3409626170" sldId="322"/>
+            <ac:spMk id="7" creationId="{B31AF22B-77AC-398F-8B32-17C6B4914236}"/>
+          </ac:spMkLst>
+        </pc:spChg>
+        <pc:spChg chg="add mod">
+          <ac:chgData name="Ismaël Tuo" userId="fca7baf0e513a1e6" providerId="LiveId" clId="{FA439B40-CE70-4594-AB51-0583BED6F80E}" dt="2024-07-14T12:52:12.086" v="23868" actId="1076"/>
+          <ac:spMkLst>
+            <pc:docMk/>
+            <pc:sldMk cId="3409626170" sldId="322"/>
+            <ac:spMk id="10" creationId="{83768967-1696-8C4F-9FD1-D7DA1F003343}"/>
+          </ac:spMkLst>
+        </pc:spChg>
+        <pc:spChg chg="add mod">
+          <ac:chgData name="Ismaël Tuo" userId="fca7baf0e513a1e6" providerId="LiveId" clId="{FA439B40-CE70-4594-AB51-0583BED6F80E}" dt="2024-07-14T13:53:43.380" v="24162" actId="20577"/>
+          <ac:spMkLst>
+            <pc:docMk/>
+            <pc:sldMk cId="3409626170" sldId="322"/>
+            <ac:spMk id="11" creationId="{F860C26C-9F57-0F4D-4274-5AA5BE3BF8F7}"/>
+          </ac:spMkLst>
+        </pc:spChg>
+        <pc:spChg chg="add mod">
+          <ac:chgData name="Ismaël Tuo" userId="fca7baf0e513a1e6" providerId="LiveId" clId="{FA439B40-CE70-4594-AB51-0583BED6F80E}" dt="2024-07-14T12:53:08.990" v="23876"/>
+          <ac:spMkLst>
+            <pc:docMk/>
+            <pc:sldMk cId="3409626170" sldId="322"/>
+            <ac:spMk id="12" creationId="{B91DE30A-AFBA-0D2A-FE3D-11B12CC16D4C}"/>
+          </ac:spMkLst>
+        </pc:spChg>
+        <pc:spChg chg="del">
+          <ac:chgData name="Ismaël Tuo" userId="fca7baf0e513a1e6" providerId="LiveId" clId="{FA439B40-CE70-4594-AB51-0583BED6F80E}" dt="2024-07-14T12:47:49.814" v="23341" actId="478"/>
+          <ac:spMkLst>
+            <pc:docMk/>
+            <pc:sldMk cId="3409626170" sldId="322"/>
+            <ac:spMk id="15" creationId="{1135D377-EB34-B19E-50F0-692D761410D1}"/>
+          </ac:spMkLst>
+        </pc:spChg>
+        <pc:picChg chg="add mod">
+          <ac:chgData name="Ismaël Tuo" userId="fca7baf0e513a1e6" providerId="LiveId" clId="{FA439B40-CE70-4594-AB51-0583BED6F80E}" dt="2024-07-14T12:54:04.678" v="23925" actId="1076"/>
+          <ac:picMkLst>
+            <pc:docMk/>
+            <pc:sldMk cId="3409626170" sldId="322"/>
+            <ac:picMk id="8" creationId="{3F6A5D9B-37D3-B7F7-F0B3-D6752617F531}"/>
+          </ac:picMkLst>
+        </pc:picChg>
+        <pc:picChg chg="add mod">
+          <ac:chgData name="Ismaël Tuo" userId="fca7baf0e513a1e6" providerId="LiveId" clId="{FA439B40-CE70-4594-AB51-0583BED6F80E}" dt="2024-07-14T12:50:35.303" v="23672"/>
+          <ac:picMkLst>
+            <pc:docMk/>
+            <pc:sldMk cId="3409626170" sldId="322"/>
+            <ac:picMk id="9" creationId="{C4520B68-F7A0-6EAF-6940-F59FA2E1EE89}"/>
+          </ac:picMkLst>
+        </pc:picChg>
+        <pc:picChg chg="del">
+          <ac:chgData name="Ismaël Tuo" userId="fca7baf0e513a1e6" providerId="LiveId" clId="{FA439B40-CE70-4594-AB51-0583BED6F80E}" dt="2024-07-14T12:47:47.774" v="23340" actId="478"/>
+          <ac:picMkLst>
+            <pc:docMk/>
+            <pc:sldMk cId="3409626170" sldId="322"/>
+            <ac:picMk id="14" creationId="{B01112CE-598B-B4D6-2939-A2E1CC97E026}"/>
           </ac:picMkLst>
         </pc:picChg>
       </pc:sldChg>
@@ -2210,7 +2728,7 @@
           <a:p>
             <a:fld id="{5D1B8971-FAD5-A544-A565-5C81831E2E08}" type="datetimeFigureOut">
               <a:rPr lang="fr-FR" smtClean="0"/>
-              <a:t>23/06/2024</a:t>
+              <a:t>14/07/2024</a:t>
             </a:fld>
             <a:endParaRPr lang="fr-FR"/>
           </a:p>
@@ -2640,7 +3158,7 @@
           <a:p>
             <a:fld id="{446AF453-C717-E044-9B61-C449088DBB9F}" type="datetime1">
               <a:rPr lang="fr-FR" smtClean="0"/>
-              <a:t>23/06/2024</a:t>
+              <a:t>14/07/2024</a:t>
             </a:fld>
             <a:endParaRPr lang="fr-FR"/>
           </a:p>
@@ -2814,7 +3332,7 @@
           <a:p>
             <a:fld id="{0AD74B8B-4B66-A54B-A7E1-EB9F6C09CE67}" type="datetime1">
               <a:rPr lang="fr-FR" smtClean="0"/>
-              <a:t>23/06/2024</a:t>
+              <a:t>14/07/2024</a:t>
             </a:fld>
             <a:endParaRPr lang="fr-FR"/>
           </a:p>
@@ -2998,7 +3516,7 @@
           <a:p>
             <a:fld id="{9584F9F2-42A0-CD42-8013-986AEAF97421}" type="datetime1">
               <a:rPr lang="fr-FR" smtClean="0"/>
-              <a:t>23/06/2024</a:t>
+              <a:t>14/07/2024</a:t>
             </a:fld>
             <a:endParaRPr lang="fr-FR"/>
           </a:p>
@@ -3172,7 +3690,7 @@
           <a:p>
             <a:fld id="{DAB9BD9F-3179-BB4C-96AB-C40862581685}" type="datetime1">
               <a:rPr lang="fr-FR" smtClean="0"/>
-              <a:t>23/06/2024</a:t>
+              <a:t>14/07/2024</a:t>
             </a:fld>
             <a:endParaRPr lang="fr-FR"/>
           </a:p>
@@ -3444,7 +3962,7 @@
           <a:p>
             <a:fld id="{A664DE96-64FF-BC43-8A9C-18ED43A528D6}" type="datetime1">
               <a:rPr lang="fr-FR" smtClean="0"/>
-              <a:t>23/06/2024</a:t>
+              <a:t>14/07/2024</a:t>
             </a:fld>
             <a:endParaRPr lang="fr-FR"/>
           </a:p>
@@ -3680,7 +4198,7 @@
           <a:p>
             <a:fld id="{2C8FE800-9F9B-1C4F-A1CD-9EF46842C4CA}" type="datetime1">
               <a:rPr lang="fr-FR" smtClean="0"/>
-              <a:t>23/06/2024</a:t>
+              <a:t>14/07/2024</a:t>
             </a:fld>
             <a:endParaRPr lang="fr-FR"/>
           </a:p>
@@ -4043,7 +4561,7 @@
           <a:p>
             <a:fld id="{0F7DED4E-8CB4-EF40-A349-EFC02EC7784E}" type="datetime1">
               <a:rPr lang="fr-FR" smtClean="0"/>
-              <a:t>23/06/2024</a:t>
+              <a:t>14/07/2024</a:t>
             </a:fld>
             <a:endParaRPr lang="fr-FR"/>
           </a:p>
@@ -4188,7 +4706,7 @@
           <a:p>
             <a:fld id="{5BB88D77-E8A2-E24F-81D2-817E60779F3E}" type="datetime1">
               <a:rPr lang="fr-FR" smtClean="0"/>
-              <a:t>23/06/2024</a:t>
+              <a:t>14/07/2024</a:t>
             </a:fld>
             <a:endParaRPr lang="fr-FR"/>
           </a:p>
@@ -4287,7 +4805,7 @@
           <a:p>
             <a:fld id="{817F964E-5B57-884A-A1B8-925BFA5276AF}" type="datetime1">
               <a:rPr lang="fr-FR" smtClean="0"/>
-              <a:t>23/06/2024</a:t>
+              <a:t>14/07/2024</a:t>
             </a:fld>
             <a:endParaRPr lang="fr-FR"/>
           </a:p>
@@ -4648,7 +5166,7 @@
           <a:p>
             <a:fld id="{D5636CD0-A2E6-1543-A0E5-C829C16FEE55}" type="datetime1">
               <a:rPr lang="fr-FR" smtClean="0"/>
-              <a:t>23/06/2024</a:t>
+              <a:t>14/07/2024</a:t>
             </a:fld>
             <a:endParaRPr lang="fr-FR"/>
           </a:p>
@@ -5009,7 +5527,7 @@
           <a:p>
             <a:fld id="{CEE5CE4A-5B1A-1846-BA66-722BDB7A9525}" type="datetime1">
               <a:rPr lang="fr-FR" smtClean="0"/>
-              <a:t>23/06/2024</a:t>
+              <a:t>14/07/2024</a:t>
             </a:fld>
             <a:endParaRPr lang="fr-FR"/>
           </a:p>
@@ -5256,7 +5774,7 @@
           <a:p>
             <a:fld id="{55A13D9C-CA6E-9C45-8634-4423EBFFD553}" type="datetime1">
               <a:rPr lang="fr-FR" smtClean="0"/>
-              <a:t>23/06/2024</a:t>
+              <a:t>14/07/2024</a:t>
             </a:fld>
             <a:endParaRPr lang="fr-FR"/>
           </a:p>
@@ -6704,7 +7222,7 @@
           <a:lstStyle/>
           <a:p>
             <a:r>
-              <a:rPr lang="fr-FR"/>
+              <a:rPr lang="fr-FR" dirty="0"/>
               <a:t>Cours: Python | Auteur: TUO N. Ismaël Maurice 
 </a:t>
             </a:r>
@@ -6817,8 +7335,8 @@
           </a:fontRef>
         </p:style>
       </p:cxnSp>
-      <mc:AlternateContent xmlns:mc="http://schemas.openxmlformats.org/markup-compatibility/2006">
-        <mc:Choice xmlns:a14="http://schemas.microsoft.com/office/drawing/2010/main" Requires="a14">
+      <mc:AlternateContent xmlns:mc="http://schemas.openxmlformats.org/markup-compatibility/2006" xmlns:a14="http://schemas.microsoft.com/office/drawing/2010/main">
+        <mc:Choice Requires="a14">
           <p:sp>
             <p:nvSpPr>
               <p:cNvPr id="7" name="ZoneTexte 6">
@@ -6877,32 +7395,7 @@
                     <a:latin typeface="Times New Roman" panose="02020603050405020304" pitchFamily="18" charset="0"/>
                     <a:cs typeface="Times New Roman" panose="02020603050405020304" pitchFamily="18" charset="0"/>
                   </a:rPr>
-                  <a:t>car le parcours avec </a:t>
-                </a:r>
-                <a14:m>
-                  <m:oMath xmlns:m="http://schemas.openxmlformats.org/officeDocument/2006/math">
-                    <m:r>
-                      <a:rPr lang="fr-FR" sz="2000" b="1" i="1" smtClean="0">
-                        <a:latin typeface="Cambria Math" panose="02040503050406030204" pitchFamily="18" charset="0"/>
-                        <a:cs typeface="Times New Roman" panose="02020603050405020304" pitchFamily="18" charset="0"/>
-                      </a:rPr>
-                      <m:t>𝒇𝒐𝒓</m:t>
-                    </m:r>
-                  </m:oMath>
-                </a14:m>
-                <a:r>
-                  <a:rPr lang="fr-FR" sz="2000" b="1" dirty="0">
-                    <a:latin typeface="Times New Roman" panose="02020603050405020304" pitchFamily="18" charset="0"/>
-                    <a:cs typeface="Times New Roman" panose="02020603050405020304" pitchFamily="18" charset="0"/>
-                  </a:rPr>
-                  <a:t> </a:t>
-                </a:r>
-                <a:r>
-                  <a:rPr lang="fr-FR" sz="2000" dirty="0">
-                    <a:latin typeface="Times New Roman" panose="02020603050405020304" pitchFamily="18" charset="0"/>
-                    <a:cs typeface="Times New Roman" panose="02020603050405020304" pitchFamily="18" charset="0"/>
-                  </a:rPr>
-                  <a:t>est fait de manière implicite.</a:t>
+                  <a:t>car le parcours est fait de manière implicite.</a:t>
                 </a:r>
                 <a:r>
                   <a:rPr lang="fr-FR" sz="2000" b="1" dirty="0">
@@ -6941,7 +7434,14 @@
                     <a:latin typeface="Times New Roman" panose="02020603050405020304" pitchFamily="18" charset="0"/>
                     <a:cs typeface="Times New Roman" panose="02020603050405020304" pitchFamily="18" charset="0"/>
                   </a:rPr>
-                  <a:t>appliqué à une chaine de caractère va parcourir chaque caractère et si c’est une liste la méthode va parcourir chaque élément de la liste.</a:t>
+                  <a:t>appliquée à une chaine de caractère va parcourir chaque caractère et si c’est une liste c’est le parcours de chaque élément de la liste </a:t>
+                </a:r>
+                <a:r>
+                  <a:rPr lang="fr-FR" sz="2000">
+                    <a:latin typeface="Times New Roman" panose="02020603050405020304" pitchFamily="18" charset="0"/>
+                    <a:cs typeface="Times New Roman" panose="02020603050405020304" pitchFamily="18" charset="0"/>
+                  </a:rPr>
+                  <a:t>qui sera fait.</a:t>
                 </a:r>
                 <a:endParaRPr lang="fr-FR" sz="2000" b="1" dirty="0">
                   <a:latin typeface="Times New Roman" panose="02020603050405020304" pitchFamily="18" charset="0"/>
@@ -6951,7 +7451,7 @@
             </p:txBody>
           </p:sp>
         </mc:Choice>
-        <mc:Fallback>
+        <mc:Fallback xmlns="">
           <p:sp>
             <p:nvSpPr>
               <p:cNvPr id="7" name="ZoneTexte 6">
@@ -6977,7 +7477,7 @@
               <a:blipFill>
                 <a:blip r:embed="rId2"/>
                 <a:stretch>
-                  <a:fillRect l="-586" t="-3614" r="-533" b="-10241"/>
+                  <a:fillRect l="-586" t="-3614" b="-10241"/>
                 </a:stretch>
               </a:blipFill>
             </p:spPr>
@@ -7220,36 +7720,6 @@
           </a:prstGeom>
         </p:spPr>
       </p:pic>
-      <p:pic>
-        <p:nvPicPr>
-          <p:cNvPr id="17" name="Image 16">
-            <a:extLst>
-              <a:ext uri="{FF2B5EF4-FFF2-40B4-BE49-F238E27FC236}">
-                <a16:creationId xmlns:a16="http://schemas.microsoft.com/office/drawing/2014/main" id="{B02DA241-16BB-4691-8FB3-E88AC8C244A3}"/>
-              </a:ext>
-            </a:extLst>
-          </p:cNvPr>
-          <p:cNvPicPr>
-            <a:picLocks noChangeAspect="1"/>
-          </p:cNvPicPr>
-          <p:nvPr/>
-        </p:nvPicPr>
-        <p:blipFill>
-          <a:blip r:embed="rId5"/>
-          <a:stretch>
-            <a:fillRect/>
-          </a:stretch>
-        </p:blipFill>
-        <p:spPr>
-          <a:xfrm>
-            <a:off x="5758944" y="2643909"/>
-            <a:ext cx="5811592" cy="2373558"/>
-          </a:xfrm>
-          <a:prstGeom prst="rect">
-            <a:avLst/>
-          </a:prstGeom>
-        </p:spPr>
-      </p:pic>
       <mc:AlternateContent xmlns:mc="http://schemas.openxmlformats.org/markup-compatibility/2006" xmlns:a14="http://schemas.microsoft.com/office/drawing/2010/main">
         <mc:Choice Requires="a14">
           <p:sp>
@@ -7372,44 +7842,140 @@
           </p:sp>
         </mc:Fallback>
       </mc:AlternateContent>
-      <p:sp>
-        <p:nvSpPr>
-          <p:cNvPr id="19" name="ZoneTexte 18">
+      <mc:AlternateContent xmlns:mc="http://schemas.openxmlformats.org/markup-compatibility/2006">
+        <mc:Choice xmlns:a14="http://schemas.microsoft.com/office/drawing/2010/main" Requires="a14">
+          <p:sp>
+            <p:nvSpPr>
+              <p:cNvPr id="19" name="ZoneTexte 18">
+                <a:extLst>
+                  <a:ext uri="{FF2B5EF4-FFF2-40B4-BE49-F238E27FC236}">
+                    <a16:creationId xmlns:a16="http://schemas.microsoft.com/office/drawing/2014/main" id="{34134044-774D-1358-E8A0-180B7E04885A}"/>
+                  </a:ext>
+                </a:extLst>
+              </p:cNvPr>
+              <p:cNvSpPr txBox="1"/>
+              <p:nvPr/>
+            </p:nvSpPr>
+            <p:spPr>
+              <a:xfrm>
+                <a:off x="369291" y="5431367"/>
+                <a:ext cx="11441731" cy="707886"/>
+              </a:xfrm>
+              <a:prstGeom prst="rect">
+                <a:avLst/>
+              </a:prstGeom>
+              <a:noFill/>
+            </p:spPr>
+            <p:txBody>
+              <a:bodyPr wrap="square" rtlCol="0">
+                <a:spAutoFit/>
+              </a:bodyPr>
+              <a:lstStyle/>
+              <a:p>
+                <a:r>
+                  <a:rPr lang="fr-FR" sz="2000" b="1" dirty="0">
+                    <a:latin typeface="Times New Roman" panose="02020603050405020304" pitchFamily="18" charset="0"/>
+                    <a:cs typeface="Times New Roman" panose="02020603050405020304" pitchFamily="18" charset="0"/>
+                  </a:rPr>
+                  <a:t>Ce fonctionnement implicite de </a:t>
+                </a:r>
+                <a14:m>
+                  <m:oMath xmlns:m="http://schemas.openxmlformats.org/officeDocument/2006/math">
+                    <m:r>
+                      <a:rPr lang="fr-FR" sz="2000" b="1" i="1" dirty="0" smtClean="0">
+                        <a:latin typeface="Cambria Math" panose="02040503050406030204" pitchFamily="18" charset="0"/>
+                        <a:cs typeface="Times New Roman" panose="02020603050405020304" pitchFamily="18" charset="0"/>
+                      </a:rPr>
+                      <m:t>𝒇𝒐𝒓</m:t>
+                    </m:r>
+                  </m:oMath>
+                </a14:m>
+                <a:r>
+                  <a:rPr lang="fr-FR" sz="2000" b="1" dirty="0">
+                    <a:latin typeface="Times New Roman" panose="02020603050405020304" pitchFamily="18" charset="0"/>
+                    <a:cs typeface="Times New Roman" panose="02020603050405020304" pitchFamily="18" charset="0"/>
+                  </a:rPr>
+                  <a:t> sera aussi utilisé dans les autres types d’objets complexes comme les dictionnaires ou tuples.</a:t>
+                </a:r>
+              </a:p>
+            </p:txBody>
+          </p:sp>
+        </mc:Choice>
+        <mc:Fallback>
+          <p:sp>
+            <p:nvSpPr>
+              <p:cNvPr id="19" name="ZoneTexte 18">
+                <a:extLst>
+                  <a:ext uri="{FF2B5EF4-FFF2-40B4-BE49-F238E27FC236}">
+                    <a16:creationId xmlns:a16="http://schemas.microsoft.com/office/drawing/2014/main" id="{34134044-774D-1358-E8A0-180B7E04885A}"/>
+                  </a:ext>
+                </a:extLst>
+              </p:cNvPr>
+              <p:cNvSpPr txBox="1">
+                <a:spLocks noRot="1" noChangeAspect="1" noMove="1" noResize="1" noEditPoints="1" noAdjustHandles="1" noChangeArrowheads="1" noChangeShapeType="1" noTextEdit="1"/>
+              </p:cNvSpPr>
+              <p:nvPr/>
+            </p:nvSpPr>
+            <p:spPr>
+              <a:xfrm>
+                <a:off x="369291" y="5431367"/>
+                <a:ext cx="11441731" cy="707886"/>
+              </a:xfrm>
+              <a:prstGeom prst="rect">
+                <a:avLst/>
+              </a:prstGeom>
+              <a:blipFill>
+                <a:blip r:embed="rId7"/>
+                <a:stretch>
+                  <a:fillRect l="-586" t="-5172" b="-14655"/>
+                </a:stretch>
+              </a:blipFill>
+            </p:spPr>
+            <p:txBody>
+              <a:bodyPr/>
+              <a:lstStyle/>
+              <a:p>
+                <a:r>
+                  <a:rPr lang="fr-FR">
+                    <a:noFill/>
+                  </a:rPr>
+                  <a:t> </a:t>
+                </a:r>
+              </a:p>
+            </p:txBody>
+          </p:sp>
+        </mc:Fallback>
+      </mc:AlternateContent>
+      <p:pic>
+        <p:nvPicPr>
+          <p:cNvPr id="10" name="Image 9">
             <a:extLst>
               <a:ext uri="{FF2B5EF4-FFF2-40B4-BE49-F238E27FC236}">
-                <a16:creationId xmlns:a16="http://schemas.microsoft.com/office/drawing/2014/main" id="{34134044-774D-1358-E8A0-180B7E04885A}"/>
+                <a16:creationId xmlns:a16="http://schemas.microsoft.com/office/drawing/2014/main" id="{0F5D4356-EAA4-2C3B-934D-997770077A2B}"/>
               </a:ext>
             </a:extLst>
           </p:cNvPr>
-          <p:cNvSpPr txBox="1"/>
+          <p:cNvPicPr>
+            <a:picLocks noChangeAspect="1"/>
+          </p:cNvPicPr>
           <p:nvPr/>
-        </p:nvSpPr>
+        </p:nvPicPr>
+        <p:blipFill>
+          <a:blip r:embed="rId8"/>
+          <a:stretch>
+            <a:fillRect/>
+          </a:stretch>
+        </p:blipFill>
         <p:spPr>
           <a:xfrm>
-            <a:off x="369291" y="5431367"/>
-            <a:ext cx="11441731" cy="707886"/>
+            <a:off x="5944216" y="2609222"/>
+            <a:ext cx="5336402" cy="2349319"/>
           </a:xfrm>
           <a:prstGeom prst="rect">
             <a:avLst/>
           </a:prstGeom>
-          <a:noFill/>
         </p:spPr>
-        <p:txBody>
-          <a:bodyPr wrap="square" rtlCol="0">
-            <a:spAutoFit/>
-          </a:bodyPr>
-          <a:lstStyle/>
-          <a:p>
-            <a:r>
-              <a:rPr lang="fr-FR" sz="2000" b="1" dirty="0">
-                <a:latin typeface="Times New Roman" panose="02020603050405020304" pitchFamily="18" charset="0"/>
-                <a:cs typeface="Times New Roman" panose="02020603050405020304" pitchFamily="18" charset="0"/>
-              </a:rPr>
-              <a:t>Ce fonctionnement implicite de for sera aussi utilisé dans les autres types d’objets complexes comme les dictionnaires ou tuples.</a:t>
-            </a:r>
-          </a:p>
-        </p:txBody>
-      </p:sp>
+      </p:pic>
     </p:spTree>
     <p:extLst>
       <p:ext uri="{BB962C8B-B14F-4D97-AF65-F5344CB8AC3E}">
@@ -7586,8 +8152,8 @@
           </a:fontRef>
         </p:style>
       </p:cxnSp>
-      <mc:AlternateContent xmlns:mc="http://schemas.openxmlformats.org/markup-compatibility/2006">
-        <mc:Choice xmlns:a14="http://schemas.microsoft.com/office/drawing/2010/main" Requires="a14">
+      <mc:AlternateContent xmlns:mc="http://schemas.openxmlformats.org/markup-compatibility/2006" xmlns:a14="http://schemas.microsoft.com/office/drawing/2010/main">
+        <mc:Choice Requires="a14">
           <p:sp>
             <p:nvSpPr>
               <p:cNvPr id="7" name="ZoneTexte 6">
@@ -7645,7 +8211,7 @@
             </p:txBody>
           </p:sp>
         </mc:Choice>
-        <mc:Fallback>
+        <mc:Fallback xmlns="">
           <p:sp>
             <p:nvSpPr>
               <p:cNvPr id="7" name="ZoneTexte 6">
@@ -7690,8 +8256,8 @@
           </p:sp>
         </mc:Fallback>
       </mc:AlternateContent>
-      <mc:AlternateContent xmlns:mc="http://schemas.openxmlformats.org/markup-compatibility/2006">
-        <mc:Choice xmlns:a14="http://schemas.microsoft.com/office/drawing/2010/main" Requires="a14">
+      <mc:AlternateContent xmlns:mc="http://schemas.openxmlformats.org/markup-compatibility/2006" xmlns:a14="http://schemas.microsoft.com/office/drawing/2010/main">
+        <mc:Choice Requires="a14">
           <p:sp>
             <p:nvSpPr>
               <p:cNvPr id="2" name="ZoneTexte 1">
@@ -7792,7 +8358,7 @@
             </p:txBody>
           </p:sp>
         </mc:Choice>
-        <mc:Fallback>
+        <mc:Fallback xmlns="">
           <p:sp>
             <p:nvSpPr>
               <p:cNvPr id="2" name="ZoneTexte 1">
@@ -7851,7 +8417,7 @@
         </p:nvSpPr>
         <p:spPr>
           <a:xfrm>
-            <a:off x="500931" y="2464073"/>
+            <a:off x="500931" y="2387332"/>
             <a:ext cx="11178451" cy="400110"/>
           </a:xfrm>
           <a:prstGeom prst="rect">
@@ -7891,7 +8457,7 @@
             </p:nvSpPr>
             <p:spPr>
               <a:xfrm>
-                <a:off x="500932" y="2889091"/>
+                <a:off x="500933" y="2771849"/>
                 <a:ext cx="11338363" cy="400110"/>
               </a:xfrm>
               <a:prstGeom prst="rect">
@@ -7905,6 +8471,7 @@
               </a:bodyPr>
               <a:lstStyle/>
               <a:p>
+                <a:pPr/>
                 <a14:m>
                   <m:oMathPara xmlns:m="http://schemas.openxmlformats.org/officeDocument/2006/math">
                     <m:oMathParaPr>
@@ -8023,7 +8590,7 @@
             </p:nvSpPr>
             <p:spPr>
               <a:xfrm>
-                <a:off x="500932" y="2889091"/>
+                <a:off x="500933" y="2771849"/>
                 <a:ext cx="11338363" cy="400110"/>
               </a:xfrm>
               <a:prstGeom prst="rect">
@@ -8032,7 +8599,7 @@
               <a:blipFill>
                 <a:blip r:embed="rId4"/>
                 <a:stretch>
-                  <a:fillRect l="-215" r="-699" b="-15152"/>
+                  <a:fillRect l="-215" r="-699" b="-16923"/>
                 </a:stretch>
               </a:blipFill>
             </p:spPr>
@@ -8073,7 +8640,7 @@
         </p:blipFill>
         <p:spPr>
           <a:xfrm>
-            <a:off x="2202426" y="3339017"/>
+            <a:off x="2184319" y="3273607"/>
             <a:ext cx="6159704" cy="2079137"/>
           </a:xfrm>
           <a:prstGeom prst="rect">
@@ -8295,8 +8862,8 @@
           </a:fontRef>
         </p:style>
       </p:cxnSp>
-      <mc:AlternateContent xmlns:mc="http://schemas.openxmlformats.org/markup-compatibility/2006">
-        <mc:Choice xmlns:a14="http://schemas.microsoft.com/office/drawing/2010/main" Requires="a14">
+      <mc:AlternateContent xmlns:mc="http://schemas.openxmlformats.org/markup-compatibility/2006" xmlns:a14="http://schemas.microsoft.com/office/drawing/2010/main">
+        <mc:Choice Requires="a14">
           <p:sp>
             <p:nvSpPr>
               <p:cNvPr id="7" name="ZoneTexte 6">
@@ -8354,7 +8921,7 @@
             </p:txBody>
           </p:sp>
         </mc:Choice>
-        <mc:Fallback>
+        <mc:Fallback xmlns="">
           <p:sp>
             <p:nvSpPr>
               <p:cNvPr id="7" name="ZoneTexte 6">
@@ -8399,8 +8966,8 @@
           </p:sp>
         </mc:Fallback>
       </mc:AlternateContent>
-      <mc:AlternateContent xmlns:mc="http://schemas.openxmlformats.org/markup-compatibility/2006">
-        <mc:Choice xmlns:a14="http://schemas.microsoft.com/office/drawing/2010/main" Requires="a14">
+      <mc:AlternateContent xmlns:mc="http://schemas.openxmlformats.org/markup-compatibility/2006" xmlns:a14="http://schemas.microsoft.com/office/drawing/2010/main">
+        <mc:Choice Requires="a14">
           <p:sp>
             <p:nvSpPr>
               <p:cNvPr id="9" name="ZoneTexte 8">
@@ -8517,7 +9084,7 @@
             </p:txBody>
           </p:sp>
         </mc:Choice>
-        <mc:Fallback>
+        <mc:Fallback xmlns="">
           <p:sp>
             <p:nvSpPr>
               <p:cNvPr id="9" name="ZoneTexte 8">
@@ -8597,7 +9164,7 @@
                     <a:latin typeface="Times New Roman" panose="02020603050405020304" pitchFamily="18" charset="0"/>
                     <a:cs typeface="Times New Roman" panose="02020603050405020304" pitchFamily="18" charset="0"/>
                   </a:rPr>
-                  <a:t>Dans ce cas la variable va contenir les deux éléments l’indice et la valeur qui sera dans une type spécial appelé </a:t>
+                  <a:t>Dans ce cas la variable va contenir deux éléments l’indice et la valeur qui sera dans un type spécial appelé </a:t>
                 </a:r>
                 <a14:m>
                   <m:oMath xmlns:m="http://schemas.openxmlformats.org/officeDocument/2006/math">
@@ -8666,36 +9233,6 @@
           </p:sp>
         </mc:Fallback>
       </mc:AlternateContent>
-      <p:pic>
-        <p:nvPicPr>
-          <p:cNvPr id="14" name="Image 13">
-            <a:extLst>
-              <a:ext uri="{FF2B5EF4-FFF2-40B4-BE49-F238E27FC236}">
-                <a16:creationId xmlns:a16="http://schemas.microsoft.com/office/drawing/2014/main" id="{C85F7359-9ED6-74D2-E98C-67EB52F06FA2}"/>
-              </a:ext>
-            </a:extLst>
-          </p:cNvPr>
-          <p:cNvPicPr>
-            <a:picLocks noChangeAspect="1"/>
-          </p:cNvPicPr>
-          <p:nvPr/>
-        </p:nvPicPr>
-        <p:blipFill>
-          <a:blip r:embed="rId5"/>
-          <a:stretch>
-            <a:fillRect/>
-          </a:stretch>
-        </p:blipFill>
-        <p:spPr>
-          <a:xfrm>
-            <a:off x="2610149" y="2330200"/>
-            <a:ext cx="7326662" cy="3146354"/>
-          </a:xfrm>
-          <a:prstGeom prst="rect">
-            <a:avLst/>
-          </a:prstGeom>
-        </p:spPr>
-      </p:pic>
       <p:sp>
         <p:nvSpPr>
           <p:cNvPr id="15" name="ZoneTexte 14">
@@ -8729,11 +9266,41 @@
                 <a:latin typeface="Times New Roman" panose="02020603050405020304" pitchFamily="18" charset="0"/>
                 <a:cs typeface="Times New Roman" panose="02020603050405020304" pitchFamily="18" charset="0"/>
               </a:rPr>
-              <a:t>Les tuples sont semblables aux listes mais on ne peut modifier un tuple après qu’il a été créé. Après création on ne peut pas ajouter ou retirer un élément dans le tuple.</a:t>
+              <a:t>Les tuples sont semblables aux listes mais on ne peut modifier un tuple après qu’il a été créé. Après création on ne peut ni ajouter ou ni retirer un élément dans le tuple.</a:t>
             </a:r>
           </a:p>
         </p:txBody>
       </p:sp>
+      <p:pic>
+        <p:nvPicPr>
+          <p:cNvPr id="11" name="Image 10">
+            <a:extLst>
+              <a:ext uri="{FF2B5EF4-FFF2-40B4-BE49-F238E27FC236}">
+                <a16:creationId xmlns:a16="http://schemas.microsoft.com/office/drawing/2014/main" id="{C27942EC-CF0A-758B-CC1D-655838CDCA26}"/>
+              </a:ext>
+            </a:extLst>
+          </p:cNvPr>
+          <p:cNvPicPr>
+            <a:picLocks noChangeAspect="1"/>
+          </p:cNvPicPr>
+          <p:nvPr/>
+        </p:nvPicPr>
+        <p:blipFill>
+          <a:blip r:embed="rId5"/>
+          <a:stretch>
+            <a:fillRect/>
+          </a:stretch>
+        </p:blipFill>
+        <p:spPr>
+          <a:xfrm>
+            <a:off x="1965170" y="2331256"/>
+            <a:ext cx="8306520" cy="2987299"/>
+          </a:xfrm>
+          <a:prstGeom prst="rect">
+            <a:avLst/>
+          </a:prstGeom>
+        </p:spPr>
+      </p:pic>
     </p:spTree>
     <p:extLst>
       <p:ext uri="{BB962C8B-B14F-4D97-AF65-F5344CB8AC3E}">
@@ -8903,8 +9470,8 @@
           </a:fontRef>
         </p:style>
       </p:cxnSp>
-      <mc:AlternateContent xmlns:mc="http://schemas.openxmlformats.org/markup-compatibility/2006">
-        <mc:Choice xmlns:a14="http://schemas.microsoft.com/office/drawing/2010/main" Requires="a14">
+      <mc:AlternateContent xmlns:mc="http://schemas.openxmlformats.org/markup-compatibility/2006" xmlns:a14="http://schemas.microsoft.com/office/drawing/2010/main">
+        <mc:Choice Requires="a14">
           <p:sp>
             <p:nvSpPr>
               <p:cNvPr id="7" name="ZoneTexte 6">
@@ -8962,7 +9529,7 @@
             </p:txBody>
           </p:sp>
         </mc:Choice>
-        <mc:Fallback>
+        <mc:Fallback xmlns="">
           <p:sp>
             <p:nvSpPr>
               <p:cNvPr id="7" name="ZoneTexte 6">
@@ -9007,8 +9574,8 @@
           </p:sp>
         </mc:Fallback>
       </mc:AlternateContent>
-      <mc:AlternateContent xmlns:mc="http://schemas.openxmlformats.org/markup-compatibility/2006">
-        <mc:Choice xmlns:a14="http://schemas.microsoft.com/office/drawing/2010/main" Requires="a14">
+      <mc:AlternateContent xmlns:mc="http://schemas.openxmlformats.org/markup-compatibility/2006" xmlns:a14="http://schemas.microsoft.com/office/drawing/2010/main">
+        <mc:Choice Requires="a14">
           <p:sp>
             <p:nvSpPr>
               <p:cNvPr id="2" name="ZoneTexte 1">
@@ -9102,7 +9669,7 @@
             </p:txBody>
           </p:sp>
         </mc:Choice>
-        <mc:Fallback>
+        <mc:Fallback xmlns="">
           <p:sp>
             <p:nvSpPr>
               <p:cNvPr id="2" name="ZoneTexte 1">
@@ -9260,7 +9827,7 @@
                     <a:latin typeface="Times New Roman" panose="02020603050405020304" pitchFamily="18" charset="0"/>
                     <a:cs typeface="Times New Roman" panose="02020603050405020304" pitchFamily="18" charset="0"/>
                   </a:rPr>
-                  <a:t> sans spécifier un caractère de découpage, la chaine sera découpée en se basant sur les espaces, les tabulations et les sauts de ligne.</a:t>
+                  <a:t> sans spécifier un caractère de découpage, la chaîne sera découpée en se basant sur les espaces, les tabulations et les sauts de ligne.</a:t>
                 </a:r>
               </a:p>
             </p:txBody>
@@ -9510,8 +10077,8 @@
           </a:fontRef>
         </p:style>
       </p:cxnSp>
-      <mc:AlternateContent xmlns:mc="http://schemas.openxmlformats.org/markup-compatibility/2006">
-        <mc:Choice xmlns:a14="http://schemas.microsoft.com/office/drawing/2010/main" Requires="a14">
+      <mc:AlternateContent xmlns:mc="http://schemas.openxmlformats.org/markup-compatibility/2006" xmlns:a14="http://schemas.microsoft.com/office/drawing/2010/main">
+        <mc:Choice Requires="a14">
           <p:sp>
             <p:nvSpPr>
               <p:cNvPr id="7" name="ZoneTexte 6">
@@ -9580,7 +10147,7 @@
             </p:txBody>
           </p:sp>
         </mc:Choice>
-        <mc:Fallback>
+        <mc:Fallback xmlns="">
           <p:sp>
             <p:nvSpPr>
               <p:cNvPr id="7" name="ZoneTexte 6">
@@ -9625,8 +10192,8 @@
           </p:sp>
         </mc:Fallback>
       </mc:AlternateContent>
-      <mc:AlternateContent xmlns:mc="http://schemas.openxmlformats.org/markup-compatibility/2006">
-        <mc:Choice xmlns:a14="http://schemas.microsoft.com/office/drawing/2010/main" Requires="a14">
+      <mc:AlternateContent xmlns:mc="http://schemas.openxmlformats.org/markup-compatibility/2006" xmlns:a14="http://schemas.microsoft.com/office/drawing/2010/main">
+        <mc:Choice Requires="a14">
           <p:sp>
             <p:nvSpPr>
               <p:cNvPr id="2" name="ZoneTexte 1">
@@ -9655,6 +10222,7 @@
               </a:bodyPr>
               <a:lstStyle/>
               <a:p>
+                <a:pPr/>
                 <a14:m>
                   <m:oMathPara xmlns:m="http://schemas.openxmlformats.org/officeDocument/2006/math">
                     <m:oMathParaPr>
@@ -9666,7 +10234,7 @@
                           <a:latin typeface="Cambria Math" panose="02040503050406030204" pitchFamily="18" charset="0"/>
                           <a:cs typeface="Times New Roman" panose="02020603050405020304" pitchFamily="18" charset="0"/>
                         </a:rPr>
-                        <m:t>'</m:t>
+                        <m:t>′</m:t>
                       </m:r>
                       <m:r>
                         <a:rPr lang="fr-FR" sz="2000" b="1" i="1" smtClean="0">
@@ -9763,7 +10331,7 @@
             </p:txBody>
           </p:sp>
         </mc:Choice>
-        <mc:Fallback>
+        <mc:Fallback xmlns="">
           <p:sp>
             <p:nvSpPr>
               <p:cNvPr id="2" name="ZoneTexte 1">
@@ -9841,7 +10409,7 @@
                 <a:latin typeface="Times New Roman" panose="02020603050405020304" pitchFamily="18" charset="0"/>
                 <a:cs typeface="Times New Roman" panose="02020603050405020304" pitchFamily="18" charset="0"/>
               </a:rPr>
-              <a:t>Cette méthode renverra une chaine de caractères qui va joindre tous les éléments de la liste avec le caractère de jointure.</a:t>
+              <a:t>Cette méthode renverra une chaine de caractères en associant tous les éléments de la liste avec le caractère de jointure.</a:t>
             </a:r>
           </a:p>
         </p:txBody>
@@ -9868,7 +10436,7 @@
         </p:blipFill>
         <p:spPr>
           <a:xfrm>
-            <a:off x="2507226" y="2541696"/>
+            <a:off x="2452905" y="2779780"/>
             <a:ext cx="7850431" cy="3180677"/>
           </a:xfrm>
           <a:prstGeom prst="rect">
@@ -10052,8 +10620,8 @@
           </a:fontRef>
         </p:style>
       </p:cxnSp>
-      <mc:AlternateContent xmlns:mc="http://schemas.openxmlformats.org/markup-compatibility/2006">
-        <mc:Choice xmlns:a14="http://schemas.microsoft.com/office/drawing/2010/main" Requires="a14">
+      <mc:AlternateContent xmlns:mc="http://schemas.openxmlformats.org/markup-compatibility/2006" xmlns:a14="http://schemas.microsoft.com/office/drawing/2010/main">
+        <mc:Choice Requires="a14">
           <p:sp>
             <p:nvSpPr>
               <p:cNvPr id="12" name="Flèche : droite 11">
@@ -10115,7 +10683,7 @@
             </p:txBody>
           </p:sp>
         </mc:Choice>
-        <mc:Fallback>
+        <mc:Fallback xmlns="">
           <p:sp>
             <p:nvSpPr>
               <p:cNvPr id="12" name="Flèche : droite 11">
@@ -10307,8 +10875,8 @@
           </a:p>
         </p:txBody>
       </p:sp>
-      <mc:AlternateContent xmlns:mc="http://schemas.openxmlformats.org/markup-compatibility/2006">
-        <mc:Choice xmlns:a14="http://schemas.microsoft.com/office/drawing/2010/main" Requires="a14">
+      <mc:AlternateContent xmlns:mc="http://schemas.openxmlformats.org/markup-compatibility/2006" xmlns:a14="http://schemas.microsoft.com/office/drawing/2010/main">
+        <mc:Choice Requires="a14">
           <p:sp>
             <p:nvSpPr>
               <p:cNvPr id="17" name="Flèche : droite 16">
@@ -10370,7 +10938,7 @@
             </p:txBody>
           </p:sp>
         </mc:Choice>
-        <mc:Fallback>
+        <mc:Fallback xmlns="">
           <p:sp>
             <p:nvSpPr>
               <p:cNvPr id="17" name="Flèche : droite 16">
@@ -10464,8 +11032,8 @@
           </a:p>
         </p:txBody>
       </p:sp>
-      <mc:AlternateContent xmlns:mc="http://schemas.openxmlformats.org/markup-compatibility/2006">
-        <mc:Choice xmlns:a14="http://schemas.microsoft.com/office/drawing/2010/main" Requires="a14">
+      <mc:AlternateContent xmlns:mc="http://schemas.openxmlformats.org/markup-compatibility/2006" xmlns:a14="http://schemas.microsoft.com/office/drawing/2010/main">
+        <mc:Choice Requires="a14">
           <p:sp>
             <p:nvSpPr>
               <p:cNvPr id="19" name="ZoneTexte 18">
@@ -10494,6 +11062,7 @@
               </a:bodyPr>
               <a:lstStyle/>
               <a:p>
+                <a:pPr/>
                 <a14:m>
                   <m:oMathPara xmlns:m="http://schemas.openxmlformats.org/officeDocument/2006/math">
                     <m:oMathParaPr>
@@ -10567,7 +11136,7 @@
             </p:txBody>
           </p:sp>
         </mc:Choice>
-        <mc:Fallback>
+        <mc:Fallback xmlns="">
           <p:sp>
             <p:nvSpPr>
               <p:cNvPr id="19" name="ZoneTexte 18">
@@ -10612,8 +11181,8 @@
           </p:sp>
         </mc:Fallback>
       </mc:AlternateContent>
-      <mc:AlternateContent xmlns:mc="http://schemas.openxmlformats.org/markup-compatibility/2006">
-        <mc:Choice xmlns:a14="http://schemas.microsoft.com/office/drawing/2010/main" Requires="a14">
+      <mc:AlternateContent xmlns:mc="http://schemas.openxmlformats.org/markup-compatibility/2006" xmlns:a14="http://schemas.microsoft.com/office/drawing/2010/main">
+        <mc:Choice Requires="a14">
           <p:sp>
             <p:nvSpPr>
               <p:cNvPr id="20" name="ZoneTexte 19">
@@ -10642,6 +11211,7 @@
               </a:bodyPr>
               <a:lstStyle/>
               <a:p>
+                <a:pPr/>
                 <a14:m>
                   <m:oMathPara xmlns:m="http://schemas.openxmlformats.org/officeDocument/2006/math">
                     <m:oMathParaPr>
@@ -10653,7 +11223,7 @@
                           <a:latin typeface="Cambria Math" panose="02040503050406030204" pitchFamily="18" charset="0"/>
                           <a:cs typeface="Times New Roman" panose="02020603050405020304" pitchFamily="18" charset="0"/>
                         </a:rPr>
-                        <m:t>'</m:t>
+                        <m:t>′</m:t>
                       </m:r>
                       <m:r>
                         <a:rPr lang="fr-FR" sz="2000" b="1" i="1" smtClean="0">
@@ -10750,7 +11320,7 @@
             </p:txBody>
           </p:sp>
         </mc:Choice>
-        <mc:Fallback>
+        <mc:Fallback xmlns="">
           <p:sp>
             <p:nvSpPr>
               <p:cNvPr id="20" name="ZoneTexte 19">
@@ -10997,7 +11567,7 @@
                 <a:latin typeface="Times New Roman" panose="02020603050405020304" pitchFamily="18" charset="0"/>
                 <a:cs typeface="Times New Roman" panose="02020603050405020304" pitchFamily="18" charset="0"/>
               </a:rPr>
-              <a:t>Les programmeurs Python utilise une méthode efficace pour parcourir une liste en une ligne de code en la modifiant ou la filtrant. On parle de </a:t>
+              <a:t>Les programmeurs Python utilise une méthode efficace pour parcourir une liste en une ligne de code en la modifiant ou en la filtrant. On parle de </a:t>
             </a:r>
             <a:r>
               <a:rPr lang="fr-FR" sz="2000" b="1" dirty="0" err="1">
@@ -11067,8 +11637,8 @@
           </a:prstGeom>
         </p:spPr>
       </p:pic>
-      <mc:AlternateContent xmlns:mc="http://schemas.openxmlformats.org/markup-compatibility/2006">
-        <mc:Choice xmlns:a14="http://schemas.microsoft.com/office/drawing/2010/main" Requires="a14">
+      <mc:AlternateContent xmlns:mc="http://schemas.openxmlformats.org/markup-compatibility/2006" xmlns:a14="http://schemas.microsoft.com/office/drawing/2010/main">
+        <mc:Choice Requires="a14">
           <p:sp>
             <p:nvSpPr>
               <p:cNvPr id="9" name="ZoneTexte 8">
@@ -11193,7 +11763,7 @@
             </p:txBody>
           </p:sp>
         </mc:Choice>
-        <mc:Fallback>
+        <mc:Fallback xmlns="">
           <p:sp>
             <p:nvSpPr>
               <p:cNvPr id="9" name="ZoneTexte 8">
@@ -11271,7 +11841,7 @@
                 <a:latin typeface="Times New Roman" panose="02020603050405020304" pitchFamily="18" charset="0"/>
                 <a:cs typeface="Times New Roman" panose="02020603050405020304" pitchFamily="18" charset="0"/>
               </a:rPr>
-              <a:t>Quand Python interprète le code il va parcourir la liste d’origine et utiliser chaque élément de la liste pour appliquer l’opération et renvoie ensuite le résultat obtenu sous la forme d’une liste qui est de la même longueur que celle d’origine.</a:t>
+              <a:t>Quand Python interprète le code il va parcourir la liste d’origine et utiliser chaque élément de la liste pour appliquer l’opération et renvoyer ensuite le résultat obtenu sous la forme d’une liste qui est de la même longueur que celle d’origine si aucune condition de filtrage.</a:t>
             </a:r>
           </a:p>
         </p:txBody>
@@ -11447,10 +12017,10 @@
       </p:cxnSp>
       <p:sp>
         <p:nvSpPr>
-          <p:cNvPr id="7" name="ZoneTexte 6">
+          <p:cNvPr id="2" name="ZoneTexte 1">
             <a:extLst>
               <a:ext uri="{FF2B5EF4-FFF2-40B4-BE49-F238E27FC236}">
-                <a16:creationId xmlns:a16="http://schemas.microsoft.com/office/drawing/2014/main" id="{B31AF22B-77AC-398F-8B32-17C6B4914236}"/>
+                <a16:creationId xmlns:a16="http://schemas.microsoft.com/office/drawing/2014/main" id="{1F7784F2-4E0E-A020-9460-CF81F01B006B}"/>
               </a:ext>
             </a:extLst>
           </p:cNvPr>
@@ -11459,8 +12029,8 @@
         </p:nvSpPr>
         <p:spPr>
           <a:xfrm>
-            <a:off x="500932" y="941801"/>
-            <a:ext cx="11441731" cy="400110"/>
+            <a:off x="443405" y="924634"/>
+            <a:ext cx="11293503" cy="707886"/>
           </a:xfrm>
           <a:prstGeom prst="rect">
             <a:avLst/>
@@ -11478,11 +12048,234 @@
                 <a:latin typeface="Times New Roman" panose="02020603050405020304" pitchFamily="18" charset="0"/>
                 <a:cs typeface="Times New Roman" panose="02020603050405020304" pitchFamily="18" charset="0"/>
               </a:rPr>
-              <a:t>Page 97</a:t>
+              <a:t>On peut utiliser la compréhension de liste pour créer une liste avec filtrage par exemple en prenant des éléments de la liste de départ et d’autres non pour former la nouvelle liste.</a:t>
             </a:r>
           </a:p>
         </p:txBody>
       </p:sp>
+      <p:grpSp>
+        <p:nvGrpSpPr>
+          <p:cNvPr id="7" name="Groupe 6">
+            <a:extLst>
+              <a:ext uri="{FF2B5EF4-FFF2-40B4-BE49-F238E27FC236}">
+                <a16:creationId xmlns:a16="http://schemas.microsoft.com/office/drawing/2014/main" id="{4ADFD7DA-1C13-1116-159A-E43649D6F4C2}"/>
+              </a:ext>
+            </a:extLst>
+          </p:cNvPr>
+          <p:cNvGrpSpPr/>
+          <p:nvPr/>
+        </p:nvGrpSpPr>
+        <p:grpSpPr>
+          <a:xfrm>
+            <a:off x="647329" y="1890099"/>
+            <a:ext cx="11000708" cy="2959831"/>
+            <a:chOff x="647329" y="1890099"/>
+            <a:chExt cx="11000708" cy="2959831"/>
+          </a:xfrm>
+        </p:grpSpPr>
+        <p:pic>
+          <p:nvPicPr>
+            <p:cNvPr id="10" name="Image 9">
+              <a:extLst>
+                <a:ext uri="{FF2B5EF4-FFF2-40B4-BE49-F238E27FC236}">
+                  <a16:creationId xmlns:a16="http://schemas.microsoft.com/office/drawing/2014/main" id="{18EFC9B1-424F-7BDA-C8CA-EBF1858ACC76}"/>
+                </a:ext>
+              </a:extLst>
+            </p:cNvPr>
+            <p:cNvPicPr>
+              <a:picLocks noChangeAspect="1"/>
+            </p:cNvPicPr>
+            <p:nvPr/>
+          </p:nvPicPr>
+          <p:blipFill>
+            <a:blip r:embed="rId2"/>
+            <a:stretch>
+              <a:fillRect/>
+            </a:stretch>
+          </p:blipFill>
+          <p:spPr>
+            <a:xfrm>
+              <a:off x="647329" y="1890099"/>
+              <a:ext cx="11000708" cy="2959831"/>
+            </a:xfrm>
+            <a:prstGeom prst="rect">
+              <a:avLst/>
+            </a:prstGeom>
+          </p:spPr>
+        </p:pic>
+        <p:sp>
+          <p:nvSpPr>
+            <p:cNvPr id="11" name="Rectangle 10">
+              <a:extLst>
+                <a:ext uri="{FF2B5EF4-FFF2-40B4-BE49-F238E27FC236}">
+                  <a16:creationId xmlns:a16="http://schemas.microsoft.com/office/drawing/2014/main" id="{1DCC84E0-607A-A753-99D6-B36483C1DFD6}"/>
+                </a:ext>
+              </a:extLst>
+            </p:cNvPr>
+            <p:cNvSpPr/>
+            <p:nvPr/>
+          </p:nvSpPr>
+          <p:spPr>
+            <a:xfrm>
+              <a:off x="1086417" y="3553485"/>
+              <a:ext cx="5468293" cy="310081"/>
+            </a:xfrm>
+            <a:prstGeom prst="rect">
+              <a:avLst/>
+            </a:prstGeom>
+            <a:noFill/>
+            <a:ln w="38100">
+              <a:solidFill>
+                <a:schemeClr val="accent3"/>
+              </a:solidFill>
+            </a:ln>
+          </p:spPr>
+          <p:style>
+            <a:lnRef idx="2">
+              <a:schemeClr val="accent1"/>
+            </a:lnRef>
+            <a:fillRef idx="1">
+              <a:schemeClr val="lt1"/>
+            </a:fillRef>
+            <a:effectRef idx="0">
+              <a:schemeClr val="accent1"/>
+            </a:effectRef>
+            <a:fontRef idx="minor">
+              <a:schemeClr val="dk1"/>
+            </a:fontRef>
+          </p:style>
+          <p:txBody>
+            <a:bodyPr rtlCol="0" anchor="ctr"/>
+            <a:lstStyle/>
+            <a:p>
+              <a:pPr algn="ctr"/>
+              <a:endParaRPr lang="fr-FR"/>
+            </a:p>
+          </p:txBody>
+        </p:sp>
+      </p:grpSp>
+      <mc:AlternateContent xmlns:mc="http://schemas.openxmlformats.org/markup-compatibility/2006">
+        <mc:Choice xmlns:a14="http://schemas.microsoft.com/office/drawing/2010/main" Requires="a14">
+          <p:sp>
+            <p:nvSpPr>
+              <p:cNvPr id="12" name="ZoneTexte 11">
+                <a:extLst>
+                  <a:ext uri="{FF2B5EF4-FFF2-40B4-BE49-F238E27FC236}">
+                    <a16:creationId xmlns:a16="http://schemas.microsoft.com/office/drawing/2014/main" id="{242697A6-1214-B777-EB68-8EADB59A6306}"/>
+                  </a:ext>
+                </a:extLst>
+              </p:cNvPr>
+              <p:cNvSpPr txBox="1"/>
+              <p:nvPr/>
+            </p:nvSpPr>
+            <p:spPr>
+              <a:xfrm>
+                <a:off x="500932" y="5107510"/>
+                <a:ext cx="11293503" cy="707886"/>
+              </a:xfrm>
+              <a:prstGeom prst="rect">
+                <a:avLst/>
+              </a:prstGeom>
+              <a:noFill/>
+            </p:spPr>
+            <p:txBody>
+              <a:bodyPr wrap="square" rtlCol="0">
+                <a:spAutoFit/>
+              </a:bodyPr>
+              <a:lstStyle/>
+              <a:p>
+                <a:r>
+                  <a:rPr lang="fr-FR" sz="2000" dirty="0">
+                    <a:latin typeface="Times New Roman" panose="02020603050405020304" pitchFamily="18" charset="0"/>
+                    <a:cs typeface="Times New Roman" panose="02020603050405020304" pitchFamily="18" charset="0"/>
+                  </a:rPr>
+                  <a:t>L’instruction de filtrage de la liste d’origine doit toujours être spécifiée à la fin. Dans ce programme, la liste résultat </a:t>
+                </a:r>
+                <a14:m>
+                  <m:oMath xmlns:m="http://schemas.openxmlformats.org/officeDocument/2006/math">
+                    <m:r>
+                      <a:rPr lang="fr-FR" sz="2000" b="1" i="1" smtClean="0">
+                        <a:latin typeface="Cambria Math" panose="02040503050406030204" pitchFamily="18" charset="0"/>
+                        <a:cs typeface="Times New Roman" panose="02020603050405020304" pitchFamily="18" charset="0"/>
+                      </a:rPr>
+                      <m:t>𝒑𝒂𝒊𝒓𝒔</m:t>
+                    </m:r>
+                  </m:oMath>
+                </a14:m>
+                <a:r>
+                  <a:rPr lang="fr-FR" sz="2000" dirty="0">
+                    <a:latin typeface="Times New Roman" panose="02020603050405020304" pitchFamily="18" charset="0"/>
+                    <a:cs typeface="Times New Roman" panose="02020603050405020304" pitchFamily="18" charset="0"/>
+                  </a:rPr>
+                  <a:t> a une taille deux fois plus petite que celle de départ </a:t>
+                </a:r>
+                <a14:m>
+                  <m:oMath xmlns:m="http://schemas.openxmlformats.org/officeDocument/2006/math">
+                    <m:r>
+                      <a:rPr lang="fr-FR" sz="2000" b="1" i="1" smtClean="0">
+                        <a:latin typeface="Cambria Math" panose="02040503050406030204" pitchFamily="18" charset="0"/>
+                        <a:cs typeface="Times New Roman" panose="02020603050405020304" pitchFamily="18" charset="0"/>
+                      </a:rPr>
+                      <m:t>𝒏𝒐𝒎𝒃𝒓𝒆𝒔</m:t>
+                    </m:r>
+                  </m:oMath>
+                </a14:m>
+                <a:r>
+                  <a:rPr lang="fr-FR" sz="2000" dirty="0">
+                    <a:latin typeface="Times New Roman" panose="02020603050405020304" pitchFamily="18" charset="0"/>
+                    <a:cs typeface="Times New Roman" panose="02020603050405020304" pitchFamily="18" charset="0"/>
+                  </a:rPr>
+                  <a:t>. </a:t>
+                </a:r>
+              </a:p>
+            </p:txBody>
+          </p:sp>
+        </mc:Choice>
+        <mc:Fallback>
+          <p:sp>
+            <p:nvSpPr>
+              <p:cNvPr id="12" name="ZoneTexte 11">
+                <a:extLst>
+                  <a:ext uri="{FF2B5EF4-FFF2-40B4-BE49-F238E27FC236}">
+                    <a16:creationId xmlns:a16="http://schemas.microsoft.com/office/drawing/2014/main" id="{242697A6-1214-B777-EB68-8EADB59A6306}"/>
+                  </a:ext>
+                </a:extLst>
+              </p:cNvPr>
+              <p:cNvSpPr txBox="1">
+                <a:spLocks noRot="1" noChangeAspect="1" noMove="1" noResize="1" noEditPoints="1" noAdjustHandles="1" noChangeArrowheads="1" noChangeShapeType="1" noTextEdit="1"/>
+              </p:cNvSpPr>
+              <p:nvPr/>
+            </p:nvSpPr>
+            <p:spPr>
+              <a:xfrm>
+                <a:off x="500932" y="5107510"/>
+                <a:ext cx="11293503" cy="707886"/>
+              </a:xfrm>
+              <a:prstGeom prst="rect">
+                <a:avLst/>
+              </a:prstGeom>
+              <a:blipFill>
+                <a:blip r:embed="rId3"/>
+                <a:stretch>
+                  <a:fillRect l="-540" t="-5172" b="-14655"/>
+                </a:stretch>
+              </a:blipFill>
+            </p:spPr>
+            <p:txBody>
+              <a:bodyPr/>
+              <a:lstStyle/>
+              <a:p>
+                <a:r>
+                  <a:rPr lang="fr-FR">
+                    <a:noFill/>
+                  </a:rPr>
+                  <a:t> </a:t>
+                </a:r>
+              </a:p>
+            </p:txBody>
+          </p:sp>
+        </mc:Fallback>
+      </mc:AlternateContent>
     </p:spTree>
     <p:extLst>
       <p:ext uri="{BB962C8B-B14F-4D97-AF65-F5344CB8AC3E}">
@@ -11654,10 +12447,10 @@
       </p:cxnSp>
       <p:sp>
         <p:nvSpPr>
-          <p:cNvPr id="7" name="ZoneTexte 6">
+          <p:cNvPr id="2" name="ZoneTexte 1">
             <a:extLst>
               <a:ext uri="{FF2B5EF4-FFF2-40B4-BE49-F238E27FC236}">
-                <a16:creationId xmlns:a16="http://schemas.microsoft.com/office/drawing/2014/main" id="{B31AF22B-77AC-398F-8B32-17C6B4914236}"/>
+                <a16:creationId xmlns:a16="http://schemas.microsoft.com/office/drawing/2014/main" id="{8360613C-81CA-94B4-384B-99B828382C39}"/>
               </a:ext>
             </a:extLst>
           </p:cNvPr>
@@ -11666,8 +12459,8 @@
         </p:nvSpPr>
         <p:spPr>
           <a:xfrm>
-            <a:off x="500932" y="941801"/>
-            <a:ext cx="11441731" cy="707886"/>
+            <a:off x="385879" y="713872"/>
+            <a:ext cx="11293503" cy="707886"/>
           </a:xfrm>
           <a:prstGeom prst="rect">
             <a:avLst/>
@@ -11685,80 +12478,466 @@
                 <a:latin typeface="Times New Roman" panose="02020603050405020304" pitchFamily="18" charset="0"/>
                 <a:cs typeface="Times New Roman" panose="02020603050405020304" pitchFamily="18" charset="0"/>
               </a:rPr>
-              <a:t>ajouter lien vers documentation python</a:t>
-            </a:r>
-          </a:p>
-          <a:p>
-            <a:r>
-              <a:rPr lang="fr-FR" sz="2000" dirty="0" err="1">
-                <a:latin typeface="Times New Roman" panose="02020603050405020304" pitchFamily="18" charset="0"/>
-                <a:cs typeface="Times New Roman" panose="02020603050405020304" pitchFamily="18" charset="0"/>
+              <a:t>Python offre plusieurs méthodes pour manipuler les listes qui sont répertoriées sur la documentation </a:t>
+            </a:r>
+            <a:r>
+              <a:rPr lang="fr-FR" sz="2000" dirty="0">
+                <a:hlinkClick r:id="rId2"/>
               </a:rPr>
-              <a:t>Elt</a:t>
-            </a:r>
+              <a:t>5. Structures de données — Documentation Python 3.12.4</a:t>
+            </a:r>
+            <a:r>
+              <a:rPr lang="fr-FR" sz="2000" dirty="0"/>
+              <a:t>.</a:t>
+            </a:r>
+            <a:endParaRPr lang="fr-FR" sz="2000" dirty="0">
+              <a:latin typeface="Times New Roman" panose="02020603050405020304" pitchFamily="18" charset="0"/>
+              <a:cs typeface="Times New Roman" panose="02020603050405020304" pitchFamily="18" charset="0"/>
+            </a:endParaRPr>
+          </a:p>
+        </p:txBody>
+      </p:sp>
+      <p:sp>
+        <p:nvSpPr>
+          <p:cNvPr id="8" name="ZoneTexte 7">
+            <a:extLst>
+              <a:ext uri="{FF2B5EF4-FFF2-40B4-BE49-F238E27FC236}">
+                <a16:creationId xmlns:a16="http://schemas.microsoft.com/office/drawing/2014/main" id="{BE77EC90-D650-5D21-95CC-3ABCC76C8203}"/>
+              </a:ext>
+            </a:extLst>
+          </p:cNvPr>
+          <p:cNvSpPr txBox="1"/>
+          <p:nvPr/>
+        </p:nvSpPr>
+        <p:spPr>
+          <a:xfrm>
+            <a:off x="385879" y="1454285"/>
+            <a:ext cx="11441731" cy="400110"/>
+          </a:xfrm>
+          <a:prstGeom prst="rect">
+            <a:avLst/>
+          </a:prstGeom>
+          <a:noFill/>
+        </p:spPr>
+        <p:txBody>
+          <a:bodyPr wrap="square" rtlCol="0">
+            <a:spAutoFit/>
+          </a:bodyPr>
+          <a:lstStyle/>
+          <a:p>
             <a:r>
               <a:rPr lang="fr-FR" sz="2000" dirty="0">
                 <a:latin typeface="Times New Roman" panose="02020603050405020304" pitchFamily="18" charset="0"/>
                 <a:cs typeface="Times New Roman" panose="02020603050405020304" pitchFamily="18" charset="0"/>
               </a:rPr>
-              <a:t> in Liste, </a:t>
-            </a:r>
-            <a:r>
-              <a:rPr lang="fr-FR" sz="2000" dirty="0" err="1">
-                <a:latin typeface="Times New Roman" panose="02020603050405020304" pitchFamily="18" charset="0"/>
-                <a:cs typeface="Times New Roman" panose="02020603050405020304" pitchFamily="18" charset="0"/>
-              </a:rPr>
-              <a:t>Contains</a:t>
-            </a:r>
+              <a:t>Pour vérifier qu’un élément est dans une liste on utilisera: </a:t>
+            </a:r>
+          </a:p>
+        </p:txBody>
+      </p:sp>
+      <mc:AlternateContent xmlns:mc="http://schemas.openxmlformats.org/markup-compatibility/2006" xmlns:a14="http://schemas.microsoft.com/office/drawing/2010/main">
+        <mc:Choice Requires="a14">
+          <p:sp>
+            <p:nvSpPr>
+              <p:cNvPr id="9" name="ZoneTexte 8">
+                <a:extLst>
+                  <a:ext uri="{FF2B5EF4-FFF2-40B4-BE49-F238E27FC236}">
+                    <a16:creationId xmlns:a16="http://schemas.microsoft.com/office/drawing/2014/main" id="{58B8AF80-45A6-C955-68FD-57A17D3A66DB}"/>
+                  </a:ext>
+                </a:extLst>
+              </p:cNvPr>
+              <p:cNvSpPr txBox="1"/>
+              <p:nvPr/>
+            </p:nvSpPr>
+            <p:spPr>
+              <a:xfrm>
+                <a:off x="397565" y="1813364"/>
+                <a:ext cx="11441731" cy="400110"/>
+              </a:xfrm>
+              <a:prstGeom prst="rect">
+                <a:avLst/>
+              </a:prstGeom>
+              <a:noFill/>
+            </p:spPr>
+            <p:txBody>
+              <a:bodyPr wrap="square" rtlCol="0">
+                <a:spAutoFit/>
+              </a:bodyPr>
+              <a:lstStyle/>
+              <a:p>
+                <a:pPr/>
+                <a14:m>
+                  <m:oMathPara xmlns:m="http://schemas.openxmlformats.org/officeDocument/2006/math">
+                    <m:oMathParaPr>
+                      <m:jc m:val="centerGroup"/>
+                    </m:oMathParaPr>
+                    <m:oMath xmlns:m="http://schemas.openxmlformats.org/officeDocument/2006/math">
+                      <m:r>
+                        <a:rPr lang="fr-FR" sz="2000" b="1" i="1" smtClean="0">
+                          <a:latin typeface="Cambria Math" panose="02040503050406030204" pitchFamily="18" charset="0"/>
+                          <a:cs typeface="Times New Roman" panose="02020603050405020304" pitchFamily="18" charset="0"/>
+                        </a:rPr>
+                        <m:t>𝒆𝒍𝒆𝒎𝒆𝒏𝒕</m:t>
+                      </m:r>
+                      <m:r>
+                        <a:rPr lang="fr-FR" sz="2000" b="1" i="1" smtClean="0">
+                          <a:latin typeface="Cambria Math" panose="02040503050406030204" pitchFamily="18" charset="0"/>
+                          <a:cs typeface="Times New Roman" panose="02020603050405020304" pitchFamily="18" charset="0"/>
+                        </a:rPr>
+                        <m:t> </m:t>
+                      </m:r>
+                      <m:r>
+                        <a:rPr lang="fr-FR" sz="2000" b="1" i="1" smtClean="0">
+                          <a:latin typeface="Cambria Math" panose="02040503050406030204" pitchFamily="18" charset="0"/>
+                          <a:cs typeface="Times New Roman" panose="02020603050405020304" pitchFamily="18" charset="0"/>
+                        </a:rPr>
+                        <m:t>𝒊𝒏</m:t>
+                      </m:r>
+                      <m:r>
+                        <a:rPr lang="fr-FR" sz="2000" b="1" i="1" smtClean="0">
+                          <a:latin typeface="Cambria Math" panose="02040503050406030204" pitchFamily="18" charset="0"/>
+                          <a:cs typeface="Times New Roman" panose="02020603050405020304" pitchFamily="18" charset="0"/>
+                        </a:rPr>
+                        <m:t> </m:t>
+                      </m:r>
+                      <m:r>
+                        <a:rPr lang="fr-FR" sz="2000" b="1" i="1" smtClean="0">
+                          <a:latin typeface="Cambria Math" panose="02040503050406030204" pitchFamily="18" charset="0"/>
+                          <a:cs typeface="Times New Roman" panose="02020603050405020304" pitchFamily="18" charset="0"/>
+                        </a:rPr>
+                        <m:t>𝒏𝒐𝒎</m:t>
+                      </m:r>
+                      <m:r>
+                        <a:rPr lang="fr-FR" sz="2000" b="1" i="1" smtClean="0">
+                          <a:latin typeface="Cambria Math" panose="02040503050406030204" pitchFamily="18" charset="0"/>
+                          <a:cs typeface="Times New Roman" panose="02020603050405020304" pitchFamily="18" charset="0"/>
+                        </a:rPr>
+                        <m:t>_</m:t>
+                      </m:r>
+                      <m:r>
+                        <a:rPr lang="fr-FR" sz="2000" b="1" i="1" smtClean="0">
+                          <a:latin typeface="Cambria Math" panose="02040503050406030204" pitchFamily="18" charset="0"/>
+                          <a:cs typeface="Times New Roman" panose="02020603050405020304" pitchFamily="18" charset="0"/>
+                        </a:rPr>
+                        <m:t>𝒍𝒊𝒔𝒕𝒆</m:t>
+                      </m:r>
+                    </m:oMath>
+                  </m:oMathPara>
+                </a14:m>
+                <a:endParaRPr lang="fr-FR" sz="2000" b="1" dirty="0">
+                  <a:latin typeface="Times New Roman" panose="02020603050405020304" pitchFamily="18" charset="0"/>
+                  <a:cs typeface="Times New Roman" panose="02020603050405020304" pitchFamily="18" charset="0"/>
+                </a:endParaRPr>
+              </a:p>
+            </p:txBody>
+          </p:sp>
+        </mc:Choice>
+        <mc:Fallback xmlns="">
+          <p:sp>
+            <p:nvSpPr>
+              <p:cNvPr id="9" name="ZoneTexte 8">
+                <a:extLst>
+                  <a:ext uri="{FF2B5EF4-FFF2-40B4-BE49-F238E27FC236}">
+                    <a16:creationId xmlns:a16="http://schemas.microsoft.com/office/drawing/2014/main" id="{58B8AF80-45A6-C955-68FD-57A17D3A66DB}"/>
+                  </a:ext>
+                </a:extLst>
+              </p:cNvPr>
+              <p:cNvSpPr txBox="1">
+                <a:spLocks noRot="1" noChangeAspect="1" noMove="1" noResize="1" noEditPoints="1" noAdjustHandles="1" noChangeArrowheads="1" noChangeShapeType="1" noTextEdit="1"/>
+              </p:cNvSpPr>
+              <p:nvPr/>
+            </p:nvSpPr>
+            <p:spPr>
+              <a:xfrm>
+                <a:off x="397565" y="1813364"/>
+                <a:ext cx="11441731" cy="400110"/>
+              </a:xfrm>
+              <a:prstGeom prst="rect">
+                <a:avLst/>
+              </a:prstGeom>
+              <a:blipFill>
+                <a:blip r:embed="rId3"/>
+                <a:stretch>
+                  <a:fillRect/>
+                </a:stretch>
+              </a:blipFill>
+            </p:spPr>
+            <p:txBody>
+              <a:bodyPr/>
+              <a:lstStyle/>
+              <a:p>
+                <a:r>
+                  <a:rPr lang="fr-FR">
+                    <a:noFill/>
+                  </a:rPr>
+                  <a:t> </a:t>
+                </a:r>
+              </a:p>
+            </p:txBody>
+          </p:sp>
+        </mc:Fallback>
+      </mc:AlternateContent>
+      <p:sp>
+        <p:nvSpPr>
+          <p:cNvPr id="10" name="ZoneTexte 9">
+            <a:extLst>
+              <a:ext uri="{FF2B5EF4-FFF2-40B4-BE49-F238E27FC236}">
+                <a16:creationId xmlns:a16="http://schemas.microsoft.com/office/drawing/2014/main" id="{C0865043-9B45-278C-9681-A63F9A9103DB}"/>
+              </a:ext>
+            </a:extLst>
+          </p:cNvPr>
+          <p:cNvSpPr txBox="1"/>
+          <p:nvPr/>
+        </p:nvSpPr>
+        <p:spPr>
+          <a:xfrm>
+            <a:off x="509714" y="3712930"/>
+            <a:ext cx="11441731" cy="400110"/>
+          </a:xfrm>
+          <a:prstGeom prst="rect">
+            <a:avLst/>
+          </a:prstGeom>
+          <a:noFill/>
+        </p:spPr>
+        <p:txBody>
+          <a:bodyPr wrap="square" rtlCol="0">
+            <a:spAutoFit/>
+          </a:bodyPr>
+          <a:lstStyle/>
+          <a:p>
             <a:r>
               <a:rPr lang="fr-FR" sz="2000" dirty="0">
                 <a:latin typeface="Times New Roman" panose="02020603050405020304" pitchFamily="18" charset="0"/>
                 <a:cs typeface="Times New Roman" panose="02020603050405020304" pitchFamily="18" charset="0"/>
               </a:rPr>
-              <a:t>, </a:t>
-            </a:r>
-            <a:r>
-              <a:rPr lang="fr-FR" sz="2000" dirty="0" err="1">
-                <a:latin typeface="Times New Roman" panose="02020603050405020304" pitchFamily="18" charset="0"/>
-                <a:cs typeface="Times New Roman" panose="02020603050405020304" pitchFamily="18" charset="0"/>
-              </a:rPr>
-              <a:t>clear</a:t>
-            </a:r>
-            <a:r>
-              <a:rPr lang="fr-FR" sz="2000" dirty="0">
-                <a:latin typeface="Times New Roman" panose="02020603050405020304" pitchFamily="18" charset="0"/>
-                <a:cs typeface="Times New Roman" panose="02020603050405020304" pitchFamily="18" charset="0"/>
-              </a:rPr>
-              <a:t>, count, </a:t>
-            </a:r>
-            <a:r>
-              <a:rPr lang="fr-FR" sz="2000" dirty="0" err="1">
-                <a:latin typeface="Times New Roman" panose="02020603050405020304" pitchFamily="18" charset="0"/>
-                <a:cs typeface="Times New Roman" panose="02020603050405020304" pitchFamily="18" charset="0"/>
-              </a:rPr>
-              <a:t>extend</a:t>
-            </a:r>
-            <a:r>
-              <a:rPr lang="fr-FR" sz="2000" dirty="0">
-                <a:latin typeface="Times New Roman" panose="02020603050405020304" pitchFamily="18" charset="0"/>
-                <a:cs typeface="Times New Roman" panose="02020603050405020304" pitchFamily="18" charset="0"/>
-              </a:rPr>
-              <a:t>, pop, reverse, sort, </a:t>
-            </a:r>
-            <a:r>
-              <a:rPr lang="fr-FR" sz="2000" dirty="0" err="1">
-                <a:latin typeface="Times New Roman" panose="02020603050405020304" pitchFamily="18" charset="0"/>
-                <a:cs typeface="Times New Roman" panose="02020603050405020304" pitchFamily="18" charset="0"/>
-              </a:rPr>
-              <a:t>sorted</a:t>
-            </a:r>
-            <a:endParaRPr lang="fr-FR" sz="2000" dirty="0">
-              <a:latin typeface="Times New Roman" panose="02020603050405020304" pitchFamily="18" charset="0"/>
-              <a:cs typeface="Times New Roman" panose="02020603050405020304" pitchFamily="18" charset="0"/>
-            </a:endParaRPr>
+              <a:t>Pour ajouter un élément à la fin de la liste: </a:t>
+            </a:r>
           </a:p>
         </p:txBody>
       </p:sp>
+      <mc:AlternateContent xmlns:mc="http://schemas.openxmlformats.org/markup-compatibility/2006" xmlns:a14="http://schemas.microsoft.com/office/drawing/2010/main">
+        <mc:Choice Requires="a14">
+          <p:sp>
+            <p:nvSpPr>
+              <p:cNvPr id="11" name="ZoneTexte 10">
+                <a:extLst>
+                  <a:ext uri="{FF2B5EF4-FFF2-40B4-BE49-F238E27FC236}">
+                    <a16:creationId xmlns:a16="http://schemas.microsoft.com/office/drawing/2014/main" id="{D98BC2BD-CA50-C0F4-F869-68DABF6BD913}"/>
+                  </a:ext>
+                </a:extLst>
+              </p:cNvPr>
+              <p:cNvSpPr txBox="1"/>
+              <p:nvPr/>
+            </p:nvSpPr>
+            <p:spPr>
+              <a:xfrm>
+                <a:off x="595244" y="4077437"/>
+                <a:ext cx="11441731" cy="400110"/>
+              </a:xfrm>
+              <a:prstGeom prst="rect">
+                <a:avLst/>
+              </a:prstGeom>
+              <a:noFill/>
+            </p:spPr>
+            <p:txBody>
+              <a:bodyPr wrap="square" rtlCol="0">
+                <a:spAutoFit/>
+              </a:bodyPr>
+              <a:lstStyle/>
+              <a:p>
+                <a:pPr/>
+                <a14:m>
+                  <m:oMathPara xmlns:m="http://schemas.openxmlformats.org/officeDocument/2006/math">
+                    <m:oMathParaPr>
+                      <m:jc m:val="centerGroup"/>
+                    </m:oMathParaPr>
+                    <m:oMath xmlns:m="http://schemas.openxmlformats.org/officeDocument/2006/math">
+                      <m:r>
+                        <a:rPr lang="fr-FR" sz="2000" b="1" i="1" smtClean="0">
+                          <a:latin typeface="Cambria Math" panose="02040503050406030204" pitchFamily="18" charset="0"/>
+                          <a:cs typeface="Times New Roman" panose="02020603050405020304" pitchFamily="18" charset="0"/>
+                        </a:rPr>
+                        <m:t>𝒏𝒐𝒎𝑫𝒆𝑳𝒂𝑳𝒊𝒔𝒕𝒆</m:t>
+                      </m:r>
+                      <m:r>
+                        <a:rPr lang="fr-FR" sz="2000" b="1" i="1" smtClean="0">
+                          <a:latin typeface="Cambria Math" panose="02040503050406030204" pitchFamily="18" charset="0"/>
+                          <a:cs typeface="Times New Roman" panose="02020603050405020304" pitchFamily="18" charset="0"/>
+                        </a:rPr>
+                        <m:t>.</m:t>
+                      </m:r>
+                      <m:r>
+                        <a:rPr lang="fr-FR" sz="2000" b="1" i="1" smtClean="0">
+                          <a:latin typeface="Cambria Math" panose="02040503050406030204" pitchFamily="18" charset="0"/>
+                          <a:cs typeface="Times New Roman" panose="02020603050405020304" pitchFamily="18" charset="0"/>
+                        </a:rPr>
+                        <m:t>𝒂𝒑𝒑𝒆𝒏𝒅</m:t>
+                      </m:r>
+                      <m:r>
+                        <a:rPr lang="fr-FR" sz="2000" b="1" i="1" smtClean="0">
+                          <a:latin typeface="Cambria Math" panose="02040503050406030204" pitchFamily="18" charset="0"/>
+                          <a:cs typeface="Times New Roman" panose="02020603050405020304" pitchFamily="18" charset="0"/>
+                        </a:rPr>
+                        <m:t>(</m:t>
+                      </m:r>
+                      <m:r>
+                        <a:rPr lang="fr-FR" sz="2000" b="1" i="1" smtClean="0">
+                          <a:latin typeface="Cambria Math" panose="02040503050406030204" pitchFamily="18" charset="0"/>
+                          <a:cs typeface="Times New Roman" panose="02020603050405020304" pitchFamily="18" charset="0"/>
+                        </a:rPr>
+                        <m:t>𝒆𝒍𝒆𝒎𝒆𝒏𝒕</m:t>
+                      </m:r>
+                      <m:r>
+                        <a:rPr lang="fr-FR" sz="2000" b="1" i="1" smtClean="0">
+                          <a:latin typeface="Cambria Math" panose="02040503050406030204" pitchFamily="18" charset="0"/>
+                          <a:cs typeface="Times New Roman" panose="02020603050405020304" pitchFamily="18" charset="0"/>
+                        </a:rPr>
+                        <m:t>_</m:t>
+                      </m:r>
+                      <m:r>
+                        <a:rPr lang="fr-FR" sz="2000" b="1" i="1" smtClean="0">
+                          <a:latin typeface="Cambria Math" panose="02040503050406030204" pitchFamily="18" charset="0"/>
+                          <a:cs typeface="Times New Roman" panose="02020603050405020304" pitchFamily="18" charset="0"/>
+                        </a:rPr>
+                        <m:t>𝒂</m:t>
+                      </m:r>
+                      <m:r>
+                        <a:rPr lang="fr-FR" sz="2000" b="1" i="1" smtClean="0">
+                          <a:latin typeface="Cambria Math" panose="02040503050406030204" pitchFamily="18" charset="0"/>
+                          <a:cs typeface="Times New Roman" panose="02020603050405020304" pitchFamily="18" charset="0"/>
+                        </a:rPr>
+                        <m:t>_</m:t>
+                      </m:r>
+                      <m:r>
+                        <a:rPr lang="fr-FR" sz="2000" b="1" i="1" smtClean="0">
+                          <a:latin typeface="Cambria Math" panose="02040503050406030204" pitchFamily="18" charset="0"/>
+                          <a:cs typeface="Times New Roman" panose="02020603050405020304" pitchFamily="18" charset="0"/>
+                        </a:rPr>
+                        <m:t>𝒂𝒋𝒐𝒖𝒕𝒆𝒓</m:t>
+                      </m:r>
+                      <m:r>
+                        <a:rPr lang="fr-FR" sz="2000" b="1" i="1" smtClean="0">
+                          <a:latin typeface="Cambria Math" panose="02040503050406030204" pitchFamily="18" charset="0"/>
+                          <a:cs typeface="Times New Roman" panose="02020603050405020304" pitchFamily="18" charset="0"/>
+                        </a:rPr>
+                        <m:t>)</m:t>
+                      </m:r>
+                    </m:oMath>
+                  </m:oMathPara>
+                </a14:m>
+                <a:endParaRPr lang="fr-FR" sz="2000" b="1" dirty="0">
+                  <a:latin typeface="Times New Roman" panose="02020603050405020304" pitchFamily="18" charset="0"/>
+                  <a:cs typeface="Times New Roman" panose="02020603050405020304" pitchFamily="18" charset="0"/>
+                </a:endParaRPr>
+              </a:p>
+            </p:txBody>
+          </p:sp>
+        </mc:Choice>
+        <mc:Fallback xmlns="">
+          <p:sp>
+            <p:nvSpPr>
+              <p:cNvPr id="11" name="ZoneTexte 10">
+                <a:extLst>
+                  <a:ext uri="{FF2B5EF4-FFF2-40B4-BE49-F238E27FC236}">
+                    <a16:creationId xmlns:a16="http://schemas.microsoft.com/office/drawing/2014/main" id="{D98BC2BD-CA50-C0F4-F869-68DABF6BD913}"/>
+                  </a:ext>
+                </a:extLst>
+              </p:cNvPr>
+              <p:cNvSpPr txBox="1">
+                <a:spLocks noRot="1" noChangeAspect="1" noMove="1" noResize="1" noEditPoints="1" noAdjustHandles="1" noChangeArrowheads="1" noChangeShapeType="1" noTextEdit="1"/>
+              </p:cNvSpPr>
+              <p:nvPr/>
+            </p:nvSpPr>
+            <p:spPr>
+              <a:xfrm>
+                <a:off x="595244" y="4077437"/>
+                <a:ext cx="11441731" cy="400110"/>
+              </a:xfrm>
+              <a:prstGeom prst="rect">
+                <a:avLst/>
+              </a:prstGeom>
+              <a:blipFill>
+                <a:blip r:embed="rId4"/>
+                <a:stretch>
+                  <a:fillRect b="-15152"/>
+                </a:stretch>
+              </a:blipFill>
+            </p:spPr>
+            <p:txBody>
+              <a:bodyPr/>
+              <a:lstStyle/>
+              <a:p>
+                <a:r>
+                  <a:rPr lang="fr-FR">
+                    <a:noFill/>
+                  </a:rPr>
+                  <a:t> </a:t>
+                </a:r>
+              </a:p>
+            </p:txBody>
+          </p:sp>
+        </mc:Fallback>
+      </mc:AlternateContent>
+      <p:pic>
+        <p:nvPicPr>
+          <p:cNvPr id="13" name="Image 12">
+            <a:extLst>
+              <a:ext uri="{FF2B5EF4-FFF2-40B4-BE49-F238E27FC236}">
+                <a16:creationId xmlns:a16="http://schemas.microsoft.com/office/drawing/2014/main" id="{8BD3E0A0-87A1-93E5-31E9-AE5E798A4129}"/>
+              </a:ext>
+            </a:extLst>
+          </p:cNvPr>
+          <p:cNvPicPr>
+            <a:picLocks noChangeAspect="1"/>
+          </p:cNvPicPr>
+          <p:nvPr/>
+        </p:nvPicPr>
+        <p:blipFill>
+          <a:blip r:embed="rId5"/>
+          <a:stretch>
+            <a:fillRect/>
+          </a:stretch>
+        </p:blipFill>
+        <p:spPr>
+          <a:xfrm>
+            <a:off x="4422132" y="2213474"/>
+            <a:ext cx="3079257" cy="1465860"/>
+          </a:xfrm>
+          <a:prstGeom prst="rect">
+            <a:avLst/>
+          </a:prstGeom>
+        </p:spPr>
+      </p:pic>
+      <p:pic>
+        <p:nvPicPr>
+          <p:cNvPr id="15" name="Image 14">
+            <a:extLst>
+              <a:ext uri="{FF2B5EF4-FFF2-40B4-BE49-F238E27FC236}">
+                <a16:creationId xmlns:a16="http://schemas.microsoft.com/office/drawing/2014/main" id="{2368AF97-7258-9D89-2BC5-98918A04A940}"/>
+              </a:ext>
+            </a:extLst>
+          </p:cNvPr>
+          <p:cNvPicPr>
+            <a:picLocks noChangeAspect="1"/>
+          </p:cNvPicPr>
+          <p:nvPr/>
+        </p:nvPicPr>
+        <p:blipFill>
+          <a:blip r:embed="rId6"/>
+          <a:stretch>
+            <a:fillRect/>
+          </a:stretch>
+        </p:blipFill>
+        <p:spPr>
+          <a:xfrm>
+            <a:off x="4200538" y="4463172"/>
+            <a:ext cx="3549497" cy="1680956"/>
+          </a:xfrm>
+          <a:prstGeom prst="rect">
+            <a:avLst/>
+          </a:prstGeom>
+        </p:spPr>
+      </p:pic>
     </p:spTree>
     <p:extLst>
       <p:ext uri="{BB962C8B-B14F-4D97-AF65-F5344CB8AC3E}">
@@ -11900,8 +13079,8 @@
         </p:nvSpPr>
         <p:spPr>
           <a:xfrm>
-            <a:off x="500932" y="938948"/>
-            <a:ext cx="9192515" cy="4401205"/>
+            <a:off x="397565" y="741747"/>
+            <a:ext cx="9192515" cy="5262979"/>
           </a:xfrm>
           <a:prstGeom prst="rect">
             <a:avLst/>
@@ -11919,14 +13098,14 @@
               <a:buAutoNum type="arabicPeriod"/>
             </a:pPr>
             <a:r>
-              <a:rPr lang="fr-FR" sz="2800" dirty="0">
+              <a:rPr lang="fr-FR" sz="2400" dirty="0">
                 <a:latin typeface="Times New Roman" panose="02020603050405020304" pitchFamily="18" charset="0"/>
                 <a:cs typeface="Times New Roman" panose="02020603050405020304" pitchFamily="18" charset="0"/>
                 <a:hlinkClick r:id="rId2" action="ppaction://hlinksldjump"/>
               </a:rPr>
               <a:t>Définition</a:t>
             </a:r>
-            <a:endParaRPr lang="fr-FR" sz="2800" dirty="0">
+            <a:endParaRPr lang="fr-FR" sz="2400" dirty="0">
               <a:latin typeface="Times New Roman" panose="02020603050405020304" pitchFamily="18" charset="0"/>
               <a:cs typeface="Times New Roman" panose="02020603050405020304" pitchFamily="18" charset="0"/>
             </a:endParaRPr>
@@ -11937,14 +13116,14 @@
               <a:buAutoNum type="arabicPeriod"/>
             </a:pPr>
             <a:r>
-              <a:rPr lang="fr-FR" sz="2800" dirty="0">
+              <a:rPr lang="fr-FR" sz="2400" dirty="0">
                 <a:latin typeface="Times New Roman" panose="02020603050405020304" pitchFamily="18" charset="0"/>
                 <a:cs typeface="Times New Roman" panose="02020603050405020304" pitchFamily="18" charset="0"/>
                 <a:hlinkClick r:id="rId3" action="ppaction://hlinksldjump"/>
               </a:rPr>
               <a:t>Création de listes</a:t>
             </a:r>
-            <a:endParaRPr lang="fr-FR" sz="2800" dirty="0">
+            <a:endParaRPr lang="fr-FR" sz="2400" dirty="0">
               <a:latin typeface="Times New Roman" panose="02020603050405020304" pitchFamily="18" charset="0"/>
               <a:cs typeface="Times New Roman" panose="02020603050405020304" pitchFamily="18" charset="0"/>
             </a:endParaRPr>
@@ -11955,14 +13134,14 @@
               <a:buAutoNum type="arabicPeriod"/>
             </a:pPr>
             <a:r>
-              <a:rPr lang="fr-FR" sz="2800" dirty="0">
+              <a:rPr lang="fr-FR" sz="2400" dirty="0">
                 <a:latin typeface="Times New Roman" panose="02020603050405020304" pitchFamily="18" charset="0"/>
                 <a:cs typeface="Times New Roman" panose="02020603050405020304" pitchFamily="18" charset="0"/>
                 <a:hlinkClick r:id="rId4" action="ppaction://hlinksldjump"/>
               </a:rPr>
               <a:t>Insertion d’éléments dans une liste</a:t>
             </a:r>
-            <a:endParaRPr lang="fr-FR" sz="2800" dirty="0">
+            <a:endParaRPr lang="fr-FR" sz="2400" dirty="0">
               <a:latin typeface="Times New Roman" panose="02020603050405020304" pitchFamily="18" charset="0"/>
               <a:cs typeface="Times New Roman" panose="02020603050405020304" pitchFamily="18" charset="0"/>
             </a:endParaRPr>
@@ -11973,14 +13152,14 @@
               <a:buAutoNum type="arabicPeriod"/>
             </a:pPr>
             <a:r>
-              <a:rPr lang="fr-FR" sz="2800" dirty="0">
+              <a:rPr lang="fr-FR" sz="2400" dirty="0">
                 <a:latin typeface="Times New Roman" panose="02020603050405020304" pitchFamily="18" charset="0"/>
                 <a:cs typeface="Times New Roman" panose="02020603050405020304" pitchFamily="18" charset="0"/>
                 <a:hlinkClick r:id="rId5" action="ppaction://hlinksldjump"/>
               </a:rPr>
               <a:t>Suppression d’éléments dans une liste</a:t>
             </a:r>
-            <a:endParaRPr lang="fr-FR" sz="2800" dirty="0">
+            <a:endParaRPr lang="fr-FR" sz="2400" dirty="0">
               <a:latin typeface="Times New Roman" panose="02020603050405020304" pitchFamily="18" charset="0"/>
               <a:cs typeface="Times New Roman" panose="02020603050405020304" pitchFamily="18" charset="0"/>
             </a:endParaRPr>
@@ -11991,14 +13170,14 @@
               <a:buAutoNum type="arabicPeriod"/>
             </a:pPr>
             <a:r>
-              <a:rPr lang="fr-FR" sz="2800" dirty="0">
+              <a:rPr lang="fr-FR" sz="2400" dirty="0">
                 <a:latin typeface="Times New Roman" panose="02020603050405020304" pitchFamily="18" charset="0"/>
                 <a:cs typeface="Times New Roman" panose="02020603050405020304" pitchFamily="18" charset="0"/>
                 <a:hlinkClick r:id="rId6" action="ppaction://hlinksldjump"/>
               </a:rPr>
               <a:t>Lecture de listes</a:t>
             </a:r>
-            <a:endParaRPr lang="fr-FR" sz="2800" dirty="0">
+            <a:endParaRPr lang="fr-FR" sz="2400" dirty="0">
               <a:latin typeface="Times New Roman" panose="02020603050405020304" pitchFamily="18" charset="0"/>
               <a:cs typeface="Times New Roman" panose="02020603050405020304" pitchFamily="18" charset="0"/>
             </a:endParaRPr>
@@ -12009,7 +13188,7 @@
               <a:buAutoNum type="arabicPeriod"/>
             </a:pPr>
             <a:r>
-              <a:rPr lang="fr-FR" sz="2800" dirty="0">
+              <a:rPr lang="fr-FR" sz="2400" dirty="0">
                 <a:latin typeface="Times New Roman" panose="02020603050405020304" pitchFamily="18" charset="0"/>
                 <a:cs typeface="Times New Roman" panose="02020603050405020304" pitchFamily="18" charset="0"/>
                 <a:hlinkClick r:id="rId7" action="ppaction://hlinksldjump"/>
@@ -12017,14 +13196,14 @@
               <a:t>La fonction </a:t>
             </a:r>
             <a:r>
-              <a:rPr lang="fr-FR" sz="2800" i="1" dirty="0" err="1">
+              <a:rPr lang="fr-FR" sz="2400" i="1" dirty="0" err="1">
                 <a:latin typeface="Times New Roman" panose="02020603050405020304" pitchFamily="18" charset="0"/>
                 <a:cs typeface="Times New Roman" panose="02020603050405020304" pitchFamily="18" charset="0"/>
                 <a:hlinkClick r:id="rId7" action="ppaction://hlinksldjump"/>
               </a:rPr>
               <a:t>enumerate</a:t>
             </a:r>
-            <a:endParaRPr lang="fr-FR" sz="2800" i="1" dirty="0">
+            <a:endParaRPr lang="fr-FR" sz="2400" i="1" dirty="0">
               <a:latin typeface="Times New Roman" panose="02020603050405020304" pitchFamily="18" charset="0"/>
               <a:cs typeface="Times New Roman" panose="02020603050405020304" pitchFamily="18" charset="0"/>
             </a:endParaRPr>
@@ -12035,14 +13214,14 @@
               <a:buAutoNum type="arabicPeriod"/>
             </a:pPr>
             <a:r>
-              <a:rPr lang="fr-FR" sz="2800" dirty="0">
+              <a:rPr lang="fr-FR" sz="2400" dirty="0">
                 <a:latin typeface="Times New Roman" panose="02020603050405020304" pitchFamily="18" charset="0"/>
                 <a:cs typeface="Times New Roman" panose="02020603050405020304" pitchFamily="18" charset="0"/>
                 <a:hlinkClick r:id="rId8" action="ppaction://hlinksldjump"/>
               </a:rPr>
               <a:t>De chaînes aux listes</a:t>
             </a:r>
-            <a:endParaRPr lang="fr-FR" sz="2800" dirty="0">
+            <a:endParaRPr lang="fr-FR" sz="2400" dirty="0">
               <a:latin typeface="Times New Roman" panose="02020603050405020304" pitchFamily="18" charset="0"/>
               <a:cs typeface="Times New Roman" panose="02020603050405020304" pitchFamily="18" charset="0"/>
             </a:endParaRPr>
@@ -12053,14 +13232,14 @@
               <a:buAutoNum type="arabicPeriod"/>
             </a:pPr>
             <a:r>
-              <a:rPr lang="fr-FR" sz="2800" dirty="0">
+              <a:rPr lang="fr-FR" sz="2400" dirty="0">
                 <a:latin typeface="Times New Roman" panose="02020603050405020304" pitchFamily="18" charset="0"/>
                 <a:cs typeface="Times New Roman" panose="02020603050405020304" pitchFamily="18" charset="0"/>
                 <a:hlinkClick r:id="rId9" action="ppaction://hlinksldjump"/>
               </a:rPr>
               <a:t>Des listes aux chaînes</a:t>
             </a:r>
-            <a:endParaRPr lang="fr-FR" sz="2800" dirty="0">
+            <a:endParaRPr lang="fr-FR" sz="2400" dirty="0">
               <a:latin typeface="Times New Roman" panose="02020603050405020304" pitchFamily="18" charset="0"/>
               <a:cs typeface="Times New Roman" panose="02020603050405020304" pitchFamily="18" charset="0"/>
             </a:endParaRPr>
@@ -12071,7 +13250,7 @@
               <a:buAutoNum type="arabicPeriod"/>
             </a:pPr>
             <a:r>
-              <a:rPr lang="fr-FR" sz="2800" i="1" dirty="0">
+              <a:rPr lang="fr-FR" sz="2400" i="1" dirty="0">
                 <a:latin typeface="Times New Roman" panose="02020603050405020304" pitchFamily="18" charset="0"/>
                 <a:cs typeface="Times New Roman" panose="02020603050405020304" pitchFamily="18" charset="0"/>
                 <a:hlinkClick r:id="rId10" action="ppaction://hlinksldjump"/>
@@ -12079,14 +13258,14 @@
               <a:t>Split vs </a:t>
             </a:r>
             <a:r>
-              <a:rPr lang="fr-FR" sz="2800" i="1" dirty="0" err="1">
+              <a:rPr lang="fr-FR" sz="2400" i="1" dirty="0" err="1">
                 <a:latin typeface="Times New Roman" panose="02020603050405020304" pitchFamily="18" charset="0"/>
                 <a:cs typeface="Times New Roman" panose="02020603050405020304" pitchFamily="18" charset="0"/>
                 <a:hlinkClick r:id="rId10" action="ppaction://hlinksldjump"/>
               </a:rPr>
               <a:t>Join</a:t>
             </a:r>
-            <a:endParaRPr lang="fr-FR" sz="2800" dirty="0">
+            <a:endParaRPr lang="fr-FR" sz="2400" i="1" dirty="0">
               <a:latin typeface="Times New Roman" panose="02020603050405020304" pitchFamily="18" charset="0"/>
               <a:cs typeface="Times New Roman" panose="02020603050405020304" pitchFamily="18" charset="0"/>
             </a:endParaRPr>
@@ -12097,14 +13276,86 @@
               <a:buAutoNum type="arabicPeriod"/>
             </a:pPr>
             <a:r>
-              <a:rPr lang="fr-FR" sz="2800" dirty="0">
+              <a:rPr lang="fr-FR" sz="2400" dirty="0">
                 <a:latin typeface="Times New Roman" panose="02020603050405020304" pitchFamily="18" charset="0"/>
                 <a:cs typeface="Times New Roman" panose="02020603050405020304" pitchFamily="18" charset="0"/>
                 <a:hlinkClick r:id="rId11" action="ppaction://hlinksldjump"/>
               </a:rPr>
+              <a:t>Parcours de liste efficace</a:t>
+            </a:r>
+            <a:endParaRPr lang="fr-FR" sz="2400" dirty="0">
+              <a:latin typeface="Times New Roman" panose="02020603050405020304" pitchFamily="18" charset="0"/>
+              <a:cs typeface="Times New Roman" panose="02020603050405020304" pitchFamily="18" charset="0"/>
+            </a:endParaRPr>
+          </a:p>
+          <a:p>
+            <a:pPr marL="342900" indent="-342900">
+              <a:buFont typeface="+mj-lt"/>
+              <a:buAutoNum type="arabicPeriod"/>
+            </a:pPr>
+            <a:r>
+              <a:rPr lang="fr-FR" sz="2400" dirty="0">
+                <a:latin typeface="Times New Roman" panose="02020603050405020304" pitchFamily="18" charset="0"/>
+                <a:cs typeface="Times New Roman" panose="02020603050405020304" pitchFamily="18" charset="0"/>
+                <a:hlinkClick r:id="rId12" action="ppaction://hlinksldjump"/>
+              </a:rPr>
+              <a:t>Parcours avec filtrage avec condition</a:t>
+            </a:r>
+            <a:endParaRPr lang="fr-FR" sz="2400" dirty="0">
+              <a:latin typeface="Times New Roman" panose="02020603050405020304" pitchFamily="18" charset="0"/>
+              <a:cs typeface="Times New Roman" panose="02020603050405020304" pitchFamily="18" charset="0"/>
+            </a:endParaRPr>
+          </a:p>
+          <a:p>
+            <a:pPr marL="342900" indent="-342900">
+              <a:buFont typeface="+mj-lt"/>
+              <a:buAutoNum type="arabicPeriod"/>
+            </a:pPr>
+            <a:r>
+              <a:rPr lang="fr-FR" sz="2400" dirty="0">
+                <a:latin typeface="Times New Roman" panose="02020603050405020304" pitchFamily="18" charset="0"/>
+                <a:cs typeface="Times New Roman" panose="02020603050405020304" pitchFamily="18" charset="0"/>
+                <a:hlinkClick r:id="rId13" action="ppaction://hlinksldjump"/>
+              </a:rPr>
+              <a:t>Méthodes usuelles de liste</a:t>
+            </a:r>
+            <a:endParaRPr lang="fr-FR" sz="2400" dirty="0">
+              <a:latin typeface="Times New Roman" panose="02020603050405020304" pitchFamily="18" charset="0"/>
+              <a:cs typeface="Times New Roman" panose="02020603050405020304" pitchFamily="18" charset="0"/>
+            </a:endParaRPr>
+          </a:p>
+          <a:p>
+            <a:pPr marL="342900" indent="-342900">
+              <a:buFont typeface="+mj-lt"/>
+              <a:buAutoNum type="arabicPeriod"/>
+            </a:pPr>
+            <a:r>
+              <a:rPr lang="fr-FR" sz="2400" dirty="0">
+                <a:latin typeface="Times New Roman" panose="02020603050405020304" pitchFamily="18" charset="0"/>
+                <a:cs typeface="Times New Roman" panose="02020603050405020304" pitchFamily="18" charset="0"/>
+                <a:hlinkClick r:id="rId14" action="ppaction://hlinksldjump"/>
+              </a:rPr>
+              <a:t>La fonction id avec les listes</a:t>
+            </a:r>
+            <a:endParaRPr lang="fr-FR" sz="2400" dirty="0">
+              <a:latin typeface="Times New Roman" panose="02020603050405020304" pitchFamily="18" charset="0"/>
+              <a:cs typeface="Times New Roman" panose="02020603050405020304" pitchFamily="18" charset="0"/>
+            </a:endParaRPr>
+          </a:p>
+          <a:p>
+            <a:pPr marL="342900" indent="-342900">
+              <a:buFont typeface="+mj-lt"/>
+              <a:buAutoNum type="arabicPeriod"/>
+            </a:pPr>
+            <a:r>
+              <a:rPr lang="fr-FR" sz="2400" dirty="0">
+                <a:latin typeface="Times New Roman" panose="02020603050405020304" pitchFamily="18" charset="0"/>
+                <a:cs typeface="Times New Roman" panose="02020603050405020304" pitchFamily="18" charset="0"/>
+                <a:hlinkClick r:id="rId15" action="ppaction://hlinksldjump"/>
+              </a:rPr>
               <a:t>Exercices</a:t>
             </a:r>
-            <a:endParaRPr lang="fr-FR" sz="2800" dirty="0">
+            <a:endParaRPr lang="fr-FR" sz="2400" dirty="0">
               <a:latin typeface="Times New Roman" panose="02020603050405020304" pitchFamily="18" charset="0"/>
               <a:cs typeface="Times New Roman" panose="02020603050405020304" pitchFamily="18" charset="0"/>
             </a:endParaRPr>
@@ -12252,8 +13503,8 @@
         </p:nvSpPr>
         <p:spPr>
           <a:xfrm>
-            <a:off x="397564" y="218526"/>
-            <a:ext cx="7361255" cy="461665"/>
+            <a:off x="397565" y="218526"/>
+            <a:ext cx="5577722" cy="461665"/>
           </a:xfrm>
           <a:prstGeom prst="rect">
             <a:avLst/>
@@ -12271,7 +13522,620 @@
                 <a:latin typeface="Times New Roman" panose="02020603050405020304" pitchFamily="18" charset="0"/>
                 <a:cs typeface="Times New Roman" panose="02020603050405020304" pitchFamily="18" charset="0"/>
               </a:rPr>
-              <a:t>Exemple avec les méthodes usuelles de listes</a:t>
+              <a:t>Méthodes usuelles de liste</a:t>
+            </a:r>
+            <a:endParaRPr lang="fr-FR" sz="2400" b="1" i="1" dirty="0">
+              <a:latin typeface="Times New Roman" panose="02020603050405020304" pitchFamily="18" charset="0"/>
+              <a:cs typeface="Times New Roman" panose="02020603050405020304" pitchFamily="18" charset="0"/>
+            </a:endParaRPr>
+          </a:p>
+        </p:txBody>
+      </p:sp>
+      <p:cxnSp>
+        <p:nvCxnSpPr>
+          <p:cNvPr id="3" name="Connecteur droit 2">
+            <a:extLst>
+              <a:ext uri="{FF2B5EF4-FFF2-40B4-BE49-F238E27FC236}">
+                <a16:creationId xmlns:a16="http://schemas.microsoft.com/office/drawing/2014/main" id="{6AC8021D-4898-08B9-18A0-60AC71EF613E}"/>
+              </a:ext>
+            </a:extLst>
+          </p:cNvPr>
+          <p:cNvCxnSpPr>
+            <a:cxnSpLocks/>
+          </p:cNvCxnSpPr>
+          <p:nvPr/>
+        </p:nvCxnSpPr>
+        <p:spPr>
+          <a:xfrm>
+            <a:off x="500932" y="680191"/>
+            <a:ext cx="11178450" cy="0"/>
+          </a:xfrm>
+          <a:prstGeom prst="line">
+            <a:avLst/>
+          </a:prstGeom>
+          <a:ln/>
+        </p:spPr>
+        <p:style>
+          <a:lnRef idx="3">
+            <a:schemeClr val="accent3"/>
+          </a:lnRef>
+          <a:fillRef idx="0">
+            <a:schemeClr val="accent3"/>
+          </a:fillRef>
+          <a:effectRef idx="2">
+            <a:schemeClr val="accent3"/>
+          </a:effectRef>
+          <a:fontRef idx="minor">
+            <a:schemeClr val="tx1"/>
+          </a:fontRef>
+        </p:style>
+      </p:cxnSp>
+      <p:sp>
+        <p:nvSpPr>
+          <p:cNvPr id="8" name="ZoneTexte 7">
+            <a:extLst>
+              <a:ext uri="{FF2B5EF4-FFF2-40B4-BE49-F238E27FC236}">
+                <a16:creationId xmlns:a16="http://schemas.microsoft.com/office/drawing/2014/main" id="{BE77EC90-D650-5D21-95CC-3ABCC76C8203}"/>
+              </a:ext>
+            </a:extLst>
+          </p:cNvPr>
+          <p:cNvSpPr txBox="1"/>
+          <p:nvPr/>
+        </p:nvSpPr>
+        <p:spPr>
+          <a:xfrm>
+            <a:off x="397565" y="741746"/>
+            <a:ext cx="11441731" cy="400110"/>
+          </a:xfrm>
+          <a:prstGeom prst="rect">
+            <a:avLst/>
+          </a:prstGeom>
+          <a:noFill/>
+        </p:spPr>
+        <p:txBody>
+          <a:bodyPr wrap="square" rtlCol="0">
+            <a:spAutoFit/>
+          </a:bodyPr>
+          <a:lstStyle/>
+          <a:p>
+            <a:r>
+              <a:rPr lang="fr-FR" sz="2000" dirty="0">
+                <a:latin typeface="Times New Roman" panose="02020603050405020304" pitchFamily="18" charset="0"/>
+                <a:cs typeface="Times New Roman" panose="02020603050405020304" pitchFamily="18" charset="0"/>
+              </a:rPr>
+              <a:t>Pour inverser l’ordre des éléments de la liste, on utilisera:</a:t>
+            </a:r>
+          </a:p>
+        </p:txBody>
+      </p:sp>
+      <mc:AlternateContent xmlns:mc="http://schemas.openxmlformats.org/markup-compatibility/2006" xmlns:a14="http://schemas.microsoft.com/office/drawing/2010/main">
+        <mc:Choice Requires="a14">
+          <p:sp>
+            <p:nvSpPr>
+              <p:cNvPr id="9" name="ZoneTexte 8">
+                <a:extLst>
+                  <a:ext uri="{FF2B5EF4-FFF2-40B4-BE49-F238E27FC236}">
+                    <a16:creationId xmlns:a16="http://schemas.microsoft.com/office/drawing/2014/main" id="{58B8AF80-45A6-C955-68FD-57A17D3A66DB}"/>
+                  </a:ext>
+                </a:extLst>
+              </p:cNvPr>
+              <p:cNvSpPr txBox="1"/>
+              <p:nvPr/>
+            </p:nvSpPr>
+            <p:spPr>
+              <a:xfrm>
+                <a:off x="492419" y="1047305"/>
+                <a:ext cx="11441731" cy="400110"/>
+              </a:xfrm>
+              <a:prstGeom prst="rect">
+                <a:avLst/>
+              </a:prstGeom>
+              <a:noFill/>
+            </p:spPr>
+            <p:txBody>
+              <a:bodyPr wrap="square" rtlCol="0">
+                <a:spAutoFit/>
+              </a:bodyPr>
+              <a:lstStyle/>
+              <a:p>
+                <a:pPr/>
+                <a14:m>
+                  <m:oMathPara xmlns:m="http://schemas.openxmlformats.org/officeDocument/2006/math">
+                    <m:oMathParaPr>
+                      <m:jc m:val="centerGroup"/>
+                    </m:oMathParaPr>
+                    <m:oMath xmlns:m="http://schemas.openxmlformats.org/officeDocument/2006/math">
+                      <m:r>
+                        <a:rPr lang="fr-FR" sz="2000" b="1" i="1" smtClean="0">
+                          <a:latin typeface="Cambria Math" panose="02040503050406030204" pitchFamily="18" charset="0"/>
+                          <a:cs typeface="Times New Roman" panose="02020603050405020304" pitchFamily="18" charset="0"/>
+                        </a:rPr>
+                        <m:t>𝒏𝒐𝒎𝑫𝒆𝑳𝒂𝑳𝒊𝒔𝒕𝒆</m:t>
+                      </m:r>
+                      <m:r>
+                        <a:rPr lang="fr-FR" sz="2000" b="1" i="1" smtClean="0">
+                          <a:latin typeface="Cambria Math" panose="02040503050406030204" pitchFamily="18" charset="0"/>
+                          <a:cs typeface="Times New Roman" panose="02020603050405020304" pitchFamily="18" charset="0"/>
+                        </a:rPr>
+                        <m:t>.</m:t>
+                      </m:r>
+                      <m:r>
+                        <a:rPr lang="fr-FR" sz="2000" b="1" i="1" smtClean="0">
+                          <a:latin typeface="Cambria Math" panose="02040503050406030204" pitchFamily="18" charset="0"/>
+                          <a:cs typeface="Times New Roman" panose="02020603050405020304" pitchFamily="18" charset="0"/>
+                        </a:rPr>
+                        <m:t>𝒓𝒆𝒗𝒆𝒓𝒔𝒆</m:t>
+                      </m:r>
+                      <m:r>
+                        <a:rPr lang="fr-FR" sz="2000" b="1" i="1" smtClean="0">
+                          <a:latin typeface="Cambria Math" panose="02040503050406030204" pitchFamily="18" charset="0"/>
+                          <a:cs typeface="Times New Roman" panose="02020603050405020304" pitchFamily="18" charset="0"/>
+                        </a:rPr>
+                        <m:t>()</m:t>
+                      </m:r>
+                    </m:oMath>
+                  </m:oMathPara>
+                </a14:m>
+                <a:endParaRPr lang="fr-FR" sz="2000" b="1" dirty="0">
+                  <a:latin typeface="Times New Roman" panose="02020603050405020304" pitchFamily="18" charset="0"/>
+                  <a:cs typeface="Times New Roman" panose="02020603050405020304" pitchFamily="18" charset="0"/>
+                </a:endParaRPr>
+              </a:p>
+            </p:txBody>
+          </p:sp>
+        </mc:Choice>
+        <mc:Fallback xmlns="">
+          <p:sp>
+            <p:nvSpPr>
+              <p:cNvPr id="9" name="ZoneTexte 8">
+                <a:extLst>
+                  <a:ext uri="{FF2B5EF4-FFF2-40B4-BE49-F238E27FC236}">
+                    <a16:creationId xmlns:a16="http://schemas.microsoft.com/office/drawing/2014/main" id="{58B8AF80-45A6-C955-68FD-57A17D3A66DB}"/>
+                  </a:ext>
+                </a:extLst>
+              </p:cNvPr>
+              <p:cNvSpPr txBox="1">
+                <a:spLocks noRot="1" noChangeAspect="1" noMove="1" noResize="1" noEditPoints="1" noAdjustHandles="1" noChangeArrowheads="1" noChangeShapeType="1" noTextEdit="1"/>
+              </p:cNvSpPr>
+              <p:nvPr/>
+            </p:nvSpPr>
+            <p:spPr>
+              <a:xfrm>
+                <a:off x="492419" y="1047305"/>
+                <a:ext cx="11441731" cy="400110"/>
+              </a:xfrm>
+              <a:prstGeom prst="rect">
+                <a:avLst/>
+              </a:prstGeom>
+              <a:blipFill>
+                <a:blip r:embed="rId2"/>
+                <a:stretch>
+                  <a:fillRect b="-16923"/>
+                </a:stretch>
+              </a:blipFill>
+            </p:spPr>
+            <p:txBody>
+              <a:bodyPr/>
+              <a:lstStyle/>
+              <a:p>
+                <a:r>
+                  <a:rPr lang="fr-FR">
+                    <a:noFill/>
+                  </a:rPr>
+                  <a:t> </a:t>
+                </a:r>
+              </a:p>
+            </p:txBody>
+          </p:sp>
+        </mc:Fallback>
+      </mc:AlternateContent>
+      <p:pic>
+        <p:nvPicPr>
+          <p:cNvPr id="12" name="Image 11">
+            <a:extLst>
+              <a:ext uri="{FF2B5EF4-FFF2-40B4-BE49-F238E27FC236}">
+                <a16:creationId xmlns:a16="http://schemas.microsoft.com/office/drawing/2014/main" id="{D72903F9-336B-A1BF-DA59-E5356536A14E}"/>
+              </a:ext>
+            </a:extLst>
+          </p:cNvPr>
+          <p:cNvPicPr>
+            <a:picLocks noChangeAspect="1"/>
+          </p:cNvPicPr>
+          <p:nvPr/>
+        </p:nvPicPr>
+        <p:blipFill>
+          <a:blip r:embed="rId3"/>
+          <a:stretch>
+            <a:fillRect/>
+          </a:stretch>
+        </p:blipFill>
+        <p:spPr>
+          <a:xfrm>
+            <a:off x="4840231" y="1486136"/>
+            <a:ext cx="2746109" cy="1254777"/>
+          </a:xfrm>
+          <a:prstGeom prst="rect">
+            <a:avLst/>
+          </a:prstGeom>
+        </p:spPr>
+      </p:pic>
+      <p:sp>
+        <p:nvSpPr>
+          <p:cNvPr id="14" name="ZoneTexte 13">
+            <a:extLst>
+              <a:ext uri="{FF2B5EF4-FFF2-40B4-BE49-F238E27FC236}">
+                <a16:creationId xmlns:a16="http://schemas.microsoft.com/office/drawing/2014/main" id="{726781E1-07CA-4BE9-0024-87A0E0C3AA3A}"/>
+              </a:ext>
+            </a:extLst>
+          </p:cNvPr>
+          <p:cNvSpPr txBox="1"/>
+          <p:nvPr/>
+        </p:nvSpPr>
+        <p:spPr>
+          <a:xfrm>
+            <a:off x="397565" y="2818356"/>
+            <a:ext cx="11441731" cy="400110"/>
+          </a:xfrm>
+          <a:prstGeom prst="rect">
+            <a:avLst/>
+          </a:prstGeom>
+          <a:noFill/>
+        </p:spPr>
+        <p:txBody>
+          <a:bodyPr wrap="square" rtlCol="0">
+            <a:spAutoFit/>
+          </a:bodyPr>
+          <a:lstStyle/>
+          <a:p>
+            <a:r>
+              <a:rPr lang="fr-FR" sz="2000" dirty="0">
+                <a:latin typeface="Times New Roman" panose="02020603050405020304" pitchFamily="18" charset="0"/>
+                <a:cs typeface="Times New Roman" panose="02020603050405020304" pitchFamily="18" charset="0"/>
+              </a:rPr>
+              <a:t>Pour compter le nombre de fois où un élément est présent dans une liste on utilisera:</a:t>
+            </a:r>
+          </a:p>
+        </p:txBody>
+      </p:sp>
+      <mc:AlternateContent xmlns:mc="http://schemas.openxmlformats.org/markup-compatibility/2006" xmlns:a14="http://schemas.microsoft.com/office/drawing/2010/main">
+        <mc:Choice Requires="a14">
+          <p:sp>
+            <p:nvSpPr>
+              <p:cNvPr id="16" name="ZoneTexte 15">
+                <a:extLst>
+                  <a:ext uri="{FF2B5EF4-FFF2-40B4-BE49-F238E27FC236}">
+                    <a16:creationId xmlns:a16="http://schemas.microsoft.com/office/drawing/2014/main" id="{BB598D31-99B6-36A1-7CD1-5971A856FA26}"/>
+                  </a:ext>
+                </a:extLst>
+              </p:cNvPr>
+              <p:cNvSpPr txBox="1"/>
+              <p:nvPr/>
+            </p:nvSpPr>
+            <p:spPr>
+              <a:xfrm>
+                <a:off x="743688" y="3151936"/>
+                <a:ext cx="11441731" cy="400110"/>
+              </a:xfrm>
+              <a:prstGeom prst="rect">
+                <a:avLst/>
+              </a:prstGeom>
+              <a:noFill/>
+            </p:spPr>
+            <p:txBody>
+              <a:bodyPr wrap="square" rtlCol="0">
+                <a:spAutoFit/>
+              </a:bodyPr>
+              <a:lstStyle/>
+              <a:p>
+                <a:pPr/>
+                <a14:m>
+                  <m:oMathPara xmlns:m="http://schemas.openxmlformats.org/officeDocument/2006/math">
+                    <m:oMathParaPr>
+                      <m:jc m:val="centerGroup"/>
+                    </m:oMathParaPr>
+                    <m:oMath xmlns:m="http://schemas.openxmlformats.org/officeDocument/2006/math">
+                      <m:r>
+                        <a:rPr lang="fr-FR" sz="2000" b="1" i="1" smtClean="0">
+                          <a:latin typeface="Cambria Math" panose="02040503050406030204" pitchFamily="18" charset="0"/>
+                          <a:cs typeface="Times New Roman" panose="02020603050405020304" pitchFamily="18" charset="0"/>
+                        </a:rPr>
+                        <m:t>𝒏𝒐𝒎𝑫𝒆𝑳𝒂𝑳𝒊𝒔𝒕𝒆</m:t>
+                      </m:r>
+                      <m:r>
+                        <a:rPr lang="fr-FR" sz="2000" b="1" i="1" smtClean="0">
+                          <a:latin typeface="Cambria Math" panose="02040503050406030204" pitchFamily="18" charset="0"/>
+                          <a:cs typeface="Times New Roman" panose="02020603050405020304" pitchFamily="18" charset="0"/>
+                        </a:rPr>
+                        <m:t>.</m:t>
+                      </m:r>
+                      <m:r>
+                        <a:rPr lang="fr-FR" sz="2000" b="1" i="1" smtClean="0">
+                          <a:latin typeface="Cambria Math" panose="02040503050406030204" pitchFamily="18" charset="0"/>
+                          <a:cs typeface="Times New Roman" panose="02020603050405020304" pitchFamily="18" charset="0"/>
+                        </a:rPr>
+                        <m:t>𝒄𝒐𝒖𝒏𝒕</m:t>
+                      </m:r>
+                      <m:r>
+                        <a:rPr lang="fr-FR" sz="2000" b="1" i="1" smtClean="0">
+                          <a:latin typeface="Cambria Math" panose="02040503050406030204" pitchFamily="18" charset="0"/>
+                          <a:cs typeface="Times New Roman" panose="02020603050405020304" pitchFamily="18" charset="0"/>
+                        </a:rPr>
+                        <m:t>(</m:t>
+                      </m:r>
+                      <m:r>
+                        <a:rPr lang="fr-FR" sz="2000" b="1" i="1" smtClean="0">
+                          <a:latin typeface="Cambria Math" panose="02040503050406030204" pitchFamily="18" charset="0"/>
+                          <a:cs typeface="Times New Roman" panose="02020603050405020304" pitchFamily="18" charset="0"/>
+                        </a:rPr>
+                        <m:t>𝒆𝒍𝒆𝒎𝒆𝒏𝒕</m:t>
+                      </m:r>
+                      <m:r>
+                        <a:rPr lang="fr-FR" sz="2000" b="1" i="1" smtClean="0">
+                          <a:latin typeface="Cambria Math" panose="02040503050406030204" pitchFamily="18" charset="0"/>
+                          <a:cs typeface="Times New Roman" panose="02020603050405020304" pitchFamily="18" charset="0"/>
+                        </a:rPr>
+                        <m:t>)</m:t>
+                      </m:r>
+                    </m:oMath>
+                  </m:oMathPara>
+                </a14:m>
+                <a:endParaRPr lang="fr-FR" sz="2000" b="1" dirty="0">
+                  <a:latin typeface="Times New Roman" panose="02020603050405020304" pitchFamily="18" charset="0"/>
+                  <a:cs typeface="Times New Roman" panose="02020603050405020304" pitchFamily="18" charset="0"/>
+                </a:endParaRPr>
+              </a:p>
+            </p:txBody>
+          </p:sp>
+        </mc:Choice>
+        <mc:Fallback xmlns="">
+          <p:sp>
+            <p:nvSpPr>
+              <p:cNvPr id="16" name="ZoneTexte 15">
+                <a:extLst>
+                  <a:ext uri="{FF2B5EF4-FFF2-40B4-BE49-F238E27FC236}">
+                    <a16:creationId xmlns:a16="http://schemas.microsoft.com/office/drawing/2014/main" id="{BB598D31-99B6-36A1-7CD1-5971A856FA26}"/>
+                  </a:ext>
+                </a:extLst>
+              </p:cNvPr>
+              <p:cNvSpPr txBox="1">
+                <a:spLocks noRot="1" noChangeAspect="1" noMove="1" noResize="1" noEditPoints="1" noAdjustHandles="1" noChangeArrowheads="1" noChangeShapeType="1" noTextEdit="1"/>
+              </p:cNvSpPr>
+              <p:nvPr/>
+            </p:nvSpPr>
+            <p:spPr>
+              <a:xfrm>
+                <a:off x="743688" y="3151936"/>
+                <a:ext cx="11441731" cy="400110"/>
+              </a:xfrm>
+              <a:prstGeom prst="rect">
+                <a:avLst/>
+              </a:prstGeom>
+              <a:blipFill>
+                <a:blip r:embed="rId4"/>
+                <a:stretch>
+                  <a:fillRect b="-16667"/>
+                </a:stretch>
+              </a:blipFill>
+            </p:spPr>
+            <p:txBody>
+              <a:bodyPr/>
+              <a:lstStyle/>
+              <a:p>
+                <a:r>
+                  <a:rPr lang="fr-FR">
+                    <a:noFill/>
+                  </a:rPr>
+                  <a:t> </a:t>
+                </a:r>
+              </a:p>
+            </p:txBody>
+          </p:sp>
+        </mc:Fallback>
+      </mc:AlternateContent>
+      <p:pic>
+        <p:nvPicPr>
+          <p:cNvPr id="18" name="Image 17">
+            <a:extLst>
+              <a:ext uri="{FF2B5EF4-FFF2-40B4-BE49-F238E27FC236}">
+                <a16:creationId xmlns:a16="http://schemas.microsoft.com/office/drawing/2014/main" id="{E5CB24E6-11F0-A54A-AA8D-87EDE7DCE0DF}"/>
+              </a:ext>
+            </a:extLst>
+          </p:cNvPr>
+          <p:cNvPicPr>
+            <a:picLocks noChangeAspect="1"/>
+          </p:cNvPicPr>
+          <p:nvPr/>
+        </p:nvPicPr>
+        <p:blipFill>
+          <a:blip r:embed="rId5"/>
+          <a:stretch>
+            <a:fillRect/>
+          </a:stretch>
+        </p:blipFill>
+        <p:spPr>
+          <a:xfrm>
+            <a:off x="4550792" y="3629055"/>
+            <a:ext cx="3827525" cy="1994626"/>
+          </a:xfrm>
+          <a:prstGeom prst="rect">
+            <a:avLst/>
+          </a:prstGeom>
+        </p:spPr>
+      </p:pic>
+      <p:sp>
+        <p:nvSpPr>
+          <p:cNvPr id="19" name="ZoneTexte 18">
+            <a:extLst>
+              <a:ext uri="{FF2B5EF4-FFF2-40B4-BE49-F238E27FC236}">
+                <a16:creationId xmlns:a16="http://schemas.microsoft.com/office/drawing/2014/main" id="{730EE541-C3C2-4A29-9F1C-939515D97338}"/>
+              </a:ext>
+            </a:extLst>
+          </p:cNvPr>
+          <p:cNvSpPr txBox="1"/>
+          <p:nvPr/>
+        </p:nvSpPr>
+        <p:spPr>
+          <a:xfrm>
+            <a:off x="471678" y="5777699"/>
+            <a:ext cx="11293503" cy="400110"/>
+          </a:xfrm>
+          <a:prstGeom prst="rect">
+            <a:avLst/>
+          </a:prstGeom>
+          <a:noFill/>
+        </p:spPr>
+        <p:txBody>
+          <a:bodyPr wrap="square" rtlCol="0">
+            <a:spAutoFit/>
+          </a:bodyPr>
+          <a:lstStyle/>
+          <a:p>
+            <a:r>
+              <a:rPr lang="fr-FR" sz="2000" dirty="0">
+                <a:latin typeface="Times New Roman" panose="02020603050405020304" pitchFamily="18" charset="0"/>
+                <a:cs typeface="Times New Roman" panose="02020603050405020304" pitchFamily="18" charset="0"/>
+              </a:rPr>
+              <a:t>Encore plus de méthodes sur la documentation </a:t>
+            </a:r>
+            <a:r>
+              <a:rPr lang="fr-FR" sz="2000" dirty="0">
+                <a:hlinkClick r:id="rId6"/>
+              </a:rPr>
+              <a:t>5. Structures de données — Documentation Python 3.12.4</a:t>
+            </a:r>
+            <a:r>
+              <a:rPr lang="fr-FR" sz="2000" dirty="0"/>
+              <a:t>.</a:t>
+            </a:r>
+            <a:endParaRPr lang="fr-FR" sz="2000" dirty="0">
+              <a:latin typeface="Times New Roman" panose="02020603050405020304" pitchFamily="18" charset="0"/>
+              <a:cs typeface="Times New Roman" panose="02020603050405020304" pitchFamily="18" charset="0"/>
+            </a:endParaRPr>
+          </a:p>
+        </p:txBody>
+      </p:sp>
+    </p:spTree>
+    <p:extLst>
+      <p:ext uri="{BB962C8B-B14F-4D97-AF65-F5344CB8AC3E}">
+        <p14:creationId xmlns:p14="http://schemas.microsoft.com/office/powerpoint/2010/main" val="684792020"/>
+      </p:ext>
+    </p:extLst>
+  </p:cSld>
+  <p:clrMapOvr>
+    <a:masterClrMapping/>
+  </p:clrMapOvr>
+</p:sld>
+</file>
+
+<file path=ppt/slides/slide21.xml><?xml version="1.0" encoding="utf-8"?>
+<p:sld xmlns:a="http://schemas.openxmlformats.org/drawingml/2006/main" xmlns:r="http://schemas.openxmlformats.org/officeDocument/2006/relationships" xmlns:p="http://schemas.openxmlformats.org/presentationml/2006/main">
+  <p:cSld>
+    <p:spTree>
+      <p:nvGrpSpPr>
+        <p:cNvPr id="1" name=""/>
+        <p:cNvGrpSpPr/>
+        <p:nvPr/>
+      </p:nvGrpSpPr>
+      <p:grpSpPr>
+        <a:xfrm>
+          <a:off x="0" y="0"/>
+          <a:ext cx="0" cy="0"/>
+          <a:chOff x="0" y="0"/>
+          <a:chExt cx="0" cy="0"/>
+        </a:xfrm>
+      </p:grpSpPr>
+      <p:sp>
+        <p:nvSpPr>
+          <p:cNvPr id="4" name="Espace réservé du pied de page 3">
+            <a:extLst>
+              <a:ext uri="{FF2B5EF4-FFF2-40B4-BE49-F238E27FC236}">
+                <a16:creationId xmlns:a16="http://schemas.microsoft.com/office/drawing/2014/main" id="{8FEEC940-4BFF-956C-713A-1CE73C436B6F}"/>
+              </a:ext>
+            </a:extLst>
+          </p:cNvPr>
+          <p:cNvSpPr>
+            <a:spLocks noGrp="1"/>
+          </p:cNvSpPr>
+          <p:nvPr>
+            <p:ph type="ftr" sz="quarter" idx="11"/>
+          </p:nvPr>
+        </p:nvSpPr>
+        <p:spPr/>
+        <p:txBody>
+          <a:bodyPr/>
+          <a:lstStyle/>
+          <a:p>
+            <a:r>
+              <a:rPr lang="fr-FR"/>
+              <a:t>Cours: Python | Auteur: TUO N. Ismaël Maurice 
+</a:t>
+            </a:r>
+          </a:p>
+        </p:txBody>
+      </p:sp>
+      <p:sp>
+        <p:nvSpPr>
+          <p:cNvPr id="5" name="Espace réservé du numéro de diapositive 4">
+            <a:extLst>
+              <a:ext uri="{FF2B5EF4-FFF2-40B4-BE49-F238E27FC236}">
+                <a16:creationId xmlns:a16="http://schemas.microsoft.com/office/drawing/2014/main" id="{CE50FB16-F89F-D7CA-C6AA-CFC075094990}"/>
+              </a:ext>
+            </a:extLst>
+          </p:cNvPr>
+          <p:cNvSpPr>
+            <a:spLocks noGrp="1"/>
+          </p:cNvSpPr>
+          <p:nvPr>
+            <p:ph type="sldNum" sz="quarter" idx="12"/>
+          </p:nvPr>
+        </p:nvSpPr>
+        <p:spPr/>
+        <p:txBody>
+          <a:bodyPr/>
+          <a:lstStyle/>
+          <a:p>
+            <a:fld id="{B8C3BB88-DD29-4D42-B62E-D7D541DB4348}" type="slidenum">
+              <a:rPr lang="fr-FR" smtClean="0"/>
+              <a:t>21</a:t>
+            </a:fld>
+            <a:endParaRPr lang="fr-FR"/>
+          </a:p>
+        </p:txBody>
+      </p:sp>
+      <p:sp>
+        <p:nvSpPr>
+          <p:cNvPr id="6" name="ZoneTexte 5">
+            <a:extLst>
+              <a:ext uri="{FF2B5EF4-FFF2-40B4-BE49-F238E27FC236}">
+                <a16:creationId xmlns:a16="http://schemas.microsoft.com/office/drawing/2014/main" id="{84F10693-2FE8-EFC8-8DB6-84BFD181D260}"/>
+              </a:ext>
+            </a:extLst>
+          </p:cNvPr>
+          <p:cNvSpPr txBox="1"/>
+          <p:nvPr/>
+        </p:nvSpPr>
+        <p:spPr>
+          <a:xfrm>
+            <a:off x="397565" y="218526"/>
+            <a:ext cx="5577722" cy="461665"/>
+          </a:xfrm>
+          <a:prstGeom prst="rect">
+            <a:avLst/>
+          </a:prstGeom>
+          <a:noFill/>
+        </p:spPr>
+        <p:txBody>
+          <a:bodyPr wrap="square" rtlCol="0">
+            <a:spAutoFit/>
+          </a:bodyPr>
+          <a:lstStyle/>
+          <a:p>
+            <a:r>
+              <a:rPr lang="fr-FR" sz="2400" b="1" dirty="0">
+                <a:latin typeface="Times New Roman" panose="02020603050405020304" pitchFamily="18" charset="0"/>
+                <a:cs typeface="Times New Roman" panose="02020603050405020304" pitchFamily="18" charset="0"/>
+              </a:rPr>
+              <a:t>La fonction id avec les listes</a:t>
             </a:r>
             <a:endParaRPr lang="fr-FR" sz="2400" b="1" i="1" dirty="0">
               <a:latin typeface="Times New Roman" panose="02020603050405020304" pitchFamily="18" charset="0"/>
@@ -12333,7 +14197,45 @@
         </p:nvSpPr>
         <p:spPr>
           <a:xfrm>
-            <a:off x="500932" y="941801"/>
+            <a:off x="397565" y="787913"/>
+            <a:ext cx="11441731" cy="707886"/>
+          </a:xfrm>
+          <a:prstGeom prst="rect">
+            <a:avLst/>
+          </a:prstGeom>
+          <a:noFill/>
+        </p:spPr>
+        <p:txBody>
+          <a:bodyPr wrap="square" rtlCol="0">
+            <a:spAutoFit/>
+          </a:bodyPr>
+          <a:lstStyle/>
+          <a:p>
+            <a:r>
+              <a:rPr lang="fr-FR" sz="2000" dirty="0">
+                <a:latin typeface="Times New Roman" panose="02020603050405020304" pitchFamily="18" charset="0"/>
+                <a:cs typeface="Times New Roman" panose="02020603050405020304" pitchFamily="18" charset="0"/>
+              </a:rPr>
+              <a:t>Si la mémoire de l’ordinateur était représentée comme une étagère avec plusieurs tiroirs numéroté, la valeur d’une variable serait stockée dans un des tiroirs.</a:t>
+            </a:r>
+          </a:p>
+        </p:txBody>
+      </p:sp>
+      <p:sp>
+        <p:nvSpPr>
+          <p:cNvPr id="2" name="ZoneTexte 1">
+            <a:extLst>
+              <a:ext uri="{FF2B5EF4-FFF2-40B4-BE49-F238E27FC236}">
+                <a16:creationId xmlns:a16="http://schemas.microsoft.com/office/drawing/2014/main" id="{C5601B79-492D-FCD6-863E-2850C14DE21B}"/>
+              </a:ext>
+            </a:extLst>
+          </p:cNvPr>
+          <p:cNvSpPr txBox="1"/>
+          <p:nvPr/>
+        </p:nvSpPr>
+        <p:spPr>
+          <a:xfrm>
+            <a:off x="397564" y="1495799"/>
             <a:ext cx="11441731" cy="400110"/>
           </a:xfrm>
           <a:prstGeom prst="rect">
@@ -12349,228 +14251,499 @@
           <a:p>
             <a:r>
               <a:rPr lang="fr-FR" sz="2000" dirty="0">
-                <a:hlinkClick r:id="rId2"/>
+                <a:latin typeface="Times New Roman" panose="02020603050405020304" pitchFamily="18" charset="0"/>
+                <a:cs typeface="Times New Roman" panose="02020603050405020304" pitchFamily="18" charset="0"/>
               </a:rPr>
-              <a:t>Les listes python</a:t>
-            </a:r>
-            <a:endParaRPr lang="fr-FR" sz="2000" dirty="0">
-              <a:latin typeface="Times New Roman" panose="02020603050405020304" pitchFamily="18" charset="0"/>
-              <a:cs typeface="Times New Roman" panose="02020603050405020304" pitchFamily="18" charset="0"/>
-            </a:endParaRPr>
+              <a:t>Chaque tiroir serait appelé case mémoire et le numéro de tiroir le numéro de la case mémoire.</a:t>
+            </a:r>
           </a:p>
         </p:txBody>
       </p:sp>
-    </p:spTree>
-    <p:extLst>
-      <p:ext uri="{BB962C8B-B14F-4D97-AF65-F5344CB8AC3E}">
-        <p14:creationId xmlns:p14="http://schemas.microsoft.com/office/powerpoint/2010/main" val="4119819306"/>
-      </p:ext>
-    </p:extLst>
-  </p:cSld>
-  <p:clrMapOvr>
-    <a:masterClrMapping/>
-  </p:clrMapOvr>
-</p:sld>
-</file>
-
-<file path=ppt/slides/slide21.xml><?xml version="1.0" encoding="utf-8"?>
-<p:sld xmlns:a="http://schemas.openxmlformats.org/drawingml/2006/main" xmlns:r="http://schemas.openxmlformats.org/officeDocument/2006/relationships" xmlns:p="http://schemas.openxmlformats.org/presentationml/2006/main">
-  <p:cSld>
-    <p:spTree>
-      <p:nvGrpSpPr>
-        <p:cNvPr id="1" name=""/>
-        <p:cNvGrpSpPr/>
-        <p:nvPr/>
-      </p:nvGrpSpPr>
-      <p:grpSpPr>
-        <a:xfrm>
-          <a:off x="0" y="0"/>
-          <a:ext cx="0" cy="0"/>
-          <a:chOff x="0" y="0"/>
-          <a:chExt cx="0" cy="0"/>
-        </a:xfrm>
-      </p:grpSpPr>
-      <p:sp>
-        <p:nvSpPr>
-          <p:cNvPr id="4" name="Espace réservé du pied de page 3">
+      <mc:AlternateContent xmlns:mc="http://schemas.openxmlformats.org/markup-compatibility/2006" xmlns:a14="http://schemas.microsoft.com/office/drawing/2010/main">
+        <mc:Choice Requires="a14">
+          <p:sp>
+            <p:nvSpPr>
+              <p:cNvPr id="8" name="ZoneTexte 7">
+                <a:extLst>
+                  <a:ext uri="{FF2B5EF4-FFF2-40B4-BE49-F238E27FC236}">
+                    <a16:creationId xmlns:a16="http://schemas.microsoft.com/office/drawing/2014/main" id="{1AFE3B03-4614-B65C-95A8-D5B32B311AFC}"/>
+                  </a:ext>
+                </a:extLst>
+              </p:cNvPr>
+              <p:cNvSpPr txBox="1"/>
+              <p:nvPr/>
+            </p:nvSpPr>
+            <p:spPr>
+              <a:xfrm>
+                <a:off x="397564" y="1981461"/>
+                <a:ext cx="11545099" cy="707886"/>
+              </a:xfrm>
+              <a:prstGeom prst="rect">
+                <a:avLst/>
+              </a:prstGeom>
+              <a:noFill/>
+            </p:spPr>
+            <p:txBody>
+              <a:bodyPr wrap="square" rtlCol="0">
+                <a:spAutoFit/>
+              </a:bodyPr>
+              <a:lstStyle/>
+              <a:p>
+                <a:r>
+                  <a:rPr lang="fr-FR" sz="2000" dirty="0">
+                    <a:latin typeface="Times New Roman" panose="02020603050405020304" pitchFamily="18" charset="0"/>
+                    <a:cs typeface="Times New Roman" panose="02020603050405020304" pitchFamily="18" charset="0"/>
+                  </a:rPr>
+                  <a:t>Python nous offre la fonction </a:t>
+                </a:r>
+                <a14:m>
+                  <m:oMath xmlns:m="http://schemas.openxmlformats.org/officeDocument/2006/math">
+                    <m:r>
+                      <a:rPr lang="fr-FR" sz="2000" b="0" i="1" smtClean="0">
+                        <a:latin typeface="Cambria Math" panose="02040503050406030204" pitchFamily="18" charset="0"/>
+                        <a:cs typeface="Times New Roman" panose="02020603050405020304" pitchFamily="18" charset="0"/>
+                      </a:rPr>
+                      <m:t>𝑖𝑑</m:t>
+                    </m:r>
+                  </m:oMath>
+                </a14:m>
+                <a:r>
+                  <a:rPr lang="fr-FR" sz="2000" dirty="0">
+                    <a:latin typeface="Times New Roman" panose="02020603050405020304" pitchFamily="18" charset="0"/>
+                    <a:cs typeface="Times New Roman" panose="02020603050405020304" pitchFamily="18" charset="0"/>
+                  </a:rPr>
+                  <a:t> qui permet d’avoir le numéro de la case mémoire où est stockée la valeur d’une variable. La syntaxe est la suivante:</a:t>
+                </a:r>
+              </a:p>
+            </p:txBody>
+          </p:sp>
+        </mc:Choice>
+        <mc:Fallback xmlns="">
+          <p:sp>
+            <p:nvSpPr>
+              <p:cNvPr id="8" name="ZoneTexte 7">
+                <a:extLst>
+                  <a:ext uri="{FF2B5EF4-FFF2-40B4-BE49-F238E27FC236}">
+                    <a16:creationId xmlns:a16="http://schemas.microsoft.com/office/drawing/2014/main" id="{1AFE3B03-4614-B65C-95A8-D5B32B311AFC}"/>
+                  </a:ext>
+                </a:extLst>
+              </p:cNvPr>
+              <p:cNvSpPr txBox="1">
+                <a:spLocks noRot="1" noChangeAspect="1" noMove="1" noResize="1" noEditPoints="1" noAdjustHandles="1" noChangeArrowheads="1" noChangeShapeType="1" noTextEdit="1"/>
+              </p:cNvSpPr>
+              <p:nvPr/>
+            </p:nvSpPr>
+            <p:spPr>
+              <a:xfrm>
+                <a:off x="397564" y="1981461"/>
+                <a:ext cx="11545099" cy="707886"/>
+              </a:xfrm>
+              <a:prstGeom prst="rect">
+                <a:avLst/>
+              </a:prstGeom>
+              <a:blipFill>
+                <a:blip r:embed="rId2"/>
+                <a:stretch>
+                  <a:fillRect l="-528" t="-4310" b="-14655"/>
+                </a:stretch>
+              </a:blipFill>
+            </p:spPr>
+            <p:txBody>
+              <a:bodyPr/>
+              <a:lstStyle/>
+              <a:p>
+                <a:r>
+                  <a:rPr lang="fr-FR">
+                    <a:noFill/>
+                  </a:rPr>
+                  <a:t> </a:t>
+                </a:r>
+              </a:p>
+            </p:txBody>
+          </p:sp>
+        </mc:Fallback>
+      </mc:AlternateContent>
+      <mc:AlternateContent xmlns:mc="http://schemas.openxmlformats.org/markup-compatibility/2006" xmlns:a14="http://schemas.microsoft.com/office/drawing/2010/main">
+        <mc:Choice Requires="a14">
+          <p:sp>
+            <p:nvSpPr>
+              <p:cNvPr id="9" name="ZoneTexte 8">
+                <a:extLst>
+                  <a:ext uri="{FF2B5EF4-FFF2-40B4-BE49-F238E27FC236}">
+                    <a16:creationId xmlns:a16="http://schemas.microsoft.com/office/drawing/2014/main" id="{E4A44A26-7A15-0766-5818-C8677821D593}"/>
+                  </a:ext>
+                </a:extLst>
+              </p:cNvPr>
+              <p:cNvSpPr txBox="1"/>
+              <p:nvPr/>
+            </p:nvSpPr>
+            <p:spPr>
+              <a:xfrm>
+                <a:off x="500932" y="2689347"/>
+                <a:ext cx="11441731" cy="400110"/>
+              </a:xfrm>
+              <a:prstGeom prst="rect">
+                <a:avLst/>
+              </a:prstGeom>
+              <a:noFill/>
+            </p:spPr>
+            <p:txBody>
+              <a:bodyPr wrap="square" rtlCol="0">
+                <a:spAutoFit/>
+              </a:bodyPr>
+              <a:lstStyle/>
+              <a:p>
+                <a:pPr/>
+                <a14:m>
+                  <m:oMathPara xmlns:m="http://schemas.openxmlformats.org/officeDocument/2006/math">
+                    <m:oMathParaPr>
+                      <m:jc m:val="centerGroup"/>
+                    </m:oMathParaPr>
+                    <m:oMath xmlns:m="http://schemas.openxmlformats.org/officeDocument/2006/math">
+                      <m:r>
+                        <a:rPr lang="fr-FR" sz="2000" b="1" i="1" smtClean="0">
+                          <a:latin typeface="Cambria Math" panose="02040503050406030204" pitchFamily="18" charset="0"/>
+                          <a:cs typeface="Times New Roman" panose="02020603050405020304" pitchFamily="18" charset="0"/>
+                        </a:rPr>
+                        <m:t>𝒊𝒅</m:t>
+                      </m:r>
+                      <m:r>
+                        <a:rPr lang="fr-FR" sz="2000" b="1" i="1" smtClean="0">
+                          <a:latin typeface="Cambria Math" panose="02040503050406030204" pitchFamily="18" charset="0"/>
+                          <a:cs typeface="Times New Roman" panose="02020603050405020304" pitchFamily="18" charset="0"/>
+                        </a:rPr>
+                        <m:t>(</m:t>
+                      </m:r>
+                      <m:r>
+                        <a:rPr lang="fr-FR" sz="2000" b="1" i="1" smtClean="0">
+                          <a:latin typeface="Cambria Math" panose="02040503050406030204" pitchFamily="18" charset="0"/>
+                          <a:cs typeface="Times New Roman" panose="02020603050405020304" pitchFamily="18" charset="0"/>
+                        </a:rPr>
+                        <m:t>𝒏𝒐𝒎𝑫𝒆𝑳𝒂𝑽𝒂𝒓𝒊𝒂𝒃𝒍𝒆</m:t>
+                      </m:r>
+                      <m:r>
+                        <a:rPr lang="fr-FR" sz="2000" b="1" i="1" smtClean="0">
+                          <a:latin typeface="Cambria Math" panose="02040503050406030204" pitchFamily="18" charset="0"/>
+                          <a:cs typeface="Times New Roman" panose="02020603050405020304" pitchFamily="18" charset="0"/>
+                        </a:rPr>
+                        <m:t>)</m:t>
+                      </m:r>
+                    </m:oMath>
+                  </m:oMathPara>
+                </a14:m>
+                <a:endParaRPr lang="fr-FR" sz="2000" b="1" dirty="0">
+                  <a:latin typeface="Times New Roman" panose="02020603050405020304" pitchFamily="18" charset="0"/>
+                  <a:cs typeface="Times New Roman" panose="02020603050405020304" pitchFamily="18" charset="0"/>
+                </a:endParaRPr>
+              </a:p>
+            </p:txBody>
+          </p:sp>
+        </mc:Choice>
+        <mc:Fallback xmlns="">
+          <p:sp>
+            <p:nvSpPr>
+              <p:cNvPr id="9" name="ZoneTexte 8">
+                <a:extLst>
+                  <a:ext uri="{FF2B5EF4-FFF2-40B4-BE49-F238E27FC236}">
+                    <a16:creationId xmlns:a16="http://schemas.microsoft.com/office/drawing/2014/main" id="{E4A44A26-7A15-0766-5818-C8677821D593}"/>
+                  </a:ext>
+                </a:extLst>
+              </p:cNvPr>
+              <p:cNvSpPr txBox="1">
+                <a:spLocks noRot="1" noChangeAspect="1" noMove="1" noResize="1" noEditPoints="1" noAdjustHandles="1" noChangeArrowheads="1" noChangeShapeType="1" noTextEdit="1"/>
+              </p:cNvSpPr>
+              <p:nvPr/>
+            </p:nvSpPr>
+            <p:spPr>
+              <a:xfrm>
+                <a:off x="500932" y="2689347"/>
+                <a:ext cx="11441731" cy="400110"/>
+              </a:xfrm>
+              <a:prstGeom prst="rect">
+                <a:avLst/>
+              </a:prstGeom>
+              <a:blipFill>
+                <a:blip r:embed="rId3"/>
+                <a:stretch>
+                  <a:fillRect b="-16667"/>
+                </a:stretch>
+              </a:blipFill>
+            </p:spPr>
+            <p:txBody>
+              <a:bodyPr/>
+              <a:lstStyle/>
+              <a:p>
+                <a:r>
+                  <a:rPr lang="fr-FR">
+                    <a:noFill/>
+                  </a:rPr>
+                  <a:t> </a:t>
+                </a:r>
+              </a:p>
+            </p:txBody>
+          </p:sp>
+        </mc:Fallback>
+      </mc:AlternateContent>
+      <p:pic>
+        <p:nvPicPr>
+          <p:cNvPr id="11" name="Image 10" descr="Une image contenant texte, capture d’écran, Police, ligne&#10;&#10;Description générée automatiquement">
             <a:extLst>
               <a:ext uri="{FF2B5EF4-FFF2-40B4-BE49-F238E27FC236}">
-                <a16:creationId xmlns:a16="http://schemas.microsoft.com/office/drawing/2014/main" id="{8FEEC940-4BFF-956C-713A-1CE73C436B6F}"/>
+                <a16:creationId xmlns:a16="http://schemas.microsoft.com/office/drawing/2014/main" id="{A5308081-296F-5447-59F4-8AF8F57048AE}"/>
               </a:ext>
             </a:extLst>
           </p:cNvPr>
-          <p:cNvSpPr>
-            <a:spLocks noGrp="1"/>
-          </p:cNvSpPr>
-          <p:nvPr>
-            <p:ph type="ftr" sz="quarter" idx="11"/>
-          </p:nvPr>
-        </p:nvSpPr>
-        <p:spPr/>
-        <p:txBody>
-          <a:bodyPr/>
-          <a:lstStyle/>
-          <a:p>
-            <a:r>
-              <a:rPr lang="fr-FR"/>
-              <a:t>Cours: Python | Auteur: TUO N. Ismaël Maurice 
-</a:t>
-            </a:r>
-          </a:p>
-        </p:txBody>
-      </p:sp>
-      <p:sp>
-        <p:nvSpPr>
-          <p:cNvPr id="5" name="Espace réservé du numéro de diapositive 4">
-            <a:extLst>
-              <a:ext uri="{FF2B5EF4-FFF2-40B4-BE49-F238E27FC236}">
-                <a16:creationId xmlns:a16="http://schemas.microsoft.com/office/drawing/2014/main" id="{CE50FB16-F89F-D7CA-C6AA-CFC075094990}"/>
-              </a:ext>
-            </a:extLst>
-          </p:cNvPr>
-          <p:cNvSpPr>
-            <a:spLocks noGrp="1"/>
-          </p:cNvSpPr>
-          <p:nvPr>
-            <p:ph type="sldNum" sz="quarter" idx="12"/>
-          </p:nvPr>
-        </p:nvSpPr>
-        <p:spPr/>
-        <p:txBody>
-          <a:bodyPr/>
-          <a:lstStyle/>
-          <a:p>
-            <a:fld id="{B8C3BB88-DD29-4D42-B62E-D7D541DB4348}" type="slidenum">
-              <a:rPr lang="fr-FR" smtClean="0"/>
-              <a:t>21</a:t>
-            </a:fld>
-            <a:endParaRPr lang="fr-FR"/>
-          </a:p>
-        </p:txBody>
-      </p:sp>
-      <p:sp>
-        <p:nvSpPr>
-          <p:cNvPr id="6" name="ZoneTexte 5">
-            <a:extLst>
-              <a:ext uri="{FF2B5EF4-FFF2-40B4-BE49-F238E27FC236}">
-                <a16:creationId xmlns:a16="http://schemas.microsoft.com/office/drawing/2014/main" id="{84F10693-2FE8-EFC8-8DB6-84BFD181D260}"/>
-              </a:ext>
-            </a:extLst>
-          </p:cNvPr>
-          <p:cNvSpPr txBox="1"/>
+          <p:cNvPicPr>
+            <a:picLocks noChangeAspect="1"/>
+          </p:cNvPicPr>
           <p:nvPr/>
-        </p:nvSpPr>
+        </p:nvPicPr>
+        <p:blipFill>
+          <a:blip r:embed="rId4"/>
+          <a:stretch>
+            <a:fillRect/>
+          </a:stretch>
+        </p:blipFill>
         <p:spPr>
           <a:xfrm>
-            <a:off x="397565" y="218526"/>
-            <a:ext cx="5577722" cy="461665"/>
+            <a:off x="4221684" y="3180606"/>
+            <a:ext cx="3793487" cy="1401112"/>
           </a:xfrm>
           <a:prstGeom prst="rect">
             <a:avLst/>
           </a:prstGeom>
-          <a:noFill/>
         </p:spPr>
-        <p:txBody>
-          <a:bodyPr wrap="square" rtlCol="0">
-            <a:spAutoFit/>
-          </a:bodyPr>
-          <a:lstStyle/>
-          <a:p>
-            <a:r>
-              <a:rPr lang="fr-FR" sz="2400" b="1" dirty="0">
-                <a:latin typeface="Times New Roman" panose="02020603050405020304" pitchFamily="18" charset="0"/>
-                <a:cs typeface="Times New Roman" panose="02020603050405020304" pitchFamily="18" charset="0"/>
-              </a:rPr>
-              <a:t>Fonctions à plusieurs paramètres</a:t>
-            </a:r>
-            <a:endParaRPr lang="fr-FR" sz="2400" b="1" i="1" dirty="0">
-              <a:latin typeface="Times New Roman" panose="02020603050405020304" pitchFamily="18" charset="0"/>
-              <a:cs typeface="Times New Roman" panose="02020603050405020304" pitchFamily="18" charset="0"/>
-            </a:endParaRPr>
-          </a:p>
-        </p:txBody>
-      </p:sp>
-      <p:cxnSp>
-        <p:nvCxnSpPr>
-          <p:cNvPr id="3" name="Connecteur droit 2">
-            <a:extLst>
-              <a:ext uri="{FF2B5EF4-FFF2-40B4-BE49-F238E27FC236}">
-                <a16:creationId xmlns:a16="http://schemas.microsoft.com/office/drawing/2014/main" id="{6AC8021D-4898-08B9-18A0-60AC71EF613E}"/>
-              </a:ext>
-            </a:extLst>
-          </p:cNvPr>
-          <p:cNvCxnSpPr>
-            <a:cxnSpLocks/>
-          </p:cNvCxnSpPr>
-          <p:nvPr/>
-        </p:nvCxnSpPr>
-        <p:spPr>
-          <a:xfrm>
-            <a:off x="500932" y="680191"/>
-            <a:ext cx="11178450" cy="0"/>
-          </a:xfrm>
-          <a:prstGeom prst="line">
-            <a:avLst/>
-          </a:prstGeom>
-          <a:ln/>
-        </p:spPr>
-        <p:style>
-          <a:lnRef idx="3">
-            <a:schemeClr val="accent3"/>
-          </a:lnRef>
-          <a:fillRef idx="0">
-            <a:schemeClr val="accent3"/>
-          </a:fillRef>
-          <a:effectRef idx="2">
-            <a:schemeClr val="accent3"/>
-          </a:effectRef>
-          <a:fontRef idx="minor">
-            <a:schemeClr val="tx1"/>
-          </a:fontRef>
-        </p:style>
-      </p:cxnSp>
-      <p:sp>
-        <p:nvSpPr>
-          <p:cNvPr id="7" name="ZoneTexte 6">
-            <a:extLst>
-              <a:ext uri="{FF2B5EF4-FFF2-40B4-BE49-F238E27FC236}">
-                <a16:creationId xmlns:a16="http://schemas.microsoft.com/office/drawing/2014/main" id="{B31AF22B-77AC-398F-8B32-17C6B4914236}"/>
-              </a:ext>
-            </a:extLst>
-          </p:cNvPr>
-          <p:cNvSpPr txBox="1"/>
-          <p:nvPr/>
-        </p:nvSpPr>
-        <p:spPr>
-          <a:xfrm>
-            <a:off x="500932" y="941801"/>
-            <a:ext cx="11441731" cy="400110"/>
-          </a:xfrm>
-          <a:prstGeom prst="rect">
-            <a:avLst/>
-          </a:prstGeom>
-          <a:noFill/>
-        </p:spPr>
-        <p:txBody>
-          <a:bodyPr wrap="square" rtlCol="0">
-            <a:spAutoFit/>
-          </a:bodyPr>
-          <a:lstStyle/>
-          <a:p>
-            <a:r>
-              <a:rPr lang="fr-FR" sz="2000" dirty="0">
-                <a:latin typeface="Times New Roman" panose="02020603050405020304" pitchFamily="18" charset="0"/>
-                <a:cs typeface="Times New Roman" panose="02020603050405020304" pitchFamily="18" charset="0"/>
-              </a:rPr>
-              <a:t>Voir si nécessaire d’ajouter </a:t>
-            </a:r>
-          </a:p>
-        </p:txBody>
-      </p:sp>
+      </p:pic>
+      <mc:AlternateContent xmlns:mc="http://schemas.openxmlformats.org/markup-compatibility/2006">
+        <mc:Choice xmlns:a14="http://schemas.microsoft.com/office/drawing/2010/main" Requires="a14">
+          <p:sp>
+            <p:nvSpPr>
+              <p:cNvPr id="12" name="ZoneTexte 11">
+                <a:extLst>
+                  <a:ext uri="{FF2B5EF4-FFF2-40B4-BE49-F238E27FC236}">
+                    <a16:creationId xmlns:a16="http://schemas.microsoft.com/office/drawing/2014/main" id="{4EFB1AB3-038C-2072-5DC9-FF788EFE916E}"/>
+                  </a:ext>
+                </a:extLst>
+              </p:cNvPr>
+              <p:cNvSpPr txBox="1"/>
+              <p:nvPr/>
+            </p:nvSpPr>
+            <p:spPr>
+              <a:xfrm>
+                <a:off x="317607" y="4671877"/>
+                <a:ext cx="11545099" cy="707886"/>
+              </a:xfrm>
+              <a:prstGeom prst="rect">
+                <a:avLst/>
+              </a:prstGeom>
+              <a:noFill/>
+            </p:spPr>
+            <p:txBody>
+              <a:bodyPr wrap="square" rtlCol="0">
+                <a:spAutoFit/>
+              </a:bodyPr>
+              <a:lstStyle/>
+              <a:p>
+                <a:r>
+                  <a:rPr lang="fr-FR" sz="2000" dirty="0">
+                    <a:latin typeface="Times New Roman" panose="02020603050405020304" pitchFamily="18" charset="0"/>
+                    <a:cs typeface="Times New Roman" panose="02020603050405020304" pitchFamily="18" charset="0"/>
+                  </a:rPr>
+                  <a:t>Dans l’exemple précédent, on voit que les variables </a:t>
+                </a:r>
+                <a14:m>
+                  <m:oMath xmlns:m="http://schemas.openxmlformats.org/officeDocument/2006/math">
+                    <m:r>
+                      <a:rPr lang="fr-FR" sz="2000" b="0" i="1" smtClean="0">
+                        <a:latin typeface="Cambria Math" panose="02040503050406030204" pitchFamily="18" charset="0"/>
+                        <a:cs typeface="Times New Roman" panose="02020603050405020304" pitchFamily="18" charset="0"/>
+                      </a:rPr>
+                      <m:t>𝑎</m:t>
+                    </m:r>
+                  </m:oMath>
+                </a14:m>
+                <a:r>
+                  <a:rPr lang="fr-FR" sz="2000" dirty="0">
+                    <a:latin typeface="Times New Roman" panose="02020603050405020304" pitchFamily="18" charset="0"/>
+                    <a:cs typeface="Times New Roman" panose="02020603050405020304" pitchFamily="18" charset="0"/>
+                  </a:rPr>
+                  <a:t> et </a:t>
+                </a:r>
+                <a14:m>
+                  <m:oMath xmlns:m="http://schemas.openxmlformats.org/officeDocument/2006/math">
+                    <m:r>
+                      <a:rPr lang="fr-FR" sz="2000" b="0" i="1" smtClean="0">
+                        <a:latin typeface="Cambria Math" panose="02040503050406030204" pitchFamily="18" charset="0"/>
+                        <a:cs typeface="Times New Roman" panose="02020603050405020304" pitchFamily="18" charset="0"/>
+                      </a:rPr>
+                      <m:t>𝑏</m:t>
+                    </m:r>
+                  </m:oMath>
+                </a14:m>
+                <a:r>
+                  <a:rPr lang="fr-FR" sz="2000" dirty="0">
+                    <a:latin typeface="Times New Roman" panose="02020603050405020304" pitchFamily="18" charset="0"/>
+                    <a:cs typeface="Times New Roman" panose="02020603050405020304" pitchFamily="18" charset="0"/>
+                  </a:rPr>
+                  <a:t> ont un numéro de case mémoire différent ce qui signifie que les valeurs des variables sont stockées à deux endroits (tiroirs) différents.</a:t>
+                </a:r>
+              </a:p>
+            </p:txBody>
+          </p:sp>
+        </mc:Choice>
+        <mc:Fallback>
+          <p:sp>
+            <p:nvSpPr>
+              <p:cNvPr id="12" name="ZoneTexte 11">
+                <a:extLst>
+                  <a:ext uri="{FF2B5EF4-FFF2-40B4-BE49-F238E27FC236}">
+                    <a16:creationId xmlns:a16="http://schemas.microsoft.com/office/drawing/2014/main" id="{4EFB1AB3-038C-2072-5DC9-FF788EFE916E}"/>
+                  </a:ext>
+                </a:extLst>
+              </p:cNvPr>
+              <p:cNvSpPr txBox="1">
+                <a:spLocks noRot="1" noChangeAspect="1" noMove="1" noResize="1" noEditPoints="1" noAdjustHandles="1" noChangeArrowheads="1" noChangeShapeType="1" noTextEdit="1"/>
+              </p:cNvSpPr>
+              <p:nvPr/>
+            </p:nvSpPr>
+            <p:spPr>
+              <a:xfrm>
+                <a:off x="317607" y="4671877"/>
+                <a:ext cx="11545099" cy="707886"/>
+              </a:xfrm>
+              <a:prstGeom prst="rect">
+                <a:avLst/>
+              </a:prstGeom>
+              <a:blipFill>
+                <a:blip r:embed="rId5"/>
+                <a:stretch>
+                  <a:fillRect l="-528" t="-4274" b="-13675"/>
+                </a:stretch>
+              </a:blipFill>
+            </p:spPr>
+            <p:txBody>
+              <a:bodyPr/>
+              <a:lstStyle/>
+              <a:p>
+                <a:r>
+                  <a:rPr lang="fr-FR">
+                    <a:noFill/>
+                  </a:rPr>
+                  <a:t> </a:t>
+                </a:r>
+              </a:p>
+            </p:txBody>
+          </p:sp>
+        </mc:Fallback>
+      </mc:AlternateContent>
+      <mc:AlternateContent xmlns:mc="http://schemas.openxmlformats.org/markup-compatibility/2006" xmlns:a14="http://schemas.microsoft.com/office/drawing/2010/main">
+        <mc:Choice Requires="a14">
+          <p:sp>
+            <p:nvSpPr>
+              <p:cNvPr id="13" name="ZoneTexte 12">
+                <a:extLst>
+                  <a:ext uri="{FF2B5EF4-FFF2-40B4-BE49-F238E27FC236}">
+                    <a16:creationId xmlns:a16="http://schemas.microsoft.com/office/drawing/2014/main" id="{155AD2C9-F372-D317-AFAD-90149CBE3BE4}"/>
+                  </a:ext>
+                </a:extLst>
+              </p:cNvPr>
+              <p:cNvSpPr txBox="1"/>
+              <p:nvPr/>
+            </p:nvSpPr>
+            <p:spPr>
+              <a:xfrm>
+                <a:off x="397564" y="5419875"/>
+                <a:ext cx="11545099" cy="707886"/>
+              </a:xfrm>
+              <a:prstGeom prst="rect">
+                <a:avLst/>
+              </a:prstGeom>
+              <a:noFill/>
+            </p:spPr>
+            <p:txBody>
+              <a:bodyPr wrap="square" rtlCol="0">
+                <a:spAutoFit/>
+              </a:bodyPr>
+              <a:lstStyle/>
+              <a:p>
+                <a:r>
+                  <a:rPr lang="fr-FR" sz="2000" b="1" dirty="0">
+                    <a:latin typeface="Times New Roman" panose="02020603050405020304" pitchFamily="18" charset="0"/>
+                    <a:cs typeface="Times New Roman" panose="02020603050405020304" pitchFamily="18" charset="0"/>
+                  </a:rPr>
+                  <a:t>La fonction </a:t>
+                </a:r>
+                <a14:m>
+                  <m:oMath xmlns:m="http://schemas.openxmlformats.org/officeDocument/2006/math">
+                    <m:r>
+                      <a:rPr lang="fr-FR" sz="2000" b="1" i="1" smtClean="0">
+                        <a:latin typeface="Cambria Math" panose="02040503050406030204" pitchFamily="18" charset="0"/>
+                        <a:cs typeface="Times New Roman" panose="02020603050405020304" pitchFamily="18" charset="0"/>
+                      </a:rPr>
+                      <m:t>𝒊𝒅</m:t>
+                    </m:r>
+                  </m:oMath>
+                </a14:m>
+                <a:r>
+                  <a:rPr lang="fr-FR" sz="2000" b="1" dirty="0">
+                    <a:latin typeface="Times New Roman" panose="02020603050405020304" pitchFamily="18" charset="0"/>
+                    <a:cs typeface="Times New Roman" panose="02020603050405020304" pitchFamily="18" charset="0"/>
+                  </a:rPr>
+                  <a:t> ne renvoie pas tout le temps, le même numéro de case mémoire. La valeur obtenue varie d’un ordinateur à l’autre.</a:t>
+                </a:r>
+              </a:p>
+            </p:txBody>
+          </p:sp>
+        </mc:Choice>
+        <mc:Fallback xmlns="">
+          <p:sp>
+            <p:nvSpPr>
+              <p:cNvPr id="13" name="ZoneTexte 12">
+                <a:extLst>
+                  <a:ext uri="{FF2B5EF4-FFF2-40B4-BE49-F238E27FC236}">
+                    <a16:creationId xmlns:a16="http://schemas.microsoft.com/office/drawing/2014/main" id="{155AD2C9-F372-D317-AFAD-90149CBE3BE4}"/>
+                  </a:ext>
+                </a:extLst>
+              </p:cNvPr>
+              <p:cNvSpPr txBox="1">
+                <a:spLocks noRot="1" noChangeAspect="1" noMove="1" noResize="1" noEditPoints="1" noAdjustHandles="1" noChangeArrowheads="1" noChangeShapeType="1" noTextEdit="1"/>
+              </p:cNvSpPr>
+              <p:nvPr/>
+            </p:nvSpPr>
+            <p:spPr>
+              <a:xfrm>
+                <a:off x="397564" y="5419875"/>
+                <a:ext cx="11545099" cy="707886"/>
+              </a:xfrm>
+              <a:prstGeom prst="rect">
+                <a:avLst/>
+              </a:prstGeom>
+              <a:blipFill>
+                <a:blip r:embed="rId6"/>
+                <a:stretch>
+                  <a:fillRect l="-528" t="-4310" b="-14655"/>
+                </a:stretch>
+              </a:blipFill>
+            </p:spPr>
+            <p:txBody>
+              <a:bodyPr/>
+              <a:lstStyle/>
+              <a:p>
+                <a:r>
+                  <a:rPr lang="fr-FR">
+                    <a:noFill/>
+                  </a:rPr>
+                  <a:t> </a:t>
+                </a:r>
+              </a:p>
+            </p:txBody>
+          </p:sp>
+        </mc:Fallback>
+      </mc:AlternateContent>
     </p:spTree>
     <p:extLst>
       <p:ext uri="{BB962C8B-B14F-4D97-AF65-F5344CB8AC3E}">
-        <p14:creationId xmlns:p14="http://schemas.microsoft.com/office/powerpoint/2010/main" val="2591302804"/>
+        <p14:creationId xmlns:p14="http://schemas.microsoft.com/office/powerpoint/2010/main" val="926986085"/>
       </p:ext>
     </p:extLst>
   </p:cSld>
@@ -12736,12 +14909,202 @@
           </a:fontRef>
         </p:style>
       </p:cxnSp>
+      <mc:AlternateContent xmlns:mc="http://schemas.openxmlformats.org/markup-compatibility/2006" xmlns:a14="http://schemas.microsoft.com/office/drawing/2010/main">
+        <mc:Choice Requires="a14">
+          <p:sp>
+            <p:nvSpPr>
+              <p:cNvPr id="7" name="ZoneTexte 6">
+                <a:extLst>
+                  <a:ext uri="{FF2B5EF4-FFF2-40B4-BE49-F238E27FC236}">
+                    <a16:creationId xmlns:a16="http://schemas.microsoft.com/office/drawing/2014/main" id="{B31AF22B-77AC-398F-8B32-17C6B4914236}"/>
+                  </a:ext>
+                </a:extLst>
+              </p:cNvPr>
+              <p:cNvSpPr txBox="1"/>
+              <p:nvPr/>
+            </p:nvSpPr>
+            <p:spPr>
+              <a:xfrm>
+                <a:off x="397565" y="787913"/>
+                <a:ext cx="11441731" cy="707886"/>
+              </a:xfrm>
+              <a:prstGeom prst="rect">
+                <a:avLst/>
+              </a:prstGeom>
+              <a:noFill/>
+            </p:spPr>
+            <p:txBody>
+              <a:bodyPr wrap="square" rtlCol="0">
+                <a:spAutoFit/>
+              </a:bodyPr>
+              <a:lstStyle/>
+              <a:p>
+                <a:r>
+                  <a:rPr lang="fr-FR" sz="2000" dirty="0">
+                    <a:latin typeface="Times New Roman" panose="02020603050405020304" pitchFamily="18" charset="0"/>
+                    <a:cs typeface="Times New Roman" panose="02020603050405020304" pitchFamily="18" charset="0"/>
+                  </a:rPr>
+                  <a:t>Quand dans un programme deux variables de types primitifs comme </a:t>
+                </a:r>
+                <a14:m>
+                  <m:oMath xmlns:m="http://schemas.openxmlformats.org/officeDocument/2006/math">
+                    <m:r>
+                      <a:rPr lang="fr-FR" sz="2000" b="0" i="1" smtClean="0">
+                        <a:latin typeface="Cambria Math" panose="02040503050406030204" pitchFamily="18" charset="0"/>
+                        <a:cs typeface="Times New Roman" panose="02020603050405020304" pitchFamily="18" charset="0"/>
+                      </a:rPr>
+                      <m:t>𝑖𝑛𝑡</m:t>
+                    </m:r>
+                    <m:r>
+                      <a:rPr lang="fr-FR" sz="2000" b="0" i="1" smtClean="0">
+                        <a:latin typeface="Cambria Math" panose="02040503050406030204" pitchFamily="18" charset="0"/>
+                        <a:cs typeface="Times New Roman" panose="02020603050405020304" pitchFamily="18" charset="0"/>
+                      </a:rPr>
+                      <m:t>, </m:t>
+                    </m:r>
+                    <m:r>
+                      <a:rPr lang="fr-FR" sz="2000" b="0" i="1" smtClean="0">
+                        <a:latin typeface="Cambria Math" panose="02040503050406030204" pitchFamily="18" charset="0"/>
+                        <a:cs typeface="Times New Roman" panose="02020603050405020304" pitchFamily="18" charset="0"/>
+                      </a:rPr>
+                      <m:t>𝑓𝑙𝑜𝑎𝑡</m:t>
+                    </m:r>
+                    <m:r>
+                      <a:rPr lang="fr-FR" sz="2000" b="0" i="1" smtClean="0">
+                        <a:latin typeface="Cambria Math" panose="02040503050406030204" pitchFamily="18" charset="0"/>
+                        <a:cs typeface="Times New Roman" panose="02020603050405020304" pitchFamily="18" charset="0"/>
+                      </a:rPr>
+                      <m:t>, </m:t>
+                    </m:r>
+                    <m:r>
+                      <a:rPr lang="fr-FR" sz="2000" b="0" i="1" smtClean="0">
+                        <a:latin typeface="Cambria Math" panose="02040503050406030204" pitchFamily="18" charset="0"/>
+                        <a:cs typeface="Times New Roman" panose="02020603050405020304" pitchFamily="18" charset="0"/>
+                      </a:rPr>
+                      <m:t>𝑏𝑜𝑜𝑙</m:t>
+                    </m:r>
+                    <m:r>
+                      <a:rPr lang="fr-FR" sz="2000" b="0" i="1" smtClean="0">
+                        <a:latin typeface="Cambria Math" panose="02040503050406030204" pitchFamily="18" charset="0"/>
+                        <a:cs typeface="Times New Roman" panose="02020603050405020304" pitchFamily="18" charset="0"/>
+                      </a:rPr>
+                      <m:t> </m:t>
+                    </m:r>
+                    <m:r>
+                      <a:rPr lang="fr-FR" sz="2000" b="0" i="1" smtClean="0">
+                        <a:latin typeface="Cambria Math" panose="02040503050406030204" pitchFamily="18" charset="0"/>
+                        <a:cs typeface="Times New Roman" panose="02020603050405020304" pitchFamily="18" charset="0"/>
+                      </a:rPr>
+                      <m:t>𝑒𝑡</m:t>
+                    </m:r>
+                    <m:r>
+                      <a:rPr lang="fr-FR" sz="2000" b="0" i="1" smtClean="0">
+                        <a:latin typeface="Cambria Math" panose="02040503050406030204" pitchFamily="18" charset="0"/>
+                        <a:cs typeface="Times New Roman" panose="02020603050405020304" pitchFamily="18" charset="0"/>
+                      </a:rPr>
+                      <m:t> </m:t>
+                    </m:r>
+                    <m:r>
+                      <a:rPr lang="fr-FR" sz="2000" b="0" i="1" smtClean="0">
+                        <a:latin typeface="Cambria Math" panose="02040503050406030204" pitchFamily="18" charset="0"/>
+                        <a:cs typeface="Times New Roman" panose="02020603050405020304" pitchFamily="18" charset="0"/>
+                      </a:rPr>
+                      <m:t>𝑠𝑡𝑟</m:t>
+                    </m:r>
+                  </m:oMath>
+                </a14:m>
+                <a:r>
+                  <a:rPr lang="fr-FR" sz="2000" dirty="0">
+                    <a:latin typeface="Times New Roman" panose="02020603050405020304" pitchFamily="18" charset="0"/>
+                    <a:cs typeface="Times New Roman" panose="02020603050405020304" pitchFamily="18" charset="0"/>
+                  </a:rPr>
+                  <a:t> ont la même valeur, alors les deux variables partage la même case mémoire tant qu’elle représente la même valeur. </a:t>
+                </a:r>
+              </a:p>
+            </p:txBody>
+          </p:sp>
+        </mc:Choice>
+        <mc:Fallback xmlns="">
+          <p:sp>
+            <p:nvSpPr>
+              <p:cNvPr id="7" name="ZoneTexte 6">
+                <a:extLst>
+                  <a:ext uri="{FF2B5EF4-FFF2-40B4-BE49-F238E27FC236}">
+                    <a16:creationId xmlns:a16="http://schemas.microsoft.com/office/drawing/2014/main" id="{B31AF22B-77AC-398F-8B32-17C6B4914236}"/>
+                  </a:ext>
+                </a:extLst>
+              </p:cNvPr>
+              <p:cNvSpPr txBox="1">
+                <a:spLocks noRot="1" noChangeAspect="1" noMove="1" noResize="1" noEditPoints="1" noAdjustHandles="1" noChangeArrowheads="1" noChangeShapeType="1" noTextEdit="1"/>
+              </p:cNvSpPr>
+              <p:nvPr/>
+            </p:nvSpPr>
+            <p:spPr>
+              <a:xfrm>
+                <a:off x="397565" y="787913"/>
+                <a:ext cx="11441731" cy="707886"/>
+              </a:xfrm>
+              <a:prstGeom prst="rect">
+                <a:avLst/>
+              </a:prstGeom>
+              <a:blipFill>
+                <a:blip r:embed="rId2"/>
+                <a:stretch>
+                  <a:fillRect l="-533" t="-4310" b="-14655"/>
+                </a:stretch>
+              </a:blipFill>
+            </p:spPr>
+            <p:txBody>
+              <a:bodyPr/>
+              <a:lstStyle/>
+              <a:p>
+                <a:r>
+                  <a:rPr lang="fr-FR">
+                    <a:noFill/>
+                  </a:rPr>
+                  <a:t> </a:t>
+                </a:r>
+              </a:p>
+            </p:txBody>
+          </p:sp>
+        </mc:Fallback>
+      </mc:AlternateContent>
+      <p:pic>
+        <p:nvPicPr>
+          <p:cNvPr id="14" name="Image 13" descr="Une image contenant texte, capture d’écran, Police, diagramme&#10;&#10;Description générée automatiquement">
+            <a:extLst>
+              <a:ext uri="{FF2B5EF4-FFF2-40B4-BE49-F238E27FC236}">
+                <a16:creationId xmlns:a16="http://schemas.microsoft.com/office/drawing/2014/main" id="{B01112CE-598B-B4D6-2939-A2E1CC97E026}"/>
+              </a:ext>
+            </a:extLst>
+          </p:cNvPr>
+          <p:cNvPicPr>
+            <a:picLocks noChangeAspect="1"/>
+          </p:cNvPicPr>
+          <p:nvPr/>
+        </p:nvPicPr>
+        <p:blipFill>
+          <a:blip r:embed="rId3"/>
+          <a:stretch>
+            <a:fillRect/>
+          </a:stretch>
+        </p:blipFill>
+        <p:spPr>
+          <a:xfrm>
+            <a:off x="2198816" y="1495799"/>
+            <a:ext cx="7997152" cy="3373679"/>
+          </a:xfrm>
+          <a:prstGeom prst="rect">
+            <a:avLst/>
+          </a:prstGeom>
+        </p:spPr>
+      </p:pic>
       <p:sp>
         <p:nvSpPr>
-          <p:cNvPr id="7" name="ZoneTexte 6">
+          <p:cNvPr id="15" name="ZoneTexte 14">
             <a:extLst>
               <a:ext uri="{FF2B5EF4-FFF2-40B4-BE49-F238E27FC236}">
-                <a16:creationId xmlns:a16="http://schemas.microsoft.com/office/drawing/2014/main" id="{B31AF22B-77AC-398F-8B32-17C6B4914236}"/>
+                <a16:creationId xmlns:a16="http://schemas.microsoft.com/office/drawing/2014/main" id="{1135D377-EB34-B19E-50F0-692D761410D1}"/>
               </a:ext>
             </a:extLst>
           </p:cNvPr>
@@ -12750,8 +15113,8 @@
         </p:nvSpPr>
         <p:spPr>
           <a:xfrm>
-            <a:off x="500932" y="941801"/>
-            <a:ext cx="11441731" cy="400110"/>
+            <a:off x="289708" y="5008258"/>
+            <a:ext cx="11441731" cy="1015663"/>
           </a:xfrm>
           <a:prstGeom prst="rect">
             <a:avLst/>
@@ -12765,11 +15128,11 @@
           <a:lstStyle/>
           <a:p>
             <a:r>
-              <a:rPr lang="fr-FR" sz="2000" dirty="0">
+              <a:rPr lang="fr-FR" sz="2000" b="1" dirty="0">
                 <a:latin typeface="Times New Roman" panose="02020603050405020304" pitchFamily="18" charset="0"/>
                 <a:cs typeface="Times New Roman" panose="02020603050405020304" pitchFamily="18" charset="0"/>
               </a:rPr>
-              <a:t>Voir si nécessaire d’ajouter </a:t>
+              <a:t>Ce mécanisme de partage de la case mémoire, n’augmente pas le nombre de cases mémoire occupées. 100 variables ayant la même valeur et 50 variables ayant la même valeur sont liées à une seule case mémoire.</a:t>
             </a:r>
           </a:p>
         </p:txBody>
@@ -12777,7 +15140,7 @@
     </p:spTree>
     <p:extLst>
       <p:ext uri="{BB962C8B-B14F-4D97-AF65-F5344CB8AC3E}">
-        <p14:creationId xmlns:p14="http://schemas.microsoft.com/office/powerpoint/2010/main" val="926986085"/>
+        <p14:creationId xmlns:p14="http://schemas.microsoft.com/office/powerpoint/2010/main" val="1131319035"/>
       </p:ext>
     </p:extLst>
   </p:cSld>
@@ -12857,6 +15220,496 @@
             <a:fld id="{B8C3BB88-DD29-4D42-B62E-D7D541DB4348}" type="slidenum">
               <a:rPr lang="fr-FR" smtClean="0"/>
               <a:t>23</a:t>
+            </a:fld>
+            <a:endParaRPr lang="fr-FR"/>
+          </a:p>
+        </p:txBody>
+      </p:sp>
+      <p:sp>
+        <p:nvSpPr>
+          <p:cNvPr id="6" name="ZoneTexte 5">
+            <a:extLst>
+              <a:ext uri="{FF2B5EF4-FFF2-40B4-BE49-F238E27FC236}">
+                <a16:creationId xmlns:a16="http://schemas.microsoft.com/office/drawing/2014/main" id="{84F10693-2FE8-EFC8-8DB6-84BFD181D260}"/>
+              </a:ext>
+            </a:extLst>
+          </p:cNvPr>
+          <p:cNvSpPr txBox="1"/>
+          <p:nvPr/>
+        </p:nvSpPr>
+        <p:spPr>
+          <a:xfrm>
+            <a:off x="397565" y="218526"/>
+            <a:ext cx="5577722" cy="461665"/>
+          </a:xfrm>
+          <a:prstGeom prst="rect">
+            <a:avLst/>
+          </a:prstGeom>
+          <a:noFill/>
+        </p:spPr>
+        <p:txBody>
+          <a:bodyPr wrap="square" rtlCol="0">
+            <a:spAutoFit/>
+          </a:bodyPr>
+          <a:lstStyle/>
+          <a:p>
+            <a:r>
+              <a:rPr lang="fr-FR" sz="2400" b="1" dirty="0">
+                <a:latin typeface="Times New Roman" panose="02020603050405020304" pitchFamily="18" charset="0"/>
+                <a:cs typeface="Times New Roman" panose="02020603050405020304" pitchFamily="18" charset="0"/>
+              </a:rPr>
+              <a:t>La fonction id avec les listes</a:t>
+            </a:r>
+            <a:endParaRPr lang="fr-FR" sz="2400" b="1" i="1" dirty="0">
+              <a:latin typeface="Times New Roman" panose="02020603050405020304" pitchFamily="18" charset="0"/>
+              <a:cs typeface="Times New Roman" panose="02020603050405020304" pitchFamily="18" charset="0"/>
+            </a:endParaRPr>
+          </a:p>
+        </p:txBody>
+      </p:sp>
+      <p:cxnSp>
+        <p:nvCxnSpPr>
+          <p:cNvPr id="3" name="Connecteur droit 2">
+            <a:extLst>
+              <a:ext uri="{FF2B5EF4-FFF2-40B4-BE49-F238E27FC236}">
+                <a16:creationId xmlns:a16="http://schemas.microsoft.com/office/drawing/2014/main" id="{6AC8021D-4898-08B9-18A0-60AC71EF613E}"/>
+              </a:ext>
+            </a:extLst>
+          </p:cNvPr>
+          <p:cNvCxnSpPr>
+            <a:cxnSpLocks/>
+          </p:cNvCxnSpPr>
+          <p:nvPr/>
+        </p:nvCxnSpPr>
+        <p:spPr>
+          <a:xfrm>
+            <a:off x="500932" y="680191"/>
+            <a:ext cx="11178450" cy="0"/>
+          </a:xfrm>
+          <a:prstGeom prst="line">
+            <a:avLst/>
+          </a:prstGeom>
+          <a:ln/>
+        </p:spPr>
+        <p:style>
+          <a:lnRef idx="3">
+            <a:schemeClr val="accent3"/>
+          </a:lnRef>
+          <a:fillRef idx="0">
+            <a:schemeClr val="accent3"/>
+          </a:fillRef>
+          <a:effectRef idx="2">
+            <a:schemeClr val="accent3"/>
+          </a:effectRef>
+          <a:fontRef idx="minor">
+            <a:schemeClr val="tx1"/>
+          </a:fontRef>
+        </p:style>
+      </p:cxnSp>
+      <mc:AlternateContent xmlns:mc="http://schemas.openxmlformats.org/markup-compatibility/2006">
+        <mc:Choice xmlns:a14="http://schemas.microsoft.com/office/drawing/2010/main" Requires="a14">
+          <p:sp>
+            <p:nvSpPr>
+              <p:cNvPr id="7" name="ZoneTexte 6">
+                <a:extLst>
+                  <a:ext uri="{FF2B5EF4-FFF2-40B4-BE49-F238E27FC236}">
+                    <a16:creationId xmlns:a16="http://schemas.microsoft.com/office/drawing/2014/main" id="{B31AF22B-77AC-398F-8B32-17C6B4914236}"/>
+                  </a:ext>
+                </a:extLst>
+              </p:cNvPr>
+              <p:cNvSpPr txBox="1"/>
+              <p:nvPr/>
+            </p:nvSpPr>
+            <p:spPr>
+              <a:xfrm>
+                <a:off x="397565" y="787913"/>
+                <a:ext cx="11441731" cy="1015663"/>
+              </a:xfrm>
+              <a:prstGeom prst="rect">
+                <a:avLst/>
+              </a:prstGeom>
+              <a:noFill/>
+            </p:spPr>
+            <p:txBody>
+              <a:bodyPr wrap="square" rtlCol="0">
+                <a:spAutoFit/>
+              </a:bodyPr>
+              <a:lstStyle/>
+              <a:p>
+                <a:r>
+                  <a:rPr lang="fr-FR" sz="2000" dirty="0">
+                    <a:latin typeface="Times New Roman" panose="02020603050405020304" pitchFamily="18" charset="0"/>
+                    <a:cs typeface="Times New Roman" panose="02020603050405020304" pitchFamily="18" charset="0"/>
+                  </a:rPr>
+                  <a:t>Quand on utilise les types complexes comme les </a:t>
+                </a:r>
+                <a14:m>
+                  <m:oMath xmlns:m="http://schemas.openxmlformats.org/officeDocument/2006/math">
+                    <m:r>
+                      <a:rPr lang="fr-FR" sz="2000" b="0" i="1" smtClean="0">
+                        <a:latin typeface="Cambria Math" panose="02040503050406030204" pitchFamily="18" charset="0"/>
+                        <a:cs typeface="Times New Roman" panose="02020603050405020304" pitchFamily="18" charset="0"/>
+                      </a:rPr>
+                      <m:t>𝑙𝑖𝑠𝑡</m:t>
+                    </m:r>
+                    <m:d>
+                      <m:dPr>
+                        <m:ctrlPr>
+                          <a:rPr lang="fr-FR" sz="2000" b="0" i="1" smtClean="0">
+                            <a:latin typeface="Cambria Math" panose="02040503050406030204" pitchFamily="18" charset="0"/>
+                            <a:cs typeface="Times New Roman" panose="02020603050405020304" pitchFamily="18" charset="0"/>
+                          </a:rPr>
+                        </m:ctrlPr>
+                      </m:dPr>
+                      <m:e>
+                        <m:r>
+                          <a:rPr lang="fr-FR" sz="2000" b="0" i="1" smtClean="0">
+                            <a:latin typeface="Cambria Math" panose="02040503050406030204" pitchFamily="18" charset="0"/>
+                            <a:cs typeface="Times New Roman" panose="02020603050405020304" pitchFamily="18" charset="0"/>
+                          </a:rPr>
+                          <m:t>𝑙𝑖𝑠𝑡𝑒</m:t>
+                        </m:r>
+                      </m:e>
+                    </m:d>
+                    <m:r>
+                      <a:rPr lang="fr-FR" sz="2000" b="0" i="1" smtClean="0">
+                        <a:latin typeface="Cambria Math" panose="02040503050406030204" pitchFamily="18" charset="0"/>
+                        <a:cs typeface="Times New Roman" panose="02020603050405020304" pitchFamily="18" charset="0"/>
+                      </a:rPr>
+                      <m:t>, </m:t>
+                    </m:r>
+                    <m:r>
+                      <a:rPr lang="fr-FR" sz="2000" b="0" i="1" smtClean="0">
+                        <a:latin typeface="Cambria Math" panose="02040503050406030204" pitchFamily="18" charset="0"/>
+                        <a:cs typeface="Times New Roman" panose="02020603050405020304" pitchFamily="18" charset="0"/>
+                      </a:rPr>
+                      <m:t>𝑡𝑢𝑝𝑙𝑒</m:t>
+                    </m:r>
+                    <m:r>
+                      <a:rPr lang="fr-FR" sz="2000" b="0" i="1" smtClean="0">
+                        <a:latin typeface="Cambria Math" panose="02040503050406030204" pitchFamily="18" charset="0"/>
+                        <a:cs typeface="Times New Roman" panose="02020603050405020304" pitchFamily="18" charset="0"/>
+                      </a:rPr>
+                      <m:t> </m:t>
+                    </m:r>
+                    <m:r>
+                      <a:rPr lang="fr-FR" sz="2000" b="0" i="1" smtClean="0">
+                        <a:latin typeface="Cambria Math" panose="02040503050406030204" pitchFamily="18" charset="0"/>
+                        <a:cs typeface="Times New Roman" panose="02020603050405020304" pitchFamily="18" charset="0"/>
+                      </a:rPr>
+                      <m:t>𝑒𝑡</m:t>
+                    </m:r>
+                    <m:r>
+                      <a:rPr lang="fr-FR" sz="2000" b="0" i="1" smtClean="0">
+                        <a:latin typeface="Cambria Math" panose="02040503050406030204" pitchFamily="18" charset="0"/>
+                        <a:cs typeface="Times New Roman" panose="02020603050405020304" pitchFamily="18" charset="0"/>
+                      </a:rPr>
+                      <m:t> </m:t>
+                    </m:r>
+                    <m:r>
+                      <a:rPr lang="fr-FR" sz="2000" b="0" i="1" smtClean="0">
+                        <a:latin typeface="Cambria Math" panose="02040503050406030204" pitchFamily="18" charset="0"/>
+                        <a:cs typeface="Times New Roman" panose="02020603050405020304" pitchFamily="18" charset="0"/>
+                      </a:rPr>
+                      <m:t>𝑙𝑒𝑠</m:t>
+                    </m:r>
+                    <m:r>
+                      <a:rPr lang="fr-FR" sz="2000" b="0" i="1" smtClean="0">
+                        <a:latin typeface="Cambria Math" panose="02040503050406030204" pitchFamily="18" charset="0"/>
+                        <a:cs typeface="Times New Roman" panose="02020603050405020304" pitchFamily="18" charset="0"/>
+                      </a:rPr>
+                      <m:t> </m:t>
+                    </m:r>
+                    <m:r>
+                      <a:rPr lang="fr-FR" sz="2000" b="0" i="1" smtClean="0">
+                        <a:latin typeface="Cambria Math" panose="02040503050406030204" pitchFamily="18" charset="0"/>
+                        <a:cs typeface="Times New Roman" panose="02020603050405020304" pitchFamily="18" charset="0"/>
+                      </a:rPr>
+                      <m:t>𝑑𝑖𝑐𝑡</m:t>
+                    </m:r>
+                    <m:r>
+                      <a:rPr lang="fr-FR" sz="2000" b="0" i="1" smtClean="0">
+                        <a:latin typeface="Cambria Math" panose="02040503050406030204" pitchFamily="18" charset="0"/>
+                        <a:cs typeface="Times New Roman" panose="02020603050405020304" pitchFamily="18" charset="0"/>
+                      </a:rPr>
+                      <m:t>(</m:t>
+                    </m:r>
+                    <m:r>
+                      <a:rPr lang="fr-FR" sz="2000" b="0" i="1" smtClean="0">
+                        <a:latin typeface="Cambria Math" panose="02040503050406030204" pitchFamily="18" charset="0"/>
+                        <a:cs typeface="Times New Roman" panose="02020603050405020304" pitchFamily="18" charset="0"/>
+                      </a:rPr>
+                      <m:t>𝑑𝑖𝑐𝑡𝑖𝑜𝑛𝑛𝑎𝑖𝑟𝑒𝑠</m:t>
+                    </m:r>
+                    <m:r>
+                      <a:rPr lang="fr-FR" sz="2000" b="0" i="1" smtClean="0">
+                        <a:latin typeface="Cambria Math" panose="02040503050406030204" pitchFamily="18" charset="0"/>
+                        <a:cs typeface="Times New Roman" panose="02020603050405020304" pitchFamily="18" charset="0"/>
+                      </a:rPr>
+                      <m:t>)</m:t>
+                    </m:r>
+                  </m:oMath>
+                </a14:m>
+                <a:r>
+                  <a:rPr lang="fr-FR" sz="2000" dirty="0">
+                    <a:latin typeface="Times New Roman" panose="02020603050405020304" pitchFamily="18" charset="0"/>
+                    <a:cs typeface="Times New Roman" panose="02020603050405020304" pitchFamily="18" charset="0"/>
+                  </a:rPr>
+                  <a:t> cela n’est plus pareil. Toute déclaration d’une variable de type objet sera stockée dans une nouvelle case mémoire peu importe qu’une autre variable avec la même valeur existe ou non.</a:t>
+                </a:r>
+              </a:p>
+            </p:txBody>
+          </p:sp>
+        </mc:Choice>
+        <mc:Fallback>
+          <p:sp>
+            <p:nvSpPr>
+              <p:cNvPr id="7" name="ZoneTexte 6">
+                <a:extLst>
+                  <a:ext uri="{FF2B5EF4-FFF2-40B4-BE49-F238E27FC236}">
+                    <a16:creationId xmlns:a16="http://schemas.microsoft.com/office/drawing/2014/main" id="{B31AF22B-77AC-398F-8B32-17C6B4914236}"/>
+                  </a:ext>
+                </a:extLst>
+              </p:cNvPr>
+              <p:cNvSpPr txBox="1">
+                <a:spLocks noRot="1" noChangeAspect="1" noMove="1" noResize="1" noEditPoints="1" noAdjustHandles="1" noChangeArrowheads="1" noChangeShapeType="1" noTextEdit="1"/>
+              </p:cNvSpPr>
+              <p:nvPr/>
+            </p:nvSpPr>
+            <p:spPr>
+              <a:xfrm>
+                <a:off x="397565" y="787913"/>
+                <a:ext cx="11441731" cy="1015663"/>
+              </a:xfrm>
+              <a:prstGeom prst="rect">
+                <a:avLst/>
+              </a:prstGeom>
+              <a:blipFill>
+                <a:blip r:embed="rId2"/>
+                <a:stretch>
+                  <a:fillRect l="-533" t="-2994" r="-906" b="-9581"/>
+                </a:stretch>
+              </a:blipFill>
+            </p:spPr>
+            <p:txBody>
+              <a:bodyPr/>
+              <a:lstStyle/>
+              <a:p>
+                <a:r>
+                  <a:rPr lang="fr-FR">
+                    <a:noFill/>
+                  </a:rPr>
+                  <a:t> </a:t>
+                </a:r>
+              </a:p>
+            </p:txBody>
+          </p:sp>
+        </mc:Fallback>
+      </mc:AlternateContent>
+      <p:pic>
+        <p:nvPicPr>
+          <p:cNvPr id="8" name="Image 7" descr="Une image contenant texte, capture d’écran, Police, affichage&#10;&#10;Description générée automatiquement">
+            <a:extLst>
+              <a:ext uri="{FF2B5EF4-FFF2-40B4-BE49-F238E27FC236}">
+                <a16:creationId xmlns:a16="http://schemas.microsoft.com/office/drawing/2014/main" id="{3F6A5D9B-37D3-B7F7-F0B3-D6752617F531}"/>
+              </a:ext>
+            </a:extLst>
+          </p:cNvPr>
+          <p:cNvPicPr>
+            <a:picLocks noChangeAspect="1"/>
+          </p:cNvPicPr>
+          <p:nvPr/>
+        </p:nvPicPr>
+        <p:blipFill>
+          <a:blip r:embed="rId3"/>
+          <a:stretch>
+            <a:fillRect/>
+          </a:stretch>
+        </p:blipFill>
+        <p:spPr>
+          <a:xfrm>
+            <a:off x="500932" y="1911297"/>
+            <a:ext cx="6731120" cy="3674691"/>
+          </a:xfrm>
+          <a:prstGeom prst="rect">
+            <a:avLst/>
+          </a:prstGeom>
+        </p:spPr>
+      </p:pic>
+      <p:sp>
+        <p:nvSpPr>
+          <p:cNvPr id="10" name="ZoneTexte 9">
+            <a:extLst>
+              <a:ext uri="{FF2B5EF4-FFF2-40B4-BE49-F238E27FC236}">
+                <a16:creationId xmlns:a16="http://schemas.microsoft.com/office/drawing/2014/main" id="{83768967-1696-8C4F-9FD1-D7DA1F003343}"/>
+              </a:ext>
+            </a:extLst>
+          </p:cNvPr>
+          <p:cNvSpPr txBox="1"/>
+          <p:nvPr/>
+        </p:nvSpPr>
+        <p:spPr>
+          <a:xfrm>
+            <a:off x="7269814" y="2933034"/>
+            <a:ext cx="4865838" cy="1631216"/>
+          </a:xfrm>
+          <a:prstGeom prst="rect">
+            <a:avLst/>
+          </a:prstGeom>
+          <a:noFill/>
+        </p:spPr>
+        <p:txBody>
+          <a:bodyPr wrap="square" rtlCol="0">
+            <a:spAutoFit/>
+          </a:bodyPr>
+          <a:lstStyle/>
+          <a:p>
+            <a:r>
+              <a:rPr lang="fr-FR" sz="2000" b="1" dirty="0">
+                <a:latin typeface="Times New Roman" panose="02020603050405020304" pitchFamily="18" charset="0"/>
+                <a:cs typeface="Times New Roman" panose="02020603050405020304" pitchFamily="18" charset="0"/>
+              </a:rPr>
+              <a:t>Contrairement aux types primitifs ici on a une augmentation du nombre de cases mémoire occupées. 100 variables de types objet occuperont 100 cases mémoires différentes.</a:t>
+            </a:r>
+          </a:p>
+        </p:txBody>
+      </p:sp>
+      <p:sp>
+        <p:nvSpPr>
+          <p:cNvPr id="11" name="ZoneTexte 10">
+            <a:extLst>
+              <a:ext uri="{FF2B5EF4-FFF2-40B4-BE49-F238E27FC236}">
+                <a16:creationId xmlns:a16="http://schemas.microsoft.com/office/drawing/2014/main" id="{F860C26C-9F57-0F4D-4274-5AA5BE3BF8F7}"/>
+              </a:ext>
+            </a:extLst>
+          </p:cNvPr>
+          <p:cNvSpPr txBox="1"/>
+          <p:nvPr/>
+        </p:nvSpPr>
+        <p:spPr>
+          <a:xfrm>
+            <a:off x="369291" y="5711043"/>
+            <a:ext cx="11441731" cy="400110"/>
+          </a:xfrm>
+          <a:prstGeom prst="rect">
+            <a:avLst/>
+          </a:prstGeom>
+          <a:noFill/>
+        </p:spPr>
+        <p:txBody>
+          <a:bodyPr wrap="square" rtlCol="0">
+            <a:spAutoFit/>
+          </a:bodyPr>
+          <a:lstStyle/>
+          <a:p>
+            <a:r>
+              <a:rPr lang="fr-FR" sz="2000" dirty="0">
+                <a:latin typeface="Times New Roman" panose="02020603050405020304" pitchFamily="18" charset="0"/>
+                <a:cs typeface="Times New Roman" panose="02020603050405020304" pitchFamily="18" charset="0"/>
+              </a:rPr>
+              <a:t>Lire l’article </a:t>
+            </a:r>
+            <a:r>
+              <a:rPr lang="fr-FR" sz="2000" dirty="0">
+                <a:latin typeface="Times New Roman" panose="02020603050405020304" pitchFamily="18" charset="0"/>
+                <a:cs typeface="Times New Roman" panose="02020603050405020304" pitchFamily="18" charset="0"/>
+                <a:hlinkClick r:id="rId4"/>
+              </a:rPr>
+              <a:t>Quelle est le rôle de la fonction id en Python ?</a:t>
+            </a:r>
+            <a:r>
+              <a:rPr lang="fr-FR" sz="2000" dirty="0">
+                <a:latin typeface="Times New Roman" panose="02020603050405020304" pitchFamily="18" charset="0"/>
+                <a:cs typeface="Times New Roman" panose="02020603050405020304" pitchFamily="18" charset="0"/>
+              </a:rPr>
+              <a:t> pour plus d’informations.</a:t>
+            </a:r>
+          </a:p>
+        </p:txBody>
+      </p:sp>
+    </p:spTree>
+    <p:extLst>
+      <p:ext uri="{BB962C8B-B14F-4D97-AF65-F5344CB8AC3E}">
+        <p14:creationId xmlns:p14="http://schemas.microsoft.com/office/powerpoint/2010/main" val="3409626170"/>
+      </p:ext>
+    </p:extLst>
+  </p:cSld>
+  <p:clrMapOvr>
+    <a:masterClrMapping/>
+  </p:clrMapOvr>
+</p:sld>
+</file>
+
+<file path=ppt/slides/slide24.xml><?xml version="1.0" encoding="utf-8"?>
+<p:sld xmlns:a="http://schemas.openxmlformats.org/drawingml/2006/main" xmlns:r="http://schemas.openxmlformats.org/officeDocument/2006/relationships" xmlns:p="http://schemas.openxmlformats.org/presentationml/2006/main">
+  <p:cSld>
+    <p:spTree>
+      <p:nvGrpSpPr>
+        <p:cNvPr id="1" name=""/>
+        <p:cNvGrpSpPr/>
+        <p:nvPr/>
+      </p:nvGrpSpPr>
+      <p:grpSpPr>
+        <a:xfrm>
+          <a:off x="0" y="0"/>
+          <a:ext cx="0" cy="0"/>
+          <a:chOff x="0" y="0"/>
+          <a:chExt cx="0" cy="0"/>
+        </a:xfrm>
+      </p:grpSpPr>
+      <p:sp>
+        <p:nvSpPr>
+          <p:cNvPr id="4" name="Espace réservé du pied de page 3">
+            <a:extLst>
+              <a:ext uri="{FF2B5EF4-FFF2-40B4-BE49-F238E27FC236}">
+                <a16:creationId xmlns:a16="http://schemas.microsoft.com/office/drawing/2014/main" id="{8FEEC940-4BFF-956C-713A-1CE73C436B6F}"/>
+              </a:ext>
+            </a:extLst>
+          </p:cNvPr>
+          <p:cNvSpPr>
+            <a:spLocks noGrp="1"/>
+          </p:cNvSpPr>
+          <p:nvPr>
+            <p:ph type="ftr" sz="quarter" idx="11"/>
+          </p:nvPr>
+        </p:nvSpPr>
+        <p:spPr/>
+        <p:txBody>
+          <a:bodyPr/>
+          <a:lstStyle/>
+          <a:p>
+            <a:r>
+              <a:rPr lang="fr-FR"/>
+              <a:t>Cours: Python | Auteur: TUO N. Ismaël Maurice 
+</a:t>
+            </a:r>
+          </a:p>
+        </p:txBody>
+      </p:sp>
+      <p:sp>
+        <p:nvSpPr>
+          <p:cNvPr id="5" name="Espace réservé du numéro de diapositive 4">
+            <a:extLst>
+              <a:ext uri="{FF2B5EF4-FFF2-40B4-BE49-F238E27FC236}">
+                <a16:creationId xmlns:a16="http://schemas.microsoft.com/office/drawing/2014/main" id="{CE50FB16-F89F-D7CA-C6AA-CFC075094990}"/>
+              </a:ext>
+            </a:extLst>
+          </p:cNvPr>
+          <p:cNvSpPr>
+            <a:spLocks noGrp="1"/>
+          </p:cNvSpPr>
+          <p:nvPr>
+            <p:ph type="sldNum" sz="quarter" idx="12"/>
+          </p:nvPr>
+        </p:nvSpPr>
+        <p:spPr/>
+        <p:txBody>
+          <a:bodyPr/>
+          <a:lstStyle/>
+          <a:p>
+            <a:fld id="{B8C3BB88-DD29-4D42-B62E-D7D541DB4348}" type="slidenum">
+              <a:rPr lang="fr-FR" smtClean="0"/>
+              <a:t>24</a:t>
             </a:fld>
             <a:endParaRPr lang="fr-FR"/>
           </a:p>
@@ -13262,7 +16115,7 @@
 </p:sld>
 </file>
 
-<file path=ppt/slides/slide24.xml><?xml version="1.0" encoding="utf-8"?>
+<file path=ppt/slides/slide25.xml><?xml version="1.0" encoding="utf-8"?>
 <p:sld xmlns:a="http://schemas.openxmlformats.org/drawingml/2006/main" xmlns:r="http://schemas.openxmlformats.org/officeDocument/2006/relationships" xmlns:p="http://schemas.openxmlformats.org/presentationml/2006/main">
   <p:cSld>
     <p:spTree>
@@ -13331,7 +16184,7 @@
           <a:p>
             <a:fld id="{B8C3BB88-DD29-4D42-B62E-D7D541DB4348}" type="slidenum">
               <a:rPr lang="fr-FR" smtClean="0"/>
-              <a:t>24</a:t>
+              <a:t>25</a:t>
             </a:fld>
             <a:endParaRPr lang="fr-FR"/>
           </a:p>
@@ -13510,7 +16363,7 @@
                 <a:latin typeface="Times New Roman" panose="02020603050405020304" pitchFamily="18" charset="0"/>
                 <a:cs typeface="Times New Roman" panose="02020603050405020304" pitchFamily="18" charset="0"/>
               </a:rPr>
-              <a:t>Ensuite afficher la liste des nombres en ordre croissant ou décroissant, afficher le plus grande de ces nombres et le plus petit de ces nombres.</a:t>
+              <a:t>Ensuite afficher la liste des nombres en ordre croissant ou décroissant, afficher le plus grand de ces nombres et le plus petit de ces nombres.</a:t>
             </a:r>
           </a:p>
         </p:txBody>
@@ -13694,7 +16547,7 @@
 </p:sld>
 </file>
 
-<file path=ppt/slides/slide25.xml><?xml version="1.0" encoding="utf-8"?>
+<file path=ppt/slides/slide26.xml><?xml version="1.0" encoding="utf-8"?>
 <p:sld xmlns:a="http://schemas.openxmlformats.org/drawingml/2006/main" xmlns:r="http://schemas.openxmlformats.org/officeDocument/2006/relationships" xmlns:p="http://schemas.openxmlformats.org/presentationml/2006/main">
   <p:cSld>
     <p:spTree>
@@ -13763,7 +16616,7 @@
           <a:p>
             <a:fld id="{B8C3BB88-DD29-4D42-B62E-D7D541DB4348}" type="slidenum">
               <a:rPr lang="fr-FR" smtClean="0"/>
-              <a:t>25</a:t>
+              <a:t>26</a:t>
             </a:fld>
             <a:endParaRPr lang="fr-FR"/>
           </a:p>
@@ -13990,7 +16843,7 @@
                 <a:latin typeface="Times New Roman" panose="02020603050405020304" pitchFamily="18" charset="0"/>
                 <a:cs typeface="Times New Roman" panose="02020603050405020304" pitchFamily="18" charset="0"/>
               </a:rPr>
-              <a:t>Le nombre de question dépendra du mode choisit:</a:t>
+              <a:t>Le nombre de questions dépendra du mode choisit:</a:t>
             </a:r>
           </a:p>
           <a:p>
@@ -14088,7 +16941,7 @@
 </p:sld>
 </file>
 
-<file path=ppt/slides/slide26.xml><?xml version="1.0" encoding="utf-8"?>
+<file path=ppt/slides/slide27.xml><?xml version="1.0" encoding="utf-8"?>
 <p:sld xmlns:a="http://schemas.openxmlformats.org/drawingml/2006/main" xmlns:r="http://schemas.openxmlformats.org/officeDocument/2006/relationships" xmlns:p="http://schemas.openxmlformats.org/presentationml/2006/main">
   <p:cSld>
     <p:spTree>
@@ -14157,7 +17010,7 @@
           <a:p>
             <a:fld id="{B8C3BB88-DD29-4D42-B62E-D7D541DB4348}" type="slidenum">
               <a:rPr lang="fr-FR" smtClean="0"/>
-              <a:t>26</a:t>
+              <a:t>27</a:t>
             </a:fld>
             <a:endParaRPr lang="fr-FR"/>
           </a:p>
@@ -14404,7 +17257,21 @@
                 <a:latin typeface="Times New Roman" panose="02020603050405020304" pitchFamily="18" charset="0"/>
                 <a:cs typeface="Times New Roman" panose="02020603050405020304" pitchFamily="18" charset="0"/>
               </a:rPr>
-              <a:t>Lors de l’enregistrement procédé comme suite Prénoms NOM. Si l’utilisateur entre comme nom </a:t>
+              <a:t>Lors de l’enregistrement procédé respecter </a:t>
+            </a:r>
+            <a:r>
+              <a:rPr lang="fr-FR">
+                <a:latin typeface="Times New Roman" panose="02020603050405020304" pitchFamily="18" charset="0"/>
+                <a:cs typeface="Times New Roman" panose="02020603050405020304" pitchFamily="18" charset="0"/>
+              </a:rPr>
+              <a:t>le format Prénoms </a:t>
+            </a:r>
+            <a:r>
+              <a:rPr lang="fr-FR" dirty="0">
+                <a:latin typeface="Times New Roman" panose="02020603050405020304" pitchFamily="18" charset="0"/>
+                <a:cs typeface="Times New Roman" panose="02020603050405020304" pitchFamily="18" charset="0"/>
+              </a:rPr>
+              <a:t>NOM. Si l’utilisateur entre comme nom </a:t>
             </a:r>
             <a:r>
               <a:rPr lang="fr-FR" dirty="0" err="1">
@@ -14436,7 +17303,7 @@
 </p:sld>
 </file>
 
-<file path=ppt/slides/slide27.xml><?xml version="1.0" encoding="utf-8"?>
+<file path=ppt/slides/slide28.xml><?xml version="1.0" encoding="utf-8"?>
 <p:sld xmlns:a="http://schemas.openxmlformats.org/drawingml/2006/main" xmlns:r="http://schemas.openxmlformats.org/officeDocument/2006/relationships" xmlns:p="http://schemas.openxmlformats.org/presentationml/2006/main">
   <p:cSld>
     <p:spTree>
@@ -14505,7 +17372,7 @@
           <a:p>
             <a:fld id="{B8C3BB88-DD29-4D42-B62E-D7D541DB4348}" type="slidenum">
               <a:rPr lang="fr-FR" smtClean="0"/>
-              <a:t>27</a:t>
+              <a:t>28</a:t>
             </a:fld>
             <a:endParaRPr lang="fr-FR"/>
           </a:p>
@@ -15030,7 +17897,7 @@
 </p:sld>
 </file>
 
-<file path=ppt/slides/slide28.xml><?xml version="1.0" encoding="utf-8"?>
+<file path=ppt/slides/slide29.xml><?xml version="1.0" encoding="utf-8"?>
 <p:sld xmlns:a="http://schemas.openxmlformats.org/drawingml/2006/main" xmlns:r="http://schemas.openxmlformats.org/officeDocument/2006/relationships" xmlns:p="http://schemas.openxmlformats.org/presentationml/2006/main">
   <p:cSld>
     <p:spTree>
@@ -15099,7 +17966,7 @@
           <a:p>
             <a:fld id="{B8C3BB88-DD29-4D42-B62E-D7D541DB4348}" type="slidenum">
               <a:rPr lang="fr-FR" smtClean="0"/>
-              <a:t>28</a:t>
+              <a:t>29</a:t>
             </a:fld>
             <a:endParaRPr lang="fr-FR"/>
           </a:p>
@@ -15467,265 +18334,6 @@
 </p:sld>
 </file>
 
-<file path=ppt/slides/slide29.xml><?xml version="1.0" encoding="utf-8"?>
-<p:sld xmlns:a="http://schemas.openxmlformats.org/drawingml/2006/main" xmlns:r="http://schemas.openxmlformats.org/officeDocument/2006/relationships" xmlns:p="http://schemas.openxmlformats.org/presentationml/2006/main">
-  <p:cSld>
-    <p:spTree>
-      <p:nvGrpSpPr>
-        <p:cNvPr id="1" name=""/>
-        <p:cNvGrpSpPr/>
-        <p:nvPr/>
-      </p:nvGrpSpPr>
-      <p:grpSpPr>
-        <a:xfrm>
-          <a:off x="0" y="0"/>
-          <a:ext cx="0" cy="0"/>
-          <a:chOff x="0" y="0"/>
-          <a:chExt cx="0" cy="0"/>
-        </a:xfrm>
-      </p:grpSpPr>
-      <p:sp>
-        <p:nvSpPr>
-          <p:cNvPr id="4" name="Espace réservé du pied de page 3">
-            <a:extLst>
-              <a:ext uri="{FF2B5EF4-FFF2-40B4-BE49-F238E27FC236}">
-                <a16:creationId xmlns:a16="http://schemas.microsoft.com/office/drawing/2014/main" id="{8FEEC940-4BFF-956C-713A-1CE73C436B6F}"/>
-              </a:ext>
-            </a:extLst>
-          </p:cNvPr>
-          <p:cNvSpPr>
-            <a:spLocks noGrp="1"/>
-          </p:cNvSpPr>
-          <p:nvPr>
-            <p:ph type="ftr" sz="quarter" idx="11"/>
-          </p:nvPr>
-        </p:nvSpPr>
-        <p:spPr/>
-        <p:txBody>
-          <a:bodyPr/>
-          <a:lstStyle/>
-          <a:p>
-            <a:r>
-              <a:rPr lang="fr-FR"/>
-              <a:t>Cours: Python | Auteur: TUO N. Ismaël Maurice 
-</a:t>
-            </a:r>
-          </a:p>
-        </p:txBody>
-      </p:sp>
-      <p:sp>
-        <p:nvSpPr>
-          <p:cNvPr id="5" name="Espace réservé du numéro de diapositive 4">
-            <a:extLst>
-              <a:ext uri="{FF2B5EF4-FFF2-40B4-BE49-F238E27FC236}">
-                <a16:creationId xmlns:a16="http://schemas.microsoft.com/office/drawing/2014/main" id="{CE50FB16-F89F-D7CA-C6AA-CFC075094990}"/>
-              </a:ext>
-            </a:extLst>
-          </p:cNvPr>
-          <p:cNvSpPr>
-            <a:spLocks noGrp="1"/>
-          </p:cNvSpPr>
-          <p:nvPr>
-            <p:ph type="sldNum" sz="quarter" idx="12"/>
-          </p:nvPr>
-        </p:nvSpPr>
-        <p:spPr/>
-        <p:txBody>
-          <a:bodyPr/>
-          <a:lstStyle/>
-          <a:p>
-            <a:fld id="{B8C3BB88-DD29-4D42-B62E-D7D541DB4348}" type="slidenum">
-              <a:rPr lang="fr-FR" smtClean="0"/>
-              <a:t>29</a:t>
-            </a:fld>
-            <a:endParaRPr lang="fr-FR"/>
-          </a:p>
-        </p:txBody>
-      </p:sp>
-      <p:sp>
-        <p:nvSpPr>
-          <p:cNvPr id="6" name="ZoneTexte 5">
-            <a:extLst>
-              <a:ext uri="{FF2B5EF4-FFF2-40B4-BE49-F238E27FC236}">
-                <a16:creationId xmlns:a16="http://schemas.microsoft.com/office/drawing/2014/main" id="{84F10693-2FE8-EFC8-8DB6-84BFD181D260}"/>
-              </a:ext>
-            </a:extLst>
-          </p:cNvPr>
-          <p:cNvSpPr txBox="1"/>
-          <p:nvPr/>
-        </p:nvSpPr>
-        <p:spPr>
-          <a:xfrm>
-            <a:off x="397564" y="218526"/>
-            <a:ext cx="5795005" cy="461665"/>
-          </a:xfrm>
-          <a:prstGeom prst="rect">
-            <a:avLst/>
-          </a:prstGeom>
-          <a:noFill/>
-        </p:spPr>
-        <p:txBody>
-          <a:bodyPr wrap="square" rtlCol="0">
-            <a:spAutoFit/>
-          </a:bodyPr>
-          <a:lstStyle/>
-          <a:p>
-            <a:r>
-              <a:rPr lang="fr-FR" sz="2400" b="1" dirty="0">
-                <a:latin typeface="Times New Roman" panose="02020603050405020304" pitchFamily="18" charset="0"/>
-                <a:cs typeface="Times New Roman" panose="02020603050405020304" pitchFamily="18" charset="0"/>
-              </a:rPr>
-              <a:t>Exercices</a:t>
-            </a:r>
-          </a:p>
-        </p:txBody>
-      </p:sp>
-      <p:cxnSp>
-        <p:nvCxnSpPr>
-          <p:cNvPr id="3" name="Connecteur droit 2">
-            <a:extLst>
-              <a:ext uri="{FF2B5EF4-FFF2-40B4-BE49-F238E27FC236}">
-                <a16:creationId xmlns:a16="http://schemas.microsoft.com/office/drawing/2014/main" id="{6AC8021D-4898-08B9-18A0-60AC71EF613E}"/>
-              </a:ext>
-            </a:extLst>
-          </p:cNvPr>
-          <p:cNvCxnSpPr>
-            <a:cxnSpLocks/>
-          </p:cNvCxnSpPr>
-          <p:nvPr/>
-        </p:nvCxnSpPr>
-        <p:spPr>
-          <a:xfrm>
-            <a:off x="500932" y="680191"/>
-            <a:ext cx="11178450" cy="0"/>
-          </a:xfrm>
-          <a:prstGeom prst="line">
-            <a:avLst/>
-          </a:prstGeom>
-          <a:ln/>
-        </p:spPr>
-        <p:style>
-          <a:lnRef idx="3">
-            <a:schemeClr val="accent3"/>
-          </a:lnRef>
-          <a:fillRef idx="0">
-            <a:schemeClr val="accent3"/>
-          </a:fillRef>
-          <a:effectRef idx="2">
-            <a:schemeClr val="accent3"/>
-          </a:effectRef>
-          <a:fontRef idx="minor">
-            <a:schemeClr val="tx1"/>
-          </a:fontRef>
-        </p:style>
-      </p:cxnSp>
-      <p:sp>
-        <p:nvSpPr>
-          <p:cNvPr id="2" name="ZoneTexte 1">
-            <a:extLst>
-              <a:ext uri="{FF2B5EF4-FFF2-40B4-BE49-F238E27FC236}">
-                <a16:creationId xmlns:a16="http://schemas.microsoft.com/office/drawing/2014/main" id="{598CC1F4-92B5-97D6-5630-8A3701211AA4}"/>
-              </a:ext>
-            </a:extLst>
-          </p:cNvPr>
-          <p:cNvSpPr txBox="1"/>
-          <p:nvPr/>
-        </p:nvSpPr>
-        <p:spPr>
-          <a:xfrm>
-            <a:off x="397564" y="711780"/>
-            <a:ext cx="11569148" cy="400110"/>
-          </a:xfrm>
-          <a:prstGeom prst="rect">
-            <a:avLst/>
-          </a:prstGeom>
-          <a:noFill/>
-        </p:spPr>
-        <p:txBody>
-          <a:bodyPr wrap="square" rtlCol="0">
-            <a:spAutoFit/>
-          </a:bodyPr>
-          <a:lstStyle/>
-          <a:p>
-            <a:r>
-              <a:rPr lang="fr-FR" sz="2000" b="1" u="sng" dirty="0">
-                <a:latin typeface="Times New Roman" panose="02020603050405020304" pitchFamily="18" charset="0"/>
-                <a:cs typeface="Times New Roman" panose="02020603050405020304" pitchFamily="18" charset="0"/>
-              </a:rPr>
-              <a:t>Mini-Projet 4</a:t>
-            </a:r>
-          </a:p>
-        </p:txBody>
-      </p:sp>
-      <p:sp>
-        <p:nvSpPr>
-          <p:cNvPr id="7" name="ZoneTexte 6">
-            <a:extLst>
-              <a:ext uri="{FF2B5EF4-FFF2-40B4-BE49-F238E27FC236}">
-                <a16:creationId xmlns:a16="http://schemas.microsoft.com/office/drawing/2014/main" id="{990321CC-02EF-ED64-0AA9-789ED60F60B1}"/>
-              </a:ext>
-            </a:extLst>
-          </p:cNvPr>
-          <p:cNvSpPr txBox="1"/>
-          <p:nvPr/>
-        </p:nvSpPr>
-        <p:spPr>
-          <a:xfrm>
-            <a:off x="397564" y="1090885"/>
-            <a:ext cx="11088982" cy="400110"/>
-          </a:xfrm>
-          <a:prstGeom prst="rect">
-            <a:avLst/>
-          </a:prstGeom>
-          <a:noFill/>
-        </p:spPr>
-        <p:txBody>
-          <a:bodyPr wrap="square" rtlCol="0">
-            <a:spAutoFit/>
-          </a:bodyPr>
-          <a:lstStyle>
-            <a:defPPr>
-              <a:defRPr lang="en-US"/>
-            </a:defPPr>
-            <a:lvl1pPr>
-              <a:defRPr sz="2000"/>
-            </a:lvl1pPr>
-          </a:lstStyle>
-          <a:p>
-            <a:r>
-              <a:rPr lang="fr-FR" dirty="0">
-                <a:latin typeface="Times New Roman" panose="02020603050405020304" pitchFamily="18" charset="0"/>
-                <a:cs typeface="Times New Roman" panose="02020603050405020304" pitchFamily="18" charset="0"/>
-              </a:rPr>
-              <a:t>Chiffre </a:t>
-            </a:r>
-            <a:r>
-              <a:rPr lang="fr-FR" dirty="0" err="1">
-                <a:latin typeface="Times New Roman" panose="02020603050405020304" pitchFamily="18" charset="0"/>
-                <a:cs typeface="Times New Roman" panose="02020603050405020304" pitchFamily="18" charset="0"/>
-              </a:rPr>
-              <a:t>vigénère</a:t>
-            </a:r>
-            <a:endParaRPr lang="fr-FR" dirty="0">
-              <a:latin typeface="Times New Roman" panose="02020603050405020304" pitchFamily="18" charset="0"/>
-              <a:cs typeface="Times New Roman" panose="02020603050405020304" pitchFamily="18" charset="0"/>
-            </a:endParaRPr>
-          </a:p>
-        </p:txBody>
-      </p:sp>
-    </p:spTree>
-    <p:extLst>
-      <p:ext uri="{BB962C8B-B14F-4D97-AF65-F5344CB8AC3E}">
-        <p14:creationId xmlns:p14="http://schemas.microsoft.com/office/powerpoint/2010/main" val="2204220729"/>
-      </p:ext>
-    </p:extLst>
-  </p:cSld>
-  <p:clrMapOvr>
-    <a:masterClrMapping/>
-  </p:clrMapOvr>
-</p:sld>
-</file>
-
 <file path=ppt/slides/slide3.xml><?xml version="1.0" encoding="utf-8"?>
 <p:sld xmlns:a="http://schemas.openxmlformats.org/drawingml/2006/main" xmlns:r="http://schemas.openxmlformats.org/officeDocument/2006/relationships" xmlns:p="http://schemas.openxmlformats.org/presentationml/2006/main">
   <p:cSld>
@@ -15911,7 +18519,7 @@
                 <a:latin typeface="Times New Roman" panose="02020603050405020304" pitchFamily="18" charset="0"/>
                 <a:cs typeface="Times New Roman" panose="02020603050405020304" pitchFamily="18" charset="0"/>
               </a:rPr>
-              <a:t>Les listes sont des séquences, ce sont des objets spéciaux capable de contenir d’autre type de valeurs de n’importe quel type.</a:t>
+              <a:t>Les listes sont des séquences, ce sont des objets spéciaux capable de contenir des valeurs de n’importe quel type.</a:t>
             </a:r>
           </a:p>
         </p:txBody>
@@ -16710,7 +19318,7 @@
                 <a:latin typeface="Times New Roman" panose="02020603050405020304" pitchFamily="18" charset="0"/>
                 <a:cs typeface="Times New Roman" panose="02020603050405020304" pitchFamily="18" charset="0"/>
               </a:rPr>
-              <a:t>Mini-Projet 5</a:t>
+              <a:t>Mini-Projet 4</a:t>
             </a:r>
           </a:p>
         </p:txBody>
@@ -16755,6 +19363,265 @@
                 <a:latin typeface="Times New Roman" panose="02020603050405020304" pitchFamily="18" charset="0"/>
                 <a:cs typeface="Times New Roman" panose="02020603050405020304" pitchFamily="18" charset="0"/>
               </a:rPr>
+              <a:t>Chiffre </a:t>
+            </a:r>
+            <a:r>
+              <a:rPr lang="fr-FR" dirty="0" err="1">
+                <a:latin typeface="Times New Roman" panose="02020603050405020304" pitchFamily="18" charset="0"/>
+                <a:cs typeface="Times New Roman" panose="02020603050405020304" pitchFamily="18" charset="0"/>
+              </a:rPr>
+              <a:t>vigénère</a:t>
+            </a:r>
+            <a:endParaRPr lang="fr-FR" dirty="0">
+              <a:latin typeface="Times New Roman" panose="02020603050405020304" pitchFamily="18" charset="0"/>
+              <a:cs typeface="Times New Roman" panose="02020603050405020304" pitchFamily="18" charset="0"/>
+            </a:endParaRPr>
+          </a:p>
+        </p:txBody>
+      </p:sp>
+    </p:spTree>
+    <p:extLst>
+      <p:ext uri="{BB962C8B-B14F-4D97-AF65-F5344CB8AC3E}">
+        <p14:creationId xmlns:p14="http://schemas.microsoft.com/office/powerpoint/2010/main" val="2204220729"/>
+      </p:ext>
+    </p:extLst>
+  </p:cSld>
+  <p:clrMapOvr>
+    <a:masterClrMapping/>
+  </p:clrMapOvr>
+</p:sld>
+</file>
+
+<file path=ppt/slides/slide31.xml><?xml version="1.0" encoding="utf-8"?>
+<p:sld xmlns:a="http://schemas.openxmlformats.org/drawingml/2006/main" xmlns:r="http://schemas.openxmlformats.org/officeDocument/2006/relationships" xmlns:p="http://schemas.openxmlformats.org/presentationml/2006/main">
+  <p:cSld>
+    <p:spTree>
+      <p:nvGrpSpPr>
+        <p:cNvPr id="1" name=""/>
+        <p:cNvGrpSpPr/>
+        <p:nvPr/>
+      </p:nvGrpSpPr>
+      <p:grpSpPr>
+        <a:xfrm>
+          <a:off x="0" y="0"/>
+          <a:ext cx="0" cy="0"/>
+          <a:chOff x="0" y="0"/>
+          <a:chExt cx="0" cy="0"/>
+        </a:xfrm>
+      </p:grpSpPr>
+      <p:sp>
+        <p:nvSpPr>
+          <p:cNvPr id="4" name="Espace réservé du pied de page 3">
+            <a:extLst>
+              <a:ext uri="{FF2B5EF4-FFF2-40B4-BE49-F238E27FC236}">
+                <a16:creationId xmlns:a16="http://schemas.microsoft.com/office/drawing/2014/main" id="{8FEEC940-4BFF-956C-713A-1CE73C436B6F}"/>
+              </a:ext>
+            </a:extLst>
+          </p:cNvPr>
+          <p:cNvSpPr>
+            <a:spLocks noGrp="1"/>
+          </p:cNvSpPr>
+          <p:nvPr>
+            <p:ph type="ftr" sz="quarter" idx="11"/>
+          </p:nvPr>
+        </p:nvSpPr>
+        <p:spPr/>
+        <p:txBody>
+          <a:bodyPr/>
+          <a:lstStyle/>
+          <a:p>
+            <a:r>
+              <a:rPr lang="fr-FR"/>
+              <a:t>Cours: Python | Auteur: TUO N. Ismaël Maurice 
+</a:t>
+            </a:r>
+          </a:p>
+        </p:txBody>
+      </p:sp>
+      <p:sp>
+        <p:nvSpPr>
+          <p:cNvPr id="5" name="Espace réservé du numéro de diapositive 4">
+            <a:extLst>
+              <a:ext uri="{FF2B5EF4-FFF2-40B4-BE49-F238E27FC236}">
+                <a16:creationId xmlns:a16="http://schemas.microsoft.com/office/drawing/2014/main" id="{CE50FB16-F89F-D7CA-C6AA-CFC075094990}"/>
+              </a:ext>
+            </a:extLst>
+          </p:cNvPr>
+          <p:cNvSpPr>
+            <a:spLocks noGrp="1"/>
+          </p:cNvSpPr>
+          <p:nvPr>
+            <p:ph type="sldNum" sz="quarter" idx="12"/>
+          </p:nvPr>
+        </p:nvSpPr>
+        <p:spPr/>
+        <p:txBody>
+          <a:bodyPr/>
+          <a:lstStyle/>
+          <a:p>
+            <a:fld id="{B8C3BB88-DD29-4D42-B62E-D7D541DB4348}" type="slidenum">
+              <a:rPr lang="fr-FR" smtClean="0"/>
+              <a:t>31</a:t>
+            </a:fld>
+            <a:endParaRPr lang="fr-FR"/>
+          </a:p>
+        </p:txBody>
+      </p:sp>
+      <p:sp>
+        <p:nvSpPr>
+          <p:cNvPr id="6" name="ZoneTexte 5">
+            <a:extLst>
+              <a:ext uri="{FF2B5EF4-FFF2-40B4-BE49-F238E27FC236}">
+                <a16:creationId xmlns:a16="http://schemas.microsoft.com/office/drawing/2014/main" id="{84F10693-2FE8-EFC8-8DB6-84BFD181D260}"/>
+              </a:ext>
+            </a:extLst>
+          </p:cNvPr>
+          <p:cNvSpPr txBox="1"/>
+          <p:nvPr/>
+        </p:nvSpPr>
+        <p:spPr>
+          <a:xfrm>
+            <a:off x="397564" y="218526"/>
+            <a:ext cx="5795005" cy="461665"/>
+          </a:xfrm>
+          <a:prstGeom prst="rect">
+            <a:avLst/>
+          </a:prstGeom>
+          <a:noFill/>
+        </p:spPr>
+        <p:txBody>
+          <a:bodyPr wrap="square" rtlCol="0">
+            <a:spAutoFit/>
+          </a:bodyPr>
+          <a:lstStyle/>
+          <a:p>
+            <a:r>
+              <a:rPr lang="fr-FR" sz="2400" b="1" dirty="0">
+                <a:latin typeface="Times New Roman" panose="02020603050405020304" pitchFamily="18" charset="0"/>
+                <a:cs typeface="Times New Roman" panose="02020603050405020304" pitchFamily="18" charset="0"/>
+              </a:rPr>
+              <a:t>Exercices</a:t>
+            </a:r>
+          </a:p>
+        </p:txBody>
+      </p:sp>
+      <p:cxnSp>
+        <p:nvCxnSpPr>
+          <p:cNvPr id="3" name="Connecteur droit 2">
+            <a:extLst>
+              <a:ext uri="{FF2B5EF4-FFF2-40B4-BE49-F238E27FC236}">
+                <a16:creationId xmlns:a16="http://schemas.microsoft.com/office/drawing/2014/main" id="{6AC8021D-4898-08B9-18A0-60AC71EF613E}"/>
+              </a:ext>
+            </a:extLst>
+          </p:cNvPr>
+          <p:cNvCxnSpPr>
+            <a:cxnSpLocks/>
+          </p:cNvCxnSpPr>
+          <p:nvPr/>
+        </p:nvCxnSpPr>
+        <p:spPr>
+          <a:xfrm>
+            <a:off x="500932" y="680191"/>
+            <a:ext cx="11178450" cy="0"/>
+          </a:xfrm>
+          <a:prstGeom prst="line">
+            <a:avLst/>
+          </a:prstGeom>
+          <a:ln/>
+        </p:spPr>
+        <p:style>
+          <a:lnRef idx="3">
+            <a:schemeClr val="accent3"/>
+          </a:lnRef>
+          <a:fillRef idx="0">
+            <a:schemeClr val="accent3"/>
+          </a:fillRef>
+          <a:effectRef idx="2">
+            <a:schemeClr val="accent3"/>
+          </a:effectRef>
+          <a:fontRef idx="minor">
+            <a:schemeClr val="tx1"/>
+          </a:fontRef>
+        </p:style>
+      </p:cxnSp>
+      <p:sp>
+        <p:nvSpPr>
+          <p:cNvPr id="2" name="ZoneTexte 1">
+            <a:extLst>
+              <a:ext uri="{FF2B5EF4-FFF2-40B4-BE49-F238E27FC236}">
+                <a16:creationId xmlns:a16="http://schemas.microsoft.com/office/drawing/2014/main" id="{598CC1F4-92B5-97D6-5630-8A3701211AA4}"/>
+              </a:ext>
+            </a:extLst>
+          </p:cNvPr>
+          <p:cNvSpPr txBox="1"/>
+          <p:nvPr/>
+        </p:nvSpPr>
+        <p:spPr>
+          <a:xfrm>
+            <a:off x="397564" y="711780"/>
+            <a:ext cx="11569148" cy="400110"/>
+          </a:xfrm>
+          <a:prstGeom prst="rect">
+            <a:avLst/>
+          </a:prstGeom>
+          <a:noFill/>
+        </p:spPr>
+        <p:txBody>
+          <a:bodyPr wrap="square" rtlCol="0">
+            <a:spAutoFit/>
+          </a:bodyPr>
+          <a:lstStyle/>
+          <a:p>
+            <a:r>
+              <a:rPr lang="fr-FR" sz="2000" b="1" u="sng" dirty="0">
+                <a:latin typeface="Times New Roman" panose="02020603050405020304" pitchFamily="18" charset="0"/>
+                <a:cs typeface="Times New Roman" panose="02020603050405020304" pitchFamily="18" charset="0"/>
+              </a:rPr>
+              <a:t>Mini-Projet 5</a:t>
+            </a:r>
+          </a:p>
+        </p:txBody>
+      </p:sp>
+      <p:sp>
+        <p:nvSpPr>
+          <p:cNvPr id="7" name="ZoneTexte 6">
+            <a:extLst>
+              <a:ext uri="{FF2B5EF4-FFF2-40B4-BE49-F238E27FC236}">
+                <a16:creationId xmlns:a16="http://schemas.microsoft.com/office/drawing/2014/main" id="{990321CC-02EF-ED64-0AA9-789ED60F60B1}"/>
+              </a:ext>
+            </a:extLst>
+          </p:cNvPr>
+          <p:cNvSpPr txBox="1"/>
+          <p:nvPr/>
+        </p:nvSpPr>
+        <p:spPr>
+          <a:xfrm>
+            <a:off x="397564" y="1090885"/>
+            <a:ext cx="11088982" cy="400110"/>
+          </a:xfrm>
+          <a:prstGeom prst="rect">
+            <a:avLst/>
+          </a:prstGeom>
+          <a:noFill/>
+        </p:spPr>
+        <p:txBody>
+          <a:bodyPr wrap="square" rtlCol="0">
+            <a:spAutoFit/>
+          </a:bodyPr>
+          <a:lstStyle>
+            <a:defPPr>
+              <a:defRPr lang="en-US"/>
+            </a:defPPr>
+            <a:lvl1pPr>
+              <a:defRPr sz="2000"/>
+            </a:lvl1pPr>
+          </a:lstStyle>
+          <a:p>
+            <a:r>
+              <a:rPr lang="fr-FR" dirty="0">
+                <a:latin typeface="Times New Roman" panose="02020603050405020304" pitchFamily="18" charset="0"/>
+                <a:cs typeface="Times New Roman" panose="02020603050405020304" pitchFamily="18" charset="0"/>
+              </a:rPr>
               <a:t>Chiffre de </a:t>
             </a:r>
             <a:r>
@@ -16787,7 +19654,7 @@
 </p:sld>
 </file>
 
-<file path=ppt/slides/slide31.xml><?xml version="1.0" encoding="utf-8"?>
+<file path=ppt/slides/slide32.xml><?xml version="1.0" encoding="utf-8"?>
 <p:sld xmlns:a="http://schemas.openxmlformats.org/drawingml/2006/main" xmlns:r="http://schemas.openxmlformats.org/officeDocument/2006/relationships" xmlns:p="http://schemas.openxmlformats.org/presentationml/2006/main">
   <p:cSld>
     <p:spTree>
@@ -17315,10 +20182,10 @@
       </p:sp>
       <p:pic>
         <p:nvPicPr>
-          <p:cNvPr id="17" name="Image 16">
+          <p:cNvPr id="9" name="Image 8">
             <a:extLst>
               <a:ext uri="{FF2B5EF4-FFF2-40B4-BE49-F238E27FC236}">
-                <a16:creationId xmlns:a16="http://schemas.microsoft.com/office/drawing/2014/main" id="{20B0DB46-AEED-4947-5D24-7F0CBBFB6CC1}"/>
+                <a16:creationId xmlns:a16="http://schemas.microsoft.com/office/drawing/2014/main" id="{986B89E5-D32A-9C94-E29C-00A029609242}"/>
               </a:ext>
             </a:extLst>
           </p:cNvPr>
@@ -17335,8 +20202,8 @@
         </p:blipFill>
         <p:spPr>
           <a:xfrm>
-            <a:off x="2352717" y="3884549"/>
-            <a:ext cx="7474879" cy="1676176"/>
+            <a:off x="2672271" y="3884549"/>
+            <a:ext cx="7099051" cy="1920740"/>
           </a:xfrm>
           <a:prstGeom prst="rect">
             <a:avLst/>
@@ -17541,7 +20408,7 @@
                 <a:latin typeface="Times New Roman" panose="02020603050405020304" pitchFamily="18" charset="0"/>
                 <a:cs typeface="Times New Roman" panose="02020603050405020304" pitchFamily="18" charset="0"/>
               </a:rPr>
-              <a:t>Chaque élément d’une liste est identifié par un numéro appelé indice et celui-ci est assigné à chaque élément lors de l’insertion dans la liste. Le premier élément aura pour indice 0, le suivant 1…. </a:t>
+              <a:t>Chaque élément d’une liste est identifié par un numéro appelé indice et celui-ci est assigné à chaque élément lors de l’insertion dans la liste. Le premier élément aura pour indice 0, le suivant indice 1…. </a:t>
             </a:r>
           </a:p>
         </p:txBody>
@@ -17602,36 +20469,6 @@
           </a:p>
         </p:txBody>
       </p:sp>
-      <p:pic>
-        <p:nvPicPr>
-          <p:cNvPr id="20" name="Image 19">
-            <a:extLst>
-              <a:ext uri="{FF2B5EF4-FFF2-40B4-BE49-F238E27FC236}">
-                <a16:creationId xmlns:a16="http://schemas.microsoft.com/office/drawing/2014/main" id="{21D40EE3-FD53-9D02-C204-48C1EA520574}"/>
-              </a:ext>
-            </a:extLst>
-          </p:cNvPr>
-          <p:cNvPicPr>
-            <a:picLocks noChangeAspect="1"/>
-          </p:cNvPicPr>
-          <p:nvPr/>
-        </p:nvPicPr>
-        <p:blipFill>
-          <a:blip r:embed="rId2"/>
-          <a:stretch>
-            <a:fillRect/>
-          </a:stretch>
-        </p:blipFill>
-        <p:spPr>
-          <a:xfrm>
-            <a:off x="2337955" y="2003629"/>
-            <a:ext cx="6972300" cy="3908798"/>
-          </a:xfrm>
-          <a:prstGeom prst="rect">
-            <a:avLst/>
-          </a:prstGeom>
-        </p:spPr>
-      </p:pic>
       <p:sp>
         <p:nvSpPr>
           <p:cNvPr id="21" name="ZoneTexte 20">
@@ -17670,6 +20507,36 @@
           </a:p>
         </p:txBody>
       </p:sp>
+      <p:pic>
+        <p:nvPicPr>
+          <p:cNvPr id="8" name="Image 7">
+            <a:extLst>
+              <a:ext uri="{FF2B5EF4-FFF2-40B4-BE49-F238E27FC236}">
+                <a16:creationId xmlns:a16="http://schemas.microsoft.com/office/drawing/2014/main" id="{6A59718D-3705-CD60-AC32-0A082BD75E31}"/>
+              </a:ext>
+            </a:extLst>
+          </p:cNvPr>
+          <p:cNvPicPr>
+            <a:picLocks noChangeAspect="1"/>
+          </p:cNvPicPr>
+          <p:nvPr/>
+        </p:nvPicPr>
+        <p:blipFill>
+          <a:blip r:embed="rId2"/>
+          <a:stretch>
+            <a:fillRect/>
+          </a:stretch>
+        </p:blipFill>
+        <p:spPr>
+          <a:xfrm>
+            <a:off x="3107366" y="1895909"/>
+            <a:ext cx="5965581" cy="3840699"/>
+          </a:xfrm>
+          <a:prstGeom prst="rect">
+            <a:avLst/>
+          </a:prstGeom>
+        </p:spPr>
+      </p:pic>
     </p:spTree>
     <p:extLst>
       <p:ext uri="{BB962C8B-B14F-4D97-AF65-F5344CB8AC3E}">
@@ -17849,7 +20716,7 @@
         </p:nvSpPr>
         <p:spPr>
           <a:xfrm>
-            <a:off x="500932" y="869373"/>
+            <a:off x="500932" y="793504"/>
             <a:ext cx="11441731" cy="1323439"/>
           </a:xfrm>
           <a:prstGeom prst="rect">
@@ -17888,7 +20755,7 @@
                 <a:latin typeface="Times New Roman" panose="02020603050405020304" pitchFamily="18" charset="0"/>
                 <a:cs typeface="Times New Roman" panose="02020603050405020304" pitchFamily="18" charset="0"/>
               </a:rPr>
-              <a:t>qui permet d’insérer un élément dans un endroit précis dans la liste. Cette technique entraine un décalage des indices des autres éléments.</a:t>
+              <a:t>qui permet d’insérer un élément à un endroit précis dans la liste. Cette technique entraine un décalage des indices des autres éléments.</a:t>
             </a:r>
           </a:p>
           <a:p>
@@ -17917,66 +20784,6 @@
           </a:p>
         </p:txBody>
       </p:sp>
-      <p:pic>
-        <p:nvPicPr>
-          <p:cNvPr id="8" name="Image 7">
-            <a:extLst>
-              <a:ext uri="{FF2B5EF4-FFF2-40B4-BE49-F238E27FC236}">
-                <a16:creationId xmlns:a16="http://schemas.microsoft.com/office/drawing/2014/main" id="{AE918B32-4BCF-B0BA-09B9-AE6FEA448C0D}"/>
-              </a:ext>
-            </a:extLst>
-          </p:cNvPr>
-          <p:cNvPicPr>
-            <a:picLocks noChangeAspect="1"/>
-          </p:cNvPicPr>
-          <p:nvPr/>
-        </p:nvPicPr>
-        <p:blipFill>
-          <a:blip r:embed="rId2"/>
-          <a:stretch>
-            <a:fillRect/>
-          </a:stretch>
-        </p:blipFill>
-        <p:spPr>
-          <a:xfrm>
-            <a:off x="813649" y="2276020"/>
-            <a:ext cx="4582592" cy="1994655"/>
-          </a:xfrm>
-          <a:prstGeom prst="rect">
-            <a:avLst/>
-          </a:prstGeom>
-        </p:spPr>
-      </p:pic>
-      <p:pic>
-        <p:nvPicPr>
-          <p:cNvPr id="10" name="Image 9">
-            <a:extLst>
-              <a:ext uri="{FF2B5EF4-FFF2-40B4-BE49-F238E27FC236}">
-                <a16:creationId xmlns:a16="http://schemas.microsoft.com/office/drawing/2014/main" id="{704CCBC2-B285-2A73-A725-3456882490EB}"/>
-              </a:ext>
-            </a:extLst>
-          </p:cNvPr>
-          <p:cNvPicPr>
-            <a:picLocks noChangeAspect="1"/>
-          </p:cNvPicPr>
-          <p:nvPr/>
-        </p:nvPicPr>
-        <p:blipFill>
-          <a:blip r:embed="rId3"/>
-          <a:stretch>
-            <a:fillRect/>
-          </a:stretch>
-        </p:blipFill>
-        <p:spPr>
-          <a:xfrm>
-            <a:off x="6446068" y="2276020"/>
-            <a:ext cx="4780641" cy="1926572"/>
-          </a:xfrm>
-          <a:prstGeom prst="rect">
-            <a:avLst/>
-          </a:prstGeom>
-        </p:spPr>
-      </p:pic>
       <p:sp>
         <p:nvSpPr>
           <p:cNvPr id="11" name="ZoneTexte 10">
@@ -17991,8 +20798,8 @@
         </p:nvSpPr>
         <p:spPr>
           <a:xfrm>
-            <a:off x="555253" y="4369644"/>
-            <a:ext cx="11441731" cy="707886"/>
+            <a:off x="435845" y="4208358"/>
+            <a:ext cx="11636747" cy="400110"/>
           </a:xfrm>
           <a:prstGeom prst="rect">
             <a:avLst/>
@@ -18030,7 +20837,7 @@
           <p:nvPr/>
         </p:nvPicPr>
         <p:blipFill>
-          <a:blip r:embed="rId4"/>
+          <a:blip r:embed="rId2"/>
           <a:stretch>
             <a:fillRect/>
           </a:stretch>
@@ -18039,6 +20846,66 @@
           <a:xfrm>
             <a:off x="3236446" y="4789284"/>
             <a:ext cx="4264943" cy="1432860"/>
+          </a:xfrm>
+          <a:prstGeom prst="rect">
+            <a:avLst/>
+          </a:prstGeom>
+        </p:spPr>
+      </p:pic>
+      <p:pic>
+        <p:nvPicPr>
+          <p:cNvPr id="9" name="Image 8">
+            <a:extLst>
+              <a:ext uri="{FF2B5EF4-FFF2-40B4-BE49-F238E27FC236}">
+                <a16:creationId xmlns:a16="http://schemas.microsoft.com/office/drawing/2014/main" id="{45F5EC70-5D1A-1CA0-A0F1-CF02A189E0AD}"/>
+              </a:ext>
+            </a:extLst>
+          </p:cNvPr>
+          <p:cNvPicPr>
+            <a:picLocks noChangeAspect="1"/>
+          </p:cNvPicPr>
+          <p:nvPr/>
+        </p:nvPicPr>
+        <p:blipFill>
+          <a:blip r:embed="rId3"/>
+          <a:stretch>
+            <a:fillRect/>
+          </a:stretch>
+        </p:blipFill>
+        <p:spPr>
+          <a:xfrm>
+            <a:off x="718697" y="2169317"/>
+            <a:ext cx="4290432" cy="1806097"/>
+          </a:xfrm>
+          <a:prstGeom prst="rect">
+            <a:avLst/>
+          </a:prstGeom>
+        </p:spPr>
+      </p:pic>
+      <p:pic>
+        <p:nvPicPr>
+          <p:cNvPr id="16" name="Image 15">
+            <a:extLst>
+              <a:ext uri="{FF2B5EF4-FFF2-40B4-BE49-F238E27FC236}">
+                <a16:creationId xmlns:a16="http://schemas.microsoft.com/office/drawing/2014/main" id="{C31685B6-3BCB-6AFC-58F8-4D6F733EC712}"/>
+              </a:ext>
+            </a:extLst>
+          </p:cNvPr>
+          <p:cNvPicPr>
+            <a:picLocks noChangeAspect="1"/>
+          </p:cNvPicPr>
+          <p:nvPr/>
+        </p:nvPicPr>
+        <p:blipFill>
+          <a:blip r:embed="rId4"/>
+          <a:stretch>
+            <a:fillRect/>
+          </a:stretch>
+        </p:blipFill>
+        <p:spPr>
+          <a:xfrm>
+            <a:off x="6683623" y="2150963"/>
+            <a:ext cx="4854361" cy="1698609"/>
           </a:xfrm>
           <a:prstGeom prst="rect">
             <a:avLst/>
@@ -18325,36 +21192,6 @@
           </a:p>
         </p:txBody>
       </p:sp>
-      <p:pic>
-        <p:nvPicPr>
-          <p:cNvPr id="12" name="Image 11">
-            <a:extLst>
-              <a:ext uri="{FF2B5EF4-FFF2-40B4-BE49-F238E27FC236}">
-                <a16:creationId xmlns:a16="http://schemas.microsoft.com/office/drawing/2014/main" id="{675E1319-262B-BE84-4C1D-5F6C6889FB2A}"/>
-              </a:ext>
-            </a:extLst>
-          </p:cNvPr>
-          <p:cNvPicPr>
-            <a:picLocks noChangeAspect="1"/>
-          </p:cNvPicPr>
-          <p:nvPr/>
-        </p:nvPicPr>
-        <p:blipFill>
-          <a:blip r:embed="rId2"/>
-          <a:stretch>
-            <a:fillRect/>
-          </a:stretch>
-        </p:blipFill>
-        <p:spPr>
-          <a:xfrm>
-            <a:off x="608680" y="2240817"/>
-            <a:ext cx="4320423" cy="1693605"/>
-          </a:xfrm>
-          <a:prstGeom prst="rect">
-            <a:avLst/>
-          </a:prstGeom>
-        </p:spPr>
-      </p:pic>
       <p:sp>
         <p:nvSpPr>
           <p:cNvPr id="14" name="Flèche : droite 13">
@@ -18404,36 +21241,6 @@
           </a:p>
         </p:txBody>
       </p:sp>
-      <p:pic>
-        <p:nvPicPr>
-          <p:cNvPr id="16" name="Image 15">
-            <a:extLst>
-              <a:ext uri="{FF2B5EF4-FFF2-40B4-BE49-F238E27FC236}">
-                <a16:creationId xmlns:a16="http://schemas.microsoft.com/office/drawing/2014/main" id="{A7DD7EF1-2159-33A6-5E11-251A45A697E2}"/>
-              </a:ext>
-            </a:extLst>
-          </p:cNvPr>
-          <p:cNvPicPr>
-            <a:picLocks noChangeAspect="1"/>
-          </p:cNvPicPr>
-          <p:nvPr/>
-        </p:nvPicPr>
-        <p:blipFill>
-          <a:blip r:embed="rId3"/>
-          <a:stretch>
-            <a:fillRect/>
-          </a:stretch>
-        </p:blipFill>
-        <p:spPr>
-          <a:xfrm>
-            <a:off x="7081606" y="2274722"/>
-            <a:ext cx="4861057" cy="1659700"/>
-          </a:xfrm>
-          <a:prstGeom prst="rect">
-            <a:avLst/>
-          </a:prstGeom>
-        </p:spPr>
-      </p:pic>
       <p:sp>
         <p:nvSpPr>
           <p:cNvPr id="17" name="ZoneTexte 16">
@@ -18478,10 +21285,70 @@
       </p:sp>
       <p:pic>
         <p:nvPicPr>
-          <p:cNvPr id="19" name="Image 18">
+          <p:cNvPr id="9" name="Image 8">
             <a:extLst>
               <a:ext uri="{FF2B5EF4-FFF2-40B4-BE49-F238E27FC236}">
-                <a16:creationId xmlns:a16="http://schemas.microsoft.com/office/drawing/2014/main" id="{B0B1DA3B-4204-7FE9-566F-A6173CA3034D}"/>
+                <a16:creationId xmlns:a16="http://schemas.microsoft.com/office/drawing/2014/main" id="{ADFEFCCB-A565-F6B9-26D3-74A4B0A39A26}"/>
+              </a:ext>
+            </a:extLst>
+          </p:cNvPr>
+          <p:cNvPicPr>
+            <a:picLocks noChangeAspect="1"/>
+          </p:cNvPicPr>
+          <p:nvPr/>
+        </p:nvPicPr>
+        <p:blipFill>
+          <a:blip r:embed="rId2"/>
+          <a:stretch>
+            <a:fillRect/>
+          </a:stretch>
+        </p:blipFill>
+        <p:spPr>
+          <a:xfrm>
+            <a:off x="492957" y="2231827"/>
+            <a:ext cx="4709568" cy="1798476"/>
+          </a:xfrm>
+          <a:prstGeom prst="rect">
+            <a:avLst/>
+          </a:prstGeom>
+        </p:spPr>
+      </p:pic>
+      <p:pic>
+        <p:nvPicPr>
+          <p:cNvPr id="11" name="Image 10">
+            <a:extLst>
+              <a:ext uri="{FF2B5EF4-FFF2-40B4-BE49-F238E27FC236}">
+                <a16:creationId xmlns:a16="http://schemas.microsoft.com/office/drawing/2014/main" id="{77064B76-B2F3-8143-19B6-E6E8A63FEE2C}"/>
+              </a:ext>
+            </a:extLst>
+          </p:cNvPr>
+          <p:cNvPicPr>
+            <a:picLocks noChangeAspect="1"/>
+          </p:cNvPicPr>
+          <p:nvPr/>
+        </p:nvPicPr>
+        <p:blipFill>
+          <a:blip r:embed="rId3"/>
+          <a:stretch>
+            <a:fillRect/>
+          </a:stretch>
+        </p:blipFill>
+        <p:spPr>
+          <a:xfrm>
+            <a:off x="2160460" y="4395438"/>
+            <a:ext cx="6424217" cy="1806097"/>
+          </a:xfrm>
+          <a:prstGeom prst="rect">
+            <a:avLst/>
+          </a:prstGeom>
+        </p:spPr>
+      </p:pic>
+      <p:pic>
+        <p:nvPicPr>
+          <p:cNvPr id="15" name="Image 14">
+            <a:extLst>
+              <a:ext uri="{FF2B5EF4-FFF2-40B4-BE49-F238E27FC236}">
+                <a16:creationId xmlns:a16="http://schemas.microsoft.com/office/drawing/2014/main" id="{C04AFA3D-D5D9-8ACD-A83F-BF6C7F3689F4}"/>
               </a:ext>
             </a:extLst>
           </p:cNvPr>
@@ -18498,8 +21365,8 @@
         </p:blipFill>
         <p:spPr>
           <a:xfrm>
-            <a:off x="3567718" y="4533201"/>
-            <a:ext cx="5044877" cy="1747357"/>
+            <a:off x="7013066" y="2156732"/>
+            <a:ext cx="4724809" cy="1874682"/>
           </a:xfrm>
           <a:prstGeom prst="rect">
             <a:avLst/>
@@ -18860,7 +21727,7 @@
                     <a:latin typeface="Times New Roman" panose="02020603050405020304" pitchFamily="18" charset="0"/>
                     <a:cs typeface="Times New Roman" panose="02020603050405020304" pitchFamily="18" charset="0"/>
                   </a:rPr>
-                  <a:t>permet de supprimer une variable ou la valeur d’une liste. La syntaxe pour utiliser ce mot clé est:</a:t>
+                  <a:t>permet de supprimer une variable ou une valeur d’une liste. La syntaxe pour utiliser ce mot clé est:</a:t>
                 </a:r>
                 <a:endParaRPr lang="fr-FR" sz="2000" b="1" dirty="0">
                   <a:latin typeface="Times New Roman" panose="02020603050405020304" pitchFamily="18" charset="0"/>
@@ -18896,7 +21763,7 @@
               <a:blipFill>
                 <a:blip r:embed="rId3"/>
                 <a:stretch>
-                  <a:fillRect l="-533" t="-4310" b="-14655"/>
+                  <a:fillRect l="-533" t="-4310" r="-746" b="-14655"/>
                 </a:stretch>
               </a:blipFill>
             </p:spPr>
@@ -19517,8 +22384,8 @@
           </a:fontRef>
         </p:style>
       </p:cxnSp>
-      <mc:AlternateContent xmlns:mc="http://schemas.openxmlformats.org/markup-compatibility/2006">
-        <mc:Choice xmlns:a14="http://schemas.microsoft.com/office/drawing/2010/main" Requires="a14">
+      <mc:AlternateContent xmlns:mc="http://schemas.openxmlformats.org/markup-compatibility/2006" xmlns:a14="http://schemas.microsoft.com/office/drawing/2010/main">
+        <mc:Choice Requires="a14">
           <p:sp>
             <p:nvSpPr>
               <p:cNvPr id="7" name="ZoneTexte 6">
@@ -19637,7 +22504,7 @@
             </p:txBody>
           </p:sp>
         </mc:Choice>
-        <mc:Fallback>
+        <mc:Fallback xmlns="">
           <p:sp>
             <p:nvSpPr>
               <p:cNvPr id="7" name="ZoneTexte 6">
@@ -20039,7 +22906,7 @@
                     <a:latin typeface="Times New Roman" panose="02020603050405020304" pitchFamily="18" charset="0"/>
                     <a:cs typeface="Times New Roman" panose="02020603050405020304" pitchFamily="18" charset="0"/>
                   </a:rPr>
-                  <a:t> est une méthode globale de Python elle permet de supprimer un élément dans une liste, une variable, un élément dans un dictionnaire….</a:t>
+                  <a:t> est une méthode globale de Python, elle permet de supprimer un élément dans une liste, une variable, un élément dans un dictionnaire….</a:t>
                 </a:r>
               </a:p>
             </p:txBody>
@@ -20161,7 +23028,7 @@
                     <a:latin typeface="Times New Roman" panose="02020603050405020304" pitchFamily="18" charset="0"/>
                     <a:cs typeface="Times New Roman" panose="02020603050405020304" pitchFamily="18" charset="0"/>
                   </a:rPr>
-                  <a:t> peuvent l’utiliser. Raison pour laquelle avant d’utiliser la méthode on la précède du nom de la liste.</a:t>
+                  <a:t> peuvent l’utiliser. Raison pour laquelle avant de l’utiliser, on la précède du nom de la liste.</a:t>
                 </a:r>
               </a:p>
             </p:txBody>

--- a/source/Chapitre 9 - Les listes.pptx
+++ b/source/Chapitre 9 - Les listes.pptx
@@ -149,7 +149,7 @@
 <file path=ppt/revisionInfo.xml><?xml version="1.0" encoding="utf-8"?>
 <p1510:revInfo xmlns:a="http://schemas.openxmlformats.org/drawingml/2006/main" xmlns:r="http://schemas.openxmlformats.org/officeDocument/2006/relationships" xmlns:p1510="http://schemas.microsoft.com/office/powerpoint/2015/10/main">
   <p1510:revLst>
-    <p1510:client id="{FA439B40-CE70-4594-AB51-0583BED6F80E}" v="5354" dt="2024-07-14T13:53:11.504"/>
+    <p1510:client id="{13D8A54D-B6A8-4465-B4BB-11F0FB2AD732}" v="3" dt="2024-09-21T06:46:16.485"/>
   </p1510:revLst>
 </p1510:revInfo>
 </file>
@@ -2643,6 +2643,222 @@
       </pc:sldChg>
     </pc:docChg>
   </pc:docChgLst>
+  <pc:docChgLst>
+    <pc:chgData name="Ismaël Tuo" userId="fca7baf0e513a1e6" providerId="LiveId" clId="{13D8A54D-B6A8-4465-B4BB-11F0FB2AD732}"/>
+    <pc:docChg chg="undo custSel modSld">
+      <pc:chgData name="Ismaël Tuo" userId="fca7baf0e513a1e6" providerId="LiveId" clId="{13D8A54D-B6A8-4465-B4BB-11F0FB2AD732}" dt="2024-09-21T07:12:30.534" v="212" actId="20577"/>
+      <pc:docMkLst>
+        <pc:docMk/>
+      </pc:docMkLst>
+      <pc:sldChg chg="modSp mod">
+        <pc:chgData name="Ismaël Tuo" userId="fca7baf0e513a1e6" providerId="LiveId" clId="{13D8A54D-B6A8-4465-B4BB-11F0FB2AD732}" dt="2024-09-21T06:24:25.944" v="20" actId="20577"/>
+        <pc:sldMkLst>
+          <pc:docMk/>
+          <pc:sldMk cId="2639441608" sldId="286"/>
+        </pc:sldMkLst>
+        <pc:spChg chg="mod">
+          <ac:chgData name="Ismaël Tuo" userId="fca7baf0e513a1e6" providerId="LiveId" clId="{13D8A54D-B6A8-4465-B4BB-11F0FB2AD732}" dt="2024-09-21T06:24:06.656" v="19" actId="20577"/>
+          <ac:spMkLst>
+            <pc:docMk/>
+            <pc:sldMk cId="2639441608" sldId="286"/>
+            <ac:spMk id="24" creationId="{E759DFBC-9ECD-7D63-BA3D-EA03F448C092}"/>
+          </ac:spMkLst>
+        </pc:spChg>
+        <pc:spChg chg="mod">
+          <ac:chgData name="Ismaël Tuo" userId="fca7baf0e513a1e6" providerId="LiveId" clId="{13D8A54D-B6A8-4465-B4BB-11F0FB2AD732}" dt="2024-09-21T06:24:25.944" v="20" actId="20577"/>
+          <ac:spMkLst>
+            <pc:docMk/>
+            <pc:sldMk cId="2639441608" sldId="286"/>
+            <ac:spMk id="26" creationId="{F8B9ED05-B423-D2AC-C9F5-2A0D6F808F5E}"/>
+          </ac:spMkLst>
+        </pc:spChg>
+      </pc:sldChg>
+      <pc:sldChg chg="modSp mod">
+        <pc:chgData name="Ismaël Tuo" userId="fca7baf0e513a1e6" providerId="LiveId" clId="{13D8A54D-B6A8-4465-B4BB-11F0FB2AD732}" dt="2024-09-21T06:33:21.393" v="40" actId="20577"/>
+        <pc:sldMkLst>
+          <pc:docMk/>
+          <pc:sldMk cId="152848069" sldId="295"/>
+        </pc:sldMkLst>
+        <pc:spChg chg="mod">
+          <ac:chgData name="Ismaël Tuo" userId="fca7baf0e513a1e6" providerId="LiveId" clId="{13D8A54D-B6A8-4465-B4BB-11F0FB2AD732}" dt="2024-09-21T06:33:21.393" v="40" actId="20577"/>
+          <ac:spMkLst>
+            <pc:docMk/>
+            <pc:sldMk cId="152848069" sldId="295"/>
+            <ac:spMk id="14" creationId="{C559A984-F6DD-C562-FD56-5DFBEE3E9BBF}"/>
+          </ac:spMkLst>
+        </pc:spChg>
+      </pc:sldChg>
+      <pc:sldChg chg="addSp delSp modSp mod">
+        <pc:chgData name="Ismaël Tuo" userId="fca7baf0e513a1e6" providerId="LiveId" clId="{13D8A54D-B6A8-4465-B4BB-11F0FB2AD732}" dt="2024-09-21T06:51:02.793" v="137" actId="1076"/>
+        <pc:sldMkLst>
+          <pc:docMk/>
+          <pc:sldMk cId="3194045807" sldId="299"/>
+        </pc:sldMkLst>
+        <pc:spChg chg="mod">
+          <ac:chgData name="Ismaël Tuo" userId="fca7baf0e513a1e6" providerId="LiveId" clId="{13D8A54D-B6A8-4465-B4BB-11F0FB2AD732}" dt="2024-09-21T06:50:53.792" v="133" actId="1076"/>
+          <ac:spMkLst>
+            <pc:docMk/>
+            <pc:sldMk cId="3194045807" sldId="299"/>
+            <ac:spMk id="2" creationId="{125AE19A-3191-8F02-48F8-4E2D7CFDA294}"/>
+          </ac:spMkLst>
+        </pc:spChg>
+        <pc:spChg chg="mod">
+          <ac:chgData name="Ismaël Tuo" userId="fca7baf0e513a1e6" providerId="LiveId" clId="{13D8A54D-B6A8-4465-B4BB-11F0FB2AD732}" dt="2024-09-21T06:50:51.536" v="132" actId="1076"/>
+          <ac:spMkLst>
+            <pc:docMk/>
+            <pc:sldMk cId="3194045807" sldId="299"/>
+            <ac:spMk id="7" creationId="{B31AF22B-77AC-398F-8B32-17C6B4914236}"/>
+          </ac:spMkLst>
+        </pc:spChg>
+        <pc:spChg chg="mod">
+          <ac:chgData name="Ismaël Tuo" userId="fca7baf0e513a1e6" providerId="LiveId" clId="{13D8A54D-B6A8-4465-B4BB-11F0FB2AD732}" dt="2024-09-21T06:51:00.199" v="136" actId="1076"/>
+          <ac:spMkLst>
+            <pc:docMk/>
+            <pc:sldMk cId="3194045807" sldId="299"/>
+            <ac:spMk id="12" creationId="{B2926172-04A4-4091-542A-D2D64D8901EB}"/>
+          </ac:spMkLst>
+        </pc:spChg>
+        <pc:picChg chg="mod">
+          <ac:chgData name="Ismaël Tuo" userId="fca7baf0e513a1e6" providerId="LiveId" clId="{13D8A54D-B6A8-4465-B4BB-11F0FB2AD732}" dt="2024-09-21T06:50:55.397" v="134" actId="1076"/>
+          <ac:picMkLst>
+            <pc:docMk/>
+            <pc:sldMk cId="3194045807" sldId="299"/>
+            <ac:picMk id="9" creationId="{CFDC7E58-87C1-15CF-30FE-B098BC1FB822}"/>
+          </ac:picMkLst>
+        </pc:picChg>
+        <pc:picChg chg="add mod">
+          <ac:chgData name="Ismaël Tuo" userId="fca7baf0e513a1e6" providerId="LiveId" clId="{13D8A54D-B6A8-4465-B4BB-11F0FB2AD732}" dt="2024-09-21T06:50:57.821" v="135" actId="1076"/>
+          <ac:picMkLst>
+            <pc:docMk/>
+            <pc:sldMk cId="3194045807" sldId="299"/>
+            <ac:picMk id="10" creationId="{0F67CBB2-62B2-F81E-36CB-AA02F7A10CE4}"/>
+          </ac:picMkLst>
+        </pc:picChg>
+        <pc:picChg chg="del">
+          <ac:chgData name="Ismaël Tuo" userId="fca7baf0e513a1e6" providerId="LiveId" clId="{13D8A54D-B6A8-4465-B4BB-11F0FB2AD732}" dt="2024-09-21T06:50:04.906" v="120" actId="478"/>
+          <ac:picMkLst>
+            <pc:docMk/>
+            <pc:sldMk cId="3194045807" sldId="299"/>
+            <ac:picMk id="11" creationId="{93D6B94B-23FB-FBE4-1E04-6FE5B3120249}"/>
+          </ac:picMkLst>
+        </pc:picChg>
+        <pc:picChg chg="mod">
+          <ac:chgData name="Ismaël Tuo" userId="fca7baf0e513a1e6" providerId="LiveId" clId="{13D8A54D-B6A8-4465-B4BB-11F0FB2AD732}" dt="2024-09-21T06:51:02.793" v="137" actId="1076"/>
+          <ac:picMkLst>
+            <pc:docMk/>
+            <pc:sldMk cId="3194045807" sldId="299"/>
+            <ac:picMk id="14" creationId="{2A64AF5B-839E-23A9-9297-9E7D7A357663}"/>
+          </ac:picMkLst>
+        </pc:picChg>
+      </pc:sldChg>
+      <pc:sldChg chg="modSp mod">
+        <pc:chgData name="Ismaël Tuo" userId="fca7baf0e513a1e6" providerId="LiveId" clId="{13D8A54D-B6A8-4465-B4BB-11F0FB2AD732}" dt="2024-09-21T06:54:40.751" v="207" actId="20577"/>
+        <pc:sldMkLst>
+          <pc:docMk/>
+          <pc:sldMk cId="715928702" sldId="303"/>
+        </pc:sldMkLst>
+        <pc:spChg chg="mod">
+          <ac:chgData name="Ismaël Tuo" userId="fca7baf0e513a1e6" providerId="LiveId" clId="{13D8A54D-B6A8-4465-B4BB-11F0FB2AD732}" dt="2024-09-21T06:54:40.751" v="207" actId="20577"/>
+          <ac:spMkLst>
+            <pc:docMk/>
+            <pc:sldMk cId="715928702" sldId="303"/>
+            <ac:spMk id="2" creationId="{1F7784F2-4E0E-A020-9460-CF81F01B006B}"/>
+          </ac:spMkLst>
+        </pc:spChg>
+      </pc:sldChg>
+      <pc:sldChg chg="modSp mod">
+        <pc:chgData name="Ismaël Tuo" userId="fca7baf0e513a1e6" providerId="LiveId" clId="{13D8A54D-B6A8-4465-B4BB-11F0FB2AD732}" dt="2024-09-21T06:56:36.857" v="208" actId="20577"/>
+        <pc:sldMkLst>
+          <pc:docMk/>
+          <pc:sldMk cId="926986085" sldId="305"/>
+        </pc:sldMkLst>
+        <pc:spChg chg="mod">
+          <ac:chgData name="Ismaël Tuo" userId="fca7baf0e513a1e6" providerId="LiveId" clId="{13D8A54D-B6A8-4465-B4BB-11F0FB2AD732}" dt="2024-09-21T06:56:36.857" v="208" actId="20577"/>
+          <ac:spMkLst>
+            <pc:docMk/>
+            <pc:sldMk cId="926986085" sldId="305"/>
+            <ac:spMk id="7" creationId="{B31AF22B-77AC-398F-8B32-17C6B4914236}"/>
+          </ac:spMkLst>
+        </pc:spChg>
+      </pc:sldChg>
+      <pc:sldChg chg="modSp mod">
+        <pc:chgData name="Ismaël Tuo" userId="fca7baf0e513a1e6" providerId="LiveId" clId="{13D8A54D-B6A8-4465-B4BB-11F0FB2AD732}" dt="2024-09-21T07:09:56.102" v="209" actId="20577"/>
+        <pc:sldMkLst>
+          <pc:docMk/>
+          <pc:sldMk cId="2796775175" sldId="307"/>
+        </pc:sldMkLst>
+        <pc:spChg chg="mod">
+          <ac:chgData name="Ismaël Tuo" userId="fca7baf0e513a1e6" providerId="LiveId" clId="{13D8A54D-B6A8-4465-B4BB-11F0FB2AD732}" dt="2024-09-21T07:09:56.102" v="209" actId="20577"/>
+          <ac:spMkLst>
+            <pc:docMk/>
+            <pc:sldMk cId="2796775175" sldId="307"/>
+            <ac:spMk id="7" creationId="{990321CC-02EF-ED64-0AA9-789ED60F60B1}"/>
+          </ac:spMkLst>
+        </pc:spChg>
+      </pc:sldChg>
+      <pc:sldChg chg="modSp mod">
+        <pc:chgData name="Ismaël Tuo" userId="fca7baf0e513a1e6" providerId="LiveId" clId="{13D8A54D-B6A8-4465-B4BB-11F0FB2AD732}" dt="2024-09-21T07:12:30.534" v="212" actId="20577"/>
+        <pc:sldMkLst>
+          <pc:docMk/>
+          <pc:sldMk cId="2280855446" sldId="309"/>
+        </pc:sldMkLst>
+        <pc:spChg chg="mod">
+          <ac:chgData name="Ismaël Tuo" userId="fca7baf0e513a1e6" providerId="LiveId" clId="{13D8A54D-B6A8-4465-B4BB-11F0FB2AD732}" dt="2024-09-21T07:12:30.534" v="212" actId="20577"/>
+          <ac:spMkLst>
+            <pc:docMk/>
+            <pc:sldMk cId="2280855446" sldId="309"/>
+            <ac:spMk id="7" creationId="{990321CC-02EF-ED64-0AA9-789ED60F60B1}"/>
+          </ac:spMkLst>
+        </pc:spChg>
+      </pc:sldChg>
+      <pc:sldChg chg="modSp mod">
+        <pc:chgData name="Ismaël Tuo" userId="fca7baf0e513a1e6" providerId="LiveId" clId="{13D8A54D-B6A8-4465-B4BB-11F0FB2AD732}" dt="2024-09-21T06:25:24.566" v="24" actId="20577"/>
+        <pc:sldMkLst>
+          <pc:docMk/>
+          <pc:sldMk cId="1044631931" sldId="313"/>
+        </pc:sldMkLst>
+        <pc:spChg chg="mod">
+          <ac:chgData name="Ismaël Tuo" userId="fca7baf0e513a1e6" providerId="LiveId" clId="{13D8A54D-B6A8-4465-B4BB-11F0FB2AD732}" dt="2024-09-21T06:25:24.566" v="24" actId="20577"/>
+          <ac:spMkLst>
+            <pc:docMk/>
+            <pc:sldMk cId="1044631931" sldId="313"/>
+            <ac:spMk id="15" creationId="{6CEE211F-E2A5-3B18-FBB5-1132DF86792B}"/>
+          </ac:spMkLst>
+        </pc:spChg>
+      </pc:sldChg>
+      <pc:sldChg chg="addSp delSp modSp mod">
+        <pc:chgData name="Ismaël Tuo" userId="fca7baf0e513a1e6" providerId="LiveId" clId="{13D8A54D-B6A8-4465-B4BB-11F0FB2AD732}" dt="2024-09-21T06:43:53.179" v="116" actId="20577"/>
+        <pc:sldMkLst>
+          <pc:docMk/>
+          <pc:sldMk cId="3600390279" sldId="318"/>
+        </pc:sldMkLst>
+        <pc:spChg chg="mod">
+          <ac:chgData name="Ismaël Tuo" userId="fca7baf0e513a1e6" providerId="LiveId" clId="{13D8A54D-B6A8-4465-B4BB-11F0FB2AD732}" dt="2024-09-21T06:43:53.179" v="116" actId="20577"/>
+          <ac:spMkLst>
+            <pc:docMk/>
+            <pc:sldMk cId="3600390279" sldId="318"/>
+            <ac:spMk id="15" creationId="{C098172D-C366-2670-7543-C5078DA87EF7}"/>
+          </ac:spMkLst>
+        </pc:spChg>
+        <pc:picChg chg="add mod">
+          <ac:chgData name="Ismaël Tuo" userId="fca7baf0e513a1e6" providerId="LiveId" clId="{13D8A54D-B6A8-4465-B4BB-11F0FB2AD732}" dt="2024-09-21T06:42:47.469" v="43" actId="1076"/>
+          <ac:picMkLst>
+            <pc:docMk/>
+            <pc:sldMk cId="3600390279" sldId="318"/>
+            <ac:picMk id="8" creationId="{06DCFC1E-07C8-E758-7CD5-BE32E99E4894}"/>
+          </ac:picMkLst>
+        </pc:picChg>
+        <pc:picChg chg="del">
+          <ac:chgData name="Ismaël Tuo" userId="fca7baf0e513a1e6" providerId="LiveId" clId="{13D8A54D-B6A8-4465-B4BB-11F0FB2AD732}" dt="2024-09-21T06:42:41.593" v="41" actId="478"/>
+          <ac:picMkLst>
+            <pc:docMk/>
+            <pc:sldMk cId="3600390279" sldId="318"/>
+            <ac:picMk id="11" creationId="{C27942EC-CF0A-758B-CC1D-655838CDCA26}"/>
+          </ac:picMkLst>
+        </pc:picChg>
+      </pc:sldChg>
+    </pc:docChg>
+  </pc:docChgLst>
 </pc:chgInfo>
 </file>
 
@@ -2728,7 +2944,7 @@
           <a:p>
             <a:fld id="{5D1B8971-FAD5-A544-A565-5C81831E2E08}" type="datetimeFigureOut">
               <a:rPr lang="fr-FR" smtClean="0"/>
-              <a:t>14/07/2024</a:t>
+              <a:t>21/09/2024</a:t>
             </a:fld>
             <a:endParaRPr lang="fr-FR"/>
           </a:p>
@@ -3158,7 +3374,7 @@
           <a:p>
             <a:fld id="{446AF453-C717-E044-9B61-C449088DBB9F}" type="datetime1">
               <a:rPr lang="fr-FR" smtClean="0"/>
-              <a:t>14/07/2024</a:t>
+              <a:t>21/09/2024</a:t>
             </a:fld>
             <a:endParaRPr lang="fr-FR"/>
           </a:p>
@@ -3332,7 +3548,7 @@
           <a:p>
             <a:fld id="{0AD74B8B-4B66-A54B-A7E1-EB9F6C09CE67}" type="datetime1">
               <a:rPr lang="fr-FR" smtClean="0"/>
-              <a:t>14/07/2024</a:t>
+              <a:t>21/09/2024</a:t>
             </a:fld>
             <a:endParaRPr lang="fr-FR"/>
           </a:p>
@@ -3516,7 +3732,7 @@
           <a:p>
             <a:fld id="{9584F9F2-42A0-CD42-8013-986AEAF97421}" type="datetime1">
               <a:rPr lang="fr-FR" smtClean="0"/>
-              <a:t>14/07/2024</a:t>
+              <a:t>21/09/2024</a:t>
             </a:fld>
             <a:endParaRPr lang="fr-FR"/>
           </a:p>
@@ -3690,7 +3906,7 @@
           <a:p>
             <a:fld id="{DAB9BD9F-3179-BB4C-96AB-C40862581685}" type="datetime1">
               <a:rPr lang="fr-FR" smtClean="0"/>
-              <a:t>14/07/2024</a:t>
+              <a:t>21/09/2024</a:t>
             </a:fld>
             <a:endParaRPr lang="fr-FR"/>
           </a:p>
@@ -3962,7 +4178,7 @@
           <a:p>
             <a:fld id="{A664DE96-64FF-BC43-8A9C-18ED43A528D6}" type="datetime1">
               <a:rPr lang="fr-FR" smtClean="0"/>
-              <a:t>14/07/2024</a:t>
+              <a:t>21/09/2024</a:t>
             </a:fld>
             <a:endParaRPr lang="fr-FR"/>
           </a:p>
@@ -4198,7 +4414,7 @@
           <a:p>
             <a:fld id="{2C8FE800-9F9B-1C4F-A1CD-9EF46842C4CA}" type="datetime1">
               <a:rPr lang="fr-FR" smtClean="0"/>
-              <a:t>14/07/2024</a:t>
+              <a:t>21/09/2024</a:t>
             </a:fld>
             <a:endParaRPr lang="fr-FR"/>
           </a:p>
@@ -4561,7 +4777,7 @@
           <a:p>
             <a:fld id="{0F7DED4E-8CB4-EF40-A349-EFC02EC7784E}" type="datetime1">
               <a:rPr lang="fr-FR" smtClean="0"/>
-              <a:t>14/07/2024</a:t>
+              <a:t>21/09/2024</a:t>
             </a:fld>
             <a:endParaRPr lang="fr-FR"/>
           </a:p>
@@ -4706,7 +4922,7 @@
           <a:p>
             <a:fld id="{5BB88D77-E8A2-E24F-81D2-817E60779F3E}" type="datetime1">
               <a:rPr lang="fr-FR" smtClean="0"/>
-              <a:t>14/07/2024</a:t>
+              <a:t>21/09/2024</a:t>
             </a:fld>
             <a:endParaRPr lang="fr-FR"/>
           </a:p>
@@ -4805,7 +5021,7 @@
           <a:p>
             <a:fld id="{817F964E-5B57-884A-A1B8-925BFA5276AF}" type="datetime1">
               <a:rPr lang="fr-FR" smtClean="0"/>
-              <a:t>14/07/2024</a:t>
+              <a:t>21/09/2024</a:t>
             </a:fld>
             <a:endParaRPr lang="fr-FR"/>
           </a:p>
@@ -5166,7 +5382,7 @@
           <a:p>
             <a:fld id="{D5636CD0-A2E6-1543-A0E5-C829C16FEE55}" type="datetime1">
               <a:rPr lang="fr-FR" smtClean="0"/>
-              <a:t>14/07/2024</a:t>
+              <a:t>21/09/2024</a:t>
             </a:fld>
             <a:endParaRPr lang="fr-FR"/>
           </a:p>
@@ -5527,7 +5743,7 @@
           <a:p>
             <a:fld id="{CEE5CE4A-5B1A-1846-BA66-722BDB7A9525}" type="datetime1">
               <a:rPr lang="fr-FR" smtClean="0"/>
-              <a:t>14/07/2024</a:t>
+              <a:t>21/09/2024</a:t>
             </a:fld>
             <a:endParaRPr lang="fr-FR"/>
           </a:p>
@@ -5774,7 +5990,7 @@
           <a:p>
             <a:fld id="{55A13D9C-CA6E-9C45-8634-4423EBFFD553}" type="datetime1">
               <a:rPr lang="fr-FR" smtClean="0"/>
-              <a:t>14/07/2024</a:t>
+              <a:t>21/09/2024</a:t>
             </a:fld>
             <a:endParaRPr lang="fr-FR"/>
           </a:p>
@@ -7165,7 +7381,7 @@
                 <a:latin typeface="Times New Roman" panose="02020603050405020304" pitchFamily="18" charset="0"/>
                 <a:cs typeface="Times New Roman" panose="02020603050405020304" pitchFamily="18" charset="0"/>
               </a:rPr>
-              <a:t>Les exemples précédents affichaient les éléments de la liste on aurait pu exécuter d’autres types d’opérations comme le filtrage ou la mise en majuscule des caractères…</a:t>
+              <a:t>Dans les exemples précédents, on affiche les éléments de la liste on aurait pu exécuter d’autres types d’opérations comme le filtrage ou la mise en majuscule des caractères…</a:t>
             </a:r>
           </a:p>
         </p:txBody>
@@ -7842,8 +8058,8 @@
           </p:sp>
         </mc:Fallback>
       </mc:AlternateContent>
-      <mc:AlternateContent xmlns:mc="http://schemas.openxmlformats.org/markup-compatibility/2006">
-        <mc:Choice xmlns:a14="http://schemas.microsoft.com/office/drawing/2010/main" Requires="a14">
+      <mc:AlternateContent xmlns:mc="http://schemas.openxmlformats.org/markup-compatibility/2006" xmlns:a14="http://schemas.microsoft.com/office/drawing/2010/main">
+        <mc:Choice Requires="a14">
           <p:sp>
             <p:nvSpPr>
               <p:cNvPr id="19" name="ZoneTexte 18">
@@ -7901,7 +8117,7 @@
             </p:txBody>
           </p:sp>
         </mc:Choice>
-        <mc:Fallback>
+        <mc:Fallback xmlns="">
           <p:sp>
             <p:nvSpPr>
               <p:cNvPr id="19" name="ZoneTexte 18">
@@ -8441,8 +8657,8 @@
           </a:p>
         </p:txBody>
       </p:sp>
-      <mc:AlternateContent xmlns:mc="http://schemas.openxmlformats.org/markup-compatibility/2006">
-        <mc:Choice xmlns:a14="http://schemas.microsoft.com/office/drawing/2010/main" Requires="a14">
+      <mc:AlternateContent xmlns:mc="http://schemas.openxmlformats.org/markup-compatibility/2006" xmlns:a14="http://schemas.microsoft.com/office/drawing/2010/main">
+        <mc:Choice Requires="a14">
           <p:sp>
             <p:nvSpPr>
               <p:cNvPr id="9" name="ZoneTexte 8">
@@ -8573,7 +8789,7 @@
             </p:txBody>
           </p:sp>
         </mc:Choice>
-        <mc:Fallback>
+        <mc:Fallback xmlns="">
           <p:sp>
             <p:nvSpPr>
               <p:cNvPr id="9" name="ZoneTexte 8">
@@ -9129,8 +9345,8 @@
           </p:sp>
         </mc:Fallback>
       </mc:AlternateContent>
-      <mc:AlternateContent xmlns:mc="http://schemas.openxmlformats.org/markup-compatibility/2006">
-        <mc:Choice xmlns:a14="http://schemas.microsoft.com/office/drawing/2010/main" Requires="a14">
+      <mc:AlternateContent xmlns:mc="http://schemas.openxmlformats.org/markup-compatibility/2006" xmlns:a14="http://schemas.microsoft.com/office/drawing/2010/main">
+        <mc:Choice Requires="a14">
           <p:sp>
             <p:nvSpPr>
               <p:cNvPr id="10" name="ZoneTexte 9">
@@ -9188,7 +9404,7 @@
             </p:txBody>
           </p:sp>
         </mc:Choice>
-        <mc:Fallback>
+        <mc:Fallback xmlns="">
           <p:sp>
             <p:nvSpPr>
               <p:cNvPr id="10" name="ZoneTexte 9">
@@ -9266,17 +9482,17 @@
                 <a:latin typeface="Times New Roman" panose="02020603050405020304" pitchFamily="18" charset="0"/>
                 <a:cs typeface="Times New Roman" panose="02020603050405020304" pitchFamily="18" charset="0"/>
               </a:rPr>
-              <a:t>Les tuples sont semblables aux listes mais on ne peut modifier un tuple après qu’il a été créé. Après création on ne peut ni ajouter ou ni retirer un élément dans le tuple.</a:t>
+              <a:t>Les tuples sont semblables aux listes mais on ne peut modifier un tuple après sa création. Lorsqu’un tuple est créé on ne peut ni ajouter ou ni retirer un élément dans celui-ci.</a:t>
             </a:r>
           </a:p>
         </p:txBody>
       </p:sp>
       <p:pic>
         <p:nvPicPr>
-          <p:cNvPr id="11" name="Image 10">
+          <p:cNvPr id="8" name="Image 7">
             <a:extLst>
               <a:ext uri="{FF2B5EF4-FFF2-40B4-BE49-F238E27FC236}">
-                <a16:creationId xmlns:a16="http://schemas.microsoft.com/office/drawing/2014/main" id="{C27942EC-CF0A-758B-CC1D-655838CDCA26}"/>
+                <a16:creationId xmlns:a16="http://schemas.microsoft.com/office/drawing/2014/main" id="{06DCFC1E-07C8-E758-7CD5-BE32E99E4894}"/>
               </a:ext>
             </a:extLst>
           </p:cNvPr>
@@ -9293,8 +9509,8 @@
         </p:blipFill>
         <p:spPr>
           <a:xfrm>
-            <a:off x="1965170" y="2331256"/>
-            <a:ext cx="8306520" cy="2987299"/>
+            <a:off x="1856647" y="2331256"/>
+            <a:ext cx="8283658" cy="3025402"/>
           </a:xfrm>
           <a:prstGeom prst="rect">
             <a:avLst/>
@@ -9470,8 +9686,8 @@
           </a:fontRef>
         </p:style>
       </p:cxnSp>
-      <mc:AlternateContent xmlns:mc="http://schemas.openxmlformats.org/markup-compatibility/2006" xmlns:a14="http://schemas.microsoft.com/office/drawing/2010/main">
-        <mc:Choice Requires="a14">
+      <mc:AlternateContent xmlns:mc="http://schemas.openxmlformats.org/markup-compatibility/2006">
+        <mc:Choice xmlns:a14="http://schemas.microsoft.com/office/drawing/2010/main" Requires="a14">
           <p:sp>
             <p:nvSpPr>
               <p:cNvPr id="7" name="ZoneTexte 6">
@@ -9486,7 +9702,7 @@
             </p:nvSpPr>
             <p:spPr>
               <a:xfrm>
-                <a:off x="500930" y="787913"/>
+                <a:off x="500928" y="743350"/>
                 <a:ext cx="11441731" cy="707886"/>
               </a:xfrm>
               <a:prstGeom prst="rect">
@@ -9529,7 +9745,7 @@
             </p:txBody>
           </p:sp>
         </mc:Choice>
-        <mc:Fallback xmlns="">
+        <mc:Fallback>
           <p:sp>
             <p:nvSpPr>
               <p:cNvPr id="7" name="ZoneTexte 6">
@@ -9546,7 +9762,7 @@
             </p:nvSpPr>
             <p:spPr>
               <a:xfrm>
-                <a:off x="500930" y="787913"/>
+                <a:off x="500928" y="743350"/>
                 <a:ext cx="11441731" cy="707886"/>
               </a:xfrm>
               <a:prstGeom prst="rect">
@@ -9555,7 +9771,7 @@
               <a:blipFill>
                 <a:blip r:embed="rId2"/>
                 <a:stretch>
-                  <a:fillRect l="-533" t="-4310" b="-14655"/>
+                  <a:fillRect l="-533" t="-5172" b="-14655"/>
                 </a:stretch>
               </a:blipFill>
             </p:spPr>
@@ -9574,8 +9790,8 @@
           </p:sp>
         </mc:Fallback>
       </mc:AlternateContent>
-      <mc:AlternateContent xmlns:mc="http://schemas.openxmlformats.org/markup-compatibility/2006" xmlns:a14="http://schemas.microsoft.com/office/drawing/2010/main">
-        <mc:Choice Requires="a14">
+      <mc:AlternateContent xmlns:mc="http://schemas.openxmlformats.org/markup-compatibility/2006">
+        <mc:Choice xmlns:a14="http://schemas.microsoft.com/office/drawing/2010/main" Requires="a14">
           <p:sp>
             <p:nvSpPr>
               <p:cNvPr id="2" name="ZoneTexte 1">
@@ -9590,7 +9806,7 @@
             </p:nvSpPr>
             <p:spPr>
               <a:xfrm>
-                <a:off x="500929" y="1514396"/>
+                <a:off x="498026" y="1463588"/>
                 <a:ext cx="11441731" cy="707886"/>
               </a:xfrm>
               <a:prstGeom prst="rect">
@@ -9634,7 +9850,7 @@
                     <a:latin typeface="Times New Roman" panose="02020603050405020304" pitchFamily="18" charset="0"/>
                     <a:cs typeface="Times New Roman" panose="02020603050405020304" pitchFamily="18" charset="0"/>
                   </a:rPr>
-                  <a:t>est une méthode des chaines de caractères et prend en paramètre un caractère définissant comment on va découper la chaîne initiale. </a:t>
+                  <a:t>est une méthode des chaines de caractères et prend en paramètre un caractère définissant comment l’on va découper la chaîne initiale. </a:t>
                 </a:r>
                 <a14:m>
                   <m:oMath xmlns:m="http://schemas.openxmlformats.org/officeDocument/2006/math">
@@ -9669,7 +9885,7 @@
             </p:txBody>
           </p:sp>
         </mc:Choice>
-        <mc:Fallback xmlns="">
+        <mc:Fallback>
           <p:sp>
             <p:nvSpPr>
               <p:cNvPr id="2" name="ZoneTexte 1">
@@ -9686,7 +9902,7 @@
             </p:nvSpPr>
             <p:spPr>
               <a:xfrm>
-                <a:off x="500929" y="1514396"/>
+                <a:off x="498026" y="1463588"/>
                 <a:ext cx="11441731" cy="707886"/>
               </a:xfrm>
               <a:prstGeom prst="rect">
@@ -9695,7 +9911,7 @@
               <a:blipFill>
                 <a:blip r:embed="rId3"/>
                 <a:stretch>
-                  <a:fillRect l="-533" t="-4274" b="-13675"/>
+                  <a:fillRect l="-586" t="-4310" b="-14655"/>
                 </a:stretch>
               </a:blipFill>
             </p:spPr>
@@ -9736,38 +9952,8 @@
         </p:blipFill>
         <p:spPr>
           <a:xfrm>
-            <a:off x="611240" y="2267859"/>
+            <a:off x="611239" y="2159122"/>
             <a:ext cx="5478917" cy="1577254"/>
-          </a:xfrm>
-          <a:prstGeom prst="rect">
-            <a:avLst/>
-          </a:prstGeom>
-        </p:spPr>
-      </p:pic>
-      <p:pic>
-        <p:nvPicPr>
-          <p:cNvPr id="11" name="Image 10">
-            <a:extLst>
-              <a:ext uri="{FF2B5EF4-FFF2-40B4-BE49-F238E27FC236}">
-                <a16:creationId xmlns:a16="http://schemas.microsoft.com/office/drawing/2014/main" id="{93D6B94B-23FB-FBE4-1E04-6FE5B3120249}"/>
-              </a:ext>
-            </a:extLst>
-          </p:cNvPr>
-          <p:cNvPicPr>
-            <a:picLocks noChangeAspect="1"/>
-          </p:cNvPicPr>
-          <p:nvPr/>
-        </p:nvPicPr>
-        <p:blipFill>
-          <a:blip r:embed="rId5"/>
-          <a:stretch>
-            <a:fillRect/>
-          </a:stretch>
-        </p:blipFill>
-        <p:spPr>
-          <a:xfrm>
-            <a:off x="6548286" y="2240570"/>
-            <a:ext cx="5131096" cy="1577254"/>
           </a:xfrm>
           <a:prstGeom prst="rect">
             <a:avLst/>
@@ -9790,7 +9976,7 @@
             </p:nvSpPr>
             <p:spPr>
               <a:xfrm>
-                <a:off x="500928" y="3827786"/>
+                <a:off x="498026" y="3736376"/>
                 <a:ext cx="11441731" cy="707886"/>
               </a:xfrm>
               <a:prstGeom prst="rect">
@@ -9850,16 +10036,16 @@
             </p:nvSpPr>
             <p:spPr>
               <a:xfrm>
-                <a:off x="500928" y="3827786"/>
+                <a:off x="498026" y="3736376"/>
                 <a:ext cx="11441731" cy="707886"/>
               </a:xfrm>
               <a:prstGeom prst="rect">
                 <a:avLst/>
               </a:prstGeom>
               <a:blipFill>
-                <a:blip r:embed="rId6"/>
+                <a:blip r:embed="rId5"/>
                 <a:stretch>
-                  <a:fillRect l="-533" t="-5172" b="-14655"/>
+                  <a:fillRect l="-586" t="-5172" b="-14655"/>
                 </a:stretch>
               </a:blipFill>
             </p:spPr>
@@ -9893,6 +10079,36 @@
           <p:nvPr/>
         </p:nvPicPr>
         <p:blipFill>
+          <a:blip r:embed="rId6"/>
+          <a:stretch>
+            <a:fillRect/>
+          </a:stretch>
+        </p:blipFill>
+        <p:spPr>
+          <a:xfrm>
+            <a:off x="3350697" y="4423808"/>
+            <a:ext cx="5736388" cy="1682248"/>
+          </a:xfrm>
+          <a:prstGeom prst="rect">
+            <a:avLst/>
+          </a:prstGeom>
+        </p:spPr>
+      </p:pic>
+      <p:pic>
+        <p:nvPicPr>
+          <p:cNvPr id="10" name="Image 9">
+            <a:extLst>
+              <a:ext uri="{FF2B5EF4-FFF2-40B4-BE49-F238E27FC236}">
+                <a16:creationId xmlns:a16="http://schemas.microsoft.com/office/drawing/2014/main" id="{0F67CBB2-62B2-F81E-36CB-AA02F7A10CE4}"/>
+              </a:ext>
+            </a:extLst>
+          </p:cNvPr>
+          <p:cNvPicPr>
+            <a:picLocks noChangeAspect="1"/>
+          </p:cNvPicPr>
+          <p:nvPr/>
+        </p:nvPicPr>
+        <p:blipFill>
           <a:blip r:embed="rId7"/>
           <a:stretch>
             <a:fillRect/>
@@ -9900,8 +10116,8 @@
         </p:blipFill>
         <p:spPr>
           <a:xfrm>
-            <a:off x="3353599" y="4502480"/>
-            <a:ext cx="5736388" cy="1682248"/>
+            <a:off x="6299091" y="2178935"/>
+            <a:ext cx="5380291" cy="1577254"/>
           </a:xfrm>
           <a:prstGeom prst="rect">
             <a:avLst/>
@@ -12048,7 +12264,7 @@
                 <a:latin typeface="Times New Roman" panose="02020603050405020304" pitchFamily="18" charset="0"/>
                 <a:cs typeface="Times New Roman" panose="02020603050405020304" pitchFamily="18" charset="0"/>
               </a:rPr>
-              <a:t>On peut utiliser la compréhension de liste pour créer une liste avec filtrage par exemple en prenant des éléments de la liste de départ et d’autres non pour former la nouvelle liste.</a:t>
+              <a:t>On peut utiliser la compréhension de liste pour créer une liste avec filtrage par exemple en prenant des éléments de la liste de départ en ignorant certains éléments pour former la nouvelle liste.</a:t>
             </a:r>
           </a:p>
         </p:txBody>
@@ -12154,8 +12370,8 @@
           </p:txBody>
         </p:sp>
       </p:grpSp>
-      <mc:AlternateContent xmlns:mc="http://schemas.openxmlformats.org/markup-compatibility/2006">
-        <mc:Choice xmlns:a14="http://schemas.microsoft.com/office/drawing/2010/main" Requires="a14">
+      <mc:AlternateContent xmlns:mc="http://schemas.openxmlformats.org/markup-compatibility/2006" xmlns:a14="http://schemas.microsoft.com/office/drawing/2010/main">
+        <mc:Choice Requires="a14">
           <p:sp>
             <p:nvSpPr>
               <p:cNvPr id="12" name="ZoneTexte 11">
@@ -12231,7 +12447,7 @@
             </p:txBody>
           </p:sp>
         </mc:Choice>
-        <mc:Fallback>
+        <mc:Fallback xmlns="">
           <p:sp>
             <p:nvSpPr>
               <p:cNvPr id="12" name="ZoneTexte 11">
@@ -14216,7 +14432,7 @@
                 <a:latin typeface="Times New Roman" panose="02020603050405020304" pitchFamily="18" charset="0"/>
                 <a:cs typeface="Times New Roman" panose="02020603050405020304" pitchFamily="18" charset="0"/>
               </a:rPr>
-              <a:t>Si la mémoire de l’ordinateur était représentée comme une étagère avec plusieurs tiroirs numéroté, la valeur d’une variable serait stockée dans un des tiroirs.</a:t>
+              <a:t>Si la mémoire de l’ordinateur était représentée comme une étagère avec plusieurs tiroirs numérotés, la valeur d’une variable serait stockée dans un des tiroirs.</a:t>
             </a:r>
           </a:p>
         </p:txBody>
@@ -14514,8 +14730,8 @@
           </a:prstGeom>
         </p:spPr>
       </p:pic>
-      <mc:AlternateContent xmlns:mc="http://schemas.openxmlformats.org/markup-compatibility/2006">
-        <mc:Choice xmlns:a14="http://schemas.microsoft.com/office/drawing/2010/main" Requires="a14">
+      <mc:AlternateContent xmlns:mc="http://schemas.openxmlformats.org/markup-compatibility/2006" xmlns:a14="http://schemas.microsoft.com/office/drawing/2010/main">
+        <mc:Choice Requires="a14">
           <p:sp>
             <p:nvSpPr>
               <p:cNvPr id="12" name="ZoneTexte 11">
@@ -14591,7 +14807,7 @@
             </p:txBody>
           </p:sp>
         </mc:Choice>
-        <mc:Fallback>
+        <mc:Fallback xmlns="">
           <p:sp>
             <p:nvSpPr>
               <p:cNvPr id="12" name="ZoneTexte 11">
@@ -15306,8 +15522,8 @@
           </a:fontRef>
         </p:style>
       </p:cxnSp>
-      <mc:AlternateContent xmlns:mc="http://schemas.openxmlformats.org/markup-compatibility/2006">
-        <mc:Choice xmlns:a14="http://schemas.microsoft.com/office/drawing/2010/main" Requires="a14">
+      <mc:AlternateContent xmlns:mc="http://schemas.openxmlformats.org/markup-compatibility/2006" xmlns:a14="http://schemas.microsoft.com/office/drawing/2010/main">
+        <mc:Choice Requires="a14">
           <p:sp>
             <p:nvSpPr>
               <p:cNvPr id="7" name="ZoneTexte 6">
@@ -15461,7 +15677,7 @@
             </p:txBody>
           </p:sp>
         </mc:Choice>
-        <mc:Fallback>
+        <mc:Fallback xmlns="">
           <p:sp>
             <p:nvSpPr>
               <p:cNvPr id="7" name="ZoneTexte 6">
@@ -16843,7 +17059,7 @@
                 <a:latin typeface="Times New Roman" panose="02020603050405020304" pitchFamily="18" charset="0"/>
                 <a:cs typeface="Times New Roman" panose="02020603050405020304" pitchFamily="18" charset="0"/>
               </a:rPr>
-              <a:t>Le nombre de questions dépendra du mode choisit:</a:t>
+              <a:t>Le nombre de questions dépendra du mode choisi:</a:t>
             </a:r>
           </a:p>
           <a:p>
@@ -16980,8 +17196,12 @@
           <a:lstStyle/>
           <a:p>
             <a:r>
+              <a:rPr lang="fr-FR" dirty="0"/>
+              <a:t>Cours: Python | Auteur: TUO N. </a:t>
+            </a:r>
+            <a:r>
               <a:rPr lang="fr-FR"/>
-              <a:t>Cours: Python | Auteur: TUO N. Ismaël Maurice 
+              <a:t>Ismaël Maurice 
 </a:t>
             </a:r>
           </a:p>
@@ -17171,7 +17391,7 @@
                 <a:latin typeface="Times New Roman" panose="02020603050405020304" pitchFamily="18" charset="0"/>
                 <a:cs typeface="Times New Roman" panose="02020603050405020304" pitchFamily="18" charset="0"/>
               </a:rPr>
-              <a:t>Ecrire un programme qui va permettre d’enregistrer des utilisateurs avec leur nom et prénom. </a:t>
+              <a:t>Ecrire un programme qui va permettre d’enregistrer des utilisateurs avec leur nom et prénoms. </a:t>
             </a:r>
           </a:p>
           <a:p>
@@ -17189,7 +17409,7 @@
                 <a:latin typeface="Times New Roman" panose="02020603050405020304" pitchFamily="18" charset="0"/>
                 <a:cs typeface="Times New Roman" panose="02020603050405020304" pitchFamily="18" charset="0"/>
               </a:rPr>
-              <a:t>L’utilisateur doit faire un choix d’action et le programme doit permettre de gérer les personnes sachant qu’on ne peut avoir une personne de même nom et prénom. </a:t>
+              <a:t>L’utilisateur doit faire un choix d’action et le programme doit permettre de gérer les personnes sachant qu’on ne peut avoir une personne de même nom et prénoms. </a:t>
             </a:r>
           </a:p>
           <a:p>
@@ -17257,21 +17477,7 @@
                 <a:latin typeface="Times New Roman" panose="02020603050405020304" pitchFamily="18" charset="0"/>
                 <a:cs typeface="Times New Roman" panose="02020603050405020304" pitchFamily="18" charset="0"/>
               </a:rPr>
-              <a:t>Lors de l’enregistrement procédé respecter </a:t>
-            </a:r>
-            <a:r>
-              <a:rPr lang="fr-FR">
-                <a:latin typeface="Times New Roman" panose="02020603050405020304" pitchFamily="18" charset="0"/>
-                <a:cs typeface="Times New Roman" panose="02020603050405020304" pitchFamily="18" charset="0"/>
-              </a:rPr>
-              <a:t>le format Prénoms </a:t>
-            </a:r>
-            <a:r>
-              <a:rPr lang="fr-FR" dirty="0">
-                <a:latin typeface="Times New Roman" panose="02020603050405020304" pitchFamily="18" charset="0"/>
-                <a:cs typeface="Times New Roman" panose="02020603050405020304" pitchFamily="18" charset="0"/>
-              </a:rPr>
-              <a:t>NOM. Si l’utilisateur entre comme nom </a:t>
+              <a:t>Lors de l’enregistrement respecter le format Prénoms NOM. Si l’utilisateur entre comme nom </a:t>
             </a:r>
             <a:r>
               <a:rPr lang="fr-FR" dirty="0" err="1">
@@ -19077,7 +19283,7 @@
                 <a:latin typeface="Times New Roman" panose="02020603050405020304" pitchFamily="18" charset="0"/>
                 <a:cs typeface="Times New Roman" panose="02020603050405020304" pitchFamily="18" charset="0"/>
               </a:rPr>
-              <a:t>On peut imaginer une liste comme une étagère avec plusieurs tiroirs numérotés, chaque tiroir peut contenir un élément différent le tiroir 1 peut contenir une brosse et le tiroir 2 un stylo. Ces deux éléments totalement différents sont stockés dans un même élément qui est l’étagère.</a:t>
+              <a:t>On peut imaginer une liste comme une étagère avec plusieurs tiroirs numérotés, chaque tiroir peut contenir un élément différent, le tiroir 1 peut contenir une brosse et le tiroir 2 un stylo. Ces deux éléments totalement différents sont stockés dans un même objet qui est l’étagère.</a:t>
             </a:r>
           </a:p>
         </p:txBody>
@@ -19115,7 +19321,7 @@
                 <a:latin typeface="Times New Roman" panose="02020603050405020304" pitchFamily="18" charset="0"/>
                 <a:cs typeface="Times New Roman" panose="02020603050405020304" pitchFamily="18" charset="0"/>
               </a:rPr>
-              <a:t>Une liste peut contenir plusieurs nombres entiers ou uniquement des nombres à virgule ou uniquement des chaines de caractères ou un mélange de tout. Une liste peut même contenir une autre liste.</a:t>
+              <a:t>Une liste peut contenir plusieurs nombres entiers ou uniquement des nombres à virgule ou uniquement des chaines de caractères ou un mélange de tout. Une liste peut contenir une autre liste.</a:t>
             </a:r>
           </a:p>
         </p:txBody>
@@ -20175,7 +20381,7 @@
                 <a:latin typeface="Times New Roman" panose="02020603050405020304" pitchFamily="18" charset="0"/>
                 <a:cs typeface="Times New Roman" panose="02020603050405020304" pitchFamily="18" charset="0"/>
               </a:rPr>
-              <a:t>Dans les deux exemples précédents, on a créé une liste vide. On peut créer une liste non vide en spécifiant des éléments de départ lors de la création.</a:t>
+              <a:t>Dans les deux exemples précédents, on crée une liste vide. On peut créer une liste non vide en spécifiant des éléments de départ lors de la création.</a:t>
             </a:r>
           </a:p>
         </p:txBody>

--- a/source/Chapitre 9 - Les listes.pptx
+++ b/source/Chapitre 9 - Les listes.pptx
@@ -5,7 +5,7 @@
     <p:sldMasterId id="2147483804" r:id="rId1"/>
   </p:sldMasterIdLst>
   <p:notesMasterIdLst>
-    <p:notesMasterId r:id="rId34"/>
+    <p:notesMasterId r:id="rId35"/>
   </p:notesMasterIdLst>
   <p:sldIdLst>
     <p:sldId id="257" r:id="rId2"/>
@@ -38,8 +38,9 @@
     <p:sldId id="308" r:id="rId29"/>
     <p:sldId id="312" r:id="rId30"/>
     <p:sldId id="310" r:id="rId31"/>
-    <p:sldId id="311" r:id="rId32"/>
-    <p:sldId id="284" r:id="rId33"/>
+    <p:sldId id="323" r:id="rId32"/>
+    <p:sldId id="324" r:id="rId33"/>
+    <p:sldId id="284" r:id="rId34"/>
   </p:sldIdLst>
   <p:sldSz cx="12192000" cy="6858000"/>
   <p:notesSz cx="6858000" cy="9144000"/>
@@ -149,7 +150,7 @@
 <file path=ppt/revisionInfo.xml><?xml version="1.0" encoding="utf-8"?>
 <p1510:revInfo xmlns:a="http://schemas.openxmlformats.org/drawingml/2006/main" xmlns:r="http://schemas.openxmlformats.org/officeDocument/2006/relationships" xmlns:p1510="http://schemas.microsoft.com/office/powerpoint/2015/10/main">
   <p1510:revLst>
-    <p1510:client id="{13D8A54D-B6A8-4465-B4BB-11F0FB2AD732}" v="3" dt="2024-09-21T06:46:16.485"/>
+    <p1510:client id="{13D8A54D-B6A8-4465-B4BB-11F0FB2AD732}" v="489" dt="2024-09-21T08:07:07.652"/>
   </p1510:revLst>
 </p1510:revInfo>
 </file>
@@ -2645,8 +2646,8 @@
   </pc:docChgLst>
   <pc:docChgLst>
     <pc:chgData name="Ismaël Tuo" userId="fca7baf0e513a1e6" providerId="LiveId" clId="{13D8A54D-B6A8-4465-B4BB-11F0FB2AD732}"/>
-    <pc:docChg chg="undo custSel modSld">
-      <pc:chgData name="Ismaël Tuo" userId="fca7baf0e513a1e6" providerId="LiveId" clId="{13D8A54D-B6A8-4465-B4BB-11F0FB2AD732}" dt="2024-09-21T07:12:30.534" v="212" actId="20577"/>
+    <pc:docChg chg="undo custSel addSld delSld modSld sldOrd">
+      <pc:chgData name="Ismaël Tuo" userId="fca7baf0e513a1e6" providerId="LiveId" clId="{13D8A54D-B6A8-4465-B4BB-11F0FB2AD732}" dt="2024-09-21T08:09:26.252" v="2902" actId="47"/>
       <pc:docMkLst>
         <pc:docMk/>
       </pc:docMkLst>
@@ -2811,6 +2812,44 @@
           </ac:spMkLst>
         </pc:spChg>
       </pc:sldChg>
+      <pc:sldChg chg="addSp modSp mod">
+        <pc:chgData name="Ismaël Tuo" userId="fca7baf0e513a1e6" providerId="LiveId" clId="{13D8A54D-B6A8-4465-B4BB-11F0FB2AD732}" dt="2024-09-21T08:03:00.635" v="2882" actId="20577"/>
+        <pc:sldMkLst>
+          <pc:docMk/>
+          <pc:sldMk cId="2204220729" sldId="310"/>
+        </pc:sldMkLst>
+        <pc:spChg chg="mod">
+          <ac:chgData name="Ismaël Tuo" userId="fca7baf0e513a1e6" providerId="LiveId" clId="{13D8A54D-B6A8-4465-B4BB-11F0FB2AD732}" dt="2024-09-21T08:03:00.635" v="2882" actId="20577"/>
+          <ac:spMkLst>
+            <pc:docMk/>
+            <pc:sldMk cId="2204220729" sldId="310"/>
+            <ac:spMk id="7" creationId="{990321CC-02EF-ED64-0AA9-789ED60F60B1}"/>
+          </ac:spMkLst>
+        </pc:spChg>
+        <pc:spChg chg="add mod">
+          <ac:chgData name="Ismaël Tuo" userId="fca7baf0e513a1e6" providerId="LiveId" clId="{13D8A54D-B6A8-4465-B4BB-11F0FB2AD732}" dt="2024-09-21T07:44:44.687" v="1745" actId="1076"/>
+          <ac:spMkLst>
+            <pc:docMk/>
+            <pc:sldMk cId="2204220729" sldId="310"/>
+            <ac:spMk id="8" creationId="{99BF4A4F-48CD-150B-FAE0-EE98BCF14AA6}"/>
+          </ac:spMkLst>
+        </pc:spChg>
+        <pc:spChg chg="add mod">
+          <ac:chgData name="Ismaël Tuo" userId="fca7baf0e513a1e6" providerId="LiveId" clId="{13D8A54D-B6A8-4465-B4BB-11F0FB2AD732}" dt="2024-09-21T07:44:48.294" v="1746" actId="1076"/>
+          <ac:spMkLst>
+            <pc:docMk/>
+            <pc:sldMk cId="2204220729" sldId="310"/>
+            <ac:spMk id="9" creationId="{6A914AF3-291D-FD71-E5B9-008DC9BB840F}"/>
+          </ac:spMkLst>
+        </pc:spChg>
+      </pc:sldChg>
+      <pc:sldChg chg="del">
+        <pc:chgData name="Ismaël Tuo" userId="fca7baf0e513a1e6" providerId="LiveId" clId="{13D8A54D-B6A8-4465-B4BB-11F0FB2AD732}" dt="2024-09-21T07:29:42.939" v="213" actId="2696"/>
+        <pc:sldMkLst>
+          <pc:docMk/>
+          <pc:sldMk cId="11946480" sldId="311"/>
+        </pc:sldMkLst>
+      </pc:sldChg>
       <pc:sldChg chg="modSp mod">
         <pc:chgData name="Ismaël Tuo" userId="fca7baf0e513a1e6" providerId="LiveId" clId="{13D8A54D-B6A8-4465-B4BB-11F0FB2AD732}" dt="2024-09-21T06:25:24.566" v="24" actId="20577"/>
         <pc:sldMkLst>
@@ -2856,6 +2895,161 @@
             <ac:picMk id="11" creationId="{C27942EC-CF0A-758B-CC1D-655838CDCA26}"/>
           </ac:picMkLst>
         </pc:picChg>
+      </pc:sldChg>
+      <pc:sldChg chg="addSp delSp modSp add mod">
+        <pc:chgData name="Ismaël Tuo" userId="fca7baf0e513a1e6" providerId="LiveId" clId="{13D8A54D-B6A8-4465-B4BB-11F0FB2AD732}" dt="2024-09-21T08:03:59.545" v="2887" actId="478"/>
+        <pc:sldMkLst>
+          <pc:docMk/>
+          <pc:sldMk cId="1835164876" sldId="323"/>
+        </pc:sldMkLst>
+        <pc:spChg chg="add del">
+          <ac:chgData name="Ismaël Tuo" userId="fca7baf0e513a1e6" providerId="LiveId" clId="{13D8A54D-B6A8-4465-B4BB-11F0FB2AD732}" dt="2024-09-21T08:03:59.545" v="2887" actId="478"/>
+          <ac:spMkLst>
+            <pc:docMk/>
+            <pc:sldMk cId="1835164876" sldId="323"/>
+            <ac:spMk id="2" creationId="{598CC1F4-92B5-97D6-5630-8A3701211AA4}"/>
+          </ac:spMkLst>
+        </pc:spChg>
+        <pc:spChg chg="mod">
+          <ac:chgData name="Ismaël Tuo" userId="fca7baf0e513a1e6" providerId="LiveId" clId="{13D8A54D-B6A8-4465-B4BB-11F0FB2AD732}" dt="2024-09-21T08:03:59.154" v="2886" actId="1076"/>
+          <ac:spMkLst>
+            <pc:docMk/>
+            <pc:sldMk cId="1835164876" sldId="323"/>
+            <ac:spMk id="7" creationId="{990321CC-02EF-ED64-0AA9-789ED60F60B1}"/>
+          </ac:spMkLst>
+        </pc:spChg>
+        <pc:spChg chg="del">
+          <ac:chgData name="Ismaël Tuo" userId="fca7baf0e513a1e6" providerId="LiveId" clId="{13D8A54D-B6A8-4465-B4BB-11F0FB2AD732}" dt="2024-09-21T07:47:07.150" v="1749" actId="478"/>
+          <ac:spMkLst>
+            <pc:docMk/>
+            <pc:sldMk cId="1835164876" sldId="323"/>
+            <ac:spMk id="8" creationId="{99BF4A4F-48CD-150B-FAE0-EE98BCF14AA6}"/>
+          </ac:spMkLst>
+        </pc:spChg>
+        <pc:spChg chg="del">
+          <ac:chgData name="Ismaël Tuo" userId="fca7baf0e513a1e6" providerId="LiveId" clId="{13D8A54D-B6A8-4465-B4BB-11F0FB2AD732}" dt="2024-09-21T07:47:05.700" v="1748" actId="478"/>
+          <ac:spMkLst>
+            <pc:docMk/>
+            <pc:sldMk cId="1835164876" sldId="323"/>
+            <ac:spMk id="9" creationId="{6A914AF3-291D-FD71-E5B9-008DC9BB840F}"/>
+          </ac:spMkLst>
+        </pc:spChg>
+        <pc:spChg chg="add mod">
+          <ac:chgData name="Ismaël Tuo" userId="fca7baf0e513a1e6" providerId="LiveId" clId="{13D8A54D-B6A8-4465-B4BB-11F0FB2AD732}" dt="2024-09-21T07:56:05.945" v="2558" actId="1076"/>
+          <ac:spMkLst>
+            <pc:docMk/>
+            <pc:sldMk cId="1835164876" sldId="323"/>
+            <ac:spMk id="10" creationId="{183593BF-4B80-C0DA-D5C3-DAFAD01F2291}"/>
+          </ac:spMkLst>
+        </pc:spChg>
+        <pc:spChg chg="add mod">
+          <ac:chgData name="Ismaël Tuo" userId="fca7baf0e513a1e6" providerId="LiveId" clId="{13D8A54D-B6A8-4465-B4BB-11F0FB2AD732}" dt="2024-09-21T07:58:20.890" v="2859" actId="1076"/>
+          <ac:spMkLst>
+            <pc:docMk/>
+            <pc:sldMk cId="1835164876" sldId="323"/>
+            <ac:spMk id="11" creationId="{35C67A25-83F3-E82B-588F-A89F004A2A99}"/>
+          </ac:spMkLst>
+        </pc:spChg>
+      </pc:sldChg>
+      <pc:sldChg chg="addSp delSp modSp add mod ord">
+        <pc:chgData name="Ismaël Tuo" userId="fca7baf0e513a1e6" providerId="LiveId" clId="{13D8A54D-B6A8-4465-B4BB-11F0FB2AD732}" dt="2024-09-21T08:05:21.402" v="2891" actId="1076"/>
+        <pc:sldMkLst>
+          <pc:docMk/>
+          <pc:sldMk cId="864656457" sldId="324"/>
+        </pc:sldMkLst>
+        <pc:spChg chg="mod">
+          <ac:chgData name="Ismaël Tuo" userId="fca7baf0e513a1e6" providerId="LiveId" clId="{13D8A54D-B6A8-4465-B4BB-11F0FB2AD732}" dt="2024-09-21T08:05:18.005" v="2890" actId="1076"/>
+          <ac:spMkLst>
+            <pc:docMk/>
+            <pc:sldMk cId="864656457" sldId="324"/>
+            <ac:spMk id="7" creationId="{990321CC-02EF-ED64-0AA9-789ED60F60B1}"/>
+          </ac:spMkLst>
+        </pc:spChg>
+        <pc:spChg chg="mod">
+          <ac:chgData name="Ismaël Tuo" userId="fca7baf0e513a1e6" providerId="LiveId" clId="{13D8A54D-B6A8-4465-B4BB-11F0FB2AD732}" dt="2024-09-21T08:05:21.402" v="2891" actId="1076"/>
+          <ac:spMkLst>
+            <pc:docMk/>
+            <pc:sldMk cId="864656457" sldId="324"/>
+            <ac:spMk id="10" creationId="{24D98DAF-178C-EE92-6768-D47D152A08B6}"/>
+          </ac:spMkLst>
+        </pc:spChg>
+        <pc:picChg chg="add mod">
+          <ac:chgData name="Ismaël Tuo" userId="fca7baf0e513a1e6" providerId="LiveId" clId="{13D8A54D-B6A8-4465-B4BB-11F0FB2AD732}" dt="2024-09-21T08:01:43.397" v="2877" actId="1076"/>
+          <ac:picMkLst>
+            <pc:docMk/>
+            <pc:sldMk cId="864656457" sldId="324"/>
+            <ac:picMk id="9" creationId="{62D8BB4F-61C9-490C-9332-A67E847D5FBE}"/>
+          </ac:picMkLst>
+        </pc:picChg>
+        <pc:picChg chg="add mod">
+          <ac:chgData name="Ismaël Tuo" userId="fca7baf0e513a1e6" providerId="LiveId" clId="{13D8A54D-B6A8-4465-B4BB-11F0FB2AD732}" dt="2024-09-21T08:01:40.561" v="2876" actId="1076"/>
+          <ac:picMkLst>
+            <pc:docMk/>
+            <pc:sldMk cId="864656457" sldId="324"/>
+            <ac:picMk id="13" creationId="{8A9117C4-0426-C41D-6428-ABEFEA93CDA3}"/>
+          </ac:picMkLst>
+        </pc:picChg>
+        <pc:picChg chg="del">
+          <ac:chgData name="Ismaël Tuo" userId="fca7baf0e513a1e6" providerId="LiveId" clId="{13D8A54D-B6A8-4465-B4BB-11F0FB2AD732}" dt="2024-09-21T08:01:03.582" v="2863" actId="478"/>
+          <ac:picMkLst>
+            <pc:docMk/>
+            <pc:sldMk cId="864656457" sldId="324"/>
+            <ac:picMk id="14" creationId="{BED949AF-1F38-1FCE-BFDB-F258BCE9ADBC}"/>
+          </ac:picMkLst>
+        </pc:picChg>
+        <pc:picChg chg="del">
+          <ac:chgData name="Ismaël Tuo" userId="fca7baf0e513a1e6" providerId="LiveId" clId="{13D8A54D-B6A8-4465-B4BB-11F0FB2AD732}" dt="2024-09-21T08:01:04.179" v="2864" actId="478"/>
+          <ac:picMkLst>
+            <pc:docMk/>
+            <pc:sldMk cId="864656457" sldId="324"/>
+            <ac:picMk id="16" creationId="{512CC83F-89E7-E85A-C945-D7CA300770B6}"/>
+          </ac:picMkLst>
+        </pc:picChg>
+      </pc:sldChg>
+      <pc:sldChg chg="modSp del mod">
+        <pc:chgData name="Ismaël Tuo" userId="fca7baf0e513a1e6" providerId="LiveId" clId="{13D8A54D-B6A8-4465-B4BB-11F0FB2AD732}" dt="2024-09-21T08:09:26.252" v="2902" actId="47"/>
+        <pc:sldMkLst>
+          <pc:docMk/>
+          <pc:sldMk cId="2126215733" sldId="325"/>
+        </pc:sldMkLst>
+        <pc:spChg chg="mod">
+          <ac:chgData name="Ismaël Tuo" userId="fca7baf0e513a1e6" providerId="LiveId" clId="{13D8A54D-B6A8-4465-B4BB-11F0FB2AD732}" dt="2024-09-21T08:07:16.860" v="2893" actId="20577"/>
+          <ac:spMkLst>
+            <pc:docMk/>
+            <pc:sldMk cId="2126215733" sldId="325"/>
+            <ac:spMk id="2" creationId="{598CC1F4-92B5-97D6-5630-8A3701211AA4}"/>
+          </ac:spMkLst>
+        </pc:spChg>
+      </pc:sldChg>
+      <pc:sldChg chg="modSp del mod">
+        <pc:chgData name="Ismaël Tuo" userId="fca7baf0e513a1e6" providerId="LiveId" clId="{13D8A54D-B6A8-4465-B4BB-11F0FB2AD732}" dt="2024-09-21T08:09:26.252" v="2902" actId="47"/>
+        <pc:sldMkLst>
+          <pc:docMk/>
+          <pc:sldMk cId="2416556575" sldId="326"/>
+        </pc:sldMkLst>
+        <pc:spChg chg="mod">
+          <ac:chgData name="Ismaël Tuo" userId="fca7baf0e513a1e6" providerId="LiveId" clId="{13D8A54D-B6A8-4465-B4BB-11F0FB2AD732}" dt="2024-09-21T08:07:26.581" v="2895" actId="20577"/>
+          <ac:spMkLst>
+            <pc:docMk/>
+            <pc:sldMk cId="2416556575" sldId="326"/>
+            <ac:spMk id="2" creationId="{598CC1F4-92B5-97D6-5630-8A3701211AA4}"/>
+          </ac:spMkLst>
+        </pc:spChg>
+      </pc:sldChg>
+      <pc:sldChg chg="modSp del mod">
+        <pc:chgData name="Ismaël Tuo" userId="fca7baf0e513a1e6" providerId="LiveId" clId="{13D8A54D-B6A8-4465-B4BB-11F0FB2AD732}" dt="2024-09-21T08:09:26.252" v="2902" actId="47"/>
+        <pc:sldMkLst>
+          <pc:docMk/>
+          <pc:sldMk cId="1250588371" sldId="327"/>
+        </pc:sldMkLst>
+        <pc:spChg chg="mod">
+          <ac:chgData name="Ismaël Tuo" userId="fca7baf0e513a1e6" providerId="LiveId" clId="{13D8A54D-B6A8-4465-B4BB-11F0FB2AD732}" dt="2024-09-21T08:07:33.875" v="2901" actId="20577"/>
+          <ac:spMkLst>
+            <pc:docMk/>
+            <pc:sldMk cId="1250588371" sldId="327"/>
+            <ac:spMk id="7" creationId="{990321CC-02EF-ED64-0AA9-789ED60F60B1}"/>
+          </ac:spMkLst>
+        </pc:spChg>
       </pc:sldChg>
     </pc:docChg>
   </pc:docChgLst>
@@ -9686,8 +9880,8 @@
           </a:fontRef>
         </p:style>
       </p:cxnSp>
-      <mc:AlternateContent xmlns:mc="http://schemas.openxmlformats.org/markup-compatibility/2006">
-        <mc:Choice xmlns:a14="http://schemas.microsoft.com/office/drawing/2010/main" Requires="a14">
+      <mc:AlternateContent xmlns:mc="http://schemas.openxmlformats.org/markup-compatibility/2006" xmlns:a14="http://schemas.microsoft.com/office/drawing/2010/main">
+        <mc:Choice Requires="a14">
           <p:sp>
             <p:nvSpPr>
               <p:cNvPr id="7" name="ZoneTexte 6">
@@ -9745,7 +9939,7 @@
             </p:txBody>
           </p:sp>
         </mc:Choice>
-        <mc:Fallback>
+        <mc:Fallback xmlns="">
           <p:sp>
             <p:nvSpPr>
               <p:cNvPr id="7" name="ZoneTexte 6">
@@ -9790,8 +9984,8 @@
           </p:sp>
         </mc:Fallback>
       </mc:AlternateContent>
-      <mc:AlternateContent xmlns:mc="http://schemas.openxmlformats.org/markup-compatibility/2006">
-        <mc:Choice xmlns:a14="http://schemas.microsoft.com/office/drawing/2010/main" Requires="a14">
+      <mc:AlternateContent xmlns:mc="http://schemas.openxmlformats.org/markup-compatibility/2006" xmlns:a14="http://schemas.microsoft.com/office/drawing/2010/main">
+        <mc:Choice Requires="a14">
           <p:sp>
             <p:nvSpPr>
               <p:cNvPr id="2" name="ZoneTexte 1">
@@ -9885,7 +10079,7 @@
             </p:txBody>
           </p:sp>
         </mc:Choice>
-        <mc:Fallback>
+        <mc:Fallback xmlns="">
           <p:sp>
             <p:nvSpPr>
               <p:cNvPr id="2" name="ZoneTexte 1">
@@ -9960,8 +10154,8 @@
           </a:prstGeom>
         </p:spPr>
       </p:pic>
-      <mc:AlternateContent xmlns:mc="http://schemas.openxmlformats.org/markup-compatibility/2006">
-        <mc:Choice xmlns:a14="http://schemas.microsoft.com/office/drawing/2010/main" Requires="a14">
+      <mc:AlternateContent xmlns:mc="http://schemas.openxmlformats.org/markup-compatibility/2006" xmlns:a14="http://schemas.microsoft.com/office/drawing/2010/main">
+        <mc:Choice Requires="a14">
           <p:sp>
             <p:nvSpPr>
               <p:cNvPr id="12" name="ZoneTexte 11">
@@ -10019,7 +10213,7 @@
             </p:txBody>
           </p:sp>
         </mc:Choice>
-        <mc:Fallback>
+        <mc:Fallback xmlns="">
           <p:sp>
             <p:nvSpPr>
               <p:cNvPr id="12" name="ZoneTexte 11">
@@ -19544,7 +19738,7 @@
         <p:spPr>
           <a:xfrm>
             <a:off x="397564" y="1090885"/>
-            <a:ext cx="11088982" cy="400110"/>
+            <a:ext cx="11088982" cy="1938992"/>
           </a:xfrm>
           <a:prstGeom prst="rect">
             <a:avLst/>
@@ -19569,22 +19763,326 @@
                 <a:latin typeface="Times New Roman" panose="02020603050405020304" pitchFamily="18" charset="0"/>
                 <a:cs typeface="Times New Roman" panose="02020603050405020304" pitchFamily="18" charset="0"/>
               </a:rPr>
-              <a:t>Chiffre </a:t>
-            </a:r>
-            <a:r>
-              <a:rPr lang="fr-FR" dirty="0" err="1">
+              <a:t>Le chiffre de Vigenère est un algorithme de chiffrement établi par le cryptographe français BLAISE DE Vigenère. C’est un crypto système poly-alphabétique (contrairement au chiffre de César qui est mono alphabétique), c’est-à-dire qu’il consiste à changer une lettre par une autre, mais cette dernière n’est pas toujours la même. Cela permet une plus grande sécurité. Cet algorithme utilise une clé dans notre cas sous la forme d’un mot ou d’une phrase que l’on choisira. Plus la clé sera longue, plus le cryptogramme sera sécurisé.</a:t>
+            </a:r>
+          </a:p>
+        </p:txBody>
+      </p:sp>
+      <p:sp>
+        <p:nvSpPr>
+          <p:cNvPr id="8" name="ZoneTexte 7">
+            <a:extLst>
+              <a:ext uri="{FF2B5EF4-FFF2-40B4-BE49-F238E27FC236}">
+                <a16:creationId xmlns:a16="http://schemas.microsoft.com/office/drawing/2014/main" id="{99BF4A4F-48CD-150B-FAE0-EE98BCF14AA6}"/>
+              </a:ext>
+            </a:extLst>
+          </p:cNvPr>
+          <p:cNvSpPr txBox="1"/>
+          <p:nvPr/>
+        </p:nvSpPr>
+        <p:spPr>
+          <a:xfrm>
+            <a:off x="397564" y="2953840"/>
+            <a:ext cx="11088982" cy="1323439"/>
+          </a:xfrm>
+          <a:prstGeom prst="rect">
+            <a:avLst/>
+          </a:prstGeom>
+          <a:noFill/>
+        </p:spPr>
+        <p:txBody>
+          <a:bodyPr wrap="square" rtlCol="0">
+            <a:spAutoFit/>
+          </a:bodyPr>
+          <a:lstStyle>
+            <a:defPPr>
+              <a:defRPr lang="en-US"/>
+            </a:defPPr>
+            <a:lvl1pPr>
+              <a:defRPr sz="2000"/>
+            </a:lvl1pPr>
+          </a:lstStyle>
+          <a:p>
+            <a:r>
+              <a:rPr lang="fr-FR" dirty="0">
                 <a:latin typeface="Times New Roman" panose="02020603050405020304" pitchFamily="18" charset="0"/>
                 <a:cs typeface="Times New Roman" panose="02020603050405020304" pitchFamily="18" charset="0"/>
               </a:rPr>
-              <a:t>vigénère</a:t>
-            </a:r>
-            <a:endParaRPr lang="fr-FR" dirty="0">
-              <a:latin typeface="Times New Roman" panose="02020603050405020304" pitchFamily="18" charset="0"/>
-              <a:cs typeface="Times New Roman" panose="02020603050405020304" pitchFamily="18" charset="0"/>
-            </a:endParaRPr>
+              <a:t>Pour utiliser le chiffre de Vigenère on dispose de deux méthodes de chiffrement/déchiffrement:</a:t>
+            </a:r>
+          </a:p>
+          <a:p>
+            <a:pPr marL="342900" indent="-342900">
+              <a:buFont typeface="Arial" panose="020B0604020202020204" pitchFamily="34" charset="0"/>
+              <a:buChar char="•"/>
+            </a:pPr>
+            <a:r>
+              <a:rPr lang="fr-FR" dirty="0">
+                <a:latin typeface="Times New Roman" panose="02020603050405020304" pitchFamily="18" charset="0"/>
+                <a:cs typeface="Times New Roman" panose="02020603050405020304" pitchFamily="18" charset="0"/>
+              </a:rPr>
+              <a:t>Soit on utilise la table de Vigenère voir </a:t>
+            </a:r>
+            <a:r>
+              <a:rPr lang="fr-FR" dirty="0">
+                <a:latin typeface="Times New Roman" panose="02020603050405020304" pitchFamily="18" charset="0"/>
+                <a:cs typeface="Times New Roman" panose="02020603050405020304" pitchFamily="18" charset="0"/>
+                <a:hlinkClick r:id="rId2"/>
+              </a:rPr>
+              <a:t>Chiffre de Vigenère</a:t>
+            </a:r>
+            <a:r>
+              <a:rPr lang="fr-FR" dirty="0">
+                <a:latin typeface="Times New Roman" panose="02020603050405020304" pitchFamily="18" charset="0"/>
+                <a:cs typeface="Times New Roman" panose="02020603050405020304" pitchFamily="18" charset="0"/>
+              </a:rPr>
+              <a:t>.</a:t>
+            </a:r>
+          </a:p>
+          <a:p>
+            <a:pPr marL="342900" indent="-342900">
+              <a:buFont typeface="Arial" panose="020B0604020202020204" pitchFamily="34" charset="0"/>
+              <a:buChar char="•"/>
+            </a:pPr>
+            <a:r>
+              <a:rPr lang="fr-FR" dirty="0">
+                <a:latin typeface="Times New Roman" panose="02020603050405020304" pitchFamily="18" charset="0"/>
+                <a:cs typeface="Times New Roman" panose="02020603050405020304" pitchFamily="18" charset="0"/>
+              </a:rPr>
+              <a:t>Soit on utilise la méthode mathématique. </a:t>
+            </a:r>
+          </a:p>
+          <a:p>
+            <a:r>
+              <a:rPr lang="fr-FR" dirty="0">
+                <a:latin typeface="Times New Roman" panose="02020603050405020304" pitchFamily="18" charset="0"/>
+                <a:cs typeface="Times New Roman" panose="02020603050405020304" pitchFamily="18" charset="0"/>
+              </a:rPr>
+              <a:t>Nous utiliserons dans cet exercice la méthode mathématique.</a:t>
+            </a:r>
           </a:p>
         </p:txBody>
       </p:sp>
+      <mc:AlternateContent xmlns:mc="http://schemas.openxmlformats.org/markup-compatibility/2006" xmlns:a14="http://schemas.microsoft.com/office/drawing/2010/main">
+        <mc:Choice Requires="a14">
+          <p:sp>
+            <p:nvSpPr>
+              <p:cNvPr id="9" name="ZoneTexte 8">
+                <a:extLst>
+                  <a:ext uri="{FF2B5EF4-FFF2-40B4-BE49-F238E27FC236}">
+                    <a16:creationId xmlns:a16="http://schemas.microsoft.com/office/drawing/2014/main" id="{6A914AF3-291D-FD71-E5B9-008DC9BB840F}"/>
+                  </a:ext>
+                </a:extLst>
+              </p:cNvPr>
+              <p:cNvSpPr txBox="1"/>
+              <p:nvPr/>
+            </p:nvSpPr>
+            <p:spPr>
+              <a:xfrm>
+                <a:off x="332682" y="4254199"/>
+                <a:ext cx="10866456" cy="1938992"/>
+              </a:xfrm>
+              <a:prstGeom prst="rect">
+                <a:avLst/>
+              </a:prstGeom>
+              <a:noFill/>
+            </p:spPr>
+            <p:txBody>
+              <a:bodyPr wrap="square" rtlCol="0">
+                <a:spAutoFit/>
+              </a:bodyPr>
+              <a:lstStyle>
+                <a:defPPr>
+                  <a:defRPr lang="en-US"/>
+                </a:defPPr>
+                <a:lvl1pPr>
+                  <a:defRPr sz="2000"/>
+                </a:lvl1pPr>
+              </a:lstStyle>
+              <a:p>
+                <a:r>
+                  <a:rPr lang="fr-FR" dirty="0">
+                    <a:latin typeface="Times New Roman" panose="02020603050405020304" pitchFamily="18" charset="0"/>
+                    <a:cs typeface="Times New Roman" panose="02020603050405020304" pitchFamily="18" charset="0"/>
+                  </a:rPr>
+                  <a:t>Avec la méthode mathématique, on part d’un tableau comme le chiffre de César composé des lettres de A à Z ayant respectivement les indices de 0 à 25.</a:t>
+                </a:r>
+              </a:p>
+              <a:p>
+                <a:r>
+                  <a:rPr lang="fr-FR" dirty="0">
+                    <a:latin typeface="Times New Roman" panose="02020603050405020304" pitchFamily="18" charset="0"/>
+                    <a:cs typeface="Times New Roman" panose="02020603050405020304" pitchFamily="18" charset="0"/>
+                  </a:rPr>
+                  <a:t>Supposons:</a:t>
+                </a:r>
+              </a:p>
+              <a:p>
+                <a:pPr marL="342900" indent="-342900">
+                  <a:buFont typeface="Arial" panose="020B0604020202020204" pitchFamily="34" charset="0"/>
+                  <a:buChar char="•"/>
+                </a:pPr>
+                <a14:m>
+                  <m:oMath xmlns:m="http://schemas.openxmlformats.org/officeDocument/2006/math">
+                    <m:r>
+                      <a:rPr lang="fr-FR" i="1">
+                        <a:latin typeface="Cambria Math" panose="02040503050406030204" pitchFamily="18" charset="0"/>
+                        <a:cs typeface="Times New Roman" panose="02020603050405020304" pitchFamily="18" charset="0"/>
+                      </a:rPr>
+                      <m:t>𝑥</m:t>
+                    </m:r>
+                    <m:r>
+                      <a:rPr lang="fr-FR" i="1">
+                        <a:latin typeface="Cambria Math" panose="02040503050406030204" pitchFamily="18" charset="0"/>
+                        <a:cs typeface="Times New Roman" panose="02020603050405020304" pitchFamily="18" charset="0"/>
+                      </a:rPr>
+                      <m:t> :</m:t>
+                    </m:r>
+                  </m:oMath>
+                </a14:m>
+                <a:r>
+                  <a:rPr lang="fr-FR" i="1" dirty="0">
+                    <a:latin typeface="Cambria Math" panose="02040503050406030204" pitchFamily="18" charset="0"/>
+                    <a:cs typeface="Times New Roman" panose="02020603050405020304" pitchFamily="18" charset="0"/>
+                  </a:rPr>
+                  <a:t> </a:t>
+                </a:r>
+                <a:r>
+                  <a:rPr lang="fr-FR" dirty="0">
+                    <a:latin typeface="Cambria Math" panose="02040503050406030204" pitchFamily="18" charset="0"/>
+                    <a:cs typeface="Times New Roman" panose="02020603050405020304" pitchFamily="18" charset="0"/>
+                  </a:rPr>
+                  <a:t>l’indice de la lettre de la clé</a:t>
+                </a:r>
+              </a:p>
+              <a:p>
+                <a:pPr marL="342900" indent="-342900">
+                  <a:buFont typeface="Arial" panose="020B0604020202020204" pitchFamily="34" charset="0"/>
+                  <a:buChar char="•"/>
+                </a:pPr>
+                <a14:m>
+                  <m:oMath xmlns:m="http://schemas.openxmlformats.org/officeDocument/2006/math">
+                    <m:r>
+                      <a:rPr lang="fr-FR" b="0" i="1" smtClean="0">
+                        <a:latin typeface="Cambria Math" panose="02040503050406030204" pitchFamily="18" charset="0"/>
+                        <a:cs typeface="Times New Roman" panose="02020603050405020304" pitchFamily="18" charset="0"/>
+                      </a:rPr>
+                      <m:t>𝑦</m:t>
+                    </m:r>
+                    <m:r>
+                      <a:rPr lang="fr-FR" b="0" i="1" smtClean="0">
+                        <a:latin typeface="Cambria Math" panose="02040503050406030204" pitchFamily="18" charset="0"/>
+                        <a:cs typeface="Times New Roman" panose="02020603050405020304" pitchFamily="18" charset="0"/>
+                      </a:rPr>
+                      <m:t> :</m:t>
+                    </m:r>
+                  </m:oMath>
+                </a14:m>
+                <a:r>
+                  <a:rPr lang="fr-FR" i="1" dirty="0">
+                    <a:latin typeface="Cambria Math" panose="02040503050406030204" pitchFamily="18" charset="0"/>
+                    <a:cs typeface="Times New Roman" panose="02020603050405020304" pitchFamily="18" charset="0"/>
+                  </a:rPr>
+                  <a:t> </a:t>
+                </a:r>
+                <a:r>
+                  <a:rPr lang="fr-FR" dirty="0">
+                    <a:latin typeface="Cambria Math" panose="02040503050406030204" pitchFamily="18" charset="0"/>
+                    <a:cs typeface="Times New Roman" panose="02020603050405020304" pitchFamily="18" charset="0"/>
+                  </a:rPr>
+                  <a:t>l’indice de la lettre chiffrée</a:t>
+                </a:r>
+              </a:p>
+              <a:p>
+                <a:pPr marL="342900" indent="-342900">
+                  <a:buFont typeface="Arial" panose="020B0604020202020204" pitchFamily="34" charset="0"/>
+                  <a:buChar char="•"/>
+                </a:pPr>
+                <a14:m>
+                  <m:oMath xmlns:m="http://schemas.openxmlformats.org/officeDocument/2006/math">
+                    <m:r>
+                      <a:rPr lang="fr-FR" b="0" i="1" smtClean="0">
+                        <a:latin typeface="Cambria Math" panose="02040503050406030204" pitchFamily="18" charset="0"/>
+                        <a:cs typeface="Times New Roman" panose="02020603050405020304" pitchFamily="18" charset="0"/>
+                      </a:rPr>
+                      <m:t>𝑧</m:t>
+                    </m:r>
+                    <m:r>
+                      <a:rPr lang="fr-FR" b="0" i="1" smtClean="0">
+                        <a:latin typeface="Cambria Math" panose="02040503050406030204" pitchFamily="18" charset="0"/>
+                        <a:cs typeface="Times New Roman" panose="02020603050405020304" pitchFamily="18" charset="0"/>
+                      </a:rPr>
+                      <m:t>:</m:t>
+                    </m:r>
+                  </m:oMath>
+                </a14:m>
+                <a:r>
+                  <a:rPr lang="fr-FR" i="1" dirty="0">
+                    <a:latin typeface="Cambria Math" panose="02040503050406030204" pitchFamily="18" charset="0"/>
+                    <a:cs typeface="Times New Roman" panose="02020603050405020304" pitchFamily="18" charset="0"/>
+                  </a:rPr>
+                  <a:t> </a:t>
+                </a:r>
+                <a:r>
+                  <a:rPr lang="fr-FR" dirty="0">
+                    <a:latin typeface="Cambria Math" panose="02040503050406030204" pitchFamily="18" charset="0"/>
+                    <a:cs typeface="Times New Roman" panose="02020603050405020304" pitchFamily="18" charset="0"/>
+                  </a:rPr>
+                  <a:t>l’indice de la lettre du texte en clair</a:t>
+                </a:r>
+                <a:endParaRPr lang="fr-FR" i="1" dirty="0">
+                  <a:latin typeface="Cambria Math" panose="02040503050406030204" pitchFamily="18" charset="0"/>
+                  <a:cs typeface="Times New Roman" panose="02020603050405020304" pitchFamily="18" charset="0"/>
+                </a:endParaRPr>
+              </a:p>
+            </p:txBody>
+          </p:sp>
+        </mc:Choice>
+        <mc:Fallback xmlns="">
+          <p:sp>
+            <p:nvSpPr>
+              <p:cNvPr id="9" name="ZoneTexte 8">
+                <a:extLst>
+                  <a:ext uri="{FF2B5EF4-FFF2-40B4-BE49-F238E27FC236}">
+                    <a16:creationId xmlns:a16="http://schemas.microsoft.com/office/drawing/2014/main" id="{6A914AF3-291D-FD71-E5B9-008DC9BB840F}"/>
+                  </a:ext>
+                </a:extLst>
+              </p:cNvPr>
+              <p:cNvSpPr txBox="1">
+                <a:spLocks noRot="1" noChangeAspect="1" noMove="1" noResize="1" noEditPoints="1" noAdjustHandles="1" noChangeArrowheads="1" noChangeShapeType="1" noTextEdit="1"/>
+              </p:cNvSpPr>
+              <p:nvPr/>
+            </p:nvSpPr>
+            <p:spPr>
+              <a:xfrm>
+                <a:off x="332682" y="4254199"/>
+                <a:ext cx="10866456" cy="1938992"/>
+              </a:xfrm>
+              <a:prstGeom prst="rect">
+                <a:avLst/>
+              </a:prstGeom>
+              <a:blipFill>
+                <a:blip r:embed="rId3"/>
+                <a:stretch>
+                  <a:fillRect l="-617" t="-1887" r="-1010" b="-4717"/>
+                </a:stretch>
+              </a:blipFill>
+            </p:spPr>
+            <p:txBody>
+              <a:bodyPr/>
+              <a:lstStyle/>
+              <a:p>
+                <a:r>
+                  <a:rPr lang="fr-FR">
+                    <a:noFill/>
+                  </a:rPr>
+                  <a:t> </a:t>
+                </a:r>
+              </a:p>
+            </p:txBody>
+          </p:sp>
+        </mc:Fallback>
+      </mc:AlternateContent>
     </p:spTree>
     <p:extLst>
       <p:ext uri="{BB962C8B-B14F-4D97-AF65-F5344CB8AC3E}">
@@ -19783,11 +20281,969 @@
                 <a:latin typeface="Times New Roman" panose="02020603050405020304" pitchFamily="18" charset="0"/>
                 <a:cs typeface="Times New Roman" panose="02020603050405020304" pitchFamily="18" charset="0"/>
               </a:rPr>
-              <a:t>Mini-Projet 5</a:t>
+              <a:t>Mini-Projet 4</a:t>
             </a:r>
           </a:p>
         </p:txBody>
       </p:sp>
+      <mc:AlternateContent xmlns:mc="http://schemas.openxmlformats.org/markup-compatibility/2006" xmlns:a14="http://schemas.microsoft.com/office/drawing/2010/main">
+        <mc:Choice Requires="a14">
+          <p:sp>
+            <p:nvSpPr>
+              <p:cNvPr id="7" name="ZoneTexte 6">
+                <a:extLst>
+                  <a:ext uri="{FF2B5EF4-FFF2-40B4-BE49-F238E27FC236}">
+                    <a16:creationId xmlns:a16="http://schemas.microsoft.com/office/drawing/2014/main" id="{990321CC-02EF-ED64-0AA9-789ED60F60B1}"/>
+                  </a:ext>
+                </a:extLst>
+              </p:cNvPr>
+              <p:cNvSpPr txBox="1"/>
+              <p:nvPr/>
+            </p:nvSpPr>
+            <p:spPr>
+              <a:xfrm>
+                <a:off x="397564" y="1141856"/>
+                <a:ext cx="11088982" cy="1938992"/>
+              </a:xfrm>
+              <a:prstGeom prst="rect">
+                <a:avLst/>
+              </a:prstGeom>
+              <a:noFill/>
+            </p:spPr>
+            <p:txBody>
+              <a:bodyPr wrap="square" rtlCol="0">
+                <a:spAutoFit/>
+              </a:bodyPr>
+              <a:lstStyle>
+                <a:defPPr>
+                  <a:defRPr lang="en-US"/>
+                </a:defPPr>
+                <a:lvl1pPr>
+                  <a:defRPr sz="2000"/>
+                </a:lvl1pPr>
+              </a:lstStyle>
+              <a:p>
+                <a:r>
+                  <a:rPr lang="fr-FR" dirty="0">
+                    <a:latin typeface="Times New Roman" panose="02020603050405020304" pitchFamily="18" charset="0"/>
+                    <a:cs typeface="Times New Roman" panose="02020603050405020304" pitchFamily="18" charset="0"/>
+                  </a:rPr>
+                  <a:t>Si on veut chiffrer, on obtient l’indice de la lettre chiffrée par la formule:</a:t>
+                </a:r>
+              </a:p>
+              <a:p>
+                <a:pPr/>
+                <a14:m>
+                  <m:oMathPara xmlns:m="http://schemas.openxmlformats.org/officeDocument/2006/math">
+                    <m:oMathParaPr>
+                      <m:jc m:val="centerGroup"/>
+                    </m:oMathParaPr>
+                    <m:oMath xmlns:m="http://schemas.openxmlformats.org/officeDocument/2006/math">
+                      <m:r>
+                        <a:rPr lang="fr-FR" b="0" i="1" smtClean="0">
+                          <a:latin typeface="Cambria Math" panose="02040503050406030204" pitchFamily="18" charset="0"/>
+                          <a:cs typeface="Times New Roman" panose="02020603050405020304" pitchFamily="18" charset="0"/>
+                        </a:rPr>
+                        <m:t>𝑦</m:t>
+                      </m:r>
+                      <m:r>
+                        <a:rPr lang="fr-FR" b="0" i="1" smtClean="0">
+                          <a:latin typeface="Cambria Math" panose="02040503050406030204" pitchFamily="18" charset="0"/>
+                          <a:cs typeface="Times New Roman" panose="02020603050405020304" pitchFamily="18" charset="0"/>
+                        </a:rPr>
+                        <m:t>=</m:t>
+                      </m:r>
+                      <m:d>
+                        <m:dPr>
+                          <m:ctrlPr>
+                            <a:rPr lang="fr-FR" b="0" i="1" smtClean="0">
+                              <a:latin typeface="Cambria Math" panose="02040503050406030204" pitchFamily="18" charset="0"/>
+                              <a:cs typeface="Times New Roman" panose="02020603050405020304" pitchFamily="18" charset="0"/>
+                            </a:rPr>
+                          </m:ctrlPr>
+                        </m:dPr>
+                        <m:e>
+                          <m:r>
+                            <a:rPr lang="fr-FR" b="0" i="1" smtClean="0">
+                              <a:latin typeface="Cambria Math" panose="02040503050406030204" pitchFamily="18" charset="0"/>
+                              <a:cs typeface="Times New Roman" panose="02020603050405020304" pitchFamily="18" charset="0"/>
+                            </a:rPr>
+                            <m:t>𝑥</m:t>
+                          </m:r>
+                          <m:r>
+                            <a:rPr lang="fr-FR" b="0" i="1" smtClean="0">
+                              <a:latin typeface="Cambria Math" panose="02040503050406030204" pitchFamily="18" charset="0"/>
+                              <a:cs typeface="Times New Roman" panose="02020603050405020304" pitchFamily="18" charset="0"/>
+                            </a:rPr>
+                            <m:t>+</m:t>
+                          </m:r>
+                          <m:r>
+                            <a:rPr lang="fr-FR" b="0" i="1" smtClean="0">
+                              <a:latin typeface="Cambria Math" panose="02040503050406030204" pitchFamily="18" charset="0"/>
+                              <a:cs typeface="Times New Roman" panose="02020603050405020304" pitchFamily="18" charset="0"/>
+                            </a:rPr>
+                            <m:t>𝑧</m:t>
+                          </m:r>
+                        </m:e>
+                      </m:d>
+                      <m:r>
+                        <a:rPr lang="fr-FR" b="0" i="1" smtClean="0">
+                          <a:latin typeface="Cambria Math" panose="02040503050406030204" pitchFamily="18" charset="0"/>
+                          <a:cs typeface="Times New Roman" panose="02020603050405020304" pitchFamily="18" charset="0"/>
+                        </a:rPr>
+                        <m:t> </m:t>
+                      </m:r>
+                      <m:r>
+                        <a:rPr lang="fr-FR" b="0" i="1" smtClean="0">
+                          <a:latin typeface="Cambria Math" panose="02040503050406030204" pitchFamily="18" charset="0"/>
+                          <a:cs typeface="Times New Roman" panose="02020603050405020304" pitchFamily="18" charset="0"/>
+                        </a:rPr>
+                        <m:t>𝑚𝑜𝑑𝑢𝑙𝑜</m:t>
+                      </m:r>
+                      <m:r>
+                        <a:rPr lang="fr-FR" b="0" i="1" smtClean="0">
+                          <a:latin typeface="Cambria Math" panose="02040503050406030204" pitchFamily="18" charset="0"/>
+                          <a:cs typeface="Times New Roman" panose="02020603050405020304" pitchFamily="18" charset="0"/>
+                        </a:rPr>
+                        <m:t> 26</m:t>
+                      </m:r>
+                    </m:oMath>
+                  </m:oMathPara>
+                </a14:m>
+                <a:endParaRPr lang="fr-FR" dirty="0">
+                  <a:latin typeface="Times New Roman" panose="02020603050405020304" pitchFamily="18" charset="0"/>
+                  <a:cs typeface="Times New Roman" panose="02020603050405020304" pitchFamily="18" charset="0"/>
+                </a:endParaRPr>
+              </a:p>
+              <a:p>
+                <a:r>
+                  <a:rPr lang="fr-FR" dirty="0">
+                    <a:latin typeface="Times New Roman" panose="02020603050405020304" pitchFamily="18" charset="0"/>
+                    <a:cs typeface="Times New Roman" panose="02020603050405020304" pitchFamily="18" charset="0"/>
+                  </a:rPr>
+                  <a:t>Par exemple pour chiffrer la lettre B (indice 1) du message avec la lettre de la clé H (indice 7) on aura:</a:t>
+                </a:r>
+              </a:p>
+              <a:p>
+                <a:pPr/>
+                <a14:m>
+                  <m:oMathPara xmlns:m="http://schemas.openxmlformats.org/officeDocument/2006/math">
+                    <m:oMathParaPr>
+                      <m:jc m:val="centerGroup"/>
+                    </m:oMathParaPr>
+                    <m:oMath xmlns:m="http://schemas.openxmlformats.org/officeDocument/2006/math">
+                      <m:r>
+                        <a:rPr lang="fr-FR" b="0" i="1" smtClean="0">
+                          <a:latin typeface="Cambria Math" panose="02040503050406030204" pitchFamily="18" charset="0"/>
+                          <a:cs typeface="Times New Roman" panose="02020603050405020304" pitchFamily="18" charset="0"/>
+                        </a:rPr>
+                        <m:t>𝑦</m:t>
+                      </m:r>
+                      <m:r>
+                        <a:rPr lang="fr-FR" b="0" i="1" smtClean="0">
+                          <a:latin typeface="Cambria Math" panose="02040503050406030204" pitchFamily="18" charset="0"/>
+                          <a:cs typeface="Times New Roman" panose="02020603050405020304" pitchFamily="18" charset="0"/>
+                        </a:rPr>
+                        <m:t>=</m:t>
+                      </m:r>
+                      <m:d>
+                        <m:dPr>
+                          <m:ctrlPr>
+                            <a:rPr lang="fr-FR" b="0" i="1" smtClean="0">
+                              <a:latin typeface="Cambria Math" panose="02040503050406030204" pitchFamily="18" charset="0"/>
+                              <a:cs typeface="Times New Roman" panose="02020603050405020304" pitchFamily="18" charset="0"/>
+                            </a:rPr>
+                          </m:ctrlPr>
+                        </m:dPr>
+                        <m:e>
+                          <m:r>
+                            <a:rPr lang="fr-FR" b="0" i="1" smtClean="0">
+                              <a:latin typeface="Cambria Math" panose="02040503050406030204" pitchFamily="18" charset="0"/>
+                              <a:cs typeface="Times New Roman" panose="02020603050405020304" pitchFamily="18" charset="0"/>
+                            </a:rPr>
+                            <m:t>1+7</m:t>
+                          </m:r>
+                        </m:e>
+                      </m:d>
+                      <m:r>
+                        <a:rPr lang="fr-FR" b="0" i="1" smtClean="0">
+                          <a:latin typeface="Cambria Math" panose="02040503050406030204" pitchFamily="18" charset="0"/>
+                          <a:cs typeface="Times New Roman" panose="02020603050405020304" pitchFamily="18" charset="0"/>
+                        </a:rPr>
+                        <m:t> </m:t>
+                      </m:r>
+                      <m:r>
+                        <a:rPr lang="fr-FR" b="0" i="1" smtClean="0">
+                          <a:latin typeface="Cambria Math" panose="02040503050406030204" pitchFamily="18" charset="0"/>
+                          <a:cs typeface="Times New Roman" panose="02020603050405020304" pitchFamily="18" charset="0"/>
+                        </a:rPr>
+                        <m:t>𝑚𝑜𝑑𝑢𝑙𝑜</m:t>
+                      </m:r>
+                      <m:r>
+                        <a:rPr lang="fr-FR" b="0" i="1" smtClean="0">
+                          <a:latin typeface="Cambria Math" panose="02040503050406030204" pitchFamily="18" charset="0"/>
+                          <a:cs typeface="Times New Roman" panose="02020603050405020304" pitchFamily="18" charset="0"/>
+                        </a:rPr>
+                        <m:t> 26=8 </m:t>
+                      </m:r>
+                      <m:r>
+                        <a:rPr lang="fr-FR" b="0" i="1" smtClean="0">
+                          <a:latin typeface="Cambria Math" panose="02040503050406030204" pitchFamily="18" charset="0"/>
+                          <a:cs typeface="Times New Roman" panose="02020603050405020304" pitchFamily="18" charset="0"/>
+                        </a:rPr>
+                        <m:t>𝑚𝑜𝑑𝑢𝑙𝑜</m:t>
+                      </m:r>
+                      <m:r>
+                        <a:rPr lang="fr-FR" b="0" i="1" smtClean="0">
+                          <a:latin typeface="Cambria Math" panose="02040503050406030204" pitchFamily="18" charset="0"/>
+                          <a:cs typeface="Times New Roman" panose="02020603050405020304" pitchFamily="18" charset="0"/>
+                        </a:rPr>
+                        <m:t> 26=8 </m:t>
+                      </m:r>
+                      <m:r>
+                        <a:rPr lang="fr-FR" b="0" i="1" smtClean="0">
+                          <a:latin typeface="Cambria Math" panose="02040503050406030204" pitchFamily="18" charset="0"/>
+                          <a:cs typeface="Times New Roman" panose="02020603050405020304" pitchFamily="18" charset="0"/>
+                        </a:rPr>
+                        <m:t>𝑠𝑜𝑖𝑡</m:t>
+                      </m:r>
+                      <m:r>
+                        <a:rPr lang="fr-FR" b="0" i="1" smtClean="0">
+                          <a:latin typeface="Cambria Math" panose="02040503050406030204" pitchFamily="18" charset="0"/>
+                          <a:cs typeface="Times New Roman" panose="02020603050405020304" pitchFamily="18" charset="0"/>
+                        </a:rPr>
+                        <m:t> </m:t>
+                      </m:r>
+                      <m:r>
+                        <a:rPr lang="fr-FR" b="0" i="1" smtClean="0">
+                          <a:latin typeface="Cambria Math" panose="02040503050406030204" pitchFamily="18" charset="0"/>
+                          <a:cs typeface="Times New Roman" panose="02020603050405020304" pitchFamily="18" charset="0"/>
+                        </a:rPr>
+                        <m:t>𝑙𝑎</m:t>
+                      </m:r>
+                      <m:r>
+                        <a:rPr lang="fr-FR" b="0" i="1" smtClean="0">
+                          <a:latin typeface="Cambria Math" panose="02040503050406030204" pitchFamily="18" charset="0"/>
+                          <a:cs typeface="Times New Roman" panose="02020603050405020304" pitchFamily="18" charset="0"/>
+                        </a:rPr>
+                        <m:t> </m:t>
+                      </m:r>
+                      <m:r>
+                        <a:rPr lang="fr-FR" b="0" i="1" smtClean="0">
+                          <a:latin typeface="Cambria Math" panose="02040503050406030204" pitchFamily="18" charset="0"/>
+                          <a:cs typeface="Times New Roman" panose="02020603050405020304" pitchFamily="18" charset="0"/>
+                        </a:rPr>
+                        <m:t>𝑙𝑒𝑡𝑡𝑟𝑒</m:t>
+                      </m:r>
+                      <m:r>
+                        <a:rPr lang="fr-FR" b="0" i="1" smtClean="0">
+                          <a:latin typeface="Cambria Math" panose="02040503050406030204" pitchFamily="18" charset="0"/>
+                          <a:cs typeface="Times New Roman" panose="02020603050405020304" pitchFamily="18" charset="0"/>
+                        </a:rPr>
+                        <m:t> </m:t>
+                      </m:r>
+                      <m:r>
+                        <a:rPr lang="fr-FR" b="0" i="1" smtClean="0">
+                          <a:latin typeface="Cambria Math" panose="02040503050406030204" pitchFamily="18" charset="0"/>
+                          <a:cs typeface="Times New Roman" panose="02020603050405020304" pitchFamily="18" charset="0"/>
+                        </a:rPr>
+                        <m:t>𝐼</m:t>
+                      </m:r>
+                    </m:oMath>
+                  </m:oMathPara>
+                </a14:m>
+                <a:endParaRPr lang="fr-FR" dirty="0">
+                  <a:latin typeface="Times New Roman" panose="02020603050405020304" pitchFamily="18" charset="0"/>
+                  <a:cs typeface="Times New Roman" panose="02020603050405020304" pitchFamily="18" charset="0"/>
+                </a:endParaRPr>
+              </a:p>
+              <a:p>
+                <a:r>
+                  <a:rPr lang="fr-FR" b="1" dirty="0">
+                    <a:latin typeface="Times New Roman" panose="02020603050405020304" pitchFamily="18" charset="0"/>
+                    <a:cs typeface="Times New Roman" panose="02020603050405020304" pitchFamily="18" charset="0"/>
+                  </a:rPr>
+                  <a:t>Le modulo est le reste de la division euclidienne en Python il est représenté par %.</a:t>
+                </a:r>
+              </a:p>
+              <a:p>
+                <a:r>
+                  <a:rPr lang="fr-FR" b="1" dirty="0">
+                    <a:latin typeface="Times New Roman" panose="02020603050405020304" pitchFamily="18" charset="0"/>
+                    <a:cs typeface="Times New Roman" panose="02020603050405020304" pitchFamily="18" charset="0"/>
+                  </a:rPr>
+                  <a:t>Par exemple 2%1=0 et 5%2=1</a:t>
+                </a:r>
+              </a:p>
+            </p:txBody>
+          </p:sp>
+        </mc:Choice>
+        <mc:Fallback xmlns="">
+          <p:sp>
+            <p:nvSpPr>
+              <p:cNvPr id="7" name="ZoneTexte 6">
+                <a:extLst>
+                  <a:ext uri="{FF2B5EF4-FFF2-40B4-BE49-F238E27FC236}">
+                    <a16:creationId xmlns:a16="http://schemas.microsoft.com/office/drawing/2014/main" id="{990321CC-02EF-ED64-0AA9-789ED60F60B1}"/>
+                  </a:ext>
+                </a:extLst>
+              </p:cNvPr>
+              <p:cNvSpPr txBox="1">
+                <a:spLocks noRot="1" noChangeAspect="1" noMove="1" noResize="1" noEditPoints="1" noAdjustHandles="1" noChangeArrowheads="1" noChangeShapeType="1" noTextEdit="1"/>
+              </p:cNvSpPr>
+              <p:nvPr/>
+            </p:nvSpPr>
+            <p:spPr>
+              <a:xfrm>
+                <a:off x="397564" y="1141856"/>
+                <a:ext cx="11088982" cy="1938992"/>
+              </a:xfrm>
+              <a:prstGeom prst="rect">
+                <a:avLst/>
+              </a:prstGeom>
+              <a:blipFill>
+                <a:blip r:embed="rId2"/>
+                <a:stretch>
+                  <a:fillRect l="-550" t="-1572" b="-4717"/>
+                </a:stretch>
+              </a:blipFill>
+            </p:spPr>
+            <p:txBody>
+              <a:bodyPr/>
+              <a:lstStyle/>
+              <a:p>
+                <a:r>
+                  <a:rPr lang="fr-FR">
+                    <a:noFill/>
+                  </a:rPr>
+                  <a:t> </a:t>
+                </a:r>
+              </a:p>
+            </p:txBody>
+          </p:sp>
+        </mc:Fallback>
+      </mc:AlternateContent>
+      <mc:AlternateContent xmlns:mc="http://schemas.openxmlformats.org/markup-compatibility/2006" xmlns:a14="http://schemas.microsoft.com/office/drawing/2010/main">
+        <mc:Choice Requires="a14">
+          <p:sp>
+            <p:nvSpPr>
+              <p:cNvPr id="10" name="ZoneTexte 9">
+                <a:extLst>
+                  <a:ext uri="{FF2B5EF4-FFF2-40B4-BE49-F238E27FC236}">
+                    <a16:creationId xmlns:a16="http://schemas.microsoft.com/office/drawing/2014/main" id="{183593BF-4B80-C0DA-D5C3-DAFAD01F2291}"/>
+                  </a:ext>
+                </a:extLst>
+              </p:cNvPr>
+              <p:cNvSpPr txBox="1"/>
+              <p:nvPr/>
+            </p:nvSpPr>
+            <p:spPr>
+              <a:xfrm>
+                <a:off x="314574" y="3293862"/>
+                <a:ext cx="11088982" cy="1938992"/>
+              </a:xfrm>
+              <a:prstGeom prst="rect">
+                <a:avLst/>
+              </a:prstGeom>
+              <a:noFill/>
+            </p:spPr>
+            <p:txBody>
+              <a:bodyPr wrap="square" rtlCol="0">
+                <a:spAutoFit/>
+              </a:bodyPr>
+              <a:lstStyle>
+                <a:defPPr>
+                  <a:defRPr lang="en-US"/>
+                </a:defPPr>
+                <a:lvl1pPr>
+                  <a:defRPr sz="2000"/>
+                </a:lvl1pPr>
+              </a:lstStyle>
+              <a:p>
+                <a:r>
+                  <a:rPr lang="fr-FR" dirty="0">
+                    <a:latin typeface="Times New Roman" panose="02020603050405020304" pitchFamily="18" charset="0"/>
+                    <a:cs typeface="Times New Roman" panose="02020603050405020304" pitchFamily="18" charset="0"/>
+                  </a:rPr>
+                  <a:t>Quand on veut déchiffrer on cherche l’indice </a:t>
+                </a:r>
+                <a14:m>
+                  <m:oMath xmlns:m="http://schemas.openxmlformats.org/officeDocument/2006/math">
+                    <m:r>
+                      <a:rPr lang="fr-FR" b="0" i="1" smtClean="0">
+                        <a:latin typeface="Cambria Math" panose="02040503050406030204" pitchFamily="18" charset="0"/>
+                        <a:cs typeface="Times New Roman" panose="02020603050405020304" pitchFamily="18" charset="0"/>
+                      </a:rPr>
+                      <m:t>𝑧</m:t>
+                    </m:r>
+                  </m:oMath>
+                </a14:m>
+                <a:r>
+                  <a:rPr lang="fr-FR" b="1" dirty="0">
+                    <a:latin typeface="Times New Roman" panose="02020603050405020304" pitchFamily="18" charset="0"/>
+                    <a:cs typeface="Times New Roman" panose="02020603050405020304" pitchFamily="18" charset="0"/>
+                  </a:rPr>
+                  <a:t> </a:t>
+                </a:r>
+                <a:r>
+                  <a:rPr lang="fr-FR" dirty="0">
+                    <a:latin typeface="Times New Roman" panose="02020603050405020304" pitchFamily="18" charset="0"/>
+                    <a:cs typeface="Times New Roman" panose="02020603050405020304" pitchFamily="18" charset="0"/>
+                  </a:rPr>
+                  <a:t>par les formules suivantes:</a:t>
+                </a:r>
+              </a:p>
+              <a:p>
+                <a:pPr marL="342900" indent="-342900">
+                  <a:buFont typeface="Arial" panose="020B0604020202020204" pitchFamily="34" charset="0"/>
+                  <a:buChar char="•"/>
+                </a:pPr>
+                <a:r>
+                  <a:rPr lang="fr-FR" dirty="0">
+                    <a:latin typeface="Times New Roman" panose="02020603050405020304" pitchFamily="18" charset="0"/>
+                    <a:cs typeface="Times New Roman" panose="02020603050405020304" pitchFamily="18" charset="0"/>
+                  </a:rPr>
+                  <a:t>Si </a:t>
+                </a:r>
+                <a14:m>
+                  <m:oMath xmlns:m="http://schemas.openxmlformats.org/officeDocument/2006/math">
+                    <m:r>
+                      <a:rPr lang="fr-FR" b="0" i="1" smtClean="0">
+                        <a:latin typeface="Cambria Math" panose="02040503050406030204" pitchFamily="18" charset="0"/>
+                        <a:cs typeface="Times New Roman" panose="02020603050405020304" pitchFamily="18" charset="0"/>
+                      </a:rPr>
+                      <m:t>𝑥</m:t>
+                    </m:r>
+                    <m:r>
+                      <a:rPr lang="fr-FR" b="0" i="1" smtClean="0">
+                        <a:latin typeface="Cambria Math" panose="02040503050406030204" pitchFamily="18" charset="0"/>
+                        <a:cs typeface="Times New Roman" panose="02020603050405020304" pitchFamily="18" charset="0"/>
+                      </a:rPr>
+                      <m:t>&gt;</m:t>
+                    </m:r>
+                    <m:r>
+                      <a:rPr lang="fr-FR" b="0" i="1" smtClean="0">
+                        <a:latin typeface="Cambria Math" panose="02040503050406030204" pitchFamily="18" charset="0"/>
+                        <a:cs typeface="Times New Roman" panose="02020603050405020304" pitchFamily="18" charset="0"/>
+                      </a:rPr>
+                      <m:t>𝑦</m:t>
+                    </m:r>
+                  </m:oMath>
+                </a14:m>
+                <a:r>
+                  <a:rPr lang="fr-FR" dirty="0">
+                    <a:latin typeface="Times New Roman" panose="02020603050405020304" pitchFamily="18" charset="0"/>
+                    <a:cs typeface="Times New Roman" panose="02020603050405020304" pitchFamily="18" charset="0"/>
+                  </a:rPr>
+                  <a:t> alors </a:t>
+                </a:r>
+                <a14:m>
+                  <m:oMath xmlns:m="http://schemas.openxmlformats.org/officeDocument/2006/math">
+                    <m:r>
+                      <a:rPr lang="fr-FR" b="0" i="1" smtClean="0">
+                        <a:latin typeface="Cambria Math" panose="02040503050406030204" pitchFamily="18" charset="0"/>
+                        <a:cs typeface="Times New Roman" panose="02020603050405020304" pitchFamily="18" charset="0"/>
+                      </a:rPr>
+                      <m:t>𝑧</m:t>
+                    </m:r>
+                    <m:r>
+                      <a:rPr lang="fr-FR" b="0" i="1" smtClean="0">
+                        <a:latin typeface="Cambria Math" panose="02040503050406030204" pitchFamily="18" charset="0"/>
+                        <a:cs typeface="Times New Roman" panose="02020603050405020304" pitchFamily="18" charset="0"/>
+                      </a:rPr>
+                      <m:t>=</m:t>
+                    </m:r>
+                    <m:d>
+                      <m:dPr>
+                        <m:ctrlPr>
+                          <a:rPr lang="fr-FR" b="0" i="1" smtClean="0">
+                            <a:latin typeface="Cambria Math" panose="02040503050406030204" pitchFamily="18" charset="0"/>
+                            <a:cs typeface="Times New Roman" panose="02020603050405020304" pitchFamily="18" charset="0"/>
+                          </a:rPr>
+                        </m:ctrlPr>
+                      </m:dPr>
+                      <m:e>
+                        <m:r>
+                          <a:rPr lang="fr-FR" b="0" i="1" smtClean="0">
+                            <a:latin typeface="Cambria Math" panose="02040503050406030204" pitchFamily="18" charset="0"/>
+                            <a:cs typeface="Times New Roman" panose="02020603050405020304" pitchFamily="18" charset="0"/>
+                          </a:rPr>
+                          <m:t>26 −</m:t>
+                        </m:r>
+                        <m:r>
+                          <a:rPr lang="fr-FR" b="0" i="1" smtClean="0">
+                            <a:latin typeface="Cambria Math" panose="02040503050406030204" pitchFamily="18" charset="0"/>
+                            <a:cs typeface="Times New Roman" panose="02020603050405020304" pitchFamily="18" charset="0"/>
+                          </a:rPr>
+                          <m:t>𝑥</m:t>
+                        </m:r>
+                      </m:e>
+                    </m:d>
+                    <m:r>
+                      <a:rPr lang="fr-FR" b="0" i="1" smtClean="0">
+                        <a:latin typeface="Cambria Math" panose="02040503050406030204" pitchFamily="18" charset="0"/>
+                        <a:cs typeface="Times New Roman" panose="02020603050405020304" pitchFamily="18" charset="0"/>
+                      </a:rPr>
+                      <m:t>+</m:t>
+                    </m:r>
+                    <m:r>
+                      <a:rPr lang="fr-FR" b="0" i="1" smtClean="0">
+                        <a:latin typeface="Cambria Math" panose="02040503050406030204" pitchFamily="18" charset="0"/>
+                        <a:cs typeface="Times New Roman" panose="02020603050405020304" pitchFamily="18" charset="0"/>
+                      </a:rPr>
+                      <m:t>𝑦</m:t>
+                    </m:r>
+                  </m:oMath>
+                </a14:m>
+                <a:endParaRPr lang="fr-FR" dirty="0">
+                  <a:latin typeface="Times New Roman" panose="02020603050405020304" pitchFamily="18" charset="0"/>
+                  <a:cs typeface="Times New Roman" panose="02020603050405020304" pitchFamily="18" charset="0"/>
+                </a:endParaRPr>
+              </a:p>
+              <a:p>
+                <a:pPr marL="342900" indent="-342900">
+                  <a:buFont typeface="Arial" panose="020B0604020202020204" pitchFamily="34" charset="0"/>
+                  <a:buChar char="•"/>
+                </a:pPr>
+                <a:r>
+                  <a:rPr lang="fr-FR" dirty="0">
+                    <a:latin typeface="Times New Roman" panose="02020603050405020304" pitchFamily="18" charset="0"/>
+                    <a:cs typeface="Times New Roman" panose="02020603050405020304" pitchFamily="18" charset="0"/>
+                  </a:rPr>
+                  <a:t>Sinon </a:t>
+                </a:r>
+                <a14:m>
+                  <m:oMath xmlns:m="http://schemas.openxmlformats.org/officeDocument/2006/math">
+                    <m:r>
+                      <a:rPr lang="fr-FR" b="0" i="1" smtClean="0">
+                        <a:latin typeface="Cambria Math" panose="02040503050406030204" pitchFamily="18" charset="0"/>
+                        <a:cs typeface="Times New Roman" panose="02020603050405020304" pitchFamily="18" charset="0"/>
+                      </a:rPr>
+                      <m:t>𝑧</m:t>
+                    </m:r>
+                    <m:r>
+                      <a:rPr lang="fr-FR" b="0" i="1" smtClean="0">
+                        <a:latin typeface="Cambria Math" panose="02040503050406030204" pitchFamily="18" charset="0"/>
+                        <a:cs typeface="Times New Roman" panose="02020603050405020304" pitchFamily="18" charset="0"/>
+                      </a:rPr>
+                      <m:t>=</m:t>
+                    </m:r>
+                    <m:r>
+                      <a:rPr lang="fr-FR" b="0" i="1" smtClean="0">
+                        <a:latin typeface="Cambria Math" panose="02040503050406030204" pitchFamily="18" charset="0"/>
+                        <a:cs typeface="Times New Roman" panose="02020603050405020304" pitchFamily="18" charset="0"/>
+                      </a:rPr>
+                      <m:t>𝑦</m:t>
+                    </m:r>
+                    <m:r>
+                      <a:rPr lang="fr-FR" b="0" i="1" smtClean="0">
+                        <a:latin typeface="Cambria Math" panose="02040503050406030204" pitchFamily="18" charset="0"/>
+                        <a:cs typeface="Times New Roman" panose="02020603050405020304" pitchFamily="18" charset="0"/>
+                      </a:rPr>
+                      <m:t>−</m:t>
+                    </m:r>
+                    <m:r>
+                      <a:rPr lang="fr-FR" b="0" i="1" smtClean="0">
+                        <a:latin typeface="Cambria Math" panose="02040503050406030204" pitchFamily="18" charset="0"/>
+                        <a:cs typeface="Times New Roman" panose="02020603050405020304" pitchFamily="18" charset="0"/>
+                      </a:rPr>
+                      <m:t>𝑥</m:t>
+                    </m:r>
+                  </m:oMath>
+                </a14:m>
+                <a:endParaRPr lang="fr-FR" dirty="0">
+                  <a:latin typeface="Times New Roman" panose="02020603050405020304" pitchFamily="18" charset="0"/>
+                  <a:cs typeface="Times New Roman" panose="02020603050405020304" pitchFamily="18" charset="0"/>
+                </a:endParaRPr>
+              </a:p>
+              <a:p>
+                <a:r>
+                  <a:rPr lang="fr-FR" dirty="0">
+                    <a:latin typeface="Times New Roman" panose="02020603050405020304" pitchFamily="18" charset="0"/>
+                    <a:cs typeface="Times New Roman" panose="02020603050405020304" pitchFamily="18" charset="0"/>
+                  </a:rPr>
+                  <a:t>Par exemple pour déchiffrer la lettre I (indice 8) du message chiffré avec la lettre de la clé H (indice 7) on aura:</a:t>
+                </a:r>
+              </a:p>
+              <a:p>
+                <a:pPr/>
+                <a14:m>
+                  <m:oMathPara xmlns:m="http://schemas.openxmlformats.org/officeDocument/2006/math">
+                    <m:oMathParaPr>
+                      <m:jc m:val="centerGroup"/>
+                    </m:oMathParaPr>
+                    <m:oMath xmlns:m="http://schemas.openxmlformats.org/officeDocument/2006/math">
+                      <m:r>
+                        <a:rPr lang="fr-FR" b="0" i="1" smtClean="0">
+                          <a:latin typeface="Cambria Math" panose="02040503050406030204" pitchFamily="18" charset="0"/>
+                          <a:cs typeface="Times New Roman" panose="02020603050405020304" pitchFamily="18" charset="0"/>
+                        </a:rPr>
+                        <m:t>𝑥</m:t>
+                      </m:r>
+                      <m:r>
+                        <a:rPr lang="fr-FR" b="0" i="1" smtClean="0">
+                          <a:latin typeface="Cambria Math" panose="02040503050406030204" pitchFamily="18" charset="0"/>
+                          <a:cs typeface="Times New Roman" panose="02020603050405020304" pitchFamily="18" charset="0"/>
+                        </a:rPr>
+                        <m:t>=7&lt;</m:t>
+                      </m:r>
+                      <m:r>
+                        <a:rPr lang="fr-FR" b="0" i="1" smtClean="0">
+                          <a:latin typeface="Cambria Math" panose="02040503050406030204" pitchFamily="18" charset="0"/>
+                          <a:cs typeface="Times New Roman" panose="02020603050405020304" pitchFamily="18" charset="0"/>
+                        </a:rPr>
+                        <m:t>𝑦</m:t>
+                      </m:r>
+                      <m:r>
+                        <a:rPr lang="fr-FR" b="0" i="1" smtClean="0">
+                          <a:latin typeface="Cambria Math" panose="02040503050406030204" pitchFamily="18" charset="0"/>
+                          <a:cs typeface="Times New Roman" panose="02020603050405020304" pitchFamily="18" charset="0"/>
+                        </a:rPr>
+                        <m:t>=8 </m:t>
+                      </m:r>
+                      <m:r>
+                        <a:rPr lang="fr-FR" b="0" i="1" smtClean="0">
+                          <a:latin typeface="Cambria Math" panose="02040503050406030204" pitchFamily="18" charset="0"/>
+                          <a:cs typeface="Times New Roman" panose="02020603050405020304" pitchFamily="18" charset="0"/>
+                        </a:rPr>
+                        <m:t>𝑎𝑙𝑜𝑟𝑠</m:t>
+                      </m:r>
+                      <m:r>
+                        <a:rPr lang="fr-FR" b="0" i="1" smtClean="0">
+                          <a:latin typeface="Cambria Math" panose="02040503050406030204" pitchFamily="18" charset="0"/>
+                          <a:cs typeface="Times New Roman" panose="02020603050405020304" pitchFamily="18" charset="0"/>
+                        </a:rPr>
+                        <m:t> </m:t>
+                      </m:r>
+                      <m:r>
+                        <a:rPr lang="fr-FR" b="0" i="1" smtClean="0">
+                          <a:latin typeface="Cambria Math" panose="02040503050406030204" pitchFamily="18" charset="0"/>
+                          <a:cs typeface="Times New Roman" panose="02020603050405020304" pitchFamily="18" charset="0"/>
+                        </a:rPr>
+                        <m:t>𝑧</m:t>
+                      </m:r>
+                      <m:r>
+                        <a:rPr lang="fr-FR" b="0" i="1" smtClean="0">
+                          <a:latin typeface="Cambria Math" panose="02040503050406030204" pitchFamily="18" charset="0"/>
+                          <a:cs typeface="Times New Roman" panose="02020603050405020304" pitchFamily="18" charset="0"/>
+                        </a:rPr>
+                        <m:t>=8−7=1 </m:t>
+                      </m:r>
+                      <m:r>
+                        <a:rPr lang="fr-FR" b="0" i="1" smtClean="0">
+                          <a:latin typeface="Cambria Math" panose="02040503050406030204" pitchFamily="18" charset="0"/>
+                          <a:cs typeface="Times New Roman" panose="02020603050405020304" pitchFamily="18" charset="0"/>
+                        </a:rPr>
+                        <m:t>𝑠𝑜𝑖𝑡</m:t>
+                      </m:r>
+                      <m:r>
+                        <a:rPr lang="fr-FR" b="0" i="1" smtClean="0">
+                          <a:latin typeface="Cambria Math" panose="02040503050406030204" pitchFamily="18" charset="0"/>
+                          <a:cs typeface="Times New Roman" panose="02020603050405020304" pitchFamily="18" charset="0"/>
+                        </a:rPr>
+                        <m:t> </m:t>
+                      </m:r>
+                      <m:r>
+                        <a:rPr lang="fr-FR" b="0" i="1" smtClean="0">
+                          <a:latin typeface="Cambria Math" panose="02040503050406030204" pitchFamily="18" charset="0"/>
+                          <a:cs typeface="Times New Roman" panose="02020603050405020304" pitchFamily="18" charset="0"/>
+                        </a:rPr>
+                        <m:t>𝑙𝑎</m:t>
+                      </m:r>
+                      <m:r>
+                        <a:rPr lang="fr-FR" b="0" i="1" smtClean="0">
+                          <a:latin typeface="Cambria Math" panose="02040503050406030204" pitchFamily="18" charset="0"/>
+                          <a:cs typeface="Times New Roman" panose="02020603050405020304" pitchFamily="18" charset="0"/>
+                        </a:rPr>
+                        <m:t> </m:t>
+                      </m:r>
+                      <m:r>
+                        <a:rPr lang="fr-FR" b="0" i="1" smtClean="0">
+                          <a:latin typeface="Cambria Math" panose="02040503050406030204" pitchFamily="18" charset="0"/>
+                          <a:cs typeface="Times New Roman" panose="02020603050405020304" pitchFamily="18" charset="0"/>
+                        </a:rPr>
+                        <m:t>𝑙𝑒𝑡𝑡𝑟𝑒</m:t>
+                      </m:r>
+                      <m:r>
+                        <a:rPr lang="fr-FR" b="0" i="1" smtClean="0">
+                          <a:latin typeface="Cambria Math" panose="02040503050406030204" pitchFamily="18" charset="0"/>
+                          <a:cs typeface="Times New Roman" panose="02020603050405020304" pitchFamily="18" charset="0"/>
+                        </a:rPr>
+                        <m:t> </m:t>
+                      </m:r>
+                      <m:r>
+                        <a:rPr lang="fr-FR" b="0" i="1" smtClean="0">
+                          <a:latin typeface="Cambria Math" panose="02040503050406030204" pitchFamily="18" charset="0"/>
+                          <a:cs typeface="Times New Roman" panose="02020603050405020304" pitchFamily="18" charset="0"/>
+                        </a:rPr>
+                        <m:t>𝐵</m:t>
+                      </m:r>
+                    </m:oMath>
+                  </m:oMathPara>
+                </a14:m>
+                <a:endParaRPr lang="fr-FR" dirty="0">
+                  <a:latin typeface="Times New Roman" panose="02020603050405020304" pitchFamily="18" charset="0"/>
+                  <a:cs typeface="Times New Roman" panose="02020603050405020304" pitchFamily="18" charset="0"/>
+                </a:endParaRPr>
+              </a:p>
+            </p:txBody>
+          </p:sp>
+        </mc:Choice>
+        <mc:Fallback xmlns="">
+          <p:sp>
+            <p:nvSpPr>
+              <p:cNvPr id="10" name="ZoneTexte 9">
+                <a:extLst>
+                  <a:ext uri="{FF2B5EF4-FFF2-40B4-BE49-F238E27FC236}">
+                    <a16:creationId xmlns:a16="http://schemas.microsoft.com/office/drawing/2014/main" id="{183593BF-4B80-C0DA-D5C3-DAFAD01F2291}"/>
+                  </a:ext>
+                </a:extLst>
+              </p:cNvPr>
+              <p:cNvSpPr txBox="1">
+                <a:spLocks noRot="1" noChangeAspect="1" noMove="1" noResize="1" noEditPoints="1" noAdjustHandles="1" noChangeArrowheads="1" noChangeShapeType="1" noTextEdit="1"/>
+              </p:cNvSpPr>
+              <p:nvPr/>
+            </p:nvSpPr>
+            <p:spPr>
+              <a:xfrm>
+                <a:off x="314574" y="3293862"/>
+                <a:ext cx="11088982" cy="1938992"/>
+              </a:xfrm>
+              <a:prstGeom prst="rect">
+                <a:avLst/>
+              </a:prstGeom>
+              <a:blipFill>
+                <a:blip r:embed="rId3"/>
+                <a:stretch>
+                  <a:fillRect l="-605" t="-1572" b="-1258"/>
+                </a:stretch>
+              </a:blipFill>
+            </p:spPr>
+            <p:txBody>
+              <a:bodyPr/>
+              <a:lstStyle/>
+              <a:p>
+                <a:r>
+                  <a:rPr lang="fr-FR">
+                    <a:noFill/>
+                  </a:rPr>
+                  <a:t> </a:t>
+                </a:r>
+              </a:p>
+            </p:txBody>
+          </p:sp>
+        </mc:Fallback>
+      </mc:AlternateContent>
+      <p:sp>
+        <p:nvSpPr>
+          <p:cNvPr id="11" name="ZoneTexte 10">
+            <a:extLst>
+              <a:ext uri="{FF2B5EF4-FFF2-40B4-BE49-F238E27FC236}">
+                <a16:creationId xmlns:a16="http://schemas.microsoft.com/office/drawing/2014/main" id="{35C67A25-83F3-E82B-588F-A89F004A2A99}"/>
+              </a:ext>
+            </a:extLst>
+          </p:cNvPr>
+          <p:cNvSpPr txBox="1"/>
+          <p:nvPr/>
+        </p:nvSpPr>
+        <p:spPr>
+          <a:xfrm>
+            <a:off x="314574" y="5362300"/>
+            <a:ext cx="11088982" cy="707886"/>
+          </a:xfrm>
+          <a:prstGeom prst="rect">
+            <a:avLst/>
+          </a:prstGeom>
+          <a:noFill/>
+        </p:spPr>
+        <p:txBody>
+          <a:bodyPr wrap="square" rtlCol="0">
+            <a:spAutoFit/>
+          </a:bodyPr>
+          <a:lstStyle>
+            <a:defPPr>
+              <a:defRPr lang="en-US"/>
+            </a:defPPr>
+            <a:lvl1pPr>
+              <a:defRPr sz="2000"/>
+            </a:lvl1pPr>
+          </a:lstStyle>
+          <a:p>
+            <a:r>
+              <a:rPr lang="fr-FR" b="1" dirty="0">
+                <a:latin typeface="Times New Roman" panose="02020603050405020304" pitchFamily="18" charset="0"/>
+                <a:cs typeface="Times New Roman" panose="02020603050405020304" pitchFamily="18" charset="0"/>
+              </a:rPr>
+              <a:t>Les chiffres de César et Vigenère appartiennent à la famille du chiffrement symétrique car on utilise la même clé pour chiffrer et déchiffrer le message. </a:t>
+            </a:r>
+          </a:p>
+        </p:txBody>
+      </p:sp>
+    </p:spTree>
+    <p:extLst>
+      <p:ext uri="{BB962C8B-B14F-4D97-AF65-F5344CB8AC3E}">
+        <p14:creationId xmlns:p14="http://schemas.microsoft.com/office/powerpoint/2010/main" val="1835164876"/>
+      </p:ext>
+    </p:extLst>
+  </p:cSld>
+  <p:clrMapOvr>
+    <a:masterClrMapping/>
+  </p:clrMapOvr>
+</p:sld>
+</file>
+
+<file path=ppt/slides/slide32.xml><?xml version="1.0" encoding="utf-8"?>
+<p:sld xmlns:a="http://schemas.openxmlformats.org/drawingml/2006/main" xmlns:r="http://schemas.openxmlformats.org/officeDocument/2006/relationships" xmlns:p="http://schemas.openxmlformats.org/presentationml/2006/main">
+  <p:cSld>
+    <p:spTree>
+      <p:nvGrpSpPr>
+        <p:cNvPr id="1" name=""/>
+        <p:cNvGrpSpPr/>
+        <p:nvPr/>
+      </p:nvGrpSpPr>
+      <p:grpSpPr>
+        <a:xfrm>
+          <a:off x="0" y="0"/>
+          <a:ext cx="0" cy="0"/>
+          <a:chOff x="0" y="0"/>
+          <a:chExt cx="0" cy="0"/>
+        </a:xfrm>
+      </p:grpSpPr>
+      <p:sp>
+        <p:nvSpPr>
+          <p:cNvPr id="4" name="Espace réservé du pied de page 3">
+            <a:extLst>
+              <a:ext uri="{FF2B5EF4-FFF2-40B4-BE49-F238E27FC236}">
+                <a16:creationId xmlns:a16="http://schemas.microsoft.com/office/drawing/2014/main" id="{8FEEC940-4BFF-956C-713A-1CE73C436B6F}"/>
+              </a:ext>
+            </a:extLst>
+          </p:cNvPr>
+          <p:cNvSpPr>
+            <a:spLocks noGrp="1"/>
+          </p:cNvSpPr>
+          <p:nvPr>
+            <p:ph type="ftr" sz="quarter" idx="11"/>
+          </p:nvPr>
+        </p:nvSpPr>
+        <p:spPr/>
+        <p:txBody>
+          <a:bodyPr/>
+          <a:lstStyle/>
+          <a:p>
+            <a:r>
+              <a:rPr lang="fr-FR"/>
+              <a:t>Cours: Python | Auteur: TUO N. Ismaël Maurice 
+</a:t>
+            </a:r>
+          </a:p>
+        </p:txBody>
+      </p:sp>
+      <p:sp>
+        <p:nvSpPr>
+          <p:cNvPr id="5" name="Espace réservé du numéro de diapositive 4">
+            <a:extLst>
+              <a:ext uri="{FF2B5EF4-FFF2-40B4-BE49-F238E27FC236}">
+                <a16:creationId xmlns:a16="http://schemas.microsoft.com/office/drawing/2014/main" id="{CE50FB16-F89F-D7CA-C6AA-CFC075094990}"/>
+              </a:ext>
+            </a:extLst>
+          </p:cNvPr>
+          <p:cNvSpPr>
+            <a:spLocks noGrp="1"/>
+          </p:cNvSpPr>
+          <p:nvPr>
+            <p:ph type="sldNum" sz="quarter" idx="12"/>
+          </p:nvPr>
+        </p:nvSpPr>
+        <p:spPr/>
+        <p:txBody>
+          <a:bodyPr/>
+          <a:lstStyle/>
+          <a:p>
+            <a:fld id="{B8C3BB88-DD29-4D42-B62E-D7D541DB4348}" type="slidenum">
+              <a:rPr lang="fr-FR" smtClean="0"/>
+              <a:t>32</a:t>
+            </a:fld>
+            <a:endParaRPr lang="fr-FR"/>
+          </a:p>
+        </p:txBody>
+      </p:sp>
+      <p:sp>
+        <p:nvSpPr>
+          <p:cNvPr id="6" name="ZoneTexte 5">
+            <a:extLst>
+              <a:ext uri="{FF2B5EF4-FFF2-40B4-BE49-F238E27FC236}">
+                <a16:creationId xmlns:a16="http://schemas.microsoft.com/office/drawing/2014/main" id="{84F10693-2FE8-EFC8-8DB6-84BFD181D260}"/>
+              </a:ext>
+            </a:extLst>
+          </p:cNvPr>
+          <p:cNvSpPr txBox="1"/>
+          <p:nvPr/>
+        </p:nvSpPr>
+        <p:spPr>
+          <a:xfrm>
+            <a:off x="397564" y="218526"/>
+            <a:ext cx="5795005" cy="461665"/>
+          </a:xfrm>
+          <a:prstGeom prst="rect">
+            <a:avLst/>
+          </a:prstGeom>
+          <a:noFill/>
+        </p:spPr>
+        <p:txBody>
+          <a:bodyPr wrap="square" rtlCol="0">
+            <a:spAutoFit/>
+          </a:bodyPr>
+          <a:lstStyle/>
+          <a:p>
+            <a:r>
+              <a:rPr lang="fr-FR" sz="2400" b="1" dirty="0">
+                <a:latin typeface="Times New Roman" panose="02020603050405020304" pitchFamily="18" charset="0"/>
+                <a:cs typeface="Times New Roman" panose="02020603050405020304" pitchFamily="18" charset="0"/>
+              </a:rPr>
+              <a:t>Exercices</a:t>
+            </a:r>
+          </a:p>
+        </p:txBody>
+      </p:sp>
+      <p:cxnSp>
+        <p:nvCxnSpPr>
+          <p:cNvPr id="3" name="Connecteur droit 2">
+            <a:extLst>
+              <a:ext uri="{FF2B5EF4-FFF2-40B4-BE49-F238E27FC236}">
+                <a16:creationId xmlns:a16="http://schemas.microsoft.com/office/drawing/2014/main" id="{6AC8021D-4898-08B9-18A0-60AC71EF613E}"/>
+              </a:ext>
+            </a:extLst>
+          </p:cNvPr>
+          <p:cNvCxnSpPr>
+            <a:cxnSpLocks/>
+          </p:cNvCxnSpPr>
+          <p:nvPr/>
+        </p:nvCxnSpPr>
+        <p:spPr>
+          <a:xfrm>
+            <a:off x="500932" y="680191"/>
+            <a:ext cx="11178450" cy="0"/>
+          </a:xfrm>
+          <a:prstGeom prst="line">
+            <a:avLst/>
+          </a:prstGeom>
+          <a:ln/>
+        </p:spPr>
+        <p:style>
+          <a:lnRef idx="3">
+            <a:schemeClr val="accent3"/>
+          </a:lnRef>
+          <a:fillRef idx="0">
+            <a:schemeClr val="accent3"/>
+          </a:fillRef>
+          <a:effectRef idx="2">
+            <a:schemeClr val="accent3"/>
+          </a:effectRef>
+          <a:fontRef idx="minor">
+            <a:schemeClr val="tx1"/>
+          </a:fontRef>
+        </p:style>
+      </p:cxnSp>
       <p:sp>
         <p:nvSpPr>
           <p:cNvPr id="7" name="ZoneTexte 6">
@@ -19802,7 +21258,61 @@
         </p:nvSpPr>
         <p:spPr>
           <a:xfrm>
-            <a:off x="397564" y="1090885"/>
+            <a:off x="419649" y="810461"/>
+            <a:ext cx="11088982" cy="1323439"/>
+          </a:xfrm>
+          <a:prstGeom prst="rect">
+            <a:avLst/>
+          </a:prstGeom>
+          <a:noFill/>
+        </p:spPr>
+        <p:txBody>
+          <a:bodyPr wrap="square" rtlCol="0">
+            <a:spAutoFit/>
+          </a:bodyPr>
+          <a:lstStyle>
+            <a:defPPr>
+              <a:defRPr lang="en-US"/>
+            </a:defPPr>
+            <a:lvl1pPr>
+              <a:defRPr sz="2000"/>
+            </a:lvl1pPr>
+          </a:lstStyle>
+          <a:p>
+            <a:r>
+              <a:rPr lang="fr-FR" dirty="0">
+                <a:latin typeface="Times New Roman" panose="02020603050405020304" pitchFamily="18" charset="0"/>
+                <a:cs typeface="Times New Roman" panose="02020603050405020304" pitchFamily="18" charset="0"/>
+              </a:rPr>
+              <a:t>L’objectif est d’utiliser les connaissances apprises sur les listes pour écrire un programme Python qui permettra de déchiffrer/chiffrer un message fourni par un utilisateur avec une clé donnée.</a:t>
+            </a:r>
+          </a:p>
+          <a:p>
+            <a:r>
+              <a:rPr lang="fr-FR" dirty="0">
+                <a:latin typeface="Times New Roman" panose="02020603050405020304" pitchFamily="18" charset="0"/>
+                <a:cs typeface="Times New Roman" panose="02020603050405020304" pitchFamily="18" charset="0"/>
+              </a:rPr>
+              <a:t>Le programme doit pouvoir chiffrer et déchiffrer des messages contenant des lettres majuscules et minuscules ainsi que des nombres.</a:t>
+            </a:r>
+          </a:p>
+        </p:txBody>
+      </p:sp>
+      <p:sp>
+        <p:nvSpPr>
+          <p:cNvPr id="8" name="ZoneTexte 7">
+            <a:extLst>
+              <a:ext uri="{FF2B5EF4-FFF2-40B4-BE49-F238E27FC236}">
+                <a16:creationId xmlns:a16="http://schemas.microsoft.com/office/drawing/2014/main" id="{BEECF3A8-73CE-9EC0-B923-08D73787138E}"/>
+              </a:ext>
+            </a:extLst>
+          </p:cNvPr>
+          <p:cNvSpPr txBox="1"/>
+          <p:nvPr/>
+        </p:nvSpPr>
+        <p:spPr>
+          <a:xfrm>
+            <a:off x="397564" y="3139670"/>
             <a:ext cx="11088982" cy="400110"/>
           </a:xfrm>
           <a:prstGeom prst="rect">
@@ -19828,29 +21338,174 @@
                 <a:latin typeface="Times New Roman" panose="02020603050405020304" pitchFamily="18" charset="0"/>
                 <a:cs typeface="Times New Roman" panose="02020603050405020304" pitchFamily="18" charset="0"/>
               </a:rPr>
-              <a:t>Chiffre de </a:t>
-            </a:r>
-            <a:r>
-              <a:rPr lang="fr-FR" dirty="0" err="1">
-                <a:latin typeface="Times New Roman" panose="02020603050405020304" pitchFamily="18" charset="0"/>
-                <a:cs typeface="Times New Roman" panose="02020603050405020304" pitchFamily="18" charset="0"/>
-              </a:rPr>
-              <a:t>Vernam</a:t>
-            </a:r>
+              <a:t>Ecrire le fichier Algorithme et ensuite le programme en Python.</a:t>
+            </a:r>
+          </a:p>
+        </p:txBody>
+      </p:sp>
+      <p:sp>
+        <p:nvSpPr>
+          <p:cNvPr id="10" name="ZoneTexte 9">
+            <a:extLst>
+              <a:ext uri="{FF2B5EF4-FFF2-40B4-BE49-F238E27FC236}">
+                <a16:creationId xmlns:a16="http://schemas.microsoft.com/office/drawing/2014/main" id="{24D98DAF-178C-EE92-6768-D47D152A08B6}"/>
+              </a:ext>
+            </a:extLst>
+          </p:cNvPr>
+          <p:cNvSpPr txBox="1"/>
+          <p:nvPr/>
+        </p:nvSpPr>
+        <p:spPr>
+          <a:xfrm>
+            <a:off x="419649" y="2103760"/>
+            <a:ext cx="11088982" cy="1015663"/>
+          </a:xfrm>
+          <a:prstGeom prst="rect">
+            <a:avLst/>
+          </a:prstGeom>
+          <a:noFill/>
+        </p:spPr>
+        <p:txBody>
+          <a:bodyPr wrap="square" rtlCol="0">
+            <a:spAutoFit/>
+          </a:bodyPr>
+          <a:lstStyle>
+            <a:defPPr>
+              <a:defRPr lang="en-US"/>
+            </a:defPPr>
+            <a:lvl1pPr>
+              <a:defRPr sz="2000"/>
+            </a:lvl1pPr>
+          </a:lstStyle>
+          <a:p>
             <a:r>
               <a:rPr lang="fr-FR" dirty="0">
                 <a:latin typeface="Times New Roman" panose="02020603050405020304" pitchFamily="18" charset="0"/>
                 <a:cs typeface="Times New Roman" panose="02020603050405020304" pitchFamily="18" charset="0"/>
               </a:rPr>
-              <a:t> masque jetable</a:t>
+              <a:t>Lorsque le programme démarre, l’utilisateur doit choisir quel type d’opération il veut réaliser (chiffrement ou déchiffrement). Ensuite il doit saisir le texte qu’il veut chiffrer et la clé.</a:t>
+            </a:r>
+          </a:p>
+          <a:p>
+            <a:r>
+              <a:rPr lang="fr-FR" dirty="0">
+                <a:latin typeface="Times New Roman" panose="02020603050405020304" pitchFamily="18" charset="0"/>
+                <a:cs typeface="Times New Roman" panose="02020603050405020304" pitchFamily="18" charset="0"/>
+              </a:rPr>
+              <a:t>Le programme doit afficher le résultat de l’opération.</a:t>
             </a:r>
           </a:p>
         </p:txBody>
       </p:sp>
+      <p:sp>
+        <p:nvSpPr>
+          <p:cNvPr id="12" name="ZoneTexte 11">
+            <a:extLst>
+              <a:ext uri="{FF2B5EF4-FFF2-40B4-BE49-F238E27FC236}">
+                <a16:creationId xmlns:a16="http://schemas.microsoft.com/office/drawing/2014/main" id="{19CB152B-9880-A07F-BB5E-1B89D0E262F0}"/>
+              </a:ext>
+            </a:extLst>
+          </p:cNvPr>
+          <p:cNvSpPr txBox="1"/>
+          <p:nvPr/>
+        </p:nvSpPr>
+        <p:spPr>
+          <a:xfrm>
+            <a:off x="419649" y="3560027"/>
+            <a:ext cx="11088982" cy="400110"/>
+          </a:xfrm>
+          <a:prstGeom prst="rect">
+            <a:avLst/>
+          </a:prstGeom>
+          <a:noFill/>
+        </p:spPr>
+        <p:txBody>
+          <a:bodyPr wrap="square" rtlCol="0">
+            <a:spAutoFit/>
+          </a:bodyPr>
+          <a:lstStyle>
+            <a:defPPr>
+              <a:defRPr lang="en-US"/>
+            </a:defPPr>
+            <a:lvl1pPr>
+              <a:defRPr sz="2000"/>
+            </a:lvl1pPr>
+          </a:lstStyle>
+          <a:p>
+            <a:r>
+              <a:rPr lang="fr-FR" dirty="0">
+                <a:latin typeface="Times New Roman" panose="02020603050405020304" pitchFamily="18" charset="0"/>
+                <a:cs typeface="Times New Roman" panose="02020603050405020304" pitchFamily="18" charset="0"/>
+              </a:rPr>
+              <a:t>Ci-dessous un exemple d’exécution (votre version peut être différente):</a:t>
+            </a:r>
+          </a:p>
+        </p:txBody>
+      </p:sp>
+      <p:pic>
+        <p:nvPicPr>
+          <p:cNvPr id="9" name="Image 8">
+            <a:extLst>
+              <a:ext uri="{FF2B5EF4-FFF2-40B4-BE49-F238E27FC236}">
+                <a16:creationId xmlns:a16="http://schemas.microsoft.com/office/drawing/2014/main" id="{62D8BB4F-61C9-490C-9332-A67E847D5FBE}"/>
+              </a:ext>
+            </a:extLst>
+          </p:cNvPr>
+          <p:cNvPicPr>
+            <a:picLocks noChangeAspect="1"/>
+          </p:cNvPicPr>
+          <p:nvPr/>
+        </p:nvPicPr>
+        <p:blipFill>
+          <a:blip r:embed="rId2"/>
+          <a:stretch>
+            <a:fillRect/>
+          </a:stretch>
+        </p:blipFill>
+        <p:spPr>
+          <a:xfrm>
+            <a:off x="892912" y="3996188"/>
+            <a:ext cx="3967287" cy="2202696"/>
+          </a:xfrm>
+          <a:prstGeom prst="rect">
+            <a:avLst/>
+          </a:prstGeom>
+        </p:spPr>
+      </p:pic>
+      <p:pic>
+        <p:nvPicPr>
+          <p:cNvPr id="13" name="Image 12">
+            <a:extLst>
+              <a:ext uri="{FF2B5EF4-FFF2-40B4-BE49-F238E27FC236}">
+                <a16:creationId xmlns:a16="http://schemas.microsoft.com/office/drawing/2014/main" id="{8A9117C4-0426-C41D-6428-ABEFEA93CDA3}"/>
+              </a:ext>
+            </a:extLst>
+          </p:cNvPr>
+          <p:cNvPicPr>
+            <a:picLocks noChangeAspect="1"/>
+          </p:cNvPicPr>
+          <p:nvPr/>
+        </p:nvPicPr>
+        <p:blipFill>
+          <a:blip r:embed="rId3"/>
+          <a:stretch>
+            <a:fillRect/>
+          </a:stretch>
+        </p:blipFill>
+        <p:spPr>
+          <a:xfrm>
+            <a:off x="5333461" y="3943120"/>
+            <a:ext cx="3883182" cy="2291815"/>
+          </a:xfrm>
+          <a:prstGeom prst="rect">
+            <a:avLst/>
+          </a:prstGeom>
+        </p:spPr>
+      </p:pic>
     </p:spTree>
     <p:extLst>
       <p:ext uri="{BB962C8B-B14F-4D97-AF65-F5344CB8AC3E}">
-        <p14:creationId xmlns:p14="http://schemas.microsoft.com/office/powerpoint/2010/main" val="11946480"/>
+        <p14:creationId xmlns:p14="http://schemas.microsoft.com/office/powerpoint/2010/main" val="864656457"/>
       </p:ext>
     </p:extLst>
   </p:cSld>
@@ -19860,7 +21515,7 @@
 </p:sld>
 </file>
 
-<file path=ppt/slides/slide32.xml><?xml version="1.0" encoding="utf-8"?>
+<file path=ppt/slides/slide33.xml><?xml version="1.0" encoding="utf-8"?>
 <p:sld xmlns:a="http://schemas.openxmlformats.org/drawingml/2006/main" xmlns:r="http://schemas.openxmlformats.org/officeDocument/2006/relationships" xmlns:p="http://schemas.openxmlformats.org/presentationml/2006/main">
   <p:cSld>
     <p:spTree>
